--- a/DevOps.pptx
+++ b/DevOps.pptx
@@ -24,7 +24,8 @@
     <p:sldId id="273" r:id="rId18"/>
     <p:sldId id="274" r:id="rId19"/>
     <p:sldId id="275" r:id="rId20"/>
-    <p:sldId id="258" r:id="rId21"/>
+    <p:sldId id="276" r:id="rId21"/>
+    <p:sldId id="258" r:id="rId22"/>
   </p:sldIdLst>
   <p:sldSz cx="12192000" cy="6858000"/>
   <p:notesSz cx="6858000" cy="9144000"/>
@@ -148,7 +149,7 @@
           <p:cNvPr id="2" name="Title 1">
             <a:extLst>
               <a:ext uri="{FF2B5EF4-FFF2-40B4-BE49-F238E27FC236}">
-                <a16:creationId xmlns:a16="http://schemas.microsoft.com/office/drawing/2014/main" id="{11334219-D3AB-41B2-8ADB-644EE7709C17}"/>
+                <a16:creationId xmlns:a16="http://schemas.microsoft.com/office/drawing/2014/main" xmlns="" id="{11334219-D3AB-41B2-8ADB-644EE7709C17}"/>
               </a:ext>
             </a:extLst>
           </p:cNvPr>
@@ -185,7 +186,7 @@
           <p:cNvPr id="3" name="Subtitle 2">
             <a:extLst>
               <a:ext uri="{FF2B5EF4-FFF2-40B4-BE49-F238E27FC236}">
-                <a16:creationId xmlns:a16="http://schemas.microsoft.com/office/drawing/2014/main" id="{95413D5A-B558-4E1E-A41A-E1A9FC472792}"/>
+                <a16:creationId xmlns:a16="http://schemas.microsoft.com/office/drawing/2014/main" xmlns="" id="{95413D5A-B558-4E1E-A41A-E1A9FC472792}"/>
               </a:ext>
             </a:extLst>
           </p:cNvPr>
@@ -255,7 +256,7 @@
           <p:cNvPr id="4" name="Date Placeholder 3">
             <a:extLst>
               <a:ext uri="{FF2B5EF4-FFF2-40B4-BE49-F238E27FC236}">
-                <a16:creationId xmlns:a16="http://schemas.microsoft.com/office/drawing/2014/main" id="{A690AC1A-AF18-4A14-9E8D-EB4B7B22D3B5}"/>
+                <a16:creationId xmlns:a16="http://schemas.microsoft.com/office/drawing/2014/main" xmlns="" id="{A690AC1A-AF18-4A14-9E8D-EB4B7B22D3B5}"/>
               </a:ext>
             </a:extLst>
           </p:cNvPr>
@@ -273,7 +274,8 @@
           <a:p>
             <a:fld id="{07C149BE-AC79-4548-8B96-E3E2494BEA7F}" type="datetimeFigureOut">
               <a:rPr lang="en-US" smtClean="0"/>
-              <a:t>5/23/2022</a:t>
+              <a:pPr/>
+              <a:t>5/28/2022</a:t>
             </a:fld>
             <a:endParaRPr lang="en-US"/>
           </a:p>
@@ -284,7 +286,7 @@
           <p:cNvPr id="5" name="Footer Placeholder 4">
             <a:extLst>
               <a:ext uri="{FF2B5EF4-FFF2-40B4-BE49-F238E27FC236}">
-                <a16:creationId xmlns:a16="http://schemas.microsoft.com/office/drawing/2014/main" id="{FE625D2A-8362-4F07-B36B-0870C863ADF3}"/>
+                <a16:creationId xmlns:a16="http://schemas.microsoft.com/office/drawing/2014/main" xmlns="" id="{FE625D2A-8362-4F07-B36B-0870C863ADF3}"/>
               </a:ext>
             </a:extLst>
           </p:cNvPr>
@@ -309,7 +311,7 @@
           <p:cNvPr id="6" name="Slide Number Placeholder 5">
             <a:extLst>
               <a:ext uri="{FF2B5EF4-FFF2-40B4-BE49-F238E27FC236}">
-                <a16:creationId xmlns:a16="http://schemas.microsoft.com/office/drawing/2014/main" id="{1549429C-19E9-4F2C-B4FD-8F54CDD00E8B}"/>
+                <a16:creationId xmlns:a16="http://schemas.microsoft.com/office/drawing/2014/main" xmlns="" id="{1549429C-19E9-4F2C-B4FD-8F54CDD00E8B}"/>
               </a:ext>
             </a:extLst>
           </p:cNvPr>
@@ -327,6 +329,7 @@
           <a:p>
             <a:fld id="{D5B41888-593B-4C9A-883D-13341236B250}" type="slidenum">
               <a:rPr lang="en-US" smtClean="0"/>
+              <a:pPr/>
               <a:t>‹#›</a:t>
             </a:fld>
             <a:endParaRPr lang="en-US"/>
@@ -336,7 +339,7 @@
     </p:spTree>
     <p:extLst>
       <p:ext uri="{BB962C8B-B14F-4D97-AF65-F5344CB8AC3E}">
-        <p14:creationId xmlns:p14="http://schemas.microsoft.com/office/powerpoint/2010/main" val="795564747"/>
+        <p14:creationId xmlns:p14="http://schemas.microsoft.com/office/powerpoint/2010/main" xmlns="" val="795564747"/>
       </p:ext>
     </p:extLst>
   </p:cSld>
@@ -368,7 +371,7 @@
           <p:cNvPr id="2" name="Title 1">
             <a:extLst>
               <a:ext uri="{FF2B5EF4-FFF2-40B4-BE49-F238E27FC236}">
-                <a16:creationId xmlns:a16="http://schemas.microsoft.com/office/drawing/2014/main" id="{EDFFEACB-671B-4E99-90DE-FCA203D82464}"/>
+                <a16:creationId xmlns:a16="http://schemas.microsoft.com/office/drawing/2014/main" xmlns="" id="{EDFFEACB-671B-4E99-90DE-FCA203D82464}"/>
               </a:ext>
             </a:extLst>
           </p:cNvPr>
@@ -396,7 +399,7 @@
           <p:cNvPr id="3" name="Vertical Text Placeholder 2">
             <a:extLst>
               <a:ext uri="{FF2B5EF4-FFF2-40B4-BE49-F238E27FC236}">
-                <a16:creationId xmlns:a16="http://schemas.microsoft.com/office/drawing/2014/main" id="{5EBBDE48-CEA1-4233-8F0D-3609C5C8686C}"/>
+                <a16:creationId xmlns:a16="http://schemas.microsoft.com/office/drawing/2014/main" xmlns="" id="{5EBBDE48-CEA1-4233-8F0D-3609C5C8686C}"/>
               </a:ext>
             </a:extLst>
           </p:cNvPr>
@@ -453,7 +456,7 @@
           <p:cNvPr id="4" name="Date Placeholder 3">
             <a:extLst>
               <a:ext uri="{FF2B5EF4-FFF2-40B4-BE49-F238E27FC236}">
-                <a16:creationId xmlns:a16="http://schemas.microsoft.com/office/drawing/2014/main" id="{2E5C6FEC-E6F2-4DA5-830B-16AC04370781}"/>
+                <a16:creationId xmlns:a16="http://schemas.microsoft.com/office/drawing/2014/main" xmlns="" id="{2E5C6FEC-E6F2-4DA5-830B-16AC04370781}"/>
               </a:ext>
             </a:extLst>
           </p:cNvPr>
@@ -471,7 +474,8 @@
           <a:p>
             <a:fld id="{07C149BE-AC79-4548-8B96-E3E2494BEA7F}" type="datetimeFigureOut">
               <a:rPr lang="en-US" smtClean="0"/>
-              <a:t>5/23/2022</a:t>
+              <a:pPr/>
+              <a:t>5/28/2022</a:t>
             </a:fld>
             <a:endParaRPr lang="en-US"/>
           </a:p>
@@ -482,7 +486,7 @@
           <p:cNvPr id="5" name="Footer Placeholder 4">
             <a:extLst>
               <a:ext uri="{FF2B5EF4-FFF2-40B4-BE49-F238E27FC236}">
-                <a16:creationId xmlns:a16="http://schemas.microsoft.com/office/drawing/2014/main" id="{33C34678-02FE-470D-8230-588A1EC87C80}"/>
+                <a16:creationId xmlns:a16="http://schemas.microsoft.com/office/drawing/2014/main" xmlns="" id="{33C34678-02FE-470D-8230-588A1EC87C80}"/>
               </a:ext>
             </a:extLst>
           </p:cNvPr>
@@ -507,7 +511,7 @@
           <p:cNvPr id="6" name="Slide Number Placeholder 5">
             <a:extLst>
               <a:ext uri="{FF2B5EF4-FFF2-40B4-BE49-F238E27FC236}">
-                <a16:creationId xmlns:a16="http://schemas.microsoft.com/office/drawing/2014/main" id="{DB95C7E1-CB97-4125-A4CF-1126A5676968}"/>
+                <a16:creationId xmlns:a16="http://schemas.microsoft.com/office/drawing/2014/main" xmlns="" id="{DB95C7E1-CB97-4125-A4CF-1126A5676968}"/>
               </a:ext>
             </a:extLst>
           </p:cNvPr>
@@ -525,6 +529,7 @@
           <a:p>
             <a:fld id="{D5B41888-593B-4C9A-883D-13341236B250}" type="slidenum">
               <a:rPr lang="en-US" smtClean="0"/>
+              <a:pPr/>
               <a:t>‹#›</a:t>
             </a:fld>
             <a:endParaRPr lang="en-US"/>
@@ -534,7 +539,7 @@
     </p:spTree>
     <p:extLst>
       <p:ext uri="{BB962C8B-B14F-4D97-AF65-F5344CB8AC3E}">
-        <p14:creationId xmlns:p14="http://schemas.microsoft.com/office/powerpoint/2010/main" val="652119031"/>
+        <p14:creationId xmlns:p14="http://schemas.microsoft.com/office/powerpoint/2010/main" xmlns="" val="652119031"/>
       </p:ext>
     </p:extLst>
   </p:cSld>
@@ -566,7 +571,7 @@
           <p:cNvPr id="2" name="Vertical Title 1">
             <a:extLst>
               <a:ext uri="{FF2B5EF4-FFF2-40B4-BE49-F238E27FC236}">
-                <a16:creationId xmlns:a16="http://schemas.microsoft.com/office/drawing/2014/main" id="{5F6B2C60-1B25-4BBB-B8DD-182CD312DF98}"/>
+                <a16:creationId xmlns:a16="http://schemas.microsoft.com/office/drawing/2014/main" xmlns="" id="{5F6B2C60-1B25-4BBB-B8DD-182CD312DF98}"/>
               </a:ext>
             </a:extLst>
           </p:cNvPr>
@@ -599,7 +604,7 @@
           <p:cNvPr id="3" name="Vertical Text Placeholder 2">
             <a:extLst>
               <a:ext uri="{FF2B5EF4-FFF2-40B4-BE49-F238E27FC236}">
-                <a16:creationId xmlns:a16="http://schemas.microsoft.com/office/drawing/2014/main" id="{DBD4EC11-F684-45FE-A670-6839F3BD1D01}"/>
+                <a16:creationId xmlns:a16="http://schemas.microsoft.com/office/drawing/2014/main" xmlns="" id="{DBD4EC11-F684-45FE-A670-6839F3BD1D01}"/>
               </a:ext>
             </a:extLst>
           </p:cNvPr>
@@ -661,7 +666,7 @@
           <p:cNvPr id="4" name="Date Placeholder 3">
             <a:extLst>
               <a:ext uri="{FF2B5EF4-FFF2-40B4-BE49-F238E27FC236}">
-                <a16:creationId xmlns:a16="http://schemas.microsoft.com/office/drawing/2014/main" id="{B6ADFE61-028C-4DF5-AB65-16A348AADBA3}"/>
+                <a16:creationId xmlns:a16="http://schemas.microsoft.com/office/drawing/2014/main" xmlns="" id="{B6ADFE61-028C-4DF5-AB65-16A348AADBA3}"/>
               </a:ext>
             </a:extLst>
           </p:cNvPr>
@@ -679,7 +684,8 @@
           <a:p>
             <a:fld id="{07C149BE-AC79-4548-8B96-E3E2494BEA7F}" type="datetimeFigureOut">
               <a:rPr lang="en-US" smtClean="0"/>
-              <a:t>5/23/2022</a:t>
+              <a:pPr/>
+              <a:t>5/28/2022</a:t>
             </a:fld>
             <a:endParaRPr lang="en-US"/>
           </a:p>
@@ -690,7 +696,7 @@
           <p:cNvPr id="5" name="Footer Placeholder 4">
             <a:extLst>
               <a:ext uri="{FF2B5EF4-FFF2-40B4-BE49-F238E27FC236}">
-                <a16:creationId xmlns:a16="http://schemas.microsoft.com/office/drawing/2014/main" id="{F6690023-6460-406A-BFA3-91376048F033}"/>
+                <a16:creationId xmlns:a16="http://schemas.microsoft.com/office/drawing/2014/main" xmlns="" id="{F6690023-6460-406A-BFA3-91376048F033}"/>
               </a:ext>
             </a:extLst>
           </p:cNvPr>
@@ -715,7 +721,7 @@
           <p:cNvPr id="6" name="Slide Number Placeholder 5">
             <a:extLst>
               <a:ext uri="{FF2B5EF4-FFF2-40B4-BE49-F238E27FC236}">
-                <a16:creationId xmlns:a16="http://schemas.microsoft.com/office/drawing/2014/main" id="{141DF3AE-7E06-4D8F-B0BE-4A8B1C2210AF}"/>
+                <a16:creationId xmlns:a16="http://schemas.microsoft.com/office/drawing/2014/main" xmlns="" id="{141DF3AE-7E06-4D8F-B0BE-4A8B1C2210AF}"/>
               </a:ext>
             </a:extLst>
           </p:cNvPr>
@@ -733,6 +739,7 @@
           <a:p>
             <a:fld id="{D5B41888-593B-4C9A-883D-13341236B250}" type="slidenum">
               <a:rPr lang="en-US" smtClean="0"/>
+              <a:pPr/>
               <a:t>‹#›</a:t>
             </a:fld>
             <a:endParaRPr lang="en-US"/>
@@ -742,7 +749,7 @@
     </p:spTree>
     <p:extLst>
       <p:ext uri="{BB962C8B-B14F-4D97-AF65-F5344CB8AC3E}">
-        <p14:creationId xmlns:p14="http://schemas.microsoft.com/office/powerpoint/2010/main" val="2150503476"/>
+        <p14:creationId xmlns:p14="http://schemas.microsoft.com/office/powerpoint/2010/main" xmlns="" val="2150503476"/>
       </p:ext>
     </p:extLst>
   </p:cSld>
@@ -774,7 +781,7 @@
           <p:cNvPr id="2" name="Title 1">
             <a:extLst>
               <a:ext uri="{FF2B5EF4-FFF2-40B4-BE49-F238E27FC236}">
-                <a16:creationId xmlns:a16="http://schemas.microsoft.com/office/drawing/2014/main" id="{D1D68E82-B91F-4B08-82A6-5B478BD41DEE}"/>
+                <a16:creationId xmlns:a16="http://schemas.microsoft.com/office/drawing/2014/main" xmlns="" id="{D1D68E82-B91F-4B08-82A6-5B478BD41DEE}"/>
               </a:ext>
             </a:extLst>
           </p:cNvPr>
@@ -802,7 +809,7 @@
           <p:cNvPr id="3" name="Content Placeholder 2">
             <a:extLst>
               <a:ext uri="{FF2B5EF4-FFF2-40B4-BE49-F238E27FC236}">
-                <a16:creationId xmlns:a16="http://schemas.microsoft.com/office/drawing/2014/main" id="{4E0DD447-5B02-4B26-B6E8-D59B9E6C6E14}"/>
+                <a16:creationId xmlns:a16="http://schemas.microsoft.com/office/drawing/2014/main" xmlns="" id="{4E0DD447-5B02-4B26-B6E8-D59B9E6C6E14}"/>
               </a:ext>
             </a:extLst>
           </p:cNvPr>
@@ -859,7 +866,7 @@
           <p:cNvPr id="4" name="Date Placeholder 3">
             <a:extLst>
               <a:ext uri="{FF2B5EF4-FFF2-40B4-BE49-F238E27FC236}">
-                <a16:creationId xmlns:a16="http://schemas.microsoft.com/office/drawing/2014/main" id="{87AA1E80-2C38-45D7-82A0-F5815CA2CFDE}"/>
+                <a16:creationId xmlns:a16="http://schemas.microsoft.com/office/drawing/2014/main" xmlns="" id="{87AA1E80-2C38-45D7-82A0-F5815CA2CFDE}"/>
               </a:ext>
             </a:extLst>
           </p:cNvPr>
@@ -877,7 +884,8 @@
           <a:p>
             <a:fld id="{07C149BE-AC79-4548-8B96-E3E2494BEA7F}" type="datetimeFigureOut">
               <a:rPr lang="en-US" smtClean="0"/>
-              <a:t>5/23/2022</a:t>
+              <a:pPr/>
+              <a:t>5/28/2022</a:t>
             </a:fld>
             <a:endParaRPr lang="en-US"/>
           </a:p>
@@ -888,7 +896,7 @@
           <p:cNvPr id="5" name="Footer Placeholder 4">
             <a:extLst>
               <a:ext uri="{FF2B5EF4-FFF2-40B4-BE49-F238E27FC236}">
-                <a16:creationId xmlns:a16="http://schemas.microsoft.com/office/drawing/2014/main" id="{ACEB29ED-FF33-419A-BA01-9E26545D9A03}"/>
+                <a16:creationId xmlns:a16="http://schemas.microsoft.com/office/drawing/2014/main" xmlns="" id="{ACEB29ED-FF33-419A-BA01-9E26545D9A03}"/>
               </a:ext>
             </a:extLst>
           </p:cNvPr>
@@ -913,7 +921,7 @@
           <p:cNvPr id="6" name="Slide Number Placeholder 5">
             <a:extLst>
               <a:ext uri="{FF2B5EF4-FFF2-40B4-BE49-F238E27FC236}">
-                <a16:creationId xmlns:a16="http://schemas.microsoft.com/office/drawing/2014/main" id="{DF00D132-37E7-49C6-9E8B-17AE4ECE0880}"/>
+                <a16:creationId xmlns:a16="http://schemas.microsoft.com/office/drawing/2014/main" xmlns="" id="{DF00D132-37E7-49C6-9E8B-17AE4ECE0880}"/>
               </a:ext>
             </a:extLst>
           </p:cNvPr>
@@ -931,6 +939,7 @@
           <a:p>
             <a:fld id="{D5B41888-593B-4C9A-883D-13341236B250}" type="slidenum">
               <a:rPr lang="en-US" smtClean="0"/>
+              <a:pPr/>
               <a:t>‹#›</a:t>
             </a:fld>
             <a:endParaRPr lang="en-US"/>
@@ -940,7 +949,7 @@
     </p:spTree>
     <p:extLst>
       <p:ext uri="{BB962C8B-B14F-4D97-AF65-F5344CB8AC3E}">
-        <p14:creationId xmlns:p14="http://schemas.microsoft.com/office/powerpoint/2010/main" val="3713423787"/>
+        <p14:creationId xmlns:p14="http://schemas.microsoft.com/office/powerpoint/2010/main" xmlns="" val="3713423787"/>
       </p:ext>
     </p:extLst>
   </p:cSld>
@@ -972,7 +981,7 @@
           <p:cNvPr id="2" name="Title 1">
             <a:extLst>
               <a:ext uri="{FF2B5EF4-FFF2-40B4-BE49-F238E27FC236}">
-                <a16:creationId xmlns:a16="http://schemas.microsoft.com/office/drawing/2014/main" id="{DF5FC28B-5CC4-48E9-BDE1-B169642EC31A}"/>
+                <a16:creationId xmlns:a16="http://schemas.microsoft.com/office/drawing/2014/main" xmlns="" id="{DF5FC28B-5CC4-48E9-BDE1-B169642EC31A}"/>
               </a:ext>
             </a:extLst>
           </p:cNvPr>
@@ -1009,7 +1018,7 @@
           <p:cNvPr id="3" name="Text Placeholder 2">
             <a:extLst>
               <a:ext uri="{FF2B5EF4-FFF2-40B4-BE49-F238E27FC236}">
-                <a16:creationId xmlns:a16="http://schemas.microsoft.com/office/drawing/2014/main" id="{FCA71FCE-28E1-457C-8703-C49B5EB0DD44}"/>
+                <a16:creationId xmlns:a16="http://schemas.microsoft.com/office/drawing/2014/main" xmlns="" id="{FCA71FCE-28E1-457C-8703-C49B5EB0DD44}"/>
               </a:ext>
             </a:extLst>
           </p:cNvPr>
@@ -1134,7 +1143,7 @@
           <p:cNvPr id="4" name="Date Placeholder 3">
             <a:extLst>
               <a:ext uri="{FF2B5EF4-FFF2-40B4-BE49-F238E27FC236}">
-                <a16:creationId xmlns:a16="http://schemas.microsoft.com/office/drawing/2014/main" id="{2C056420-8791-4343-B934-FEF438B6E8DA}"/>
+                <a16:creationId xmlns:a16="http://schemas.microsoft.com/office/drawing/2014/main" xmlns="" id="{2C056420-8791-4343-B934-FEF438B6E8DA}"/>
               </a:ext>
             </a:extLst>
           </p:cNvPr>
@@ -1152,7 +1161,8 @@
           <a:p>
             <a:fld id="{07C149BE-AC79-4548-8B96-E3E2494BEA7F}" type="datetimeFigureOut">
               <a:rPr lang="en-US" smtClean="0"/>
-              <a:t>5/23/2022</a:t>
+              <a:pPr/>
+              <a:t>5/28/2022</a:t>
             </a:fld>
             <a:endParaRPr lang="en-US"/>
           </a:p>
@@ -1163,7 +1173,7 @@
           <p:cNvPr id="5" name="Footer Placeholder 4">
             <a:extLst>
               <a:ext uri="{FF2B5EF4-FFF2-40B4-BE49-F238E27FC236}">
-                <a16:creationId xmlns:a16="http://schemas.microsoft.com/office/drawing/2014/main" id="{1EEA5C3E-B0C4-41E0-837C-395B1EBC85AC}"/>
+                <a16:creationId xmlns:a16="http://schemas.microsoft.com/office/drawing/2014/main" xmlns="" id="{1EEA5C3E-B0C4-41E0-837C-395B1EBC85AC}"/>
               </a:ext>
             </a:extLst>
           </p:cNvPr>
@@ -1188,7 +1198,7 @@
           <p:cNvPr id="6" name="Slide Number Placeholder 5">
             <a:extLst>
               <a:ext uri="{FF2B5EF4-FFF2-40B4-BE49-F238E27FC236}">
-                <a16:creationId xmlns:a16="http://schemas.microsoft.com/office/drawing/2014/main" id="{C68A01E3-40E8-451A-8CDE-226B8C496FDC}"/>
+                <a16:creationId xmlns:a16="http://schemas.microsoft.com/office/drawing/2014/main" xmlns="" id="{C68A01E3-40E8-451A-8CDE-226B8C496FDC}"/>
               </a:ext>
             </a:extLst>
           </p:cNvPr>
@@ -1206,6 +1216,7 @@
           <a:p>
             <a:fld id="{D5B41888-593B-4C9A-883D-13341236B250}" type="slidenum">
               <a:rPr lang="en-US" smtClean="0"/>
+              <a:pPr/>
               <a:t>‹#›</a:t>
             </a:fld>
             <a:endParaRPr lang="en-US"/>
@@ -1215,7 +1226,7 @@
     </p:spTree>
     <p:extLst>
       <p:ext uri="{BB962C8B-B14F-4D97-AF65-F5344CB8AC3E}">
-        <p14:creationId xmlns:p14="http://schemas.microsoft.com/office/powerpoint/2010/main" val="3638162829"/>
+        <p14:creationId xmlns:p14="http://schemas.microsoft.com/office/powerpoint/2010/main" xmlns="" val="3638162829"/>
       </p:ext>
     </p:extLst>
   </p:cSld>
@@ -1247,7 +1258,7 @@
           <p:cNvPr id="2" name="Title 1">
             <a:extLst>
               <a:ext uri="{FF2B5EF4-FFF2-40B4-BE49-F238E27FC236}">
-                <a16:creationId xmlns:a16="http://schemas.microsoft.com/office/drawing/2014/main" id="{D0804C39-3520-497B-B728-36E8D7A09097}"/>
+                <a16:creationId xmlns:a16="http://schemas.microsoft.com/office/drawing/2014/main" xmlns="" id="{D0804C39-3520-497B-B728-36E8D7A09097}"/>
               </a:ext>
             </a:extLst>
           </p:cNvPr>
@@ -1275,7 +1286,7 @@
           <p:cNvPr id="3" name="Content Placeholder 2">
             <a:extLst>
               <a:ext uri="{FF2B5EF4-FFF2-40B4-BE49-F238E27FC236}">
-                <a16:creationId xmlns:a16="http://schemas.microsoft.com/office/drawing/2014/main" id="{D36DBC9B-1113-4517-8AAA-EC09A66ACB61}"/>
+                <a16:creationId xmlns:a16="http://schemas.microsoft.com/office/drawing/2014/main" xmlns="" id="{D36DBC9B-1113-4517-8AAA-EC09A66ACB61}"/>
               </a:ext>
             </a:extLst>
           </p:cNvPr>
@@ -1337,7 +1348,7 @@
           <p:cNvPr id="4" name="Content Placeholder 3">
             <a:extLst>
               <a:ext uri="{FF2B5EF4-FFF2-40B4-BE49-F238E27FC236}">
-                <a16:creationId xmlns:a16="http://schemas.microsoft.com/office/drawing/2014/main" id="{63199ED8-C916-4935-81E4-92A4AA331363}"/>
+                <a16:creationId xmlns:a16="http://schemas.microsoft.com/office/drawing/2014/main" xmlns="" id="{63199ED8-C916-4935-81E4-92A4AA331363}"/>
               </a:ext>
             </a:extLst>
           </p:cNvPr>
@@ -1399,7 +1410,7 @@
           <p:cNvPr id="5" name="Date Placeholder 4">
             <a:extLst>
               <a:ext uri="{FF2B5EF4-FFF2-40B4-BE49-F238E27FC236}">
-                <a16:creationId xmlns:a16="http://schemas.microsoft.com/office/drawing/2014/main" id="{978C82B4-CCDC-4969-955D-1C3DF5594292}"/>
+                <a16:creationId xmlns:a16="http://schemas.microsoft.com/office/drawing/2014/main" xmlns="" id="{978C82B4-CCDC-4969-955D-1C3DF5594292}"/>
               </a:ext>
             </a:extLst>
           </p:cNvPr>
@@ -1417,7 +1428,8 @@
           <a:p>
             <a:fld id="{07C149BE-AC79-4548-8B96-E3E2494BEA7F}" type="datetimeFigureOut">
               <a:rPr lang="en-US" smtClean="0"/>
-              <a:t>5/23/2022</a:t>
+              <a:pPr/>
+              <a:t>5/28/2022</a:t>
             </a:fld>
             <a:endParaRPr lang="en-US"/>
           </a:p>
@@ -1428,7 +1440,7 @@
           <p:cNvPr id="6" name="Footer Placeholder 5">
             <a:extLst>
               <a:ext uri="{FF2B5EF4-FFF2-40B4-BE49-F238E27FC236}">
-                <a16:creationId xmlns:a16="http://schemas.microsoft.com/office/drawing/2014/main" id="{E435F21D-9875-4B44-9D30-2D24D0757376}"/>
+                <a16:creationId xmlns:a16="http://schemas.microsoft.com/office/drawing/2014/main" xmlns="" id="{E435F21D-9875-4B44-9D30-2D24D0757376}"/>
               </a:ext>
             </a:extLst>
           </p:cNvPr>
@@ -1453,7 +1465,7 @@
           <p:cNvPr id="7" name="Slide Number Placeholder 6">
             <a:extLst>
               <a:ext uri="{FF2B5EF4-FFF2-40B4-BE49-F238E27FC236}">
-                <a16:creationId xmlns:a16="http://schemas.microsoft.com/office/drawing/2014/main" id="{9D004062-54C1-4222-A6B6-A1E95B544192}"/>
+                <a16:creationId xmlns:a16="http://schemas.microsoft.com/office/drawing/2014/main" xmlns="" id="{9D004062-54C1-4222-A6B6-A1E95B544192}"/>
               </a:ext>
             </a:extLst>
           </p:cNvPr>
@@ -1471,6 +1483,7 @@
           <a:p>
             <a:fld id="{D5B41888-593B-4C9A-883D-13341236B250}" type="slidenum">
               <a:rPr lang="en-US" smtClean="0"/>
+              <a:pPr/>
               <a:t>‹#›</a:t>
             </a:fld>
             <a:endParaRPr lang="en-US"/>
@@ -1480,7 +1493,7 @@
     </p:spTree>
     <p:extLst>
       <p:ext uri="{BB962C8B-B14F-4D97-AF65-F5344CB8AC3E}">
-        <p14:creationId xmlns:p14="http://schemas.microsoft.com/office/powerpoint/2010/main" val="398648364"/>
+        <p14:creationId xmlns:p14="http://schemas.microsoft.com/office/powerpoint/2010/main" xmlns="" val="398648364"/>
       </p:ext>
     </p:extLst>
   </p:cSld>
@@ -1512,7 +1525,7 @@
           <p:cNvPr id="2" name="Title 1">
             <a:extLst>
               <a:ext uri="{FF2B5EF4-FFF2-40B4-BE49-F238E27FC236}">
-                <a16:creationId xmlns:a16="http://schemas.microsoft.com/office/drawing/2014/main" id="{16565F24-44A1-4474-A897-5458FE40457A}"/>
+                <a16:creationId xmlns:a16="http://schemas.microsoft.com/office/drawing/2014/main" xmlns="" id="{16565F24-44A1-4474-A897-5458FE40457A}"/>
               </a:ext>
             </a:extLst>
           </p:cNvPr>
@@ -1545,7 +1558,7 @@
           <p:cNvPr id="3" name="Text Placeholder 2">
             <a:extLst>
               <a:ext uri="{FF2B5EF4-FFF2-40B4-BE49-F238E27FC236}">
-                <a16:creationId xmlns:a16="http://schemas.microsoft.com/office/drawing/2014/main" id="{EAB450F1-61A6-481D-90C9-AB4F610628D0}"/>
+                <a16:creationId xmlns:a16="http://schemas.microsoft.com/office/drawing/2014/main" xmlns="" id="{EAB450F1-61A6-481D-90C9-AB4F610628D0}"/>
               </a:ext>
             </a:extLst>
           </p:cNvPr>
@@ -1616,7 +1629,7 @@
           <p:cNvPr id="4" name="Content Placeholder 3">
             <a:extLst>
               <a:ext uri="{FF2B5EF4-FFF2-40B4-BE49-F238E27FC236}">
-                <a16:creationId xmlns:a16="http://schemas.microsoft.com/office/drawing/2014/main" id="{04CD3414-E418-4FCD-90B2-88DF359CF349}"/>
+                <a16:creationId xmlns:a16="http://schemas.microsoft.com/office/drawing/2014/main" xmlns="" id="{04CD3414-E418-4FCD-90B2-88DF359CF349}"/>
               </a:ext>
             </a:extLst>
           </p:cNvPr>
@@ -1678,7 +1691,7 @@
           <p:cNvPr id="5" name="Text Placeholder 4">
             <a:extLst>
               <a:ext uri="{FF2B5EF4-FFF2-40B4-BE49-F238E27FC236}">
-                <a16:creationId xmlns:a16="http://schemas.microsoft.com/office/drawing/2014/main" id="{64F705CD-D52B-4D91-BF40-B15961189A60}"/>
+                <a16:creationId xmlns:a16="http://schemas.microsoft.com/office/drawing/2014/main" xmlns="" id="{64F705CD-D52B-4D91-BF40-B15961189A60}"/>
               </a:ext>
             </a:extLst>
           </p:cNvPr>
@@ -1749,7 +1762,7 @@
           <p:cNvPr id="6" name="Content Placeholder 5">
             <a:extLst>
               <a:ext uri="{FF2B5EF4-FFF2-40B4-BE49-F238E27FC236}">
-                <a16:creationId xmlns:a16="http://schemas.microsoft.com/office/drawing/2014/main" id="{817FBBFE-BF97-4614-8310-72E7BE74C89C}"/>
+                <a16:creationId xmlns:a16="http://schemas.microsoft.com/office/drawing/2014/main" xmlns="" id="{817FBBFE-BF97-4614-8310-72E7BE74C89C}"/>
               </a:ext>
             </a:extLst>
           </p:cNvPr>
@@ -1811,7 +1824,7 @@
           <p:cNvPr id="7" name="Date Placeholder 6">
             <a:extLst>
               <a:ext uri="{FF2B5EF4-FFF2-40B4-BE49-F238E27FC236}">
-                <a16:creationId xmlns:a16="http://schemas.microsoft.com/office/drawing/2014/main" id="{9BAE9B3E-67CF-4238-AA8C-573C476A8148}"/>
+                <a16:creationId xmlns:a16="http://schemas.microsoft.com/office/drawing/2014/main" xmlns="" id="{9BAE9B3E-67CF-4238-AA8C-573C476A8148}"/>
               </a:ext>
             </a:extLst>
           </p:cNvPr>
@@ -1829,7 +1842,8 @@
           <a:p>
             <a:fld id="{07C149BE-AC79-4548-8B96-E3E2494BEA7F}" type="datetimeFigureOut">
               <a:rPr lang="en-US" smtClean="0"/>
-              <a:t>5/23/2022</a:t>
+              <a:pPr/>
+              <a:t>5/28/2022</a:t>
             </a:fld>
             <a:endParaRPr lang="en-US"/>
           </a:p>
@@ -1840,7 +1854,7 @@
           <p:cNvPr id="8" name="Footer Placeholder 7">
             <a:extLst>
               <a:ext uri="{FF2B5EF4-FFF2-40B4-BE49-F238E27FC236}">
-                <a16:creationId xmlns:a16="http://schemas.microsoft.com/office/drawing/2014/main" id="{AAF1C478-AA43-41B1-A0FA-2EA3E8AC03E1}"/>
+                <a16:creationId xmlns:a16="http://schemas.microsoft.com/office/drawing/2014/main" xmlns="" id="{AAF1C478-AA43-41B1-A0FA-2EA3E8AC03E1}"/>
               </a:ext>
             </a:extLst>
           </p:cNvPr>
@@ -1865,7 +1879,7 @@
           <p:cNvPr id="9" name="Slide Number Placeholder 8">
             <a:extLst>
               <a:ext uri="{FF2B5EF4-FFF2-40B4-BE49-F238E27FC236}">
-                <a16:creationId xmlns:a16="http://schemas.microsoft.com/office/drawing/2014/main" id="{39D11F40-FE32-4B11-8D8B-858985BDB255}"/>
+                <a16:creationId xmlns:a16="http://schemas.microsoft.com/office/drawing/2014/main" xmlns="" id="{39D11F40-FE32-4B11-8D8B-858985BDB255}"/>
               </a:ext>
             </a:extLst>
           </p:cNvPr>
@@ -1883,6 +1897,7 @@
           <a:p>
             <a:fld id="{D5B41888-593B-4C9A-883D-13341236B250}" type="slidenum">
               <a:rPr lang="en-US" smtClean="0"/>
+              <a:pPr/>
               <a:t>‹#›</a:t>
             </a:fld>
             <a:endParaRPr lang="en-US"/>
@@ -1892,7 +1907,7 @@
     </p:spTree>
     <p:extLst>
       <p:ext uri="{BB962C8B-B14F-4D97-AF65-F5344CB8AC3E}">
-        <p14:creationId xmlns:p14="http://schemas.microsoft.com/office/powerpoint/2010/main" val="3611413196"/>
+        <p14:creationId xmlns:p14="http://schemas.microsoft.com/office/powerpoint/2010/main" xmlns="" val="3611413196"/>
       </p:ext>
     </p:extLst>
   </p:cSld>
@@ -1924,7 +1939,7 @@
           <p:cNvPr id="2" name="Title 1">
             <a:extLst>
               <a:ext uri="{FF2B5EF4-FFF2-40B4-BE49-F238E27FC236}">
-                <a16:creationId xmlns:a16="http://schemas.microsoft.com/office/drawing/2014/main" id="{9A3B2D40-1278-47A7-B00B-BEAEB10D7449}"/>
+                <a16:creationId xmlns:a16="http://schemas.microsoft.com/office/drawing/2014/main" xmlns="" id="{9A3B2D40-1278-47A7-B00B-BEAEB10D7449}"/>
               </a:ext>
             </a:extLst>
           </p:cNvPr>
@@ -1952,7 +1967,7 @@
           <p:cNvPr id="3" name="Date Placeholder 2">
             <a:extLst>
               <a:ext uri="{FF2B5EF4-FFF2-40B4-BE49-F238E27FC236}">
-                <a16:creationId xmlns:a16="http://schemas.microsoft.com/office/drawing/2014/main" id="{51ACC5B6-3F4F-4E29-8FBA-EE5ABDF6610C}"/>
+                <a16:creationId xmlns:a16="http://schemas.microsoft.com/office/drawing/2014/main" xmlns="" id="{51ACC5B6-3F4F-4E29-8FBA-EE5ABDF6610C}"/>
               </a:ext>
             </a:extLst>
           </p:cNvPr>
@@ -1970,7 +1985,8 @@
           <a:p>
             <a:fld id="{07C149BE-AC79-4548-8B96-E3E2494BEA7F}" type="datetimeFigureOut">
               <a:rPr lang="en-US" smtClean="0"/>
-              <a:t>5/23/2022</a:t>
+              <a:pPr/>
+              <a:t>5/28/2022</a:t>
             </a:fld>
             <a:endParaRPr lang="en-US"/>
           </a:p>
@@ -1981,7 +1997,7 @@
           <p:cNvPr id="4" name="Footer Placeholder 3">
             <a:extLst>
               <a:ext uri="{FF2B5EF4-FFF2-40B4-BE49-F238E27FC236}">
-                <a16:creationId xmlns:a16="http://schemas.microsoft.com/office/drawing/2014/main" id="{694B7179-4429-4A90-B9E3-20F804747E03}"/>
+                <a16:creationId xmlns:a16="http://schemas.microsoft.com/office/drawing/2014/main" xmlns="" id="{694B7179-4429-4A90-B9E3-20F804747E03}"/>
               </a:ext>
             </a:extLst>
           </p:cNvPr>
@@ -2006,7 +2022,7 @@
           <p:cNvPr id="5" name="Slide Number Placeholder 4">
             <a:extLst>
               <a:ext uri="{FF2B5EF4-FFF2-40B4-BE49-F238E27FC236}">
-                <a16:creationId xmlns:a16="http://schemas.microsoft.com/office/drawing/2014/main" id="{C866BDC4-B09E-4ACA-924E-7346BBA9833C}"/>
+                <a16:creationId xmlns:a16="http://schemas.microsoft.com/office/drawing/2014/main" xmlns="" id="{C866BDC4-B09E-4ACA-924E-7346BBA9833C}"/>
               </a:ext>
             </a:extLst>
           </p:cNvPr>
@@ -2024,6 +2040,7 @@
           <a:p>
             <a:fld id="{D5B41888-593B-4C9A-883D-13341236B250}" type="slidenum">
               <a:rPr lang="en-US" smtClean="0"/>
+              <a:pPr/>
               <a:t>‹#›</a:t>
             </a:fld>
             <a:endParaRPr lang="en-US"/>
@@ -2033,7 +2050,7 @@
     </p:spTree>
     <p:extLst>
       <p:ext uri="{BB962C8B-B14F-4D97-AF65-F5344CB8AC3E}">
-        <p14:creationId xmlns:p14="http://schemas.microsoft.com/office/powerpoint/2010/main" val="65293535"/>
+        <p14:creationId xmlns:p14="http://schemas.microsoft.com/office/powerpoint/2010/main" xmlns="" val="65293535"/>
       </p:ext>
     </p:extLst>
   </p:cSld>
@@ -2065,7 +2082,7 @@
           <p:cNvPr id="2" name="Date Placeholder 1">
             <a:extLst>
               <a:ext uri="{FF2B5EF4-FFF2-40B4-BE49-F238E27FC236}">
-                <a16:creationId xmlns:a16="http://schemas.microsoft.com/office/drawing/2014/main" id="{52EDBB9C-D01C-43DC-BF39-7AE024622638}"/>
+                <a16:creationId xmlns:a16="http://schemas.microsoft.com/office/drawing/2014/main" xmlns="" id="{52EDBB9C-D01C-43DC-BF39-7AE024622638}"/>
               </a:ext>
             </a:extLst>
           </p:cNvPr>
@@ -2083,7 +2100,8 @@
           <a:p>
             <a:fld id="{07C149BE-AC79-4548-8B96-E3E2494BEA7F}" type="datetimeFigureOut">
               <a:rPr lang="en-US" smtClean="0"/>
-              <a:t>5/23/2022</a:t>
+              <a:pPr/>
+              <a:t>5/28/2022</a:t>
             </a:fld>
             <a:endParaRPr lang="en-US"/>
           </a:p>
@@ -2094,7 +2112,7 @@
           <p:cNvPr id="3" name="Footer Placeholder 2">
             <a:extLst>
               <a:ext uri="{FF2B5EF4-FFF2-40B4-BE49-F238E27FC236}">
-                <a16:creationId xmlns:a16="http://schemas.microsoft.com/office/drawing/2014/main" id="{EFC6F569-BF4D-4312-B5F7-95C63D994C34}"/>
+                <a16:creationId xmlns:a16="http://schemas.microsoft.com/office/drawing/2014/main" xmlns="" id="{EFC6F569-BF4D-4312-B5F7-95C63D994C34}"/>
               </a:ext>
             </a:extLst>
           </p:cNvPr>
@@ -2119,7 +2137,7 @@
           <p:cNvPr id="4" name="Slide Number Placeholder 3">
             <a:extLst>
               <a:ext uri="{FF2B5EF4-FFF2-40B4-BE49-F238E27FC236}">
-                <a16:creationId xmlns:a16="http://schemas.microsoft.com/office/drawing/2014/main" id="{05A678D3-D636-48A7-96B4-4DF65FC5E633}"/>
+                <a16:creationId xmlns:a16="http://schemas.microsoft.com/office/drawing/2014/main" xmlns="" id="{05A678D3-D636-48A7-96B4-4DF65FC5E633}"/>
               </a:ext>
             </a:extLst>
           </p:cNvPr>
@@ -2137,6 +2155,7 @@
           <a:p>
             <a:fld id="{D5B41888-593B-4C9A-883D-13341236B250}" type="slidenum">
               <a:rPr lang="en-US" smtClean="0"/>
+              <a:pPr/>
               <a:t>‹#›</a:t>
             </a:fld>
             <a:endParaRPr lang="en-US"/>
@@ -2146,7 +2165,7 @@
     </p:spTree>
     <p:extLst>
       <p:ext uri="{BB962C8B-B14F-4D97-AF65-F5344CB8AC3E}">
-        <p14:creationId xmlns:p14="http://schemas.microsoft.com/office/powerpoint/2010/main" val="1971089693"/>
+        <p14:creationId xmlns:p14="http://schemas.microsoft.com/office/powerpoint/2010/main" xmlns="" val="1971089693"/>
       </p:ext>
     </p:extLst>
   </p:cSld>
@@ -2178,7 +2197,7 @@
           <p:cNvPr id="2" name="Title 1">
             <a:extLst>
               <a:ext uri="{FF2B5EF4-FFF2-40B4-BE49-F238E27FC236}">
-                <a16:creationId xmlns:a16="http://schemas.microsoft.com/office/drawing/2014/main" id="{33DA4A39-68CC-488B-B2E1-095F40173249}"/>
+                <a16:creationId xmlns:a16="http://schemas.microsoft.com/office/drawing/2014/main" xmlns="" id="{33DA4A39-68CC-488B-B2E1-095F40173249}"/>
               </a:ext>
             </a:extLst>
           </p:cNvPr>
@@ -2215,7 +2234,7 @@
           <p:cNvPr id="3" name="Content Placeholder 2">
             <a:extLst>
               <a:ext uri="{FF2B5EF4-FFF2-40B4-BE49-F238E27FC236}">
-                <a16:creationId xmlns:a16="http://schemas.microsoft.com/office/drawing/2014/main" id="{A9B2EB30-FE99-4029-A9D4-C2DB0D87C9EA}"/>
+                <a16:creationId xmlns:a16="http://schemas.microsoft.com/office/drawing/2014/main" xmlns="" id="{A9B2EB30-FE99-4029-A9D4-C2DB0D87C9EA}"/>
               </a:ext>
             </a:extLst>
           </p:cNvPr>
@@ -2305,7 +2324,7 @@
           <p:cNvPr id="4" name="Text Placeholder 3">
             <a:extLst>
               <a:ext uri="{FF2B5EF4-FFF2-40B4-BE49-F238E27FC236}">
-                <a16:creationId xmlns:a16="http://schemas.microsoft.com/office/drawing/2014/main" id="{E8DFD7CF-5764-42CB-B5FF-12BD892D678E}"/>
+                <a16:creationId xmlns:a16="http://schemas.microsoft.com/office/drawing/2014/main" xmlns="" id="{E8DFD7CF-5764-42CB-B5FF-12BD892D678E}"/>
               </a:ext>
             </a:extLst>
           </p:cNvPr>
@@ -2376,7 +2395,7 @@
           <p:cNvPr id="5" name="Date Placeholder 4">
             <a:extLst>
               <a:ext uri="{FF2B5EF4-FFF2-40B4-BE49-F238E27FC236}">
-                <a16:creationId xmlns:a16="http://schemas.microsoft.com/office/drawing/2014/main" id="{E0FA76F1-D39D-413C-A743-E5997E592E5B}"/>
+                <a16:creationId xmlns:a16="http://schemas.microsoft.com/office/drawing/2014/main" xmlns="" id="{E0FA76F1-D39D-413C-A743-E5997E592E5B}"/>
               </a:ext>
             </a:extLst>
           </p:cNvPr>
@@ -2394,7 +2413,8 @@
           <a:p>
             <a:fld id="{07C149BE-AC79-4548-8B96-E3E2494BEA7F}" type="datetimeFigureOut">
               <a:rPr lang="en-US" smtClean="0"/>
-              <a:t>5/23/2022</a:t>
+              <a:pPr/>
+              <a:t>5/28/2022</a:t>
             </a:fld>
             <a:endParaRPr lang="en-US"/>
           </a:p>
@@ -2405,7 +2425,7 @@
           <p:cNvPr id="6" name="Footer Placeholder 5">
             <a:extLst>
               <a:ext uri="{FF2B5EF4-FFF2-40B4-BE49-F238E27FC236}">
-                <a16:creationId xmlns:a16="http://schemas.microsoft.com/office/drawing/2014/main" id="{6EDAF82F-4212-4499-8FC7-105FA6E5D4E7}"/>
+                <a16:creationId xmlns:a16="http://schemas.microsoft.com/office/drawing/2014/main" xmlns="" id="{6EDAF82F-4212-4499-8FC7-105FA6E5D4E7}"/>
               </a:ext>
             </a:extLst>
           </p:cNvPr>
@@ -2430,7 +2450,7 @@
           <p:cNvPr id="7" name="Slide Number Placeholder 6">
             <a:extLst>
               <a:ext uri="{FF2B5EF4-FFF2-40B4-BE49-F238E27FC236}">
-                <a16:creationId xmlns:a16="http://schemas.microsoft.com/office/drawing/2014/main" id="{1BE13BF2-8B19-4998-BD28-0B70072A8D6D}"/>
+                <a16:creationId xmlns:a16="http://schemas.microsoft.com/office/drawing/2014/main" xmlns="" id="{1BE13BF2-8B19-4998-BD28-0B70072A8D6D}"/>
               </a:ext>
             </a:extLst>
           </p:cNvPr>
@@ -2448,6 +2468,7 @@
           <a:p>
             <a:fld id="{D5B41888-593B-4C9A-883D-13341236B250}" type="slidenum">
               <a:rPr lang="en-US" smtClean="0"/>
+              <a:pPr/>
               <a:t>‹#›</a:t>
             </a:fld>
             <a:endParaRPr lang="en-US"/>
@@ -2457,7 +2478,7 @@
     </p:spTree>
     <p:extLst>
       <p:ext uri="{BB962C8B-B14F-4D97-AF65-F5344CB8AC3E}">
-        <p14:creationId xmlns:p14="http://schemas.microsoft.com/office/powerpoint/2010/main" val="2704192708"/>
+        <p14:creationId xmlns:p14="http://schemas.microsoft.com/office/powerpoint/2010/main" xmlns="" val="2704192708"/>
       </p:ext>
     </p:extLst>
   </p:cSld>
@@ -2489,7 +2510,7 @@
           <p:cNvPr id="2" name="Title 1">
             <a:extLst>
               <a:ext uri="{FF2B5EF4-FFF2-40B4-BE49-F238E27FC236}">
-                <a16:creationId xmlns:a16="http://schemas.microsoft.com/office/drawing/2014/main" id="{DC1643C1-50D4-4368-8A3F-8AD61FB07FFA}"/>
+                <a16:creationId xmlns:a16="http://schemas.microsoft.com/office/drawing/2014/main" xmlns="" id="{DC1643C1-50D4-4368-8A3F-8AD61FB07FFA}"/>
               </a:ext>
             </a:extLst>
           </p:cNvPr>
@@ -2526,7 +2547,7 @@
           <p:cNvPr id="3" name="Picture Placeholder 2">
             <a:extLst>
               <a:ext uri="{FF2B5EF4-FFF2-40B4-BE49-F238E27FC236}">
-                <a16:creationId xmlns:a16="http://schemas.microsoft.com/office/drawing/2014/main" id="{A37CC594-CED6-4BC1-9787-C13121E617AF}"/>
+                <a16:creationId xmlns:a16="http://schemas.microsoft.com/office/drawing/2014/main" xmlns="" id="{A37CC594-CED6-4BC1-9787-C13121E617AF}"/>
               </a:ext>
             </a:extLst>
           </p:cNvPr>
@@ -2593,7 +2614,7 @@
           <p:cNvPr id="4" name="Text Placeholder 3">
             <a:extLst>
               <a:ext uri="{FF2B5EF4-FFF2-40B4-BE49-F238E27FC236}">
-                <a16:creationId xmlns:a16="http://schemas.microsoft.com/office/drawing/2014/main" id="{D963BFA9-E985-47A5-A187-5582E2D24CEF}"/>
+                <a16:creationId xmlns:a16="http://schemas.microsoft.com/office/drawing/2014/main" xmlns="" id="{D963BFA9-E985-47A5-A187-5582E2D24CEF}"/>
               </a:ext>
             </a:extLst>
           </p:cNvPr>
@@ -2664,7 +2685,7 @@
           <p:cNvPr id="5" name="Date Placeholder 4">
             <a:extLst>
               <a:ext uri="{FF2B5EF4-FFF2-40B4-BE49-F238E27FC236}">
-                <a16:creationId xmlns:a16="http://schemas.microsoft.com/office/drawing/2014/main" id="{05B04AFB-0592-446C-9C8F-BBCEAC1B4CE2}"/>
+                <a16:creationId xmlns:a16="http://schemas.microsoft.com/office/drawing/2014/main" xmlns="" id="{05B04AFB-0592-446C-9C8F-BBCEAC1B4CE2}"/>
               </a:ext>
             </a:extLst>
           </p:cNvPr>
@@ -2682,7 +2703,8 @@
           <a:p>
             <a:fld id="{07C149BE-AC79-4548-8B96-E3E2494BEA7F}" type="datetimeFigureOut">
               <a:rPr lang="en-US" smtClean="0"/>
-              <a:t>5/23/2022</a:t>
+              <a:pPr/>
+              <a:t>5/28/2022</a:t>
             </a:fld>
             <a:endParaRPr lang="en-US"/>
           </a:p>
@@ -2693,7 +2715,7 @@
           <p:cNvPr id="6" name="Footer Placeholder 5">
             <a:extLst>
               <a:ext uri="{FF2B5EF4-FFF2-40B4-BE49-F238E27FC236}">
-                <a16:creationId xmlns:a16="http://schemas.microsoft.com/office/drawing/2014/main" id="{C83F3E0B-D30B-467E-821E-44CFA91419E1}"/>
+                <a16:creationId xmlns:a16="http://schemas.microsoft.com/office/drawing/2014/main" xmlns="" id="{C83F3E0B-D30B-467E-821E-44CFA91419E1}"/>
               </a:ext>
             </a:extLst>
           </p:cNvPr>
@@ -2718,7 +2740,7 @@
           <p:cNvPr id="7" name="Slide Number Placeholder 6">
             <a:extLst>
               <a:ext uri="{FF2B5EF4-FFF2-40B4-BE49-F238E27FC236}">
-                <a16:creationId xmlns:a16="http://schemas.microsoft.com/office/drawing/2014/main" id="{8927534D-FB98-40EB-B1E6-33B94173D12A}"/>
+                <a16:creationId xmlns:a16="http://schemas.microsoft.com/office/drawing/2014/main" xmlns="" id="{8927534D-FB98-40EB-B1E6-33B94173D12A}"/>
               </a:ext>
             </a:extLst>
           </p:cNvPr>
@@ -2736,6 +2758,7 @@
           <a:p>
             <a:fld id="{D5B41888-593B-4C9A-883D-13341236B250}" type="slidenum">
               <a:rPr lang="en-US" smtClean="0"/>
+              <a:pPr/>
               <a:t>‹#›</a:t>
             </a:fld>
             <a:endParaRPr lang="en-US"/>
@@ -2745,7 +2768,7 @@
     </p:spTree>
     <p:extLst>
       <p:ext uri="{BB962C8B-B14F-4D97-AF65-F5344CB8AC3E}">
-        <p14:creationId xmlns:p14="http://schemas.microsoft.com/office/powerpoint/2010/main" val="1278080938"/>
+        <p14:creationId xmlns:p14="http://schemas.microsoft.com/office/powerpoint/2010/main" xmlns="" val="1278080938"/>
       </p:ext>
     </p:extLst>
   </p:cSld>
@@ -2782,7 +2805,7 @@
           <p:cNvPr id="2" name="Title Placeholder 1">
             <a:extLst>
               <a:ext uri="{FF2B5EF4-FFF2-40B4-BE49-F238E27FC236}">
-                <a16:creationId xmlns:a16="http://schemas.microsoft.com/office/drawing/2014/main" id="{852422CA-C0EA-4719-9777-D1F04F93DE16}"/>
+                <a16:creationId xmlns:a16="http://schemas.microsoft.com/office/drawing/2014/main" xmlns="" id="{852422CA-C0EA-4719-9777-D1F04F93DE16}"/>
               </a:ext>
             </a:extLst>
           </p:cNvPr>
@@ -2820,7 +2843,7 @@
           <p:cNvPr id="3" name="Text Placeholder 2">
             <a:extLst>
               <a:ext uri="{FF2B5EF4-FFF2-40B4-BE49-F238E27FC236}">
-                <a16:creationId xmlns:a16="http://schemas.microsoft.com/office/drawing/2014/main" id="{8153B004-3B3D-41A5-9173-314908540CD8}"/>
+                <a16:creationId xmlns:a16="http://schemas.microsoft.com/office/drawing/2014/main" xmlns="" id="{8153B004-3B3D-41A5-9173-314908540CD8}"/>
               </a:ext>
             </a:extLst>
           </p:cNvPr>
@@ -2887,7 +2910,7 @@
           <p:cNvPr id="4" name="Date Placeholder 3">
             <a:extLst>
               <a:ext uri="{FF2B5EF4-FFF2-40B4-BE49-F238E27FC236}">
-                <a16:creationId xmlns:a16="http://schemas.microsoft.com/office/drawing/2014/main" id="{A89CE9E8-C902-4953-9D45-52329A2CBE10}"/>
+                <a16:creationId xmlns:a16="http://schemas.microsoft.com/office/drawing/2014/main" xmlns="" id="{A89CE9E8-C902-4953-9D45-52329A2CBE10}"/>
               </a:ext>
             </a:extLst>
           </p:cNvPr>
@@ -2923,7 +2946,8 @@
           <a:p>
             <a:fld id="{07C149BE-AC79-4548-8B96-E3E2494BEA7F}" type="datetimeFigureOut">
               <a:rPr lang="en-US" smtClean="0"/>
-              <a:t>5/23/2022</a:t>
+              <a:pPr/>
+              <a:t>5/28/2022</a:t>
             </a:fld>
             <a:endParaRPr lang="en-US"/>
           </a:p>
@@ -2934,7 +2958,7 @@
           <p:cNvPr id="5" name="Footer Placeholder 4">
             <a:extLst>
               <a:ext uri="{FF2B5EF4-FFF2-40B4-BE49-F238E27FC236}">
-                <a16:creationId xmlns:a16="http://schemas.microsoft.com/office/drawing/2014/main" id="{529C69BF-04D0-43A8-8ED3-9E44BDFD8678}"/>
+                <a16:creationId xmlns:a16="http://schemas.microsoft.com/office/drawing/2014/main" xmlns="" id="{529C69BF-04D0-43A8-8ED3-9E44BDFD8678}"/>
               </a:ext>
             </a:extLst>
           </p:cNvPr>
@@ -2977,7 +3001,7 @@
           <p:cNvPr id="6" name="Slide Number Placeholder 5">
             <a:extLst>
               <a:ext uri="{FF2B5EF4-FFF2-40B4-BE49-F238E27FC236}">
-                <a16:creationId xmlns:a16="http://schemas.microsoft.com/office/drawing/2014/main" id="{E539C80B-D141-48A1-B602-0CFBFD20E28C}"/>
+                <a16:creationId xmlns:a16="http://schemas.microsoft.com/office/drawing/2014/main" xmlns="" id="{E539C80B-D141-48A1-B602-0CFBFD20E28C}"/>
               </a:ext>
             </a:extLst>
           </p:cNvPr>
@@ -3013,6 +3037,7 @@
           <a:p>
             <a:fld id="{D5B41888-593B-4C9A-883D-13341236B250}" type="slidenum">
               <a:rPr lang="en-US" smtClean="0"/>
+              <a:pPr/>
               <a:t>‹#›</a:t>
             </a:fld>
             <a:endParaRPr lang="en-US"/>
@@ -3022,7 +3047,7 @@
     </p:spTree>
     <p:extLst>
       <p:ext uri="{BB962C8B-B14F-4D97-AF65-F5344CB8AC3E}">
-        <p14:creationId xmlns:p14="http://schemas.microsoft.com/office/powerpoint/2010/main" val="2670624358"/>
+        <p14:creationId xmlns:p14="http://schemas.microsoft.com/office/powerpoint/2010/main" xmlns="" val="2670624358"/>
       </p:ext>
     </p:extLst>
   </p:cSld>
@@ -3345,7 +3370,7 @@
           <p:cNvPr id="4" name="Picture 3">
             <a:extLst>
               <a:ext uri="{FF2B5EF4-FFF2-40B4-BE49-F238E27FC236}">
-                <a16:creationId xmlns:a16="http://schemas.microsoft.com/office/drawing/2014/main" id="{2A31A68F-50A9-4114-81FC-0F57A61BB33C}"/>
+                <a16:creationId xmlns:a16="http://schemas.microsoft.com/office/drawing/2014/main" xmlns="" id="{2A31A68F-50A9-4114-81FC-0F57A61BB33C}"/>
               </a:ext>
             </a:extLst>
           </p:cNvPr>
@@ -3375,7 +3400,7 @@
           <p:cNvPr id="5" name="TextBox 4">
             <a:extLst>
               <a:ext uri="{FF2B5EF4-FFF2-40B4-BE49-F238E27FC236}">
-                <a16:creationId xmlns:a16="http://schemas.microsoft.com/office/drawing/2014/main" id="{342270AA-492E-468C-B5DF-D005AB39834E}"/>
+                <a16:creationId xmlns:a16="http://schemas.microsoft.com/office/drawing/2014/main" xmlns="" id="{342270AA-492E-468C-B5DF-D005AB39834E}"/>
               </a:ext>
             </a:extLst>
           </p:cNvPr>
@@ -3417,7 +3442,7 @@
           <p:cNvPr id="6" name="TextBox 5">
             <a:extLst>
               <a:ext uri="{FF2B5EF4-FFF2-40B4-BE49-F238E27FC236}">
-                <a16:creationId xmlns:a16="http://schemas.microsoft.com/office/drawing/2014/main" id="{E0095EF9-56A7-4741-B557-CC969F954602}"/>
+                <a16:creationId xmlns:a16="http://schemas.microsoft.com/office/drawing/2014/main" xmlns="" id="{E0095EF9-56A7-4741-B557-CC969F954602}"/>
               </a:ext>
             </a:extLst>
           </p:cNvPr>
@@ -3456,7 +3481,7 @@
     </p:spTree>
     <p:extLst>
       <p:ext uri="{BB962C8B-B14F-4D97-AF65-F5344CB8AC3E}">
-        <p14:creationId xmlns:p14="http://schemas.microsoft.com/office/powerpoint/2010/main" val="3818400074"/>
+        <p14:creationId xmlns:p14="http://schemas.microsoft.com/office/powerpoint/2010/main" xmlns="" val="3818400074"/>
       </p:ext>
     </p:extLst>
   </p:cSld>
@@ -3488,7 +3513,7 @@
           <p:cNvPr id="2" name="TextBox 1">
             <a:extLst>
               <a:ext uri="{FF2B5EF4-FFF2-40B4-BE49-F238E27FC236}">
-                <a16:creationId xmlns:a16="http://schemas.microsoft.com/office/drawing/2014/main" id="{8DA34F60-C036-4B57-8DAB-1153FCC4B013}"/>
+                <a16:creationId xmlns:a16="http://schemas.microsoft.com/office/drawing/2014/main" xmlns="" id="{8DA34F60-C036-4B57-8DAB-1153FCC4B013}"/>
               </a:ext>
             </a:extLst>
           </p:cNvPr>
@@ -3520,7 +3545,7 @@
           <p:cNvPr id="3" name="TextBox 2">
             <a:extLst>
               <a:ext uri="{FF2B5EF4-FFF2-40B4-BE49-F238E27FC236}">
-                <a16:creationId xmlns:a16="http://schemas.microsoft.com/office/drawing/2014/main" id="{B544C6B0-EF6C-4250-91BF-FF09779362BA}"/>
+                <a16:creationId xmlns:a16="http://schemas.microsoft.com/office/drawing/2014/main" xmlns="" id="{B544C6B0-EF6C-4250-91BF-FF09779362BA}"/>
               </a:ext>
             </a:extLst>
           </p:cNvPr>
@@ -3570,7 +3595,7 @@
           <p:cNvPr id="5" name="TextBox 4">
             <a:extLst>
               <a:ext uri="{FF2B5EF4-FFF2-40B4-BE49-F238E27FC236}">
-                <a16:creationId xmlns:a16="http://schemas.microsoft.com/office/drawing/2014/main" id="{71212FCE-4877-450F-9633-F9048A38CCF7}"/>
+                <a16:creationId xmlns:a16="http://schemas.microsoft.com/office/drawing/2014/main" xmlns="" id="{71212FCE-4877-450F-9633-F9048A38CCF7}"/>
               </a:ext>
             </a:extLst>
           </p:cNvPr>
@@ -3671,7 +3696,7 @@
     </p:spTree>
     <p:extLst>
       <p:ext uri="{BB962C8B-B14F-4D97-AF65-F5344CB8AC3E}">
-        <p14:creationId xmlns:p14="http://schemas.microsoft.com/office/powerpoint/2010/main" val="3816688537"/>
+        <p14:creationId xmlns:p14="http://schemas.microsoft.com/office/powerpoint/2010/main" xmlns="" val="3816688537"/>
       </p:ext>
     </p:extLst>
   </p:cSld>
@@ -3703,7 +3728,7 @@
           <p:cNvPr id="2" name="TextBox 1">
             <a:extLst>
               <a:ext uri="{FF2B5EF4-FFF2-40B4-BE49-F238E27FC236}">
-                <a16:creationId xmlns:a16="http://schemas.microsoft.com/office/drawing/2014/main" id="{8DA34F60-C036-4B57-8DAB-1153FCC4B013}"/>
+                <a16:creationId xmlns:a16="http://schemas.microsoft.com/office/drawing/2014/main" xmlns="" id="{8DA34F60-C036-4B57-8DAB-1153FCC4B013}"/>
               </a:ext>
             </a:extLst>
           </p:cNvPr>
@@ -3735,7 +3760,7 @@
           <p:cNvPr id="3" name="TextBox 2">
             <a:extLst>
               <a:ext uri="{FF2B5EF4-FFF2-40B4-BE49-F238E27FC236}">
-                <a16:creationId xmlns:a16="http://schemas.microsoft.com/office/drawing/2014/main" id="{B544C6B0-EF6C-4250-91BF-FF09779362BA}"/>
+                <a16:creationId xmlns:a16="http://schemas.microsoft.com/office/drawing/2014/main" xmlns="" id="{B544C6B0-EF6C-4250-91BF-FF09779362BA}"/>
               </a:ext>
             </a:extLst>
           </p:cNvPr>
@@ -3785,7 +3810,7 @@
           <p:cNvPr id="5" name="TextBox 4">
             <a:extLst>
               <a:ext uri="{FF2B5EF4-FFF2-40B4-BE49-F238E27FC236}">
-                <a16:creationId xmlns:a16="http://schemas.microsoft.com/office/drawing/2014/main" id="{71212FCE-4877-450F-9633-F9048A38CCF7}"/>
+                <a16:creationId xmlns:a16="http://schemas.microsoft.com/office/drawing/2014/main" xmlns="" id="{71212FCE-4877-450F-9633-F9048A38CCF7}"/>
               </a:ext>
             </a:extLst>
           </p:cNvPr>
@@ -3968,7 +3993,7 @@
     </p:spTree>
     <p:extLst>
       <p:ext uri="{BB962C8B-B14F-4D97-AF65-F5344CB8AC3E}">
-        <p14:creationId xmlns:p14="http://schemas.microsoft.com/office/powerpoint/2010/main" val="1542755298"/>
+        <p14:creationId xmlns:p14="http://schemas.microsoft.com/office/powerpoint/2010/main" xmlns="" val="1542755298"/>
       </p:ext>
     </p:extLst>
   </p:cSld>
@@ -4000,7 +4025,7 @@
           <p:cNvPr id="2" name="TextBox 1">
             <a:extLst>
               <a:ext uri="{FF2B5EF4-FFF2-40B4-BE49-F238E27FC236}">
-                <a16:creationId xmlns:a16="http://schemas.microsoft.com/office/drawing/2014/main" id="{8DA34F60-C036-4B57-8DAB-1153FCC4B013}"/>
+                <a16:creationId xmlns:a16="http://schemas.microsoft.com/office/drawing/2014/main" xmlns="" id="{8DA34F60-C036-4B57-8DAB-1153FCC4B013}"/>
               </a:ext>
             </a:extLst>
           </p:cNvPr>
@@ -4032,7 +4057,7 @@
           <p:cNvPr id="3" name="TextBox 2">
             <a:extLst>
               <a:ext uri="{FF2B5EF4-FFF2-40B4-BE49-F238E27FC236}">
-                <a16:creationId xmlns:a16="http://schemas.microsoft.com/office/drawing/2014/main" id="{B544C6B0-EF6C-4250-91BF-FF09779362BA}"/>
+                <a16:creationId xmlns:a16="http://schemas.microsoft.com/office/drawing/2014/main" xmlns="" id="{B544C6B0-EF6C-4250-91BF-FF09779362BA}"/>
               </a:ext>
             </a:extLst>
           </p:cNvPr>
@@ -4082,7 +4107,7 @@
           <p:cNvPr id="4" name="Picture 3">
             <a:extLst>
               <a:ext uri="{FF2B5EF4-FFF2-40B4-BE49-F238E27FC236}">
-                <a16:creationId xmlns:a16="http://schemas.microsoft.com/office/drawing/2014/main" id="{DF3D909F-A6CC-4C81-9FD6-0C6DE085A7C2}"/>
+                <a16:creationId xmlns:a16="http://schemas.microsoft.com/office/drawing/2014/main" xmlns="" id="{DF3D909F-A6CC-4C81-9FD6-0C6DE085A7C2}"/>
               </a:ext>
             </a:extLst>
           </p:cNvPr>
@@ -4110,7 +4135,7 @@
     </p:spTree>
     <p:extLst>
       <p:ext uri="{BB962C8B-B14F-4D97-AF65-F5344CB8AC3E}">
-        <p14:creationId xmlns:p14="http://schemas.microsoft.com/office/powerpoint/2010/main" val="3958164192"/>
+        <p14:creationId xmlns:p14="http://schemas.microsoft.com/office/powerpoint/2010/main" xmlns="" val="3958164192"/>
       </p:ext>
     </p:extLst>
   </p:cSld>
@@ -4142,7 +4167,7 @@
           <p:cNvPr id="3" name="TextBox 2">
             <a:extLst>
               <a:ext uri="{FF2B5EF4-FFF2-40B4-BE49-F238E27FC236}">
-                <a16:creationId xmlns:a16="http://schemas.microsoft.com/office/drawing/2014/main" id="{B544C6B0-EF6C-4250-91BF-FF09779362BA}"/>
+                <a16:creationId xmlns:a16="http://schemas.microsoft.com/office/drawing/2014/main" xmlns="" id="{B544C6B0-EF6C-4250-91BF-FF09779362BA}"/>
               </a:ext>
             </a:extLst>
           </p:cNvPr>
@@ -4192,7 +4217,7 @@
           <p:cNvPr id="5" name="TextBox 4">
             <a:extLst>
               <a:ext uri="{FF2B5EF4-FFF2-40B4-BE49-F238E27FC236}">
-                <a16:creationId xmlns:a16="http://schemas.microsoft.com/office/drawing/2014/main" id="{71212FCE-4877-450F-9633-F9048A38CCF7}"/>
+                <a16:creationId xmlns:a16="http://schemas.microsoft.com/office/drawing/2014/main" xmlns="" id="{71212FCE-4877-450F-9633-F9048A38CCF7}"/>
               </a:ext>
             </a:extLst>
           </p:cNvPr>
@@ -4280,7 +4305,7 @@
           <p:cNvPr id="4" name="Picture 3">
             <a:extLst>
               <a:ext uri="{FF2B5EF4-FFF2-40B4-BE49-F238E27FC236}">
-                <a16:creationId xmlns:a16="http://schemas.microsoft.com/office/drawing/2014/main" id="{8C545747-1B29-4E85-8E6F-DF7F259899FA}"/>
+                <a16:creationId xmlns:a16="http://schemas.microsoft.com/office/drawing/2014/main" xmlns="" id="{8C545747-1B29-4E85-8E6F-DF7F259899FA}"/>
               </a:ext>
             </a:extLst>
           </p:cNvPr>
@@ -4308,7 +4333,7 @@
     </p:spTree>
     <p:extLst>
       <p:ext uri="{BB962C8B-B14F-4D97-AF65-F5344CB8AC3E}">
-        <p14:creationId xmlns:p14="http://schemas.microsoft.com/office/powerpoint/2010/main" val="3203566452"/>
+        <p14:creationId xmlns:p14="http://schemas.microsoft.com/office/powerpoint/2010/main" xmlns="" val="3203566452"/>
       </p:ext>
     </p:extLst>
   </p:cSld>
@@ -4340,7 +4365,7 @@
           <p:cNvPr id="2" name="TextBox 1">
             <a:extLst>
               <a:ext uri="{FF2B5EF4-FFF2-40B4-BE49-F238E27FC236}">
-                <a16:creationId xmlns:a16="http://schemas.microsoft.com/office/drawing/2014/main" id="{8DA34F60-C036-4B57-8DAB-1153FCC4B013}"/>
+                <a16:creationId xmlns:a16="http://schemas.microsoft.com/office/drawing/2014/main" xmlns="" id="{8DA34F60-C036-4B57-8DAB-1153FCC4B013}"/>
               </a:ext>
             </a:extLst>
           </p:cNvPr>
@@ -4372,7 +4397,7 @@
           <p:cNvPr id="3" name="TextBox 2">
             <a:extLst>
               <a:ext uri="{FF2B5EF4-FFF2-40B4-BE49-F238E27FC236}">
-                <a16:creationId xmlns:a16="http://schemas.microsoft.com/office/drawing/2014/main" id="{B544C6B0-EF6C-4250-91BF-FF09779362BA}"/>
+                <a16:creationId xmlns:a16="http://schemas.microsoft.com/office/drawing/2014/main" xmlns="" id="{B544C6B0-EF6C-4250-91BF-FF09779362BA}"/>
               </a:ext>
             </a:extLst>
           </p:cNvPr>
@@ -4422,7 +4447,7 @@
           <p:cNvPr id="5" name="Picture 4">
             <a:extLst>
               <a:ext uri="{FF2B5EF4-FFF2-40B4-BE49-F238E27FC236}">
-                <a16:creationId xmlns:a16="http://schemas.microsoft.com/office/drawing/2014/main" id="{E6BB3409-F607-4F56-BD1E-C3D13C48AC59}"/>
+                <a16:creationId xmlns:a16="http://schemas.microsoft.com/office/drawing/2014/main" xmlns="" id="{E6BB3409-F607-4F56-BD1E-C3D13C48AC59}"/>
               </a:ext>
             </a:extLst>
           </p:cNvPr>
@@ -4450,7 +4475,7 @@
     </p:spTree>
     <p:extLst>
       <p:ext uri="{BB962C8B-B14F-4D97-AF65-F5344CB8AC3E}">
-        <p14:creationId xmlns:p14="http://schemas.microsoft.com/office/powerpoint/2010/main" val="3022272611"/>
+        <p14:creationId xmlns:p14="http://schemas.microsoft.com/office/powerpoint/2010/main" xmlns="" val="3022272611"/>
       </p:ext>
     </p:extLst>
   </p:cSld>
@@ -4482,7 +4507,7 @@
           <p:cNvPr id="2" name="TextBox 1">
             <a:extLst>
               <a:ext uri="{FF2B5EF4-FFF2-40B4-BE49-F238E27FC236}">
-                <a16:creationId xmlns:a16="http://schemas.microsoft.com/office/drawing/2014/main" id="{8DA34F60-C036-4B57-8DAB-1153FCC4B013}"/>
+                <a16:creationId xmlns:a16="http://schemas.microsoft.com/office/drawing/2014/main" xmlns="" id="{8DA34F60-C036-4B57-8DAB-1153FCC4B013}"/>
               </a:ext>
             </a:extLst>
           </p:cNvPr>
@@ -4514,7 +4539,7 @@
           <p:cNvPr id="3" name="TextBox 2">
             <a:extLst>
               <a:ext uri="{FF2B5EF4-FFF2-40B4-BE49-F238E27FC236}">
-                <a16:creationId xmlns:a16="http://schemas.microsoft.com/office/drawing/2014/main" id="{B544C6B0-EF6C-4250-91BF-FF09779362BA}"/>
+                <a16:creationId xmlns:a16="http://schemas.microsoft.com/office/drawing/2014/main" xmlns="" id="{B544C6B0-EF6C-4250-91BF-FF09779362BA}"/>
               </a:ext>
             </a:extLst>
           </p:cNvPr>
@@ -4564,7 +4589,7 @@
           <p:cNvPr id="4" name="TextBox 3">
             <a:extLst>
               <a:ext uri="{FF2B5EF4-FFF2-40B4-BE49-F238E27FC236}">
-                <a16:creationId xmlns:a16="http://schemas.microsoft.com/office/drawing/2014/main" id="{7D225B5D-7E58-4C92-AE25-5EBB812C70BD}"/>
+                <a16:creationId xmlns:a16="http://schemas.microsoft.com/office/drawing/2014/main" xmlns="" id="{7D225B5D-7E58-4C92-AE25-5EBB812C70BD}"/>
               </a:ext>
             </a:extLst>
           </p:cNvPr>
@@ -4605,7 +4630,7 @@
           <p:cNvPr id="6" name="Picture 5">
             <a:extLst>
               <a:ext uri="{FF2B5EF4-FFF2-40B4-BE49-F238E27FC236}">
-                <a16:creationId xmlns:a16="http://schemas.microsoft.com/office/drawing/2014/main" id="{81BA0196-9092-4FC1-9994-35E934224F1C}"/>
+                <a16:creationId xmlns:a16="http://schemas.microsoft.com/office/drawing/2014/main" xmlns="" id="{81BA0196-9092-4FC1-9994-35E934224F1C}"/>
               </a:ext>
             </a:extLst>
           </p:cNvPr>
@@ -4633,7 +4658,7 @@
     </p:spTree>
     <p:extLst>
       <p:ext uri="{BB962C8B-B14F-4D97-AF65-F5344CB8AC3E}">
-        <p14:creationId xmlns:p14="http://schemas.microsoft.com/office/powerpoint/2010/main" val="766276886"/>
+        <p14:creationId xmlns:p14="http://schemas.microsoft.com/office/powerpoint/2010/main" xmlns="" val="766276886"/>
       </p:ext>
     </p:extLst>
   </p:cSld>
@@ -4665,7 +4690,7 @@
           <p:cNvPr id="2" name="TextBox 1">
             <a:extLst>
               <a:ext uri="{FF2B5EF4-FFF2-40B4-BE49-F238E27FC236}">
-                <a16:creationId xmlns:a16="http://schemas.microsoft.com/office/drawing/2014/main" id="{8DA34F60-C036-4B57-8DAB-1153FCC4B013}"/>
+                <a16:creationId xmlns:a16="http://schemas.microsoft.com/office/drawing/2014/main" xmlns="" id="{8DA34F60-C036-4B57-8DAB-1153FCC4B013}"/>
               </a:ext>
             </a:extLst>
           </p:cNvPr>
@@ -4697,7 +4722,7 @@
           <p:cNvPr id="3" name="TextBox 2">
             <a:extLst>
               <a:ext uri="{FF2B5EF4-FFF2-40B4-BE49-F238E27FC236}">
-                <a16:creationId xmlns:a16="http://schemas.microsoft.com/office/drawing/2014/main" id="{B544C6B0-EF6C-4250-91BF-FF09779362BA}"/>
+                <a16:creationId xmlns:a16="http://schemas.microsoft.com/office/drawing/2014/main" xmlns="" id="{B544C6B0-EF6C-4250-91BF-FF09779362BA}"/>
               </a:ext>
             </a:extLst>
           </p:cNvPr>
@@ -4747,7 +4772,7 @@
           <p:cNvPr id="4" name="TextBox 3">
             <a:extLst>
               <a:ext uri="{FF2B5EF4-FFF2-40B4-BE49-F238E27FC236}">
-                <a16:creationId xmlns:a16="http://schemas.microsoft.com/office/drawing/2014/main" id="{7D225B5D-7E58-4C92-AE25-5EBB812C70BD}"/>
+                <a16:creationId xmlns:a16="http://schemas.microsoft.com/office/drawing/2014/main" xmlns="" id="{7D225B5D-7E58-4C92-AE25-5EBB812C70BD}"/>
               </a:ext>
             </a:extLst>
           </p:cNvPr>
@@ -4790,7 +4815,7 @@
           <p:cNvPr id="5" name="Picture 4">
             <a:extLst>
               <a:ext uri="{FF2B5EF4-FFF2-40B4-BE49-F238E27FC236}">
-                <a16:creationId xmlns:a16="http://schemas.microsoft.com/office/drawing/2014/main" id="{FB95B9C8-D0D8-4476-BA5B-091292DE81AB}"/>
+                <a16:creationId xmlns:a16="http://schemas.microsoft.com/office/drawing/2014/main" xmlns="" id="{FB95B9C8-D0D8-4476-BA5B-091292DE81AB}"/>
               </a:ext>
             </a:extLst>
           </p:cNvPr>
@@ -4818,7 +4843,7 @@
     </p:spTree>
     <p:extLst>
       <p:ext uri="{BB962C8B-B14F-4D97-AF65-F5344CB8AC3E}">
-        <p14:creationId xmlns:p14="http://schemas.microsoft.com/office/powerpoint/2010/main" val="4223697484"/>
+        <p14:creationId xmlns:p14="http://schemas.microsoft.com/office/powerpoint/2010/main" xmlns="" val="4223697484"/>
       </p:ext>
     </p:extLst>
   </p:cSld>
@@ -4850,7 +4875,7 @@
           <p:cNvPr id="2" name="TextBox 1">
             <a:extLst>
               <a:ext uri="{FF2B5EF4-FFF2-40B4-BE49-F238E27FC236}">
-                <a16:creationId xmlns:a16="http://schemas.microsoft.com/office/drawing/2014/main" id="{8DA34F60-C036-4B57-8DAB-1153FCC4B013}"/>
+                <a16:creationId xmlns:a16="http://schemas.microsoft.com/office/drawing/2014/main" xmlns="" id="{8DA34F60-C036-4B57-8DAB-1153FCC4B013}"/>
               </a:ext>
             </a:extLst>
           </p:cNvPr>
@@ -4882,7 +4907,7 @@
           <p:cNvPr id="3" name="TextBox 2">
             <a:extLst>
               <a:ext uri="{FF2B5EF4-FFF2-40B4-BE49-F238E27FC236}">
-                <a16:creationId xmlns:a16="http://schemas.microsoft.com/office/drawing/2014/main" id="{B544C6B0-EF6C-4250-91BF-FF09779362BA}"/>
+                <a16:creationId xmlns:a16="http://schemas.microsoft.com/office/drawing/2014/main" xmlns="" id="{B544C6B0-EF6C-4250-91BF-FF09779362BA}"/>
               </a:ext>
             </a:extLst>
           </p:cNvPr>
@@ -4932,7 +4957,7 @@
           <p:cNvPr id="6" name="Picture 5">
             <a:extLst>
               <a:ext uri="{FF2B5EF4-FFF2-40B4-BE49-F238E27FC236}">
-                <a16:creationId xmlns:a16="http://schemas.microsoft.com/office/drawing/2014/main" id="{67BADEDF-A29C-47F4-ABE8-17DB91AAFB08}"/>
+                <a16:creationId xmlns:a16="http://schemas.microsoft.com/office/drawing/2014/main" xmlns="" id="{67BADEDF-A29C-47F4-ABE8-17DB91AAFB08}"/>
               </a:ext>
             </a:extLst>
           </p:cNvPr>
@@ -4960,7 +4985,7 @@
     </p:spTree>
     <p:extLst>
       <p:ext uri="{BB962C8B-B14F-4D97-AF65-F5344CB8AC3E}">
-        <p14:creationId xmlns:p14="http://schemas.microsoft.com/office/powerpoint/2010/main" val="645252625"/>
+        <p14:creationId xmlns:p14="http://schemas.microsoft.com/office/powerpoint/2010/main" xmlns="" val="645252625"/>
       </p:ext>
     </p:extLst>
   </p:cSld>
@@ -4992,7 +5017,7 @@
           <p:cNvPr id="3" name="TextBox 2">
             <a:extLst>
               <a:ext uri="{FF2B5EF4-FFF2-40B4-BE49-F238E27FC236}">
-                <a16:creationId xmlns:a16="http://schemas.microsoft.com/office/drawing/2014/main" id="{B544C6B0-EF6C-4250-91BF-FF09779362BA}"/>
+                <a16:creationId xmlns:a16="http://schemas.microsoft.com/office/drawing/2014/main" xmlns="" id="{B544C6B0-EF6C-4250-91BF-FF09779362BA}"/>
               </a:ext>
             </a:extLst>
           </p:cNvPr>
@@ -5066,7 +5091,7 @@
           <p:cNvPr id="4" name="Picture 3">
             <a:extLst>
               <a:ext uri="{FF2B5EF4-FFF2-40B4-BE49-F238E27FC236}">
-                <a16:creationId xmlns:a16="http://schemas.microsoft.com/office/drawing/2014/main" id="{DD427C27-EAF9-4FB5-988B-DD7EA9C9B3EE}"/>
+                <a16:creationId xmlns:a16="http://schemas.microsoft.com/office/drawing/2014/main" xmlns="" id="{DD427C27-EAF9-4FB5-988B-DD7EA9C9B3EE}"/>
               </a:ext>
             </a:extLst>
           </p:cNvPr>
@@ -5096,7 +5121,7 @@
           <p:cNvPr id="5" name="TextBox 4">
             <a:extLst>
               <a:ext uri="{FF2B5EF4-FFF2-40B4-BE49-F238E27FC236}">
-                <a16:creationId xmlns:a16="http://schemas.microsoft.com/office/drawing/2014/main" id="{CBE994F0-5260-4159-B053-FBF3864A99F7}"/>
+                <a16:creationId xmlns:a16="http://schemas.microsoft.com/office/drawing/2014/main" xmlns="" id="{CBE994F0-5260-4159-B053-FBF3864A99F7}"/>
               </a:ext>
             </a:extLst>
           </p:cNvPr>
@@ -5135,7 +5160,7 @@
     </p:spTree>
     <p:extLst>
       <p:ext uri="{BB962C8B-B14F-4D97-AF65-F5344CB8AC3E}">
-        <p14:creationId xmlns:p14="http://schemas.microsoft.com/office/powerpoint/2010/main" val="3253466569"/>
+        <p14:creationId xmlns:p14="http://schemas.microsoft.com/office/powerpoint/2010/main" xmlns="" val="3253466569"/>
       </p:ext>
     </p:extLst>
   </p:cSld>
@@ -5167,7 +5192,7 @@
           <p:cNvPr id="2" name="TextBox 1">
             <a:extLst>
               <a:ext uri="{FF2B5EF4-FFF2-40B4-BE49-F238E27FC236}">
-                <a16:creationId xmlns:a16="http://schemas.microsoft.com/office/drawing/2014/main" id="{8DA34F60-C036-4B57-8DAB-1153FCC4B013}"/>
+                <a16:creationId xmlns:a16="http://schemas.microsoft.com/office/drawing/2014/main" xmlns="" id="{8DA34F60-C036-4B57-8DAB-1153FCC4B013}"/>
               </a:ext>
             </a:extLst>
           </p:cNvPr>
@@ -5199,7 +5224,7 @@
           <p:cNvPr id="3" name="TextBox 2">
             <a:extLst>
               <a:ext uri="{FF2B5EF4-FFF2-40B4-BE49-F238E27FC236}">
-                <a16:creationId xmlns:a16="http://schemas.microsoft.com/office/drawing/2014/main" id="{B544C6B0-EF6C-4250-91BF-FF09779362BA}"/>
+                <a16:creationId xmlns:a16="http://schemas.microsoft.com/office/drawing/2014/main" xmlns="" id="{B544C6B0-EF6C-4250-91BF-FF09779362BA}"/>
               </a:ext>
             </a:extLst>
           </p:cNvPr>
@@ -5249,7 +5274,7 @@
           <p:cNvPr id="4" name="TextBox 3">
             <a:extLst>
               <a:ext uri="{FF2B5EF4-FFF2-40B4-BE49-F238E27FC236}">
-                <a16:creationId xmlns:a16="http://schemas.microsoft.com/office/drawing/2014/main" id="{9B8DFFC6-F5A1-437C-96C6-D9151B948833}"/>
+                <a16:creationId xmlns:a16="http://schemas.microsoft.com/office/drawing/2014/main" xmlns="" id="{9B8DFFC6-F5A1-437C-96C6-D9151B948833}"/>
               </a:ext>
             </a:extLst>
           </p:cNvPr>
@@ -5473,7 +5498,7 @@
     </p:spTree>
     <p:extLst>
       <p:ext uri="{BB962C8B-B14F-4D97-AF65-F5344CB8AC3E}">
-        <p14:creationId xmlns:p14="http://schemas.microsoft.com/office/powerpoint/2010/main" val="1591769494"/>
+        <p14:creationId xmlns:p14="http://schemas.microsoft.com/office/powerpoint/2010/main" xmlns="" val="1591769494"/>
       </p:ext>
     </p:extLst>
   </p:cSld>
@@ -5505,7 +5530,7 @@
           <p:cNvPr id="5" name="TextBox 4">
             <a:extLst>
               <a:ext uri="{FF2B5EF4-FFF2-40B4-BE49-F238E27FC236}">
-                <a16:creationId xmlns:a16="http://schemas.microsoft.com/office/drawing/2014/main" id="{342270AA-492E-468C-B5DF-D005AB39834E}"/>
+                <a16:creationId xmlns:a16="http://schemas.microsoft.com/office/drawing/2014/main" xmlns="" id="{342270AA-492E-468C-B5DF-D005AB39834E}"/>
               </a:ext>
             </a:extLst>
           </p:cNvPr>
@@ -5558,7 +5583,7 @@
           <p:cNvPr id="2" name="Picture 1">
             <a:extLst>
               <a:ext uri="{FF2B5EF4-FFF2-40B4-BE49-F238E27FC236}">
-                <a16:creationId xmlns:a16="http://schemas.microsoft.com/office/drawing/2014/main" id="{980B4F3C-5353-4BCE-AD42-3222A6EAC2EE}"/>
+                <a16:creationId xmlns:a16="http://schemas.microsoft.com/office/drawing/2014/main" xmlns="" id="{980B4F3C-5353-4BCE-AD42-3222A6EAC2EE}"/>
               </a:ext>
             </a:extLst>
           </p:cNvPr>
@@ -5586,7 +5611,7 @@
     </p:spTree>
     <p:extLst>
       <p:ext uri="{BB962C8B-B14F-4D97-AF65-F5344CB8AC3E}">
-        <p14:creationId xmlns:p14="http://schemas.microsoft.com/office/powerpoint/2010/main" val="2322284118"/>
+        <p14:creationId xmlns:p14="http://schemas.microsoft.com/office/powerpoint/2010/main" xmlns="" val="2322284118"/>
       </p:ext>
     </p:extLst>
   </p:cSld>
@@ -5615,10 +5640,10 @@
       </p:grpSpPr>
       <p:sp>
         <p:nvSpPr>
-          <p:cNvPr id="5" name="TextBox 4">
-            <a:extLst>
-              <a:ext uri="{FF2B5EF4-FFF2-40B4-BE49-F238E27FC236}">
-                <a16:creationId xmlns:a16="http://schemas.microsoft.com/office/drawing/2014/main" id="{342270AA-492E-468C-B5DF-D005AB39834E}"/>
+          <p:cNvPr id="2" name="TextBox 1">
+            <a:extLst>
+              <a:ext uri="{FF2B5EF4-FFF2-40B4-BE49-F238E27FC236}">
+                <a16:creationId xmlns:a16="http://schemas.microsoft.com/office/drawing/2014/main" xmlns="" id="{8DA34F60-C036-4B57-8DAB-1153FCC4B013}"/>
               </a:ext>
             </a:extLst>
           </p:cNvPr>
@@ -5627,8 +5652,8 @@
         </p:nvSpPr>
         <p:spPr>
           <a:xfrm>
-            <a:off x="10159" y="2794000"/>
-            <a:ext cx="12181841" cy="1015663"/>
+            <a:off x="4500880" y="558800"/>
+            <a:ext cx="2631440" cy="833120"/>
           </a:xfrm>
           <a:prstGeom prst="rect">
             <a:avLst/>
@@ -5641,24 +5666,178 @@
           </a:bodyPr>
           <a:lstStyle/>
           <a:p>
+            <a:endParaRPr lang="en-US" dirty="0"/>
+          </a:p>
+        </p:txBody>
+      </p:sp>
+      <p:sp>
+        <p:nvSpPr>
+          <p:cNvPr id="3" name="TextBox 2">
+            <a:extLst>
+              <a:ext uri="{FF2B5EF4-FFF2-40B4-BE49-F238E27FC236}">
+                <a16:creationId xmlns:a16="http://schemas.microsoft.com/office/drawing/2014/main" xmlns="" id="{B544C6B0-EF6C-4250-91BF-FF09779362BA}"/>
+              </a:ext>
+            </a:extLst>
+          </p:cNvPr>
+          <p:cNvSpPr txBox="1"/>
+          <p:nvPr/>
+        </p:nvSpPr>
+        <p:spPr>
+          <a:xfrm>
+            <a:off x="0" y="182880"/>
+            <a:ext cx="12192000" cy="707886"/>
+          </a:xfrm>
+          <a:prstGeom prst="rect">
+            <a:avLst/>
+          </a:prstGeom>
+          <a:noFill/>
+        </p:spPr>
+        <p:txBody>
+          <a:bodyPr wrap="square" rtlCol="0">
+            <a:spAutoFit/>
+          </a:bodyPr>
+          <a:lstStyle/>
+          <a:p>
             <a:pPr algn="ctr"/>
             <a:r>
-              <a:rPr lang="en-US" sz="6000" b="1" dirty="0">
+              <a:rPr lang="en-US" sz="4000" dirty="0">
                 <a:solidFill>
                   <a:schemeClr val="bg1">
                     <a:lumMod val="50000"/>
                   </a:schemeClr>
                 </a:solidFill>
               </a:rPr>
-              <a:t>Thank You</a:t>
-            </a:r>
+              <a:t>Common Git Commands</a:t>
+            </a:r>
+            <a:endParaRPr lang="en-US" sz="4000" b="1" dirty="0">
+              <a:solidFill>
+                <a:schemeClr val="bg1">
+                  <a:lumMod val="50000"/>
+                </a:schemeClr>
+              </a:solidFill>
+              <a:latin typeface="+mj-lt"/>
+            </a:endParaRPr>
+          </a:p>
+        </p:txBody>
+      </p:sp>
+      <p:sp>
+        <p:nvSpPr>
+          <p:cNvPr id="4" name="TextBox 3">
+            <a:extLst>
+              <a:ext uri="{FF2B5EF4-FFF2-40B4-BE49-F238E27FC236}">
+                <a16:creationId xmlns:a16="http://schemas.microsoft.com/office/drawing/2014/main" xmlns="" id="{9B8DFFC6-F5A1-437C-96C6-D9151B948833}"/>
+              </a:ext>
+            </a:extLst>
+          </p:cNvPr>
+          <p:cNvSpPr txBox="1"/>
+          <p:nvPr/>
+        </p:nvSpPr>
+        <p:spPr>
+          <a:xfrm>
+            <a:off x="599440" y="944880"/>
+            <a:ext cx="8564880" cy="461665"/>
+          </a:xfrm>
+          <a:prstGeom prst="rect">
+            <a:avLst/>
+          </a:prstGeom>
+          <a:noFill/>
+        </p:spPr>
+        <p:txBody>
+          <a:bodyPr wrap="square" rtlCol="0">
+            <a:spAutoFit/>
+          </a:bodyPr>
+          <a:lstStyle/>
+          <a:p>
+            <a:pPr marL="800100" lvl="1" indent="-342900">
+              <a:buFont typeface="Wingdings" panose="05000000000000000000" pitchFamily="2" charset="2"/>
+              <a:buChar char="§"/>
+            </a:pPr>
+            <a:endParaRPr lang="en-US" sz="2400" dirty="0">
+              <a:solidFill>
+                <a:schemeClr val="bg1">
+                  <a:lumMod val="50000"/>
+                </a:schemeClr>
+              </a:solidFill>
+            </a:endParaRPr>
           </a:p>
         </p:txBody>
       </p:sp>
     </p:spTree>
     <p:extLst>
       <p:ext uri="{BB962C8B-B14F-4D97-AF65-F5344CB8AC3E}">
-        <p14:creationId xmlns:p14="http://schemas.microsoft.com/office/powerpoint/2010/main" val="3981335253"/>
+        <p14:creationId xmlns:p14="http://schemas.microsoft.com/office/powerpoint/2010/main" xmlns="" val="1591769494"/>
+      </p:ext>
+    </p:extLst>
+  </p:cSld>
+  <p:clrMapOvr>
+    <a:masterClrMapping/>
+  </p:clrMapOvr>
+</p:sld>
+</file>
+
+<file path=ppt/slides/slide21.xml><?xml version="1.0" encoding="utf-8"?>
+<p:sld xmlns:a="http://schemas.openxmlformats.org/drawingml/2006/main" xmlns:r="http://schemas.openxmlformats.org/officeDocument/2006/relationships" xmlns:p="http://schemas.openxmlformats.org/presentationml/2006/main">
+  <p:cSld>
+    <p:spTree>
+      <p:nvGrpSpPr>
+        <p:cNvPr id="1" name=""/>
+        <p:cNvGrpSpPr/>
+        <p:nvPr/>
+      </p:nvGrpSpPr>
+      <p:grpSpPr>
+        <a:xfrm>
+          <a:off x="0" y="0"/>
+          <a:ext cx="0" cy="0"/>
+          <a:chOff x="0" y="0"/>
+          <a:chExt cx="0" cy="0"/>
+        </a:xfrm>
+      </p:grpSpPr>
+      <p:sp>
+        <p:nvSpPr>
+          <p:cNvPr id="5" name="TextBox 4">
+            <a:extLst>
+              <a:ext uri="{FF2B5EF4-FFF2-40B4-BE49-F238E27FC236}">
+                <a16:creationId xmlns:a16="http://schemas.microsoft.com/office/drawing/2014/main" xmlns="" id="{342270AA-492E-468C-B5DF-D005AB39834E}"/>
+              </a:ext>
+            </a:extLst>
+          </p:cNvPr>
+          <p:cNvSpPr txBox="1"/>
+          <p:nvPr/>
+        </p:nvSpPr>
+        <p:spPr>
+          <a:xfrm>
+            <a:off x="10159" y="2794000"/>
+            <a:ext cx="12181841" cy="1015663"/>
+          </a:xfrm>
+          <a:prstGeom prst="rect">
+            <a:avLst/>
+          </a:prstGeom>
+          <a:noFill/>
+        </p:spPr>
+        <p:txBody>
+          <a:bodyPr wrap="square" rtlCol="0">
+            <a:spAutoFit/>
+          </a:bodyPr>
+          <a:lstStyle/>
+          <a:p>
+            <a:pPr algn="ctr"/>
+            <a:r>
+              <a:rPr lang="en-US" sz="6000" b="1" dirty="0">
+                <a:solidFill>
+                  <a:schemeClr val="bg1">
+                    <a:lumMod val="50000"/>
+                  </a:schemeClr>
+                </a:solidFill>
+              </a:rPr>
+              <a:t>Thank You</a:t>
+            </a:r>
+          </a:p>
+        </p:txBody>
+      </p:sp>
+    </p:spTree>
+    <p:extLst>
+      <p:ext uri="{BB962C8B-B14F-4D97-AF65-F5344CB8AC3E}">
+        <p14:creationId xmlns:p14="http://schemas.microsoft.com/office/powerpoint/2010/main" xmlns="" val="3981335253"/>
       </p:ext>
     </p:extLst>
   </p:cSld>
@@ -5690,7 +5869,7 @@
           <p:cNvPr id="5" name="TextBox 4">
             <a:extLst>
               <a:ext uri="{FF2B5EF4-FFF2-40B4-BE49-F238E27FC236}">
-                <a16:creationId xmlns:a16="http://schemas.microsoft.com/office/drawing/2014/main" id="{342270AA-492E-468C-B5DF-D005AB39834E}"/>
+                <a16:creationId xmlns:a16="http://schemas.microsoft.com/office/drawing/2014/main" xmlns="" id="{342270AA-492E-468C-B5DF-D005AB39834E}"/>
               </a:ext>
             </a:extLst>
           </p:cNvPr>
@@ -5732,7 +5911,7 @@
           <p:cNvPr id="4" name="Picture 3">
             <a:extLst>
               <a:ext uri="{FF2B5EF4-FFF2-40B4-BE49-F238E27FC236}">
-                <a16:creationId xmlns:a16="http://schemas.microsoft.com/office/drawing/2014/main" id="{B9C8FE3E-35D3-4129-8633-6BE0E6E26E9A}"/>
+                <a16:creationId xmlns:a16="http://schemas.microsoft.com/office/drawing/2014/main" xmlns="" id="{B9C8FE3E-35D3-4129-8633-6BE0E6E26E9A}"/>
               </a:ext>
             </a:extLst>
           </p:cNvPr>
@@ -5760,7 +5939,7 @@
     </p:spTree>
     <p:extLst>
       <p:ext uri="{BB962C8B-B14F-4D97-AF65-F5344CB8AC3E}">
-        <p14:creationId xmlns:p14="http://schemas.microsoft.com/office/powerpoint/2010/main" val="1193679221"/>
+        <p14:creationId xmlns:p14="http://schemas.microsoft.com/office/powerpoint/2010/main" xmlns="" val="1193679221"/>
       </p:ext>
     </p:extLst>
   </p:cSld>
@@ -5792,7 +5971,7 @@
           <p:cNvPr id="2" name="TextBox 1">
             <a:extLst>
               <a:ext uri="{FF2B5EF4-FFF2-40B4-BE49-F238E27FC236}">
-                <a16:creationId xmlns:a16="http://schemas.microsoft.com/office/drawing/2014/main" id="{8DA34F60-C036-4B57-8DAB-1153FCC4B013}"/>
+                <a16:creationId xmlns:a16="http://schemas.microsoft.com/office/drawing/2014/main" xmlns="" id="{8DA34F60-C036-4B57-8DAB-1153FCC4B013}"/>
               </a:ext>
             </a:extLst>
           </p:cNvPr>
@@ -5824,7 +6003,7 @@
           <p:cNvPr id="3" name="TextBox 2">
             <a:extLst>
               <a:ext uri="{FF2B5EF4-FFF2-40B4-BE49-F238E27FC236}">
-                <a16:creationId xmlns:a16="http://schemas.microsoft.com/office/drawing/2014/main" id="{B544C6B0-EF6C-4250-91BF-FF09779362BA}"/>
+                <a16:creationId xmlns:a16="http://schemas.microsoft.com/office/drawing/2014/main" xmlns="" id="{B544C6B0-EF6C-4250-91BF-FF09779362BA}"/>
               </a:ext>
             </a:extLst>
           </p:cNvPr>
@@ -5867,7 +6046,7 @@
           <p:cNvPr id="6" name="Picture 5">
             <a:extLst>
               <a:ext uri="{FF2B5EF4-FFF2-40B4-BE49-F238E27FC236}">
-                <a16:creationId xmlns:a16="http://schemas.microsoft.com/office/drawing/2014/main" id="{3EAF93C3-FEA4-4E5F-A9E8-EA07466836E3}"/>
+                <a16:creationId xmlns:a16="http://schemas.microsoft.com/office/drawing/2014/main" xmlns="" id="{3EAF93C3-FEA4-4E5F-A9E8-EA07466836E3}"/>
               </a:ext>
             </a:extLst>
           </p:cNvPr>
@@ -5897,7 +6076,7 @@
           <p:cNvPr id="7" name="TextBox 6">
             <a:extLst>
               <a:ext uri="{FF2B5EF4-FFF2-40B4-BE49-F238E27FC236}">
-                <a16:creationId xmlns:a16="http://schemas.microsoft.com/office/drawing/2014/main" id="{5205BA0B-441B-4D66-A356-F6C0076D797D}"/>
+                <a16:creationId xmlns:a16="http://schemas.microsoft.com/office/drawing/2014/main" xmlns="" id="{5205BA0B-441B-4D66-A356-F6C0076D797D}"/>
               </a:ext>
             </a:extLst>
           </p:cNvPr>
@@ -5983,7 +6162,7 @@
     </p:spTree>
     <p:extLst>
       <p:ext uri="{BB962C8B-B14F-4D97-AF65-F5344CB8AC3E}">
-        <p14:creationId xmlns:p14="http://schemas.microsoft.com/office/powerpoint/2010/main" val="4199085327"/>
+        <p14:creationId xmlns:p14="http://schemas.microsoft.com/office/powerpoint/2010/main" xmlns="" val="4199085327"/>
       </p:ext>
     </p:extLst>
   </p:cSld>
@@ -6015,7 +6194,7 @@
           <p:cNvPr id="2" name="TextBox 1">
             <a:extLst>
               <a:ext uri="{FF2B5EF4-FFF2-40B4-BE49-F238E27FC236}">
-                <a16:creationId xmlns:a16="http://schemas.microsoft.com/office/drawing/2014/main" id="{8DA34F60-C036-4B57-8DAB-1153FCC4B013}"/>
+                <a16:creationId xmlns:a16="http://schemas.microsoft.com/office/drawing/2014/main" xmlns="" id="{8DA34F60-C036-4B57-8DAB-1153FCC4B013}"/>
               </a:ext>
             </a:extLst>
           </p:cNvPr>
@@ -6047,7 +6226,7 @@
           <p:cNvPr id="3" name="TextBox 2">
             <a:extLst>
               <a:ext uri="{FF2B5EF4-FFF2-40B4-BE49-F238E27FC236}">
-                <a16:creationId xmlns:a16="http://schemas.microsoft.com/office/drawing/2014/main" id="{B544C6B0-EF6C-4250-91BF-FF09779362BA}"/>
+                <a16:creationId xmlns:a16="http://schemas.microsoft.com/office/drawing/2014/main" xmlns="" id="{B544C6B0-EF6C-4250-91BF-FF09779362BA}"/>
               </a:ext>
             </a:extLst>
           </p:cNvPr>
@@ -6097,7 +6276,7 @@
           <p:cNvPr id="4" name="Picture 3">
             <a:extLst>
               <a:ext uri="{FF2B5EF4-FFF2-40B4-BE49-F238E27FC236}">
-                <a16:creationId xmlns:a16="http://schemas.microsoft.com/office/drawing/2014/main" id="{A18C768D-3280-4CCA-8703-8E8F8F3D35B7}"/>
+                <a16:creationId xmlns:a16="http://schemas.microsoft.com/office/drawing/2014/main" xmlns="" id="{A18C768D-3280-4CCA-8703-8E8F8F3D35B7}"/>
               </a:ext>
             </a:extLst>
           </p:cNvPr>
@@ -6125,7 +6304,7 @@
     </p:spTree>
     <p:extLst>
       <p:ext uri="{BB962C8B-B14F-4D97-AF65-F5344CB8AC3E}">
-        <p14:creationId xmlns:p14="http://schemas.microsoft.com/office/powerpoint/2010/main" val="2637947620"/>
+        <p14:creationId xmlns:p14="http://schemas.microsoft.com/office/powerpoint/2010/main" xmlns="" val="2637947620"/>
       </p:ext>
     </p:extLst>
   </p:cSld>
@@ -6157,7 +6336,7 @@
           <p:cNvPr id="3" name="TextBox 2">
             <a:extLst>
               <a:ext uri="{FF2B5EF4-FFF2-40B4-BE49-F238E27FC236}">
-                <a16:creationId xmlns:a16="http://schemas.microsoft.com/office/drawing/2014/main" id="{B544C6B0-EF6C-4250-91BF-FF09779362BA}"/>
+                <a16:creationId xmlns:a16="http://schemas.microsoft.com/office/drawing/2014/main" xmlns="" id="{B544C6B0-EF6C-4250-91BF-FF09779362BA}"/>
               </a:ext>
             </a:extLst>
           </p:cNvPr>
@@ -6207,7 +6386,7 @@
           <p:cNvPr id="6" name="TextBox 5">
             <a:extLst>
               <a:ext uri="{FF2B5EF4-FFF2-40B4-BE49-F238E27FC236}">
-                <a16:creationId xmlns:a16="http://schemas.microsoft.com/office/drawing/2014/main" id="{640BB658-D346-4643-A9C7-7F3BD503A7C1}"/>
+                <a16:creationId xmlns:a16="http://schemas.microsoft.com/office/drawing/2014/main" xmlns="" id="{640BB658-D346-4643-A9C7-7F3BD503A7C1}"/>
               </a:ext>
             </a:extLst>
           </p:cNvPr>
@@ -6248,7 +6427,7 @@
           <p:cNvPr id="7" name="Picture 6">
             <a:extLst>
               <a:ext uri="{FF2B5EF4-FFF2-40B4-BE49-F238E27FC236}">
-                <a16:creationId xmlns:a16="http://schemas.microsoft.com/office/drawing/2014/main" id="{FB29A71E-1CB8-4485-B7A9-A1E8C39F6774}"/>
+                <a16:creationId xmlns:a16="http://schemas.microsoft.com/office/drawing/2014/main" xmlns="" id="{FB29A71E-1CB8-4485-B7A9-A1E8C39F6774}"/>
               </a:ext>
             </a:extLst>
           </p:cNvPr>
@@ -6276,7 +6455,7 @@
     </p:spTree>
     <p:extLst>
       <p:ext uri="{BB962C8B-B14F-4D97-AF65-F5344CB8AC3E}">
-        <p14:creationId xmlns:p14="http://schemas.microsoft.com/office/powerpoint/2010/main" val="4142731611"/>
+        <p14:creationId xmlns:p14="http://schemas.microsoft.com/office/powerpoint/2010/main" xmlns="" val="4142731611"/>
       </p:ext>
     </p:extLst>
   </p:cSld>
@@ -6308,7 +6487,7 @@
           <p:cNvPr id="2" name="TextBox 1">
             <a:extLst>
               <a:ext uri="{FF2B5EF4-FFF2-40B4-BE49-F238E27FC236}">
-                <a16:creationId xmlns:a16="http://schemas.microsoft.com/office/drawing/2014/main" id="{8DA34F60-C036-4B57-8DAB-1153FCC4B013}"/>
+                <a16:creationId xmlns:a16="http://schemas.microsoft.com/office/drawing/2014/main" xmlns="" id="{8DA34F60-C036-4B57-8DAB-1153FCC4B013}"/>
               </a:ext>
             </a:extLst>
           </p:cNvPr>
@@ -6340,7 +6519,7 @@
           <p:cNvPr id="3" name="TextBox 2">
             <a:extLst>
               <a:ext uri="{FF2B5EF4-FFF2-40B4-BE49-F238E27FC236}">
-                <a16:creationId xmlns:a16="http://schemas.microsoft.com/office/drawing/2014/main" id="{B544C6B0-EF6C-4250-91BF-FF09779362BA}"/>
+                <a16:creationId xmlns:a16="http://schemas.microsoft.com/office/drawing/2014/main" xmlns="" id="{B544C6B0-EF6C-4250-91BF-FF09779362BA}"/>
               </a:ext>
             </a:extLst>
           </p:cNvPr>
@@ -6390,7 +6569,7 @@
           <p:cNvPr id="5" name="TextBox 4">
             <a:extLst>
               <a:ext uri="{FF2B5EF4-FFF2-40B4-BE49-F238E27FC236}">
-                <a16:creationId xmlns:a16="http://schemas.microsoft.com/office/drawing/2014/main" id="{71212FCE-4877-450F-9633-F9048A38CCF7}"/>
+                <a16:creationId xmlns:a16="http://schemas.microsoft.com/office/drawing/2014/main" xmlns="" id="{71212FCE-4877-450F-9633-F9048A38CCF7}"/>
               </a:ext>
             </a:extLst>
           </p:cNvPr>
@@ -6432,7 +6611,7 @@
           <p:cNvPr id="6" name="Picture 5">
             <a:extLst>
               <a:ext uri="{FF2B5EF4-FFF2-40B4-BE49-F238E27FC236}">
-                <a16:creationId xmlns:a16="http://schemas.microsoft.com/office/drawing/2014/main" id="{360BC874-6D5C-400E-803C-8CDE1D04E0FE}"/>
+                <a16:creationId xmlns:a16="http://schemas.microsoft.com/office/drawing/2014/main" xmlns="" id="{360BC874-6D5C-400E-803C-8CDE1D04E0FE}"/>
               </a:ext>
             </a:extLst>
           </p:cNvPr>
@@ -6460,7 +6639,7 @@
     </p:spTree>
     <p:extLst>
       <p:ext uri="{BB962C8B-B14F-4D97-AF65-F5344CB8AC3E}">
-        <p14:creationId xmlns:p14="http://schemas.microsoft.com/office/powerpoint/2010/main" val="2219346209"/>
+        <p14:creationId xmlns:p14="http://schemas.microsoft.com/office/powerpoint/2010/main" xmlns="" val="2219346209"/>
       </p:ext>
     </p:extLst>
   </p:cSld>
@@ -6492,7 +6671,7 @@
           <p:cNvPr id="2" name="TextBox 1">
             <a:extLst>
               <a:ext uri="{FF2B5EF4-FFF2-40B4-BE49-F238E27FC236}">
-                <a16:creationId xmlns:a16="http://schemas.microsoft.com/office/drawing/2014/main" id="{8DA34F60-C036-4B57-8DAB-1153FCC4B013}"/>
+                <a16:creationId xmlns:a16="http://schemas.microsoft.com/office/drawing/2014/main" xmlns="" id="{8DA34F60-C036-4B57-8DAB-1153FCC4B013}"/>
               </a:ext>
             </a:extLst>
           </p:cNvPr>
@@ -6524,7 +6703,7 @@
           <p:cNvPr id="3" name="TextBox 2">
             <a:extLst>
               <a:ext uri="{FF2B5EF4-FFF2-40B4-BE49-F238E27FC236}">
-                <a16:creationId xmlns:a16="http://schemas.microsoft.com/office/drawing/2014/main" id="{B544C6B0-EF6C-4250-91BF-FF09779362BA}"/>
+                <a16:creationId xmlns:a16="http://schemas.microsoft.com/office/drawing/2014/main" xmlns="" id="{B544C6B0-EF6C-4250-91BF-FF09779362BA}"/>
               </a:ext>
             </a:extLst>
           </p:cNvPr>
@@ -6574,7 +6753,7 @@
           <p:cNvPr id="4" name="Picture 3">
             <a:extLst>
               <a:ext uri="{FF2B5EF4-FFF2-40B4-BE49-F238E27FC236}">
-                <a16:creationId xmlns:a16="http://schemas.microsoft.com/office/drawing/2014/main" id="{C60C186D-9A6C-455F-B568-D87CB97AF63E}"/>
+                <a16:creationId xmlns:a16="http://schemas.microsoft.com/office/drawing/2014/main" xmlns="" id="{C60C186D-9A6C-455F-B568-D87CB97AF63E}"/>
               </a:ext>
             </a:extLst>
           </p:cNvPr>
@@ -6602,7 +6781,7 @@
     </p:spTree>
     <p:extLst>
       <p:ext uri="{BB962C8B-B14F-4D97-AF65-F5344CB8AC3E}">
-        <p14:creationId xmlns:p14="http://schemas.microsoft.com/office/powerpoint/2010/main" val="1411206396"/>
+        <p14:creationId xmlns:p14="http://schemas.microsoft.com/office/powerpoint/2010/main" xmlns="" val="1411206396"/>
       </p:ext>
     </p:extLst>
   </p:cSld>
@@ -6634,7 +6813,7 @@
           <p:cNvPr id="2" name="TextBox 1">
             <a:extLst>
               <a:ext uri="{FF2B5EF4-FFF2-40B4-BE49-F238E27FC236}">
-                <a16:creationId xmlns:a16="http://schemas.microsoft.com/office/drawing/2014/main" id="{8DA34F60-C036-4B57-8DAB-1153FCC4B013}"/>
+                <a16:creationId xmlns:a16="http://schemas.microsoft.com/office/drawing/2014/main" xmlns="" id="{8DA34F60-C036-4B57-8DAB-1153FCC4B013}"/>
               </a:ext>
             </a:extLst>
           </p:cNvPr>
@@ -6666,7 +6845,7 @@
           <p:cNvPr id="3" name="TextBox 2">
             <a:extLst>
               <a:ext uri="{FF2B5EF4-FFF2-40B4-BE49-F238E27FC236}">
-                <a16:creationId xmlns:a16="http://schemas.microsoft.com/office/drawing/2014/main" id="{B544C6B0-EF6C-4250-91BF-FF09779362BA}"/>
+                <a16:creationId xmlns:a16="http://schemas.microsoft.com/office/drawing/2014/main" xmlns="" id="{B544C6B0-EF6C-4250-91BF-FF09779362BA}"/>
               </a:ext>
             </a:extLst>
           </p:cNvPr>
@@ -6716,7 +6895,7 @@
           <p:cNvPr id="4" name="Picture 3">
             <a:extLst>
               <a:ext uri="{FF2B5EF4-FFF2-40B4-BE49-F238E27FC236}">
-                <a16:creationId xmlns:a16="http://schemas.microsoft.com/office/drawing/2014/main" id="{D57C87F1-68AD-4C82-B863-3771DD261942}"/>
+                <a16:creationId xmlns:a16="http://schemas.microsoft.com/office/drawing/2014/main" xmlns="" id="{D57C87F1-68AD-4C82-B863-3771DD261942}"/>
               </a:ext>
             </a:extLst>
           </p:cNvPr>
@@ -6744,7 +6923,7 @@
     </p:spTree>
     <p:extLst>
       <p:ext uri="{BB962C8B-B14F-4D97-AF65-F5344CB8AC3E}">
-        <p14:creationId xmlns:p14="http://schemas.microsoft.com/office/powerpoint/2010/main" val="2783770015"/>
+        <p14:creationId xmlns:p14="http://schemas.microsoft.com/office/powerpoint/2010/main" xmlns="" val="2783770015"/>
       </p:ext>
     </p:extLst>
   </p:cSld>
@@ -6797,7 +6976,7 @@
     </a:clrScheme>
     <a:fontScheme name="Office">
       <a:majorFont>
-        <a:latin typeface="Calibri Light" panose="020F0302020204030204"/>
+        <a:latin typeface="Calibri Light"/>
         <a:ea typeface=""/>
         <a:cs typeface=""/>
         <a:font script="Jpan" typeface="游ゴシック Light"/>
@@ -6849,7 +7028,7 @@
         <a:font script="Tfng" typeface="Ebrima"/>
       </a:majorFont>
       <a:minorFont>
-        <a:latin typeface="Calibri" panose="020F0502020204030204"/>
+        <a:latin typeface="Calibri"/>
         <a:ea typeface=""/>
         <a:cs typeface=""/>
         <a:font script="Jpan" typeface="游ゴシック"/>
@@ -7043,7 +7222,7 @@
   <a:extraClrSchemeLst/>
   <a:extLst>
     <a:ext uri="{05A4C25C-085E-4340-85A3-A5531E510DB2}">
-      <thm15:themeFamily xmlns:thm15="http://schemas.microsoft.com/office/thememl/2012/main" name="Office Theme" id="{62F939B6-93AF-4DB8-9C6B-D6C7DFDC589F}" vid="{4A3C46E8-61CC-4603-A589-7422A47A8E4A}"/>
+      <thm15:themeFamily xmlns:thm15="http://schemas.microsoft.com/office/thememl/2012/main" xmlns="" name="Office Theme" id="{62F939B6-93AF-4DB8-9C6B-D6C7DFDC589F}" vid="{4A3C46E8-61CC-4603-A589-7422A47A8E4A}"/>
     </a:ext>
   </a:extLst>
 </a:theme>

--- a/DevOps.pptx
+++ b/DevOps.pptx
@@ -24,8 +24,9 @@
     <p:sldId id="273" r:id="rId18"/>
     <p:sldId id="274" r:id="rId19"/>
     <p:sldId id="275" r:id="rId20"/>
-    <p:sldId id="276" r:id="rId21"/>
-    <p:sldId id="258" r:id="rId22"/>
+    <p:sldId id="277" r:id="rId21"/>
+    <p:sldId id="276" r:id="rId22"/>
+    <p:sldId id="258" r:id="rId23"/>
   </p:sldIdLst>
   <p:sldSz cx="12192000" cy="6858000"/>
   <p:notesSz cx="6858000" cy="9144000"/>
@@ -124,6 +125,11 @@
       </a:defRPr>
     </a:lvl9pPr>
   </p:defaultTextStyle>
+  <p:extLst>
+    <p:ext uri="{EFAFB233-063F-42B5-8137-9DF3F51BA10A}">
+      <p15:sldGuideLst xmlns:p15="http://schemas.microsoft.com/office/powerpoint/2012/main"/>
+    </p:ext>
+  </p:extLst>
 </p:presentation>
 </file>
 
@@ -149,7 +155,7 @@
           <p:cNvPr id="2" name="Title 1">
             <a:extLst>
               <a:ext uri="{FF2B5EF4-FFF2-40B4-BE49-F238E27FC236}">
-                <a16:creationId xmlns:a16="http://schemas.microsoft.com/office/drawing/2014/main" xmlns="" id="{11334219-D3AB-41B2-8ADB-644EE7709C17}"/>
+                <a16:creationId xmlns:a16="http://schemas.microsoft.com/office/drawing/2014/main" id="{11334219-D3AB-41B2-8ADB-644EE7709C17}"/>
               </a:ext>
             </a:extLst>
           </p:cNvPr>
@@ -186,7 +192,7 @@
           <p:cNvPr id="3" name="Subtitle 2">
             <a:extLst>
               <a:ext uri="{FF2B5EF4-FFF2-40B4-BE49-F238E27FC236}">
-                <a16:creationId xmlns:a16="http://schemas.microsoft.com/office/drawing/2014/main" xmlns="" id="{95413D5A-B558-4E1E-A41A-E1A9FC472792}"/>
+                <a16:creationId xmlns:a16="http://schemas.microsoft.com/office/drawing/2014/main" id="{95413D5A-B558-4E1E-A41A-E1A9FC472792}"/>
               </a:ext>
             </a:extLst>
           </p:cNvPr>
@@ -256,7 +262,7 @@
           <p:cNvPr id="4" name="Date Placeholder 3">
             <a:extLst>
               <a:ext uri="{FF2B5EF4-FFF2-40B4-BE49-F238E27FC236}">
-                <a16:creationId xmlns:a16="http://schemas.microsoft.com/office/drawing/2014/main" xmlns="" id="{A690AC1A-AF18-4A14-9E8D-EB4B7B22D3B5}"/>
+                <a16:creationId xmlns:a16="http://schemas.microsoft.com/office/drawing/2014/main" id="{A690AC1A-AF18-4A14-9E8D-EB4B7B22D3B5}"/>
               </a:ext>
             </a:extLst>
           </p:cNvPr>
@@ -274,8 +280,7 @@
           <a:p>
             <a:fld id="{07C149BE-AC79-4548-8B96-E3E2494BEA7F}" type="datetimeFigureOut">
               <a:rPr lang="en-US" smtClean="0"/>
-              <a:pPr/>
-              <a:t>5/28/2022</a:t>
+              <a:t>5/30/2022</a:t>
             </a:fld>
             <a:endParaRPr lang="en-US"/>
           </a:p>
@@ -286,7 +291,7 @@
           <p:cNvPr id="5" name="Footer Placeholder 4">
             <a:extLst>
               <a:ext uri="{FF2B5EF4-FFF2-40B4-BE49-F238E27FC236}">
-                <a16:creationId xmlns:a16="http://schemas.microsoft.com/office/drawing/2014/main" xmlns="" id="{FE625D2A-8362-4F07-B36B-0870C863ADF3}"/>
+                <a16:creationId xmlns:a16="http://schemas.microsoft.com/office/drawing/2014/main" id="{FE625D2A-8362-4F07-B36B-0870C863ADF3}"/>
               </a:ext>
             </a:extLst>
           </p:cNvPr>
@@ -311,7 +316,7 @@
           <p:cNvPr id="6" name="Slide Number Placeholder 5">
             <a:extLst>
               <a:ext uri="{FF2B5EF4-FFF2-40B4-BE49-F238E27FC236}">
-                <a16:creationId xmlns:a16="http://schemas.microsoft.com/office/drawing/2014/main" xmlns="" id="{1549429C-19E9-4F2C-B4FD-8F54CDD00E8B}"/>
+                <a16:creationId xmlns:a16="http://schemas.microsoft.com/office/drawing/2014/main" id="{1549429C-19E9-4F2C-B4FD-8F54CDD00E8B}"/>
               </a:ext>
             </a:extLst>
           </p:cNvPr>
@@ -329,7 +334,6 @@
           <a:p>
             <a:fld id="{D5B41888-593B-4C9A-883D-13341236B250}" type="slidenum">
               <a:rPr lang="en-US" smtClean="0"/>
-              <a:pPr/>
               <a:t>‹#›</a:t>
             </a:fld>
             <a:endParaRPr lang="en-US"/>
@@ -339,7 +343,7 @@
     </p:spTree>
     <p:extLst>
       <p:ext uri="{BB962C8B-B14F-4D97-AF65-F5344CB8AC3E}">
-        <p14:creationId xmlns:p14="http://schemas.microsoft.com/office/powerpoint/2010/main" xmlns="" val="795564747"/>
+        <p14:creationId xmlns:p14="http://schemas.microsoft.com/office/powerpoint/2010/main" val="795564747"/>
       </p:ext>
     </p:extLst>
   </p:cSld>
@@ -371,7 +375,7 @@
           <p:cNvPr id="2" name="Title 1">
             <a:extLst>
               <a:ext uri="{FF2B5EF4-FFF2-40B4-BE49-F238E27FC236}">
-                <a16:creationId xmlns:a16="http://schemas.microsoft.com/office/drawing/2014/main" xmlns="" id="{EDFFEACB-671B-4E99-90DE-FCA203D82464}"/>
+                <a16:creationId xmlns:a16="http://schemas.microsoft.com/office/drawing/2014/main" id="{EDFFEACB-671B-4E99-90DE-FCA203D82464}"/>
               </a:ext>
             </a:extLst>
           </p:cNvPr>
@@ -399,7 +403,7 @@
           <p:cNvPr id="3" name="Vertical Text Placeholder 2">
             <a:extLst>
               <a:ext uri="{FF2B5EF4-FFF2-40B4-BE49-F238E27FC236}">
-                <a16:creationId xmlns:a16="http://schemas.microsoft.com/office/drawing/2014/main" xmlns="" id="{5EBBDE48-CEA1-4233-8F0D-3609C5C8686C}"/>
+                <a16:creationId xmlns:a16="http://schemas.microsoft.com/office/drawing/2014/main" id="{5EBBDE48-CEA1-4233-8F0D-3609C5C8686C}"/>
               </a:ext>
             </a:extLst>
           </p:cNvPr>
@@ -456,7 +460,7 @@
           <p:cNvPr id="4" name="Date Placeholder 3">
             <a:extLst>
               <a:ext uri="{FF2B5EF4-FFF2-40B4-BE49-F238E27FC236}">
-                <a16:creationId xmlns:a16="http://schemas.microsoft.com/office/drawing/2014/main" xmlns="" id="{2E5C6FEC-E6F2-4DA5-830B-16AC04370781}"/>
+                <a16:creationId xmlns:a16="http://schemas.microsoft.com/office/drawing/2014/main" id="{2E5C6FEC-E6F2-4DA5-830B-16AC04370781}"/>
               </a:ext>
             </a:extLst>
           </p:cNvPr>
@@ -474,8 +478,7 @@
           <a:p>
             <a:fld id="{07C149BE-AC79-4548-8B96-E3E2494BEA7F}" type="datetimeFigureOut">
               <a:rPr lang="en-US" smtClean="0"/>
-              <a:pPr/>
-              <a:t>5/28/2022</a:t>
+              <a:t>5/30/2022</a:t>
             </a:fld>
             <a:endParaRPr lang="en-US"/>
           </a:p>
@@ -486,7 +489,7 @@
           <p:cNvPr id="5" name="Footer Placeholder 4">
             <a:extLst>
               <a:ext uri="{FF2B5EF4-FFF2-40B4-BE49-F238E27FC236}">
-                <a16:creationId xmlns:a16="http://schemas.microsoft.com/office/drawing/2014/main" xmlns="" id="{33C34678-02FE-470D-8230-588A1EC87C80}"/>
+                <a16:creationId xmlns:a16="http://schemas.microsoft.com/office/drawing/2014/main" id="{33C34678-02FE-470D-8230-588A1EC87C80}"/>
               </a:ext>
             </a:extLst>
           </p:cNvPr>
@@ -511,7 +514,7 @@
           <p:cNvPr id="6" name="Slide Number Placeholder 5">
             <a:extLst>
               <a:ext uri="{FF2B5EF4-FFF2-40B4-BE49-F238E27FC236}">
-                <a16:creationId xmlns:a16="http://schemas.microsoft.com/office/drawing/2014/main" xmlns="" id="{DB95C7E1-CB97-4125-A4CF-1126A5676968}"/>
+                <a16:creationId xmlns:a16="http://schemas.microsoft.com/office/drawing/2014/main" id="{DB95C7E1-CB97-4125-A4CF-1126A5676968}"/>
               </a:ext>
             </a:extLst>
           </p:cNvPr>
@@ -529,7 +532,6 @@
           <a:p>
             <a:fld id="{D5B41888-593B-4C9A-883D-13341236B250}" type="slidenum">
               <a:rPr lang="en-US" smtClean="0"/>
-              <a:pPr/>
               <a:t>‹#›</a:t>
             </a:fld>
             <a:endParaRPr lang="en-US"/>
@@ -539,7 +541,7 @@
     </p:spTree>
     <p:extLst>
       <p:ext uri="{BB962C8B-B14F-4D97-AF65-F5344CB8AC3E}">
-        <p14:creationId xmlns:p14="http://schemas.microsoft.com/office/powerpoint/2010/main" xmlns="" val="652119031"/>
+        <p14:creationId xmlns:p14="http://schemas.microsoft.com/office/powerpoint/2010/main" val="652119031"/>
       </p:ext>
     </p:extLst>
   </p:cSld>
@@ -571,7 +573,7 @@
           <p:cNvPr id="2" name="Vertical Title 1">
             <a:extLst>
               <a:ext uri="{FF2B5EF4-FFF2-40B4-BE49-F238E27FC236}">
-                <a16:creationId xmlns:a16="http://schemas.microsoft.com/office/drawing/2014/main" xmlns="" id="{5F6B2C60-1B25-4BBB-B8DD-182CD312DF98}"/>
+                <a16:creationId xmlns:a16="http://schemas.microsoft.com/office/drawing/2014/main" id="{5F6B2C60-1B25-4BBB-B8DD-182CD312DF98}"/>
               </a:ext>
             </a:extLst>
           </p:cNvPr>
@@ -604,7 +606,7 @@
           <p:cNvPr id="3" name="Vertical Text Placeholder 2">
             <a:extLst>
               <a:ext uri="{FF2B5EF4-FFF2-40B4-BE49-F238E27FC236}">
-                <a16:creationId xmlns:a16="http://schemas.microsoft.com/office/drawing/2014/main" xmlns="" id="{DBD4EC11-F684-45FE-A670-6839F3BD1D01}"/>
+                <a16:creationId xmlns:a16="http://schemas.microsoft.com/office/drawing/2014/main" id="{DBD4EC11-F684-45FE-A670-6839F3BD1D01}"/>
               </a:ext>
             </a:extLst>
           </p:cNvPr>
@@ -666,7 +668,7 @@
           <p:cNvPr id="4" name="Date Placeholder 3">
             <a:extLst>
               <a:ext uri="{FF2B5EF4-FFF2-40B4-BE49-F238E27FC236}">
-                <a16:creationId xmlns:a16="http://schemas.microsoft.com/office/drawing/2014/main" xmlns="" id="{B6ADFE61-028C-4DF5-AB65-16A348AADBA3}"/>
+                <a16:creationId xmlns:a16="http://schemas.microsoft.com/office/drawing/2014/main" id="{B6ADFE61-028C-4DF5-AB65-16A348AADBA3}"/>
               </a:ext>
             </a:extLst>
           </p:cNvPr>
@@ -684,8 +686,7 @@
           <a:p>
             <a:fld id="{07C149BE-AC79-4548-8B96-E3E2494BEA7F}" type="datetimeFigureOut">
               <a:rPr lang="en-US" smtClean="0"/>
-              <a:pPr/>
-              <a:t>5/28/2022</a:t>
+              <a:t>5/30/2022</a:t>
             </a:fld>
             <a:endParaRPr lang="en-US"/>
           </a:p>
@@ -696,7 +697,7 @@
           <p:cNvPr id="5" name="Footer Placeholder 4">
             <a:extLst>
               <a:ext uri="{FF2B5EF4-FFF2-40B4-BE49-F238E27FC236}">
-                <a16:creationId xmlns:a16="http://schemas.microsoft.com/office/drawing/2014/main" xmlns="" id="{F6690023-6460-406A-BFA3-91376048F033}"/>
+                <a16:creationId xmlns:a16="http://schemas.microsoft.com/office/drawing/2014/main" id="{F6690023-6460-406A-BFA3-91376048F033}"/>
               </a:ext>
             </a:extLst>
           </p:cNvPr>
@@ -721,7 +722,7 @@
           <p:cNvPr id="6" name="Slide Number Placeholder 5">
             <a:extLst>
               <a:ext uri="{FF2B5EF4-FFF2-40B4-BE49-F238E27FC236}">
-                <a16:creationId xmlns:a16="http://schemas.microsoft.com/office/drawing/2014/main" xmlns="" id="{141DF3AE-7E06-4D8F-B0BE-4A8B1C2210AF}"/>
+                <a16:creationId xmlns:a16="http://schemas.microsoft.com/office/drawing/2014/main" id="{141DF3AE-7E06-4D8F-B0BE-4A8B1C2210AF}"/>
               </a:ext>
             </a:extLst>
           </p:cNvPr>
@@ -739,7 +740,6 @@
           <a:p>
             <a:fld id="{D5B41888-593B-4C9A-883D-13341236B250}" type="slidenum">
               <a:rPr lang="en-US" smtClean="0"/>
-              <a:pPr/>
               <a:t>‹#›</a:t>
             </a:fld>
             <a:endParaRPr lang="en-US"/>
@@ -749,7 +749,7 @@
     </p:spTree>
     <p:extLst>
       <p:ext uri="{BB962C8B-B14F-4D97-AF65-F5344CB8AC3E}">
-        <p14:creationId xmlns:p14="http://schemas.microsoft.com/office/powerpoint/2010/main" xmlns="" val="2150503476"/>
+        <p14:creationId xmlns:p14="http://schemas.microsoft.com/office/powerpoint/2010/main" val="2150503476"/>
       </p:ext>
     </p:extLst>
   </p:cSld>
@@ -781,7 +781,7 @@
           <p:cNvPr id="2" name="Title 1">
             <a:extLst>
               <a:ext uri="{FF2B5EF4-FFF2-40B4-BE49-F238E27FC236}">
-                <a16:creationId xmlns:a16="http://schemas.microsoft.com/office/drawing/2014/main" xmlns="" id="{D1D68E82-B91F-4B08-82A6-5B478BD41DEE}"/>
+                <a16:creationId xmlns:a16="http://schemas.microsoft.com/office/drawing/2014/main" id="{D1D68E82-B91F-4B08-82A6-5B478BD41DEE}"/>
               </a:ext>
             </a:extLst>
           </p:cNvPr>
@@ -809,7 +809,7 @@
           <p:cNvPr id="3" name="Content Placeholder 2">
             <a:extLst>
               <a:ext uri="{FF2B5EF4-FFF2-40B4-BE49-F238E27FC236}">
-                <a16:creationId xmlns:a16="http://schemas.microsoft.com/office/drawing/2014/main" xmlns="" id="{4E0DD447-5B02-4B26-B6E8-D59B9E6C6E14}"/>
+                <a16:creationId xmlns:a16="http://schemas.microsoft.com/office/drawing/2014/main" id="{4E0DD447-5B02-4B26-B6E8-D59B9E6C6E14}"/>
               </a:ext>
             </a:extLst>
           </p:cNvPr>
@@ -866,7 +866,7 @@
           <p:cNvPr id="4" name="Date Placeholder 3">
             <a:extLst>
               <a:ext uri="{FF2B5EF4-FFF2-40B4-BE49-F238E27FC236}">
-                <a16:creationId xmlns:a16="http://schemas.microsoft.com/office/drawing/2014/main" xmlns="" id="{87AA1E80-2C38-45D7-82A0-F5815CA2CFDE}"/>
+                <a16:creationId xmlns:a16="http://schemas.microsoft.com/office/drawing/2014/main" id="{87AA1E80-2C38-45D7-82A0-F5815CA2CFDE}"/>
               </a:ext>
             </a:extLst>
           </p:cNvPr>
@@ -884,8 +884,7 @@
           <a:p>
             <a:fld id="{07C149BE-AC79-4548-8B96-E3E2494BEA7F}" type="datetimeFigureOut">
               <a:rPr lang="en-US" smtClean="0"/>
-              <a:pPr/>
-              <a:t>5/28/2022</a:t>
+              <a:t>5/30/2022</a:t>
             </a:fld>
             <a:endParaRPr lang="en-US"/>
           </a:p>
@@ -896,7 +895,7 @@
           <p:cNvPr id="5" name="Footer Placeholder 4">
             <a:extLst>
               <a:ext uri="{FF2B5EF4-FFF2-40B4-BE49-F238E27FC236}">
-                <a16:creationId xmlns:a16="http://schemas.microsoft.com/office/drawing/2014/main" xmlns="" id="{ACEB29ED-FF33-419A-BA01-9E26545D9A03}"/>
+                <a16:creationId xmlns:a16="http://schemas.microsoft.com/office/drawing/2014/main" id="{ACEB29ED-FF33-419A-BA01-9E26545D9A03}"/>
               </a:ext>
             </a:extLst>
           </p:cNvPr>
@@ -921,7 +920,7 @@
           <p:cNvPr id="6" name="Slide Number Placeholder 5">
             <a:extLst>
               <a:ext uri="{FF2B5EF4-FFF2-40B4-BE49-F238E27FC236}">
-                <a16:creationId xmlns:a16="http://schemas.microsoft.com/office/drawing/2014/main" xmlns="" id="{DF00D132-37E7-49C6-9E8B-17AE4ECE0880}"/>
+                <a16:creationId xmlns:a16="http://schemas.microsoft.com/office/drawing/2014/main" id="{DF00D132-37E7-49C6-9E8B-17AE4ECE0880}"/>
               </a:ext>
             </a:extLst>
           </p:cNvPr>
@@ -939,7 +938,6 @@
           <a:p>
             <a:fld id="{D5B41888-593B-4C9A-883D-13341236B250}" type="slidenum">
               <a:rPr lang="en-US" smtClean="0"/>
-              <a:pPr/>
               <a:t>‹#›</a:t>
             </a:fld>
             <a:endParaRPr lang="en-US"/>
@@ -949,7 +947,7 @@
     </p:spTree>
     <p:extLst>
       <p:ext uri="{BB962C8B-B14F-4D97-AF65-F5344CB8AC3E}">
-        <p14:creationId xmlns:p14="http://schemas.microsoft.com/office/powerpoint/2010/main" xmlns="" val="3713423787"/>
+        <p14:creationId xmlns:p14="http://schemas.microsoft.com/office/powerpoint/2010/main" val="3713423787"/>
       </p:ext>
     </p:extLst>
   </p:cSld>
@@ -981,7 +979,7 @@
           <p:cNvPr id="2" name="Title 1">
             <a:extLst>
               <a:ext uri="{FF2B5EF4-FFF2-40B4-BE49-F238E27FC236}">
-                <a16:creationId xmlns:a16="http://schemas.microsoft.com/office/drawing/2014/main" xmlns="" id="{DF5FC28B-5CC4-48E9-BDE1-B169642EC31A}"/>
+                <a16:creationId xmlns:a16="http://schemas.microsoft.com/office/drawing/2014/main" id="{DF5FC28B-5CC4-48E9-BDE1-B169642EC31A}"/>
               </a:ext>
             </a:extLst>
           </p:cNvPr>
@@ -1018,7 +1016,7 @@
           <p:cNvPr id="3" name="Text Placeholder 2">
             <a:extLst>
               <a:ext uri="{FF2B5EF4-FFF2-40B4-BE49-F238E27FC236}">
-                <a16:creationId xmlns:a16="http://schemas.microsoft.com/office/drawing/2014/main" xmlns="" id="{FCA71FCE-28E1-457C-8703-C49B5EB0DD44}"/>
+                <a16:creationId xmlns:a16="http://schemas.microsoft.com/office/drawing/2014/main" id="{FCA71FCE-28E1-457C-8703-C49B5EB0DD44}"/>
               </a:ext>
             </a:extLst>
           </p:cNvPr>
@@ -1143,7 +1141,7 @@
           <p:cNvPr id="4" name="Date Placeholder 3">
             <a:extLst>
               <a:ext uri="{FF2B5EF4-FFF2-40B4-BE49-F238E27FC236}">
-                <a16:creationId xmlns:a16="http://schemas.microsoft.com/office/drawing/2014/main" xmlns="" id="{2C056420-8791-4343-B934-FEF438B6E8DA}"/>
+                <a16:creationId xmlns:a16="http://schemas.microsoft.com/office/drawing/2014/main" id="{2C056420-8791-4343-B934-FEF438B6E8DA}"/>
               </a:ext>
             </a:extLst>
           </p:cNvPr>
@@ -1161,8 +1159,7 @@
           <a:p>
             <a:fld id="{07C149BE-AC79-4548-8B96-E3E2494BEA7F}" type="datetimeFigureOut">
               <a:rPr lang="en-US" smtClean="0"/>
-              <a:pPr/>
-              <a:t>5/28/2022</a:t>
+              <a:t>5/30/2022</a:t>
             </a:fld>
             <a:endParaRPr lang="en-US"/>
           </a:p>
@@ -1173,7 +1170,7 @@
           <p:cNvPr id="5" name="Footer Placeholder 4">
             <a:extLst>
               <a:ext uri="{FF2B5EF4-FFF2-40B4-BE49-F238E27FC236}">
-                <a16:creationId xmlns:a16="http://schemas.microsoft.com/office/drawing/2014/main" xmlns="" id="{1EEA5C3E-B0C4-41E0-837C-395B1EBC85AC}"/>
+                <a16:creationId xmlns:a16="http://schemas.microsoft.com/office/drawing/2014/main" id="{1EEA5C3E-B0C4-41E0-837C-395B1EBC85AC}"/>
               </a:ext>
             </a:extLst>
           </p:cNvPr>
@@ -1198,7 +1195,7 @@
           <p:cNvPr id="6" name="Slide Number Placeholder 5">
             <a:extLst>
               <a:ext uri="{FF2B5EF4-FFF2-40B4-BE49-F238E27FC236}">
-                <a16:creationId xmlns:a16="http://schemas.microsoft.com/office/drawing/2014/main" xmlns="" id="{C68A01E3-40E8-451A-8CDE-226B8C496FDC}"/>
+                <a16:creationId xmlns:a16="http://schemas.microsoft.com/office/drawing/2014/main" id="{C68A01E3-40E8-451A-8CDE-226B8C496FDC}"/>
               </a:ext>
             </a:extLst>
           </p:cNvPr>
@@ -1216,7 +1213,6 @@
           <a:p>
             <a:fld id="{D5B41888-593B-4C9A-883D-13341236B250}" type="slidenum">
               <a:rPr lang="en-US" smtClean="0"/>
-              <a:pPr/>
               <a:t>‹#›</a:t>
             </a:fld>
             <a:endParaRPr lang="en-US"/>
@@ -1226,7 +1222,7 @@
     </p:spTree>
     <p:extLst>
       <p:ext uri="{BB962C8B-B14F-4D97-AF65-F5344CB8AC3E}">
-        <p14:creationId xmlns:p14="http://schemas.microsoft.com/office/powerpoint/2010/main" xmlns="" val="3638162829"/>
+        <p14:creationId xmlns:p14="http://schemas.microsoft.com/office/powerpoint/2010/main" val="3638162829"/>
       </p:ext>
     </p:extLst>
   </p:cSld>
@@ -1258,7 +1254,7 @@
           <p:cNvPr id="2" name="Title 1">
             <a:extLst>
               <a:ext uri="{FF2B5EF4-FFF2-40B4-BE49-F238E27FC236}">
-                <a16:creationId xmlns:a16="http://schemas.microsoft.com/office/drawing/2014/main" xmlns="" id="{D0804C39-3520-497B-B728-36E8D7A09097}"/>
+                <a16:creationId xmlns:a16="http://schemas.microsoft.com/office/drawing/2014/main" id="{D0804C39-3520-497B-B728-36E8D7A09097}"/>
               </a:ext>
             </a:extLst>
           </p:cNvPr>
@@ -1286,7 +1282,7 @@
           <p:cNvPr id="3" name="Content Placeholder 2">
             <a:extLst>
               <a:ext uri="{FF2B5EF4-FFF2-40B4-BE49-F238E27FC236}">
-                <a16:creationId xmlns:a16="http://schemas.microsoft.com/office/drawing/2014/main" xmlns="" id="{D36DBC9B-1113-4517-8AAA-EC09A66ACB61}"/>
+                <a16:creationId xmlns:a16="http://schemas.microsoft.com/office/drawing/2014/main" id="{D36DBC9B-1113-4517-8AAA-EC09A66ACB61}"/>
               </a:ext>
             </a:extLst>
           </p:cNvPr>
@@ -1348,7 +1344,7 @@
           <p:cNvPr id="4" name="Content Placeholder 3">
             <a:extLst>
               <a:ext uri="{FF2B5EF4-FFF2-40B4-BE49-F238E27FC236}">
-                <a16:creationId xmlns:a16="http://schemas.microsoft.com/office/drawing/2014/main" xmlns="" id="{63199ED8-C916-4935-81E4-92A4AA331363}"/>
+                <a16:creationId xmlns:a16="http://schemas.microsoft.com/office/drawing/2014/main" id="{63199ED8-C916-4935-81E4-92A4AA331363}"/>
               </a:ext>
             </a:extLst>
           </p:cNvPr>
@@ -1410,7 +1406,7 @@
           <p:cNvPr id="5" name="Date Placeholder 4">
             <a:extLst>
               <a:ext uri="{FF2B5EF4-FFF2-40B4-BE49-F238E27FC236}">
-                <a16:creationId xmlns:a16="http://schemas.microsoft.com/office/drawing/2014/main" xmlns="" id="{978C82B4-CCDC-4969-955D-1C3DF5594292}"/>
+                <a16:creationId xmlns:a16="http://schemas.microsoft.com/office/drawing/2014/main" id="{978C82B4-CCDC-4969-955D-1C3DF5594292}"/>
               </a:ext>
             </a:extLst>
           </p:cNvPr>
@@ -1428,8 +1424,7 @@
           <a:p>
             <a:fld id="{07C149BE-AC79-4548-8B96-E3E2494BEA7F}" type="datetimeFigureOut">
               <a:rPr lang="en-US" smtClean="0"/>
-              <a:pPr/>
-              <a:t>5/28/2022</a:t>
+              <a:t>5/30/2022</a:t>
             </a:fld>
             <a:endParaRPr lang="en-US"/>
           </a:p>
@@ -1440,7 +1435,7 @@
           <p:cNvPr id="6" name="Footer Placeholder 5">
             <a:extLst>
               <a:ext uri="{FF2B5EF4-FFF2-40B4-BE49-F238E27FC236}">
-                <a16:creationId xmlns:a16="http://schemas.microsoft.com/office/drawing/2014/main" xmlns="" id="{E435F21D-9875-4B44-9D30-2D24D0757376}"/>
+                <a16:creationId xmlns:a16="http://schemas.microsoft.com/office/drawing/2014/main" id="{E435F21D-9875-4B44-9D30-2D24D0757376}"/>
               </a:ext>
             </a:extLst>
           </p:cNvPr>
@@ -1465,7 +1460,7 @@
           <p:cNvPr id="7" name="Slide Number Placeholder 6">
             <a:extLst>
               <a:ext uri="{FF2B5EF4-FFF2-40B4-BE49-F238E27FC236}">
-                <a16:creationId xmlns:a16="http://schemas.microsoft.com/office/drawing/2014/main" xmlns="" id="{9D004062-54C1-4222-A6B6-A1E95B544192}"/>
+                <a16:creationId xmlns:a16="http://schemas.microsoft.com/office/drawing/2014/main" id="{9D004062-54C1-4222-A6B6-A1E95B544192}"/>
               </a:ext>
             </a:extLst>
           </p:cNvPr>
@@ -1483,7 +1478,6 @@
           <a:p>
             <a:fld id="{D5B41888-593B-4C9A-883D-13341236B250}" type="slidenum">
               <a:rPr lang="en-US" smtClean="0"/>
-              <a:pPr/>
               <a:t>‹#›</a:t>
             </a:fld>
             <a:endParaRPr lang="en-US"/>
@@ -1493,7 +1487,7 @@
     </p:spTree>
     <p:extLst>
       <p:ext uri="{BB962C8B-B14F-4D97-AF65-F5344CB8AC3E}">
-        <p14:creationId xmlns:p14="http://schemas.microsoft.com/office/powerpoint/2010/main" xmlns="" val="398648364"/>
+        <p14:creationId xmlns:p14="http://schemas.microsoft.com/office/powerpoint/2010/main" val="398648364"/>
       </p:ext>
     </p:extLst>
   </p:cSld>
@@ -1525,7 +1519,7 @@
           <p:cNvPr id="2" name="Title 1">
             <a:extLst>
               <a:ext uri="{FF2B5EF4-FFF2-40B4-BE49-F238E27FC236}">
-                <a16:creationId xmlns:a16="http://schemas.microsoft.com/office/drawing/2014/main" xmlns="" id="{16565F24-44A1-4474-A897-5458FE40457A}"/>
+                <a16:creationId xmlns:a16="http://schemas.microsoft.com/office/drawing/2014/main" id="{16565F24-44A1-4474-A897-5458FE40457A}"/>
               </a:ext>
             </a:extLst>
           </p:cNvPr>
@@ -1558,7 +1552,7 @@
           <p:cNvPr id="3" name="Text Placeholder 2">
             <a:extLst>
               <a:ext uri="{FF2B5EF4-FFF2-40B4-BE49-F238E27FC236}">
-                <a16:creationId xmlns:a16="http://schemas.microsoft.com/office/drawing/2014/main" xmlns="" id="{EAB450F1-61A6-481D-90C9-AB4F610628D0}"/>
+                <a16:creationId xmlns:a16="http://schemas.microsoft.com/office/drawing/2014/main" id="{EAB450F1-61A6-481D-90C9-AB4F610628D0}"/>
               </a:ext>
             </a:extLst>
           </p:cNvPr>
@@ -1629,7 +1623,7 @@
           <p:cNvPr id="4" name="Content Placeholder 3">
             <a:extLst>
               <a:ext uri="{FF2B5EF4-FFF2-40B4-BE49-F238E27FC236}">
-                <a16:creationId xmlns:a16="http://schemas.microsoft.com/office/drawing/2014/main" xmlns="" id="{04CD3414-E418-4FCD-90B2-88DF359CF349}"/>
+                <a16:creationId xmlns:a16="http://schemas.microsoft.com/office/drawing/2014/main" id="{04CD3414-E418-4FCD-90B2-88DF359CF349}"/>
               </a:ext>
             </a:extLst>
           </p:cNvPr>
@@ -1691,7 +1685,7 @@
           <p:cNvPr id="5" name="Text Placeholder 4">
             <a:extLst>
               <a:ext uri="{FF2B5EF4-FFF2-40B4-BE49-F238E27FC236}">
-                <a16:creationId xmlns:a16="http://schemas.microsoft.com/office/drawing/2014/main" xmlns="" id="{64F705CD-D52B-4D91-BF40-B15961189A60}"/>
+                <a16:creationId xmlns:a16="http://schemas.microsoft.com/office/drawing/2014/main" id="{64F705CD-D52B-4D91-BF40-B15961189A60}"/>
               </a:ext>
             </a:extLst>
           </p:cNvPr>
@@ -1762,7 +1756,7 @@
           <p:cNvPr id="6" name="Content Placeholder 5">
             <a:extLst>
               <a:ext uri="{FF2B5EF4-FFF2-40B4-BE49-F238E27FC236}">
-                <a16:creationId xmlns:a16="http://schemas.microsoft.com/office/drawing/2014/main" xmlns="" id="{817FBBFE-BF97-4614-8310-72E7BE74C89C}"/>
+                <a16:creationId xmlns:a16="http://schemas.microsoft.com/office/drawing/2014/main" id="{817FBBFE-BF97-4614-8310-72E7BE74C89C}"/>
               </a:ext>
             </a:extLst>
           </p:cNvPr>
@@ -1824,7 +1818,7 @@
           <p:cNvPr id="7" name="Date Placeholder 6">
             <a:extLst>
               <a:ext uri="{FF2B5EF4-FFF2-40B4-BE49-F238E27FC236}">
-                <a16:creationId xmlns:a16="http://schemas.microsoft.com/office/drawing/2014/main" xmlns="" id="{9BAE9B3E-67CF-4238-AA8C-573C476A8148}"/>
+                <a16:creationId xmlns:a16="http://schemas.microsoft.com/office/drawing/2014/main" id="{9BAE9B3E-67CF-4238-AA8C-573C476A8148}"/>
               </a:ext>
             </a:extLst>
           </p:cNvPr>
@@ -1842,8 +1836,7 @@
           <a:p>
             <a:fld id="{07C149BE-AC79-4548-8B96-E3E2494BEA7F}" type="datetimeFigureOut">
               <a:rPr lang="en-US" smtClean="0"/>
-              <a:pPr/>
-              <a:t>5/28/2022</a:t>
+              <a:t>5/30/2022</a:t>
             </a:fld>
             <a:endParaRPr lang="en-US"/>
           </a:p>
@@ -1854,7 +1847,7 @@
           <p:cNvPr id="8" name="Footer Placeholder 7">
             <a:extLst>
               <a:ext uri="{FF2B5EF4-FFF2-40B4-BE49-F238E27FC236}">
-                <a16:creationId xmlns:a16="http://schemas.microsoft.com/office/drawing/2014/main" xmlns="" id="{AAF1C478-AA43-41B1-A0FA-2EA3E8AC03E1}"/>
+                <a16:creationId xmlns:a16="http://schemas.microsoft.com/office/drawing/2014/main" id="{AAF1C478-AA43-41B1-A0FA-2EA3E8AC03E1}"/>
               </a:ext>
             </a:extLst>
           </p:cNvPr>
@@ -1879,7 +1872,7 @@
           <p:cNvPr id="9" name="Slide Number Placeholder 8">
             <a:extLst>
               <a:ext uri="{FF2B5EF4-FFF2-40B4-BE49-F238E27FC236}">
-                <a16:creationId xmlns:a16="http://schemas.microsoft.com/office/drawing/2014/main" xmlns="" id="{39D11F40-FE32-4B11-8D8B-858985BDB255}"/>
+                <a16:creationId xmlns:a16="http://schemas.microsoft.com/office/drawing/2014/main" id="{39D11F40-FE32-4B11-8D8B-858985BDB255}"/>
               </a:ext>
             </a:extLst>
           </p:cNvPr>
@@ -1897,7 +1890,6 @@
           <a:p>
             <a:fld id="{D5B41888-593B-4C9A-883D-13341236B250}" type="slidenum">
               <a:rPr lang="en-US" smtClean="0"/>
-              <a:pPr/>
               <a:t>‹#›</a:t>
             </a:fld>
             <a:endParaRPr lang="en-US"/>
@@ -1907,7 +1899,7 @@
     </p:spTree>
     <p:extLst>
       <p:ext uri="{BB962C8B-B14F-4D97-AF65-F5344CB8AC3E}">
-        <p14:creationId xmlns:p14="http://schemas.microsoft.com/office/powerpoint/2010/main" xmlns="" val="3611413196"/>
+        <p14:creationId xmlns:p14="http://schemas.microsoft.com/office/powerpoint/2010/main" val="3611413196"/>
       </p:ext>
     </p:extLst>
   </p:cSld>
@@ -1939,7 +1931,7 @@
           <p:cNvPr id="2" name="Title 1">
             <a:extLst>
               <a:ext uri="{FF2B5EF4-FFF2-40B4-BE49-F238E27FC236}">
-                <a16:creationId xmlns:a16="http://schemas.microsoft.com/office/drawing/2014/main" xmlns="" id="{9A3B2D40-1278-47A7-B00B-BEAEB10D7449}"/>
+                <a16:creationId xmlns:a16="http://schemas.microsoft.com/office/drawing/2014/main" id="{9A3B2D40-1278-47A7-B00B-BEAEB10D7449}"/>
               </a:ext>
             </a:extLst>
           </p:cNvPr>
@@ -1967,7 +1959,7 @@
           <p:cNvPr id="3" name="Date Placeholder 2">
             <a:extLst>
               <a:ext uri="{FF2B5EF4-FFF2-40B4-BE49-F238E27FC236}">
-                <a16:creationId xmlns:a16="http://schemas.microsoft.com/office/drawing/2014/main" xmlns="" id="{51ACC5B6-3F4F-4E29-8FBA-EE5ABDF6610C}"/>
+                <a16:creationId xmlns:a16="http://schemas.microsoft.com/office/drawing/2014/main" id="{51ACC5B6-3F4F-4E29-8FBA-EE5ABDF6610C}"/>
               </a:ext>
             </a:extLst>
           </p:cNvPr>
@@ -1985,8 +1977,7 @@
           <a:p>
             <a:fld id="{07C149BE-AC79-4548-8B96-E3E2494BEA7F}" type="datetimeFigureOut">
               <a:rPr lang="en-US" smtClean="0"/>
-              <a:pPr/>
-              <a:t>5/28/2022</a:t>
+              <a:t>5/30/2022</a:t>
             </a:fld>
             <a:endParaRPr lang="en-US"/>
           </a:p>
@@ -1997,7 +1988,7 @@
           <p:cNvPr id="4" name="Footer Placeholder 3">
             <a:extLst>
               <a:ext uri="{FF2B5EF4-FFF2-40B4-BE49-F238E27FC236}">
-                <a16:creationId xmlns:a16="http://schemas.microsoft.com/office/drawing/2014/main" xmlns="" id="{694B7179-4429-4A90-B9E3-20F804747E03}"/>
+                <a16:creationId xmlns:a16="http://schemas.microsoft.com/office/drawing/2014/main" id="{694B7179-4429-4A90-B9E3-20F804747E03}"/>
               </a:ext>
             </a:extLst>
           </p:cNvPr>
@@ -2022,7 +2013,7 @@
           <p:cNvPr id="5" name="Slide Number Placeholder 4">
             <a:extLst>
               <a:ext uri="{FF2B5EF4-FFF2-40B4-BE49-F238E27FC236}">
-                <a16:creationId xmlns:a16="http://schemas.microsoft.com/office/drawing/2014/main" xmlns="" id="{C866BDC4-B09E-4ACA-924E-7346BBA9833C}"/>
+                <a16:creationId xmlns:a16="http://schemas.microsoft.com/office/drawing/2014/main" id="{C866BDC4-B09E-4ACA-924E-7346BBA9833C}"/>
               </a:ext>
             </a:extLst>
           </p:cNvPr>
@@ -2040,7 +2031,6 @@
           <a:p>
             <a:fld id="{D5B41888-593B-4C9A-883D-13341236B250}" type="slidenum">
               <a:rPr lang="en-US" smtClean="0"/>
-              <a:pPr/>
               <a:t>‹#›</a:t>
             </a:fld>
             <a:endParaRPr lang="en-US"/>
@@ -2050,7 +2040,7 @@
     </p:spTree>
     <p:extLst>
       <p:ext uri="{BB962C8B-B14F-4D97-AF65-F5344CB8AC3E}">
-        <p14:creationId xmlns:p14="http://schemas.microsoft.com/office/powerpoint/2010/main" xmlns="" val="65293535"/>
+        <p14:creationId xmlns:p14="http://schemas.microsoft.com/office/powerpoint/2010/main" val="65293535"/>
       </p:ext>
     </p:extLst>
   </p:cSld>
@@ -2082,7 +2072,7 @@
           <p:cNvPr id="2" name="Date Placeholder 1">
             <a:extLst>
               <a:ext uri="{FF2B5EF4-FFF2-40B4-BE49-F238E27FC236}">
-                <a16:creationId xmlns:a16="http://schemas.microsoft.com/office/drawing/2014/main" xmlns="" id="{52EDBB9C-D01C-43DC-BF39-7AE024622638}"/>
+                <a16:creationId xmlns:a16="http://schemas.microsoft.com/office/drawing/2014/main" id="{52EDBB9C-D01C-43DC-BF39-7AE024622638}"/>
               </a:ext>
             </a:extLst>
           </p:cNvPr>
@@ -2100,8 +2090,7 @@
           <a:p>
             <a:fld id="{07C149BE-AC79-4548-8B96-E3E2494BEA7F}" type="datetimeFigureOut">
               <a:rPr lang="en-US" smtClean="0"/>
-              <a:pPr/>
-              <a:t>5/28/2022</a:t>
+              <a:t>5/30/2022</a:t>
             </a:fld>
             <a:endParaRPr lang="en-US"/>
           </a:p>
@@ -2112,7 +2101,7 @@
           <p:cNvPr id="3" name="Footer Placeholder 2">
             <a:extLst>
               <a:ext uri="{FF2B5EF4-FFF2-40B4-BE49-F238E27FC236}">
-                <a16:creationId xmlns:a16="http://schemas.microsoft.com/office/drawing/2014/main" xmlns="" id="{EFC6F569-BF4D-4312-B5F7-95C63D994C34}"/>
+                <a16:creationId xmlns:a16="http://schemas.microsoft.com/office/drawing/2014/main" id="{EFC6F569-BF4D-4312-B5F7-95C63D994C34}"/>
               </a:ext>
             </a:extLst>
           </p:cNvPr>
@@ -2137,7 +2126,7 @@
           <p:cNvPr id="4" name="Slide Number Placeholder 3">
             <a:extLst>
               <a:ext uri="{FF2B5EF4-FFF2-40B4-BE49-F238E27FC236}">
-                <a16:creationId xmlns:a16="http://schemas.microsoft.com/office/drawing/2014/main" xmlns="" id="{05A678D3-D636-48A7-96B4-4DF65FC5E633}"/>
+                <a16:creationId xmlns:a16="http://schemas.microsoft.com/office/drawing/2014/main" id="{05A678D3-D636-48A7-96B4-4DF65FC5E633}"/>
               </a:ext>
             </a:extLst>
           </p:cNvPr>
@@ -2155,7 +2144,6 @@
           <a:p>
             <a:fld id="{D5B41888-593B-4C9A-883D-13341236B250}" type="slidenum">
               <a:rPr lang="en-US" smtClean="0"/>
-              <a:pPr/>
               <a:t>‹#›</a:t>
             </a:fld>
             <a:endParaRPr lang="en-US"/>
@@ -2165,7 +2153,7 @@
     </p:spTree>
     <p:extLst>
       <p:ext uri="{BB962C8B-B14F-4D97-AF65-F5344CB8AC3E}">
-        <p14:creationId xmlns:p14="http://schemas.microsoft.com/office/powerpoint/2010/main" xmlns="" val="1971089693"/>
+        <p14:creationId xmlns:p14="http://schemas.microsoft.com/office/powerpoint/2010/main" val="1971089693"/>
       </p:ext>
     </p:extLst>
   </p:cSld>
@@ -2197,7 +2185,7 @@
           <p:cNvPr id="2" name="Title 1">
             <a:extLst>
               <a:ext uri="{FF2B5EF4-FFF2-40B4-BE49-F238E27FC236}">
-                <a16:creationId xmlns:a16="http://schemas.microsoft.com/office/drawing/2014/main" xmlns="" id="{33DA4A39-68CC-488B-B2E1-095F40173249}"/>
+                <a16:creationId xmlns:a16="http://schemas.microsoft.com/office/drawing/2014/main" id="{33DA4A39-68CC-488B-B2E1-095F40173249}"/>
               </a:ext>
             </a:extLst>
           </p:cNvPr>
@@ -2234,7 +2222,7 @@
           <p:cNvPr id="3" name="Content Placeholder 2">
             <a:extLst>
               <a:ext uri="{FF2B5EF4-FFF2-40B4-BE49-F238E27FC236}">
-                <a16:creationId xmlns:a16="http://schemas.microsoft.com/office/drawing/2014/main" xmlns="" id="{A9B2EB30-FE99-4029-A9D4-C2DB0D87C9EA}"/>
+                <a16:creationId xmlns:a16="http://schemas.microsoft.com/office/drawing/2014/main" id="{A9B2EB30-FE99-4029-A9D4-C2DB0D87C9EA}"/>
               </a:ext>
             </a:extLst>
           </p:cNvPr>
@@ -2324,7 +2312,7 @@
           <p:cNvPr id="4" name="Text Placeholder 3">
             <a:extLst>
               <a:ext uri="{FF2B5EF4-FFF2-40B4-BE49-F238E27FC236}">
-                <a16:creationId xmlns:a16="http://schemas.microsoft.com/office/drawing/2014/main" xmlns="" id="{E8DFD7CF-5764-42CB-B5FF-12BD892D678E}"/>
+                <a16:creationId xmlns:a16="http://schemas.microsoft.com/office/drawing/2014/main" id="{E8DFD7CF-5764-42CB-B5FF-12BD892D678E}"/>
               </a:ext>
             </a:extLst>
           </p:cNvPr>
@@ -2395,7 +2383,7 @@
           <p:cNvPr id="5" name="Date Placeholder 4">
             <a:extLst>
               <a:ext uri="{FF2B5EF4-FFF2-40B4-BE49-F238E27FC236}">
-                <a16:creationId xmlns:a16="http://schemas.microsoft.com/office/drawing/2014/main" xmlns="" id="{E0FA76F1-D39D-413C-A743-E5997E592E5B}"/>
+                <a16:creationId xmlns:a16="http://schemas.microsoft.com/office/drawing/2014/main" id="{E0FA76F1-D39D-413C-A743-E5997E592E5B}"/>
               </a:ext>
             </a:extLst>
           </p:cNvPr>
@@ -2413,8 +2401,7 @@
           <a:p>
             <a:fld id="{07C149BE-AC79-4548-8B96-E3E2494BEA7F}" type="datetimeFigureOut">
               <a:rPr lang="en-US" smtClean="0"/>
-              <a:pPr/>
-              <a:t>5/28/2022</a:t>
+              <a:t>5/30/2022</a:t>
             </a:fld>
             <a:endParaRPr lang="en-US"/>
           </a:p>
@@ -2425,7 +2412,7 @@
           <p:cNvPr id="6" name="Footer Placeholder 5">
             <a:extLst>
               <a:ext uri="{FF2B5EF4-FFF2-40B4-BE49-F238E27FC236}">
-                <a16:creationId xmlns:a16="http://schemas.microsoft.com/office/drawing/2014/main" xmlns="" id="{6EDAF82F-4212-4499-8FC7-105FA6E5D4E7}"/>
+                <a16:creationId xmlns:a16="http://schemas.microsoft.com/office/drawing/2014/main" id="{6EDAF82F-4212-4499-8FC7-105FA6E5D4E7}"/>
               </a:ext>
             </a:extLst>
           </p:cNvPr>
@@ -2450,7 +2437,7 @@
           <p:cNvPr id="7" name="Slide Number Placeholder 6">
             <a:extLst>
               <a:ext uri="{FF2B5EF4-FFF2-40B4-BE49-F238E27FC236}">
-                <a16:creationId xmlns:a16="http://schemas.microsoft.com/office/drawing/2014/main" xmlns="" id="{1BE13BF2-8B19-4998-BD28-0B70072A8D6D}"/>
+                <a16:creationId xmlns:a16="http://schemas.microsoft.com/office/drawing/2014/main" id="{1BE13BF2-8B19-4998-BD28-0B70072A8D6D}"/>
               </a:ext>
             </a:extLst>
           </p:cNvPr>
@@ -2468,7 +2455,6 @@
           <a:p>
             <a:fld id="{D5B41888-593B-4C9A-883D-13341236B250}" type="slidenum">
               <a:rPr lang="en-US" smtClean="0"/>
-              <a:pPr/>
               <a:t>‹#›</a:t>
             </a:fld>
             <a:endParaRPr lang="en-US"/>
@@ -2478,7 +2464,7 @@
     </p:spTree>
     <p:extLst>
       <p:ext uri="{BB962C8B-B14F-4D97-AF65-F5344CB8AC3E}">
-        <p14:creationId xmlns:p14="http://schemas.microsoft.com/office/powerpoint/2010/main" xmlns="" val="2704192708"/>
+        <p14:creationId xmlns:p14="http://schemas.microsoft.com/office/powerpoint/2010/main" val="2704192708"/>
       </p:ext>
     </p:extLst>
   </p:cSld>
@@ -2510,7 +2496,7 @@
           <p:cNvPr id="2" name="Title 1">
             <a:extLst>
               <a:ext uri="{FF2B5EF4-FFF2-40B4-BE49-F238E27FC236}">
-                <a16:creationId xmlns:a16="http://schemas.microsoft.com/office/drawing/2014/main" xmlns="" id="{DC1643C1-50D4-4368-8A3F-8AD61FB07FFA}"/>
+                <a16:creationId xmlns:a16="http://schemas.microsoft.com/office/drawing/2014/main" id="{DC1643C1-50D4-4368-8A3F-8AD61FB07FFA}"/>
               </a:ext>
             </a:extLst>
           </p:cNvPr>
@@ -2547,7 +2533,7 @@
           <p:cNvPr id="3" name="Picture Placeholder 2">
             <a:extLst>
               <a:ext uri="{FF2B5EF4-FFF2-40B4-BE49-F238E27FC236}">
-                <a16:creationId xmlns:a16="http://schemas.microsoft.com/office/drawing/2014/main" xmlns="" id="{A37CC594-CED6-4BC1-9787-C13121E617AF}"/>
+                <a16:creationId xmlns:a16="http://schemas.microsoft.com/office/drawing/2014/main" id="{A37CC594-CED6-4BC1-9787-C13121E617AF}"/>
               </a:ext>
             </a:extLst>
           </p:cNvPr>
@@ -2614,7 +2600,7 @@
           <p:cNvPr id="4" name="Text Placeholder 3">
             <a:extLst>
               <a:ext uri="{FF2B5EF4-FFF2-40B4-BE49-F238E27FC236}">
-                <a16:creationId xmlns:a16="http://schemas.microsoft.com/office/drawing/2014/main" xmlns="" id="{D963BFA9-E985-47A5-A187-5582E2D24CEF}"/>
+                <a16:creationId xmlns:a16="http://schemas.microsoft.com/office/drawing/2014/main" id="{D963BFA9-E985-47A5-A187-5582E2D24CEF}"/>
               </a:ext>
             </a:extLst>
           </p:cNvPr>
@@ -2685,7 +2671,7 @@
           <p:cNvPr id="5" name="Date Placeholder 4">
             <a:extLst>
               <a:ext uri="{FF2B5EF4-FFF2-40B4-BE49-F238E27FC236}">
-                <a16:creationId xmlns:a16="http://schemas.microsoft.com/office/drawing/2014/main" xmlns="" id="{05B04AFB-0592-446C-9C8F-BBCEAC1B4CE2}"/>
+                <a16:creationId xmlns:a16="http://schemas.microsoft.com/office/drawing/2014/main" id="{05B04AFB-0592-446C-9C8F-BBCEAC1B4CE2}"/>
               </a:ext>
             </a:extLst>
           </p:cNvPr>
@@ -2703,8 +2689,7 @@
           <a:p>
             <a:fld id="{07C149BE-AC79-4548-8B96-E3E2494BEA7F}" type="datetimeFigureOut">
               <a:rPr lang="en-US" smtClean="0"/>
-              <a:pPr/>
-              <a:t>5/28/2022</a:t>
+              <a:t>5/30/2022</a:t>
             </a:fld>
             <a:endParaRPr lang="en-US"/>
           </a:p>
@@ -2715,7 +2700,7 @@
           <p:cNvPr id="6" name="Footer Placeholder 5">
             <a:extLst>
               <a:ext uri="{FF2B5EF4-FFF2-40B4-BE49-F238E27FC236}">
-                <a16:creationId xmlns:a16="http://schemas.microsoft.com/office/drawing/2014/main" xmlns="" id="{C83F3E0B-D30B-467E-821E-44CFA91419E1}"/>
+                <a16:creationId xmlns:a16="http://schemas.microsoft.com/office/drawing/2014/main" id="{C83F3E0B-D30B-467E-821E-44CFA91419E1}"/>
               </a:ext>
             </a:extLst>
           </p:cNvPr>
@@ -2740,7 +2725,7 @@
           <p:cNvPr id="7" name="Slide Number Placeholder 6">
             <a:extLst>
               <a:ext uri="{FF2B5EF4-FFF2-40B4-BE49-F238E27FC236}">
-                <a16:creationId xmlns:a16="http://schemas.microsoft.com/office/drawing/2014/main" xmlns="" id="{8927534D-FB98-40EB-B1E6-33B94173D12A}"/>
+                <a16:creationId xmlns:a16="http://schemas.microsoft.com/office/drawing/2014/main" id="{8927534D-FB98-40EB-B1E6-33B94173D12A}"/>
               </a:ext>
             </a:extLst>
           </p:cNvPr>
@@ -2758,7 +2743,6 @@
           <a:p>
             <a:fld id="{D5B41888-593B-4C9A-883D-13341236B250}" type="slidenum">
               <a:rPr lang="en-US" smtClean="0"/>
-              <a:pPr/>
               <a:t>‹#›</a:t>
             </a:fld>
             <a:endParaRPr lang="en-US"/>
@@ -2768,7 +2752,7 @@
     </p:spTree>
     <p:extLst>
       <p:ext uri="{BB962C8B-B14F-4D97-AF65-F5344CB8AC3E}">
-        <p14:creationId xmlns:p14="http://schemas.microsoft.com/office/powerpoint/2010/main" xmlns="" val="1278080938"/>
+        <p14:creationId xmlns:p14="http://schemas.microsoft.com/office/powerpoint/2010/main" val="1278080938"/>
       </p:ext>
     </p:extLst>
   </p:cSld>
@@ -2805,7 +2789,7 @@
           <p:cNvPr id="2" name="Title Placeholder 1">
             <a:extLst>
               <a:ext uri="{FF2B5EF4-FFF2-40B4-BE49-F238E27FC236}">
-                <a16:creationId xmlns:a16="http://schemas.microsoft.com/office/drawing/2014/main" xmlns="" id="{852422CA-C0EA-4719-9777-D1F04F93DE16}"/>
+                <a16:creationId xmlns:a16="http://schemas.microsoft.com/office/drawing/2014/main" id="{852422CA-C0EA-4719-9777-D1F04F93DE16}"/>
               </a:ext>
             </a:extLst>
           </p:cNvPr>
@@ -2843,7 +2827,7 @@
           <p:cNvPr id="3" name="Text Placeholder 2">
             <a:extLst>
               <a:ext uri="{FF2B5EF4-FFF2-40B4-BE49-F238E27FC236}">
-                <a16:creationId xmlns:a16="http://schemas.microsoft.com/office/drawing/2014/main" xmlns="" id="{8153B004-3B3D-41A5-9173-314908540CD8}"/>
+                <a16:creationId xmlns:a16="http://schemas.microsoft.com/office/drawing/2014/main" id="{8153B004-3B3D-41A5-9173-314908540CD8}"/>
               </a:ext>
             </a:extLst>
           </p:cNvPr>
@@ -2910,7 +2894,7 @@
           <p:cNvPr id="4" name="Date Placeholder 3">
             <a:extLst>
               <a:ext uri="{FF2B5EF4-FFF2-40B4-BE49-F238E27FC236}">
-                <a16:creationId xmlns:a16="http://schemas.microsoft.com/office/drawing/2014/main" xmlns="" id="{A89CE9E8-C902-4953-9D45-52329A2CBE10}"/>
+                <a16:creationId xmlns:a16="http://schemas.microsoft.com/office/drawing/2014/main" id="{A89CE9E8-C902-4953-9D45-52329A2CBE10}"/>
               </a:ext>
             </a:extLst>
           </p:cNvPr>
@@ -2946,8 +2930,7 @@
           <a:p>
             <a:fld id="{07C149BE-AC79-4548-8B96-E3E2494BEA7F}" type="datetimeFigureOut">
               <a:rPr lang="en-US" smtClean="0"/>
-              <a:pPr/>
-              <a:t>5/28/2022</a:t>
+              <a:t>5/30/2022</a:t>
             </a:fld>
             <a:endParaRPr lang="en-US"/>
           </a:p>
@@ -2958,7 +2941,7 @@
           <p:cNvPr id="5" name="Footer Placeholder 4">
             <a:extLst>
               <a:ext uri="{FF2B5EF4-FFF2-40B4-BE49-F238E27FC236}">
-                <a16:creationId xmlns:a16="http://schemas.microsoft.com/office/drawing/2014/main" xmlns="" id="{529C69BF-04D0-43A8-8ED3-9E44BDFD8678}"/>
+                <a16:creationId xmlns:a16="http://schemas.microsoft.com/office/drawing/2014/main" id="{529C69BF-04D0-43A8-8ED3-9E44BDFD8678}"/>
               </a:ext>
             </a:extLst>
           </p:cNvPr>
@@ -3001,7 +2984,7 @@
           <p:cNvPr id="6" name="Slide Number Placeholder 5">
             <a:extLst>
               <a:ext uri="{FF2B5EF4-FFF2-40B4-BE49-F238E27FC236}">
-                <a16:creationId xmlns:a16="http://schemas.microsoft.com/office/drawing/2014/main" xmlns="" id="{E539C80B-D141-48A1-B602-0CFBFD20E28C}"/>
+                <a16:creationId xmlns:a16="http://schemas.microsoft.com/office/drawing/2014/main" id="{E539C80B-D141-48A1-B602-0CFBFD20E28C}"/>
               </a:ext>
             </a:extLst>
           </p:cNvPr>
@@ -3037,7 +3020,6 @@
           <a:p>
             <a:fld id="{D5B41888-593B-4C9A-883D-13341236B250}" type="slidenum">
               <a:rPr lang="en-US" smtClean="0"/>
-              <a:pPr/>
               <a:t>‹#›</a:t>
             </a:fld>
             <a:endParaRPr lang="en-US"/>
@@ -3047,7 +3029,7 @@
     </p:spTree>
     <p:extLst>
       <p:ext uri="{BB962C8B-B14F-4D97-AF65-F5344CB8AC3E}">
-        <p14:creationId xmlns:p14="http://schemas.microsoft.com/office/powerpoint/2010/main" xmlns="" val="2670624358"/>
+        <p14:creationId xmlns:p14="http://schemas.microsoft.com/office/powerpoint/2010/main" val="2670624358"/>
       </p:ext>
     </p:extLst>
   </p:cSld>
@@ -3370,7 +3352,7 @@
           <p:cNvPr id="4" name="Picture 3">
             <a:extLst>
               <a:ext uri="{FF2B5EF4-FFF2-40B4-BE49-F238E27FC236}">
-                <a16:creationId xmlns:a16="http://schemas.microsoft.com/office/drawing/2014/main" xmlns="" id="{2A31A68F-50A9-4114-81FC-0F57A61BB33C}"/>
+                <a16:creationId xmlns:a16="http://schemas.microsoft.com/office/drawing/2014/main" id="{2A31A68F-50A9-4114-81FC-0F57A61BB33C}"/>
               </a:ext>
             </a:extLst>
           </p:cNvPr>
@@ -3400,7 +3382,7 @@
           <p:cNvPr id="5" name="TextBox 4">
             <a:extLst>
               <a:ext uri="{FF2B5EF4-FFF2-40B4-BE49-F238E27FC236}">
-                <a16:creationId xmlns:a16="http://schemas.microsoft.com/office/drawing/2014/main" xmlns="" id="{342270AA-492E-468C-B5DF-D005AB39834E}"/>
+                <a16:creationId xmlns:a16="http://schemas.microsoft.com/office/drawing/2014/main" id="{342270AA-492E-468C-B5DF-D005AB39834E}"/>
               </a:ext>
             </a:extLst>
           </p:cNvPr>
@@ -3442,7 +3424,7 @@
           <p:cNvPr id="6" name="TextBox 5">
             <a:extLst>
               <a:ext uri="{FF2B5EF4-FFF2-40B4-BE49-F238E27FC236}">
-                <a16:creationId xmlns:a16="http://schemas.microsoft.com/office/drawing/2014/main" xmlns="" id="{E0095EF9-56A7-4741-B557-CC969F954602}"/>
+                <a16:creationId xmlns:a16="http://schemas.microsoft.com/office/drawing/2014/main" id="{E0095EF9-56A7-4741-B557-CC969F954602}"/>
               </a:ext>
             </a:extLst>
           </p:cNvPr>
@@ -3481,7 +3463,7 @@
     </p:spTree>
     <p:extLst>
       <p:ext uri="{BB962C8B-B14F-4D97-AF65-F5344CB8AC3E}">
-        <p14:creationId xmlns:p14="http://schemas.microsoft.com/office/powerpoint/2010/main" xmlns="" val="3818400074"/>
+        <p14:creationId xmlns:p14="http://schemas.microsoft.com/office/powerpoint/2010/main" val="3818400074"/>
       </p:ext>
     </p:extLst>
   </p:cSld>
@@ -3513,7 +3495,7 @@
           <p:cNvPr id="2" name="TextBox 1">
             <a:extLst>
               <a:ext uri="{FF2B5EF4-FFF2-40B4-BE49-F238E27FC236}">
-                <a16:creationId xmlns:a16="http://schemas.microsoft.com/office/drawing/2014/main" xmlns="" id="{8DA34F60-C036-4B57-8DAB-1153FCC4B013}"/>
+                <a16:creationId xmlns:a16="http://schemas.microsoft.com/office/drawing/2014/main" id="{8DA34F60-C036-4B57-8DAB-1153FCC4B013}"/>
               </a:ext>
             </a:extLst>
           </p:cNvPr>
@@ -3545,7 +3527,7 @@
           <p:cNvPr id="3" name="TextBox 2">
             <a:extLst>
               <a:ext uri="{FF2B5EF4-FFF2-40B4-BE49-F238E27FC236}">
-                <a16:creationId xmlns:a16="http://schemas.microsoft.com/office/drawing/2014/main" xmlns="" id="{B544C6B0-EF6C-4250-91BF-FF09779362BA}"/>
+                <a16:creationId xmlns:a16="http://schemas.microsoft.com/office/drawing/2014/main" id="{B544C6B0-EF6C-4250-91BF-FF09779362BA}"/>
               </a:ext>
             </a:extLst>
           </p:cNvPr>
@@ -3595,7 +3577,7 @@
           <p:cNvPr id="5" name="TextBox 4">
             <a:extLst>
               <a:ext uri="{FF2B5EF4-FFF2-40B4-BE49-F238E27FC236}">
-                <a16:creationId xmlns:a16="http://schemas.microsoft.com/office/drawing/2014/main" xmlns="" id="{71212FCE-4877-450F-9633-F9048A38CCF7}"/>
+                <a16:creationId xmlns:a16="http://schemas.microsoft.com/office/drawing/2014/main" id="{71212FCE-4877-450F-9633-F9048A38CCF7}"/>
               </a:ext>
             </a:extLst>
           </p:cNvPr>
@@ -3696,7 +3678,7 @@
     </p:spTree>
     <p:extLst>
       <p:ext uri="{BB962C8B-B14F-4D97-AF65-F5344CB8AC3E}">
-        <p14:creationId xmlns:p14="http://schemas.microsoft.com/office/powerpoint/2010/main" xmlns="" val="3816688537"/>
+        <p14:creationId xmlns:p14="http://schemas.microsoft.com/office/powerpoint/2010/main" val="3816688537"/>
       </p:ext>
     </p:extLst>
   </p:cSld>
@@ -3728,7 +3710,7 @@
           <p:cNvPr id="2" name="TextBox 1">
             <a:extLst>
               <a:ext uri="{FF2B5EF4-FFF2-40B4-BE49-F238E27FC236}">
-                <a16:creationId xmlns:a16="http://schemas.microsoft.com/office/drawing/2014/main" xmlns="" id="{8DA34F60-C036-4B57-8DAB-1153FCC4B013}"/>
+                <a16:creationId xmlns:a16="http://schemas.microsoft.com/office/drawing/2014/main" id="{8DA34F60-C036-4B57-8DAB-1153FCC4B013}"/>
               </a:ext>
             </a:extLst>
           </p:cNvPr>
@@ -3760,7 +3742,7 @@
           <p:cNvPr id="3" name="TextBox 2">
             <a:extLst>
               <a:ext uri="{FF2B5EF4-FFF2-40B4-BE49-F238E27FC236}">
-                <a16:creationId xmlns:a16="http://schemas.microsoft.com/office/drawing/2014/main" xmlns="" id="{B544C6B0-EF6C-4250-91BF-FF09779362BA}"/>
+                <a16:creationId xmlns:a16="http://schemas.microsoft.com/office/drawing/2014/main" id="{B544C6B0-EF6C-4250-91BF-FF09779362BA}"/>
               </a:ext>
             </a:extLst>
           </p:cNvPr>
@@ -3810,7 +3792,7 @@
           <p:cNvPr id="5" name="TextBox 4">
             <a:extLst>
               <a:ext uri="{FF2B5EF4-FFF2-40B4-BE49-F238E27FC236}">
-                <a16:creationId xmlns:a16="http://schemas.microsoft.com/office/drawing/2014/main" xmlns="" id="{71212FCE-4877-450F-9633-F9048A38CCF7}"/>
+                <a16:creationId xmlns:a16="http://schemas.microsoft.com/office/drawing/2014/main" id="{71212FCE-4877-450F-9633-F9048A38CCF7}"/>
               </a:ext>
             </a:extLst>
           </p:cNvPr>
@@ -3993,7 +3975,7 @@
     </p:spTree>
     <p:extLst>
       <p:ext uri="{BB962C8B-B14F-4D97-AF65-F5344CB8AC3E}">
-        <p14:creationId xmlns:p14="http://schemas.microsoft.com/office/powerpoint/2010/main" xmlns="" val="1542755298"/>
+        <p14:creationId xmlns:p14="http://schemas.microsoft.com/office/powerpoint/2010/main" val="1542755298"/>
       </p:ext>
     </p:extLst>
   </p:cSld>
@@ -4025,7 +4007,7 @@
           <p:cNvPr id="2" name="TextBox 1">
             <a:extLst>
               <a:ext uri="{FF2B5EF4-FFF2-40B4-BE49-F238E27FC236}">
-                <a16:creationId xmlns:a16="http://schemas.microsoft.com/office/drawing/2014/main" xmlns="" id="{8DA34F60-C036-4B57-8DAB-1153FCC4B013}"/>
+                <a16:creationId xmlns:a16="http://schemas.microsoft.com/office/drawing/2014/main" id="{8DA34F60-C036-4B57-8DAB-1153FCC4B013}"/>
               </a:ext>
             </a:extLst>
           </p:cNvPr>
@@ -4057,7 +4039,7 @@
           <p:cNvPr id="3" name="TextBox 2">
             <a:extLst>
               <a:ext uri="{FF2B5EF4-FFF2-40B4-BE49-F238E27FC236}">
-                <a16:creationId xmlns:a16="http://schemas.microsoft.com/office/drawing/2014/main" xmlns="" id="{B544C6B0-EF6C-4250-91BF-FF09779362BA}"/>
+                <a16:creationId xmlns:a16="http://schemas.microsoft.com/office/drawing/2014/main" id="{B544C6B0-EF6C-4250-91BF-FF09779362BA}"/>
               </a:ext>
             </a:extLst>
           </p:cNvPr>
@@ -4107,7 +4089,7 @@
           <p:cNvPr id="4" name="Picture 3">
             <a:extLst>
               <a:ext uri="{FF2B5EF4-FFF2-40B4-BE49-F238E27FC236}">
-                <a16:creationId xmlns:a16="http://schemas.microsoft.com/office/drawing/2014/main" xmlns="" id="{DF3D909F-A6CC-4C81-9FD6-0C6DE085A7C2}"/>
+                <a16:creationId xmlns:a16="http://schemas.microsoft.com/office/drawing/2014/main" id="{DF3D909F-A6CC-4C81-9FD6-0C6DE085A7C2}"/>
               </a:ext>
             </a:extLst>
           </p:cNvPr>
@@ -4135,7 +4117,7 @@
     </p:spTree>
     <p:extLst>
       <p:ext uri="{BB962C8B-B14F-4D97-AF65-F5344CB8AC3E}">
-        <p14:creationId xmlns:p14="http://schemas.microsoft.com/office/powerpoint/2010/main" xmlns="" val="3958164192"/>
+        <p14:creationId xmlns:p14="http://schemas.microsoft.com/office/powerpoint/2010/main" val="3958164192"/>
       </p:ext>
     </p:extLst>
   </p:cSld>
@@ -4167,7 +4149,7 @@
           <p:cNvPr id="3" name="TextBox 2">
             <a:extLst>
               <a:ext uri="{FF2B5EF4-FFF2-40B4-BE49-F238E27FC236}">
-                <a16:creationId xmlns:a16="http://schemas.microsoft.com/office/drawing/2014/main" xmlns="" id="{B544C6B0-EF6C-4250-91BF-FF09779362BA}"/>
+                <a16:creationId xmlns:a16="http://schemas.microsoft.com/office/drawing/2014/main" id="{B544C6B0-EF6C-4250-91BF-FF09779362BA}"/>
               </a:ext>
             </a:extLst>
           </p:cNvPr>
@@ -4217,7 +4199,7 @@
           <p:cNvPr id="5" name="TextBox 4">
             <a:extLst>
               <a:ext uri="{FF2B5EF4-FFF2-40B4-BE49-F238E27FC236}">
-                <a16:creationId xmlns:a16="http://schemas.microsoft.com/office/drawing/2014/main" xmlns="" id="{71212FCE-4877-450F-9633-F9048A38CCF7}"/>
+                <a16:creationId xmlns:a16="http://schemas.microsoft.com/office/drawing/2014/main" id="{71212FCE-4877-450F-9633-F9048A38CCF7}"/>
               </a:ext>
             </a:extLst>
           </p:cNvPr>
@@ -4305,7 +4287,7 @@
           <p:cNvPr id="4" name="Picture 3">
             <a:extLst>
               <a:ext uri="{FF2B5EF4-FFF2-40B4-BE49-F238E27FC236}">
-                <a16:creationId xmlns:a16="http://schemas.microsoft.com/office/drawing/2014/main" xmlns="" id="{8C545747-1B29-4E85-8E6F-DF7F259899FA}"/>
+                <a16:creationId xmlns:a16="http://schemas.microsoft.com/office/drawing/2014/main" id="{8C545747-1B29-4E85-8E6F-DF7F259899FA}"/>
               </a:ext>
             </a:extLst>
           </p:cNvPr>
@@ -4333,7 +4315,7 @@
     </p:spTree>
     <p:extLst>
       <p:ext uri="{BB962C8B-B14F-4D97-AF65-F5344CB8AC3E}">
-        <p14:creationId xmlns:p14="http://schemas.microsoft.com/office/powerpoint/2010/main" xmlns="" val="3203566452"/>
+        <p14:creationId xmlns:p14="http://schemas.microsoft.com/office/powerpoint/2010/main" val="3203566452"/>
       </p:ext>
     </p:extLst>
   </p:cSld>
@@ -4365,7 +4347,7 @@
           <p:cNvPr id="2" name="TextBox 1">
             <a:extLst>
               <a:ext uri="{FF2B5EF4-FFF2-40B4-BE49-F238E27FC236}">
-                <a16:creationId xmlns:a16="http://schemas.microsoft.com/office/drawing/2014/main" xmlns="" id="{8DA34F60-C036-4B57-8DAB-1153FCC4B013}"/>
+                <a16:creationId xmlns:a16="http://schemas.microsoft.com/office/drawing/2014/main" id="{8DA34F60-C036-4B57-8DAB-1153FCC4B013}"/>
               </a:ext>
             </a:extLst>
           </p:cNvPr>
@@ -4397,7 +4379,7 @@
           <p:cNvPr id="3" name="TextBox 2">
             <a:extLst>
               <a:ext uri="{FF2B5EF4-FFF2-40B4-BE49-F238E27FC236}">
-                <a16:creationId xmlns:a16="http://schemas.microsoft.com/office/drawing/2014/main" xmlns="" id="{B544C6B0-EF6C-4250-91BF-FF09779362BA}"/>
+                <a16:creationId xmlns:a16="http://schemas.microsoft.com/office/drawing/2014/main" id="{B544C6B0-EF6C-4250-91BF-FF09779362BA}"/>
               </a:ext>
             </a:extLst>
           </p:cNvPr>
@@ -4447,7 +4429,7 @@
           <p:cNvPr id="5" name="Picture 4">
             <a:extLst>
               <a:ext uri="{FF2B5EF4-FFF2-40B4-BE49-F238E27FC236}">
-                <a16:creationId xmlns:a16="http://schemas.microsoft.com/office/drawing/2014/main" xmlns="" id="{E6BB3409-F607-4F56-BD1E-C3D13C48AC59}"/>
+                <a16:creationId xmlns:a16="http://schemas.microsoft.com/office/drawing/2014/main" id="{E6BB3409-F607-4F56-BD1E-C3D13C48AC59}"/>
               </a:ext>
             </a:extLst>
           </p:cNvPr>
@@ -4475,7 +4457,7 @@
     </p:spTree>
     <p:extLst>
       <p:ext uri="{BB962C8B-B14F-4D97-AF65-F5344CB8AC3E}">
-        <p14:creationId xmlns:p14="http://schemas.microsoft.com/office/powerpoint/2010/main" xmlns="" val="3022272611"/>
+        <p14:creationId xmlns:p14="http://schemas.microsoft.com/office/powerpoint/2010/main" val="3022272611"/>
       </p:ext>
     </p:extLst>
   </p:cSld>
@@ -4507,7 +4489,7 @@
           <p:cNvPr id="2" name="TextBox 1">
             <a:extLst>
               <a:ext uri="{FF2B5EF4-FFF2-40B4-BE49-F238E27FC236}">
-                <a16:creationId xmlns:a16="http://schemas.microsoft.com/office/drawing/2014/main" xmlns="" id="{8DA34F60-C036-4B57-8DAB-1153FCC4B013}"/>
+                <a16:creationId xmlns:a16="http://schemas.microsoft.com/office/drawing/2014/main" id="{8DA34F60-C036-4B57-8DAB-1153FCC4B013}"/>
               </a:ext>
             </a:extLst>
           </p:cNvPr>
@@ -4539,7 +4521,7 @@
           <p:cNvPr id="3" name="TextBox 2">
             <a:extLst>
               <a:ext uri="{FF2B5EF4-FFF2-40B4-BE49-F238E27FC236}">
-                <a16:creationId xmlns:a16="http://schemas.microsoft.com/office/drawing/2014/main" xmlns="" id="{B544C6B0-EF6C-4250-91BF-FF09779362BA}"/>
+                <a16:creationId xmlns:a16="http://schemas.microsoft.com/office/drawing/2014/main" id="{B544C6B0-EF6C-4250-91BF-FF09779362BA}"/>
               </a:ext>
             </a:extLst>
           </p:cNvPr>
@@ -4589,7 +4571,7 @@
           <p:cNvPr id="4" name="TextBox 3">
             <a:extLst>
               <a:ext uri="{FF2B5EF4-FFF2-40B4-BE49-F238E27FC236}">
-                <a16:creationId xmlns:a16="http://schemas.microsoft.com/office/drawing/2014/main" xmlns="" id="{7D225B5D-7E58-4C92-AE25-5EBB812C70BD}"/>
+                <a16:creationId xmlns:a16="http://schemas.microsoft.com/office/drawing/2014/main" id="{7D225B5D-7E58-4C92-AE25-5EBB812C70BD}"/>
               </a:ext>
             </a:extLst>
           </p:cNvPr>
@@ -4630,7 +4612,7 @@
           <p:cNvPr id="6" name="Picture 5">
             <a:extLst>
               <a:ext uri="{FF2B5EF4-FFF2-40B4-BE49-F238E27FC236}">
-                <a16:creationId xmlns:a16="http://schemas.microsoft.com/office/drawing/2014/main" xmlns="" id="{81BA0196-9092-4FC1-9994-35E934224F1C}"/>
+                <a16:creationId xmlns:a16="http://schemas.microsoft.com/office/drawing/2014/main" id="{81BA0196-9092-4FC1-9994-35E934224F1C}"/>
               </a:ext>
             </a:extLst>
           </p:cNvPr>
@@ -4658,7 +4640,7 @@
     </p:spTree>
     <p:extLst>
       <p:ext uri="{BB962C8B-B14F-4D97-AF65-F5344CB8AC3E}">
-        <p14:creationId xmlns:p14="http://schemas.microsoft.com/office/powerpoint/2010/main" xmlns="" val="766276886"/>
+        <p14:creationId xmlns:p14="http://schemas.microsoft.com/office/powerpoint/2010/main" val="766276886"/>
       </p:ext>
     </p:extLst>
   </p:cSld>
@@ -4690,7 +4672,7 @@
           <p:cNvPr id="2" name="TextBox 1">
             <a:extLst>
               <a:ext uri="{FF2B5EF4-FFF2-40B4-BE49-F238E27FC236}">
-                <a16:creationId xmlns:a16="http://schemas.microsoft.com/office/drawing/2014/main" xmlns="" id="{8DA34F60-C036-4B57-8DAB-1153FCC4B013}"/>
+                <a16:creationId xmlns:a16="http://schemas.microsoft.com/office/drawing/2014/main" id="{8DA34F60-C036-4B57-8DAB-1153FCC4B013}"/>
               </a:ext>
             </a:extLst>
           </p:cNvPr>
@@ -4722,7 +4704,7 @@
           <p:cNvPr id="3" name="TextBox 2">
             <a:extLst>
               <a:ext uri="{FF2B5EF4-FFF2-40B4-BE49-F238E27FC236}">
-                <a16:creationId xmlns:a16="http://schemas.microsoft.com/office/drawing/2014/main" xmlns="" id="{B544C6B0-EF6C-4250-91BF-FF09779362BA}"/>
+                <a16:creationId xmlns:a16="http://schemas.microsoft.com/office/drawing/2014/main" id="{B544C6B0-EF6C-4250-91BF-FF09779362BA}"/>
               </a:ext>
             </a:extLst>
           </p:cNvPr>
@@ -4772,7 +4754,7 @@
           <p:cNvPr id="4" name="TextBox 3">
             <a:extLst>
               <a:ext uri="{FF2B5EF4-FFF2-40B4-BE49-F238E27FC236}">
-                <a16:creationId xmlns:a16="http://schemas.microsoft.com/office/drawing/2014/main" xmlns="" id="{7D225B5D-7E58-4C92-AE25-5EBB812C70BD}"/>
+                <a16:creationId xmlns:a16="http://schemas.microsoft.com/office/drawing/2014/main" id="{7D225B5D-7E58-4C92-AE25-5EBB812C70BD}"/>
               </a:ext>
             </a:extLst>
           </p:cNvPr>
@@ -4815,7 +4797,7 @@
           <p:cNvPr id="5" name="Picture 4">
             <a:extLst>
               <a:ext uri="{FF2B5EF4-FFF2-40B4-BE49-F238E27FC236}">
-                <a16:creationId xmlns:a16="http://schemas.microsoft.com/office/drawing/2014/main" xmlns="" id="{FB95B9C8-D0D8-4476-BA5B-091292DE81AB}"/>
+                <a16:creationId xmlns:a16="http://schemas.microsoft.com/office/drawing/2014/main" id="{FB95B9C8-D0D8-4476-BA5B-091292DE81AB}"/>
               </a:ext>
             </a:extLst>
           </p:cNvPr>
@@ -4843,7 +4825,7 @@
     </p:spTree>
     <p:extLst>
       <p:ext uri="{BB962C8B-B14F-4D97-AF65-F5344CB8AC3E}">
-        <p14:creationId xmlns:p14="http://schemas.microsoft.com/office/powerpoint/2010/main" xmlns="" val="4223697484"/>
+        <p14:creationId xmlns:p14="http://schemas.microsoft.com/office/powerpoint/2010/main" val="4223697484"/>
       </p:ext>
     </p:extLst>
   </p:cSld>
@@ -4875,7 +4857,7 @@
           <p:cNvPr id="2" name="TextBox 1">
             <a:extLst>
               <a:ext uri="{FF2B5EF4-FFF2-40B4-BE49-F238E27FC236}">
-                <a16:creationId xmlns:a16="http://schemas.microsoft.com/office/drawing/2014/main" xmlns="" id="{8DA34F60-C036-4B57-8DAB-1153FCC4B013}"/>
+                <a16:creationId xmlns:a16="http://schemas.microsoft.com/office/drawing/2014/main" id="{8DA34F60-C036-4B57-8DAB-1153FCC4B013}"/>
               </a:ext>
             </a:extLst>
           </p:cNvPr>
@@ -4907,7 +4889,7 @@
           <p:cNvPr id="3" name="TextBox 2">
             <a:extLst>
               <a:ext uri="{FF2B5EF4-FFF2-40B4-BE49-F238E27FC236}">
-                <a16:creationId xmlns:a16="http://schemas.microsoft.com/office/drawing/2014/main" xmlns="" id="{B544C6B0-EF6C-4250-91BF-FF09779362BA}"/>
+                <a16:creationId xmlns:a16="http://schemas.microsoft.com/office/drawing/2014/main" id="{B544C6B0-EF6C-4250-91BF-FF09779362BA}"/>
               </a:ext>
             </a:extLst>
           </p:cNvPr>
@@ -4957,7 +4939,7 @@
           <p:cNvPr id="6" name="Picture 5">
             <a:extLst>
               <a:ext uri="{FF2B5EF4-FFF2-40B4-BE49-F238E27FC236}">
-                <a16:creationId xmlns:a16="http://schemas.microsoft.com/office/drawing/2014/main" xmlns="" id="{67BADEDF-A29C-47F4-ABE8-17DB91AAFB08}"/>
+                <a16:creationId xmlns:a16="http://schemas.microsoft.com/office/drawing/2014/main" id="{67BADEDF-A29C-47F4-ABE8-17DB91AAFB08}"/>
               </a:ext>
             </a:extLst>
           </p:cNvPr>
@@ -4985,7 +4967,7 @@
     </p:spTree>
     <p:extLst>
       <p:ext uri="{BB962C8B-B14F-4D97-AF65-F5344CB8AC3E}">
-        <p14:creationId xmlns:p14="http://schemas.microsoft.com/office/powerpoint/2010/main" xmlns="" val="645252625"/>
+        <p14:creationId xmlns:p14="http://schemas.microsoft.com/office/powerpoint/2010/main" val="645252625"/>
       </p:ext>
     </p:extLst>
   </p:cSld>
@@ -5017,7 +4999,7 @@
           <p:cNvPr id="3" name="TextBox 2">
             <a:extLst>
               <a:ext uri="{FF2B5EF4-FFF2-40B4-BE49-F238E27FC236}">
-                <a16:creationId xmlns:a16="http://schemas.microsoft.com/office/drawing/2014/main" xmlns="" id="{B544C6B0-EF6C-4250-91BF-FF09779362BA}"/>
+                <a16:creationId xmlns:a16="http://schemas.microsoft.com/office/drawing/2014/main" id="{B544C6B0-EF6C-4250-91BF-FF09779362BA}"/>
               </a:ext>
             </a:extLst>
           </p:cNvPr>
@@ -5091,7 +5073,7 @@
           <p:cNvPr id="4" name="Picture 3">
             <a:extLst>
               <a:ext uri="{FF2B5EF4-FFF2-40B4-BE49-F238E27FC236}">
-                <a16:creationId xmlns:a16="http://schemas.microsoft.com/office/drawing/2014/main" xmlns="" id="{DD427C27-EAF9-4FB5-988B-DD7EA9C9B3EE}"/>
+                <a16:creationId xmlns:a16="http://schemas.microsoft.com/office/drawing/2014/main" id="{DD427C27-EAF9-4FB5-988B-DD7EA9C9B3EE}"/>
               </a:ext>
             </a:extLst>
           </p:cNvPr>
@@ -5121,7 +5103,7 @@
           <p:cNvPr id="5" name="TextBox 4">
             <a:extLst>
               <a:ext uri="{FF2B5EF4-FFF2-40B4-BE49-F238E27FC236}">
-                <a16:creationId xmlns:a16="http://schemas.microsoft.com/office/drawing/2014/main" xmlns="" id="{CBE994F0-5260-4159-B053-FBF3864A99F7}"/>
+                <a16:creationId xmlns:a16="http://schemas.microsoft.com/office/drawing/2014/main" id="{CBE994F0-5260-4159-B053-FBF3864A99F7}"/>
               </a:ext>
             </a:extLst>
           </p:cNvPr>
@@ -5160,7 +5142,7 @@
     </p:spTree>
     <p:extLst>
       <p:ext uri="{BB962C8B-B14F-4D97-AF65-F5344CB8AC3E}">
-        <p14:creationId xmlns:p14="http://schemas.microsoft.com/office/powerpoint/2010/main" xmlns="" val="3253466569"/>
+        <p14:creationId xmlns:p14="http://schemas.microsoft.com/office/powerpoint/2010/main" val="3253466569"/>
       </p:ext>
     </p:extLst>
   </p:cSld>
@@ -5192,7 +5174,7 @@
           <p:cNvPr id="2" name="TextBox 1">
             <a:extLst>
               <a:ext uri="{FF2B5EF4-FFF2-40B4-BE49-F238E27FC236}">
-                <a16:creationId xmlns:a16="http://schemas.microsoft.com/office/drawing/2014/main" xmlns="" id="{8DA34F60-C036-4B57-8DAB-1153FCC4B013}"/>
+                <a16:creationId xmlns:a16="http://schemas.microsoft.com/office/drawing/2014/main" id="{8DA34F60-C036-4B57-8DAB-1153FCC4B013}"/>
               </a:ext>
             </a:extLst>
           </p:cNvPr>
@@ -5224,7 +5206,7 @@
           <p:cNvPr id="3" name="TextBox 2">
             <a:extLst>
               <a:ext uri="{FF2B5EF4-FFF2-40B4-BE49-F238E27FC236}">
-                <a16:creationId xmlns:a16="http://schemas.microsoft.com/office/drawing/2014/main" xmlns="" id="{B544C6B0-EF6C-4250-91BF-FF09779362BA}"/>
+                <a16:creationId xmlns:a16="http://schemas.microsoft.com/office/drawing/2014/main" id="{B544C6B0-EF6C-4250-91BF-FF09779362BA}"/>
               </a:ext>
             </a:extLst>
           </p:cNvPr>
@@ -5274,7 +5256,7 @@
           <p:cNvPr id="4" name="TextBox 3">
             <a:extLst>
               <a:ext uri="{FF2B5EF4-FFF2-40B4-BE49-F238E27FC236}">
-                <a16:creationId xmlns:a16="http://schemas.microsoft.com/office/drawing/2014/main" xmlns="" id="{9B8DFFC6-F5A1-437C-96C6-D9151B948833}"/>
+                <a16:creationId xmlns:a16="http://schemas.microsoft.com/office/drawing/2014/main" id="{9B8DFFC6-F5A1-437C-96C6-D9151B948833}"/>
               </a:ext>
             </a:extLst>
           </p:cNvPr>
@@ -5498,7 +5480,7 @@
     </p:spTree>
     <p:extLst>
       <p:ext uri="{BB962C8B-B14F-4D97-AF65-F5344CB8AC3E}">
-        <p14:creationId xmlns:p14="http://schemas.microsoft.com/office/powerpoint/2010/main" xmlns="" val="1591769494"/>
+        <p14:creationId xmlns:p14="http://schemas.microsoft.com/office/powerpoint/2010/main" val="1591769494"/>
       </p:ext>
     </p:extLst>
   </p:cSld>
@@ -5530,7 +5512,7 @@
           <p:cNvPr id="5" name="TextBox 4">
             <a:extLst>
               <a:ext uri="{FF2B5EF4-FFF2-40B4-BE49-F238E27FC236}">
-                <a16:creationId xmlns:a16="http://schemas.microsoft.com/office/drawing/2014/main" xmlns="" id="{342270AA-492E-468C-B5DF-D005AB39834E}"/>
+                <a16:creationId xmlns:a16="http://schemas.microsoft.com/office/drawing/2014/main" id="{342270AA-492E-468C-B5DF-D005AB39834E}"/>
               </a:ext>
             </a:extLst>
           </p:cNvPr>
@@ -5583,7 +5565,7 @@
           <p:cNvPr id="2" name="Picture 1">
             <a:extLst>
               <a:ext uri="{FF2B5EF4-FFF2-40B4-BE49-F238E27FC236}">
-                <a16:creationId xmlns:a16="http://schemas.microsoft.com/office/drawing/2014/main" xmlns="" id="{980B4F3C-5353-4BCE-AD42-3222A6EAC2EE}"/>
+                <a16:creationId xmlns:a16="http://schemas.microsoft.com/office/drawing/2014/main" id="{980B4F3C-5353-4BCE-AD42-3222A6EAC2EE}"/>
               </a:ext>
             </a:extLst>
           </p:cNvPr>
@@ -5611,7 +5593,7 @@
     </p:spTree>
     <p:extLst>
       <p:ext uri="{BB962C8B-B14F-4D97-AF65-F5344CB8AC3E}">
-        <p14:creationId xmlns:p14="http://schemas.microsoft.com/office/powerpoint/2010/main" xmlns="" val="2322284118"/>
+        <p14:creationId xmlns:p14="http://schemas.microsoft.com/office/powerpoint/2010/main" val="2322284118"/>
       </p:ext>
     </p:extLst>
   </p:cSld>
@@ -5643,7 +5625,7 @@
           <p:cNvPr id="2" name="TextBox 1">
             <a:extLst>
               <a:ext uri="{FF2B5EF4-FFF2-40B4-BE49-F238E27FC236}">
-                <a16:creationId xmlns:a16="http://schemas.microsoft.com/office/drawing/2014/main" xmlns="" id="{8DA34F60-C036-4B57-8DAB-1153FCC4B013}"/>
+                <a16:creationId xmlns:a16="http://schemas.microsoft.com/office/drawing/2014/main" id="{8DA34F60-C036-4B57-8DAB-1153FCC4B013}"/>
               </a:ext>
             </a:extLst>
           </p:cNvPr>
@@ -5675,7 +5657,7 @@
           <p:cNvPr id="3" name="TextBox 2">
             <a:extLst>
               <a:ext uri="{FF2B5EF4-FFF2-40B4-BE49-F238E27FC236}">
-                <a16:creationId xmlns:a16="http://schemas.microsoft.com/office/drawing/2014/main" xmlns="" id="{B544C6B0-EF6C-4250-91BF-FF09779362BA}"/>
+                <a16:creationId xmlns:a16="http://schemas.microsoft.com/office/drawing/2014/main" id="{B544C6B0-EF6C-4250-91BF-FF09779362BA}"/>
               </a:ext>
             </a:extLst>
           </p:cNvPr>
@@ -5725,7 +5707,7 @@
           <p:cNvPr id="4" name="TextBox 3">
             <a:extLst>
               <a:ext uri="{FF2B5EF4-FFF2-40B4-BE49-F238E27FC236}">
-                <a16:creationId xmlns:a16="http://schemas.microsoft.com/office/drawing/2014/main" xmlns="" id="{9B8DFFC6-F5A1-437C-96C6-D9151B948833}"/>
+                <a16:creationId xmlns:a16="http://schemas.microsoft.com/office/drawing/2014/main" id="{9B8DFFC6-F5A1-437C-96C6-D9151B948833}"/>
               </a:ext>
             </a:extLst>
           </p:cNvPr>
@@ -5735,7 +5717,7 @@
         <p:spPr>
           <a:xfrm>
             <a:off x="599440" y="944880"/>
-            <a:ext cx="8564880" cy="461665"/>
+            <a:ext cx="8564880" cy="2708434"/>
           </a:xfrm>
           <a:prstGeom prst="rect">
             <a:avLst/>
@@ -5752,6 +5734,32 @@
               <a:buFont typeface="Wingdings" panose="05000000000000000000" pitchFamily="2" charset="2"/>
               <a:buChar char="§"/>
             </a:pPr>
+            <a:r>
+              <a:rPr lang="en-US" sz="2400" dirty="0">
+                <a:solidFill>
+                  <a:schemeClr val="bg1">
+                    <a:lumMod val="50000"/>
+                  </a:schemeClr>
+                </a:solidFill>
+              </a:rPr>
+              <a:t>Chery-Pick</a:t>
+            </a:r>
+          </a:p>
+          <a:p>
+            <a:pPr lvl="2"/>
+            <a:r>
+              <a:rPr lang="en-US" sz="2400" dirty="0">
+                <a:solidFill>
+                  <a:schemeClr val="bg1">
+                    <a:lumMod val="50000"/>
+                  </a:schemeClr>
+                </a:solidFill>
+              </a:rPr>
+              <a:t>Used for merging a particular commit from one branch to another branch.</a:t>
+            </a:r>
+          </a:p>
+          <a:p>
+            <a:pPr lvl="2"/>
             <a:endParaRPr lang="en-US" sz="2400" dirty="0">
               <a:solidFill>
                 <a:schemeClr val="bg1">
@@ -5760,12 +5768,106 @@
               </a:solidFill>
             </a:endParaRPr>
           </a:p>
+          <a:p>
+            <a:pPr marL="1371600" lvl="2" indent="-457200">
+              <a:buFont typeface="+mj-lt"/>
+              <a:buAutoNum type="arabicPeriod"/>
+            </a:pPr>
+            <a:r>
+              <a:rPr lang="en-US" dirty="0">
+                <a:solidFill>
+                  <a:schemeClr val="bg1">
+                    <a:lumMod val="50000"/>
+                  </a:schemeClr>
+                </a:solidFill>
+              </a:rPr>
+              <a:t>First you need to checkout to the target branch </a:t>
+            </a:r>
+          </a:p>
+          <a:p>
+            <a:pPr marL="1371600" lvl="2" indent="-457200">
+              <a:buFont typeface="+mj-lt"/>
+              <a:buAutoNum type="arabicPeriod"/>
+            </a:pPr>
+            <a:r>
+              <a:rPr lang="en-US" dirty="0">
+                <a:solidFill>
+                  <a:schemeClr val="bg1">
+                    <a:lumMod val="50000"/>
+                  </a:schemeClr>
+                </a:solidFill>
+              </a:rPr>
+              <a:t>Use command-</a:t>
+            </a:r>
+          </a:p>
+          <a:p>
+            <a:pPr marL="1371600" lvl="2" indent="-457200">
+              <a:buFont typeface="+mj-lt"/>
+              <a:buAutoNum type="arabicPeriod"/>
+            </a:pPr>
+            <a:r>
+              <a:rPr lang="en-US" dirty="0">
+                <a:solidFill>
+                  <a:schemeClr val="bg1">
+                    <a:lumMod val="50000"/>
+                  </a:schemeClr>
+                </a:solidFill>
+              </a:rPr>
+              <a:t>	git cherry-pick &lt;</a:t>
+            </a:r>
+            <a:r>
+              <a:rPr lang="en-US" dirty="0" err="1">
+                <a:solidFill>
+                  <a:schemeClr val="bg1">
+                    <a:lumMod val="50000"/>
+                  </a:schemeClr>
+                </a:solidFill>
+              </a:rPr>
+              <a:t>commitid</a:t>
+            </a:r>
+            <a:r>
+              <a:rPr lang="en-US" dirty="0">
+                <a:solidFill>
+                  <a:schemeClr val="bg1">
+                    <a:lumMod val="50000"/>
+                  </a:schemeClr>
+                </a:solidFill>
+              </a:rPr>
+              <a:t>&gt;</a:t>
+            </a:r>
+          </a:p>
+          <a:p>
+            <a:pPr marL="1371600" lvl="2" indent="-457200">
+              <a:buFont typeface="+mj-lt"/>
+              <a:buAutoNum type="arabicPeriod"/>
+            </a:pPr>
+            <a:r>
+              <a:rPr lang="en-US" sz="1400" dirty="0">
+                <a:solidFill>
+                  <a:schemeClr val="bg1">
+                    <a:lumMod val="50000"/>
+                  </a:schemeClr>
+                </a:solidFill>
+              </a:rPr>
+              <a:t>Co</a:t>
+            </a:r>
+            <a:r>
+              <a:rPr lang="en-US" dirty="0">
+                <a:solidFill>
+                  <a:schemeClr val="bg1">
+                    <a:lumMod val="50000"/>
+                  </a:schemeClr>
+                </a:solidFill>
+              </a:rPr>
+              <a:t>mmit the changes and push it to remote target branch</a:t>
+            </a:r>
+          </a:p>
         </p:txBody>
       </p:sp>
     </p:spTree>
     <p:extLst>
       <p:ext uri="{BB962C8B-B14F-4D97-AF65-F5344CB8AC3E}">
-        <p14:creationId xmlns:p14="http://schemas.microsoft.com/office/powerpoint/2010/main" xmlns="" val="1591769494"/>
+        <p14:creationId xmlns:p14="http://schemas.microsoft.com/office/powerpoint/2010/main" val="1380878122"/>
       </p:ext>
     </p:extLst>
   </p:cSld>
@@ -5794,10 +5896,57 @@
       </p:grpSpPr>
       <p:sp>
         <p:nvSpPr>
+          <p:cNvPr id="4" name="Rectangle 3">
+            <a:extLst>
+              <a:ext uri="{FF2B5EF4-FFF2-40B4-BE49-F238E27FC236}">
+                <a16:creationId xmlns:a16="http://schemas.microsoft.com/office/drawing/2014/main" id="{EC5143AD-4D67-4C7B-AD8E-160E06C245D1}"/>
+              </a:ext>
+            </a:extLst>
+          </p:cNvPr>
+          <p:cNvSpPr/>
+          <p:nvPr/>
+        </p:nvSpPr>
+        <p:spPr>
+          <a:xfrm>
+            <a:off x="3942080" y="701040"/>
+            <a:ext cx="3881120" cy="548640"/>
+          </a:xfrm>
+          <a:prstGeom prst="rect">
+            <a:avLst/>
+          </a:prstGeom>
+          <a:noFill/>
+        </p:spPr>
+        <p:style>
+          <a:lnRef idx="2">
+            <a:schemeClr val="accent1">
+              <a:shade val="50000"/>
+            </a:schemeClr>
+          </a:lnRef>
+          <a:fillRef idx="1">
+            <a:schemeClr val="accent1"/>
+          </a:fillRef>
+          <a:effectRef idx="0">
+            <a:schemeClr val="accent1"/>
+          </a:effectRef>
+          <a:fontRef idx="minor">
+            <a:schemeClr val="lt1"/>
+          </a:fontRef>
+        </p:style>
+        <p:txBody>
+          <a:bodyPr rtlCol="0" anchor="ctr"/>
+          <a:lstStyle/>
+          <a:p>
+            <a:pPr algn="ctr"/>
+            <a:endParaRPr lang="en-US"/>
+          </a:p>
+        </p:txBody>
+      </p:sp>
+      <p:sp>
+        <p:nvSpPr>
           <p:cNvPr id="5" name="TextBox 4">
             <a:extLst>
               <a:ext uri="{FF2B5EF4-FFF2-40B4-BE49-F238E27FC236}">
-                <a16:creationId xmlns:a16="http://schemas.microsoft.com/office/drawing/2014/main" xmlns="" id="{342270AA-492E-468C-B5DF-D005AB39834E}"/>
+                <a16:creationId xmlns:a16="http://schemas.microsoft.com/office/drawing/2014/main" id="{8C56556E-E067-4FC4-B0B5-ED770D22DC5F}"/>
               </a:ext>
             </a:extLst>
           </p:cNvPr>
@@ -5806,8 +5955,8 @@
         </p:nvSpPr>
         <p:spPr>
           <a:xfrm>
-            <a:off x="10159" y="2794000"/>
-            <a:ext cx="12181841" cy="1015663"/>
+            <a:off x="5049520" y="812800"/>
+            <a:ext cx="1402080" cy="369332"/>
           </a:xfrm>
           <a:prstGeom prst="rect">
             <a:avLst/>
@@ -5820,6 +5969,658 @@
           </a:bodyPr>
           <a:lstStyle/>
           <a:p>
+            <a:r>
+              <a:rPr lang="en-US" dirty="0"/>
+              <a:t>Main branch</a:t>
+            </a:r>
+          </a:p>
+        </p:txBody>
+      </p:sp>
+      <p:cxnSp>
+        <p:nvCxnSpPr>
+          <p:cNvPr id="7" name="Straight Connector 6">
+            <a:extLst>
+              <a:ext uri="{FF2B5EF4-FFF2-40B4-BE49-F238E27FC236}">
+                <a16:creationId xmlns:a16="http://schemas.microsoft.com/office/drawing/2014/main" id="{19BBE1A2-E3F7-4197-BF83-99EAA1C6DAEE}"/>
+              </a:ext>
+            </a:extLst>
+          </p:cNvPr>
+          <p:cNvCxnSpPr>
+            <a:cxnSpLocks/>
+            <a:stCxn id="4" idx="2"/>
+            <a:endCxn id="8" idx="0"/>
+          </p:cNvCxnSpPr>
+          <p:nvPr/>
+        </p:nvCxnSpPr>
+        <p:spPr>
+          <a:xfrm>
+            <a:off x="5882640" y="1249680"/>
+            <a:ext cx="35560" cy="467360"/>
+          </a:xfrm>
+          <a:prstGeom prst="line">
+            <a:avLst/>
+          </a:prstGeom>
+        </p:spPr>
+        <p:style>
+          <a:lnRef idx="1">
+            <a:schemeClr val="accent1"/>
+          </a:lnRef>
+          <a:fillRef idx="0">
+            <a:schemeClr val="accent1"/>
+          </a:fillRef>
+          <a:effectRef idx="0">
+            <a:schemeClr val="accent1"/>
+          </a:effectRef>
+          <a:fontRef idx="minor">
+            <a:schemeClr val="tx1"/>
+          </a:fontRef>
+        </p:style>
+      </p:cxnSp>
+      <p:sp>
+        <p:nvSpPr>
+          <p:cNvPr id="8" name="Rectangle 7">
+            <a:extLst>
+              <a:ext uri="{FF2B5EF4-FFF2-40B4-BE49-F238E27FC236}">
+                <a16:creationId xmlns:a16="http://schemas.microsoft.com/office/drawing/2014/main" id="{53FB852D-81CE-4E91-88D7-F5A6315E7F9D}"/>
+              </a:ext>
+            </a:extLst>
+          </p:cNvPr>
+          <p:cNvSpPr/>
+          <p:nvPr/>
+        </p:nvSpPr>
+        <p:spPr>
+          <a:xfrm>
+            <a:off x="3942080" y="1717040"/>
+            <a:ext cx="3952240" cy="548640"/>
+          </a:xfrm>
+          <a:prstGeom prst="rect">
+            <a:avLst/>
+          </a:prstGeom>
+          <a:noFill/>
+        </p:spPr>
+        <p:style>
+          <a:lnRef idx="2">
+            <a:schemeClr val="accent1">
+              <a:shade val="50000"/>
+            </a:schemeClr>
+          </a:lnRef>
+          <a:fillRef idx="1">
+            <a:schemeClr val="accent1"/>
+          </a:fillRef>
+          <a:effectRef idx="0">
+            <a:schemeClr val="accent1"/>
+          </a:effectRef>
+          <a:fontRef idx="minor">
+            <a:schemeClr val="lt1"/>
+          </a:fontRef>
+        </p:style>
+        <p:txBody>
+          <a:bodyPr rtlCol="0" anchor="ctr"/>
+          <a:lstStyle/>
+          <a:p>
+            <a:pPr algn="ctr"/>
+            <a:endParaRPr lang="en-US"/>
+          </a:p>
+        </p:txBody>
+      </p:sp>
+      <p:sp>
+        <p:nvSpPr>
+          <p:cNvPr id="9" name="TextBox 8">
+            <a:extLst>
+              <a:ext uri="{FF2B5EF4-FFF2-40B4-BE49-F238E27FC236}">
+                <a16:creationId xmlns:a16="http://schemas.microsoft.com/office/drawing/2014/main" id="{56FF7CF5-5CC0-4132-8128-49F5B8F194CE}"/>
+              </a:ext>
+            </a:extLst>
+          </p:cNvPr>
+          <p:cNvSpPr txBox="1"/>
+          <p:nvPr/>
+        </p:nvSpPr>
+        <p:spPr>
+          <a:xfrm>
+            <a:off x="4572000" y="1808480"/>
+            <a:ext cx="3007360" cy="369332"/>
+          </a:xfrm>
+          <a:prstGeom prst="rect">
+            <a:avLst/>
+          </a:prstGeom>
+          <a:noFill/>
+        </p:spPr>
+        <p:txBody>
+          <a:bodyPr wrap="square" rtlCol="0">
+            <a:spAutoFit/>
+          </a:bodyPr>
+          <a:lstStyle/>
+          <a:p>
+            <a:r>
+              <a:rPr lang="en-US" dirty="0"/>
+              <a:t>Develop branch (child of Main</a:t>
+            </a:r>
+          </a:p>
+        </p:txBody>
+      </p:sp>
+      <p:cxnSp>
+        <p:nvCxnSpPr>
+          <p:cNvPr id="12" name="Straight Connector 11">
+            <a:extLst>
+              <a:ext uri="{FF2B5EF4-FFF2-40B4-BE49-F238E27FC236}">
+                <a16:creationId xmlns:a16="http://schemas.microsoft.com/office/drawing/2014/main" id="{B8E257B8-94BC-4EE5-B79A-F8DE2A59751F}"/>
+              </a:ext>
+            </a:extLst>
+          </p:cNvPr>
+          <p:cNvCxnSpPr>
+            <a:cxnSpLocks/>
+            <a:stCxn id="8" idx="2"/>
+          </p:cNvCxnSpPr>
+          <p:nvPr/>
+        </p:nvCxnSpPr>
+        <p:spPr>
+          <a:xfrm>
+            <a:off x="5918200" y="2265680"/>
+            <a:ext cx="0" cy="487680"/>
+          </a:xfrm>
+          <a:prstGeom prst="line">
+            <a:avLst/>
+          </a:prstGeom>
+        </p:spPr>
+        <p:style>
+          <a:lnRef idx="1">
+            <a:schemeClr val="accent1"/>
+          </a:lnRef>
+          <a:fillRef idx="0">
+            <a:schemeClr val="accent1"/>
+          </a:fillRef>
+          <a:effectRef idx="0">
+            <a:schemeClr val="accent1"/>
+          </a:effectRef>
+          <a:fontRef idx="minor">
+            <a:schemeClr val="tx1"/>
+          </a:fontRef>
+        </p:style>
+      </p:cxnSp>
+      <p:cxnSp>
+        <p:nvCxnSpPr>
+          <p:cNvPr id="14" name="Straight Connector 13">
+            <a:extLst>
+              <a:ext uri="{FF2B5EF4-FFF2-40B4-BE49-F238E27FC236}">
+                <a16:creationId xmlns:a16="http://schemas.microsoft.com/office/drawing/2014/main" id="{062B4D7B-9553-467D-8F20-CBE53C50E1D2}"/>
+              </a:ext>
+            </a:extLst>
+          </p:cNvPr>
+          <p:cNvCxnSpPr/>
+          <p:nvPr/>
+        </p:nvCxnSpPr>
+        <p:spPr>
+          <a:xfrm>
+            <a:off x="1529080" y="2763520"/>
+            <a:ext cx="9133840" cy="0"/>
+          </a:xfrm>
+          <a:prstGeom prst="line">
+            <a:avLst/>
+          </a:prstGeom>
+        </p:spPr>
+        <p:style>
+          <a:lnRef idx="1">
+            <a:schemeClr val="accent1"/>
+          </a:lnRef>
+          <a:fillRef idx="0">
+            <a:schemeClr val="accent1"/>
+          </a:fillRef>
+          <a:effectRef idx="0">
+            <a:schemeClr val="accent1"/>
+          </a:effectRef>
+          <a:fontRef idx="minor">
+            <a:schemeClr val="tx1"/>
+          </a:fontRef>
+        </p:style>
+      </p:cxnSp>
+      <p:cxnSp>
+        <p:nvCxnSpPr>
+          <p:cNvPr id="17" name="Straight Connector 16">
+            <a:extLst>
+              <a:ext uri="{FF2B5EF4-FFF2-40B4-BE49-F238E27FC236}">
+                <a16:creationId xmlns:a16="http://schemas.microsoft.com/office/drawing/2014/main" id="{D4D8EC26-3092-4BEE-A15F-09F9FB4B79E2}"/>
+              </a:ext>
+            </a:extLst>
+          </p:cNvPr>
+          <p:cNvCxnSpPr/>
+          <p:nvPr/>
+        </p:nvCxnSpPr>
+        <p:spPr>
+          <a:xfrm>
+            <a:off x="1534160" y="2753360"/>
+            <a:ext cx="0" cy="365760"/>
+          </a:xfrm>
+          <a:prstGeom prst="line">
+            <a:avLst/>
+          </a:prstGeom>
+        </p:spPr>
+        <p:style>
+          <a:lnRef idx="1">
+            <a:schemeClr val="accent1"/>
+          </a:lnRef>
+          <a:fillRef idx="0">
+            <a:schemeClr val="accent1"/>
+          </a:fillRef>
+          <a:effectRef idx="0">
+            <a:schemeClr val="accent1"/>
+          </a:effectRef>
+          <a:fontRef idx="minor">
+            <a:schemeClr val="tx1"/>
+          </a:fontRef>
+        </p:style>
+      </p:cxnSp>
+      <p:cxnSp>
+        <p:nvCxnSpPr>
+          <p:cNvPr id="19" name="Straight Connector 18">
+            <a:extLst>
+              <a:ext uri="{FF2B5EF4-FFF2-40B4-BE49-F238E27FC236}">
+                <a16:creationId xmlns:a16="http://schemas.microsoft.com/office/drawing/2014/main" id="{F88C590A-CD49-4E76-93C1-DBAECF777645}"/>
+              </a:ext>
+            </a:extLst>
+          </p:cNvPr>
+          <p:cNvCxnSpPr/>
+          <p:nvPr/>
+        </p:nvCxnSpPr>
+        <p:spPr>
+          <a:xfrm>
+            <a:off x="3708400" y="2753360"/>
+            <a:ext cx="0" cy="365760"/>
+          </a:xfrm>
+          <a:prstGeom prst="line">
+            <a:avLst/>
+          </a:prstGeom>
+        </p:spPr>
+        <p:style>
+          <a:lnRef idx="1">
+            <a:schemeClr val="accent1"/>
+          </a:lnRef>
+          <a:fillRef idx="0">
+            <a:schemeClr val="accent1"/>
+          </a:fillRef>
+          <a:effectRef idx="0">
+            <a:schemeClr val="accent1"/>
+          </a:effectRef>
+          <a:fontRef idx="minor">
+            <a:schemeClr val="tx1"/>
+          </a:fontRef>
+        </p:style>
+      </p:cxnSp>
+      <p:cxnSp>
+        <p:nvCxnSpPr>
+          <p:cNvPr id="20" name="Straight Connector 19">
+            <a:extLst>
+              <a:ext uri="{FF2B5EF4-FFF2-40B4-BE49-F238E27FC236}">
+                <a16:creationId xmlns:a16="http://schemas.microsoft.com/office/drawing/2014/main" id="{8FA7ECDC-6889-4CDD-83E5-357686B28B2A}"/>
+              </a:ext>
+            </a:extLst>
+          </p:cNvPr>
+          <p:cNvCxnSpPr/>
+          <p:nvPr/>
+        </p:nvCxnSpPr>
+        <p:spPr>
+          <a:xfrm>
+            <a:off x="5648960" y="2743200"/>
+            <a:ext cx="0" cy="365760"/>
+          </a:xfrm>
+          <a:prstGeom prst="line">
+            <a:avLst/>
+          </a:prstGeom>
+        </p:spPr>
+        <p:style>
+          <a:lnRef idx="1">
+            <a:schemeClr val="accent1"/>
+          </a:lnRef>
+          <a:fillRef idx="0">
+            <a:schemeClr val="accent1"/>
+          </a:fillRef>
+          <a:effectRef idx="0">
+            <a:schemeClr val="accent1"/>
+          </a:effectRef>
+          <a:fontRef idx="minor">
+            <a:schemeClr val="tx1"/>
+          </a:fontRef>
+        </p:style>
+      </p:cxnSp>
+      <p:cxnSp>
+        <p:nvCxnSpPr>
+          <p:cNvPr id="21" name="Straight Connector 20">
+            <a:extLst>
+              <a:ext uri="{FF2B5EF4-FFF2-40B4-BE49-F238E27FC236}">
+                <a16:creationId xmlns:a16="http://schemas.microsoft.com/office/drawing/2014/main" id="{DA4EA02E-A089-4717-873F-4FC7F7F86923}"/>
+              </a:ext>
+            </a:extLst>
+          </p:cNvPr>
+          <p:cNvCxnSpPr/>
+          <p:nvPr/>
+        </p:nvCxnSpPr>
+        <p:spPr>
+          <a:xfrm>
+            <a:off x="7874000" y="2733040"/>
+            <a:ext cx="0" cy="365760"/>
+          </a:xfrm>
+          <a:prstGeom prst="line">
+            <a:avLst/>
+          </a:prstGeom>
+        </p:spPr>
+        <p:style>
+          <a:lnRef idx="1">
+            <a:schemeClr val="accent1"/>
+          </a:lnRef>
+          <a:fillRef idx="0">
+            <a:schemeClr val="accent1"/>
+          </a:fillRef>
+          <a:effectRef idx="0">
+            <a:schemeClr val="accent1"/>
+          </a:effectRef>
+          <a:fontRef idx="minor">
+            <a:schemeClr val="tx1"/>
+          </a:fontRef>
+        </p:style>
+      </p:cxnSp>
+      <p:cxnSp>
+        <p:nvCxnSpPr>
+          <p:cNvPr id="22" name="Straight Connector 21">
+            <a:extLst>
+              <a:ext uri="{FF2B5EF4-FFF2-40B4-BE49-F238E27FC236}">
+                <a16:creationId xmlns:a16="http://schemas.microsoft.com/office/drawing/2014/main" id="{AFB21F47-2FD5-430E-B1F0-FAE07309E98E}"/>
+              </a:ext>
+            </a:extLst>
+          </p:cNvPr>
+          <p:cNvCxnSpPr/>
+          <p:nvPr/>
+        </p:nvCxnSpPr>
+        <p:spPr>
+          <a:xfrm>
+            <a:off x="10627360" y="2743200"/>
+            <a:ext cx="0" cy="365760"/>
+          </a:xfrm>
+          <a:prstGeom prst="line">
+            <a:avLst/>
+          </a:prstGeom>
+        </p:spPr>
+        <p:style>
+          <a:lnRef idx="1">
+            <a:schemeClr val="accent1"/>
+          </a:lnRef>
+          <a:fillRef idx="0">
+            <a:schemeClr val="accent1"/>
+          </a:fillRef>
+          <a:effectRef idx="0">
+            <a:schemeClr val="accent1"/>
+          </a:effectRef>
+          <a:fontRef idx="minor">
+            <a:schemeClr val="tx1"/>
+          </a:fontRef>
+        </p:style>
+      </p:cxnSp>
+      <p:sp>
+        <p:nvSpPr>
+          <p:cNvPr id="23" name="TextBox 22">
+            <a:extLst>
+              <a:ext uri="{FF2B5EF4-FFF2-40B4-BE49-F238E27FC236}">
+                <a16:creationId xmlns:a16="http://schemas.microsoft.com/office/drawing/2014/main" id="{B64BB359-F08B-44C6-A090-1507EB5E8877}"/>
+              </a:ext>
+            </a:extLst>
+          </p:cNvPr>
+          <p:cNvSpPr txBox="1"/>
+          <p:nvPr/>
+        </p:nvSpPr>
+        <p:spPr>
+          <a:xfrm>
+            <a:off x="599440" y="3129280"/>
+            <a:ext cx="2204710" cy="369332"/>
+          </a:xfrm>
+          <a:prstGeom prst="rect">
+            <a:avLst/>
+          </a:prstGeom>
+          <a:noFill/>
+        </p:spPr>
+        <p:txBody>
+          <a:bodyPr wrap="square" rtlCol="0">
+            <a:spAutoFit/>
+          </a:bodyPr>
+          <a:lstStyle/>
+          <a:p>
+            <a:r>
+              <a:rPr lang="en-US" dirty="0"/>
+              <a:t>Feature branch 1</a:t>
+            </a:r>
+          </a:p>
+        </p:txBody>
+      </p:sp>
+      <p:sp>
+        <p:nvSpPr>
+          <p:cNvPr id="24" name="TextBox 23">
+            <a:extLst>
+              <a:ext uri="{FF2B5EF4-FFF2-40B4-BE49-F238E27FC236}">
+                <a16:creationId xmlns:a16="http://schemas.microsoft.com/office/drawing/2014/main" id="{CAB535A4-5143-4093-843F-192D43D9D1C9}"/>
+              </a:ext>
+            </a:extLst>
+          </p:cNvPr>
+          <p:cNvSpPr txBox="1"/>
+          <p:nvPr/>
+        </p:nvSpPr>
+        <p:spPr>
+          <a:xfrm>
+            <a:off x="2540000" y="3159760"/>
+            <a:ext cx="2204710" cy="369332"/>
+          </a:xfrm>
+          <a:prstGeom prst="rect">
+            <a:avLst/>
+          </a:prstGeom>
+          <a:noFill/>
+        </p:spPr>
+        <p:txBody>
+          <a:bodyPr wrap="square" rtlCol="0">
+            <a:spAutoFit/>
+          </a:bodyPr>
+          <a:lstStyle/>
+          <a:p>
+            <a:r>
+              <a:rPr lang="en-US" dirty="0"/>
+              <a:t>Feature branch 2</a:t>
+            </a:r>
+          </a:p>
+        </p:txBody>
+      </p:sp>
+      <p:sp>
+        <p:nvSpPr>
+          <p:cNvPr id="25" name="TextBox 24">
+            <a:extLst>
+              <a:ext uri="{FF2B5EF4-FFF2-40B4-BE49-F238E27FC236}">
+                <a16:creationId xmlns:a16="http://schemas.microsoft.com/office/drawing/2014/main" id="{7E9B62C8-2987-43A8-A97F-10B53B645FA6}"/>
+              </a:ext>
+            </a:extLst>
+          </p:cNvPr>
+          <p:cNvSpPr txBox="1"/>
+          <p:nvPr/>
+        </p:nvSpPr>
+        <p:spPr>
+          <a:xfrm>
+            <a:off x="4500880" y="3139440"/>
+            <a:ext cx="2204710" cy="369332"/>
+          </a:xfrm>
+          <a:prstGeom prst="rect">
+            <a:avLst/>
+          </a:prstGeom>
+          <a:noFill/>
+        </p:spPr>
+        <p:txBody>
+          <a:bodyPr wrap="square" rtlCol="0">
+            <a:spAutoFit/>
+          </a:bodyPr>
+          <a:lstStyle/>
+          <a:p>
+            <a:r>
+              <a:rPr lang="en-US" dirty="0"/>
+              <a:t>Feature branch 3</a:t>
+            </a:r>
+          </a:p>
+        </p:txBody>
+      </p:sp>
+      <p:sp>
+        <p:nvSpPr>
+          <p:cNvPr id="26" name="TextBox 25">
+            <a:extLst>
+              <a:ext uri="{FF2B5EF4-FFF2-40B4-BE49-F238E27FC236}">
+                <a16:creationId xmlns:a16="http://schemas.microsoft.com/office/drawing/2014/main" id="{62927BCB-32A0-46C0-9591-9F6D13637A23}"/>
+              </a:ext>
+            </a:extLst>
+          </p:cNvPr>
+          <p:cNvSpPr txBox="1"/>
+          <p:nvPr/>
+        </p:nvSpPr>
+        <p:spPr>
+          <a:xfrm>
+            <a:off x="6725920" y="3139440"/>
+            <a:ext cx="2204710" cy="369332"/>
+          </a:xfrm>
+          <a:prstGeom prst="rect">
+            <a:avLst/>
+          </a:prstGeom>
+          <a:noFill/>
+        </p:spPr>
+        <p:txBody>
+          <a:bodyPr wrap="square" rtlCol="0">
+            <a:spAutoFit/>
+          </a:bodyPr>
+          <a:lstStyle/>
+          <a:p>
+            <a:r>
+              <a:rPr lang="en-US" dirty="0"/>
+              <a:t>Feature branch 4</a:t>
+            </a:r>
+          </a:p>
+        </p:txBody>
+      </p:sp>
+      <p:sp>
+        <p:nvSpPr>
+          <p:cNvPr id="27" name="TextBox 26">
+            <a:extLst>
+              <a:ext uri="{FF2B5EF4-FFF2-40B4-BE49-F238E27FC236}">
+                <a16:creationId xmlns:a16="http://schemas.microsoft.com/office/drawing/2014/main" id="{E517DA92-FFD1-4BFF-A547-67F0671E2DEB}"/>
+              </a:ext>
+            </a:extLst>
+          </p:cNvPr>
+          <p:cNvSpPr txBox="1"/>
+          <p:nvPr/>
+        </p:nvSpPr>
+        <p:spPr>
+          <a:xfrm>
+            <a:off x="9438640" y="3119120"/>
+            <a:ext cx="2204710" cy="369332"/>
+          </a:xfrm>
+          <a:prstGeom prst="rect">
+            <a:avLst/>
+          </a:prstGeom>
+          <a:noFill/>
+        </p:spPr>
+        <p:txBody>
+          <a:bodyPr wrap="square" rtlCol="0">
+            <a:spAutoFit/>
+          </a:bodyPr>
+          <a:lstStyle/>
+          <a:p>
+            <a:r>
+              <a:rPr lang="en-US" dirty="0"/>
+              <a:t>Feature branch 5</a:t>
+            </a:r>
+          </a:p>
+        </p:txBody>
+      </p:sp>
+      <p:sp>
+        <p:nvSpPr>
+          <p:cNvPr id="28" name="TextBox 27">
+            <a:extLst>
+              <a:ext uri="{FF2B5EF4-FFF2-40B4-BE49-F238E27FC236}">
+                <a16:creationId xmlns:a16="http://schemas.microsoft.com/office/drawing/2014/main" id="{161252B9-C3FC-47BC-BFE0-9A707FD0EB6C}"/>
+              </a:ext>
+            </a:extLst>
+          </p:cNvPr>
+          <p:cNvSpPr txBox="1"/>
+          <p:nvPr/>
+        </p:nvSpPr>
+        <p:spPr>
+          <a:xfrm>
+            <a:off x="8493760" y="812800"/>
+            <a:ext cx="2468873" cy="369332"/>
+          </a:xfrm>
+          <a:prstGeom prst="rect">
+            <a:avLst/>
+          </a:prstGeom>
+          <a:noFill/>
+        </p:spPr>
+        <p:txBody>
+          <a:bodyPr wrap="square" rtlCol="0">
+            <a:spAutoFit/>
+          </a:bodyPr>
+          <a:lstStyle/>
+          <a:p>
+            <a:r>
+              <a:rPr lang="en-US" dirty="0"/>
+              <a:t>Production env</a:t>
+            </a:r>
+          </a:p>
+        </p:txBody>
+      </p:sp>
+    </p:spTree>
+    <p:extLst>
+      <p:ext uri="{BB962C8B-B14F-4D97-AF65-F5344CB8AC3E}">
+        <p14:creationId xmlns:p14="http://schemas.microsoft.com/office/powerpoint/2010/main" val="1699318202"/>
+      </p:ext>
+    </p:extLst>
+  </p:cSld>
+  <p:clrMapOvr>
+    <a:masterClrMapping/>
+  </p:clrMapOvr>
+</p:sld>
+</file>
+
+<file path=ppt/slides/slide22.xml><?xml version="1.0" encoding="utf-8"?>
+<p:sld xmlns:a="http://schemas.openxmlformats.org/drawingml/2006/main" xmlns:r="http://schemas.openxmlformats.org/officeDocument/2006/relationships" xmlns:p="http://schemas.openxmlformats.org/presentationml/2006/main">
+  <p:cSld>
+    <p:spTree>
+      <p:nvGrpSpPr>
+        <p:cNvPr id="1" name=""/>
+        <p:cNvGrpSpPr/>
+        <p:nvPr/>
+      </p:nvGrpSpPr>
+      <p:grpSpPr>
+        <a:xfrm>
+          <a:off x="0" y="0"/>
+          <a:ext cx="0" cy="0"/>
+          <a:chOff x="0" y="0"/>
+          <a:chExt cx="0" cy="0"/>
+        </a:xfrm>
+      </p:grpSpPr>
+      <p:sp>
+        <p:nvSpPr>
+          <p:cNvPr id="5" name="TextBox 4">
+            <a:extLst>
+              <a:ext uri="{FF2B5EF4-FFF2-40B4-BE49-F238E27FC236}">
+                <a16:creationId xmlns:a16="http://schemas.microsoft.com/office/drawing/2014/main" id="{342270AA-492E-468C-B5DF-D005AB39834E}"/>
+              </a:ext>
+            </a:extLst>
+          </p:cNvPr>
+          <p:cNvSpPr txBox="1"/>
+          <p:nvPr/>
+        </p:nvSpPr>
+        <p:spPr>
+          <a:xfrm>
+            <a:off x="10159" y="2794000"/>
+            <a:ext cx="12181841" cy="1015663"/>
+          </a:xfrm>
+          <a:prstGeom prst="rect">
+            <a:avLst/>
+          </a:prstGeom>
+          <a:noFill/>
+        </p:spPr>
+        <p:txBody>
+          <a:bodyPr wrap="square" rtlCol="0">
+            <a:spAutoFit/>
+          </a:bodyPr>
+          <a:lstStyle/>
+          <a:p>
             <a:pPr algn="ctr"/>
             <a:r>
               <a:rPr lang="en-US" sz="6000" b="1" dirty="0">
@@ -5837,7 +6638,7 @@
     </p:spTree>
     <p:extLst>
       <p:ext uri="{BB962C8B-B14F-4D97-AF65-F5344CB8AC3E}">
-        <p14:creationId xmlns:p14="http://schemas.microsoft.com/office/powerpoint/2010/main" xmlns="" val="3981335253"/>
+        <p14:creationId xmlns:p14="http://schemas.microsoft.com/office/powerpoint/2010/main" val="3981335253"/>
       </p:ext>
     </p:extLst>
   </p:cSld>
@@ -5869,7 +6670,7 @@
           <p:cNvPr id="5" name="TextBox 4">
             <a:extLst>
               <a:ext uri="{FF2B5EF4-FFF2-40B4-BE49-F238E27FC236}">
-                <a16:creationId xmlns:a16="http://schemas.microsoft.com/office/drawing/2014/main" xmlns="" id="{342270AA-492E-468C-B5DF-D005AB39834E}"/>
+                <a16:creationId xmlns:a16="http://schemas.microsoft.com/office/drawing/2014/main" id="{342270AA-492E-468C-B5DF-D005AB39834E}"/>
               </a:ext>
             </a:extLst>
           </p:cNvPr>
@@ -5911,7 +6712,7 @@
           <p:cNvPr id="4" name="Picture 3">
             <a:extLst>
               <a:ext uri="{FF2B5EF4-FFF2-40B4-BE49-F238E27FC236}">
-                <a16:creationId xmlns:a16="http://schemas.microsoft.com/office/drawing/2014/main" xmlns="" id="{B9C8FE3E-35D3-4129-8633-6BE0E6E26E9A}"/>
+                <a16:creationId xmlns:a16="http://schemas.microsoft.com/office/drawing/2014/main" id="{B9C8FE3E-35D3-4129-8633-6BE0E6E26E9A}"/>
               </a:ext>
             </a:extLst>
           </p:cNvPr>
@@ -5939,7 +6740,7 @@
     </p:spTree>
     <p:extLst>
       <p:ext uri="{BB962C8B-B14F-4D97-AF65-F5344CB8AC3E}">
-        <p14:creationId xmlns:p14="http://schemas.microsoft.com/office/powerpoint/2010/main" xmlns="" val="1193679221"/>
+        <p14:creationId xmlns:p14="http://schemas.microsoft.com/office/powerpoint/2010/main" val="1193679221"/>
       </p:ext>
     </p:extLst>
   </p:cSld>
@@ -5971,7 +6772,7 @@
           <p:cNvPr id="2" name="TextBox 1">
             <a:extLst>
               <a:ext uri="{FF2B5EF4-FFF2-40B4-BE49-F238E27FC236}">
-                <a16:creationId xmlns:a16="http://schemas.microsoft.com/office/drawing/2014/main" xmlns="" id="{8DA34F60-C036-4B57-8DAB-1153FCC4B013}"/>
+                <a16:creationId xmlns:a16="http://schemas.microsoft.com/office/drawing/2014/main" id="{8DA34F60-C036-4B57-8DAB-1153FCC4B013}"/>
               </a:ext>
             </a:extLst>
           </p:cNvPr>
@@ -6003,7 +6804,7 @@
           <p:cNvPr id="3" name="TextBox 2">
             <a:extLst>
               <a:ext uri="{FF2B5EF4-FFF2-40B4-BE49-F238E27FC236}">
-                <a16:creationId xmlns:a16="http://schemas.microsoft.com/office/drawing/2014/main" xmlns="" id="{B544C6B0-EF6C-4250-91BF-FF09779362BA}"/>
+                <a16:creationId xmlns:a16="http://schemas.microsoft.com/office/drawing/2014/main" id="{B544C6B0-EF6C-4250-91BF-FF09779362BA}"/>
               </a:ext>
             </a:extLst>
           </p:cNvPr>
@@ -6046,7 +6847,7 @@
           <p:cNvPr id="6" name="Picture 5">
             <a:extLst>
               <a:ext uri="{FF2B5EF4-FFF2-40B4-BE49-F238E27FC236}">
-                <a16:creationId xmlns:a16="http://schemas.microsoft.com/office/drawing/2014/main" xmlns="" id="{3EAF93C3-FEA4-4E5F-A9E8-EA07466836E3}"/>
+                <a16:creationId xmlns:a16="http://schemas.microsoft.com/office/drawing/2014/main" id="{3EAF93C3-FEA4-4E5F-A9E8-EA07466836E3}"/>
               </a:ext>
             </a:extLst>
           </p:cNvPr>
@@ -6076,7 +6877,7 @@
           <p:cNvPr id="7" name="TextBox 6">
             <a:extLst>
               <a:ext uri="{FF2B5EF4-FFF2-40B4-BE49-F238E27FC236}">
-                <a16:creationId xmlns:a16="http://schemas.microsoft.com/office/drawing/2014/main" xmlns="" id="{5205BA0B-441B-4D66-A356-F6C0076D797D}"/>
+                <a16:creationId xmlns:a16="http://schemas.microsoft.com/office/drawing/2014/main" id="{5205BA0B-441B-4D66-A356-F6C0076D797D}"/>
               </a:ext>
             </a:extLst>
           </p:cNvPr>
@@ -6162,7 +6963,7 @@
     </p:spTree>
     <p:extLst>
       <p:ext uri="{BB962C8B-B14F-4D97-AF65-F5344CB8AC3E}">
-        <p14:creationId xmlns:p14="http://schemas.microsoft.com/office/powerpoint/2010/main" xmlns="" val="4199085327"/>
+        <p14:creationId xmlns:p14="http://schemas.microsoft.com/office/powerpoint/2010/main" val="4199085327"/>
       </p:ext>
     </p:extLst>
   </p:cSld>
@@ -6194,7 +6995,7 @@
           <p:cNvPr id="2" name="TextBox 1">
             <a:extLst>
               <a:ext uri="{FF2B5EF4-FFF2-40B4-BE49-F238E27FC236}">
-                <a16:creationId xmlns:a16="http://schemas.microsoft.com/office/drawing/2014/main" xmlns="" id="{8DA34F60-C036-4B57-8DAB-1153FCC4B013}"/>
+                <a16:creationId xmlns:a16="http://schemas.microsoft.com/office/drawing/2014/main" id="{8DA34F60-C036-4B57-8DAB-1153FCC4B013}"/>
               </a:ext>
             </a:extLst>
           </p:cNvPr>
@@ -6226,7 +7027,7 @@
           <p:cNvPr id="3" name="TextBox 2">
             <a:extLst>
               <a:ext uri="{FF2B5EF4-FFF2-40B4-BE49-F238E27FC236}">
-                <a16:creationId xmlns:a16="http://schemas.microsoft.com/office/drawing/2014/main" xmlns="" id="{B544C6B0-EF6C-4250-91BF-FF09779362BA}"/>
+                <a16:creationId xmlns:a16="http://schemas.microsoft.com/office/drawing/2014/main" id="{B544C6B0-EF6C-4250-91BF-FF09779362BA}"/>
               </a:ext>
             </a:extLst>
           </p:cNvPr>
@@ -6276,7 +7077,7 @@
           <p:cNvPr id="4" name="Picture 3">
             <a:extLst>
               <a:ext uri="{FF2B5EF4-FFF2-40B4-BE49-F238E27FC236}">
-                <a16:creationId xmlns:a16="http://schemas.microsoft.com/office/drawing/2014/main" xmlns="" id="{A18C768D-3280-4CCA-8703-8E8F8F3D35B7}"/>
+                <a16:creationId xmlns:a16="http://schemas.microsoft.com/office/drawing/2014/main" id="{A18C768D-3280-4CCA-8703-8E8F8F3D35B7}"/>
               </a:ext>
             </a:extLst>
           </p:cNvPr>
@@ -6304,7 +7105,7 @@
     </p:spTree>
     <p:extLst>
       <p:ext uri="{BB962C8B-B14F-4D97-AF65-F5344CB8AC3E}">
-        <p14:creationId xmlns:p14="http://schemas.microsoft.com/office/powerpoint/2010/main" xmlns="" val="2637947620"/>
+        <p14:creationId xmlns:p14="http://schemas.microsoft.com/office/powerpoint/2010/main" val="2637947620"/>
       </p:ext>
     </p:extLst>
   </p:cSld>
@@ -6336,7 +7137,7 @@
           <p:cNvPr id="3" name="TextBox 2">
             <a:extLst>
               <a:ext uri="{FF2B5EF4-FFF2-40B4-BE49-F238E27FC236}">
-                <a16:creationId xmlns:a16="http://schemas.microsoft.com/office/drawing/2014/main" xmlns="" id="{B544C6B0-EF6C-4250-91BF-FF09779362BA}"/>
+                <a16:creationId xmlns:a16="http://schemas.microsoft.com/office/drawing/2014/main" id="{B544C6B0-EF6C-4250-91BF-FF09779362BA}"/>
               </a:ext>
             </a:extLst>
           </p:cNvPr>
@@ -6386,7 +7187,7 @@
           <p:cNvPr id="6" name="TextBox 5">
             <a:extLst>
               <a:ext uri="{FF2B5EF4-FFF2-40B4-BE49-F238E27FC236}">
-                <a16:creationId xmlns:a16="http://schemas.microsoft.com/office/drawing/2014/main" xmlns="" id="{640BB658-D346-4643-A9C7-7F3BD503A7C1}"/>
+                <a16:creationId xmlns:a16="http://schemas.microsoft.com/office/drawing/2014/main" id="{640BB658-D346-4643-A9C7-7F3BD503A7C1}"/>
               </a:ext>
             </a:extLst>
           </p:cNvPr>
@@ -6427,7 +7228,7 @@
           <p:cNvPr id="7" name="Picture 6">
             <a:extLst>
               <a:ext uri="{FF2B5EF4-FFF2-40B4-BE49-F238E27FC236}">
-                <a16:creationId xmlns:a16="http://schemas.microsoft.com/office/drawing/2014/main" xmlns="" id="{FB29A71E-1CB8-4485-B7A9-A1E8C39F6774}"/>
+                <a16:creationId xmlns:a16="http://schemas.microsoft.com/office/drawing/2014/main" id="{FB29A71E-1CB8-4485-B7A9-A1E8C39F6774}"/>
               </a:ext>
             </a:extLst>
           </p:cNvPr>
@@ -6455,7 +7256,7 @@
     </p:spTree>
     <p:extLst>
       <p:ext uri="{BB962C8B-B14F-4D97-AF65-F5344CB8AC3E}">
-        <p14:creationId xmlns:p14="http://schemas.microsoft.com/office/powerpoint/2010/main" xmlns="" val="4142731611"/>
+        <p14:creationId xmlns:p14="http://schemas.microsoft.com/office/powerpoint/2010/main" val="4142731611"/>
       </p:ext>
     </p:extLst>
   </p:cSld>
@@ -6487,7 +7288,7 @@
           <p:cNvPr id="2" name="TextBox 1">
             <a:extLst>
               <a:ext uri="{FF2B5EF4-FFF2-40B4-BE49-F238E27FC236}">
-                <a16:creationId xmlns:a16="http://schemas.microsoft.com/office/drawing/2014/main" xmlns="" id="{8DA34F60-C036-4B57-8DAB-1153FCC4B013}"/>
+                <a16:creationId xmlns:a16="http://schemas.microsoft.com/office/drawing/2014/main" id="{8DA34F60-C036-4B57-8DAB-1153FCC4B013}"/>
               </a:ext>
             </a:extLst>
           </p:cNvPr>
@@ -6519,7 +7320,7 @@
           <p:cNvPr id="3" name="TextBox 2">
             <a:extLst>
               <a:ext uri="{FF2B5EF4-FFF2-40B4-BE49-F238E27FC236}">
-                <a16:creationId xmlns:a16="http://schemas.microsoft.com/office/drawing/2014/main" xmlns="" id="{B544C6B0-EF6C-4250-91BF-FF09779362BA}"/>
+                <a16:creationId xmlns:a16="http://schemas.microsoft.com/office/drawing/2014/main" id="{B544C6B0-EF6C-4250-91BF-FF09779362BA}"/>
               </a:ext>
             </a:extLst>
           </p:cNvPr>
@@ -6569,7 +7370,7 @@
           <p:cNvPr id="5" name="TextBox 4">
             <a:extLst>
               <a:ext uri="{FF2B5EF4-FFF2-40B4-BE49-F238E27FC236}">
-                <a16:creationId xmlns:a16="http://schemas.microsoft.com/office/drawing/2014/main" xmlns="" id="{71212FCE-4877-450F-9633-F9048A38CCF7}"/>
+                <a16:creationId xmlns:a16="http://schemas.microsoft.com/office/drawing/2014/main" id="{71212FCE-4877-450F-9633-F9048A38CCF7}"/>
               </a:ext>
             </a:extLst>
           </p:cNvPr>
@@ -6611,7 +7412,7 @@
           <p:cNvPr id="6" name="Picture 5">
             <a:extLst>
               <a:ext uri="{FF2B5EF4-FFF2-40B4-BE49-F238E27FC236}">
-                <a16:creationId xmlns:a16="http://schemas.microsoft.com/office/drawing/2014/main" xmlns="" id="{360BC874-6D5C-400E-803C-8CDE1D04E0FE}"/>
+                <a16:creationId xmlns:a16="http://schemas.microsoft.com/office/drawing/2014/main" id="{360BC874-6D5C-400E-803C-8CDE1D04E0FE}"/>
               </a:ext>
             </a:extLst>
           </p:cNvPr>
@@ -6639,7 +7440,7 @@
     </p:spTree>
     <p:extLst>
       <p:ext uri="{BB962C8B-B14F-4D97-AF65-F5344CB8AC3E}">
-        <p14:creationId xmlns:p14="http://schemas.microsoft.com/office/powerpoint/2010/main" xmlns="" val="2219346209"/>
+        <p14:creationId xmlns:p14="http://schemas.microsoft.com/office/powerpoint/2010/main" val="2219346209"/>
       </p:ext>
     </p:extLst>
   </p:cSld>
@@ -6671,7 +7472,7 @@
           <p:cNvPr id="2" name="TextBox 1">
             <a:extLst>
               <a:ext uri="{FF2B5EF4-FFF2-40B4-BE49-F238E27FC236}">
-                <a16:creationId xmlns:a16="http://schemas.microsoft.com/office/drawing/2014/main" xmlns="" id="{8DA34F60-C036-4B57-8DAB-1153FCC4B013}"/>
+                <a16:creationId xmlns:a16="http://schemas.microsoft.com/office/drawing/2014/main" id="{8DA34F60-C036-4B57-8DAB-1153FCC4B013}"/>
               </a:ext>
             </a:extLst>
           </p:cNvPr>
@@ -6703,7 +7504,7 @@
           <p:cNvPr id="3" name="TextBox 2">
             <a:extLst>
               <a:ext uri="{FF2B5EF4-FFF2-40B4-BE49-F238E27FC236}">
-                <a16:creationId xmlns:a16="http://schemas.microsoft.com/office/drawing/2014/main" xmlns="" id="{B544C6B0-EF6C-4250-91BF-FF09779362BA}"/>
+                <a16:creationId xmlns:a16="http://schemas.microsoft.com/office/drawing/2014/main" id="{B544C6B0-EF6C-4250-91BF-FF09779362BA}"/>
               </a:ext>
             </a:extLst>
           </p:cNvPr>
@@ -6753,7 +7554,7 @@
           <p:cNvPr id="4" name="Picture 3">
             <a:extLst>
               <a:ext uri="{FF2B5EF4-FFF2-40B4-BE49-F238E27FC236}">
-                <a16:creationId xmlns:a16="http://schemas.microsoft.com/office/drawing/2014/main" xmlns="" id="{C60C186D-9A6C-455F-B568-D87CB97AF63E}"/>
+                <a16:creationId xmlns:a16="http://schemas.microsoft.com/office/drawing/2014/main" id="{C60C186D-9A6C-455F-B568-D87CB97AF63E}"/>
               </a:ext>
             </a:extLst>
           </p:cNvPr>
@@ -6781,7 +7582,7 @@
     </p:spTree>
     <p:extLst>
       <p:ext uri="{BB962C8B-B14F-4D97-AF65-F5344CB8AC3E}">
-        <p14:creationId xmlns:p14="http://schemas.microsoft.com/office/powerpoint/2010/main" xmlns="" val="1411206396"/>
+        <p14:creationId xmlns:p14="http://schemas.microsoft.com/office/powerpoint/2010/main" val="1411206396"/>
       </p:ext>
     </p:extLst>
   </p:cSld>
@@ -6813,7 +7614,7 @@
           <p:cNvPr id="2" name="TextBox 1">
             <a:extLst>
               <a:ext uri="{FF2B5EF4-FFF2-40B4-BE49-F238E27FC236}">
-                <a16:creationId xmlns:a16="http://schemas.microsoft.com/office/drawing/2014/main" xmlns="" id="{8DA34F60-C036-4B57-8DAB-1153FCC4B013}"/>
+                <a16:creationId xmlns:a16="http://schemas.microsoft.com/office/drawing/2014/main" id="{8DA34F60-C036-4B57-8DAB-1153FCC4B013}"/>
               </a:ext>
             </a:extLst>
           </p:cNvPr>
@@ -6845,7 +7646,7 @@
           <p:cNvPr id="3" name="TextBox 2">
             <a:extLst>
               <a:ext uri="{FF2B5EF4-FFF2-40B4-BE49-F238E27FC236}">
-                <a16:creationId xmlns:a16="http://schemas.microsoft.com/office/drawing/2014/main" xmlns="" id="{B544C6B0-EF6C-4250-91BF-FF09779362BA}"/>
+                <a16:creationId xmlns:a16="http://schemas.microsoft.com/office/drawing/2014/main" id="{B544C6B0-EF6C-4250-91BF-FF09779362BA}"/>
               </a:ext>
             </a:extLst>
           </p:cNvPr>
@@ -6895,7 +7696,7 @@
           <p:cNvPr id="4" name="Picture 3">
             <a:extLst>
               <a:ext uri="{FF2B5EF4-FFF2-40B4-BE49-F238E27FC236}">
-                <a16:creationId xmlns:a16="http://schemas.microsoft.com/office/drawing/2014/main" xmlns="" id="{D57C87F1-68AD-4C82-B863-3771DD261942}"/>
+                <a16:creationId xmlns:a16="http://schemas.microsoft.com/office/drawing/2014/main" id="{D57C87F1-68AD-4C82-B863-3771DD261942}"/>
               </a:ext>
             </a:extLst>
           </p:cNvPr>
@@ -6923,7 +7724,7 @@
     </p:spTree>
     <p:extLst>
       <p:ext uri="{BB962C8B-B14F-4D97-AF65-F5344CB8AC3E}">
-        <p14:creationId xmlns:p14="http://schemas.microsoft.com/office/powerpoint/2010/main" xmlns="" val="2783770015"/>
+        <p14:creationId xmlns:p14="http://schemas.microsoft.com/office/powerpoint/2010/main" val="2783770015"/>
       </p:ext>
     </p:extLst>
   </p:cSld>
@@ -6976,7 +7777,7 @@
     </a:clrScheme>
     <a:fontScheme name="Office">
       <a:majorFont>
-        <a:latin typeface="Calibri Light"/>
+        <a:latin typeface="Calibri Light" panose="020F0302020204030204"/>
         <a:ea typeface=""/>
         <a:cs typeface=""/>
         <a:font script="Jpan" typeface="游ゴシック Light"/>
@@ -7028,7 +7829,7 @@
         <a:font script="Tfng" typeface="Ebrima"/>
       </a:majorFont>
       <a:minorFont>
-        <a:latin typeface="Calibri"/>
+        <a:latin typeface="Calibri" panose="020F0502020204030204"/>
         <a:ea typeface=""/>
         <a:cs typeface=""/>
         <a:font script="Jpan" typeface="游ゴシック"/>
@@ -7222,7 +8023,7 @@
   <a:extraClrSchemeLst/>
   <a:extLst>
     <a:ext uri="{05A4C25C-085E-4340-85A3-A5531E510DB2}">
-      <thm15:themeFamily xmlns:thm15="http://schemas.microsoft.com/office/thememl/2012/main" xmlns="" name="Office Theme" id="{62F939B6-93AF-4DB8-9C6B-D6C7DFDC589F}" vid="{4A3C46E8-61CC-4603-A589-7422A47A8E4A}"/>
+      <thm15:themeFamily xmlns:thm15="http://schemas.microsoft.com/office/thememl/2012/main" name="Office Theme" id="{62F939B6-93AF-4DB8-9C6B-D6C7DFDC589F}" vid="{4A3C46E8-61CC-4603-A589-7422A47A8E4A}"/>
     </a:ext>
   </a:extLst>
 </a:theme>

--- a/DevOps.pptx
+++ b/DevOps.pptx
@@ -24,9 +24,12 @@
     <p:sldId id="273" r:id="rId18"/>
     <p:sldId id="274" r:id="rId19"/>
     <p:sldId id="275" r:id="rId20"/>
-    <p:sldId id="277" r:id="rId21"/>
-    <p:sldId id="276" r:id="rId22"/>
-    <p:sldId id="258" r:id="rId23"/>
+    <p:sldId id="279" r:id="rId21"/>
+    <p:sldId id="278" r:id="rId22"/>
+    <p:sldId id="277" r:id="rId23"/>
+    <p:sldId id="280" r:id="rId24"/>
+    <p:sldId id="281" r:id="rId25"/>
+    <p:sldId id="258" r:id="rId26"/>
   </p:sldIdLst>
   <p:sldSz cx="12192000" cy="6858000"/>
   <p:notesSz cx="6858000" cy="9144000"/>
@@ -127,7 +130,7 @@
   </p:defaultTextStyle>
   <p:extLst>
     <p:ext uri="{EFAFB233-063F-42B5-8137-9DF3F51BA10A}">
-      <p15:sldGuideLst xmlns:p15="http://schemas.microsoft.com/office/powerpoint/2012/main"/>
+      <p15:sldGuideLst xmlns:p15="http://schemas.microsoft.com/office/powerpoint/2012/main" xmlns=""/>
     </p:ext>
   </p:extLst>
 </p:presentation>
@@ -155,7 +158,7 @@
           <p:cNvPr id="2" name="Title 1">
             <a:extLst>
               <a:ext uri="{FF2B5EF4-FFF2-40B4-BE49-F238E27FC236}">
-                <a16:creationId xmlns:a16="http://schemas.microsoft.com/office/drawing/2014/main" id="{11334219-D3AB-41B2-8ADB-644EE7709C17}"/>
+                <a16:creationId xmlns:a16="http://schemas.microsoft.com/office/drawing/2014/main" xmlns="" id="{11334219-D3AB-41B2-8ADB-644EE7709C17}"/>
               </a:ext>
             </a:extLst>
           </p:cNvPr>
@@ -192,7 +195,7 @@
           <p:cNvPr id="3" name="Subtitle 2">
             <a:extLst>
               <a:ext uri="{FF2B5EF4-FFF2-40B4-BE49-F238E27FC236}">
-                <a16:creationId xmlns:a16="http://schemas.microsoft.com/office/drawing/2014/main" id="{95413D5A-B558-4E1E-A41A-E1A9FC472792}"/>
+                <a16:creationId xmlns:a16="http://schemas.microsoft.com/office/drawing/2014/main" xmlns="" id="{95413D5A-B558-4E1E-A41A-E1A9FC472792}"/>
               </a:ext>
             </a:extLst>
           </p:cNvPr>
@@ -262,7 +265,7 @@
           <p:cNvPr id="4" name="Date Placeholder 3">
             <a:extLst>
               <a:ext uri="{FF2B5EF4-FFF2-40B4-BE49-F238E27FC236}">
-                <a16:creationId xmlns:a16="http://schemas.microsoft.com/office/drawing/2014/main" id="{A690AC1A-AF18-4A14-9E8D-EB4B7B22D3B5}"/>
+                <a16:creationId xmlns:a16="http://schemas.microsoft.com/office/drawing/2014/main" xmlns="" id="{A690AC1A-AF18-4A14-9E8D-EB4B7B22D3B5}"/>
               </a:ext>
             </a:extLst>
           </p:cNvPr>
@@ -280,6 +283,7 @@
           <a:p>
             <a:fld id="{07C149BE-AC79-4548-8B96-E3E2494BEA7F}" type="datetimeFigureOut">
               <a:rPr lang="en-US" smtClean="0"/>
+              <a:pPr/>
               <a:t>5/30/2022</a:t>
             </a:fld>
             <a:endParaRPr lang="en-US"/>
@@ -291,7 +295,7 @@
           <p:cNvPr id="5" name="Footer Placeholder 4">
             <a:extLst>
               <a:ext uri="{FF2B5EF4-FFF2-40B4-BE49-F238E27FC236}">
-                <a16:creationId xmlns:a16="http://schemas.microsoft.com/office/drawing/2014/main" id="{FE625D2A-8362-4F07-B36B-0870C863ADF3}"/>
+                <a16:creationId xmlns:a16="http://schemas.microsoft.com/office/drawing/2014/main" xmlns="" id="{FE625D2A-8362-4F07-B36B-0870C863ADF3}"/>
               </a:ext>
             </a:extLst>
           </p:cNvPr>
@@ -316,7 +320,7 @@
           <p:cNvPr id="6" name="Slide Number Placeholder 5">
             <a:extLst>
               <a:ext uri="{FF2B5EF4-FFF2-40B4-BE49-F238E27FC236}">
-                <a16:creationId xmlns:a16="http://schemas.microsoft.com/office/drawing/2014/main" id="{1549429C-19E9-4F2C-B4FD-8F54CDD00E8B}"/>
+                <a16:creationId xmlns:a16="http://schemas.microsoft.com/office/drawing/2014/main" xmlns="" id="{1549429C-19E9-4F2C-B4FD-8F54CDD00E8B}"/>
               </a:ext>
             </a:extLst>
           </p:cNvPr>
@@ -334,6 +338,7 @@
           <a:p>
             <a:fld id="{D5B41888-593B-4C9A-883D-13341236B250}" type="slidenum">
               <a:rPr lang="en-US" smtClean="0"/>
+              <a:pPr/>
               <a:t>‹#›</a:t>
             </a:fld>
             <a:endParaRPr lang="en-US"/>
@@ -343,7 +348,7 @@
     </p:spTree>
     <p:extLst>
       <p:ext uri="{BB962C8B-B14F-4D97-AF65-F5344CB8AC3E}">
-        <p14:creationId xmlns:p14="http://schemas.microsoft.com/office/powerpoint/2010/main" val="795564747"/>
+        <p14:creationId xmlns:p14="http://schemas.microsoft.com/office/powerpoint/2010/main" xmlns="" val="795564747"/>
       </p:ext>
     </p:extLst>
   </p:cSld>
@@ -375,7 +380,7 @@
           <p:cNvPr id="2" name="Title 1">
             <a:extLst>
               <a:ext uri="{FF2B5EF4-FFF2-40B4-BE49-F238E27FC236}">
-                <a16:creationId xmlns:a16="http://schemas.microsoft.com/office/drawing/2014/main" id="{EDFFEACB-671B-4E99-90DE-FCA203D82464}"/>
+                <a16:creationId xmlns:a16="http://schemas.microsoft.com/office/drawing/2014/main" xmlns="" id="{EDFFEACB-671B-4E99-90DE-FCA203D82464}"/>
               </a:ext>
             </a:extLst>
           </p:cNvPr>
@@ -403,7 +408,7 @@
           <p:cNvPr id="3" name="Vertical Text Placeholder 2">
             <a:extLst>
               <a:ext uri="{FF2B5EF4-FFF2-40B4-BE49-F238E27FC236}">
-                <a16:creationId xmlns:a16="http://schemas.microsoft.com/office/drawing/2014/main" id="{5EBBDE48-CEA1-4233-8F0D-3609C5C8686C}"/>
+                <a16:creationId xmlns:a16="http://schemas.microsoft.com/office/drawing/2014/main" xmlns="" id="{5EBBDE48-CEA1-4233-8F0D-3609C5C8686C}"/>
               </a:ext>
             </a:extLst>
           </p:cNvPr>
@@ -460,7 +465,7 @@
           <p:cNvPr id="4" name="Date Placeholder 3">
             <a:extLst>
               <a:ext uri="{FF2B5EF4-FFF2-40B4-BE49-F238E27FC236}">
-                <a16:creationId xmlns:a16="http://schemas.microsoft.com/office/drawing/2014/main" id="{2E5C6FEC-E6F2-4DA5-830B-16AC04370781}"/>
+                <a16:creationId xmlns:a16="http://schemas.microsoft.com/office/drawing/2014/main" xmlns="" id="{2E5C6FEC-E6F2-4DA5-830B-16AC04370781}"/>
               </a:ext>
             </a:extLst>
           </p:cNvPr>
@@ -478,6 +483,7 @@
           <a:p>
             <a:fld id="{07C149BE-AC79-4548-8B96-E3E2494BEA7F}" type="datetimeFigureOut">
               <a:rPr lang="en-US" smtClean="0"/>
+              <a:pPr/>
               <a:t>5/30/2022</a:t>
             </a:fld>
             <a:endParaRPr lang="en-US"/>
@@ -489,7 +495,7 @@
           <p:cNvPr id="5" name="Footer Placeholder 4">
             <a:extLst>
               <a:ext uri="{FF2B5EF4-FFF2-40B4-BE49-F238E27FC236}">
-                <a16:creationId xmlns:a16="http://schemas.microsoft.com/office/drawing/2014/main" id="{33C34678-02FE-470D-8230-588A1EC87C80}"/>
+                <a16:creationId xmlns:a16="http://schemas.microsoft.com/office/drawing/2014/main" xmlns="" id="{33C34678-02FE-470D-8230-588A1EC87C80}"/>
               </a:ext>
             </a:extLst>
           </p:cNvPr>
@@ -514,7 +520,7 @@
           <p:cNvPr id="6" name="Slide Number Placeholder 5">
             <a:extLst>
               <a:ext uri="{FF2B5EF4-FFF2-40B4-BE49-F238E27FC236}">
-                <a16:creationId xmlns:a16="http://schemas.microsoft.com/office/drawing/2014/main" id="{DB95C7E1-CB97-4125-A4CF-1126A5676968}"/>
+                <a16:creationId xmlns:a16="http://schemas.microsoft.com/office/drawing/2014/main" xmlns="" id="{DB95C7E1-CB97-4125-A4CF-1126A5676968}"/>
               </a:ext>
             </a:extLst>
           </p:cNvPr>
@@ -532,6 +538,7 @@
           <a:p>
             <a:fld id="{D5B41888-593B-4C9A-883D-13341236B250}" type="slidenum">
               <a:rPr lang="en-US" smtClean="0"/>
+              <a:pPr/>
               <a:t>‹#›</a:t>
             </a:fld>
             <a:endParaRPr lang="en-US"/>
@@ -541,7 +548,7 @@
     </p:spTree>
     <p:extLst>
       <p:ext uri="{BB962C8B-B14F-4D97-AF65-F5344CB8AC3E}">
-        <p14:creationId xmlns:p14="http://schemas.microsoft.com/office/powerpoint/2010/main" val="652119031"/>
+        <p14:creationId xmlns:p14="http://schemas.microsoft.com/office/powerpoint/2010/main" xmlns="" val="652119031"/>
       </p:ext>
     </p:extLst>
   </p:cSld>
@@ -573,7 +580,7 @@
           <p:cNvPr id="2" name="Vertical Title 1">
             <a:extLst>
               <a:ext uri="{FF2B5EF4-FFF2-40B4-BE49-F238E27FC236}">
-                <a16:creationId xmlns:a16="http://schemas.microsoft.com/office/drawing/2014/main" id="{5F6B2C60-1B25-4BBB-B8DD-182CD312DF98}"/>
+                <a16:creationId xmlns:a16="http://schemas.microsoft.com/office/drawing/2014/main" xmlns="" id="{5F6B2C60-1B25-4BBB-B8DD-182CD312DF98}"/>
               </a:ext>
             </a:extLst>
           </p:cNvPr>
@@ -606,7 +613,7 @@
           <p:cNvPr id="3" name="Vertical Text Placeholder 2">
             <a:extLst>
               <a:ext uri="{FF2B5EF4-FFF2-40B4-BE49-F238E27FC236}">
-                <a16:creationId xmlns:a16="http://schemas.microsoft.com/office/drawing/2014/main" id="{DBD4EC11-F684-45FE-A670-6839F3BD1D01}"/>
+                <a16:creationId xmlns:a16="http://schemas.microsoft.com/office/drawing/2014/main" xmlns="" id="{DBD4EC11-F684-45FE-A670-6839F3BD1D01}"/>
               </a:ext>
             </a:extLst>
           </p:cNvPr>
@@ -668,7 +675,7 @@
           <p:cNvPr id="4" name="Date Placeholder 3">
             <a:extLst>
               <a:ext uri="{FF2B5EF4-FFF2-40B4-BE49-F238E27FC236}">
-                <a16:creationId xmlns:a16="http://schemas.microsoft.com/office/drawing/2014/main" id="{B6ADFE61-028C-4DF5-AB65-16A348AADBA3}"/>
+                <a16:creationId xmlns:a16="http://schemas.microsoft.com/office/drawing/2014/main" xmlns="" id="{B6ADFE61-028C-4DF5-AB65-16A348AADBA3}"/>
               </a:ext>
             </a:extLst>
           </p:cNvPr>
@@ -686,6 +693,7 @@
           <a:p>
             <a:fld id="{07C149BE-AC79-4548-8B96-E3E2494BEA7F}" type="datetimeFigureOut">
               <a:rPr lang="en-US" smtClean="0"/>
+              <a:pPr/>
               <a:t>5/30/2022</a:t>
             </a:fld>
             <a:endParaRPr lang="en-US"/>
@@ -697,7 +705,7 @@
           <p:cNvPr id="5" name="Footer Placeholder 4">
             <a:extLst>
               <a:ext uri="{FF2B5EF4-FFF2-40B4-BE49-F238E27FC236}">
-                <a16:creationId xmlns:a16="http://schemas.microsoft.com/office/drawing/2014/main" id="{F6690023-6460-406A-BFA3-91376048F033}"/>
+                <a16:creationId xmlns:a16="http://schemas.microsoft.com/office/drawing/2014/main" xmlns="" id="{F6690023-6460-406A-BFA3-91376048F033}"/>
               </a:ext>
             </a:extLst>
           </p:cNvPr>
@@ -722,7 +730,7 @@
           <p:cNvPr id="6" name="Slide Number Placeholder 5">
             <a:extLst>
               <a:ext uri="{FF2B5EF4-FFF2-40B4-BE49-F238E27FC236}">
-                <a16:creationId xmlns:a16="http://schemas.microsoft.com/office/drawing/2014/main" id="{141DF3AE-7E06-4D8F-B0BE-4A8B1C2210AF}"/>
+                <a16:creationId xmlns:a16="http://schemas.microsoft.com/office/drawing/2014/main" xmlns="" id="{141DF3AE-7E06-4D8F-B0BE-4A8B1C2210AF}"/>
               </a:ext>
             </a:extLst>
           </p:cNvPr>
@@ -740,6 +748,7 @@
           <a:p>
             <a:fld id="{D5B41888-593B-4C9A-883D-13341236B250}" type="slidenum">
               <a:rPr lang="en-US" smtClean="0"/>
+              <a:pPr/>
               <a:t>‹#›</a:t>
             </a:fld>
             <a:endParaRPr lang="en-US"/>
@@ -749,7 +758,7 @@
     </p:spTree>
     <p:extLst>
       <p:ext uri="{BB962C8B-B14F-4D97-AF65-F5344CB8AC3E}">
-        <p14:creationId xmlns:p14="http://schemas.microsoft.com/office/powerpoint/2010/main" val="2150503476"/>
+        <p14:creationId xmlns:p14="http://schemas.microsoft.com/office/powerpoint/2010/main" xmlns="" val="2150503476"/>
       </p:ext>
     </p:extLst>
   </p:cSld>
@@ -781,7 +790,7 @@
           <p:cNvPr id="2" name="Title 1">
             <a:extLst>
               <a:ext uri="{FF2B5EF4-FFF2-40B4-BE49-F238E27FC236}">
-                <a16:creationId xmlns:a16="http://schemas.microsoft.com/office/drawing/2014/main" id="{D1D68E82-B91F-4B08-82A6-5B478BD41DEE}"/>
+                <a16:creationId xmlns:a16="http://schemas.microsoft.com/office/drawing/2014/main" xmlns="" id="{D1D68E82-B91F-4B08-82A6-5B478BD41DEE}"/>
               </a:ext>
             </a:extLst>
           </p:cNvPr>
@@ -809,7 +818,7 @@
           <p:cNvPr id="3" name="Content Placeholder 2">
             <a:extLst>
               <a:ext uri="{FF2B5EF4-FFF2-40B4-BE49-F238E27FC236}">
-                <a16:creationId xmlns:a16="http://schemas.microsoft.com/office/drawing/2014/main" id="{4E0DD447-5B02-4B26-B6E8-D59B9E6C6E14}"/>
+                <a16:creationId xmlns:a16="http://schemas.microsoft.com/office/drawing/2014/main" xmlns="" id="{4E0DD447-5B02-4B26-B6E8-D59B9E6C6E14}"/>
               </a:ext>
             </a:extLst>
           </p:cNvPr>
@@ -866,7 +875,7 @@
           <p:cNvPr id="4" name="Date Placeholder 3">
             <a:extLst>
               <a:ext uri="{FF2B5EF4-FFF2-40B4-BE49-F238E27FC236}">
-                <a16:creationId xmlns:a16="http://schemas.microsoft.com/office/drawing/2014/main" id="{87AA1E80-2C38-45D7-82A0-F5815CA2CFDE}"/>
+                <a16:creationId xmlns:a16="http://schemas.microsoft.com/office/drawing/2014/main" xmlns="" id="{87AA1E80-2C38-45D7-82A0-F5815CA2CFDE}"/>
               </a:ext>
             </a:extLst>
           </p:cNvPr>
@@ -884,6 +893,7 @@
           <a:p>
             <a:fld id="{07C149BE-AC79-4548-8B96-E3E2494BEA7F}" type="datetimeFigureOut">
               <a:rPr lang="en-US" smtClean="0"/>
+              <a:pPr/>
               <a:t>5/30/2022</a:t>
             </a:fld>
             <a:endParaRPr lang="en-US"/>
@@ -895,7 +905,7 @@
           <p:cNvPr id="5" name="Footer Placeholder 4">
             <a:extLst>
               <a:ext uri="{FF2B5EF4-FFF2-40B4-BE49-F238E27FC236}">
-                <a16:creationId xmlns:a16="http://schemas.microsoft.com/office/drawing/2014/main" id="{ACEB29ED-FF33-419A-BA01-9E26545D9A03}"/>
+                <a16:creationId xmlns:a16="http://schemas.microsoft.com/office/drawing/2014/main" xmlns="" id="{ACEB29ED-FF33-419A-BA01-9E26545D9A03}"/>
               </a:ext>
             </a:extLst>
           </p:cNvPr>
@@ -920,7 +930,7 @@
           <p:cNvPr id="6" name="Slide Number Placeholder 5">
             <a:extLst>
               <a:ext uri="{FF2B5EF4-FFF2-40B4-BE49-F238E27FC236}">
-                <a16:creationId xmlns:a16="http://schemas.microsoft.com/office/drawing/2014/main" id="{DF00D132-37E7-49C6-9E8B-17AE4ECE0880}"/>
+                <a16:creationId xmlns:a16="http://schemas.microsoft.com/office/drawing/2014/main" xmlns="" id="{DF00D132-37E7-49C6-9E8B-17AE4ECE0880}"/>
               </a:ext>
             </a:extLst>
           </p:cNvPr>
@@ -938,6 +948,7 @@
           <a:p>
             <a:fld id="{D5B41888-593B-4C9A-883D-13341236B250}" type="slidenum">
               <a:rPr lang="en-US" smtClean="0"/>
+              <a:pPr/>
               <a:t>‹#›</a:t>
             </a:fld>
             <a:endParaRPr lang="en-US"/>
@@ -947,7 +958,7 @@
     </p:spTree>
     <p:extLst>
       <p:ext uri="{BB962C8B-B14F-4D97-AF65-F5344CB8AC3E}">
-        <p14:creationId xmlns:p14="http://schemas.microsoft.com/office/powerpoint/2010/main" val="3713423787"/>
+        <p14:creationId xmlns:p14="http://schemas.microsoft.com/office/powerpoint/2010/main" xmlns="" val="3713423787"/>
       </p:ext>
     </p:extLst>
   </p:cSld>
@@ -979,7 +990,7 @@
           <p:cNvPr id="2" name="Title 1">
             <a:extLst>
               <a:ext uri="{FF2B5EF4-FFF2-40B4-BE49-F238E27FC236}">
-                <a16:creationId xmlns:a16="http://schemas.microsoft.com/office/drawing/2014/main" id="{DF5FC28B-5CC4-48E9-BDE1-B169642EC31A}"/>
+                <a16:creationId xmlns:a16="http://schemas.microsoft.com/office/drawing/2014/main" xmlns="" id="{DF5FC28B-5CC4-48E9-BDE1-B169642EC31A}"/>
               </a:ext>
             </a:extLst>
           </p:cNvPr>
@@ -1016,7 +1027,7 @@
           <p:cNvPr id="3" name="Text Placeholder 2">
             <a:extLst>
               <a:ext uri="{FF2B5EF4-FFF2-40B4-BE49-F238E27FC236}">
-                <a16:creationId xmlns:a16="http://schemas.microsoft.com/office/drawing/2014/main" id="{FCA71FCE-28E1-457C-8703-C49B5EB0DD44}"/>
+                <a16:creationId xmlns:a16="http://schemas.microsoft.com/office/drawing/2014/main" xmlns="" id="{FCA71FCE-28E1-457C-8703-C49B5EB0DD44}"/>
               </a:ext>
             </a:extLst>
           </p:cNvPr>
@@ -1141,7 +1152,7 @@
           <p:cNvPr id="4" name="Date Placeholder 3">
             <a:extLst>
               <a:ext uri="{FF2B5EF4-FFF2-40B4-BE49-F238E27FC236}">
-                <a16:creationId xmlns:a16="http://schemas.microsoft.com/office/drawing/2014/main" id="{2C056420-8791-4343-B934-FEF438B6E8DA}"/>
+                <a16:creationId xmlns:a16="http://schemas.microsoft.com/office/drawing/2014/main" xmlns="" id="{2C056420-8791-4343-B934-FEF438B6E8DA}"/>
               </a:ext>
             </a:extLst>
           </p:cNvPr>
@@ -1159,6 +1170,7 @@
           <a:p>
             <a:fld id="{07C149BE-AC79-4548-8B96-E3E2494BEA7F}" type="datetimeFigureOut">
               <a:rPr lang="en-US" smtClean="0"/>
+              <a:pPr/>
               <a:t>5/30/2022</a:t>
             </a:fld>
             <a:endParaRPr lang="en-US"/>
@@ -1170,7 +1182,7 @@
           <p:cNvPr id="5" name="Footer Placeholder 4">
             <a:extLst>
               <a:ext uri="{FF2B5EF4-FFF2-40B4-BE49-F238E27FC236}">
-                <a16:creationId xmlns:a16="http://schemas.microsoft.com/office/drawing/2014/main" id="{1EEA5C3E-B0C4-41E0-837C-395B1EBC85AC}"/>
+                <a16:creationId xmlns:a16="http://schemas.microsoft.com/office/drawing/2014/main" xmlns="" id="{1EEA5C3E-B0C4-41E0-837C-395B1EBC85AC}"/>
               </a:ext>
             </a:extLst>
           </p:cNvPr>
@@ -1195,7 +1207,7 @@
           <p:cNvPr id="6" name="Slide Number Placeholder 5">
             <a:extLst>
               <a:ext uri="{FF2B5EF4-FFF2-40B4-BE49-F238E27FC236}">
-                <a16:creationId xmlns:a16="http://schemas.microsoft.com/office/drawing/2014/main" id="{C68A01E3-40E8-451A-8CDE-226B8C496FDC}"/>
+                <a16:creationId xmlns:a16="http://schemas.microsoft.com/office/drawing/2014/main" xmlns="" id="{C68A01E3-40E8-451A-8CDE-226B8C496FDC}"/>
               </a:ext>
             </a:extLst>
           </p:cNvPr>
@@ -1213,6 +1225,7 @@
           <a:p>
             <a:fld id="{D5B41888-593B-4C9A-883D-13341236B250}" type="slidenum">
               <a:rPr lang="en-US" smtClean="0"/>
+              <a:pPr/>
               <a:t>‹#›</a:t>
             </a:fld>
             <a:endParaRPr lang="en-US"/>
@@ -1222,7 +1235,7 @@
     </p:spTree>
     <p:extLst>
       <p:ext uri="{BB962C8B-B14F-4D97-AF65-F5344CB8AC3E}">
-        <p14:creationId xmlns:p14="http://schemas.microsoft.com/office/powerpoint/2010/main" val="3638162829"/>
+        <p14:creationId xmlns:p14="http://schemas.microsoft.com/office/powerpoint/2010/main" xmlns="" val="3638162829"/>
       </p:ext>
     </p:extLst>
   </p:cSld>
@@ -1254,7 +1267,7 @@
           <p:cNvPr id="2" name="Title 1">
             <a:extLst>
               <a:ext uri="{FF2B5EF4-FFF2-40B4-BE49-F238E27FC236}">
-                <a16:creationId xmlns:a16="http://schemas.microsoft.com/office/drawing/2014/main" id="{D0804C39-3520-497B-B728-36E8D7A09097}"/>
+                <a16:creationId xmlns:a16="http://schemas.microsoft.com/office/drawing/2014/main" xmlns="" id="{D0804C39-3520-497B-B728-36E8D7A09097}"/>
               </a:ext>
             </a:extLst>
           </p:cNvPr>
@@ -1282,7 +1295,7 @@
           <p:cNvPr id="3" name="Content Placeholder 2">
             <a:extLst>
               <a:ext uri="{FF2B5EF4-FFF2-40B4-BE49-F238E27FC236}">
-                <a16:creationId xmlns:a16="http://schemas.microsoft.com/office/drawing/2014/main" id="{D36DBC9B-1113-4517-8AAA-EC09A66ACB61}"/>
+                <a16:creationId xmlns:a16="http://schemas.microsoft.com/office/drawing/2014/main" xmlns="" id="{D36DBC9B-1113-4517-8AAA-EC09A66ACB61}"/>
               </a:ext>
             </a:extLst>
           </p:cNvPr>
@@ -1344,7 +1357,7 @@
           <p:cNvPr id="4" name="Content Placeholder 3">
             <a:extLst>
               <a:ext uri="{FF2B5EF4-FFF2-40B4-BE49-F238E27FC236}">
-                <a16:creationId xmlns:a16="http://schemas.microsoft.com/office/drawing/2014/main" id="{63199ED8-C916-4935-81E4-92A4AA331363}"/>
+                <a16:creationId xmlns:a16="http://schemas.microsoft.com/office/drawing/2014/main" xmlns="" id="{63199ED8-C916-4935-81E4-92A4AA331363}"/>
               </a:ext>
             </a:extLst>
           </p:cNvPr>
@@ -1406,7 +1419,7 @@
           <p:cNvPr id="5" name="Date Placeholder 4">
             <a:extLst>
               <a:ext uri="{FF2B5EF4-FFF2-40B4-BE49-F238E27FC236}">
-                <a16:creationId xmlns:a16="http://schemas.microsoft.com/office/drawing/2014/main" id="{978C82B4-CCDC-4969-955D-1C3DF5594292}"/>
+                <a16:creationId xmlns:a16="http://schemas.microsoft.com/office/drawing/2014/main" xmlns="" id="{978C82B4-CCDC-4969-955D-1C3DF5594292}"/>
               </a:ext>
             </a:extLst>
           </p:cNvPr>
@@ -1424,6 +1437,7 @@
           <a:p>
             <a:fld id="{07C149BE-AC79-4548-8B96-E3E2494BEA7F}" type="datetimeFigureOut">
               <a:rPr lang="en-US" smtClean="0"/>
+              <a:pPr/>
               <a:t>5/30/2022</a:t>
             </a:fld>
             <a:endParaRPr lang="en-US"/>
@@ -1435,7 +1449,7 @@
           <p:cNvPr id="6" name="Footer Placeholder 5">
             <a:extLst>
               <a:ext uri="{FF2B5EF4-FFF2-40B4-BE49-F238E27FC236}">
-                <a16:creationId xmlns:a16="http://schemas.microsoft.com/office/drawing/2014/main" id="{E435F21D-9875-4B44-9D30-2D24D0757376}"/>
+                <a16:creationId xmlns:a16="http://schemas.microsoft.com/office/drawing/2014/main" xmlns="" id="{E435F21D-9875-4B44-9D30-2D24D0757376}"/>
               </a:ext>
             </a:extLst>
           </p:cNvPr>
@@ -1460,7 +1474,7 @@
           <p:cNvPr id="7" name="Slide Number Placeholder 6">
             <a:extLst>
               <a:ext uri="{FF2B5EF4-FFF2-40B4-BE49-F238E27FC236}">
-                <a16:creationId xmlns:a16="http://schemas.microsoft.com/office/drawing/2014/main" id="{9D004062-54C1-4222-A6B6-A1E95B544192}"/>
+                <a16:creationId xmlns:a16="http://schemas.microsoft.com/office/drawing/2014/main" xmlns="" id="{9D004062-54C1-4222-A6B6-A1E95B544192}"/>
               </a:ext>
             </a:extLst>
           </p:cNvPr>
@@ -1478,6 +1492,7 @@
           <a:p>
             <a:fld id="{D5B41888-593B-4C9A-883D-13341236B250}" type="slidenum">
               <a:rPr lang="en-US" smtClean="0"/>
+              <a:pPr/>
               <a:t>‹#›</a:t>
             </a:fld>
             <a:endParaRPr lang="en-US"/>
@@ -1487,7 +1502,7 @@
     </p:spTree>
     <p:extLst>
       <p:ext uri="{BB962C8B-B14F-4D97-AF65-F5344CB8AC3E}">
-        <p14:creationId xmlns:p14="http://schemas.microsoft.com/office/powerpoint/2010/main" val="398648364"/>
+        <p14:creationId xmlns:p14="http://schemas.microsoft.com/office/powerpoint/2010/main" xmlns="" val="398648364"/>
       </p:ext>
     </p:extLst>
   </p:cSld>
@@ -1519,7 +1534,7 @@
           <p:cNvPr id="2" name="Title 1">
             <a:extLst>
               <a:ext uri="{FF2B5EF4-FFF2-40B4-BE49-F238E27FC236}">
-                <a16:creationId xmlns:a16="http://schemas.microsoft.com/office/drawing/2014/main" id="{16565F24-44A1-4474-A897-5458FE40457A}"/>
+                <a16:creationId xmlns:a16="http://schemas.microsoft.com/office/drawing/2014/main" xmlns="" id="{16565F24-44A1-4474-A897-5458FE40457A}"/>
               </a:ext>
             </a:extLst>
           </p:cNvPr>
@@ -1552,7 +1567,7 @@
           <p:cNvPr id="3" name="Text Placeholder 2">
             <a:extLst>
               <a:ext uri="{FF2B5EF4-FFF2-40B4-BE49-F238E27FC236}">
-                <a16:creationId xmlns:a16="http://schemas.microsoft.com/office/drawing/2014/main" id="{EAB450F1-61A6-481D-90C9-AB4F610628D0}"/>
+                <a16:creationId xmlns:a16="http://schemas.microsoft.com/office/drawing/2014/main" xmlns="" id="{EAB450F1-61A6-481D-90C9-AB4F610628D0}"/>
               </a:ext>
             </a:extLst>
           </p:cNvPr>
@@ -1623,7 +1638,7 @@
           <p:cNvPr id="4" name="Content Placeholder 3">
             <a:extLst>
               <a:ext uri="{FF2B5EF4-FFF2-40B4-BE49-F238E27FC236}">
-                <a16:creationId xmlns:a16="http://schemas.microsoft.com/office/drawing/2014/main" id="{04CD3414-E418-4FCD-90B2-88DF359CF349}"/>
+                <a16:creationId xmlns:a16="http://schemas.microsoft.com/office/drawing/2014/main" xmlns="" id="{04CD3414-E418-4FCD-90B2-88DF359CF349}"/>
               </a:ext>
             </a:extLst>
           </p:cNvPr>
@@ -1685,7 +1700,7 @@
           <p:cNvPr id="5" name="Text Placeholder 4">
             <a:extLst>
               <a:ext uri="{FF2B5EF4-FFF2-40B4-BE49-F238E27FC236}">
-                <a16:creationId xmlns:a16="http://schemas.microsoft.com/office/drawing/2014/main" id="{64F705CD-D52B-4D91-BF40-B15961189A60}"/>
+                <a16:creationId xmlns:a16="http://schemas.microsoft.com/office/drawing/2014/main" xmlns="" id="{64F705CD-D52B-4D91-BF40-B15961189A60}"/>
               </a:ext>
             </a:extLst>
           </p:cNvPr>
@@ -1756,7 +1771,7 @@
           <p:cNvPr id="6" name="Content Placeholder 5">
             <a:extLst>
               <a:ext uri="{FF2B5EF4-FFF2-40B4-BE49-F238E27FC236}">
-                <a16:creationId xmlns:a16="http://schemas.microsoft.com/office/drawing/2014/main" id="{817FBBFE-BF97-4614-8310-72E7BE74C89C}"/>
+                <a16:creationId xmlns:a16="http://schemas.microsoft.com/office/drawing/2014/main" xmlns="" id="{817FBBFE-BF97-4614-8310-72E7BE74C89C}"/>
               </a:ext>
             </a:extLst>
           </p:cNvPr>
@@ -1818,7 +1833,7 @@
           <p:cNvPr id="7" name="Date Placeholder 6">
             <a:extLst>
               <a:ext uri="{FF2B5EF4-FFF2-40B4-BE49-F238E27FC236}">
-                <a16:creationId xmlns:a16="http://schemas.microsoft.com/office/drawing/2014/main" id="{9BAE9B3E-67CF-4238-AA8C-573C476A8148}"/>
+                <a16:creationId xmlns:a16="http://schemas.microsoft.com/office/drawing/2014/main" xmlns="" id="{9BAE9B3E-67CF-4238-AA8C-573C476A8148}"/>
               </a:ext>
             </a:extLst>
           </p:cNvPr>
@@ -1836,6 +1851,7 @@
           <a:p>
             <a:fld id="{07C149BE-AC79-4548-8B96-E3E2494BEA7F}" type="datetimeFigureOut">
               <a:rPr lang="en-US" smtClean="0"/>
+              <a:pPr/>
               <a:t>5/30/2022</a:t>
             </a:fld>
             <a:endParaRPr lang="en-US"/>
@@ -1847,7 +1863,7 @@
           <p:cNvPr id="8" name="Footer Placeholder 7">
             <a:extLst>
               <a:ext uri="{FF2B5EF4-FFF2-40B4-BE49-F238E27FC236}">
-                <a16:creationId xmlns:a16="http://schemas.microsoft.com/office/drawing/2014/main" id="{AAF1C478-AA43-41B1-A0FA-2EA3E8AC03E1}"/>
+                <a16:creationId xmlns:a16="http://schemas.microsoft.com/office/drawing/2014/main" xmlns="" id="{AAF1C478-AA43-41B1-A0FA-2EA3E8AC03E1}"/>
               </a:ext>
             </a:extLst>
           </p:cNvPr>
@@ -1872,7 +1888,7 @@
           <p:cNvPr id="9" name="Slide Number Placeholder 8">
             <a:extLst>
               <a:ext uri="{FF2B5EF4-FFF2-40B4-BE49-F238E27FC236}">
-                <a16:creationId xmlns:a16="http://schemas.microsoft.com/office/drawing/2014/main" id="{39D11F40-FE32-4B11-8D8B-858985BDB255}"/>
+                <a16:creationId xmlns:a16="http://schemas.microsoft.com/office/drawing/2014/main" xmlns="" id="{39D11F40-FE32-4B11-8D8B-858985BDB255}"/>
               </a:ext>
             </a:extLst>
           </p:cNvPr>
@@ -1890,6 +1906,7 @@
           <a:p>
             <a:fld id="{D5B41888-593B-4C9A-883D-13341236B250}" type="slidenum">
               <a:rPr lang="en-US" smtClean="0"/>
+              <a:pPr/>
               <a:t>‹#›</a:t>
             </a:fld>
             <a:endParaRPr lang="en-US"/>
@@ -1899,7 +1916,7 @@
     </p:spTree>
     <p:extLst>
       <p:ext uri="{BB962C8B-B14F-4D97-AF65-F5344CB8AC3E}">
-        <p14:creationId xmlns:p14="http://schemas.microsoft.com/office/powerpoint/2010/main" val="3611413196"/>
+        <p14:creationId xmlns:p14="http://schemas.microsoft.com/office/powerpoint/2010/main" xmlns="" val="3611413196"/>
       </p:ext>
     </p:extLst>
   </p:cSld>
@@ -1931,7 +1948,7 @@
           <p:cNvPr id="2" name="Title 1">
             <a:extLst>
               <a:ext uri="{FF2B5EF4-FFF2-40B4-BE49-F238E27FC236}">
-                <a16:creationId xmlns:a16="http://schemas.microsoft.com/office/drawing/2014/main" id="{9A3B2D40-1278-47A7-B00B-BEAEB10D7449}"/>
+                <a16:creationId xmlns:a16="http://schemas.microsoft.com/office/drawing/2014/main" xmlns="" id="{9A3B2D40-1278-47A7-B00B-BEAEB10D7449}"/>
               </a:ext>
             </a:extLst>
           </p:cNvPr>
@@ -1959,7 +1976,7 @@
           <p:cNvPr id="3" name="Date Placeholder 2">
             <a:extLst>
               <a:ext uri="{FF2B5EF4-FFF2-40B4-BE49-F238E27FC236}">
-                <a16:creationId xmlns:a16="http://schemas.microsoft.com/office/drawing/2014/main" id="{51ACC5B6-3F4F-4E29-8FBA-EE5ABDF6610C}"/>
+                <a16:creationId xmlns:a16="http://schemas.microsoft.com/office/drawing/2014/main" xmlns="" id="{51ACC5B6-3F4F-4E29-8FBA-EE5ABDF6610C}"/>
               </a:ext>
             </a:extLst>
           </p:cNvPr>
@@ -1977,6 +1994,7 @@
           <a:p>
             <a:fld id="{07C149BE-AC79-4548-8B96-E3E2494BEA7F}" type="datetimeFigureOut">
               <a:rPr lang="en-US" smtClean="0"/>
+              <a:pPr/>
               <a:t>5/30/2022</a:t>
             </a:fld>
             <a:endParaRPr lang="en-US"/>
@@ -1988,7 +2006,7 @@
           <p:cNvPr id="4" name="Footer Placeholder 3">
             <a:extLst>
               <a:ext uri="{FF2B5EF4-FFF2-40B4-BE49-F238E27FC236}">
-                <a16:creationId xmlns:a16="http://schemas.microsoft.com/office/drawing/2014/main" id="{694B7179-4429-4A90-B9E3-20F804747E03}"/>
+                <a16:creationId xmlns:a16="http://schemas.microsoft.com/office/drawing/2014/main" xmlns="" id="{694B7179-4429-4A90-B9E3-20F804747E03}"/>
               </a:ext>
             </a:extLst>
           </p:cNvPr>
@@ -2013,7 +2031,7 @@
           <p:cNvPr id="5" name="Slide Number Placeholder 4">
             <a:extLst>
               <a:ext uri="{FF2B5EF4-FFF2-40B4-BE49-F238E27FC236}">
-                <a16:creationId xmlns:a16="http://schemas.microsoft.com/office/drawing/2014/main" id="{C866BDC4-B09E-4ACA-924E-7346BBA9833C}"/>
+                <a16:creationId xmlns:a16="http://schemas.microsoft.com/office/drawing/2014/main" xmlns="" id="{C866BDC4-B09E-4ACA-924E-7346BBA9833C}"/>
               </a:ext>
             </a:extLst>
           </p:cNvPr>
@@ -2031,6 +2049,7 @@
           <a:p>
             <a:fld id="{D5B41888-593B-4C9A-883D-13341236B250}" type="slidenum">
               <a:rPr lang="en-US" smtClean="0"/>
+              <a:pPr/>
               <a:t>‹#›</a:t>
             </a:fld>
             <a:endParaRPr lang="en-US"/>
@@ -2040,7 +2059,7 @@
     </p:spTree>
     <p:extLst>
       <p:ext uri="{BB962C8B-B14F-4D97-AF65-F5344CB8AC3E}">
-        <p14:creationId xmlns:p14="http://schemas.microsoft.com/office/powerpoint/2010/main" val="65293535"/>
+        <p14:creationId xmlns:p14="http://schemas.microsoft.com/office/powerpoint/2010/main" xmlns="" val="65293535"/>
       </p:ext>
     </p:extLst>
   </p:cSld>
@@ -2072,7 +2091,7 @@
           <p:cNvPr id="2" name="Date Placeholder 1">
             <a:extLst>
               <a:ext uri="{FF2B5EF4-FFF2-40B4-BE49-F238E27FC236}">
-                <a16:creationId xmlns:a16="http://schemas.microsoft.com/office/drawing/2014/main" id="{52EDBB9C-D01C-43DC-BF39-7AE024622638}"/>
+                <a16:creationId xmlns:a16="http://schemas.microsoft.com/office/drawing/2014/main" xmlns="" id="{52EDBB9C-D01C-43DC-BF39-7AE024622638}"/>
               </a:ext>
             </a:extLst>
           </p:cNvPr>
@@ -2090,6 +2109,7 @@
           <a:p>
             <a:fld id="{07C149BE-AC79-4548-8B96-E3E2494BEA7F}" type="datetimeFigureOut">
               <a:rPr lang="en-US" smtClean="0"/>
+              <a:pPr/>
               <a:t>5/30/2022</a:t>
             </a:fld>
             <a:endParaRPr lang="en-US"/>
@@ -2101,7 +2121,7 @@
           <p:cNvPr id="3" name="Footer Placeholder 2">
             <a:extLst>
               <a:ext uri="{FF2B5EF4-FFF2-40B4-BE49-F238E27FC236}">
-                <a16:creationId xmlns:a16="http://schemas.microsoft.com/office/drawing/2014/main" id="{EFC6F569-BF4D-4312-B5F7-95C63D994C34}"/>
+                <a16:creationId xmlns:a16="http://schemas.microsoft.com/office/drawing/2014/main" xmlns="" id="{EFC6F569-BF4D-4312-B5F7-95C63D994C34}"/>
               </a:ext>
             </a:extLst>
           </p:cNvPr>
@@ -2126,7 +2146,7 @@
           <p:cNvPr id="4" name="Slide Number Placeholder 3">
             <a:extLst>
               <a:ext uri="{FF2B5EF4-FFF2-40B4-BE49-F238E27FC236}">
-                <a16:creationId xmlns:a16="http://schemas.microsoft.com/office/drawing/2014/main" id="{05A678D3-D636-48A7-96B4-4DF65FC5E633}"/>
+                <a16:creationId xmlns:a16="http://schemas.microsoft.com/office/drawing/2014/main" xmlns="" id="{05A678D3-D636-48A7-96B4-4DF65FC5E633}"/>
               </a:ext>
             </a:extLst>
           </p:cNvPr>
@@ -2144,6 +2164,7 @@
           <a:p>
             <a:fld id="{D5B41888-593B-4C9A-883D-13341236B250}" type="slidenum">
               <a:rPr lang="en-US" smtClean="0"/>
+              <a:pPr/>
               <a:t>‹#›</a:t>
             </a:fld>
             <a:endParaRPr lang="en-US"/>
@@ -2153,7 +2174,7 @@
     </p:spTree>
     <p:extLst>
       <p:ext uri="{BB962C8B-B14F-4D97-AF65-F5344CB8AC3E}">
-        <p14:creationId xmlns:p14="http://schemas.microsoft.com/office/powerpoint/2010/main" val="1971089693"/>
+        <p14:creationId xmlns:p14="http://schemas.microsoft.com/office/powerpoint/2010/main" xmlns="" val="1971089693"/>
       </p:ext>
     </p:extLst>
   </p:cSld>
@@ -2185,7 +2206,7 @@
           <p:cNvPr id="2" name="Title 1">
             <a:extLst>
               <a:ext uri="{FF2B5EF4-FFF2-40B4-BE49-F238E27FC236}">
-                <a16:creationId xmlns:a16="http://schemas.microsoft.com/office/drawing/2014/main" id="{33DA4A39-68CC-488B-B2E1-095F40173249}"/>
+                <a16:creationId xmlns:a16="http://schemas.microsoft.com/office/drawing/2014/main" xmlns="" id="{33DA4A39-68CC-488B-B2E1-095F40173249}"/>
               </a:ext>
             </a:extLst>
           </p:cNvPr>
@@ -2222,7 +2243,7 @@
           <p:cNvPr id="3" name="Content Placeholder 2">
             <a:extLst>
               <a:ext uri="{FF2B5EF4-FFF2-40B4-BE49-F238E27FC236}">
-                <a16:creationId xmlns:a16="http://schemas.microsoft.com/office/drawing/2014/main" id="{A9B2EB30-FE99-4029-A9D4-C2DB0D87C9EA}"/>
+                <a16:creationId xmlns:a16="http://schemas.microsoft.com/office/drawing/2014/main" xmlns="" id="{A9B2EB30-FE99-4029-A9D4-C2DB0D87C9EA}"/>
               </a:ext>
             </a:extLst>
           </p:cNvPr>
@@ -2312,7 +2333,7 @@
           <p:cNvPr id="4" name="Text Placeholder 3">
             <a:extLst>
               <a:ext uri="{FF2B5EF4-FFF2-40B4-BE49-F238E27FC236}">
-                <a16:creationId xmlns:a16="http://schemas.microsoft.com/office/drawing/2014/main" id="{E8DFD7CF-5764-42CB-B5FF-12BD892D678E}"/>
+                <a16:creationId xmlns:a16="http://schemas.microsoft.com/office/drawing/2014/main" xmlns="" id="{E8DFD7CF-5764-42CB-B5FF-12BD892D678E}"/>
               </a:ext>
             </a:extLst>
           </p:cNvPr>
@@ -2383,7 +2404,7 @@
           <p:cNvPr id="5" name="Date Placeholder 4">
             <a:extLst>
               <a:ext uri="{FF2B5EF4-FFF2-40B4-BE49-F238E27FC236}">
-                <a16:creationId xmlns:a16="http://schemas.microsoft.com/office/drawing/2014/main" id="{E0FA76F1-D39D-413C-A743-E5997E592E5B}"/>
+                <a16:creationId xmlns:a16="http://schemas.microsoft.com/office/drawing/2014/main" xmlns="" id="{E0FA76F1-D39D-413C-A743-E5997E592E5B}"/>
               </a:ext>
             </a:extLst>
           </p:cNvPr>
@@ -2401,6 +2422,7 @@
           <a:p>
             <a:fld id="{07C149BE-AC79-4548-8B96-E3E2494BEA7F}" type="datetimeFigureOut">
               <a:rPr lang="en-US" smtClean="0"/>
+              <a:pPr/>
               <a:t>5/30/2022</a:t>
             </a:fld>
             <a:endParaRPr lang="en-US"/>
@@ -2412,7 +2434,7 @@
           <p:cNvPr id="6" name="Footer Placeholder 5">
             <a:extLst>
               <a:ext uri="{FF2B5EF4-FFF2-40B4-BE49-F238E27FC236}">
-                <a16:creationId xmlns:a16="http://schemas.microsoft.com/office/drawing/2014/main" id="{6EDAF82F-4212-4499-8FC7-105FA6E5D4E7}"/>
+                <a16:creationId xmlns:a16="http://schemas.microsoft.com/office/drawing/2014/main" xmlns="" id="{6EDAF82F-4212-4499-8FC7-105FA6E5D4E7}"/>
               </a:ext>
             </a:extLst>
           </p:cNvPr>
@@ -2437,7 +2459,7 @@
           <p:cNvPr id="7" name="Slide Number Placeholder 6">
             <a:extLst>
               <a:ext uri="{FF2B5EF4-FFF2-40B4-BE49-F238E27FC236}">
-                <a16:creationId xmlns:a16="http://schemas.microsoft.com/office/drawing/2014/main" id="{1BE13BF2-8B19-4998-BD28-0B70072A8D6D}"/>
+                <a16:creationId xmlns:a16="http://schemas.microsoft.com/office/drawing/2014/main" xmlns="" id="{1BE13BF2-8B19-4998-BD28-0B70072A8D6D}"/>
               </a:ext>
             </a:extLst>
           </p:cNvPr>
@@ -2455,6 +2477,7 @@
           <a:p>
             <a:fld id="{D5B41888-593B-4C9A-883D-13341236B250}" type="slidenum">
               <a:rPr lang="en-US" smtClean="0"/>
+              <a:pPr/>
               <a:t>‹#›</a:t>
             </a:fld>
             <a:endParaRPr lang="en-US"/>
@@ -2464,7 +2487,7 @@
     </p:spTree>
     <p:extLst>
       <p:ext uri="{BB962C8B-B14F-4D97-AF65-F5344CB8AC3E}">
-        <p14:creationId xmlns:p14="http://schemas.microsoft.com/office/powerpoint/2010/main" val="2704192708"/>
+        <p14:creationId xmlns:p14="http://schemas.microsoft.com/office/powerpoint/2010/main" xmlns="" val="2704192708"/>
       </p:ext>
     </p:extLst>
   </p:cSld>
@@ -2496,7 +2519,7 @@
           <p:cNvPr id="2" name="Title 1">
             <a:extLst>
               <a:ext uri="{FF2B5EF4-FFF2-40B4-BE49-F238E27FC236}">
-                <a16:creationId xmlns:a16="http://schemas.microsoft.com/office/drawing/2014/main" id="{DC1643C1-50D4-4368-8A3F-8AD61FB07FFA}"/>
+                <a16:creationId xmlns:a16="http://schemas.microsoft.com/office/drawing/2014/main" xmlns="" id="{DC1643C1-50D4-4368-8A3F-8AD61FB07FFA}"/>
               </a:ext>
             </a:extLst>
           </p:cNvPr>
@@ -2533,7 +2556,7 @@
           <p:cNvPr id="3" name="Picture Placeholder 2">
             <a:extLst>
               <a:ext uri="{FF2B5EF4-FFF2-40B4-BE49-F238E27FC236}">
-                <a16:creationId xmlns:a16="http://schemas.microsoft.com/office/drawing/2014/main" id="{A37CC594-CED6-4BC1-9787-C13121E617AF}"/>
+                <a16:creationId xmlns:a16="http://schemas.microsoft.com/office/drawing/2014/main" xmlns="" id="{A37CC594-CED6-4BC1-9787-C13121E617AF}"/>
               </a:ext>
             </a:extLst>
           </p:cNvPr>
@@ -2600,7 +2623,7 @@
           <p:cNvPr id="4" name="Text Placeholder 3">
             <a:extLst>
               <a:ext uri="{FF2B5EF4-FFF2-40B4-BE49-F238E27FC236}">
-                <a16:creationId xmlns:a16="http://schemas.microsoft.com/office/drawing/2014/main" id="{D963BFA9-E985-47A5-A187-5582E2D24CEF}"/>
+                <a16:creationId xmlns:a16="http://schemas.microsoft.com/office/drawing/2014/main" xmlns="" id="{D963BFA9-E985-47A5-A187-5582E2D24CEF}"/>
               </a:ext>
             </a:extLst>
           </p:cNvPr>
@@ -2671,7 +2694,7 @@
           <p:cNvPr id="5" name="Date Placeholder 4">
             <a:extLst>
               <a:ext uri="{FF2B5EF4-FFF2-40B4-BE49-F238E27FC236}">
-                <a16:creationId xmlns:a16="http://schemas.microsoft.com/office/drawing/2014/main" id="{05B04AFB-0592-446C-9C8F-BBCEAC1B4CE2}"/>
+                <a16:creationId xmlns:a16="http://schemas.microsoft.com/office/drawing/2014/main" xmlns="" id="{05B04AFB-0592-446C-9C8F-BBCEAC1B4CE2}"/>
               </a:ext>
             </a:extLst>
           </p:cNvPr>
@@ -2689,6 +2712,7 @@
           <a:p>
             <a:fld id="{07C149BE-AC79-4548-8B96-E3E2494BEA7F}" type="datetimeFigureOut">
               <a:rPr lang="en-US" smtClean="0"/>
+              <a:pPr/>
               <a:t>5/30/2022</a:t>
             </a:fld>
             <a:endParaRPr lang="en-US"/>
@@ -2700,7 +2724,7 @@
           <p:cNvPr id="6" name="Footer Placeholder 5">
             <a:extLst>
               <a:ext uri="{FF2B5EF4-FFF2-40B4-BE49-F238E27FC236}">
-                <a16:creationId xmlns:a16="http://schemas.microsoft.com/office/drawing/2014/main" id="{C83F3E0B-D30B-467E-821E-44CFA91419E1}"/>
+                <a16:creationId xmlns:a16="http://schemas.microsoft.com/office/drawing/2014/main" xmlns="" id="{C83F3E0B-D30B-467E-821E-44CFA91419E1}"/>
               </a:ext>
             </a:extLst>
           </p:cNvPr>
@@ -2725,7 +2749,7 @@
           <p:cNvPr id="7" name="Slide Number Placeholder 6">
             <a:extLst>
               <a:ext uri="{FF2B5EF4-FFF2-40B4-BE49-F238E27FC236}">
-                <a16:creationId xmlns:a16="http://schemas.microsoft.com/office/drawing/2014/main" id="{8927534D-FB98-40EB-B1E6-33B94173D12A}"/>
+                <a16:creationId xmlns:a16="http://schemas.microsoft.com/office/drawing/2014/main" xmlns="" id="{8927534D-FB98-40EB-B1E6-33B94173D12A}"/>
               </a:ext>
             </a:extLst>
           </p:cNvPr>
@@ -2743,6 +2767,7 @@
           <a:p>
             <a:fld id="{D5B41888-593B-4C9A-883D-13341236B250}" type="slidenum">
               <a:rPr lang="en-US" smtClean="0"/>
+              <a:pPr/>
               <a:t>‹#›</a:t>
             </a:fld>
             <a:endParaRPr lang="en-US"/>
@@ -2752,7 +2777,7 @@
     </p:spTree>
     <p:extLst>
       <p:ext uri="{BB962C8B-B14F-4D97-AF65-F5344CB8AC3E}">
-        <p14:creationId xmlns:p14="http://schemas.microsoft.com/office/powerpoint/2010/main" val="1278080938"/>
+        <p14:creationId xmlns:p14="http://schemas.microsoft.com/office/powerpoint/2010/main" xmlns="" val="1278080938"/>
       </p:ext>
     </p:extLst>
   </p:cSld>
@@ -2789,7 +2814,7 @@
           <p:cNvPr id="2" name="Title Placeholder 1">
             <a:extLst>
               <a:ext uri="{FF2B5EF4-FFF2-40B4-BE49-F238E27FC236}">
-                <a16:creationId xmlns:a16="http://schemas.microsoft.com/office/drawing/2014/main" id="{852422CA-C0EA-4719-9777-D1F04F93DE16}"/>
+                <a16:creationId xmlns:a16="http://schemas.microsoft.com/office/drawing/2014/main" xmlns="" id="{852422CA-C0EA-4719-9777-D1F04F93DE16}"/>
               </a:ext>
             </a:extLst>
           </p:cNvPr>
@@ -2827,7 +2852,7 @@
           <p:cNvPr id="3" name="Text Placeholder 2">
             <a:extLst>
               <a:ext uri="{FF2B5EF4-FFF2-40B4-BE49-F238E27FC236}">
-                <a16:creationId xmlns:a16="http://schemas.microsoft.com/office/drawing/2014/main" id="{8153B004-3B3D-41A5-9173-314908540CD8}"/>
+                <a16:creationId xmlns:a16="http://schemas.microsoft.com/office/drawing/2014/main" xmlns="" id="{8153B004-3B3D-41A5-9173-314908540CD8}"/>
               </a:ext>
             </a:extLst>
           </p:cNvPr>
@@ -2894,7 +2919,7 @@
           <p:cNvPr id="4" name="Date Placeholder 3">
             <a:extLst>
               <a:ext uri="{FF2B5EF4-FFF2-40B4-BE49-F238E27FC236}">
-                <a16:creationId xmlns:a16="http://schemas.microsoft.com/office/drawing/2014/main" id="{A89CE9E8-C902-4953-9D45-52329A2CBE10}"/>
+                <a16:creationId xmlns:a16="http://schemas.microsoft.com/office/drawing/2014/main" xmlns="" id="{A89CE9E8-C902-4953-9D45-52329A2CBE10}"/>
               </a:ext>
             </a:extLst>
           </p:cNvPr>
@@ -2930,6 +2955,7 @@
           <a:p>
             <a:fld id="{07C149BE-AC79-4548-8B96-E3E2494BEA7F}" type="datetimeFigureOut">
               <a:rPr lang="en-US" smtClean="0"/>
+              <a:pPr/>
               <a:t>5/30/2022</a:t>
             </a:fld>
             <a:endParaRPr lang="en-US"/>
@@ -2941,7 +2967,7 @@
           <p:cNvPr id="5" name="Footer Placeholder 4">
             <a:extLst>
               <a:ext uri="{FF2B5EF4-FFF2-40B4-BE49-F238E27FC236}">
-                <a16:creationId xmlns:a16="http://schemas.microsoft.com/office/drawing/2014/main" id="{529C69BF-04D0-43A8-8ED3-9E44BDFD8678}"/>
+                <a16:creationId xmlns:a16="http://schemas.microsoft.com/office/drawing/2014/main" xmlns="" id="{529C69BF-04D0-43A8-8ED3-9E44BDFD8678}"/>
               </a:ext>
             </a:extLst>
           </p:cNvPr>
@@ -2984,7 +3010,7 @@
           <p:cNvPr id="6" name="Slide Number Placeholder 5">
             <a:extLst>
               <a:ext uri="{FF2B5EF4-FFF2-40B4-BE49-F238E27FC236}">
-                <a16:creationId xmlns:a16="http://schemas.microsoft.com/office/drawing/2014/main" id="{E539C80B-D141-48A1-B602-0CFBFD20E28C}"/>
+                <a16:creationId xmlns:a16="http://schemas.microsoft.com/office/drawing/2014/main" xmlns="" id="{E539C80B-D141-48A1-B602-0CFBFD20E28C}"/>
               </a:ext>
             </a:extLst>
           </p:cNvPr>
@@ -3020,6 +3046,7 @@
           <a:p>
             <a:fld id="{D5B41888-593B-4C9A-883D-13341236B250}" type="slidenum">
               <a:rPr lang="en-US" smtClean="0"/>
+              <a:pPr/>
               <a:t>‹#›</a:t>
             </a:fld>
             <a:endParaRPr lang="en-US"/>
@@ -3029,7 +3056,7 @@
     </p:spTree>
     <p:extLst>
       <p:ext uri="{BB962C8B-B14F-4D97-AF65-F5344CB8AC3E}">
-        <p14:creationId xmlns:p14="http://schemas.microsoft.com/office/powerpoint/2010/main" val="2670624358"/>
+        <p14:creationId xmlns:p14="http://schemas.microsoft.com/office/powerpoint/2010/main" xmlns="" val="2670624358"/>
       </p:ext>
     </p:extLst>
   </p:cSld>
@@ -3352,7 +3379,7 @@
           <p:cNvPr id="4" name="Picture 3">
             <a:extLst>
               <a:ext uri="{FF2B5EF4-FFF2-40B4-BE49-F238E27FC236}">
-                <a16:creationId xmlns:a16="http://schemas.microsoft.com/office/drawing/2014/main" id="{2A31A68F-50A9-4114-81FC-0F57A61BB33C}"/>
+                <a16:creationId xmlns:a16="http://schemas.microsoft.com/office/drawing/2014/main" xmlns="" id="{2A31A68F-50A9-4114-81FC-0F57A61BB33C}"/>
               </a:ext>
             </a:extLst>
           </p:cNvPr>
@@ -3382,7 +3409,7 @@
           <p:cNvPr id="5" name="TextBox 4">
             <a:extLst>
               <a:ext uri="{FF2B5EF4-FFF2-40B4-BE49-F238E27FC236}">
-                <a16:creationId xmlns:a16="http://schemas.microsoft.com/office/drawing/2014/main" id="{342270AA-492E-468C-B5DF-D005AB39834E}"/>
+                <a16:creationId xmlns:a16="http://schemas.microsoft.com/office/drawing/2014/main" xmlns="" id="{342270AA-492E-468C-B5DF-D005AB39834E}"/>
               </a:ext>
             </a:extLst>
           </p:cNvPr>
@@ -3424,7 +3451,7 @@
           <p:cNvPr id="6" name="TextBox 5">
             <a:extLst>
               <a:ext uri="{FF2B5EF4-FFF2-40B4-BE49-F238E27FC236}">
-                <a16:creationId xmlns:a16="http://schemas.microsoft.com/office/drawing/2014/main" id="{E0095EF9-56A7-4741-B557-CC969F954602}"/>
+                <a16:creationId xmlns:a16="http://schemas.microsoft.com/office/drawing/2014/main" xmlns="" id="{E0095EF9-56A7-4741-B557-CC969F954602}"/>
               </a:ext>
             </a:extLst>
           </p:cNvPr>
@@ -3463,7 +3490,7 @@
     </p:spTree>
     <p:extLst>
       <p:ext uri="{BB962C8B-B14F-4D97-AF65-F5344CB8AC3E}">
-        <p14:creationId xmlns:p14="http://schemas.microsoft.com/office/powerpoint/2010/main" val="3818400074"/>
+        <p14:creationId xmlns:p14="http://schemas.microsoft.com/office/powerpoint/2010/main" xmlns="" val="3818400074"/>
       </p:ext>
     </p:extLst>
   </p:cSld>
@@ -3495,7 +3522,7 @@
           <p:cNvPr id="2" name="TextBox 1">
             <a:extLst>
               <a:ext uri="{FF2B5EF4-FFF2-40B4-BE49-F238E27FC236}">
-                <a16:creationId xmlns:a16="http://schemas.microsoft.com/office/drawing/2014/main" id="{8DA34F60-C036-4B57-8DAB-1153FCC4B013}"/>
+                <a16:creationId xmlns:a16="http://schemas.microsoft.com/office/drawing/2014/main" xmlns="" id="{8DA34F60-C036-4B57-8DAB-1153FCC4B013}"/>
               </a:ext>
             </a:extLst>
           </p:cNvPr>
@@ -3527,7 +3554,7 @@
           <p:cNvPr id="3" name="TextBox 2">
             <a:extLst>
               <a:ext uri="{FF2B5EF4-FFF2-40B4-BE49-F238E27FC236}">
-                <a16:creationId xmlns:a16="http://schemas.microsoft.com/office/drawing/2014/main" id="{B544C6B0-EF6C-4250-91BF-FF09779362BA}"/>
+                <a16:creationId xmlns:a16="http://schemas.microsoft.com/office/drawing/2014/main" xmlns="" id="{B544C6B0-EF6C-4250-91BF-FF09779362BA}"/>
               </a:ext>
             </a:extLst>
           </p:cNvPr>
@@ -3577,7 +3604,7 @@
           <p:cNvPr id="5" name="TextBox 4">
             <a:extLst>
               <a:ext uri="{FF2B5EF4-FFF2-40B4-BE49-F238E27FC236}">
-                <a16:creationId xmlns:a16="http://schemas.microsoft.com/office/drawing/2014/main" id="{71212FCE-4877-450F-9633-F9048A38CCF7}"/>
+                <a16:creationId xmlns:a16="http://schemas.microsoft.com/office/drawing/2014/main" xmlns="" id="{71212FCE-4877-450F-9633-F9048A38CCF7}"/>
               </a:ext>
             </a:extLst>
           </p:cNvPr>
@@ -3678,7 +3705,7 @@
     </p:spTree>
     <p:extLst>
       <p:ext uri="{BB962C8B-B14F-4D97-AF65-F5344CB8AC3E}">
-        <p14:creationId xmlns:p14="http://schemas.microsoft.com/office/powerpoint/2010/main" val="3816688537"/>
+        <p14:creationId xmlns:p14="http://schemas.microsoft.com/office/powerpoint/2010/main" xmlns="" val="3816688537"/>
       </p:ext>
     </p:extLst>
   </p:cSld>
@@ -3710,7 +3737,7 @@
           <p:cNvPr id="2" name="TextBox 1">
             <a:extLst>
               <a:ext uri="{FF2B5EF4-FFF2-40B4-BE49-F238E27FC236}">
-                <a16:creationId xmlns:a16="http://schemas.microsoft.com/office/drawing/2014/main" id="{8DA34F60-C036-4B57-8DAB-1153FCC4B013}"/>
+                <a16:creationId xmlns:a16="http://schemas.microsoft.com/office/drawing/2014/main" xmlns="" id="{8DA34F60-C036-4B57-8DAB-1153FCC4B013}"/>
               </a:ext>
             </a:extLst>
           </p:cNvPr>
@@ -3742,7 +3769,7 @@
           <p:cNvPr id="3" name="TextBox 2">
             <a:extLst>
               <a:ext uri="{FF2B5EF4-FFF2-40B4-BE49-F238E27FC236}">
-                <a16:creationId xmlns:a16="http://schemas.microsoft.com/office/drawing/2014/main" id="{B544C6B0-EF6C-4250-91BF-FF09779362BA}"/>
+                <a16:creationId xmlns:a16="http://schemas.microsoft.com/office/drawing/2014/main" xmlns="" id="{B544C6B0-EF6C-4250-91BF-FF09779362BA}"/>
               </a:ext>
             </a:extLst>
           </p:cNvPr>
@@ -3792,7 +3819,7 @@
           <p:cNvPr id="5" name="TextBox 4">
             <a:extLst>
               <a:ext uri="{FF2B5EF4-FFF2-40B4-BE49-F238E27FC236}">
-                <a16:creationId xmlns:a16="http://schemas.microsoft.com/office/drawing/2014/main" id="{71212FCE-4877-450F-9633-F9048A38CCF7}"/>
+                <a16:creationId xmlns:a16="http://schemas.microsoft.com/office/drawing/2014/main" xmlns="" id="{71212FCE-4877-450F-9633-F9048A38CCF7}"/>
               </a:ext>
             </a:extLst>
           </p:cNvPr>
@@ -3975,7 +4002,7 @@
     </p:spTree>
     <p:extLst>
       <p:ext uri="{BB962C8B-B14F-4D97-AF65-F5344CB8AC3E}">
-        <p14:creationId xmlns:p14="http://schemas.microsoft.com/office/powerpoint/2010/main" val="1542755298"/>
+        <p14:creationId xmlns:p14="http://schemas.microsoft.com/office/powerpoint/2010/main" xmlns="" val="1542755298"/>
       </p:ext>
     </p:extLst>
   </p:cSld>
@@ -4007,7 +4034,7 @@
           <p:cNvPr id="2" name="TextBox 1">
             <a:extLst>
               <a:ext uri="{FF2B5EF4-FFF2-40B4-BE49-F238E27FC236}">
-                <a16:creationId xmlns:a16="http://schemas.microsoft.com/office/drawing/2014/main" id="{8DA34F60-C036-4B57-8DAB-1153FCC4B013}"/>
+                <a16:creationId xmlns:a16="http://schemas.microsoft.com/office/drawing/2014/main" xmlns="" id="{8DA34F60-C036-4B57-8DAB-1153FCC4B013}"/>
               </a:ext>
             </a:extLst>
           </p:cNvPr>
@@ -4039,7 +4066,7 @@
           <p:cNvPr id="3" name="TextBox 2">
             <a:extLst>
               <a:ext uri="{FF2B5EF4-FFF2-40B4-BE49-F238E27FC236}">
-                <a16:creationId xmlns:a16="http://schemas.microsoft.com/office/drawing/2014/main" id="{B544C6B0-EF6C-4250-91BF-FF09779362BA}"/>
+                <a16:creationId xmlns:a16="http://schemas.microsoft.com/office/drawing/2014/main" xmlns="" id="{B544C6B0-EF6C-4250-91BF-FF09779362BA}"/>
               </a:ext>
             </a:extLst>
           </p:cNvPr>
@@ -4089,7 +4116,7 @@
           <p:cNvPr id="4" name="Picture 3">
             <a:extLst>
               <a:ext uri="{FF2B5EF4-FFF2-40B4-BE49-F238E27FC236}">
-                <a16:creationId xmlns:a16="http://schemas.microsoft.com/office/drawing/2014/main" id="{DF3D909F-A6CC-4C81-9FD6-0C6DE085A7C2}"/>
+                <a16:creationId xmlns:a16="http://schemas.microsoft.com/office/drawing/2014/main" xmlns="" id="{DF3D909F-A6CC-4C81-9FD6-0C6DE085A7C2}"/>
               </a:ext>
             </a:extLst>
           </p:cNvPr>
@@ -4117,7 +4144,7 @@
     </p:spTree>
     <p:extLst>
       <p:ext uri="{BB962C8B-B14F-4D97-AF65-F5344CB8AC3E}">
-        <p14:creationId xmlns:p14="http://schemas.microsoft.com/office/powerpoint/2010/main" val="3958164192"/>
+        <p14:creationId xmlns:p14="http://schemas.microsoft.com/office/powerpoint/2010/main" xmlns="" val="3958164192"/>
       </p:ext>
     </p:extLst>
   </p:cSld>
@@ -4149,7 +4176,7 @@
           <p:cNvPr id="3" name="TextBox 2">
             <a:extLst>
               <a:ext uri="{FF2B5EF4-FFF2-40B4-BE49-F238E27FC236}">
-                <a16:creationId xmlns:a16="http://schemas.microsoft.com/office/drawing/2014/main" id="{B544C6B0-EF6C-4250-91BF-FF09779362BA}"/>
+                <a16:creationId xmlns:a16="http://schemas.microsoft.com/office/drawing/2014/main" xmlns="" id="{B544C6B0-EF6C-4250-91BF-FF09779362BA}"/>
               </a:ext>
             </a:extLst>
           </p:cNvPr>
@@ -4199,7 +4226,7 @@
           <p:cNvPr id="5" name="TextBox 4">
             <a:extLst>
               <a:ext uri="{FF2B5EF4-FFF2-40B4-BE49-F238E27FC236}">
-                <a16:creationId xmlns:a16="http://schemas.microsoft.com/office/drawing/2014/main" id="{71212FCE-4877-450F-9633-F9048A38CCF7}"/>
+                <a16:creationId xmlns:a16="http://schemas.microsoft.com/office/drawing/2014/main" xmlns="" id="{71212FCE-4877-450F-9633-F9048A38CCF7}"/>
               </a:ext>
             </a:extLst>
           </p:cNvPr>
@@ -4287,7 +4314,7 @@
           <p:cNvPr id="4" name="Picture 3">
             <a:extLst>
               <a:ext uri="{FF2B5EF4-FFF2-40B4-BE49-F238E27FC236}">
-                <a16:creationId xmlns:a16="http://schemas.microsoft.com/office/drawing/2014/main" id="{8C545747-1B29-4E85-8E6F-DF7F259899FA}"/>
+                <a16:creationId xmlns:a16="http://schemas.microsoft.com/office/drawing/2014/main" xmlns="" id="{8C545747-1B29-4E85-8E6F-DF7F259899FA}"/>
               </a:ext>
             </a:extLst>
           </p:cNvPr>
@@ -4315,7 +4342,7 @@
     </p:spTree>
     <p:extLst>
       <p:ext uri="{BB962C8B-B14F-4D97-AF65-F5344CB8AC3E}">
-        <p14:creationId xmlns:p14="http://schemas.microsoft.com/office/powerpoint/2010/main" val="3203566452"/>
+        <p14:creationId xmlns:p14="http://schemas.microsoft.com/office/powerpoint/2010/main" xmlns="" val="3203566452"/>
       </p:ext>
     </p:extLst>
   </p:cSld>
@@ -4347,7 +4374,7 @@
           <p:cNvPr id="2" name="TextBox 1">
             <a:extLst>
               <a:ext uri="{FF2B5EF4-FFF2-40B4-BE49-F238E27FC236}">
-                <a16:creationId xmlns:a16="http://schemas.microsoft.com/office/drawing/2014/main" id="{8DA34F60-C036-4B57-8DAB-1153FCC4B013}"/>
+                <a16:creationId xmlns:a16="http://schemas.microsoft.com/office/drawing/2014/main" xmlns="" id="{8DA34F60-C036-4B57-8DAB-1153FCC4B013}"/>
               </a:ext>
             </a:extLst>
           </p:cNvPr>
@@ -4379,7 +4406,7 @@
           <p:cNvPr id="3" name="TextBox 2">
             <a:extLst>
               <a:ext uri="{FF2B5EF4-FFF2-40B4-BE49-F238E27FC236}">
-                <a16:creationId xmlns:a16="http://schemas.microsoft.com/office/drawing/2014/main" id="{B544C6B0-EF6C-4250-91BF-FF09779362BA}"/>
+                <a16:creationId xmlns:a16="http://schemas.microsoft.com/office/drawing/2014/main" xmlns="" id="{B544C6B0-EF6C-4250-91BF-FF09779362BA}"/>
               </a:ext>
             </a:extLst>
           </p:cNvPr>
@@ -4429,7 +4456,7 @@
           <p:cNvPr id="5" name="Picture 4">
             <a:extLst>
               <a:ext uri="{FF2B5EF4-FFF2-40B4-BE49-F238E27FC236}">
-                <a16:creationId xmlns:a16="http://schemas.microsoft.com/office/drawing/2014/main" id="{E6BB3409-F607-4F56-BD1E-C3D13C48AC59}"/>
+                <a16:creationId xmlns:a16="http://schemas.microsoft.com/office/drawing/2014/main" xmlns="" id="{E6BB3409-F607-4F56-BD1E-C3D13C48AC59}"/>
               </a:ext>
             </a:extLst>
           </p:cNvPr>
@@ -4457,7 +4484,7 @@
     </p:spTree>
     <p:extLst>
       <p:ext uri="{BB962C8B-B14F-4D97-AF65-F5344CB8AC3E}">
-        <p14:creationId xmlns:p14="http://schemas.microsoft.com/office/powerpoint/2010/main" val="3022272611"/>
+        <p14:creationId xmlns:p14="http://schemas.microsoft.com/office/powerpoint/2010/main" xmlns="" val="3022272611"/>
       </p:ext>
     </p:extLst>
   </p:cSld>
@@ -4489,7 +4516,7 @@
           <p:cNvPr id="2" name="TextBox 1">
             <a:extLst>
               <a:ext uri="{FF2B5EF4-FFF2-40B4-BE49-F238E27FC236}">
-                <a16:creationId xmlns:a16="http://schemas.microsoft.com/office/drawing/2014/main" id="{8DA34F60-C036-4B57-8DAB-1153FCC4B013}"/>
+                <a16:creationId xmlns:a16="http://schemas.microsoft.com/office/drawing/2014/main" xmlns="" id="{8DA34F60-C036-4B57-8DAB-1153FCC4B013}"/>
               </a:ext>
             </a:extLst>
           </p:cNvPr>
@@ -4521,7 +4548,7 @@
           <p:cNvPr id="3" name="TextBox 2">
             <a:extLst>
               <a:ext uri="{FF2B5EF4-FFF2-40B4-BE49-F238E27FC236}">
-                <a16:creationId xmlns:a16="http://schemas.microsoft.com/office/drawing/2014/main" id="{B544C6B0-EF6C-4250-91BF-FF09779362BA}"/>
+                <a16:creationId xmlns:a16="http://schemas.microsoft.com/office/drawing/2014/main" xmlns="" id="{B544C6B0-EF6C-4250-91BF-FF09779362BA}"/>
               </a:ext>
             </a:extLst>
           </p:cNvPr>
@@ -4571,7 +4598,7 @@
           <p:cNvPr id="4" name="TextBox 3">
             <a:extLst>
               <a:ext uri="{FF2B5EF4-FFF2-40B4-BE49-F238E27FC236}">
-                <a16:creationId xmlns:a16="http://schemas.microsoft.com/office/drawing/2014/main" id="{7D225B5D-7E58-4C92-AE25-5EBB812C70BD}"/>
+                <a16:creationId xmlns:a16="http://schemas.microsoft.com/office/drawing/2014/main" xmlns="" id="{7D225B5D-7E58-4C92-AE25-5EBB812C70BD}"/>
               </a:ext>
             </a:extLst>
           </p:cNvPr>
@@ -4612,7 +4639,7 @@
           <p:cNvPr id="6" name="Picture 5">
             <a:extLst>
               <a:ext uri="{FF2B5EF4-FFF2-40B4-BE49-F238E27FC236}">
-                <a16:creationId xmlns:a16="http://schemas.microsoft.com/office/drawing/2014/main" id="{81BA0196-9092-4FC1-9994-35E934224F1C}"/>
+                <a16:creationId xmlns:a16="http://schemas.microsoft.com/office/drawing/2014/main" xmlns="" id="{81BA0196-9092-4FC1-9994-35E934224F1C}"/>
               </a:ext>
             </a:extLst>
           </p:cNvPr>
@@ -4640,7 +4667,7 @@
     </p:spTree>
     <p:extLst>
       <p:ext uri="{BB962C8B-B14F-4D97-AF65-F5344CB8AC3E}">
-        <p14:creationId xmlns:p14="http://schemas.microsoft.com/office/powerpoint/2010/main" val="766276886"/>
+        <p14:creationId xmlns:p14="http://schemas.microsoft.com/office/powerpoint/2010/main" xmlns="" val="766276886"/>
       </p:ext>
     </p:extLst>
   </p:cSld>
@@ -4672,7 +4699,7 @@
           <p:cNvPr id="2" name="TextBox 1">
             <a:extLst>
               <a:ext uri="{FF2B5EF4-FFF2-40B4-BE49-F238E27FC236}">
-                <a16:creationId xmlns:a16="http://schemas.microsoft.com/office/drawing/2014/main" id="{8DA34F60-C036-4B57-8DAB-1153FCC4B013}"/>
+                <a16:creationId xmlns:a16="http://schemas.microsoft.com/office/drawing/2014/main" xmlns="" id="{8DA34F60-C036-4B57-8DAB-1153FCC4B013}"/>
               </a:ext>
             </a:extLst>
           </p:cNvPr>
@@ -4704,7 +4731,7 @@
           <p:cNvPr id="3" name="TextBox 2">
             <a:extLst>
               <a:ext uri="{FF2B5EF4-FFF2-40B4-BE49-F238E27FC236}">
-                <a16:creationId xmlns:a16="http://schemas.microsoft.com/office/drawing/2014/main" id="{B544C6B0-EF6C-4250-91BF-FF09779362BA}"/>
+                <a16:creationId xmlns:a16="http://schemas.microsoft.com/office/drawing/2014/main" xmlns="" id="{B544C6B0-EF6C-4250-91BF-FF09779362BA}"/>
               </a:ext>
             </a:extLst>
           </p:cNvPr>
@@ -4754,7 +4781,7 @@
           <p:cNvPr id="4" name="TextBox 3">
             <a:extLst>
               <a:ext uri="{FF2B5EF4-FFF2-40B4-BE49-F238E27FC236}">
-                <a16:creationId xmlns:a16="http://schemas.microsoft.com/office/drawing/2014/main" id="{7D225B5D-7E58-4C92-AE25-5EBB812C70BD}"/>
+                <a16:creationId xmlns:a16="http://schemas.microsoft.com/office/drawing/2014/main" xmlns="" id="{7D225B5D-7E58-4C92-AE25-5EBB812C70BD}"/>
               </a:ext>
             </a:extLst>
           </p:cNvPr>
@@ -4797,7 +4824,7 @@
           <p:cNvPr id="5" name="Picture 4">
             <a:extLst>
               <a:ext uri="{FF2B5EF4-FFF2-40B4-BE49-F238E27FC236}">
-                <a16:creationId xmlns:a16="http://schemas.microsoft.com/office/drawing/2014/main" id="{FB95B9C8-D0D8-4476-BA5B-091292DE81AB}"/>
+                <a16:creationId xmlns:a16="http://schemas.microsoft.com/office/drawing/2014/main" xmlns="" id="{FB95B9C8-D0D8-4476-BA5B-091292DE81AB}"/>
               </a:ext>
             </a:extLst>
           </p:cNvPr>
@@ -4825,7 +4852,7 @@
     </p:spTree>
     <p:extLst>
       <p:ext uri="{BB962C8B-B14F-4D97-AF65-F5344CB8AC3E}">
-        <p14:creationId xmlns:p14="http://schemas.microsoft.com/office/powerpoint/2010/main" val="4223697484"/>
+        <p14:creationId xmlns:p14="http://schemas.microsoft.com/office/powerpoint/2010/main" xmlns="" val="4223697484"/>
       </p:ext>
     </p:extLst>
   </p:cSld>
@@ -4857,7 +4884,7 @@
           <p:cNvPr id="2" name="TextBox 1">
             <a:extLst>
               <a:ext uri="{FF2B5EF4-FFF2-40B4-BE49-F238E27FC236}">
-                <a16:creationId xmlns:a16="http://schemas.microsoft.com/office/drawing/2014/main" id="{8DA34F60-C036-4B57-8DAB-1153FCC4B013}"/>
+                <a16:creationId xmlns:a16="http://schemas.microsoft.com/office/drawing/2014/main" xmlns="" id="{8DA34F60-C036-4B57-8DAB-1153FCC4B013}"/>
               </a:ext>
             </a:extLst>
           </p:cNvPr>
@@ -4889,7 +4916,7 @@
           <p:cNvPr id="3" name="TextBox 2">
             <a:extLst>
               <a:ext uri="{FF2B5EF4-FFF2-40B4-BE49-F238E27FC236}">
-                <a16:creationId xmlns:a16="http://schemas.microsoft.com/office/drawing/2014/main" id="{B544C6B0-EF6C-4250-91BF-FF09779362BA}"/>
+                <a16:creationId xmlns:a16="http://schemas.microsoft.com/office/drawing/2014/main" xmlns="" id="{B544C6B0-EF6C-4250-91BF-FF09779362BA}"/>
               </a:ext>
             </a:extLst>
           </p:cNvPr>
@@ -4939,7 +4966,7 @@
           <p:cNvPr id="6" name="Picture 5">
             <a:extLst>
               <a:ext uri="{FF2B5EF4-FFF2-40B4-BE49-F238E27FC236}">
-                <a16:creationId xmlns:a16="http://schemas.microsoft.com/office/drawing/2014/main" id="{67BADEDF-A29C-47F4-ABE8-17DB91AAFB08}"/>
+                <a16:creationId xmlns:a16="http://schemas.microsoft.com/office/drawing/2014/main" xmlns="" id="{67BADEDF-A29C-47F4-ABE8-17DB91AAFB08}"/>
               </a:ext>
             </a:extLst>
           </p:cNvPr>
@@ -4967,7 +4994,7 @@
     </p:spTree>
     <p:extLst>
       <p:ext uri="{BB962C8B-B14F-4D97-AF65-F5344CB8AC3E}">
-        <p14:creationId xmlns:p14="http://schemas.microsoft.com/office/powerpoint/2010/main" val="645252625"/>
+        <p14:creationId xmlns:p14="http://schemas.microsoft.com/office/powerpoint/2010/main" xmlns="" val="645252625"/>
       </p:ext>
     </p:extLst>
   </p:cSld>
@@ -4999,7 +5026,7 @@
           <p:cNvPr id="3" name="TextBox 2">
             <a:extLst>
               <a:ext uri="{FF2B5EF4-FFF2-40B4-BE49-F238E27FC236}">
-                <a16:creationId xmlns:a16="http://schemas.microsoft.com/office/drawing/2014/main" id="{B544C6B0-EF6C-4250-91BF-FF09779362BA}"/>
+                <a16:creationId xmlns:a16="http://schemas.microsoft.com/office/drawing/2014/main" xmlns="" id="{B544C6B0-EF6C-4250-91BF-FF09779362BA}"/>
               </a:ext>
             </a:extLst>
           </p:cNvPr>
@@ -5073,7 +5100,7 @@
           <p:cNvPr id="4" name="Picture 3">
             <a:extLst>
               <a:ext uri="{FF2B5EF4-FFF2-40B4-BE49-F238E27FC236}">
-                <a16:creationId xmlns:a16="http://schemas.microsoft.com/office/drawing/2014/main" id="{DD427C27-EAF9-4FB5-988B-DD7EA9C9B3EE}"/>
+                <a16:creationId xmlns:a16="http://schemas.microsoft.com/office/drawing/2014/main" xmlns="" id="{DD427C27-EAF9-4FB5-988B-DD7EA9C9B3EE}"/>
               </a:ext>
             </a:extLst>
           </p:cNvPr>
@@ -5103,7 +5130,7 @@
           <p:cNvPr id="5" name="TextBox 4">
             <a:extLst>
               <a:ext uri="{FF2B5EF4-FFF2-40B4-BE49-F238E27FC236}">
-                <a16:creationId xmlns:a16="http://schemas.microsoft.com/office/drawing/2014/main" id="{CBE994F0-5260-4159-B053-FBF3864A99F7}"/>
+                <a16:creationId xmlns:a16="http://schemas.microsoft.com/office/drawing/2014/main" xmlns="" id="{CBE994F0-5260-4159-B053-FBF3864A99F7}"/>
               </a:ext>
             </a:extLst>
           </p:cNvPr>
@@ -5142,7 +5169,7 @@
     </p:spTree>
     <p:extLst>
       <p:ext uri="{BB962C8B-B14F-4D97-AF65-F5344CB8AC3E}">
-        <p14:creationId xmlns:p14="http://schemas.microsoft.com/office/powerpoint/2010/main" val="3253466569"/>
+        <p14:creationId xmlns:p14="http://schemas.microsoft.com/office/powerpoint/2010/main" xmlns="" val="3253466569"/>
       </p:ext>
     </p:extLst>
   </p:cSld>
@@ -5174,7 +5201,7 @@
           <p:cNvPr id="2" name="TextBox 1">
             <a:extLst>
               <a:ext uri="{FF2B5EF4-FFF2-40B4-BE49-F238E27FC236}">
-                <a16:creationId xmlns:a16="http://schemas.microsoft.com/office/drawing/2014/main" id="{8DA34F60-C036-4B57-8DAB-1153FCC4B013}"/>
+                <a16:creationId xmlns:a16="http://schemas.microsoft.com/office/drawing/2014/main" xmlns="" id="{8DA34F60-C036-4B57-8DAB-1153FCC4B013}"/>
               </a:ext>
             </a:extLst>
           </p:cNvPr>
@@ -5206,7 +5233,7 @@
           <p:cNvPr id="3" name="TextBox 2">
             <a:extLst>
               <a:ext uri="{FF2B5EF4-FFF2-40B4-BE49-F238E27FC236}">
-                <a16:creationId xmlns:a16="http://schemas.microsoft.com/office/drawing/2014/main" id="{B544C6B0-EF6C-4250-91BF-FF09779362BA}"/>
+                <a16:creationId xmlns:a16="http://schemas.microsoft.com/office/drawing/2014/main" xmlns="" id="{B544C6B0-EF6C-4250-91BF-FF09779362BA}"/>
               </a:ext>
             </a:extLst>
           </p:cNvPr>
@@ -5256,7 +5283,7 @@
           <p:cNvPr id="4" name="TextBox 3">
             <a:extLst>
               <a:ext uri="{FF2B5EF4-FFF2-40B4-BE49-F238E27FC236}">
-                <a16:creationId xmlns:a16="http://schemas.microsoft.com/office/drawing/2014/main" id="{9B8DFFC6-F5A1-437C-96C6-D9151B948833}"/>
+                <a16:creationId xmlns:a16="http://schemas.microsoft.com/office/drawing/2014/main" xmlns="" id="{9B8DFFC6-F5A1-437C-96C6-D9151B948833}"/>
               </a:ext>
             </a:extLst>
           </p:cNvPr>
@@ -5480,7 +5507,7 @@
     </p:spTree>
     <p:extLst>
       <p:ext uri="{BB962C8B-B14F-4D97-AF65-F5344CB8AC3E}">
-        <p14:creationId xmlns:p14="http://schemas.microsoft.com/office/powerpoint/2010/main" val="1591769494"/>
+        <p14:creationId xmlns:p14="http://schemas.microsoft.com/office/powerpoint/2010/main" xmlns="" val="1591769494"/>
       </p:ext>
     </p:extLst>
   </p:cSld>
@@ -5512,7 +5539,7 @@
           <p:cNvPr id="5" name="TextBox 4">
             <a:extLst>
               <a:ext uri="{FF2B5EF4-FFF2-40B4-BE49-F238E27FC236}">
-                <a16:creationId xmlns:a16="http://schemas.microsoft.com/office/drawing/2014/main" id="{342270AA-492E-468C-B5DF-D005AB39834E}"/>
+                <a16:creationId xmlns:a16="http://schemas.microsoft.com/office/drawing/2014/main" xmlns="" id="{342270AA-492E-468C-B5DF-D005AB39834E}"/>
               </a:ext>
             </a:extLst>
           </p:cNvPr>
@@ -5565,7 +5592,7 @@
           <p:cNvPr id="2" name="Picture 1">
             <a:extLst>
               <a:ext uri="{FF2B5EF4-FFF2-40B4-BE49-F238E27FC236}">
-                <a16:creationId xmlns:a16="http://schemas.microsoft.com/office/drawing/2014/main" id="{980B4F3C-5353-4BCE-AD42-3222A6EAC2EE}"/>
+                <a16:creationId xmlns:a16="http://schemas.microsoft.com/office/drawing/2014/main" xmlns="" id="{980B4F3C-5353-4BCE-AD42-3222A6EAC2EE}"/>
               </a:ext>
             </a:extLst>
           </p:cNvPr>
@@ -5593,7 +5620,7 @@
     </p:spTree>
     <p:extLst>
       <p:ext uri="{BB962C8B-B14F-4D97-AF65-F5344CB8AC3E}">
-        <p14:creationId xmlns:p14="http://schemas.microsoft.com/office/powerpoint/2010/main" val="2322284118"/>
+        <p14:creationId xmlns:p14="http://schemas.microsoft.com/office/powerpoint/2010/main" xmlns="" val="2322284118"/>
       </p:ext>
     </p:extLst>
   </p:cSld>
@@ -5620,12 +5647,696 @@
           <a:chExt cx="0" cy="0"/>
         </a:xfrm>
       </p:grpSpPr>
-      <p:sp>
-        <p:nvSpPr>
-          <p:cNvPr id="2" name="TextBox 1">
-            <a:extLst>
-              <a:ext uri="{FF2B5EF4-FFF2-40B4-BE49-F238E27FC236}">
-                <a16:creationId xmlns:a16="http://schemas.microsoft.com/office/drawing/2014/main" id="{8DA34F60-C036-4B57-8DAB-1153FCC4B013}"/>
+      <p:grpSp>
+        <p:nvGrpSpPr>
+          <p:cNvPr id="29" name="Group 28"/>
+          <p:cNvGrpSpPr/>
+          <p:nvPr/>
+        </p:nvGrpSpPr>
+        <p:grpSpPr>
+          <a:xfrm>
+            <a:off x="599440" y="2164112"/>
+            <a:ext cx="11043910" cy="2828052"/>
+            <a:chOff x="599440" y="701040"/>
+            <a:chExt cx="11043910" cy="2828052"/>
+          </a:xfrm>
+        </p:grpSpPr>
+        <p:sp>
+          <p:nvSpPr>
+            <p:cNvPr id="4" name="Rectangle 3">
+              <a:extLst>
+                <a:ext uri="{FF2B5EF4-FFF2-40B4-BE49-F238E27FC236}">
+                  <a16:creationId xmlns:a16="http://schemas.microsoft.com/office/drawing/2014/main" xmlns="" id="{EC5143AD-4D67-4C7B-AD8E-160E06C245D1}"/>
+                </a:ext>
+              </a:extLst>
+            </p:cNvPr>
+            <p:cNvSpPr/>
+            <p:nvPr/>
+          </p:nvSpPr>
+          <p:spPr>
+            <a:xfrm>
+              <a:off x="3942080" y="701040"/>
+              <a:ext cx="3881120" cy="548640"/>
+            </a:xfrm>
+            <a:prstGeom prst="rect">
+              <a:avLst/>
+            </a:prstGeom>
+            <a:noFill/>
+          </p:spPr>
+          <p:style>
+            <a:lnRef idx="2">
+              <a:schemeClr val="accent1">
+                <a:shade val="50000"/>
+              </a:schemeClr>
+            </a:lnRef>
+            <a:fillRef idx="1">
+              <a:schemeClr val="accent1"/>
+            </a:fillRef>
+            <a:effectRef idx="0">
+              <a:schemeClr val="accent1"/>
+            </a:effectRef>
+            <a:fontRef idx="minor">
+              <a:schemeClr val="lt1"/>
+            </a:fontRef>
+          </p:style>
+          <p:txBody>
+            <a:bodyPr rtlCol="0" anchor="ctr"/>
+            <a:lstStyle/>
+            <a:p>
+              <a:pPr algn="ctr"/>
+              <a:endParaRPr lang="en-US"/>
+            </a:p>
+          </p:txBody>
+        </p:sp>
+        <p:sp>
+          <p:nvSpPr>
+            <p:cNvPr id="5" name="TextBox 4">
+              <a:extLst>
+                <a:ext uri="{FF2B5EF4-FFF2-40B4-BE49-F238E27FC236}">
+                  <a16:creationId xmlns:a16="http://schemas.microsoft.com/office/drawing/2014/main" xmlns="" id="{8C56556E-E067-4FC4-B0B5-ED770D22DC5F}"/>
+                </a:ext>
+              </a:extLst>
+            </p:cNvPr>
+            <p:cNvSpPr txBox="1"/>
+            <p:nvPr/>
+          </p:nvSpPr>
+          <p:spPr>
+            <a:xfrm>
+              <a:off x="5049520" y="812800"/>
+              <a:ext cx="1402080" cy="369332"/>
+            </a:xfrm>
+            <a:prstGeom prst="rect">
+              <a:avLst/>
+            </a:prstGeom>
+            <a:noFill/>
+          </p:spPr>
+          <p:txBody>
+            <a:bodyPr wrap="square" rtlCol="0">
+              <a:spAutoFit/>
+            </a:bodyPr>
+            <a:lstStyle/>
+            <a:p>
+              <a:r>
+                <a:rPr lang="en-US" dirty="0"/>
+                <a:t>Main branch</a:t>
+              </a:r>
+            </a:p>
+          </p:txBody>
+        </p:sp>
+        <p:cxnSp>
+          <p:nvCxnSpPr>
+            <p:cNvPr id="7" name="Straight Connector 6">
+              <a:extLst>
+                <a:ext uri="{FF2B5EF4-FFF2-40B4-BE49-F238E27FC236}">
+                  <a16:creationId xmlns:a16="http://schemas.microsoft.com/office/drawing/2014/main" xmlns="" id="{19BBE1A2-E3F7-4197-BF83-99EAA1C6DAEE}"/>
+                </a:ext>
+              </a:extLst>
+            </p:cNvPr>
+            <p:cNvCxnSpPr>
+              <a:cxnSpLocks/>
+              <a:stCxn id="4" idx="2"/>
+              <a:endCxn id="8" idx="0"/>
+            </p:cNvCxnSpPr>
+            <p:nvPr/>
+          </p:nvCxnSpPr>
+          <p:spPr>
+            <a:xfrm>
+              <a:off x="5882640" y="1249680"/>
+              <a:ext cx="35560" cy="467360"/>
+            </a:xfrm>
+            <a:prstGeom prst="line">
+              <a:avLst/>
+            </a:prstGeom>
+          </p:spPr>
+          <p:style>
+            <a:lnRef idx="1">
+              <a:schemeClr val="accent1"/>
+            </a:lnRef>
+            <a:fillRef idx="0">
+              <a:schemeClr val="accent1"/>
+            </a:fillRef>
+            <a:effectRef idx="0">
+              <a:schemeClr val="accent1"/>
+            </a:effectRef>
+            <a:fontRef idx="minor">
+              <a:schemeClr val="tx1"/>
+            </a:fontRef>
+          </p:style>
+        </p:cxnSp>
+        <p:sp>
+          <p:nvSpPr>
+            <p:cNvPr id="8" name="Rectangle 7">
+              <a:extLst>
+                <a:ext uri="{FF2B5EF4-FFF2-40B4-BE49-F238E27FC236}">
+                  <a16:creationId xmlns:a16="http://schemas.microsoft.com/office/drawing/2014/main" xmlns="" id="{53FB852D-81CE-4E91-88D7-F5A6315E7F9D}"/>
+                </a:ext>
+              </a:extLst>
+            </p:cNvPr>
+            <p:cNvSpPr/>
+            <p:nvPr/>
+          </p:nvSpPr>
+          <p:spPr>
+            <a:xfrm>
+              <a:off x="3942080" y="1717040"/>
+              <a:ext cx="3952240" cy="548640"/>
+            </a:xfrm>
+            <a:prstGeom prst="rect">
+              <a:avLst/>
+            </a:prstGeom>
+            <a:noFill/>
+          </p:spPr>
+          <p:style>
+            <a:lnRef idx="2">
+              <a:schemeClr val="accent1">
+                <a:shade val="50000"/>
+              </a:schemeClr>
+            </a:lnRef>
+            <a:fillRef idx="1">
+              <a:schemeClr val="accent1"/>
+            </a:fillRef>
+            <a:effectRef idx="0">
+              <a:schemeClr val="accent1"/>
+            </a:effectRef>
+            <a:fontRef idx="minor">
+              <a:schemeClr val="lt1"/>
+            </a:fontRef>
+          </p:style>
+          <p:txBody>
+            <a:bodyPr rtlCol="0" anchor="ctr"/>
+            <a:lstStyle/>
+            <a:p>
+              <a:pPr algn="ctr"/>
+              <a:endParaRPr lang="en-US"/>
+            </a:p>
+          </p:txBody>
+        </p:sp>
+        <p:sp>
+          <p:nvSpPr>
+            <p:cNvPr id="9" name="TextBox 8">
+              <a:extLst>
+                <a:ext uri="{FF2B5EF4-FFF2-40B4-BE49-F238E27FC236}">
+                  <a16:creationId xmlns:a16="http://schemas.microsoft.com/office/drawing/2014/main" xmlns="" id="{56FF7CF5-5CC0-4132-8128-49F5B8F194CE}"/>
+                </a:ext>
+              </a:extLst>
+            </p:cNvPr>
+            <p:cNvSpPr txBox="1"/>
+            <p:nvPr/>
+          </p:nvSpPr>
+          <p:spPr>
+            <a:xfrm>
+              <a:off x="4572000" y="1808480"/>
+              <a:ext cx="3007360" cy="369332"/>
+            </a:xfrm>
+            <a:prstGeom prst="rect">
+              <a:avLst/>
+            </a:prstGeom>
+            <a:noFill/>
+          </p:spPr>
+          <p:txBody>
+            <a:bodyPr wrap="square" rtlCol="0">
+              <a:spAutoFit/>
+            </a:bodyPr>
+            <a:lstStyle/>
+            <a:p>
+              <a:r>
+                <a:rPr lang="en-US" dirty="0"/>
+                <a:t>Develop branch (child of Main</a:t>
+              </a:r>
+            </a:p>
+          </p:txBody>
+        </p:sp>
+        <p:cxnSp>
+          <p:nvCxnSpPr>
+            <p:cNvPr id="12" name="Straight Connector 11">
+              <a:extLst>
+                <a:ext uri="{FF2B5EF4-FFF2-40B4-BE49-F238E27FC236}">
+                  <a16:creationId xmlns:a16="http://schemas.microsoft.com/office/drawing/2014/main" xmlns="" id="{B8E257B8-94BC-4EE5-B79A-F8DE2A59751F}"/>
+                </a:ext>
+              </a:extLst>
+            </p:cNvPr>
+            <p:cNvCxnSpPr>
+              <a:cxnSpLocks/>
+              <a:stCxn id="8" idx="2"/>
+            </p:cNvCxnSpPr>
+            <p:nvPr/>
+          </p:nvCxnSpPr>
+          <p:spPr>
+            <a:xfrm>
+              <a:off x="5918200" y="2265680"/>
+              <a:ext cx="0" cy="487680"/>
+            </a:xfrm>
+            <a:prstGeom prst="line">
+              <a:avLst/>
+            </a:prstGeom>
+          </p:spPr>
+          <p:style>
+            <a:lnRef idx="1">
+              <a:schemeClr val="accent1"/>
+            </a:lnRef>
+            <a:fillRef idx="0">
+              <a:schemeClr val="accent1"/>
+            </a:fillRef>
+            <a:effectRef idx="0">
+              <a:schemeClr val="accent1"/>
+            </a:effectRef>
+            <a:fontRef idx="minor">
+              <a:schemeClr val="tx1"/>
+            </a:fontRef>
+          </p:style>
+        </p:cxnSp>
+        <p:cxnSp>
+          <p:nvCxnSpPr>
+            <p:cNvPr id="14" name="Straight Connector 13">
+              <a:extLst>
+                <a:ext uri="{FF2B5EF4-FFF2-40B4-BE49-F238E27FC236}">
+                  <a16:creationId xmlns:a16="http://schemas.microsoft.com/office/drawing/2014/main" xmlns="" id="{062B4D7B-9553-467D-8F20-CBE53C50E1D2}"/>
+                </a:ext>
+              </a:extLst>
+            </p:cNvPr>
+            <p:cNvCxnSpPr/>
+            <p:nvPr/>
+          </p:nvCxnSpPr>
+          <p:spPr>
+            <a:xfrm>
+              <a:off x="1529080" y="2763520"/>
+              <a:ext cx="9133840" cy="0"/>
+            </a:xfrm>
+            <a:prstGeom prst="line">
+              <a:avLst/>
+            </a:prstGeom>
+          </p:spPr>
+          <p:style>
+            <a:lnRef idx="1">
+              <a:schemeClr val="accent1"/>
+            </a:lnRef>
+            <a:fillRef idx="0">
+              <a:schemeClr val="accent1"/>
+            </a:fillRef>
+            <a:effectRef idx="0">
+              <a:schemeClr val="accent1"/>
+            </a:effectRef>
+            <a:fontRef idx="minor">
+              <a:schemeClr val="tx1"/>
+            </a:fontRef>
+          </p:style>
+        </p:cxnSp>
+        <p:cxnSp>
+          <p:nvCxnSpPr>
+            <p:cNvPr id="17" name="Straight Connector 16">
+              <a:extLst>
+                <a:ext uri="{FF2B5EF4-FFF2-40B4-BE49-F238E27FC236}">
+                  <a16:creationId xmlns:a16="http://schemas.microsoft.com/office/drawing/2014/main" xmlns="" id="{D4D8EC26-3092-4BEE-A15F-09F9FB4B79E2}"/>
+                </a:ext>
+              </a:extLst>
+            </p:cNvPr>
+            <p:cNvCxnSpPr/>
+            <p:nvPr/>
+          </p:nvCxnSpPr>
+          <p:spPr>
+            <a:xfrm>
+              <a:off x="1534160" y="2753360"/>
+              <a:ext cx="0" cy="365760"/>
+            </a:xfrm>
+            <a:prstGeom prst="line">
+              <a:avLst/>
+            </a:prstGeom>
+          </p:spPr>
+          <p:style>
+            <a:lnRef idx="1">
+              <a:schemeClr val="accent1"/>
+            </a:lnRef>
+            <a:fillRef idx="0">
+              <a:schemeClr val="accent1"/>
+            </a:fillRef>
+            <a:effectRef idx="0">
+              <a:schemeClr val="accent1"/>
+            </a:effectRef>
+            <a:fontRef idx="minor">
+              <a:schemeClr val="tx1"/>
+            </a:fontRef>
+          </p:style>
+        </p:cxnSp>
+        <p:cxnSp>
+          <p:nvCxnSpPr>
+            <p:cNvPr id="19" name="Straight Connector 18">
+              <a:extLst>
+                <a:ext uri="{FF2B5EF4-FFF2-40B4-BE49-F238E27FC236}">
+                  <a16:creationId xmlns:a16="http://schemas.microsoft.com/office/drawing/2014/main" xmlns="" id="{F88C590A-CD49-4E76-93C1-DBAECF777645}"/>
+                </a:ext>
+              </a:extLst>
+            </p:cNvPr>
+            <p:cNvCxnSpPr/>
+            <p:nvPr/>
+          </p:nvCxnSpPr>
+          <p:spPr>
+            <a:xfrm>
+              <a:off x="3708400" y="2753360"/>
+              <a:ext cx="0" cy="365760"/>
+            </a:xfrm>
+            <a:prstGeom prst="line">
+              <a:avLst/>
+            </a:prstGeom>
+          </p:spPr>
+          <p:style>
+            <a:lnRef idx="1">
+              <a:schemeClr val="accent1"/>
+            </a:lnRef>
+            <a:fillRef idx="0">
+              <a:schemeClr val="accent1"/>
+            </a:fillRef>
+            <a:effectRef idx="0">
+              <a:schemeClr val="accent1"/>
+            </a:effectRef>
+            <a:fontRef idx="minor">
+              <a:schemeClr val="tx1"/>
+            </a:fontRef>
+          </p:style>
+        </p:cxnSp>
+        <p:cxnSp>
+          <p:nvCxnSpPr>
+            <p:cNvPr id="20" name="Straight Connector 19">
+              <a:extLst>
+                <a:ext uri="{FF2B5EF4-FFF2-40B4-BE49-F238E27FC236}">
+                  <a16:creationId xmlns:a16="http://schemas.microsoft.com/office/drawing/2014/main" xmlns="" id="{8FA7ECDC-6889-4CDD-83E5-357686B28B2A}"/>
+                </a:ext>
+              </a:extLst>
+            </p:cNvPr>
+            <p:cNvCxnSpPr/>
+            <p:nvPr/>
+          </p:nvCxnSpPr>
+          <p:spPr>
+            <a:xfrm>
+              <a:off x="5648960" y="2743200"/>
+              <a:ext cx="0" cy="365760"/>
+            </a:xfrm>
+            <a:prstGeom prst="line">
+              <a:avLst/>
+            </a:prstGeom>
+          </p:spPr>
+          <p:style>
+            <a:lnRef idx="1">
+              <a:schemeClr val="accent1"/>
+            </a:lnRef>
+            <a:fillRef idx="0">
+              <a:schemeClr val="accent1"/>
+            </a:fillRef>
+            <a:effectRef idx="0">
+              <a:schemeClr val="accent1"/>
+            </a:effectRef>
+            <a:fontRef idx="minor">
+              <a:schemeClr val="tx1"/>
+            </a:fontRef>
+          </p:style>
+        </p:cxnSp>
+        <p:cxnSp>
+          <p:nvCxnSpPr>
+            <p:cNvPr id="21" name="Straight Connector 20">
+              <a:extLst>
+                <a:ext uri="{FF2B5EF4-FFF2-40B4-BE49-F238E27FC236}">
+                  <a16:creationId xmlns:a16="http://schemas.microsoft.com/office/drawing/2014/main" xmlns="" id="{DA4EA02E-A089-4717-873F-4FC7F7F86923}"/>
+                </a:ext>
+              </a:extLst>
+            </p:cNvPr>
+            <p:cNvCxnSpPr/>
+            <p:nvPr/>
+          </p:nvCxnSpPr>
+          <p:spPr>
+            <a:xfrm>
+              <a:off x="7874000" y="2733040"/>
+              <a:ext cx="0" cy="365760"/>
+            </a:xfrm>
+            <a:prstGeom prst="line">
+              <a:avLst/>
+            </a:prstGeom>
+          </p:spPr>
+          <p:style>
+            <a:lnRef idx="1">
+              <a:schemeClr val="accent1"/>
+            </a:lnRef>
+            <a:fillRef idx="0">
+              <a:schemeClr val="accent1"/>
+            </a:fillRef>
+            <a:effectRef idx="0">
+              <a:schemeClr val="accent1"/>
+            </a:effectRef>
+            <a:fontRef idx="minor">
+              <a:schemeClr val="tx1"/>
+            </a:fontRef>
+          </p:style>
+        </p:cxnSp>
+        <p:cxnSp>
+          <p:nvCxnSpPr>
+            <p:cNvPr id="22" name="Straight Connector 21">
+              <a:extLst>
+                <a:ext uri="{FF2B5EF4-FFF2-40B4-BE49-F238E27FC236}">
+                  <a16:creationId xmlns:a16="http://schemas.microsoft.com/office/drawing/2014/main" xmlns="" id="{AFB21F47-2FD5-430E-B1F0-FAE07309E98E}"/>
+                </a:ext>
+              </a:extLst>
+            </p:cNvPr>
+            <p:cNvCxnSpPr/>
+            <p:nvPr/>
+          </p:nvCxnSpPr>
+          <p:spPr>
+            <a:xfrm>
+              <a:off x="10627360" y="2743200"/>
+              <a:ext cx="0" cy="365760"/>
+            </a:xfrm>
+            <a:prstGeom prst="line">
+              <a:avLst/>
+            </a:prstGeom>
+          </p:spPr>
+          <p:style>
+            <a:lnRef idx="1">
+              <a:schemeClr val="accent1"/>
+            </a:lnRef>
+            <a:fillRef idx="0">
+              <a:schemeClr val="accent1"/>
+            </a:fillRef>
+            <a:effectRef idx="0">
+              <a:schemeClr val="accent1"/>
+            </a:effectRef>
+            <a:fontRef idx="minor">
+              <a:schemeClr val="tx1"/>
+            </a:fontRef>
+          </p:style>
+        </p:cxnSp>
+        <p:sp>
+          <p:nvSpPr>
+            <p:cNvPr id="23" name="TextBox 22">
+              <a:extLst>
+                <a:ext uri="{FF2B5EF4-FFF2-40B4-BE49-F238E27FC236}">
+                  <a16:creationId xmlns:a16="http://schemas.microsoft.com/office/drawing/2014/main" xmlns="" id="{B64BB359-F08B-44C6-A090-1507EB5E8877}"/>
+                </a:ext>
+              </a:extLst>
+            </p:cNvPr>
+            <p:cNvSpPr txBox="1"/>
+            <p:nvPr/>
+          </p:nvSpPr>
+          <p:spPr>
+            <a:xfrm>
+              <a:off x="599440" y="3129280"/>
+              <a:ext cx="2204710" cy="369332"/>
+            </a:xfrm>
+            <a:prstGeom prst="rect">
+              <a:avLst/>
+            </a:prstGeom>
+            <a:noFill/>
+          </p:spPr>
+          <p:txBody>
+            <a:bodyPr wrap="square" rtlCol="0">
+              <a:spAutoFit/>
+            </a:bodyPr>
+            <a:lstStyle/>
+            <a:p>
+              <a:r>
+                <a:rPr lang="en-US" dirty="0"/>
+                <a:t>Feature branch 1</a:t>
+              </a:r>
+            </a:p>
+          </p:txBody>
+        </p:sp>
+        <p:sp>
+          <p:nvSpPr>
+            <p:cNvPr id="24" name="TextBox 23">
+              <a:extLst>
+                <a:ext uri="{FF2B5EF4-FFF2-40B4-BE49-F238E27FC236}">
+                  <a16:creationId xmlns:a16="http://schemas.microsoft.com/office/drawing/2014/main" xmlns="" id="{CAB535A4-5143-4093-843F-192D43D9D1C9}"/>
+                </a:ext>
+              </a:extLst>
+            </p:cNvPr>
+            <p:cNvSpPr txBox="1"/>
+            <p:nvPr/>
+          </p:nvSpPr>
+          <p:spPr>
+            <a:xfrm>
+              <a:off x="2540000" y="3159760"/>
+              <a:ext cx="2204710" cy="369332"/>
+            </a:xfrm>
+            <a:prstGeom prst="rect">
+              <a:avLst/>
+            </a:prstGeom>
+            <a:noFill/>
+          </p:spPr>
+          <p:txBody>
+            <a:bodyPr wrap="square" rtlCol="0">
+              <a:spAutoFit/>
+            </a:bodyPr>
+            <a:lstStyle/>
+            <a:p>
+              <a:r>
+                <a:rPr lang="en-US" dirty="0"/>
+                <a:t>Feature branch 2</a:t>
+              </a:r>
+            </a:p>
+          </p:txBody>
+        </p:sp>
+        <p:sp>
+          <p:nvSpPr>
+            <p:cNvPr id="25" name="TextBox 24">
+              <a:extLst>
+                <a:ext uri="{FF2B5EF4-FFF2-40B4-BE49-F238E27FC236}">
+                  <a16:creationId xmlns:a16="http://schemas.microsoft.com/office/drawing/2014/main" xmlns="" id="{7E9B62C8-2987-43A8-A97F-10B53B645FA6}"/>
+                </a:ext>
+              </a:extLst>
+            </p:cNvPr>
+            <p:cNvSpPr txBox="1"/>
+            <p:nvPr/>
+          </p:nvSpPr>
+          <p:spPr>
+            <a:xfrm>
+              <a:off x="4500880" y="3139440"/>
+              <a:ext cx="2204710" cy="369332"/>
+            </a:xfrm>
+            <a:prstGeom prst="rect">
+              <a:avLst/>
+            </a:prstGeom>
+            <a:noFill/>
+          </p:spPr>
+          <p:txBody>
+            <a:bodyPr wrap="square" rtlCol="0">
+              <a:spAutoFit/>
+            </a:bodyPr>
+            <a:lstStyle/>
+            <a:p>
+              <a:r>
+                <a:rPr lang="en-US" dirty="0"/>
+                <a:t>Feature branch 3</a:t>
+              </a:r>
+            </a:p>
+          </p:txBody>
+        </p:sp>
+        <p:sp>
+          <p:nvSpPr>
+            <p:cNvPr id="26" name="TextBox 25">
+              <a:extLst>
+                <a:ext uri="{FF2B5EF4-FFF2-40B4-BE49-F238E27FC236}">
+                  <a16:creationId xmlns:a16="http://schemas.microsoft.com/office/drawing/2014/main" xmlns="" id="{62927BCB-32A0-46C0-9591-9F6D13637A23}"/>
+                </a:ext>
+              </a:extLst>
+            </p:cNvPr>
+            <p:cNvSpPr txBox="1"/>
+            <p:nvPr/>
+          </p:nvSpPr>
+          <p:spPr>
+            <a:xfrm>
+              <a:off x="6725920" y="3139440"/>
+              <a:ext cx="2204710" cy="369332"/>
+            </a:xfrm>
+            <a:prstGeom prst="rect">
+              <a:avLst/>
+            </a:prstGeom>
+            <a:noFill/>
+          </p:spPr>
+          <p:txBody>
+            <a:bodyPr wrap="square" rtlCol="0">
+              <a:spAutoFit/>
+            </a:bodyPr>
+            <a:lstStyle/>
+            <a:p>
+              <a:r>
+                <a:rPr lang="en-US" dirty="0"/>
+                <a:t>Feature branch 4</a:t>
+              </a:r>
+            </a:p>
+          </p:txBody>
+        </p:sp>
+        <p:sp>
+          <p:nvSpPr>
+            <p:cNvPr id="27" name="TextBox 26">
+              <a:extLst>
+                <a:ext uri="{FF2B5EF4-FFF2-40B4-BE49-F238E27FC236}">
+                  <a16:creationId xmlns:a16="http://schemas.microsoft.com/office/drawing/2014/main" xmlns="" id="{E517DA92-FFD1-4BFF-A547-67F0671E2DEB}"/>
+                </a:ext>
+              </a:extLst>
+            </p:cNvPr>
+            <p:cNvSpPr txBox="1"/>
+            <p:nvPr/>
+          </p:nvSpPr>
+          <p:spPr>
+            <a:xfrm>
+              <a:off x="9438640" y="3119120"/>
+              <a:ext cx="2204710" cy="369332"/>
+            </a:xfrm>
+            <a:prstGeom prst="rect">
+              <a:avLst/>
+            </a:prstGeom>
+            <a:noFill/>
+          </p:spPr>
+          <p:txBody>
+            <a:bodyPr wrap="square" rtlCol="0">
+              <a:spAutoFit/>
+            </a:bodyPr>
+            <a:lstStyle/>
+            <a:p>
+              <a:r>
+                <a:rPr lang="en-US" dirty="0"/>
+                <a:t>Feature branch 5</a:t>
+              </a:r>
+            </a:p>
+          </p:txBody>
+        </p:sp>
+        <p:sp>
+          <p:nvSpPr>
+            <p:cNvPr id="28" name="TextBox 27">
+              <a:extLst>
+                <a:ext uri="{FF2B5EF4-FFF2-40B4-BE49-F238E27FC236}">
+                  <a16:creationId xmlns:a16="http://schemas.microsoft.com/office/drawing/2014/main" xmlns="" id="{161252B9-C3FC-47BC-BFE0-9A707FD0EB6C}"/>
+                </a:ext>
+              </a:extLst>
+            </p:cNvPr>
+            <p:cNvSpPr txBox="1"/>
+            <p:nvPr/>
+          </p:nvSpPr>
+          <p:spPr>
+            <a:xfrm>
+              <a:off x="8493760" y="812800"/>
+              <a:ext cx="2468873" cy="369332"/>
+            </a:xfrm>
+            <a:prstGeom prst="rect">
+              <a:avLst/>
+            </a:prstGeom>
+            <a:noFill/>
+          </p:spPr>
+          <p:txBody>
+            <a:bodyPr wrap="square" rtlCol="0">
+              <a:spAutoFit/>
+            </a:bodyPr>
+            <a:lstStyle/>
+            <a:p>
+              <a:r>
+                <a:rPr lang="en-US" dirty="0"/>
+                <a:t>Production env</a:t>
+              </a:r>
+            </a:p>
+          </p:txBody>
+        </p:sp>
+      </p:grpSp>
+      <p:sp>
+        <p:nvSpPr>
+          <p:cNvPr id="30" name="TextBox 29">
+            <a:extLst>
+              <a:ext uri="{FF2B5EF4-FFF2-40B4-BE49-F238E27FC236}">
+                <a16:creationId xmlns:a16="http://schemas.microsoft.com/office/drawing/2014/main" xmlns="" id="{B544C6B0-EF6C-4250-91BF-FF09779362BA}"/>
               </a:ext>
             </a:extLst>
           </p:cNvPr>
@@ -5634,8 +6345,8 @@
         </p:nvSpPr>
         <p:spPr>
           <a:xfrm>
-            <a:off x="4500880" y="558800"/>
-            <a:ext cx="2631440" cy="833120"/>
+            <a:off x="0" y="182880"/>
+            <a:ext cx="12192000" cy="707886"/>
           </a:xfrm>
           <a:prstGeom prst="rect">
             <a:avLst/>
@@ -5648,48 +6359,26 @@
           </a:bodyPr>
           <a:lstStyle/>
           <a:p>
-            <a:endParaRPr lang="en-US" dirty="0"/>
-          </a:p>
-        </p:txBody>
-      </p:sp>
-      <p:sp>
-        <p:nvSpPr>
-          <p:cNvPr id="3" name="TextBox 2">
-            <a:extLst>
-              <a:ext uri="{FF2B5EF4-FFF2-40B4-BE49-F238E27FC236}">
-                <a16:creationId xmlns:a16="http://schemas.microsoft.com/office/drawing/2014/main" id="{B544C6B0-EF6C-4250-91BF-FF09779362BA}"/>
-              </a:ext>
-            </a:extLst>
-          </p:cNvPr>
-          <p:cNvSpPr txBox="1"/>
-          <p:nvPr/>
-        </p:nvSpPr>
-        <p:spPr>
-          <a:xfrm>
-            <a:off x="0" y="182880"/>
-            <a:ext cx="12192000" cy="707886"/>
-          </a:xfrm>
-          <a:prstGeom prst="rect">
-            <a:avLst/>
-          </a:prstGeom>
-          <a:noFill/>
-        </p:spPr>
-        <p:txBody>
-          <a:bodyPr wrap="square" rtlCol="0">
-            <a:spAutoFit/>
-          </a:bodyPr>
-          <a:lstStyle/>
-          <a:p>
             <a:pPr algn="ctr"/>
             <a:r>
-              <a:rPr lang="en-US" sz="4000" dirty="0">
-                <a:solidFill>
-                  <a:schemeClr val="bg1">
-                    <a:lumMod val="50000"/>
-                  </a:schemeClr>
-                </a:solidFill>
-              </a:rPr>
-              <a:t>Common Git Commands</a:t>
+              <a:rPr lang="en-US" sz="4000" dirty="0" err="1" smtClean="0">
+                <a:solidFill>
+                  <a:schemeClr val="bg1">
+                    <a:lumMod val="50000"/>
+                  </a:schemeClr>
+                </a:solidFill>
+              </a:rPr>
+              <a:t>Git</a:t>
+            </a:r>
+            <a:r>
+              <a:rPr lang="en-US" sz="4000" dirty="0" smtClean="0">
+                <a:solidFill>
+                  <a:schemeClr val="bg1">
+                    <a:lumMod val="50000"/>
+                  </a:schemeClr>
+                </a:solidFill>
+              </a:rPr>
+              <a:t> Branching</a:t>
             </a:r>
             <a:endParaRPr lang="en-US" sz="4000" b="1" dirty="0">
               <a:solidFill>
@@ -5702,172 +6391,10 @@
           </a:p>
         </p:txBody>
       </p:sp>
-      <p:sp>
-        <p:nvSpPr>
-          <p:cNvPr id="4" name="TextBox 3">
-            <a:extLst>
-              <a:ext uri="{FF2B5EF4-FFF2-40B4-BE49-F238E27FC236}">
-                <a16:creationId xmlns:a16="http://schemas.microsoft.com/office/drawing/2014/main" id="{9B8DFFC6-F5A1-437C-96C6-D9151B948833}"/>
-              </a:ext>
-            </a:extLst>
-          </p:cNvPr>
-          <p:cNvSpPr txBox="1"/>
-          <p:nvPr/>
-        </p:nvSpPr>
-        <p:spPr>
-          <a:xfrm>
-            <a:off x="599440" y="944880"/>
-            <a:ext cx="8564880" cy="2708434"/>
-          </a:xfrm>
-          <a:prstGeom prst="rect">
-            <a:avLst/>
-          </a:prstGeom>
-          <a:noFill/>
-        </p:spPr>
-        <p:txBody>
-          <a:bodyPr wrap="square" rtlCol="0">
-            <a:spAutoFit/>
-          </a:bodyPr>
-          <a:lstStyle/>
-          <a:p>
-            <a:pPr marL="800100" lvl="1" indent="-342900">
-              <a:buFont typeface="Wingdings" panose="05000000000000000000" pitchFamily="2" charset="2"/>
-              <a:buChar char="§"/>
-            </a:pPr>
-            <a:r>
-              <a:rPr lang="en-US" sz="2400" dirty="0">
-                <a:solidFill>
-                  <a:schemeClr val="bg1">
-                    <a:lumMod val="50000"/>
-                  </a:schemeClr>
-                </a:solidFill>
-              </a:rPr>
-              <a:t>Chery-Pick</a:t>
-            </a:r>
-          </a:p>
-          <a:p>
-            <a:pPr lvl="2"/>
-            <a:r>
-              <a:rPr lang="en-US" sz="2400" dirty="0">
-                <a:solidFill>
-                  <a:schemeClr val="bg1">
-                    <a:lumMod val="50000"/>
-                  </a:schemeClr>
-                </a:solidFill>
-              </a:rPr>
-              <a:t>Used for merging a particular commit from one branch to another branch.</a:t>
-            </a:r>
-          </a:p>
-          <a:p>
-            <a:pPr lvl="2"/>
-            <a:endParaRPr lang="en-US" sz="2400" dirty="0">
-              <a:solidFill>
-                <a:schemeClr val="bg1">
-                  <a:lumMod val="50000"/>
-                </a:schemeClr>
-              </a:solidFill>
-            </a:endParaRPr>
-          </a:p>
-          <a:p>
-            <a:pPr marL="1371600" lvl="2" indent="-457200">
-              <a:buFont typeface="+mj-lt"/>
-              <a:buAutoNum type="arabicPeriod"/>
-            </a:pPr>
-            <a:r>
-              <a:rPr lang="en-US" dirty="0">
-                <a:solidFill>
-                  <a:schemeClr val="bg1">
-                    <a:lumMod val="50000"/>
-                  </a:schemeClr>
-                </a:solidFill>
-              </a:rPr>
-              <a:t>First you need to checkout to the target branch </a:t>
-            </a:r>
-          </a:p>
-          <a:p>
-            <a:pPr marL="1371600" lvl="2" indent="-457200">
-              <a:buFont typeface="+mj-lt"/>
-              <a:buAutoNum type="arabicPeriod"/>
-            </a:pPr>
-            <a:r>
-              <a:rPr lang="en-US" dirty="0">
-                <a:solidFill>
-                  <a:schemeClr val="bg1">
-                    <a:lumMod val="50000"/>
-                  </a:schemeClr>
-                </a:solidFill>
-              </a:rPr>
-              <a:t>Use command-</a:t>
-            </a:r>
-          </a:p>
-          <a:p>
-            <a:pPr marL="1371600" lvl="2" indent="-457200">
-              <a:buFont typeface="+mj-lt"/>
-              <a:buAutoNum type="arabicPeriod"/>
-            </a:pPr>
-            <a:r>
-              <a:rPr lang="en-US" dirty="0">
-                <a:solidFill>
-                  <a:schemeClr val="bg1">
-                    <a:lumMod val="50000"/>
-                  </a:schemeClr>
-                </a:solidFill>
-              </a:rPr>
-              <a:t>	git cherry-pick &lt;</a:t>
-            </a:r>
-            <a:r>
-              <a:rPr lang="en-US" dirty="0" err="1">
-                <a:solidFill>
-                  <a:schemeClr val="bg1">
-                    <a:lumMod val="50000"/>
-                  </a:schemeClr>
-                </a:solidFill>
-              </a:rPr>
-              <a:t>commitid</a:t>
-            </a:r>
-            <a:r>
-              <a:rPr lang="en-US" dirty="0">
-                <a:solidFill>
-                  <a:schemeClr val="bg1">
-                    <a:lumMod val="50000"/>
-                  </a:schemeClr>
-                </a:solidFill>
-              </a:rPr>
-              <a:t>&gt;</a:t>
-            </a:r>
-          </a:p>
-          <a:p>
-            <a:pPr marL="1371600" lvl="2" indent="-457200">
-              <a:buFont typeface="+mj-lt"/>
-              <a:buAutoNum type="arabicPeriod"/>
-            </a:pPr>
-            <a:r>
-              <a:rPr lang="en-US" sz="1400" dirty="0">
-                <a:solidFill>
-                  <a:schemeClr val="bg1">
-                    <a:lumMod val="50000"/>
-                  </a:schemeClr>
-                </a:solidFill>
-              </a:rPr>
-              <a:t>Co</a:t>
-            </a:r>
-            <a:r>
-              <a:rPr lang="en-US" dirty="0">
-                <a:solidFill>
-                  <a:schemeClr val="bg1">
-                    <a:lumMod val="50000"/>
-                  </a:schemeClr>
-                </a:solidFill>
-              </a:rPr>
-              <a:t>mmit the changes and push it to remote target branch</a:t>
-            </a:r>
-          </a:p>
-        </p:txBody>
-      </p:sp>
     </p:spTree>
     <p:extLst>
       <p:ext uri="{BB962C8B-B14F-4D97-AF65-F5344CB8AC3E}">
-        <p14:creationId xmlns:p14="http://schemas.microsoft.com/office/powerpoint/2010/main" val="1380878122"/>
+        <p14:creationId xmlns:p14="http://schemas.microsoft.com/office/powerpoint/2010/main" xmlns="" val="1699318202"/>
       </p:ext>
     </p:extLst>
   </p:cSld>
@@ -5896,57 +6423,42 @@
       </p:grpSpPr>
       <p:sp>
         <p:nvSpPr>
-          <p:cNvPr id="4" name="Rectangle 3">
-            <a:extLst>
-              <a:ext uri="{FF2B5EF4-FFF2-40B4-BE49-F238E27FC236}">
-                <a16:creationId xmlns:a16="http://schemas.microsoft.com/office/drawing/2014/main" id="{EC5143AD-4D67-4C7B-AD8E-160E06C245D1}"/>
-              </a:ext>
-            </a:extLst>
-          </p:cNvPr>
-          <p:cNvSpPr/>
+          <p:cNvPr id="2" name="TextBox 1">
+            <a:extLst>
+              <a:ext uri="{FF2B5EF4-FFF2-40B4-BE49-F238E27FC236}">
+                <a16:creationId xmlns:a16="http://schemas.microsoft.com/office/drawing/2014/main" xmlns="" id="{8DA34F60-C036-4B57-8DAB-1153FCC4B013}"/>
+              </a:ext>
+            </a:extLst>
+          </p:cNvPr>
+          <p:cNvSpPr txBox="1"/>
           <p:nvPr/>
         </p:nvSpPr>
         <p:spPr>
           <a:xfrm>
-            <a:off x="3942080" y="701040"/>
-            <a:ext cx="3881120" cy="548640"/>
+            <a:off x="4500880" y="558800"/>
+            <a:ext cx="2631440" cy="833120"/>
           </a:xfrm>
           <a:prstGeom prst="rect">
             <a:avLst/>
           </a:prstGeom>
           <a:noFill/>
         </p:spPr>
-        <p:style>
-          <a:lnRef idx="2">
-            <a:schemeClr val="accent1">
-              <a:shade val="50000"/>
-            </a:schemeClr>
-          </a:lnRef>
-          <a:fillRef idx="1">
-            <a:schemeClr val="accent1"/>
-          </a:fillRef>
-          <a:effectRef idx="0">
-            <a:schemeClr val="accent1"/>
-          </a:effectRef>
-          <a:fontRef idx="minor">
-            <a:schemeClr val="lt1"/>
-          </a:fontRef>
-        </p:style>
-        <p:txBody>
-          <a:bodyPr rtlCol="0" anchor="ctr"/>
-          <a:lstStyle/>
-          <a:p>
-            <a:pPr algn="ctr"/>
-            <a:endParaRPr lang="en-US"/>
-          </a:p>
-        </p:txBody>
-      </p:sp>
-      <p:sp>
-        <p:nvSpPr>
-          <p:cNvPr id="5" name="TextBox 4">
-            <a:extLst>
-              <a:ext uri="{FF2B5EF4-FFF2-40B4-BE49-F238E27FC236}">
-                <a16:creationId xmlns:a16="http://schemas.microsoft.com/office/drawing/2014/main" id="{8C56556E-E067-4FC4-B0B5-ED770D22DC5F}"/>
+        <p:txBody>
+          <a:bodyPr wrap="square" rtlCol="0">
+            <a:spAutoFit/>
+          </a:bodyPr>
+          <a:lstStyle/>
+          <a:p>
+            <a:endParaRPr lang="en-US" dirty="0"/>
+          </a:p>
+        </p:txBody>
+      </p:sp>
+      <p:sp>
+        <p:nvSpPr>
+          <p:cNvPr id="3" name="TextBox 2">
+            <a:extLst>
+              <a:ext uri="{FF2B5EF4-FFF2-40B4-BE49-F238E27FC236}">
+                <a16:creationId xmlns:a16="http://schemas.microsoft.com/office/drawing/2014/main" xmlns="" id="{B544C6B0-EF6C-4250-91BF-FF09779362BA}"/>
               </a:ext>
             </a:extLst>
           </p:cNvPr>
@@ -5955,8 +6467,8 @@
         </p:nvSpPr>
         <p:spPr>
           <a:xfrm>
-            <a:off x="5049520" y="812800"/>
-            <a:ext cx="1402080" cy="369332"/>
+            <a:off x="0" y="42200"/>
+            <a:ext cx="12192000" cy="707886"/>
           </a:xfrm>
           <a:prstGeom prst="rect">
             <a:avLst/>
@@ -5969,604 +6481,542 @@
           </a:bodyPr>
           <a:lstStyle/>
           <a:p>
-            <a:r>
-              <a:rPr lang="en-US" dirty="0"/>
-              <a:t>Main branch</a:t>
-            </a:r>
-          </a:p>
-        </p:txBody>
-      </p:sp>
-      <p:cxnSp>
-        <p:nvCxnSpPr>
-          <p:cNvPr id="7" name="Straight Connector 6">
-            <a:extLst>
-              <a:ext uri="{FF2B5EF4-FFF2-40B4-BE49-F238E27FC236}">
-                <a16:creationId xmlns:a16="http://schemas.microsoft.com/office/drawing/2014/main" id="{19BBE1A2-E3F7-4197-BF83-99EAA1C6DAEE}"/>
-              </a:ext>
-            </a:extLst>
-          </p:cNvPr>
-          <p:cNvCxnSpPr>
-            <a:cxnSpLocks/>
-            <a:stCxn id="4" idx="2"/>
-            <a:endCxn id="8" idx="0"/>
-          </p:cNvCxnSpPr>
+            <a:pPr algn="ctr"/>
+            <a:r>
+              <a:rPr lang="en-US" sz="4000" dirty="0" smtClean="0">
+                <a:solidFill>
+                  <a:schemeClr val="bg1">
+                    <a:lumMod val="50000"/>
+                  </a:schemeClr>
+                </a:solidFill>
+              </a:rPr>
+              <a:t>Advanced </a:t>
+            </a:r>
+            <a:r>
+              <a:rPr lang="en-US" sz="4000" dirty="0">
+                <a:solidFill>
+                  <a:schemeClr val="bg1">
+                    <a:lumMod val="50000"/>
+                  </a:schemeClr>
+                </a:solidFill>
+              </a:rPr>
+              <a:t>Git Commands</a:t>
+            </a:r>
+            <a:endParaRPr lang="en-US" sz="4000" b="1" dirty="0">
+              <a:solidFill>
+                <a:schemeClr val="bg1">
+                  <a:lumMod val="50000"/>
+                </a:schemeClr>
+              </a:solidFill>
+              <a:latin typeface="+mj-lt"/>
+            </a:endParaRPr>
+          </a:p>
+        </p:txBody>
+      </p:sp>
+      <p:sp>
+        <p:nvSpPr>
+          <p:cNvPr id="4" name="TextBox 3">
+            <a:extLst>
+              <a:ext uri="{FF2B5EF4-FFF2-40B4-BE49-F238E27FC236}">
+                <a16:creationId xmlns:a16="http://schemas.microsoft.com/office/drawing/2014/main" xmlns="" id="{9B8DFFC6-F5A1-437C-96C6-D9151B948833}"/>
+              </a:ext>
+            </a:extLst>
+          </p:cNvPr>
+          <p:cNvSpPr txBox="1"/>
           <p:nvPr/>
-        </p:nvCxnSpPr>
-        <p:spPr>
-          <a:xfrm>
-            <a:off x="5882640" y="1249680"/>
-            <a:ext cx="35560" cy="467360"/>
-          </a:xfrm>
-          <a:prstGeom prst="line">
-            <a:avLst/>
-          </a:prstGeom>
-        </p:spPr>
-        <p:style>
-          <a:lnRef idx="1">
-            <a:schemeClr val="accent1"/>
-          </a:lnRef>
-          <a:fillRef idx="0">
-            <a:schemeClr val="accent1"/>
-          </a:fillRef>
-          <a:effectRef idx="0">
-            <a:schemeClr val="accent1"/>
-          </a:effectRef>
-          <a:fontRef idx="minor">
-            <a:schemeClr val="tx1"/>
-          </a:fontRef>
-        </p:style>
-      </p:cxnSp>
-      <p:sp>
-        <p:nvSpPr>
-          <p:cNvPr id="8" name="Rectangle 7">
-            <a:extLst>
-              <a:ext uri="{FF2B5EF4-FFF2-40B4-BE49-F238E27FC236}">
-                <a16:creationId xmlns:a16="http://schemas.microsoft.com/office/drawing/2014/main" id="{53FB852D-81CE-4E91-88D7-F5A6315E7F9D}"/>
-              </a:ext>
-            </a:extLst>
-          </p:cNvPr>
-          <p:cNvSpPr/>
-          <p:nvPr/>
-        </p:nvSpPr>
-        <p:spPr>
-          <a:xfrm>
-            <a:off x="3942080" y="1717040"/>
-            <a:ext cx="3952240" cy="548640"/>
+        </p:nvSpPr>
+        <p:spPr>
+          <a:xfrm>
+            <a:off x="599439" y="590840"/>
+            <a:ext cx="11273693" cy="6698661"/>
           </a:xfrm>
           <a:prstGeom prst="rect">
             <a:avLst/>
           </a:prstGeom>
           <a:noFill/>
         </p:spPr>
-        <p:style>
-          <a:lnRef idx="2">
-            <a:schemeClr val="accent1">
-              <a:shade val="50000"/>
-            </a:schemeClr>
-          </a:lnRef>
-          <a:fillRef idx="1">
-            <a:schemeClr val="accent1"/>
-          </a:fillRef>
-          <a:effectRef idx="0">
-            <a:schemeClr val="accent1"/>
-          </a:effectRef>
-          <a:fontRef idx="minor">
-            <a:schemeClr val="lt1"/>
-          </a:fontRef>
-        </p:style>
-        <p:txBody>
-          <a:bodyPr rtlCol="0" anchor="ctr"/>
-          <a:lstStyle/>
-          <a:p>
-            <a:pPr algn="ctr"/>
-            <a:endParaRPr lang="en-US"/>
-          </a:p>
-        </p:txBody>
-      </p:sp>
-      <p:sp>
-        <p:nvSpPr>
-          <p:cNvPr id="9" name="TextBox 8">
-            <a:extLst>
-              <a:ext uri="{FF2B5EF4-FFF2-40B4-BE49-F238E27FC236}">
-                <a16:creationId xmlns:a16="http://schemas.microsoft.com/office/drawing/2014/main" id="{56FF7CF5-5CC0-4132-8128-49F5B8F194CE}"/>
-              </a:ext>
-            </a:extLst>
-          </p:cNvPr>
-          <p:cNvSpPr txBox="1"/>
-          <p:nvPr/>
-        </p:nvSpPr>
-        <p:spPr>
-          <a:xfrm>
-            <a:off x="4572000" y="1808480"/>
-            <a:ext cx="3007360" cy="369332"/>
-          </a:xfrm>
-          <a:prstGeom prst="rect">
-            <a:avLst/>
-          </a:prstGeom>
-          <a:noFill/>
-        </p:spPr>
         <p:txBody>
           <a:bodyPr wrap="square" rtlCol="0">
             <a:spAutoFit/>
           </a:bodyPr>
           <a:lstStyle/>
           <a:p>
-            <a:r>
-              <a:rPr lang="en-US" dirty="0"/>
-              <a:t>Develop branch (child of Main</a:t>
-            </a:r>
-          </a:p>
-        </p:txBody>
-      </p:sp>
-      <p:cxnSp>
-        <p:nvCxnSpPr>
-          <p:cNvPr id="12" name="Straight Connector 11">
-            <a:extLst>
-              <a:ext uri="{FF2B5EF4-FFF2-40B4-BE49-F238E27FC236}">
-                <a16:creationId xmlns:a16="http://schemas.microsoft.com/office/drawing/2014/main" id="{B8E257B8-94BC-4EE5-B79A-F8DE2A59751F}"/>
-              </a:ext>
-            </a:extLst>
-          </p:cNvPr>
-          <p:cNvCxnSpPr>
-            <a:cxnSpLocks/>
-            <a:stCxn id="8" idx="2"/>
-          </p:cNvCxnSpPr>
-          <p:nvPr/>
-        </p:nvCxnSpPr>
-        <p:spPr>
-          <a:xfrm>
-            <a:off x="5918200" y="2265680"/>
-            <a:ext cx="0" cy="487680"/>
-          </a:xfrm>
-          <a:prstGeom prst="line">
-            <a:avLst/>
-          </a:prstGeom>
-        </p:spPr>
-        <p:style>
-          <a:lnRef idx="1">
-            <a:schemeClr val="accent1"/>
-          </a:lnRef>
-          <a:fillRef idx="0">
-            <a:schemeClr val="accent1"/>
-          </a:fillRef>
-          <a:effectRef idx="0">
-            <a:schemeClr val="accent1"/>
-          </a:effectRef>
-          <a:fontRef idx="minor">
-            <a:schemeClr val="tx1"/>
-          </a:fontRef>
-        </p:style>
-      </p:cxnSp>
-      <p:cxnSp>
-        <p:nvCxnSpPr>
-          <p:cNvPr id="14" name="Straight Connector 13">
-            <a:extLst>
-              <a:ext uri="{FF2B5EF4-FFF2-40B4-BE49-F238E27FC236}">
-                <a16:creationId xmlns:a16="http://schemas.microsoft.com/office/drawing/2014/main" id="{062B4D7B-9553-467D-8F20-CBE53C50E1D2}"/>
-              </a:ext>
-            </a:extLst>
-          </p:cNvPr>
-          <p:cNvCxnSpPr/>
-          <p:nvPr/>
-        </p:nvCxnSpPr>
-        <p:spPr>
-          <a:xfrm>
-            <a:off x="1529080" y="2763520"/>
-            <a:ext cx="9133840" cy="0"/>
-          </a:xfrm>
-          <a:prstGeom prst="line">
-            <a:avLst/>
-          </a:prstGeom>
-        </p:spPr>
-        <p:style>
-          <a:lnRef idx="1">
-            <a:schemeClr val="accent1"/>
-          </a:lnRef>
-          <a:fillRef idx="0">
-            <a:schemeClr val="accent1"/>
-          </a:fillRef>
-          <a:effectRef idx="0">
-            <a:schemeClr val="accent1"/>
-          </a:effectRef>
-          <a:fontRef idx="minor">
-            <a:schemeClr val="tx1"/>
-          </a:fontRef>
-        </p:style>
-      </p:cxnSp>
-      <p:cxnSp>
-        <p:nvCxnSpPr>
-          <p:cNvPr id="17" name="Straight Connector 16">
-            <a:extLst>
-              <a:ext uri="{FF2B5EF4-FFF2-40B4-BE49-F238E27FC236}">
-                <a16:creationId xmlns:a16="http://schemas.microsoft.com/office/drawing/2014/main" id="{D4D8EC26-3092-4BEE-A15F-09F9FB4B79E2}"/>
-              </a:ext>
-            </a:extLst>
-          </p:cNvPr>
-          <p:cNvCxnSpPr/>
-          <p:nvPr/>
-        </p:nvCxnSpPr>
-        <p:spPr>
-          <a:xfrm>
-            <a:off x="1534160" y="2753360"/>
-            <a:ext cx="0" cy="365760"/>
-          </a:xfrm>
-          <a:prstGeom prst="line">
-            <a:avLst/>
-          </a:prstGeom>
-        </p:spPr>
-        <p:style>
-          <a:lnRef idx="1">
-            <a:schemeClr val="accent1"/>
-          </a:lnRef>
-          <a:fillRef idx="0">
-            <a:schemeClr val="accent1"/>
-          </a:fillRef>
-          <a:effectRef idx="0">
-            <a:schemeClr val="accent1"/>
-          </a:effectRef>
-          <a:fontRef idx="minor">
-            <a:schemeClr val="tx1"/>
-          </a:fontRef>
-        </p:style>
-      </p:cxnSp>
-      <p:cxnSp>
-        <p:nvCxnSpPr>
-          <p:cNvPr id="19" name="Straight Connector 18">
-            <a:extLst>
-              <a:ext uri="{FF2B5EF4-FFF2-40B4-BE49-F238E27FC236}">
-                <a16:creationId xmlns:a16="http://schemas.microsoft.com/office/drawing/2014/main" id="{F88C590A-CD49-4E76-93C1-DBAECF777645}"/>
-              </a:ext>
-            </a:extLst>
-          </p:cNvPr>
-          <p:cNvCxnSpPr/>
-          <p:nvPr/>
-        </p:nvCxnSpPr>
-        <p:spPr>
-          <a:xfrm>
-            <a:off x="3708400" y="2753360"/>
-            <a:ext cx="0" cy="365760"/>
-          </a:xfrm>
-          <a:prstGeom prst="line">
-            <a:avLst/>
-          </a:prstGeom>
-        </p:spPr>
-        <p:style>
-          <a:lnRef idx="1">
-            <a:schemeClr val="accent1"/>
-          </a:lnRef>
-          <a:fillRef idx="0">
-            <a:schemeClr val="accent1"/>
-          </a:fillRef>
-          <a:effectRef idx="0">
-            <a:schemeClr val="accent1"/>
-          </a:effectRef>
-          <a:fontRef idx="minor">
-            <a:schemeClr val="tx1"/>
-          </a:fontRef>
-        </p:style>
-      </p:cxnSp>
-      <p:cxnSp>
-        <p:nvCxnSpPr>
-          <p:cNvPr id="20" name="Straight Connector 19">
-            <a:extLst>
-              <a:ext uri="{FF2B5EF4-FFF2-40B4-BE49-F238E27FC236}">
-                <a16:creationId xmlns:a16="http://schemas.microsoft.com/office/drawing/2014/main" id="{8FA7ECDC-6889-4CDD-83E5-357686B28B2A}"/>
-              </a:ext>
-            </a:extLst>
-          </p:cNvPr>
-          <p:cNvCxnSpPr/>
-          <p:nvPr/>
-        </p:nvCxnSpPr>
-        <p:spPr>
-          <a:xfrm>
-            <a:off x="5648960" y="2743200"/>
-            <a:ext cx="0" cy="365760"/>
-          </a:xfrm>
-          <a:prstGeom prst="line">
-            <a:avLst/>
-          </a:prstGeom>
-        </p:spPr>
-        <p:style>
-          <a:lnRef idx="1">
-            <a:schemeClr val="accent1"/>
-          </a:lnRef>
-          <a:fillRef idx="0">
-            <a:schemeClr val="accent1"/>
-          </a:fillRef>
-          <a:effectRef idx="0">
-            <a:schemeClr val="accent1"/>
-          </a:effectRef>
-          <a:fontRef idx="minor">
-            <a:schemeClr val="tx1"/>
-          </a:fontRef>
-        </p:style>
-      </p:cxnSp>
-      <p:cxnSp>
-        <p:nvCxnSpPr>
-          <p:cNvPr id="21" name="Straight Connector 20">
-            <a:extLst>
-              <a:ext uri="{FF2B5EF4-FFF2-40B4-BE49-F238E27FC236}">
-                <a16:creationId xmlns:a16="http://schemas.microsoft.com/office/drawing/2014/main" id="{DA4EA02E-A089-4717-873F-4FC7F7F86923}"/>
-              </a:ext>
-            </a:extLst>
-          </p:cNvPr>
-          <p:cNvCxnSpPr/>
-          <p:nvPr/>
-        </p:nvCxnSpPr>
-        <p:spPr>
-          <a:xfrm>
-            <a:off x="7874000" y="2733040"/>
-            <a:ext cx="0" cy="365760"/>
-          </a:xfrm>
-          <a:prstGeom prst="line">
-            <a:avLst/>
-          </a:prstGeom>
-        </p:spPr>
-        <p:style>
-          <a:lnRef idx="1">
-            <a:schemeClr val="accent1"/>
-          </a:lnRef>
-          <a:fillRef idx="0">
-            <a:schemeClr val="accent1"/>
-          </a:fillRef>
-          <a:effectRef idx="0">
-            <a:schemeClr val="accent1"/>
-          </a:effectRef>
-          <a:fontRef idx="minor">
-            <a:schemeClr val="tx1"/>
-          </a:fontRef>
-        </p:style>
-      </p:cxnSp>
-      <p:cxnSp>
-        <p:nvCxnSpPr>
-          <p:cNvPr id="22" name="Straight Connector 21">
-            <a:extLst>
-              <a:ext uri="{FF2B5EF4-FFF2-40B4-BE49-F238E27FC236}">
-                <a16:creationId xmlns:a16="http://schemas.microsoft.com/office/drawing/2014/main" id="{AFB21F47-2FD5-430E-B1F0-FAE07309E98E}"/>
-              </a:ext>
-            </a:extLst>
-          </p:cNvPr>
-          <p:cNvCxnSpPr/>
-          <p:nvPr/>
-        </p:nvCxnSpPr>
-        <p:spPr>
-          <a:xfrm>
-            <a:off x="10627360" y="2743200"/>
-            <a:ext cx="0" cy="365760"/>
-          </a:xfrm>
-          <a:prstGeom prst="line">
-            <a:avLst/>
-          </a:prstGeom>
-        </p:spPr>
-        <p:style>
-          <a:lnRef idx="1">
-            <a:schemeClr val="accent1"/>
-          </a:lnRef>
-          <a:fillRef idx="0">
-            <a:schemeClr val="accent1"/>
-          </a:fillRef>
-          <a:effectRef idx="0">
-            <a:schemeClr val="accent1"/>
-          </a:effectRef>
-          <a:fontRef idx="minor">
-            <a:schemeClr val="tx1"/>
-          </a:fontRef>
-        </p:style>
-      </p:cxnSp>
-      <p:sp>
-        <p:nvSpPr>
-          <p:cNvPr id="23" name="TextBox 22">
-            <a:extLst>
-              <a:ext uri="{FF2B5EF4-FFF2-40B4-BE49-F238E27FC236}">
-                <a16:creationId xmlns:a16="http://schemas.microsoft.com/office/drawing/2014/main" id="{B64BB359-F08B-44C6-A090-1507EB5E8877}"/>
-              </a:ext>
-            </a:extLst>
-          </p:cNvPr>
-          <p:cNvSpPr txBox="1"/>
-          <p:nvPr/>
-        </p:nvSpPr>
-        <p:spPr>
-          <a:xfrm>
-            <a:off x="599440" y="3129280"/>
-            <a:ext cx="2204710" cy="369332"/>
-          </a:xfrm>
-          <a:prstGeom prst="rect">
-            <a:avLst/>
-          </a:prstGeom>
-          <a:noFill/>
-        </p:spPr>
-        <p:txBody>
-          <a:bodyPr wrap="square" rtlCol="0">
-            <a:spAutoFit/>
-          </a:bodyPr>
-          <a:lstStyle/>
-          <a:p>
-            <a:r>
-              <a:rPr lang="en-US" dirty="0"/>
-              <a:t>Feature branch 1</a:t>
-            </a:r>
-          </a:p>
-        </p:txBody>
-      </p:sp>
-      <p:sp>
-        <p:nvSpPr>
-          <p:cNvPr id="24" name="TextBox 23">
-            <a:extLst>
-              <a:ext uri="{FF2B5EF4-FFF2-40B4-BE49-F238E27FC236}">
-                <a16:creationId xmlns:a16="http://schemas.microsoft.com/office/drawing/2014/main" id="{CAB535A4-5143-4093-843F-192D43D9D1C9}"/>
-              </a:ext>
-            </a:extLst>
-          </p:cNvPr>
-          <p:cNvSpPr txBox="1"/>
-          <p:nvPr/>
-        </p:nvSpPr>
-        <p:spPr>
-          <a:xfrm>
-            <a:off x="2540000" y="3159760"/>
-            <a:ext cx="2204710" cy="369332"/>
-          </a:xfrm>
-          <a:prstGeom prst="rect">
-            <a:avLst/>
-          </a:prstGeom>
-          <a:noFill/>
-        </p:spPr>
-        <p:txBody>
-          <a:bodyPr wrap="square" rtlCol="0">
-            <a:spAutoFit/>
-          </a:bodyPr>
-          <a:lstStyle/>
-          <a:p>
-            <a:r>
-              <a:rPr lang="en-US" dirty="0"/>
-              <a:t>Feature branch 2</a:t>
-            </a:r>
-          </a:p>
-        </p:txBody>
-      </p:sp>
-      <p:sp>
-        <p:nvSpPr>
-          <p:cNvPr id="25" name="TextBox 24">
-            <a:extLst>
-              <a:ext uri="{FF2B5EF4-FFF2-40B4-BE49-F238E27FC236}">
-                <a16:creationId xmlns:a16="http://schemas.microsoft.com/office/drawing/2014/main" id="{7E9B62C8-2987-43A8-A97F-10B53B645FA6}"/>
-              </a:ext>
-            </a:extLst>
-          </p:cNvPr>
-          <p:cNvSpPr txBox="1"/>
-          <p:nvPr/>
-        </p:nvSpPr>
-        <p:spPr>
-          <a:xfrm>
-            <a:off x="4500880" y="3139440"/>
-            <a:ext cx="2204710" cy="369332"/>
-          </a:xfrm>
-          <a:prstGeom prst="rect">
-            <a:avLst/>
-          </a:prstGeom>
-          <a:noFill/>
-        </p:spPr>
-        <p:txBody>
-          <a:bodyPr wrap="square" rtlCol="0">
-            <a:spAutoFit/>
-          </a:bodyPr>
-          <a:lstStyle/>
-          <a:p>
-            <a:r>
-              <a:rPr lang="en-US" dirty="0"/>
-              <a:t>Feature branch 3</a:t>
-            </a:r>
-          </a:p>
-        </p:txBody>
-      </p:sp>
-      <p:sp>
-        <p:nvSpPr>
-          <p:cNvPr id="26" name="TextBox 25">
-            <a:extLst>
-              <a:ext uri="{FF2B5EF4-FFF2-40B4-BE49-F238E27FC236}">
-                <a16:creationId xmlns:a16="http://schemas.microsoft.com/office/drawing/2014/main" id="{62927BCB-32A0-46C0-9591-9F6D13637A23}"/>
-              </a:ext>
-            </a:extLst>
-          </p:cNvPr>
-          <p:cNvSpPr txBox="1"/>
-          <p:nvPr/>
-        </p:nvSpPr>
-        <p:spPr>
-          <a:xfrm>
-            <a:off x="6725920" y="3139440"/>
-            <a:ext cx="2204710" cy="369332"/>
-          </a:xfrm>
-          <a:prstGeom prst="rect">
-            <a:avLst/>
-          </a:prstGeom>
-          <a:noFill/>
-        </p:spPr>
-        <p:txBody>
-          <a:bodyPr wrap="square" rtlCol="0">
-            <a:spAutoFit/>
-          </a:bodyPr>
-          <a:lstStyle/>
-          <a:p>
-            <a:r>
-              <a:rPr lang="en-US" dirty="0"/>
-              <a:t>Feature branch 4</a:t>
-            </a:r>
-          </a:p>
-        </p:txBody>
-      </p:sp>
-      <p:sp>
-        <p:nvSpPr>
-          <p:cNvPr id="27" name="TextBox 26">
-            <a:extLst>
-              <a:ext uri="{FF2B5EF4-FFF2-40B4-BE49-F238E27FC236}">
-                <a16:creationId xmlns:a16="http://schemas.microsoft.com/office/drawing/2014/main" id="{E517DA92-FFD1-4BFF-A547-67F0671E2DEB}"/>
-              </a:ext>
-            </a:extLst>
-          </p:cNvPr>
-          <p:cNvSpPr txBox="1"/>
-          <p:nvPr/>
-        </p:nvSpPr>
-        <p:spPr>
-          <a:xfrm>
-            <a:off x="9438640" y="3119120"/>
-            <a:ext cx="2204710" cy="369332"/>
-          </a:xfrm>
-          <a:prstGeom prst="rect">
-            <a:avLst/>
-          </a:prstGeom>
-          <a:noFill/>
-        </p:spPr>
-        <p:txBody>
-          <a:bodyPr wrap="square" rtlCol="0">
-            <a:spAutoFit/>
-          </a:bodyPr>
-          <a:lstStyle/>
-          <a:p>
-            <a:r>
-              <a:rPr lang="en-US" dirty="0"/>
-              <a:t>Feature branch 5</a:t>
-            </a:r>
-          </a:p>
-        </p:txBody>
-      </p:sp>
-      <p:sp>
-        <p:nvSpPr>
-          <p:cNvPr id="28" name="TextBox 27">
-            <a:extLst>
-              <a:ext uri="{FF2B5EF4-FFF2-40B4-BE49-F238E27FC236}">
-                <a16:creationId xmlns:a16="http://schemas.microsoft.com/office/drawing/2014/main" id="{161252B9-C3FC-47BC-BFE0-9A707FD0EB6C}"/>
-              </a:ext>
-            </a:extLst>
-          </p:cNvPr>
-          <p:cNvSpPr txBox="1"/>
-          <p:nvPr/>
-        </p:nvSpPr>
-        <p:spPr>
-          <a:xfrm>
-            <a:off x="8493760" y="812800"/>
-            <a:ext cx="2468873" cy="369332"/>
-          </a:xfrm>
-          <a:prstGeom prst="rect">
-            <a:avLst/>
-          </a:prstGeom>
-          <a:noFill/>
-        </p:spPr>
-        <p:txBody>
-          <a:bodyPr wrap="square" rtlCol="0">
-            <a:spAutoFit/>
-          </a:bodyPr>
-          <a:lstStyle/>
-          <a:p>
-            <a:r>
-              <a:rPr lang="en-US" dirty="0"/>
-              <a:t>Production env</a:t>
-            </a:r>
+            <a:pPr marL="342900" indent="-342900">
+              <a:buFont typeface="Wingdings" panose="05000000000000000000" pitchFamily="2" charset="2"/>
+              <a:buChar char="§"/>
+            </a:pPr>
+            <a:r>
+              <a:rPr lang="en-US" sz="2400" dirty="0" err="1" smtClean="0">
+                <a:solidFill>
+                  <a:schemeClr val="bg1">
+                    <a:lumMod val="50000"/>
+                  </a:schemeClr>
+                </a:solidFill>
+              </a:rPr>
+              <a:t>git</a:t>
+            </a:r>
+            <a:r>
+              <a:rPr lang="en-US" sz="2400" dirty="0" smtClean="0">
+                <a:solidFill>
+                  <a:schemeClr val="bg1">
+                    <a:lumMod val="50000"/>
+                  </a:schemeClr>
+                </a:solidFill>
+              </a:rPr>
+              <a:t> clone</a:t>
+            </a:r>
+          </a:p>
+          <a:p>
+            <a:pPr marL="342900" indent="-342900"/>
+            <a:r>
+              <a:rPr lang="en-US" sz="2400" dirty="0" smtClean="0">
+                <a:solidFill>
+                  <a:schemeClr val="bg1">
+                    <a:lumMod val="50000"/>
+                  </a:schemeClr>
+                </a:solidFill>
+              </a:rPr>
+              <a:t>	</a:t>
+            </a:r>
+            <a:r>
+              <a:rPr lang="en-US" dirty="0" smtClean="0">
+                <a:solidFill>
+                  <a:schemeClr val="bg1">
+                    <a:lumMod val="50000"/>
+                  </a:schemeClr>
+                </a:solidFill>
+              </a:rPr>
+              <a:t>cloning/getting your existing remote repository to you local</a:t>
+            </a:r>
+          </a:p>
+          <a:p>
+            <a:pPr marL="342900" indent="-342900">
+              <a:buFont typeface="Wingdings" panose="05000000000000000000" pitchFamily="2" charset="2"/>
+              <a:buChar char="§"/>
+            </a:pPr>
+            <a:r>
+              <a:rPr lang="en-US" sz="2400" dirty="0" err="1" smtClean="0">
+                <a:solidFill>
+                  <a:schemeClr val="bg1">
+                    <a:lumMod val="50000"/>
+                  </a:schemeClr>
+                </a:solidFill>
+              </a:rPr>
+              <a:t>git</a:t>
+            </a:r>
+            <a:r>
+              <a:rPr lang="en-US" sz="2400" dirty="0" smtClean="0">
+                <a:solidFill>
+                  <a:schemeClr val="bg1">
+                    <a:lumMod val="50000"/>
+                  </a:schemeClr>
+                </a:solidFill>
+              </a:rPr>
+              <a:t> pull</a:t>
+            </a:r>
+          </a:p>
+          <a:p>
+            <a:pPr marL="342900" indent="-342900"/>
+            <a:r>
+              <a:rPr lang="en-US" sz="2400" dirty="0" smtClean="0">
+                <a:solidFill>
+                  <a:schemeClr val="bg1">
+                    <a:lumMod val="50000"/>
+                  </a:schemeClr>
+                </a:solidFill>
+              </a:rPr>
+              <a:t>	</a:t>
+            </a:r>
+            <a:r>
+              <a:rPr lang="en-US" dirty="0" smtClean="0">
+                <a:solidFill>
+                  <a:schemeClr val="bg1">
+                    <a:lumMod val="50000"/>
+                  </a:schemeClr>
+                </a:solidFill>
+              </a:rPr>
+              <a:t>get/download the latest changes from the remote branch</a:t>
+            </a:r>
+          </a:p>
+          <a:p>
+            <a:pPr marL="342900" indent="-342900">
+              <a:buFont typeface="Wingdings" panose="05000000000000000000" pitchFamily="2" charset="2"/>
+              <a:buChar char="§"/>
+            </a:pPr>
+            <a:r>
+              <a:rPr lang="en-US" sz="2400" dirty="0" err="1" smtClean="0">
+                <a:solidFill>
+                  <a:schemeClr val="bg1">
+                    <a:lumMod val="50000"/>
+                  </a:schemeClr>
+                </a:solidFill>
+              </a:rPr>
+              <a:t>git</a:t>
+            </a:r>
+            <a:r>
+              <a:rPr lang="en-US" sz="2400" dirty="0" smtClean="0">
+                <a:solidFill>
+                  <a:schemeClr val="bg1">
+                    <a:lumMod val="50000"/>
+                  </a:schemeClr>
+                </a:solidFill>
+              </a:rPr>
+              <a:t> fetch</a:t>
+            </a:r>
+          </a:p>
+          <a:p>
+            <a:pPr marL="342900" indent="-342900"/>
+            <a:r>
+              <a:rPr lang="en-US" dirty="0" smtClean="0">
+                <a:solidFill>
+                  <a:schemeClr val="bg1">
+                    <a:lumMod val="50000"/>
+                  </a:schemeClr>
+                </a:solidFill>
+              </a:rPr>
+              <a:t>	fetch down all the branches from remote repository</a:t>
+            </a:r>
+          </a:p>
+          <a:p>
+            <a:pPr marL="342900" indent="-342900">
+              <a:buFont typeface="Wingdings" panose="05000000000000000000" pitchFamily="2" charset="2"/>
+              <a:buChar char="§"/>
+            </a:pPr>
+            <a:r>
+              <a:rPr lang="en-US" sz="2400" dirty="0" err="1" smtClean="0">
+                <a:solidFill>
+                  <a:schemeClr val="bg1">
+                    <a:lumMod val="50000"/>
+                  </a:schemeClr>
+                </a:solidFill>
+              </a:rPr>
+              <a:t>git</a:t>
+            </a:r>
+            <a:r>
+              <a:rPr lang="en-US" sz="2400" dirty="0" smtClean="0">
+                <a:solidFill>
+                  <a:schemeClr val="bg1">
+                    <a:lumMod val="50000"/>
+                  </a:schemeClr>
+                </a:solidFill>
+              </a:rPr>
+              <a:t> branch</a:t>
+            </a:r>
+          </a:p>
+          <a:p>
+            <a:pPr marL="342900" indent="-342900"/>
+            <a:r>
+              <a:rPr lang="en-US" sz="2400" dirty="0" smtClean="0">
+                <a:solidFill>
+                  <a:schemeClr val="bg1">
+                    <a:lumMod val="50000"/>
+                  </a:schemeClr>
+                </a:solidFill>
+              </a:rPr>
+              <a:t>	</a:t>
+            </a:r>
+            <a:r>
+              <a:rPr lang="en-US" dirty="0" smtClean="0">
+                <a:solidFill>
+                  <a:schemeClr val="bg1">
+                    <a:lumMod val="50000"/>
+                  </a:schemeClr>
+                </a:solidFill>
+              </a:rPr>
+              <a:t>list all the branches from your local repository. A '*' will appear next to the current active branch</a:t>
+            </a:r>
+          </a:p>
+          <a:p>
+            <a:pPr marL="342900" indent="-342900">
+              <a:buFont typeface="Wingdings" panose="05000000000000000000" pitchFamily="2" charset="2"/>
+              <a:buChar char="§"/>
+            </a:pPr>
+            <a:r>
+              <a:rPr lang="en-US" sz="2400" dirty="0" err="1" smtClean="0">
+                <a:solidFill>
+                  <a:schemeClr val="bg1">
+                    <a:lumMod val="50000"/>
+                  </a:schemeClr>
+                </a:solidFill>
+              </a:rPr>
+              <a:t>git</a:t>
+            </a:r>
+            <a:r>
+              <a:rPr lang="en-US" sz="2400" dirty="0" smtClean="0">
+                <a:solidFill>
+                  <a:schemeClr val="bg1">
+                    <a:lumMod val="50000"/>
+                  </a:schemeClr>
+                </a:solidFill>
+              </a:rPr>
+              <a:t> branch &lt;branch name&gt;</a:t>
+            </a:r>
+          </a:p>
+          <a:p>
+            <a:pPr marL="342900" indent="-342900"/>
+            <a:r>
+              <a:rPr lang="en-US" sz="2400" dirty="0" smtClean="0">
+                <a:solidFill>
+                  <a:schemeClr val="bg1">
+                    <a:lumMod val="50000"/>
+                  </a:schemeClr>
+                </a:solidFill>
+              </a:rPr>
+              <a:t>	</a:t>
+            </a:r>
+            <a:r>
+              <a:rPr lang="en-US" dirty="0" smtClean="0">
+                <a:solidFill>
+                  <a:schemeClr val="bg1">
+                    <a:lumMod val="50000"/>
+                  </a:schemeClr>
+                </a:solidFill>
+              </a:rPr>
+              <a:t>Creates new branch</a:t>
+            </a:r>
+          </a:p>
+          <a:p>
+            <a:pPr marL="342900" indent="-342900">
+              <a:buFont typeface="Wingdings" panose="05000000000000000000" pitchFamily="2" charset="2"/>
+              <a:buChar char="§"/>
+            </a:pPr>
+            <a:r>
+              <a:rPr lang="en-US" sz="2400" dirty="0" err="1" smtClean="0">
+                <a:solidFill>
+                  <a:schemeClr val="bg1">
+                    <a:lumMod val="50000"/>
+                  </a:schemeClr>
+                </a:solidFill>
+              </a:rPr>
+              <a:t>git</a:t>
+            </a:r>
+            <a:r>
+              <a:rPr lang="en-US" sz="2400" dirty="0" smtClean="0">
+                <a:solidFill>
+                  <a:schemeClr val="bg1">
+                    <a:lumMod val="50000"/>
+                  </a:schemeClr>
+                </a:solidFill>
+              </a:rPr>
+              <a:t> checkout &lt;branch name&gt;</a:t>
+            </a:r>
+          </a:p>
+          <a:p>
+            <a:pPr marL="342900" indent="-342900"/>
+            <a:r>
+              <a:rPr lang="en-US" sz="2400" dirty="0" smtClean="0">
+                <a:solidFill>
+                  <a:schemeClr val="bg1">
+                    <a:lumMod val="50000"/>
+                  </a:schemeClr>
+                </a:solidFill>
+              </a:rPr>
+              <a:t>	</a:t>
+            </a:r>
+            <a:r>
+              <a:rPr lang="en-US" dirty="0" smtClean="0">
+                <a:solidFill>
+                  <a:schemeClr val="bg1">
+                    <a:lumMod val="50000"/>
+                  </a:schemeClr>
+                </a:solidFill>
+              </a:rPr>
+              <a:t>switch to the given branch</a:t>
+            </a:r>
+          </a:p>
+          <a:p>
+            <a:pPr marL="342900" indent="-342900">
+              <a:buFont typeface="Wingdings" pitchFamily="2" charset="2"/>
+              <a:buChar char="§"/>
+            </a:pPr>
+            <a:r>
+              <a:rPr lang="en-US" sz="2400" dirty="0" err="1" smtClean="0">
+                <a:solidFill>
+                  <a:schemeClr val="bg1">
+                    <a:lumMod val="50000"/>
+                  </a:schemeClr>
+                </a:solidFill>
+              </a:rPr>
+              <a:t>git</a:t>
+            </a:r>
+            <a:r>
+              <a:rPr lang="en-US" sz="2400" dirty="0" smtClean="0">
+                <a:solidFill>
+                  <a:schemeClr val="bg1">
+                    <a:lumMod val="50000"/>
+                  </a:schemeClr>
+                </a:solidFill>
+              </a:rPr>
+              <a:t> reset &lt;file name&gt;</a:t>
+            </a:r>
+          </a:p>
+          <a:p>
+            <a:pPr marL="342900" indent="-342900"/>
+            <a:r>
+              <a:rPr lang="en-US" dirty="0" smtClean="0">
+                <a:solidFill>
+                  <a:schemeClr val="bg1">
+                    <a:lumMod val="50000"/>
+                  </a:schemeClr>
+                </a:solidFill>
+              </a:rPr>
+              <a:t>	</a:t>
+            </a:r>
+            <a:r>
+              <a:rPr lang="en-US" dirty="0" err="1" smtClean="0">
+                <a:solidFill>
+                  <a:schemeClr val="bg1">
+                    <a:lumMod val="50000"/>
+                  </a:schemeClr>
+                </a:solidFill>
+              </a:rPr>
+              <a:t>unstage</a:t>
+            </a:r>
+            <a:r>
+              <a:rPr lang="en-US" dirty="0" smtClean="0">
+                <a:solidFill>
+                  <a:schemeClr val="bg1">
+                    <a:lumMod val="50000"/>
+                  </a:schemeClr>
+                </a:solidFill>
+              </a:rPr>
+              <a:t> but keeps the changes in the working </a:t>
+            </a:r>
+            <a:r>
+              <a:rPr lang="en-US" dirty="0" err="1" smtClean="0">
+                <a:solidFill>
+                  <a:schemeClr val="bg1">
+                    <a:lumMod val="50000"/>
+                  </a:schemeClr>
+                </a:solidFill>
+              </a:rPr>
+              <a:t>derectory</a:t>
+            </a:r>
+            <a:r>
+              <a:rPr lang="en-US" dirty="0" smtClean="0">
+                <a:solidFill>
+                  <a:schemeClr val="bg1">
+                    <a:lumMod val="50000"/>
+                  </a:schemeClr>
+                </a:solidFill>
+              </a:rPr>
+              <a:t> for the given file</a:t>
+            </a:r>
+          </a:p>
+          <a:p>
+            <a:pPr marL="342900" indent="-342900">
+              <a:buFont typeface="Wingdings" pitchFamily="2" charset="2"/>
+              <a:buChar char="§"/>
+            </a:pPr>
+            <a:r>
+              <a:rPr lang="en-US" sz="2400" dirty="0" err="1" smtClean="0">
+                <a:solidFill>
+                  <a:schemeClr val="bg1">
+                    <a:lumMod val="50000"/>
+                  </a:schemeClr>
+                </a:solidFill>
+              </a:rPr>
+              <a:t>git</a:t>
+            </a:r>
+            <a:r>
+              <a:rPr lang="en-US" sz="2400" dirty="0" smtClean="0">
+                <a:solidFill>
+                  <a:schemeClr val="bg1">
+                    <a:lumMod val="50000"/>
+                  </a:schemeClr>
+                </a:solidFill>
+              </a:rPr>
+              <a:t> restore --stage &lt;filename&gt;</a:t>
+            </a:r>
+          </a:p>
+          <a:p>
+            <a:pPr marL="342900" indent="-342900"/>
+            <a:r>
+              <a:rPr lang="en-US" dirty="0" smtClean="0">
+                <a:solidFill>
+                  <a:schemeClr val="bg1">
+                    <a:lumMod val="50000"/>
+                  </a:schemeClr>
+                </a:solidFill>
+              </a:rPr>
+              <a:t>	</a:t>
+            </a:r>
+            <a:r>
+              <a:rPr lang="en-US" dirty="0" err="1" smtClean="0">
+                <a:solidFill>
+                  <a:schemeClr val="bg1">
+                    <a:lumMod val="50000"/>
+                  </a:schemeClr>
+                </a:solidFill>
+              </a:rPr>
+              <a:t>unstage</a:t>
+            </a:r>
+            <a:r>
+              <a:rPr lang="en-US" dirty="0" smtClean="0">
+                <a:solidFill>
+                  <a:schemeClr val="bg1">
+                    <a:lumMod val="50000"/>
+                  </a:schemeClr>
+                </a:solidFill>
+              </a:rPr>
+              <a:t> and undo changes from the working directory</a:t>
+            </a:r>
+          </a:p>
+          <a:p>
+            <a:pPr marL="342900" indent="-342900">
+              <a:buFont typeface="Wingdings" pitchFamily="2" charset="2"/>
+              <a:buChar char="§"/>
+            </a:pPr>
+            <a:r>
+              <a:rPr lang="en-US" sz="2400" dirty="0" err="1" smtClean="0">
+                <a:solidFill>
+                  <a:schemeClr val="bg1">
+                    <a:lumMod val="50000"/>
+                  </a:schemeClr>
+                </a:solidFill>
+              </a:rPr>
+              <a:t>git</a:t>
+            </a:r>
+            <a:r>
+              <a:rPr lang="en-US" sz="2400" dirty="0" smtClean="0">
+                <a:solidFill>
+                  <a:schemeClr val="bg1">
+                    <a:lumMod val="50000"/>
+                  </a:schemeClr>
+                </a:solidFill>
+              </a:rPr>
+              <a:t> reset head~1</a:t>
+            </a:r>
+          </a:p>
+          <a:p>
+            <a:pPr marL="342900" indent="-342900"/>
+            <a:r>
+              <a:rPr lang="en-US" dirty="0" smtClean="0">
+                <a:solidFill>
+                  <a:schemeClr val="bg1">
+                    <a:lumMod val="50000"/>
+                  </a:schemeClr>
+                </a:solidFill>
+              </a:rPr>
+              <a:t>	undoing your last one commit</a:t>
+            </a:r>
+          </a:p>
+          <a:p>
+            <a:pPr marL="342900" indent="-342900"/>
+            <a:endParaRPr lang="en-US" dirty="0" smtClean="0">
+              <a:solidFill>
+                <a:schemeClr val="bg1">
+                  <a:lumMod val="50000"/>
+                </a:schemeClr>
+              </a:solidFill>
+            </a:endParaRPr>
           </a:p>
         </p:txBody>
       </p:sp>
     </p:spTree>
     <p:extLst>
       <p:ext uri="{BB962C8B-B14F-4D97-AF65-F5344CB8AC3E}">
-        <p14:creationId xmlns:p14="http://schemas.microsoft.com/office/powerpoint/2010/main" val="1699318202"/>
+        <p14:creationId xmlns:p14="http://schemas.microsoft.com/office/powerpoint/2010/main" xmlns="" val="1591769494"/>
       </p:ext>
     </p:extLst>
   </p:cSld>
@@ -6595,10 +7045,10 @@
       </p:grpSpPr>
       <p:sp>
         <p:nvSpPr>
-          <p:cNvPr id="5" name="TextBox 4">
-            <a:extLst>
-              <a:ext uri="{FF2B5EF4-FFF2-40B4-BE49-F238E27FC236}">
-                <a16:creationId xmlns:a16="http://schemas.microsoft.com/office/drawing/2014/main" id="{342270AA-492E-468C-B5DF-D005AB39834E}"/>
+          <p:cNvPr id="2" name="TextBox 1">
+            <a:extLst>
+              <a:ext uri="{FF2B5EF4-FFF2-40B4-BE49-F238E27FC236}">
+                <a16:creationId xmlns:a16="http://schemas.microsoft.com/office/drawing/2014/main" xmlns="" id="{8DA34F60-C036-4B57-8DAB-1153FCC4B013}"/>
               </a:ext>
             </a:extLst>
           </p:cNvPr>
@@ -6607,8 +7057,8 @@
         </p:nvSpPr>
         <p:spPr>
           <a:xfrm>
-            <a:off x="10159" y="2794000"/>
-            <a:ext cx="12181841" cy="1015663"/>
+            <a:off x="4500880" y="558800"/>
+            <a:ext cx="2631440" cy="833120"/>
           </a:xfrm>
           <a:prstGeom prst="rect">
             <a:avLst/>
@@ -6621,16 +7071,228 @@
           </a:bodyPr>
           <a:lstStyle/>
           <a:p>
+            <a:endParaRPr lang="en-US" dirty="0"/>
+          </a:p>
+        </p:txBody>
+      </p:sp>
+      <p:sp>
+        <p:nvSpPr>
+          <p:cNvPr id="3" name="TextBox 2">
+            <a:extLst>
+              <a:ext uri="{FF2B5EF4-FFF2-40B4-BE49-F238E27FC236}">
+                <a16:creationId xmlns:a16="http://schemas.microsoft.com/office/drawing/2014/main" xmlns="" id="{B544C6B0-EF6C-4250-91BF-FF09779362BA}"/>
+              </a:ext>
+            </a:extLst>
+          </p:cNvPr>
+          <p:cNvSpPr txBox="1"/>
+          <p:nvPr/>
+        </p:nvSpPr>
+        <p:spPr>
+          <a:xfrm>
+            <a:off x="0" y="182880"/>
+            <a:ext cx="12192000" cy="707886"/>
+          </a:xfrm>
+          <a:prstGeom prst="rect">
+            <a:avLst/>
+          </a:prstGeom>
+          <a:noFill/>
+        </p:spPr>
+        <p:txBody>
+          <a:bodyPr wrap="square" rtlCol="0">
+            <a:spAutoFit/>
+          </a:bodyPr>
+          <a:lstStyle/>
+          <a:p>
             <a:pPr algn="ctr"/>
             <a:r>
-              <a:rPr lang="en-US" sz="6000" b="1" dirty="0">
-                <a:solidFill>
-                  <a:schemeClr val="bg1">
-                    <a:lumMod val="50000"/>
-                  </a:schemeClr>
-                </a:solidFill>
-              </a:rPr>
-              <a:t>Thank You</a:t>
+              <a:rPr lang="en-US" sz="4000" dirty="0" smtClean="0">
+                <a:solidFill>
+                  <a:schemeClr val="bg1">
+                    <a:lumMod val="50000"/>
+                  </a:schemeClr>
+                </a:solidFill>
+              </a:rPr>
+              <a:t>Advanced </a:t>
+            </a:r>
+            <a:r>
+              <a:rPr lang="en-US" sz="4000" dirty="0">
+                <a:solidFill>
+                  <a:schemeClr val="bg1">
+                    <a:lumMod val="50000"/>
+                  </a:schemeClr>
+                </a:solidFill>
+              </a:rPr>
+              <a:t>Git Commands</a:t>
+            </a:r>
+            <a:endParaRPr lang="en-US" sz="4000" b="1" dirty="0">
+              <a:solidFill>
+                <a:schemeClr val="bg1">
+                  <a:lumMod val="50000"/>
+                </a:schemeClr>
+              </a:solidFill>
+              <a:latin typeface="+mj-lt"/>
+            </a:endParaRPr>
+          </a:p>
+        </p:txBody>
+      </p:sp>
+      <p:sp>
+        <p:nvSpPr>
+          <p:cNvPr id="4" name="TextBox 3">
+            <a:extLst>
+              <a:ext uri="{FF2B5EF4-FFF2-40B4-BE49-F238E27FC236}">
+                <a16:creationId xmlns:a16="http://schemas.microsoft.com/office/drawing/2014/main" xmlns="" id="{9B8DFFC6-F5A1-437C-96C6-D9151B948833}"/>
+              </a:ext>
+            </a:extLst>
+          </p:cNvPr>
+          <p:cNvSpPr txBox="1"/>
+          <p:nvPr/>
+        </p:nvSpPr>
+        <p:spPr>
+          <a:xfrm>
+            <a:off x="599440" y="944880"/>
+            <a:ext cx="8564880" cy="2708434"/>
+          </a:xfrm>
+          <a:prstGeom prst="rect">
+            <a:avLst/>
+          </a:prstGeom>
+          <a:noFill/>
+        </p:spPr>
+        <p:txBody>
+          <a:bodyPr wrap="square" rtlCol="0">
+            <a:spAutoFit/>
+          </a:bodyPr>
+          <a:lstStyle/>
+          <a:p>
+            <a:pPr marL="800100" lvl="1" indent="-342900">
+              <a:buFont typeface="Wingdings" panose="05000000000000000000" pitchFamily="2" charset="2"/>
+              <a:buChar char="§"/>
+            </a:pPr>
+            <a:r>
+              <a:rPr lang="en-US" sz="2400" dirty="0">
+                <a:solidFill>
+                  <a:schemeClr val="bg1">
+                    <a:lumMod val="50000"/>
+                  </a:schemeClr>
+                </a:solidFill>
+              </a:rPr>
+              <a:t>Chery-Pick</a:t>
+            </a:r>
+          </a:p>
+          <a:p>
+            <a:pPr lvl="2"/>
+            <a:r>
+              <a:rPr lang="en-US" sz="2400" dirty="0">
+                <a:solidFill>
+                  <a:schemeClr val="bg1">
+                    <a:lumMod val="50000"/>
+                  </a:schemeClr>
+                </a:solidFill>
+              </a:rPr>
+              <a:t>Used for merging a particular commit from one branch to another branch.</a:t>
+            </a:r>
+          </a:p>
+          <a:p>
+            <a:pPr lvl="2"/>
+            <a:endParaRPr lang="en-US" sz="2400" dirty="0">
+              <a:solidFill>
+                <a:schemeClr val="bg1">
+                  <a:lumMod val="50000"/>
+                </a:schemeClr>
+              </a:solidFill>
+            </a:endParaRPr>
+          </a:p>
+          <a:p>
+            <a:pPr marL="1371600" lvl="2" indent="-457200">
+              <a:buFont typeface="+mj-lt"/>
+              <a:buAutoNum type="arabicPeriod"/>
+            </a:pPr>
+            <a:r>
+              <a:rPr lang="en-US" dirty="0">
+                <a:solidFill>
+                  <a:schemeClr val="bg1">
+                    <a:lumMod val="50000"/>
+                  </a:schemeClr>
+                </a:solidFill>
+              </a:rPr>
+              <a:t>First you need to checkout to the target branch </a:t>
+            </a:r>
+          </a:p>
+          <a:p>
+            <a:pPr marL="1371600" lvl="2" indent="-457200">
+              <a:buFont typeface="+mj-lt"/>
+              <a:buAutoNum type="arabicPeriod"/>
+            </a:pPr>
+            <a:r>
+              <a:rPr lang="en-US" dirty="0">
+                <a:solidFill>
+                  <a:schemeClr val="bg1">
+                    <a:lumMod val="50000"/>
+                  </a:schemeClr>
+                </a:solidFill>
+              </a:rPr>
+              <a:t>Use command-</a:t>
+            </a:r>
+          </a:p>
+          <a:p>
+            <a:pPr marL="1371600" lvl="2" indent="-457200">
+              <a:buFont typeface="+mj-lt"/>
+              <a:buAutoNum type="arabicPeriod"/>
+            </a:pPr>
+            <a:r>
+              <a:rPr lang="en-US" dirty="0">
+                <a:solidFill>
+                  <a:schemeClr val="bg1">
+                    <a:lumMod val="50000"/>
+                  </a:schemeClr>
+                </a:solidFill>
+              </a:rPr>
+              <a:t>	git cherry-pick &lt;</a:t>
+            </a:r>
+            <a:r>
+              <a:rPr lang="en-US" dirty="0" err="1">
+                <a:solidFill>
+                  <a:schemeClr val="bg1">
+                    <a:lumMod val="50000"/>
+                  </a:schemeClr>
+                </a:solidFill>
+              </a:rPr>
+              <a:t>commitid</a:t>
+            </a:r>
+            <a:r>
+              <a:rPr lang="en-US" dirty="0">
+                <a:solidFill>
+                  <a:schemeClr val="bg1">
+                    <a:lumMod val="50000"/>
+                  </a:schemeClr>
+                </a:solidFill>
+              </a:rPr>
+              <a:t>&gt;</a:t>
+            </a:r>
+          </a:p>
+          <a:p>
+            <a:pPr marL="1371600" lvl="2" indent="-457200">
+              <a:buFont typeface="+mj-lt"/>
+              <a:buAutoNum type="arabicPeriod"/>
+            </a:pPr>
+            <a:r>
+              <a:rPr lang="en-US" sz="1400" dirty="0">
+                <a:solidFill>
+                  <a:schemeClr val="bg1">
+                    <a:lumMod val="50000"/>
+                  </a:schemeClr>
+                </a:solidFill>
+              </a:rPr>
+              <a:t>Co</a:t>
+            </a:r>
+            <a:r>
+              <a:rPr lang="en-US" dirty="0">
+                <a:solidFill>
+                  <a:schemeClr val="bg1">
+                    <a:lumMod val="50000"/>
+                  </a:schemeClr>
+                </a:solidFill>
+              </a:rPr>
+              <a:t>mmit the changes and push it to remote target branch</a:t>
             </a:r>
           </a:p>
         </p:txBody>
@@ -6638,7 +7300,390 @@
     </p:spTree>
     <p:extLst>
       <p:ext uri="{BB962C8B-B14F-4D97-AF65-F5344CB8AC3E}">
-        <p14:creationId xmlns:p14="http://schemas.microsoft.com/office/powerpoint/2010/main" val="3981335253"/>
+        <p14:creationId xmlns:p14="http://schemas.microsoft.com/office/powerpoint/2010/main" xmlns="" val="1380878122"/>
+      </p:ext>
+    </p:extLst>
+  </p:cSld>
+  <p:clrMapOvr>
+    <a:masterClrMapping/>
+  </p:clrMapOvr>
+</p:sld>
+</file>
+
+<file path=ppt/slides/slide23.xml><?xml version="1.0" encoding="utf-8"?>
+<p:sld xmlns:a="http://schemas.openxmlformats.org/drawingml/2006/main" xmlns:r="http://schemas.openxmlformats.org/officeDocument/2006/relationships" xmlns:p="http://schemas.openxmlformats.org/presentationml/2006/main">
+  <p:cSld>
+    <p:spTree>
+      <p:nvGrpSpPr>
+        <p:cNvPr id="1" name=""/>
+        <p:cNvGrpSpPr/>
+        <p:nvPr/>
+      </p:nvGrpSpPr>
+      <p:grpSpPr>
+        <a:xfrm>
+          <a:off x="0" y="0"/>
+          <a:ext cx="0" cy="0"/>
+          <a:chOff x="0" y="0"/>
+          <a:chExt cx="0" cy="0"/>
+        </a:xfrm>
+      </p:grpSpPr>
+      <p:sp>
+        <p:nvSpPr>
+          <p:cNvPr id="2" name="TextBox 1">
+            <a:extLst>
+              <a:ext uri="{FF2B5EF4-FFF2-40B4-BE49-F238E27FC236}">
+                <a16:creationId xmlns:a16="http://schemas.microsoft.com/office/drawing/2014/main" xmlns="" id="{8DA34F60-C036-4B57-8DAB-1153FCC4B013}"/>
+              </a:ext>
+            </a:extLst>
+          </p:cNvPr>
+          <p:cNvSpPr txBox="1"/>
+          <p:nvPr/>
+        </p:nvSpPr>
+        <p:spPr>
+          <a:xfrm>
+            <a:off x="4500880" y="558800"/>
+            <a:ext cx="2631440" cy="833120"/>
+          </a:xfrm>
+          <a:prstGeom prst="rect">
+            <a:avLst/>
+          </a:prstGeom>
+          <a:noFill/>
+        </p:spPr>
+        <p:txBody>
+          <a:bodyPr wrap="square" rtlCol="0">
+            <a:spAutoFit/>
+          </a:bodyPr>
+          <a:lstStyle/>
+          <a:p>
+            <a:endParaRPr lang="en-US" dirty="0"/>
+          </a:p>
+        </p:txBody>
+      </p:sp>
+      <p:sp>
+        <p:nvSpPr>
+          <p:cNvPr id="3" name="TextBox 2">
+            <a:extLst>
+              <a:ext uri="{FF2B5EF4-FFF2-40B4-BE49-F238E27FC236}">
+                <a16:creationId xmlns:a16="http://schemas.microsoft.com/office/drawing/2014/main" xmlns="" id="{B544C6B0-EF6C-4250-91BF-FF09779362BA}"/>
+              </a:ext>
+            </a:extLst>
+          </p:cNvPr>
+          <p:cNvSpPr txBox="1"/>
+          <p:nvPr/>
+        </p:nvSpPr>
+        <p:spPr>
+          <a:xfrm>
+            <a:off x="0" y="182880"/>
+            <a:ext cx="12192000" cy="707886"/>
+          </a:xfrm>
+          <a:prstGeom prst="rect">
+            <a:avLst/>
+          </a:prstGeom>
+          <a:noFill/>
+        </p:spPr>
+        <p:txBody>
+          <a:bodyPr wrap="square" rtlCol="0">
+            <a:spAutoFit/>
+          </a:bodyPr>
+          <a:lstStyle/>
+          <a:p>
+            <a:pPr algn="ctr"/>
+            <a:r>
+              <a:rPr lang="en-US" sz="4000" dirty="0" smtClean="0">
+                <a:solidFill>
+                  <a:schemeClr val="bg1">
+                    <a:lumMod val="50000"/>
+                  </a:schemeClr>
+                </a:solidFill>
+              </a:rPr>
+              <a:t>Continuous Integration -Jenkins</a:t>
+            </a:r>
+          </a:p>
+        </p:txBody>
+      </p:sp>
+      <p:pic>
+        <p:nvPicPr>
+          <p:cNvPr id="1026" name="Picture 2"/>
+          <p:cNvPicPr>
+            <a:picLocks noChangeAspect="1" noChangeArrowheads="1"/>
+          </p:cNvPicPr>
+          <p:nvPr/>
+        </p:nvPicPr>
+        <p:blipFill>
+          <a:blip r:embed="rId2"/>
+          <a:srcRect/>
+          <a:stretch>
+            <a:fillRect/>
+          </a:stretch>
+        </p:blipFill>
+        <p:spPr bwMode="auto">
+          <a:xfrm>
+            <a:off x="2687782" y="1181099"/>
+            <a:ext cx="7370618" cy="5510645"/>
+          </a:xfrm>
+          <a:prstGeom prst="rect">
+            <a:avLst/>
+          </a:prstGeom>
+          <a:noFill/>
+          <a:ln w="9525">
+            <a:noFill/>
+            <a:miter lim="800000"/>
+            <a:headEnd/>
+            <a:tailEnd/>
+          </a:ln>
+          <a:effectLst/>
+        </p:spPr>
+      </p:pic>
+    </p:spTree>
+    <p:extLst>
+      <p:ext uri="{BB962C8B-B14F-4D97-AF65-F5344CB8AC3E}">
+        <p14:creationId xmlns:p14="http://schemas.microsoft.com/office/powerpoint/2010/main" xmlns="" val="1380878122"/>
+      </p:ext>
+    </p:extLst>
+  </p:cSld>
+  <p:clrMapOvr>
+    <a:masterClrMapping/>
+  </p:clrMapOvr>
+</p:sld>
+</file>
+
+<file path=ppt/slides/slide24.xml><?xml version="1.0" encoding="utf-8"?>
+<p:sld xmlns:a="http://schemas.openxmlformats.org/drawingml/2006/main" xmlns:r="http://schemas.openxmlformats.org/officeDocument/2006/relationships" xmlns:p="http://schemas.openxmlformats.org/presentationml/2006/main">
+  <p:cSld>
+    <p:spTree>
+      <p:nvGrpSpPr>
+        <p:cNvPr id="1" name=""/>
+        <p:cNvGrpSpPr/>
+        <p:nvPr/>
+      </p:nvGrpSpPr>
+      <p:grpSpPr>
+        <a:xfrm>
+          <a:off x="0" y="0"/>
+          <a:ext cx="0" cy="0"/>
+          <a:chOff x="0" y="0"/>
+          <a:chExt cx="0" cy="0"/>
+        </a:xfrm>
+      </p:grpSpPr>
+      <p:sp>
+        <p:nvSpPr>
+          <p:cNvPr id="3" name="TextBox 2">
+            <a:extLst>
+              <a:ext uri="{FF2B5EF4-FFF2-40B4-BE49-F238E27FC236}">
+                <a16:creationId xmlns:a16="http://schemas.microsoft.com/office/drawing/2014/main" xmlns="" id="{B544C6B0-EF6C-4250-91BF-FF09779362BA}"/>
+              </a:ext>
+            </a:extLst>
+          </p:cNvPr>
+          <p:cNvSpPr txBox="1"/>
+          <p:nvPr/>
+        </p:nvSpPr>
+        <p:spPr>
+          <a:xfrm>
+            <a:off x="0" y="182880"/>
+            <a:ext cx="12192000" cy="707886"/>
+          </a:xfrm>
+          <a:prstGeom prst="rect">
+            <a:avLst/>
+          </a:prstGeom>
+          <a:noFill/>
+        </p:spPr>
+        <p:txBody>
+          <a:bodyPr wrap="square" rtlCol="0">
+            <a:spAutoFit/>
+          </a:bodyPr>
+          <a:lstStyle/>
+          <a:p>
+            <a:pPr algn="ctr"/>
+            <a:r>
+              <a:rPr lang="en-US" sz="4000" dirty="0" smtClean="0">
+                <a:solidFill>
+                  <a:schemeClr val="bg1">
+                    <a:lumMod val="50000"/>
+                  </a:schemeClr>
+                </a:solidFill>
+              </a:rPr>
+              <a:t>Agenda </a:t>
+            </a:r>
+          </a:p>
+        </p:txBody>
+      </p:sp>
+      <p:sp>
+        <p:nvSpPr>
+          <p:cNvPr id="4" name="TextBox 3"/>
+          <p:cNvSpPr txBox="1"/>
+          <p:nvPr/>
+        </p:nvSpPr>
+        <p:spPr>
+          <a:xfrm>
+            <a:off x="3186629" y="1399308"/>
+            <a:ext cx="6664035" cy="2308324"/>
+          </a:xfrm>
+          <a:prstGeom prst="rect">
+            <a:avLst/>
+          </a:prstGeom>
+          <a:noFill/>
+        </p:spPr>
+        <p:txBody>
+          <a:bodyPr wrap="square" rtlCol="0">
+            <a:spAutoFit/>
+          </a:bodyPr>
+          <a:lstStyle/>
+          <a:p>
+            <a:r>
+              <a:rPr lang="en-US" sz="2400" b="1" dirty="0" smtClean="0">
+                <a:solidFill>
+                  <a:schemeClr val="bg1">
+                    <a:lumMod val="50000"/>
+                  </a:schemeClr>
+                </a:solidFill>
+              </a:rPr>
+              <a:t>1. Why Continuous integration?</a:t>
+            </a:r>
+          </a:p>
+          <a:p>
+            <a:r>
+              <a:rPr lang="en-US" sz="2400" b="1" dirty="0" smtClean="0">
+                <a:solidFill>
+                  <a:schemeClr val="bg1">
+                    <a:lumMod val="50000"/>
+                  </a:schemeClr>
+                </a:solidFill>
+              </a:rPr>
+              <a:t>2. What is Jenkins?</a:t>
+            </a:r>
+          </a:p>
+          <a:p>
+            <a:r>
+              <a:rPr lang="en-US" sz="2400" b="1" dirty="0" smtClean="0">
+                <a:solidFill>
+                  <a:schemeClr val="bg1">
+                    <a:lumMod val="50000"/>
+                  </a:schemeClr>
+                </a:solidFill>
+              </a:rPr>
+              <a:t>3. What are Jenkins Features?</a:t>
+            </a:r>
+          </a:p>
+          <a:p>
+            <a:r>
+              <a:rPr lang="en-US" sz="2400" b="1" dirty="0" smtClean="0">
+                <a:solidFill>
+                  <a:schemeClr val="bg1">
+                    <a:lumMod val="50000"/>
+                  </a:schemeClr>
+                </a:solidFill>
+              </a:rPr>
+              <a:t>4. Jenkins architecture</a:t>
+            </a:r>
+          </a:p>
+          <a:p>
+            <a:r>
+              <a:rPr lang="en-US" sz="2400" b="1" dirty="0" smtClean="0">
+                <a:solidFill>
+                  <a:schemeClr val="bg1">
+                    <a:lumMod val="50000"/>
+                  </a:schemeClr>
+                </a:solidFill>
+              </a:rPr>
+              <a:t>5. Jenkins installation &amp; setup</a:t>
+            </a:r>
+          </a:p>
+          <a:p>
+            <a:r>
+              <a:rPr lang="en-US" sz="2400" b="1" dirty="0" smtClean="0">
+                <a:solidFill>
+                  <a:schemeClr val="bg1">
+                    <a:lumMod val="50000"/>
+                  </a:schemeClr>
+                </a:solidFill>
+              </a:rPr>
+              <a:t>6. Setting up a CI/CD pipeline</a:t>
+            </a:r>
+            <a:endParaRPr lang="en-US" sz="2400" dirty="0">
+              <a:solidFill>
+                <a:schemeClr val="bg1">
+                  <a:lumMod val="50000"/>
+                </a:schemeClr>
+              </a:solidFill>
+            </a:endParaRPr>
+          </a:p>
+        </p:txBody>
+      </p:sp>
+    </p:spTree>
+    <p:extLst>
+      <p:ext uri="{BB962C8B-B14F-4D97-AF65-F5344CB8AC3E}">
+        <p14:creationId xmlns:p14="http://schemas.microsoft.com/office/powerpoint/2010/main" xmlns="" val="1380878122"/>
+      </p:ext>
+    </p:extLst>
+  </p:cSld>
+  <p:clrMapOvr>
+    <a:masterClrMapping/>
+  </p:clrMapOvr>
+</p:sld>
+</file>
+
+<file path=ppt/slides/slide25.xml><?xml version="1.0" encoding="utf-8"?>
+<p:sld xmlns:a="http://schemas.openxmlformats.org/drawingml/2006/main" xmlns:r="http://schemas.openxmlformats.org/officeDocument/2006/relationships" xmlns:p="http://schemas.openxmlformats.org/presentationml/2006/main">
+  <p:cSld>
+    <p:spTree>
+      <p:nvGrpSpPr>
+        <p:cNvPr id="1" name=""/>
+        <p:cNvGrpSpPr/>
+        <p:nvPr/>
+      </p:nvGrpSpPr>
+      <p:grpSpPr>
+        <a:xfrm>
+          <a:off x="0" y="0"/>
+          <a:ext cx="0" cy="0"/>
+          <a:chOff x="0" y="0"/>
+          <a:chExt cx="0" cy="0"/>
+        </a:xfrm>
+      </p:grpSpPr>
+      <p:sp>
+        <p:nvSpPr>
+          <p:cNvPr id="5" name="TextBox 4">
+            <a:extLst>
+              <a:ext uri="{FF2B5EF4-FFF2-40B4-BE49-F238E27FC236}">
+                <a16:creationId xmlns:a16="http://schemas.microsoft.com/office/drawing/2014/main" xmlns="" id="{342270AA-492E-468C-B5DF-D005AB39834E}"/>
+              </a:ext>
+            </a:extLst>
+          </p:cNvPr>
+          <p:cNvSpPr txBox="1"/>
+          <p:nvPr/>
+        </p:nvSpPr>
+        <p:spPr>
+          <a:xfrm>
+            <a:off x="10159" y="2794000"/>
+            <a:ext cx="12181841" cy="1015663"/>
+          </a:xfrm>
+          <a:prstGeom prst="rect">
+            <a:avLst/>
+          </a:prstGeom>
+          <a:noFill/>
+        </p:spPr>
+        <p:txBody>
+          <a:bodyPr wrap="square" rtlCol="0">
+            <a:spAutoFit/>
+          </a:bodyPr>
+          <a:lstStyle/>
+          <a:p>
+            <a:pPr algn="ctr"/>
+            <a:r>
+              <a:rPr lang="en-US" sz="6000" b="1" dirty="0">
+                <a:solidFill>
+                  <a:schemeClr val="bg1">
+                    <a:lumMod val="50000"/>
+                  </a:schemeClr>
+                </a:solidFill>
+              </a:rPr>
+              <a:t>Thank You</a:t>
+            </a:r>
+          </a:p>
+        </p:txBody>
+      </p:sp>
+    </p:spTree>
+    <p:extLst>
+      <p:ext uri="{BB962C8B-B14F-4D97-AF65-F5344CB8AC3E}">
+        <p14:creationId xmlns:p14="http://schemas.microsoft.com/office/powerpoint/2010/main" xmlns="" val="3981335253"/>
       </p:ext>
     </p:extLst>
   </p:cSld>
@@ -6670,7 +7715,7 @@
           <p:cNvPr id="5" name="TextBox 4">
             <a:extLst>
               <a:ext uri="{FF2B5EF4-FFF2-40B4-BE49-F238E27FC236}">
-                <a16:creationId xmlns:a16="http://schemas.microsoft.com/office/drawing/2014/main" id="{342270AA-492E-468C-B5DF-D005AB39834E}"/>
+                <a16:creationId xmlns:a16="http://schemas.microsoft.com/office/drawing/2014/main" xmlns="" id="{342270AA-492E-468C-B5DF-D005AB39834E}"/>
               </a:ext>
             </a:extLst>
           </p:cNvPr>
@@ -6712,7 +7757,7 @@
           <p:cNvPr id="4" name="Picture 3">
             <a:extLst>
               <a:ext uri="{FF2B5EF4-FFF2-40B4-BE49-F238E27FC236}">
-                <a16:creationId xmlns:a16="http://schemas.microsoft.com/office/drawing/2014/main" id="{B9C8FE3E-35D3-4129-8633-6BE0E6E26E9A}"/>
+                <a16:creationId xmlns:a16="http://schemas.microsoft.com/office/drawing/2014/main" xmlns="" id="{B9C8FE3E-35D3-4129-8633-6BE0E6E26E9A}"/>
               </a:ext>
             </a:extLst>
           </p:cNvPr>
@@ -6740,7 +7785,7 @@
     </p:spTree>
     <p:extLst>
       <p:ext uri="{BB962C8B-B14F-4D97-AF65-F5344CB8AC3E}">
-        <p14:creationId xmlns:p14="http://schemas.microsoft.com/office/powerpoint/2010/main" val="1193679221"/>
+        <p14:creationId xmlns:p14="http://schemas.microsoft.com/office/powerpoint/2010/main" xmlns="" val="1193679221"/>
       </p:ext>
     </p:extLst>
   </p:cSld>
@@ -6772,7 +7817,7 @@
           <p:cNvPr id="2" name="TextBox 1">
             <a:extLst>
               <a:ext uri="{FF2B5EF4-FFF2-40B4-BE49-F238E27FC236}">
-                <a16:creationId xmlns:a16="http://schemas.microsoft.com/office/drawing/2014/main" id="{8DA34F60-C036-4B57-8DAB-1153FCC4B013}"/>
+                <a16:creationId xmlns:a16="http://schemas.microsoft.com/office/drawing/2014/main" xmlns="" id="{8DA34F60-C036-4B57-8DAB-1153FCC4B013}"/>
               </a:ext>
             </a:extLst>
           </p:cNvPr>
@@ -6804,7 +7849,7 @@
           <p:cNvPr id="3" name="TextBox 2">
             <a:extLst>
               <a:ext uri="{FF2B5EF4-FFF2-40B4-BE49-F238E27FC236}">
-                <a16:creationId xmlns:a16="http://schemas.microsoft.com/office/drawing/2014/main" id="{B544C6B0-EF6C-4250-91BF-FF09779362BA}"/>
+                <a16:creationId xmlns:a16="http://schemas.microsoft.com/office/drawing/2014/main" xmlns="" id="{B544C6B0-EF6C-4250-91BF-FF09779362BA}"/>
               </a:ext>
             </a:extLst>
           </p:cNvPr>
@@ -6847,7 +7892,7 @@
           <p:cNvPr id="6" name="Picture 5">
             <a:extLst>
               <a:ext uri="{FF2B5EF4-FFF2-40B4-BE49-F238E27FC236}">
-                <a16:creationId xmlns:a16="http://schemas.microsoft.com/office/drawing/2014/main" id="{3EAF93C3-FEA4-4E5F-A9E8-EA07466836E3}"/>
+                <a16:creationId xmlns:a16="http://schemas.microsoft.com/office/drawing/2014/main" xmlns="" id="{3EAF93C3-FEA4-4E5F-A9E8-EA07466836E3}"/>
               </a:ext>
             </a:extLst>
           </p:cNvPr>
@@ -6877,7 +7922,7 @@
           <p:cNvPr id="7" name="TextBox 6">
             <a:extLst>
               <a:ext uri="{FF2B5EF4-FFF2-40B4-BE49-F238E27FC236}">
-                <a16:creationId xmlns:a16="http://schemas.microsoft.com/office/drawing/2014/main" id="{5205BA0B-441B-4D66-A356-F6C0076D797D}"/>
+                <a16:creationId xmlns:a16="http://schemas.microsoft.com/office/drawing/2014/main" xmlns="" id="{5205BA0B-441B-4D66-A356-F6C0076D797D}"/>
               </a:ext>
             </a:extLst>
           </p:cNvPr>
@@ -6963,7 +8008,7 @@
     </p:spTree>
     <p:extLst>
       <p:ext uri="{BB962C8B-B14F-4D97-AF65-F5344CB8AC3E}">
-        <p14:creationId xmlns:p14="http://schemas.microsoft.com/office/powerpoint/2010/main" val="4199085327"/>
+        <p14:creationId xmlns:p14="http://schemas.microsoft.com/office/powerpoint/2010/main" xmlns="" val="4199085327"/>
       </p:ext>
     </p:extLst>
   </p:cSld>
@@ -6995,7 +8040,7 @@
           <p:cNvPr id="2" name="TextBox 1">
             <a:extLst>
               <a:ext uri="{FF2B5EF4-FFF2-40B4-BE49-F238E27FC236}">
-                <a16:creationId xmlns:a16="http://schemas.microsoft.com/office/drawing/2014/main" id="{8DA34F60-C036-4B57-8DAB-1153FCC4B013}"/>
+                <a16:creationId xmlns:a16="http://schemas.microsoft.com/office/drawing/2014/main" xmlns="" id="{8DA34F60-C036-4B57-8DAB-1153FCC4B013}"/>
               </a:ext>
             </a:extLst>
           </p:cNvPr>
@@ -7027,7 +8072,7 @@
           <p:cNvPr id="3" name="TextBox 2">
             <a:extLst>
               <a:ext uri="{FF2B5EF4-FFF2-40B4-BE49-F238E27FC236}">
-                <a16:creationId xmlns:a16="http://schemas.microsoft.com/office/drawing/2014/main" id="{B544C6B0-EF6C-4250-91BF-FF09779362BA}"/>
+                <a16:creationId xmlns:a16="http://schemas.microsoft.com/office/drawing/2014/main" xmlns="" id="{B544C6B0-EF6C-4250-91BF-FF09779362BA}"/>
               </a:ext>
             </a:extLst>
           </p:cNvPr>
@@ -7077,7 +8122,7 @@
           <p:cNvPr id="4" name="Picture 3">
             <a:extLst>
               <a:ext uri="{FF2B5EF4-FFF2-40B4-BE49-F238E27FC236}">
-                <a16:creationId xmlns:a16="http://schemas.microsoft.com/office/drawing/2014/main" id="{A18C768D-3280-4CCA-8703-8E8F8F3D35B7}"/>
+                <a16:creationId xmlns:a16="http://schemas.microsoft.com/office/drawing/2014/main" xmlns="" id="{A18C768D-3280-4CCA-8703-8E8F8F3D35B7}"/>
               </a:ext>
             </a:extLst>
           </p:cNvPr>
@@ -7105,7 +8150,7 @@
     </p:spTree>
     <p:extLst>
       <p:ext uri="{BB962C8B-B14F-4D97-AF65-F5344CB8AC3E}">
-        <p14:creationId xmlns:p14="http://schemas.microsoft.com/office/powerpoint/2010/main" val="2637947620"/>
+        <p14:creationId xmlns:p14="http://schemas.microsoft.com/office/powerpoint/2010/main" xmlns="" val="2637947620"/>
       </p:ext>
     </p:extLst>
   </p:cSld>
@@ -7137,7 +8182,7 @@
           <p:cNvPr id="3" name="TextBox 2">
             <a:extLst>
               <a:ext uri="{FF2B5EF4-FFF2-40B4-BE49-F238E27FC236}">
-                <a16:creationId xmlns:a16="http://schemas.microsoft.com/office/drawing/2014/main" id="{B544C6B0-EF6C-4250-91BF-FF09779362BA}"/>
+                <a16:creationId xmlns:a16="http://schemas.microsoft.com/office/drawing/2014/main" xmlns="" id="{B544C6B0-EF6C-4250-91BF-FF09779362BA}"/>
               </a:ext>
             </a:extLst>
           </p:cNvPr>
@@ -7187,7 +8232,7 @@
           <p:cNvPr id="6" name="TextBox 5">
             <a:extLst>
               <a:ext uri="{FF2B5EF4-FFF2-40B4-BE49-F238E27FC236}">
-                <a16:creationId xmlns:a16="http://schemas.microsoft.com/office/drawing/2014/main" id="{640BB658-D346-4643-A9C7-7F3BD503A7C1}"/>
+                <a16:creationId xmlns:a16="http://schemas.microsoft.com/office/drawing/2014/main" xmlns="" id="{640BB658-D346-4643-A9C7-7F3BD503A7C1}"/>
               </a:ext>
             </a:extLst>
           </p:cNvPr>
@@ -7228,7 +8273,7 @@
           <p:cNvPr id="7" name="Picture 6">
             <a:extLst>
               <a:ext uri="{FF2B5EF4-FFF2-40B4-BE49-F238E27FC236}">
-                <a16:creationId xmlns:a16="http://schemas.microsoft.com/office/drawing/2014/main" id="{FB29A71E-1CB8-4485-B7A9-A1E8C39F6774}"/>
+                <a16:creationId xmlns:a16="http://schemas.microsoft.com/office/drawing/2014/main" xmlns="" id="{FB29A71E-1CB8-4485-B7A9-A1E8C39F6774}"/>
               </a:ext>
             </a:extLst>
           </p:cNvPr>
@@ -7256,7 +8301,7 @@
     </p:spTree>
     <p:extLst>
       <p:ext uri="{BB962C8B-B14F-4D97-AF65-F5344CB8AC3E}">
-        <p14:creationId xmlns:p14="http://schemas.microsoft.com/office/powerpoint/2010/main" val="4142731611"/>
+        <p14:creationId xmlns:p14="http://schemas.microsoft.com/office/powerpoint/2010/main" xmlns="" val="4142731611"/>
       </p:ext>
     </p:extLst>
   </p:cSld>
@@ -7288,7 +8333,7 @@
           <p:cNvPr id="2" name="TextBox 1">
             <a:extLst>
               <a:ext uri="{FF2B5EF4-FFF2-40B4-BE49-F238E27FC236}">
-                <a16:creationId xmlns:a16="http://schemas.microsoft.com/office/drawing/2014/main" id="{8DA34F60-C036-4B57-8DAB-1153FCC4B013}"/>
+                <a16:creationId xmlns:a16="http://schemas.microsoft.com/office/drawing/2014/main" xmlns="" id="{8DA34F60-C036-4B57-8DAB-1153FCC4B013}"/>
               </a:ext>
             </a:extLst>
           </p:cNvPr>
@@ -7320,7 +8365,7 @@
           <p:cNvPr id="3" name="TextBox 2">
             <a:extLst>
               <a:ext uri="{FF2B5EF4-FFF2-40B4-BE49-F238E27FC236}">
-                <a16:creationId xmlns:a16="http://schemas.microsoft.com/office/drawing/2014/main" id="{B544C6B0-EF6C-4250-91BF-FF09779362BA}"/>
+                <a16:creationId xmlns:a16="http://schemas.microsoft.com/office/drawing/2014/main" xmlns="" id="{B544C6B0-EF6C-4250-91BF-FF09779362BA}"/>
               </a:ext>
             </a:extLst>
           </p:cNvPr>
@@ -7370,7 +8415,7 @@
           <p:cNvPr id="5" name="TextBox 4">
             <a:extLst>
               <a:ext uri="{FF2B5EF4-FFF2-40B4-BE49-F238E27FC236}">
-                <a16:creationId xmlns:a16="http://schemas.microsoft.com/office/drawing/2014/main" id="{71212FCE-4877-450F-9633-F9048A38CCF7}"/>
+                <a16:creationId xmlns:a16="http://schemas.microsoft.com/office/drawing/2014/main" xmlns="" id="{71212FCE-4877-450F-9633-F9048A38CCF7}"/>
               </a:ext>
             </a:extLst>
           </p:cNvPr>
@@ -7412,7 +8457,7 @@
           <p:cNvPr id="6" name="Picture 5">
             <a:extLst>
               <a:ext uri="{FF2B5EF4-FFF2-40B4-BE49-F238E27FC236}">
-                <a16:creationId xmlns:a16="http://schemas.microsoft.com/office/drawing/2014/main" id="{360BC874-6D5C-400E-803C-8CDE1D04E0FE}"/>
+                <a16:creationId xmlns:a16="http://schemas.microsoft.com/office/drawing/2014/main" xmlns="" id="{360BC874-6D5C-400E-803C-8CDE1D04E0FE}"/>
               </a:ext>
             </a:extLst>
           </p:cNvPr>
@@ -7440,7 +8485,7 @@
     </p:spTree>
     <p:extLst>
       <p:ext uri="{BB962C8B-B14F-4D97-AF65-F5344CB8AC3E}">
-        <p14:creationId xmlns:p14="http://schemas.microsoft.com/office/powerpoint/2010/main" val="2219346209"/>
+        <p14:creationId xmlns:p14="http://schemas.microsoft.com/office/powerpoint/2010/main" xmlns="" val="2219346209"/>
       </p:ext>
     </p:extLst>
   </p:cSld>
@@ -7472,7 +8517,7 @@
           <p:cNvPr id="2" name="TextBox 1">
             <a:extLst>
               <a:ext uri="{FF2B5EF4-FFF2-40B4-BE49-F238E27FC236}">
-                <a16:creationId xmlns:a16="http://schemas.microsoft.com/office/drawing/2014/main" id="{8DA34F60-C036-4B57-8DAB-1153FCC4B013}"/>
+                <a16:creationId xmlns:a16="http://schemas.microsoft.com/office/drawing/2014/main" xmlns="" id="{8DA34F60-C036-4B57-8DAB-1153FCC4B013}"/>
               </a:ext>
             </a:extLst>
           </p:cNvPr>
@@ -7504,7 +8549,7 @@
           <p:cNvPr id="3" name="TextBox 2">
             <a:extLst>
               <a:ext uri="{FF2B5EF4-FFF2-40B4-BE49-F238E27FC236}">
-                <a16:creationId xmlns:a16="http://schemas.microsoft.com/office/drawing/2014/main" id="{B544C6B0-EF6C-4250-91BF-FF09779362BA}"/>
+                <a16:creationId xmlns:a16="http://schemas.microsoft.com/office/drawing/2014/main" xmlns="" id="{B544C6B0-EF6C-4250-91BF-FF09779362BA}"/>
               </a:ext>
             </a:extLst>
           </p:cNvPr>
@@ -7554,7 +8599,7 @@
           <p:cNvPr id="4" name="Picture 3">
             <a:extLst>
               <a:ext uri="{FF2B5EF4-FFF2-40B4-BE49-F238E27FC236}">
-                <a16:creationId xmlns:a16="http://schemas.microsoft.com/office/drawing/2014/main" id="{C60C186D-9A6C-455F-B568-D87CB97AF63E}"/>
+                <a16:creationId xmlns:a16="http://schemas.microsoft.com/office/drawing/2014/main" xmlns="" id="{C60C186D-9A6C-455F-B568-D87CB97AF63E}"/>
               </a:ext>
             </a:extLst>
           </p:cNvPr>
@@ -7582,7 +8627,7 @@
     </p:spTree>
     <p:extLst>
       <p:ext uri="{BB962C8B-B14F-4D97-AF65-F5344CB8AC3E}">
-        <p14:creationId xmlns:p14="http://schemas.microsoft.com/office/powerpoint/2010/main" val="1411206396"/>
+        <p14:creationId xmlns:p14="http://schemas.microsoft.com/office/powerpoint/2010/main" xmlns="" val="1411206396"/>
       </p:ext>
     </p:extLst>
   </p:cSld>
@@ -7614,7 +8659,7 @@
           <p:cNvPr id="2" name="TextBox 1">
             <a:extLst>
               <a:ext uri="{FF2B5EF4-FFF2-40B4-BE49-F238E27FC236}">
-                <a16:creationId xmlns:a16="http://schemas.microsoft.com/office/drawing/2014/main" id="{8DA34F60-C036-4B57-8DAB-1153FCC4B013}"/>
+                <a16:creationId xmlns:a16="http://schemas.microsoft.com/office/drawing/2014/main" xmlns="" id="{8DA34F60-C036-4B57-8DAB-1153FCC4B013}"/>
               </a:ext>
             </a:extLst>
           </p:cNvPr>
@@ -7646,7 +8691,7 @@
           <p:cNvPr id="3" name="TextBox 2">
             <a:extLst>
               <a:ext uri="{FF2B5EF4-FFF2-40B4-BE49-F238E27FC236}">
-                <a16:creationId xmlns:a16="http://schemas.microsoft.com/office/drawing/2014/main" id="{B544C6B0-EF6C-4250-91BF-FF09779362BA}"/>
+                <a16:creationId xmlns:a16="http://schemas.microsoft.com/office/drawing/2014/main" xmlns="" id="{B544C6B0-EF6C-4250-91BF-FF09779362BA}"/>
               </a:ext>
             </a:extLst>
           </p:cNvPr>
@@ -7696,7 +8741,7 @@
           <p:cNvPr id="4" name="Picture 3">
             <a:extLst>
               <a:ext uri="{FF2B5EF4-FFF2-40B4-BE49-F238E27FC236}">
-                <a16:creationId xmlns:a16="http://schemas.microsoft.com/office/drawing/2014/main" id="{D57C87F1-68AD-4C82-B863-3771DD261942}"/>
+                <a16:creationId xmlns:a16="http://schemas.microsoft.com/office/drawing/2014/main" xmlns="" id="{D57C87F1-68AD-4C82-B863-3771DD261942}"/>
               </a:ext>
             </a:extLst>
           </p:cNvPr>
@@ -7724,7 +8769,7 @@
     </p:spTree>
     <p:extLst>
       <p:ext uri="{BB962C8B-B14F-4D97-AF65-F5344CB8AC3E}">
-        <p14:creationId xmlns:p14="http://schemas.microsoft.com/office/powerpoint/2010/main" val="2783770015"/>
+        <p14:creationId xmlns:p14="http://schemas.microsoft.com/office/powerpoint/2010/main" xmlns="" val="2783770015"/>
       </p:ext>
     </p:extLst>
   </p:cSld>
@@ -7777,7 +8822,7 @@
     </a:clrScheme>
     <a:fontScheme name="Office">
       <a:majorFont>
-        <a:latin typeface="Calibri Light" panose="020F0302020204030204"/>
+        <a:latin typeface="Calibri Light"/>
         <a:ea typeface=""/>
         <a:cs typeface=""/>
         <a:font script="Jpan" typeface="游ゴシック Light"/>
@@ -7829,7 +8874,7 @@
         <a:font script="Tfng" typeface="Ebrima"/>
       </a:majorFont>
       <a:minorFont>
-        <a:latin typeface="Calibri" panose="020F0502020204030204"/>
+        <a:latin typeface="Calibri"/>
         <a:ea typeface=""/>
         <a:cs typeface=""/>
         <a:font script="Jpan" typeface="游ゴシック"/>
@@ -8023,7 +9068,7 @@
   <a:extraClrSchemeLst/>
   <a:extLst>
     <a:ext uri="{05A4C25C-085E-4340-85A3-A5531E510DB2}">
-      <thm15:themeFamily xmlns:thm15="http://schemas.microsoft.com/office/thememl/2012/main" name="Office Theme" id="{62F939B6-93AF-4DB8-9C6B-D6C7DFDC589F}" vid="{4A3C46E8-61CC-4603-A589-7422A47A8E4A}"/>
+      <thm15:themeFamily xmlns:thm15="http://schemas.microsoft.com/office/thememl/2012/main" xmlns="" name="Office Theme" id="{62F939B6-93AF-4DB8-9C6B-D6C7DFDC589F}" vid="{4A3C46E8-61CC-4603-A589-7422A47A8E4A}"/>
     </a:ext>
   </a:extLst>
 </a:theme>

--- a/DevOps.pptx
+++ b/DevOps.pptx
@@ -29,7 +29,13 @@
     <p:sldId id="277" r:id="rId23"/>
     <p:sldId id="280" r:id="rId24"/>
     <p:sldId id="281" r:id="rId25"/>
-    <p:sldId id="258" r:id="rId26"/>
+    <p:sldId id="282" r:id="rId26"/>
+    <p:sldId id="283" r:id="rId27"/>
+    <p:sldId id="284" r:id="rId28"/>
+    <p:sldId id="285" r:id="rId29"/>
+    <p:sldId id="286" r:id="rId30"/>
+    <p:sldId id="287" r:id="rId31"/>
+    <p:sldId id="258" r:id="rId32"/>
   </p:sldIdLst>
   <p:sldSz cx="12192000" cy="6858000"/>
   <p:notesSz cx="6858000" cy="9144000"/>
@@ -7528,6 +7534,10 @@
           </a:bodyPr>
           <a:lstStyle/>
           <a:p>
+            <a:pPr marL="457200" indent="-457200">
+              <a:buFont typeface="+mj-lt"/>
+              <a:buAutoNum type="arabicPeriod"/>
+            </a:pPr>
             <a:r>
               <a:rPr lang="en-US" sz="2400" b="1" dirty="0" smtClean="0">
                 <a:solidFill>
@@ -7536,10 +7546,14 @@
                   </a:schemeClr>
                 </a:solidFill>
               </a:rPr>
-              <a:t>1. Why Continuous integration?</a:t>
-            </a:r>
-          </a:p>
-          <a:p>
+              <a:t>Why Continuous integration?</a:t>
+            </a:r>
+          </a:p>
+          <a:p>
+            <a:pPr marL="457200" indent="-457200">
+              <a:buFont typeface="+mj-lt"/>
+              <a:buAutoNum type="arabicPeriod"/>
+            </a:pPr>
             <a:r>
               <a:rPr lang="en-US" sz="2400" b="1" dirty="0" smtClean="0">
                 <a:solidFill>
@@ -7548,10 +7562,14 @@
                   </a:schemeClr>
                 </a:solidFill>
               </a:rPr>
-              <a:t>2. What is Jenkins?</a:t>
-            </a:r>
-          </a:p>
-          <a:p>
+              <a:t>What is Jenkins?</a:t>
+            </a:r>
+          </a:p>
+          <a:p>
+            <a:pPr marL="457200" indent="-457200">
+              <a:buFont typeface="+mj-lt"/>
+              <a:buAutoNum type="arabicPeriod"/>
+            </a:pPr>
             <a:r>
               <a:rPr lang="en-US" sz="2400" b="1" dirty="0" smtClean="0">
                 <a:solidFill>
@@ -7560,10 +7578,14 @@
                   </a:schemeClr>
                 </a:solidFill>
               </a:rPr>
-              <a:t>3. What are Jenkins Features?</a:t>
-            </a:r>
-          </a:p>
-          <a:p>
+              <a:t>What are Jenkins Features?</a:t>
+            </a:r>
+          </a:p>
+          <a:p>
+            <a:pPr marL="457200" indent="-457200">
+              <a:buFont typeface="+mj-lt"/>
+              <a:buAutoNum type="arabicPeriod"/>
+            </a:pPr>
             <a:r>
               <a:rPr lang="en-US" sz="2400" b="1" dirty="0" smtClean="0">
                 <a:solidFill>
@@ -7572,10 +7594,14 @@
                   </a:schemeClr>
                 </a:solidFill>
               </a:rPr>
-              <a:t>4. Jenkins architecture</a:t>
-            </a:r>
-          </a:p>
-          <a:p>
+              <a:t>Jenkins architecture</a:t>
+            </a:r>
+          </a:p>
+          <a:p>
+            <a:pPr marL="457200" indent="-457200">
+              <a:buFont typeface="+mj-lt"/>
+              <a:buAutoNum type="arabicPeriod"/>
+            </a:pPr>
             <a:r>
               <a:rPr lang="en-US" sz="2400" b="1" dirty="0" smtClean="0">
                 <a:solidFill>
@@ -7584,10 +7610,14 @@
                   </a:schemeClr>
                 </a:solidFill>
               </a:rPr>
-              <a:t>5. Jenkins installation &amp; setup</a:t>
-            </a:r>
-          </a:p>
-          <a:p>
+              <a:t>Jenkins installation &amp; setup</a:t>
+            </a:r>
+          </a:p>
+          <a:p>
+            <a:pPr marL="457200" indent="-457200">
+              <a:buFont typeface="+mj-lt"/>
+              <a:buAutoNum type="arabicPeriod"/>
+            </a:pPr>
             <a:r>
               <a:rPr lang="en-US" sz="2400" b="1" dirty="0" smtClean="0">
                 <a:solidFill>
@@ -7596,7 +7626,7 @@
                   </a:schemeClr>
                 </a:solidFill>
               </a:rPr>
-              <a:t>6. Setting up a CI/CD pipeline</a:t>
+              <a:t>Setting up a CI/CD pipeline</a:t>
             </a:r>
             <a:endParaRPr lang="en-US" sz="2400" dirty="0">
               <a:solidFill>
@@ -7640,10 +7670,10 @@
       </p:grpSpPr>
       <p:sp>
         <p:nvSpPr>
-          <p:cNvPr id="5" name="TextBox 4">
-            <a:extLst>
-              <a:ext uri="{FF2B5EF4-FFF2-40B4-BE49-F238E27FC236}">
-                <a16:creationId xmlns:a16="http://schemas.microsoft.com/office/drawing/2014/main" xmlns="" id="{342270AA-492E-468C-B5DF-D005AB39834E}"/>
+          <p:cNvPr id="2" name="TextBox 1">
+            <a:extLst>
+              <a:ext uri="{FF2B5EF4-FFF2-40B4-BE49-F238E27FC236}">
+                <a16:creationId xmlns:a16="http://schemas.microsoft.com/office/drawing/2014/main" xmlns="" id="{8DA34F60-C036-4B57-8DAB-1153FCC4B013}"/>
               </a:ext>
             </a:extLst>
           </p:cNvPr>
@@ -7652,8 +7682,8 @@
         </p:nvSpPr>
         <p:spPr>
           <a:xfrm>
-            <a:off x="10159" y="2794000"/>
-            <a:ext cx="12181841" cy="1015663"/>
+            <a:off x="4500880" y="558800"/>
+            <a:ext cx="2631440" cy="833120"/>
           </a:xfrm>
           <a:prstGeom prst="rect">
             <a:avLst/>
@@ -7666,24 +7696,679 @@
           </a:bodyPr>
           <a:lstStyle/>
           <a:p>
+            <a:endParaRPr lang="en-US" dirty="0"/>
+          </a:p>
+        </p:txBody>
+      </p:sp>
+      <p:sp>
+        <p:nvSpPr>
+          <p:cNvPr id="3" name="TextBox 2">
+            <a:extLst>
+              <a:ext uri="{FF2B5EF4-FFF2-40B4-BE49-F238E27FC236}">
+                <a16:creationId xmlns:a16="http://schemas.microsoft.com/office/drawing/2014/main" xmlns="" id="{B544C6B0-EF6C-4250-91BF-FF09779362BA}"/>
+              </a:ext>
+            </a:extLst>
+          </p:cNvPr>
+          <p:cNvSpPr txBox="1"/>
+          <p:nvPr/>
+        </p:nvSpPr>
+        <p:spPr>
+          <a:xfrm>
+            <a:off x="0" y="182880"/>
+            <a:ext cx="12192000" cy="707886"/>
+          </a:xfrm>
+          <a:prstGeom prst="rect">
+            <a:avLst/>
+          </a:prstGeom>
+          <a:noFill/>
+        </p:spPr>
+        <p:txBody>
+          <a:bodyPr wrap="square" rtlCol="0">
+            <a:spAutoFit/>
+          </a:bodyPr>
+          <a:lstStyle/>
+          <a:p>
             <a:pPr algn="ctr"/>
             <a:r>
-              <a:rPr lang="en-US" sz="6000" b="1" dirty="0">
-                <a:solidFill>
-                  <a:schemeClr val="bg1">
-                    <a:lumMod val="50000"/>
-                  </a:schemeClr>
-                </a:solidFill>
-              </a:rPr>
-              <a:t>Thank You</a:t>
-            </a:r>
-          </a:p>
-        </p:txBody>
-      </p:sp>
+              <a:rPr lang="en-US" sz="4000" dirty="0" smtClean="0">
+                <a:solidFill>
+                  <a:schemeClr val="bg1">
+                    <a:lumMod val="50000"/>
+                  </a:schemeClr>
+                </a:solidFill>
+              </a:rPr>
+              <a:t>Why Continuous Integration?</a:t>
+            </a:r>
+          </a:p>
+        </p:txBody>
+      </p:sp>
+      <p:pic>
+        <p:nvPicPr>
+          <p:cNvPr id="4" name="Picture 2"/>
+          <p:cNvPicPr>
+            <a:picLocks noChangeAspect="1" noChangeArrowheads="1"/>
+          </p:cNvPicPr>
+          <p:nvPr/>
+        </p:nvPicPr>
+        <p:blipFill>
+          <a:blip r:embed="rId2"/>
+          <a:srcRect/>
+          <a:stretch>
+            <a:fillRect/>
+          </a:stretch>
+        </p:blipFill>
+        <p:spPr bwMode="auto">
+          <a:xfrm>
+            <a:off x="2081213" y="1462088"/>
+            <a:ext cx="8029575" cy="3933825"/>
+          </a:xfrm>
+          <a:prstGeom prst="rect">
+            <a:avLst/>
+          </a:prstGeom>
+          <a:noFill/>
+          <a:ln w="9525">
+            <a:noFill/>
+            <a:miter lim="800000"/>
+            <a:headEnd/>
+            <a:tailEnd/>
+          </a:ln>
+          <a:effectLst/>
+        </p:spPr>
+      </p:pic>
     </p:spTree>
     <p:extLst>
       <p:ext uri="{BB962C8B-B14F-4D97-AF65-F5344CB8AC3E}">
-        <p14:creationId xmlns:p14="http://schemas.microsoft.com/office/powerpoint/2010/main" xmlns="" val="3981335253"/>
+        <p14:creationId xmlns:p14="http://schemas.microsoft.com/office/powerpoint/2010/main" xmlns="" val="1380878122"/>
+      </p:ext>
+    </p:extLst>
+  </p:cSld>
+  <p:clrMapOvr>
+    <a:masterClrMapping/>
+  </p:clrMapOvr>
+</p:sld>
+</file>
+
+<file path=ppt/slides/slide26.xml><?xml version="1.0" encoding="utf-8"?>
+<p:sld xmlns:a="http://schemas.openxmlformats.org/drawingml/2006/main" xmlns:r="http://schemas.openxmlformats.org/officeDocument/2006/relationships" xmlns:p="http://schemas.openxmlformats.org/presentationml/2006/main">
+  <p:cSld>
+    <p:spTree>
+      <p:nvGrpSpPr>
+        <p:cNvPr id="1" name=""/>
+        <p:cNvGrpSpPr/>
+        <p:nvPr/>
+      </p:nvGrpSpPr>
+      <p:grpSpPr>
+        <a:xfrm>
+          <a:off x="0" y="0"/>
+          <a:ext cx="0" cy="0"/>
+          <a:chOff x="0" y="0"/>
+          <a:chExt cx="0" cy="0"/>
+        </a:xfrm>
+      </p:grpSpPr>
+      <p:sp>
+        <p:nvSpPr>
+          <p:cNvPr id="2" name="TextBox 1">
+            <a:extLst>
+              <a:ext uri="{FF2B5EF4-FFF2-40B4-BE49-F238E27FC236}">
+                <a16:creationId xmlns:a16="http://schemas.microsoft.com/office/drawing/2014/main" xmlns="" id="{8DA34F60-C036-4B57-8DAB-1153FCC4B013}"/>
+              </a:ext>
+            </a:extLst>
+          </p:cNvPr>
+          <p:cNvSpPr txBox="1"/>
+          <p:nvPr/>
+        </p:nvSpPr>
+        <p:spPr>
+          <a:xfrm>
+            <a:off x="4500880" y="558800"/>
+            <a:ext cx="2631440" cy="833120"/>
+          </a:xfrm>
+          <a:prstGeom prst="rect">
+            <a:avLst/>
+          </a:prstGeom>
+          <a:noFill/>
+        </p:spPr>
+        <p:txBody>
+          <a:bodyPr wrap="square" rtlCol="0">
+            <a:spAutoFit/>
+          </a:bodyPr>
+          <a:lstStyle/>
+          <a:p>
+            <a:endParaRPr lang="en-US" dirty="0"/>
+          </a:p>
+        </p:txBody>
+      </p:sp>
+      <p:sp>
+        <p:nvSpPr>
+          <p:cNvPr id="3" name="TextBox 2">
+            <a:extLst>
+              <a:ext uri="{FF2B5EF4-FFF2-40B4-BE49-F238E27FC236}">
+                <a16:creationId xmlns:a16="http://schemas.microsoft.com/office/drawing/2014/main" xmlns="" id="{B544C6B0-EF6C-4250-91BF-FF09779362BA}"/>
+              </a:ext>
+            </a:extLst>
+          </p:cNvPr>
+          <p:cNvSpPr txBox="1"/>
+          <p:nvPr/>
+        </p:nvSpPr>
+        <p:spPr>
+          <a:xfrm>
+            <a:off x="0" y="182880"/>
+            <a:ext cx="12192000" cy="707886"/>
+          </a:xfrm>
+          <a:prstGeom prst="rect">
+            <a:avLst/>
+          </a:prstGeom>
+          <a:noFill/>
+        </p:spPr>
+        <p:txBody>
+          <a:bodyPr wrap="square" rtlCol="0">
+            <a:spAutoFit/>
+          </a:bodyPr>
+          <a:lstStyle/>
+          <a:p>
+            <a:pPr algn="ctr"/>
+            <a:r>
+              <a:rPr lang="en-US" sz="4000" dirty="0" smtClean="0">
+                <a:solidFill>
+                  <a:schemeClr val="bg1">
+                    <a:lumMod val="50000"/>
+                  </a:schemeClr>
+                </a:solidFill>
+              </a:rPr>
+              <a:t>Why Continuous Integration?</a:t>
+            </a:r>
+          </a:p>
+        </p:txBody>
+      </p:sp>
+      <p:pic>
+        <p:nvPicPr>
+          <p:cNvPr id="2050" name="Picture 2"/>
+          <p:cNvPicPr>
+            <a:picLocks noChangeAspect="1" noChangeArrowheads="1"/>
+          </p:cNvPicPr>
+          <p:nvPr/>
+        </p:nvPicPr>
+        <p:blipFill>
+          <a:blip r:embed="rId2"/>
+          <a:srcRect/>
+          <a:stretch>
+            <a:fillRect/>
+          </a:stretch>
+        </p:blipFill>
+        <p:spPr bwMode="auto">
+          <a:xfrm>
+            <a:off x="387928" y="1052513"/>
+            <a:ext cx="11499272" cy="5265160"/>
+          </a:xfrm>
+          <a:prstGeom prst="rect">
+            <a:avLst/>
+          </a:prstGeom>
+          <a:noFill/>
+          <a:ln w="9525">
+            <a:noFill/>
+            <a:miter lim="800000"/>
+            <a:headEnd/>
+            <a:tailEnd/>
+          </a:ln>
+          <a:effectLst/>
+        </p:spPr>
+      </p:pic>
+    </p:spTree>
+    <p:extLst>
+      <p:ext uri="{BB962C8B-B14F-4D97-AF65-F5344CB8AC3E}">
+        <p14:creationId xmlns:p14="http://schemas.microsoft.com/office/powerpoint/2010/main" xmlns="" val="1380878122"/>
+      </p:ext>
+    </p:extLst>
+  </p:cSld>
+  <p:clrMapOvr>
+    <a:masterClrMapping/>
+  </p:clrMapOvr>
+</p:sld>
+</file>
+
+<file path=ppt/slides/slide27.xml><?xml version="1.0" encoding="utf-8"?>
+<p:sld xmlns:a="http://schemas.openxmlformats.org/drawingml/2006/main" xmlns:r="http://schemas.openxmlformats.org/officeDocument/2006/relationships" xmlns:p="http://schemas.openxmlformats.org/presentationml/2006/main">
+  <p:cSld>
+    <p:spTree>
+      <p:nvGrpSpPr>
+        <p:cNvPr id="1" name=""/>
+        <p:cNvGrpSpPr/>
+        <p:nvPr/>
+      </p:nvGrpSpPr>
+      <p:grpSpPr>
+        <a:xfrm>
+          <a:off x="0" y="0"/>
+          <a:ext cx="0" cy="0"/>
+          <a:chOff x="0" y="0"/>
+          <a:chExt cx="0" cy="0"/>
+        </a:xfrm>
+      </p:grpSpPr>
+      <p:sp>
+        <p:nvSpPr>
+          <p:cNvPr id="2" name="TextBox 1">
+            <a:extLst>
+              <a:ext uri="{FF2B5EF4-FFF2-40B4-BE49-F238E27FC236}">
+                <a16:creationId xmlns:a16="http://schemas.microsoft.com/office/drawing/2014/main" xmlns="" id="{8DA34F60-C036-4B57-8DAB-1153FCC4B013}"/>
+              </a:ext>
+            </a:extLst>
+          </p:cNvPr>
+          <p:cNvSpPr txBox="1"/>
+          <p:nvPr/>
+        </p:nvSpPr>
+        <p:spPr>
+          <a:xfrm>
+            <a:off x="4500880" y="558800"/>
+            <a:ext cx="2631440" cy="833120"/>
+          </a:xfrm>
+          <a:prstGeom prst="rect">
+            <a:avLst/>
+          </a:prstGeom>
+          <a:noFill/>
+        </p:spPr>
+        <p:txBody>
+          <a:bodyPr wrap="square" rtlCol="0">
+            <a:spAutoFit/>
+          </a:bodyPr>
+          <a:lstStyle/>
+          <a:p>
+            <a:endParaRPr lang="en-US" dirty="0"/>
+          </a:p>
+        </p:txBody>
+      </p:sp>
+      <p:sp>
+        <p:nvSpPr>
+          <p:cNvPr id="3" name="TextBox 2">
+            <a:extLst>
+              <a:ext uri="{FF2B5EF4-FFF2-40B4-BE49-F238E27FC236}">
+                <a16:creationId xmlns:a16="http://schemas.microsoft.com/office/drawing/2014/main" xmlns="" id="{B544C6B0-EF6C-4250-91BF-FF09779362BA}"/>
+              </a:ext>
+            </a:extLst>
+          </p:cNvPr>
+          <p:cNvSpPr txBox="1"/>
+          <p:nvPr/>
+        </p:nvSpPr>
+        <p:spPr>
+          <a:xfrm>
+            <a:off x="0" y="182880"/>
+            <a:ext cx="12192000" cy="707886"/>
+          </a:xfrm>
+          <a:prstGeom prst="rect">
+            <a:avLst/>
+          </a:prstGeom>
+          <a:noFill/>
+        </p:spPr>
+        <p:txBody>
+          <a:bodyPr wrap="square" rtlCol="0">
+            <a:spAutoFit/>
+          </a:bodyPr>
+          <a:lstStyle/>
+          <a:p>
+            <a:pPr algn="ctr"/>
+            <a:r>
+              <a:rPr lang="en-US" sz="4000" dirty="0" smtClean="0">
+                <a:solidFill>
+                  <a:schemeClr val="bg1">
+                    <a:lumMod val="50000"/>
+                  </a:schemeClr>
+                </a:solidFill>
+              </a:rPr>
+              <a:t>What is Jenkins?</a:t>
+            </a:r>
+          </a:p>
+        </p:txBody>
+      </p:sp>
+      <p:pic>
+        <p:nvPicPr>
+          <p:cNvPr id="3074" name="Picture 2"/>
+          <p:cNvPicPr>
+            <a:picLocks noChangeAspect="1" noChangeArrowheads="1"/>
+          </p:cNvPicPr>
+          <p:nvPr/>
+        </p:nvPicPr>
+        <p:blipFill>
+          <a:blip r:embed="rId2"/>
+          <a:srcRect/>
+          <a:stretch>
+            <a:fillRect/>
+          </a:stretch>
+        </p:blipFill>
+        <p:spPr bwMode="auto">
+          <a:xfrm>
+            <a:off x="3300413" y="1190625"/>
+            <a:ext cx="5591175" cy="4476750"/>
+          </a:xfrm>
+          <a:prstGeom prst="rect">
+            <a:avLst/>
+          </a:prstGeom>
+          <a:noFill/>
+          <a:ln w="9525">
+            <a:noFill/>
+            <a:miter lim="800000"/>
+            <a:headEnd/>
+            <a:tailEnd/>
+          </a:ln>
+          <a:effectLst/>
+        </p:spPr>
+      </p:pic>
+    </p:spTree>
+    <p:extLst>
+      <p:ext uri="{BB962C8B-B14F-4D97-AF65-F5344CB8AC3E}">
+        <p14:creationId xmlns:p14="http://schemas.microsoft.com/office/powerpoint/2010/main" xmlns="" val="1380878122"/>
+      </p:ext>
+    </p:extLst>
+  </p:cSld>
+  <p:clrMapOvr>
+    <a:masterClrMapping/>
+  </p:clrMapOvr>
+</p:sld>
+</file>
+
+<file path=ppt/slides/slide28.xml><?xml version="1.0" encoding="utf-8"?>
+<p:sld xmlns:a="http://schemas.openxmlformats.org/drawingml/2006/main" xmlns:r="http://schemas.openxmlformats.org/officeDocument/2006/relationships" xmlns:p="http://schemas.openxmlformats.org/presentationml/2006/main">
+  <p:cSld>
+    <p:spTree>
+      <p:nvGrpSpPr>
+        <p:cNvPr id="1" name=""/>
+        <p:cNvGrpSpPr/>
+        <p:nvPr/>
+      </p:nvGrpSpPr>
+      <p:grpSpPr>
+        <a:xfrm>
+          <a:off x="0" y="0"/>
+          <a:ext cx="0" cy="0"/>
+          <a:chOff x="0" y="0"/>
+          <a:chExt cx="0" cy="0"/>
+        </a:xfrm>
+      </p:grpSpPr>
+      <p:sp>
+        <p:nvSpPr>
+          <p:cNvPr id="2" name="TextBox 1">
+            <a:extLst>
+              <a:ext uri="{FF2B5EF4-FFF2-40B4-BE49-F238E27FC236}">
+                <a16:creationId xmlns:a16="http://schemas.microsoft.com/office/drawing/2014/main" xmlns="" id="{8DA34F60-C036-4B57-8DAB-1153FCC4B013}"/>
+              </a:ext>
+            </a:extLst>
+          </p:cNvPr>
+          <p:cNvSpPr txBox="1"/>
+          <p:nvPr/>
+        </p:nvSpPr>
+        <p:spPr>
+          <a:xfrm>
+            <a:off x="4500880" y="558800"/>
+            <a:ext cx="2631440" cy="833120"/>
+          </a:xfrm>
+          <a:prstGeom prst="rect">
+            <a:avLst/>
+          </a:prstGeom>
+          <a:noFill/>
+        </p:spPr>
+        <p:txBody>
+          <a:bodyPr wrap="square" rtlCol="0">
+            <a:spAutoFit/>
+          </a:bodyPr>
+          <a:lstStyle/>
+          <a:p>
+            <a:endParaRPr lang="en-US" dirty="0"/>
+          </a:p>
+        </p:txBody>
+      </p:sp>
+      <p:sp>
+        <p:nvSpPr>
+          <p:cNvPr id="3" name="TextBox 2">
+            <a:extLst>
+              <a:ext uri="{FF2B5EF4-FFF2-40B4-BE49-F238E27FC236}">
+                <a16:creationId xmlns:a16="http://schemas.microsoft.com/office/drawing/2014/main" xmlns="" id="{B544C6B0-EF6C-4250-91BF-FF09779362BA}"/>
+              </a:ext>
+            </a:extLst>
+          </p:cNvPr>
+          <p:cNvSpPr txBox="1"/>
+          <p:nvPr/>
+        </p:nvSpPr>
+        <p:spPr>
+          <a:xfrm>
+            <a:off x="0" y="182880"/>
+            <a:ext cx="12192000" cy="707886"/>
+          </a:xfrm>
+          <a:prstGeom prst="rect">
+            <a:avLst/>
+          </a:prstGeom>
+          <a:noFill/>
+        </p:spPr>
+        <p:txBody>
+          <a:bodyPr wrap="square" rtlCol="0">
+            <a:spAutoFit/>
+          </a:bodyPr>
+          <a:lstStyle/>
+          <a:p>
+            <a:pPr algn="ctr"/>
+            <a:r>
+              <a:rPr lang="en-US" sz="4000" dirty="0" smtClean="0">
+                <a:solidFill>
+                  <a:schemeClr val="bg1">
+                    <a:lumMod val="50000"/>
+                  </a:schemeClr>
+                </a:solidFill>
+              </a:rPr>
+              <a:t>What is Jenkins?</a:t>
+            </a:r>
+          </a:p>
+        </p:txBody>
+      </p:sp>
+      <p:sp>
+        <p:nvSpPr>
+          <p:cNvPr id="5" name="TextBox 4"/>
+          <p:cNvSpPr txBox="1"/>
+          <p:nvPr/>
+        </p:nvSpPr>
+        <p:spPr>
+          <a:xfrm>
+            <a:off x="581891" y="1205345"/>
+            <a:ext cx="11194473" cy="1200329"/>
+          </a:xfrm>
+          <a:prstGeom prst="rect">
+            <a:avLst/>
+          </a:prstGeom>
+          <a:noFill/>
+        </p:spPr>
+        <p:txBody>
+          <a:bodyPr wrap="square" rtlCol="0">
+            <a:spAutoFit/>
+          </a:bodyPr>
+          <a:lstStyle/>
+          <a:p>
+            <a:r>
+              <a:rPr lang="en-US" sz="2400" dirty="0" smtClean="0">
+                <a:solidFill>
+                  <a:schemeClr val="bg1">
+                    <a:lumMod val="50000"/>
+                  </a:schemeClr>
+                </a:solidFill>
+              </a:rPr>
+              <a:t>Jenkins is an Open Source continuous integration tool written in java that allows us to automate the software development process, making sure that there is minimum involvement from us. It also integrates all the different parts of the development.</a:t>
+            </a:r>
+            <a:endParaRPr lang="en-US" sz="2400" dirty="0">
+              <a:solidFill>
+                <a:schemeClr val="bg1">
+                  <a:lumMod val="50000"/>
+                </a:schemeClr>
+              </a:solidFill>
+            </a:endParaRPr>
+          </a:p>
+        </p:txBody>
+      </p:sp>
+      <p:pic>
+        <p:nvPicPr>
+          <p:cNvPr id="6" name="Picture 2"/>
+          <p:cNvPicPr>
+            <a:picLocks noChangeAspect="1" noChangeArrowheads="1"/>
+          </p:cNvPicPr>
+          <p:nvPr/>
+        </p:nvPicPr>
+        <p:blipFill>
+          <a:blip r:embed="rId2"/>
+          <a:srcRect/>
+          <a:stretch>
+            <a:fillRect/>
+          </a:stretch>
+        </p:blipFill>
+        <p:spPr bwMode="auto">
+          <a:xfrm>
+            <a:off x="3990109" y="2728480"/>
+            <a:ext cx="3917806" cy="3136915"/>
+          </a:xfrm>
+          <a:prstGeom prst="rect">
+            <a:avLst/>
+          </a:prstGeom>
+          <a:noFill/>
+          <a:ln w="9525">
+            <a:noFill/>
+            <a:miter lim="800000"/>
+            <a:headEnd/>
+            <a:tailEnd/>
+          </a:ln>
+          <a:effectLst/>
+        </p:spPr>
+      </p:pic>
+    </p:spTree>
+    <p:extLst>
+      <p:ext uri="{BB962C8B-B14F-4D97-AF65-F5344CB8AC3E}">
+        <p14:creationId xmlns:p14="http://schemas.microsoft.com/office/powerpoint/2010/main" xmlns="" val="1380878122"/>
+      </p:ext>
+    </p:extLst>
+  </p:cSld>
+  <p:clrMapOvr>
+    <a:masterClrMapping/>
+  </p:clrMapOvr>
+</p:sld>
+</file>
+
+<file path=ppt/slides/slide29.xml><?xml version="1.0" encoding="utf-8"?>
+<p:sld xmlns:a="http://schemas.openxmlformats.org/drawingml/2006/main" xmlns:r="http://schemas.openxmlformats.org/officeDocument/2006/relationships" xmlns:p="http://schemas.openxmlformats.org/presentationml/2006/main">
+  <p:cSld>
+    <p:spTree>
+      <p:nvGrpSpPr>
+        <p:cNvPr id="1" name=""/>
+        <p:cNvGrpSpPr/>
+        <p:nvPr/>
+      </p:nvGrpSpPr>
+      <p:grpSpPr>
+        <a:xfrm>
+          <a:off x="0" y="0"/>
+          <a:ext cx="0" cy="0"/>
+          <a:chOff x="0" y="0"/>
+          <a:chExt cx="0" cy="0"/>
+        </a:xfrm>
+      </p:grpSpPr>
+      <p:sp>
+        <p:nvSpPr>
+          <p:cNvPr id="2" name="TextBox 1">
+            <a:extLst>
+              <a:ext uri="{FF2B5EF4-FFF2-40B4-BE49-F238E27FC236}">
+                <a16:creationId xmlns:a16="http://schemas.microsoft.com/office/drawing/2014/main" xmlns="" id="{8DA34F60-C036-4B57-8DAB-1153FCC4B013}"/>
+              </a:ext>
+            </a:extLst>
+          </p:cNvPr>
+          <p:cNvSpPr txBox="1"/>
+          <p:nvPr/>
+        </p:nvSpPr>
+        <p:spPr>
+          <a:xfrm>
+            <a:off x="4500880" y="558800"/>
+            <a:ext cx="2631440" cy="833120"/>
+          </a:xfrm>
+          <a:prstGeom prst="rect">
+            <a:avLst/>
+          </a:prstGeom>
+          <a:noFill/>
+        </p:spPr>
+        <p:txBody>
+          <a:bodyPr wrap="square" rtlCol="0">
+            <a:spAutoFit/>
+          </a:bodyPr>
+          <a:lstStyle/>
+          <a:p>
+            <a:endParaRPr lang="en-US" dirty="0"/>
+          </a:p>
+        </p:txBody>
+      </p:sp>
+      <p:sp>
+        <p:nvSpPr>
+          <p:cNvPr id="3" name="TextBox 2">
+            <a:extLst>
+              <a:ext uri="{FF2B5EF4-FFF2-40B4-BE49-F238E27FC236}">
+                <a16:creationId xmlns:a16="http://schemas.microsoft.com/office/drawing/2014/main" xmlns="" id="{B544C6B0-EF6C-4250-91BF-FF09779362BA}"/>
+              </a:ext>
+            </a:extLst>
+          </p:cNvPr>
+          <p:cNvSpPr txBox="1"/>
+          <p:nvPr/>
+        </p:nvSpPr>
+        <p:spPr>
+          <a:xfrm>
+            <a:off x="0" y="182880"/>
+            <a:ext cx="12192000" cy="707886"/>
+          </a:xfrm>
+          <a:prstGeom prst="rect">
+            <a:avLst/>
+          </a:prstGeom>
+          <a:noFill/>
+        </p:spPr>
+        <p:txBody>
+          <a:bodyPr wrap="square" rtlCol="0">
+            <a:spAutoFit/>
+          </a:bodyPr>
+          <a:lstStyle/>
+          <a:p>
+            <a:pPr algn="ctr"/>
+            <a:r>
+              <a:rPr lang="en-US" sz="4000" dirty="0" smtClean="0">
+                <a:solidFill>
+                  <a:schemeClr val="bg1">
+                    <a:lumMod val="50000"/>
+                  </a:schemeClr>
+                </a:solidFill>
+              </a:rPr>
+              <a:t>What is Jenkins?</a:t>
+            </a:r>
+          </a:p>
+        </p:txBody>
+      </p:sp>
+      <p:pic>
+        <p:nvPicPr>
+          <p:cNvPr id="4098" name="Picture 2"/>
+          <p:cNvPicPr>
+            <a:picLocks noChangeAspect="1" noChangeArrowheads="1"/>
+          </p:cNvPicPr>
+          <p:nvPr/>
+        </p:nvPicPr>
+        <p:blipFill>
+          <a:blip r:embed="rId2"/>
+          <a:srcRect/>
+          <a:stretch>
+            <a:fillRect/>
+          </a:stretch>
+        </p:blipFill>
+        <p:spPr bwMode="auto">
+          <a:xfrm>
+            <a:off x="1204913" y="1176338"/>
+            <a:ext cx="9782175" cy="4505325"/>
+          </a:xfrm>
+          <a:prstGeom prst="rect">
+            <a:avLst/>
+          </a:prstGeom>
+          <a:noFill/>
+          <a:ln w="9525">
+            <a:noFill/>
+            <a:miter lim="800000"/>
+            <a:headEnd/>
+            <a:tailEnd/>
+          </a:ln>
+          <a:effectLst/>
+        </p:spPr>
+      </p:pic>
+    </p:spTree>
+    <p:extLst>
+      <p:ext uri="{BB962C8B-B14F-4D97-AF65-F5344CB8AC3E}">
+        <p14:creationId xmlns:p14="http://schemas.microsoft.com/office/powerpoint/2010/main" xmlns="" val="1380878122"/>
       </p:ext>
     </p:extLst>
   </p:cSld>
@@ -7786,6 +8471,494 @@
     <p:extLst>
       <p:ext uri="{BB962C8B-B14F-4D97-AF65-F5344CB8AC3E}">
         <p14:creationId xmlns:p14="http://schemas.microsoft.com/office/powerpoint/2010/main" xmlns="" val="1193679221"/>
+      </p:ext>
+    </p:extLst>
+  </p:cSld>
+  <p:clrMapOvr>
+    <a:masterClrMapping/>
+  </p:clrMapOvr>
+</p:sld>
+</file>
+
+<file path=ppt/slides/slide30.xml><?xml version="1.0" encoding="utf-8"?>
+<p:sld xmlns:a="http://schemas.openxmlformats.org/drawingml/2006/main" xmlns:r="http://schemas.openxmlformats.org/officeDocument/2006/relationships" xmlns:p="http://schemas.openxmlformats.org/presentationml/2006/main">
+  <p:cSld>
+    <p:spTree>
+      <p:nvGrpSpPr>
+        <p:cNvPr id="1" name=""/>
+        <p:cNvGrpSpPr/>
+        <p:nvPr/>
+      </p:nvGrpSpPr>
+      <p:grpSpPr>
+        <a:xfrm>
+          <a:off x="0" y="0"/>
+          <a:ext cx="0" cy="0"/>
+          <a:chOff x="0" y="0"/>
+          <a:chExt cx="0" cy="0"/>
+        </a:xfrm>
+      </p:grpSpPr>
+      <p:sp>
+        <p:nvSpPr>
+          <p:cNvPr id="2" name="TextBox 1">
+            <a:extLst>
+              <a:ext uri="{FF2B5EF4-FFF2-40B4-BE49-F238E27FC236}">
+                <a16:creationId xmlns:a16="http://schemas.microsoft.com/office/drawing/2014/main" xmlns="" id="{8DA34F60-C036-4B57-8DAB-1153FCC4B013}"/>
+              </a:ext>
+            </a:extLst>
+          </p:cNvPr>
+          <p:cNvSpPr txBox="1"/>
+          <p:nvPr/>
+        </p:nvSpPr>
+        <p:spPr>
+          <a:xfrm>
+            <a:off x="4500880" y="558800"/>
+            <a:ext cx="2631440" cy="833120"/>
+          </a:xfrm>
+          <a:prstGeom prst="rect">
+            <a:avLst/>
+          </a:prstGeom>
+          <a:noFill/>
+        </p:spPr>
+        <p:txBody>
+          <a:bodyPr wrap="square" rtlCol="0">
+            <a:spAutoFit/>
+          </a:bodyPr>
+          <a:lstStyle/>
+          <a:p>
+            <a:endParaRPr lang="en-US" dirty="0"/>
+          </a:p>
+        </p:txBody>
+      </p:sp>
+      <p:sp>
+        <p:nvSpPr>
+          <p:cNvPr id="3" name="TextBox 2">
+            <a:extLst>
+              <a:ext uri="{FF2B5EF4-FFF2-40B4-BE49-F238E27FC236}">
+                <a16:creationId xmlns:a16="http://schemas.microsoft.com/office/drawing/2014/main" xmlns="" id="{B544C6B0-EF6C-4250-91BF-FF09779362BA}"/>
+              </a:ext>
+            </a:extLst>
+          </p:cNvPr>
+          <p:cNvSpPr txBox="1"/>
+          <p:nvPr/>
+        </p:nvSpPr>
+        <p:spPr>
+          <a:xfrm>
+            <a:off x="0" y="182880"/>
+            <a:ext cx="12192000" cy="707886"/>
+          </a:xfrm>
+          <a:prstGeom prst="rect">
+            <a:avLst/>
+          </a:prstGeom>
+          <a:noFill/>
+        </p:spPr>
+        <p:txBody>
+          <a:bodyPr wrap="square" rtlCol="0">
+            <a:spAutoFit/>
+          </a:bodyPr>
+          <a:lstStyle/>
+          <a:p>
+            <a:pPr algn="ctr"/>
+            <a:r>
+              <a:rPr lang="en-US" sz="4000" dirty="0" smtClean="0">
+                <a:solidFill>
+                  <a:schemeClr val="bg1">
+                    <a:lumMod val="50000"/>
+                  </a:schemeClr>
+                </a:solidFill>
+              </a:rPr>
+              <a:t>Benefits of </a:t>
+            </a:r>
+            <a:r>
+              <a:rPr lang="en-US" sz="4000" dirty="0" smtClean="0">
+                <a:solidFill>
+                  <a:schemeClr val="bg1">
+                    <a:lumMod val="50000"/>
+                  </a:schemeClr>
+                </a:solidFill>
+              </a:rPr>
+              <a:t>Jenkins?</a:t>
+            </a:r>
+          </a:p>
+        </p:txBody>
+      </p:sp>
+      <p:sp>
+        <p:nvSpPr>
+          <p:cNvPr id="5" name="TextBox 4"/>
+          <p:cNvSpPr txBox="1"/>
+          <p:nvPr/>
+        </p:nvSpPr>
+        <p:spPr>
+          <a:xfrm>
+            <a:off x="415636" y="1163782"/>
+            <a:ext cx="11291455" cy="3785652"/>
+          </a:xfrm>
+          <a:prstGeom prst="rect">
+            <a:avLst/>
+          </a:prstGeom>
+          <a:noFill/>
+        </p:spPr>
+        <p:txBody>
+          <a:bodyPr wrap="square" rtlCol="0">
+            <a:spAutoFit/>
+          </a:bodyPr>
+          <a:lstStyle/>
+          <a:p>
+            <a:pPr lvl="1">
+              <a:buFont typeface="Wingdings" pitchFamily="2" charset="2"/>
+              <a:buChar char="§"/>
+            </a:pPr>
+            <a:r>
+              <a:rPr lang="en-US" sz="2400" dirty="0" smtClean="0">
+                <a:solidFill>
+                  <a:schemeClr val="bg1">
+                    <a:lumMod val="50000"/>
+                  </a:schemeClr>
+                </a:solidFill>
+              </a:rPr>
+              <a:t>Jenkins is a community tool – Its open source and has a very </a:t>
+            </a:r>
+            <a:r>
+              <a:rPr lang="en-US" sz="2400" dirty="0" err="1" smtClean="0">
+                <a:solidFill>
+                  <a:schemeClr val="bg1">
+                    <a:lumMod val="50000"/>
+                  </a:schemeClr>
+                </a:solidFill>
+              </a:rPr>
+              <a:t>very</a:t>
+            </a:r>
+            <a:r>
+              <a:rPr lang="en-US" sz="2400" dirty="0" smtClean="0">
+                <a:solidFill>
+                  <a:schemeClr val="bg1">
+                    <a:lumMod val="50000"/>
+                  </a:schemeClr>
+                </a:solidFill>
+              </a:rPr>
+              <a:t> large </a:t>
+            </a:r>
+            <a:r>
+              <a:rPr lang="en-US" sz="2400" dirty="0" smtClean="0">
+                <a:solidFill>
+                  <a:schemeClr val="bg1">
+                    <a:lumMod val="50000"/>
+                  </a:schemeClr>
+                </a:solidFill>
+              </a:rPr>
+              <a:t>community that contributes to </a:t>
+            </a:r>
+            <a:r>
+              <a:rPr lang="en-US" sz="2400" dirty="0" smtClean="0">
+                <a:solidFill>
+                  <a:schemeClr val="bg1">
+                    <a:lumMod val="50000"/>
+                  </a:schemeClr>
+                </a:solidFill>
+              </a:rPr>
+              <a:t>it regularly</a:t>
+            </a:r>
+            <a:r>
+              <a:rPr lang="en-US" sz="2400" dirty="0" smtClean="0">
+                <a:solidFill>
+                  <a:schemeClr val="bg1">
+                    <a:lumMod val="50000"/>
+                  </a:schemeClr>
+                </a:solidFill>
+              </a:rPr>
+              <a:t>.</a:t>
+            </a:r>
+          </a:p>
+          <a:p>
+            <a:pPr lvl="1"/>
+            <a:endParaRPr lang="en-US" sz="2400" dirty="0" smtClean="0">
+              <a:solidFill>
+                <a:schemeClr val="bg1">
+                  <a:lumMod val="50000"/>
+                </a:schemeClr>
+              </a:solidFill>
+            </a:endParaRPr>
+          </a:p>
+          <a:p>
+            <a:pPr lvl="1">
+              <a:buFont typeface="Wingdings" pitchFamily="2" charset="2"/>
+              <a:buChar char="§"/>
+            </a:pPr>
+            <a:r>
+              <a:rPr lang="en-US" sz="2400" dirty="0" smtClean="0">
+                <a:solidFill>
+                  <a:schemeClr val="bg1">
+                    <a:lumMod val="50000"/>
+                  </a:schemeClr>
+                </a:solidFill>
+              </a:rPr>
+              <a:t>It’s </a:t>
+            </a:r>
+            <a:r>
+              <a:rPr lang="en-US" sz="2400" dirty="0" smtClean="0">
+                <a:solidFill>
+                  <a:schemeClr val="bg1">
+                    <a:lumMod val="50000"/>
+                  </a:schemeClr>
+                </a:solidFill>
+              </a:rPr>
+              <a:t>free, so you don’t </a:t>
+            </a:r>
+            <a:r>
+              <a:rPr lang="en-US" sz="2400" dirty="0" smtClean="0">
+                <a:solidFill>
+                  <a:schemeClr val="bg1">
+                    <a:lumMod val="50000"/>
+                  </a:schemeClr>
+                </a:solidFill>
+              </a:rPr>
+              <a:t>have to </a:t>
+            </a:r>
+            <a:r>
+              <a:rPr lang="en-US" sz="2400" dirty="0" smtClean="0">
+                <a:solidFill>
+                  <a:schemeClr val="bg1">
+                    <a:lumMod val="50000"/>
+                  </a:schemeClr>
+                </a:solidFill>
+              </a:rPr>
+              <a:t>accrue anymore </a:t>
+            </a:r>
+            <a:r>
+              <a:rPr lang="en-US" sz="2400" dirty="0" smtClean="0">
+                <a:solidFill>
+                  <a:schemeClr val="bg1">
+                    <a:lumMod val="50000"/>
+                  </a:schemeClr>
+                </a:solidFill>
+              </a:rPr>
+              <a:t>subscription costs</a:t>
+            </a:r>
+            <a:r>
+              <a:rPr lang="en-US" sz="2400" dirty="0" smtClean="0">
+                <a:solidFill>
+                  <a:schemeClr val="bg1">
+                    <a:lumMod val="50000"/>
+                  </a:schemeClr>
+                </a:solidFill>
+              </a:rPr>
+              <a:t>.</a:t>
+            </a:r>
+          </a:p>
+          <a:p>
+            <a:pPr lvl="1">
+              <a:buFont typeface="Wingdings" pitchFamily="2" charset="2"/>
+              <a:buChar char="§"/>
+            </a:pPr>
+            <a:endParaRPr lang="en-US" sz="2400" dirty="0" smtClean="0">
+              <a:solidFill>
+                <a:schemeClr val="bg1">
+                  <a:lumMod val="50000"/>
+                </a:schemeClr>
+              </a:solidFill>
+            </a:endParaRPr>
+          </a:p>
+          <a:p>
+            <a:pPr lvl="1">
+              <a:buFont typeface="Wingdings" pitchFamily="2" charset="2"/>
+              <a:buChar char="§"/>
+            </a:pPr>
+            <a:r>
+              <a:rPr lang="en-US" sz="2400" dirty="0" smtClean="0">
+                <a:solidFill>
+                  <a:schemeClr val="bg1">
+                    <a:lumMod val="50000"/>
+                  </a:schemeClr>
+                </a:solidFill>
+              </a:rPr>
+              <a:t>It </a:t>
+            </a:r>
+            <a:r>
+              <a:rPr lang="en-US" sz="2400" dirty="0" smtClean="0">
+                <a:solidFill>
+                  <a:schemeClr val="bg1">
+                    <a:lumMod val="50000"/>
+                  </a:schemeClr>
+                </a:solidFill>
+              </a:rPr>
+              <a:t>is highly modifiable and adaptable and has a support for a very large </a:t>
+            </a:r>
+            <a:r>
+              <a:rPr lang="en-US" sz="2400" dirty="0" smtClean="0">
+                <a:solidFill>
+                  <a:schemeClr val="bg1">
+                    <a:lumMod val="50000"/>
+                  </a:schemeClr>
+                </a:solidFill>
+              </a:rPr>
+              <a:t>number of </a:t>
+            </a:r>
+            <a:r>
+              <a:rPr lang="en-US" sz="2400" dirty="0" err="1" smtClean="0">
+                <a:solidFill>
+                  <a:schemeClr val="bg1">
+                    <a:lumMod val="50000"/>
+                  </a:schemeClr>
+                </a:solidFill>
+              </a:rPr>
+              <a:t>plugins</a:t>
+            </a:r>
+            <a:r>
+              <a:rPr lang="en-US" sz="2400" dirty="0" smtClean="0">
+                <a:solidFill>
+                  <a:schemeClr val="bg1">
+                    <a:lumMod val="50000"/>
+                  </a:schemeClr>
+                </a:solidFill>
+              </a:rPr>
+              <a:t>.</a:t>
+            </a:r>
+          </a:p>
+          <a:p>
+            <a:pPr lvl="1">
+              <a:buFont typeface="Wingdings" pitchFamily="2" charset="2"/>
+              <a:buChar char="§"/>
+            </a:pPr>
+            <a:endParaRPr lang="en-US" sz="2400" dirty="0" smtClean="0">
+              <a:solidFill>
+                <a:schemeClr val="bg1">
+                  <a:lumMod val="50000"/>
+                </a:schemeClr>
+              </a:solidFill>
+            </a:endParaRPr>
+          </a:p>
+          <a:p>
+            <a:pPr lvl="1">
+              <a:buFont typeface="Wingdings" pitchFamily="2" charset="2"/>
+              <a:buChar char="§"/>
+            </a:pPr>
+            <a:r>
+              <a:rPr lang="en-US" sz="2400" dirty="0" smtClean="0">
+                <a:solidFill>
+                  <a:schemeClr val="bg1">
+                    <a:lumMod val="50000"/>
+                  </a:schemeClr>
+                </a:solidFill>
+              </a:rPr>
+              <a:t>It </a:t>
+            </a:r>
+            <a:r>
+              <a:rPr lang="en-US" sz="2400" dirty="0" smtClean="0">
+                <a:solidFill>
+                  <a:schemeClr val="bg1">
+                    <a:lumMod val="50000"/>
+                  </a:schemeClr>
+                </a:solidFill>
+              </a:rPr>
+              <a:t>can run on any major platform </a:t>
+            </a:r>
+            <a:r>
+              <a:rPr lang="en-US" sz="2400" dirty="0" smtClean="0">
+                <a:solidFill>
+                  <a:schemeClr val="bg1">
+                    <a:lumMod val="50000"/>
+                  </a:schemeClr>
+                </a:solidFill>
+              </a:rPr>
+              <a:t>without any compatibility issues</a:t>
+            </a:r>
+            <a:r>
+              <a:rPr lang="en-US" sz="2400" dirty="0" smtClean="0">
+                <a:solidFill>
+                  <a:schemeClr val="bg1">
+                    <a:lumMod val="50000"/>
+                  </a:schemeClr>
+                </a:solidFill>
+              </a:rPr>
+              <a:t>.</a:t>
+            </a:r>
+          </a:p>
+          <a:p>
+            <a:endParaRPr lang="en-US" sz="2400" dirty="0">
+              <a:solidFill>
+                <a:schemeClr val="bg1">
+                  <a:lumMod val="50000"/>
+                </a:schemeClr>
+              </a:solidFill>
+            </a:endParaRPr>
+          </a:p>
+        </p:txBody>
+      </p:sp>
+    </p:spTree>
+    <p:extLst>
+      <p:ext uri="{BB962C8B-B14F-4D97-AF65-F5344CB8AC3E}">
+        <p14:creationId xmlns:p14="http://schemas.microsoft.com/office/powerpoint/2010/main" xmlns="" val="1380878122"/>
+      </p:ext>
+    </p:extLst>
+  </p:cSld>
+  <p:clrMapOvr>
+    <a:masterClrMapping/>
+  </p:clrMapOvr>
+</p:sld>
+</file>
+
+<file path=ppt/slides/slide31.xml><?xml version="1.0" encoding="utf-8"?>
+<p:sld xmlns:a="http://schemas.openxmlformats.org/drawingml/2006/main" xmlns:r="http://schemas.openxmlformats.org/officeDocument/2006/relationships" xmlns:p="http://schemas.openxmlformats.org/presentationml/2006/main">
+  <p:cSld>
+    <p:spTree>
+      <p:nvGrpSpPr>
+        <p:cNvPr id="1" name=""/>
+        <p:cNvGrpSpPr/>
+        <p:nvPr/>
+      </p:nvGrpSpPr>
+      <p:grpSpPr>
+        <a:xfrm>
+          <a:off x="0" y="0"/>
+          <a:ext cx="0" cy="0"/>
+          <a:chOff x="0" y="0"/>
+          <a:chExt cx="0" cy="0"/>
+        </a:xfrm>
+      </p:grpSpPr>
+      <p:sp>
+        <p:nvSpPr>
+          <p:cNvPr id="5" name="TextBox 4">
+            <a:extLst>
+              <a:ext uri="{FF2B5EF4-FFF2-40B4-BE49-F238E27FC236}">
+                <a16:creationId xmlns:a16="http://schemas.microsoft.com/office/drawing/2014/main" xmlns="" id="{342270AA-492E-468C-B5DF-D005AB39834E}"/>
+              </a:ext>
+            </a:extLst>
+          </p:cNvPr>
+          <p:cNvSpPr txBox="1"/>
+          <p:nvPr/>
+        </p:nvSpPr>
+        <p:spPr>
+          <a:xfrm>
+            <a:off x="10159" y="2794000"/>
+            <a:ext cx="12181841" cy="1015663"/>
+          </a:xfrm>
+          <a:prstGeom prst="rect">
+            <a:avLst/>
+          </a:prstGeom>
+          <a:noFill/>
+        </p:spPr>
+        <p:txBody>
+          <a:bodyPr wrap="square" rtlCol="0">
+            <a:spAutoFit/>
+          </a:bodyPr>
+          <a:lstStyle/>
+          <a:p>
+            <a:pPr algn="ctr"/>
+            <a:r>
+              <a:rPr lang="en-US" sz="6000" b="1" dirty="0">
+                <a:solidFill>
+                  <a:schemeClr val="bg1">
+                    <a:lumMod val="50000"/>
+                  </a:schemeClr>
+                </a:solidFill>
+              </a:rPr>
+              <a:t>Thank You</a:t>
+            </a:r>
+          </a:p>
+        </p:txBody>
+      </p:sp>
+    </p:spTree>
+    <p:extLst>
+      <p:ext uri="{BB962C8B-B14F-4D97-AF65-F5344CB8AC3E}">
+        <p14:creationId xmlns:p14="http://schemas.microsoft.com/office/powerpoint/2010/main" xmlns="" val="3981335253"/>
       </p:ext>
     </p:extLst>
   </p:cSld>

--- a/DevOps.pptx
+++ b/DevOps.pptx
@@ -4,6 +4,9 @@
   <p:sldMasterIdLst>
     <p:sldMasterId id="2147483648" r:id="rId1"/>
   </p:sldMasterIdLst>
+  <p:notesMasterIdLst>
+    <p:notesMasterId r:id="rId54"/>
+  </p:notesMasterIdLst>
   <p:sldIdLst>
     <p:sldId id="256" r:id="rId2"/>
     <p:sldId id="257" r:id="rId3"/>
@@ -35,7 +38,28 @@
     <p:sldId id="285" r:id="rId29"/>
     <p:sldId id="286" r:id="rId30"/>
     <p:sldId id="287" r:id="rId31"/>
-    <p:sldId id="258" r:id="rId32"/>
+    <p:sldId id="288" r:id="rId32"/>
+    <p:sldId id="289" r:id="rId33"/>
+    <p:sldId id="290" r:id="rId34"/>
+    <p:sldId id="300" r:id="rId35"/>
+    <p:sldId id="301" r:id="rId36"/>
+    <p:sldId id="302" r:id="rId37"/>
+    <p:sldId id="303" r:id="rId38"/>
+    <p:sldId id="304" r:id="rId39"/>
+    <p:sldId id="291" r:id="rId40"/>
+    <p:sldId id="292" r:id="rId41"/>
+    <p:sldId id="293" r:id="rId42"/>
+    <p:sldId id="294" r:id="rId43"/>
+    <p:sldId id="295" r:id="rId44"/>
+    <p:sldId id="296" r:id="rId45"/>
+    <p:sldId id="297" r:id="rId46"/>
+    <p:sldId id="298" r:id="rId47"/>
+    <p:sldId id="299" r:id="rId48"/>
+    <p:sldId id="305" r:id="rId49"/>
+    <p:sldId id="306" r:id="rId50"/>
+    <p:sldId id="307" r:id="rId51"/>
+    <p:sldId id="308" r:id="rId52"/>
+    <p:sldId id="258" r:id="rId53"/>
   </p:sldIdLst>
   <p:sldSz cx="12192000" cy="6858000"/>
   <p:notesSz cx="6858000" cy="9144000"/>
@@ -136,10 +160,622 @@
   </p:defaultTextStyle>
   <p:extLst>
     <p:ext uri="{EFAFB233-063F-42B5-8137-9DF3F51BA10A}">
-      <p15:sldGuideLst xmlns:p15="http://schemas.microsoft.com/office/powerpoint/2012/main" xmlns=""/>
+      <p15:sldGuideLst xmlns:p15="http://schemas.microsoft.com/office/powerpoint/2012/main">
+        <p15:guide id="1" orient="horz" pos="2160">
+          <p15:clr>
+            <a:srgbClr val="A4A3A4"/>
+          </p15:clr>
+        </p15:guide>
+        <p15:guide id="2" pos="3840">
+          <p15:clr>
+            <a:srgbClr val="A4A3A4"/>
+          </p15:clr>
+        </p15:guide>
+      </p15:sldGuideLst>
     </p:ext>
   </p:extLst>
 </p:presentation>
+</file>
+
+<file path=ppt/notesMasters/notesMaster1.xml><?xml version="1.0" encoding="utf-8"?>
+<p:notesMaster xmlns:a="http://schemas.openxmlformats.org/drawingml/2006/main" xmlns:r="http://schemas.openxmlformats.org/officeDocument/2006/relationships" xmlns:p="http://schemas.openxmlformats.org/presentationml/2006/main">
+  <p:cSld>
+    <p:bg>
+      <p:bgRef idx="1001">
+        <a:schemeClr val="bg1"/>
+      </p:bgRef>
+    </p:bg>
+    <p:spTree>
+      <p:nvGrpSpPr>
+        <p:cNvPr id="1" name=""/>
+        <p:cNvGrpSpPr/>
+        <p:nvPr/>
+      </p:nvGrpSpPr>
+      <p:grpSpPr>
+        <a:xfrm>
+          <a:off x="0" y="0"/>
+          <a:ext cx="0" cy="0"/>
+          <a:chOff x="0" y="0"/>
+          <a:chExt cx="0" cy="0"/>
+        </a:xfrm>
+      </p:grpSpPr>
+      <p:sp>
+        <p:nvSpPr>
+          <p:cNvPr id="2" name="Header Placeholder 1"/>
+          <p:cNvSpPr>
+            <a:spLocks noGrp="1"/>
+          </p:cNvSpPr>
+          <p:nvPr>
+            <p:ph type="hdr" sz="quarter"/>
+          </p:nvPr>
+        </p:nvSpPr>
+        <p:spPr>
+          <a:xfrm>
+            <a:off x="0" y="0"/>
+            <a:ext cx="2971800" cy="458788"/>
+          </a:xfrm>
+          <a:prstGeom prst="rect">
+            <a:avLst/>
+          </a:prstGeom>
+        </p:spPr>
+        <p:txBody>
+          <a:bodyPr vert="horz" lIns="91440" tIns="45720" rIns="91440" bIns="45720" rtlCol="0"/>
+          <a:lstStyle>
+            <a:lvl1pPr algn="l">
+              <a:defRPr sz="1200"/>
+            </a:lvl1pPr>
+          </a:lstStyle>
+          <a:p>
+            <a:endParaRPr lang="en-US"/>
+          </a:p>
+        </p:txBody>
+      </p:sp>
+      <p:sp>
+        <p:nvSpPr>
+          <p:cNvPr id="3" name="Date Placeholder 2"/>
+          <p:cNvSpPr>
+            <a:spLocks noGrp="1"/>
+          </p:cNvSpPr>
+          <p:nvPr>
+            <p:ph type="dt" idx="1"/>
+          </p:nvPr>
+        </p:nvSpPr>
+        <p:spPr>
+          <a:xfrm>
+            <a:off x="3884613" y="0"/>
+            <a:ext cx="2971800" cy="458788"/>
+          </a:xfrm>
+          <a:prstGeom prst="rect">
+            <a:avLst/>
+          </a:prstGeom>
+        </p:spPr>
+        <p:txBody>
+          <a:bodyPr vert="horz" lIns="91440" tIns="45720" rIns="91440" bIns="45720" rtlCol="0"/>
+          <a:lstStyle>
+            <a:lvl1pPr algn="r">
+              <a:defRPr sz="1200"/>
+            </a:lvl1pPr>
+          </a:lstStyle>
+          <a:p>
+            <a:fld id="{3BB9BFB5-CFEF-4E91-8AAB-D6877C6799F9}" type="datetimeFigureOut">
+              <a:rPr lang="en-US" smtClean="0"/>
+              <a:t>6/2/2022</a:t>
+            </a:fld>
+            <a:endParaRPr lang="en-US"/>
+          </a:p>
+        </p:txBody>
+      </p:sp>
+      <p:sp>
+        <p:nvSpPr>
+          <p:cNvPr id="4" name="Slide Image Placeholder 3"/>
+          <p:cNvSpPr>
+            <a:spLocks noGrp="1" noRot="1" noChangeAspect="1"/>
+          </p:cNvSpPr>
+          <p:nvPr>
+            <p:ph type="sldImg" idx="2"/>
+          </p:nvPr>
+        </p:nvSpPr>
+        <p:spPr>
+          <a:xfrm>
+            <a:off x="685800" y="1143000"/>
+            <a:ext cx="5486400" cy="3086100"/>
+          </a:xfrm>
+          <a:prstGeom prst="rect">
+            <a:avLst/>
+          </a:prstGeom>
+          <a:noFill/>
+          <a:ln w="12700">
+            <a:solidFill>
+              <a:prstClr val="black"/>
+            </a:solidFill>
+          </a:ln>
+        </p:spPr>
+        <p:txBody>
+          <a:bodyPr vert="horz" lIns="91440" tIns="45720" rIns="91440" bIns="45720" rtlCol="0" anchor="ctr"/>
+          <a:lstStyle/>
+          <a:p>
+            <a:endParaRPr lang="en-US"/>
+          </a:p>
+        </p:txBody>
+      </p:sp>
+      <p:sp>
+        <p:nvSpPr>
+          <p:cNvPr id="5" name="Notes Placeholder 4"/>
+          <p:cNvSpPr>
+            <a:spLocks noGrp="1"/>
+          </p:cNvSpPr>
+          <p:nvPr>
+            <p:ph type="body" sz="quarter" idx="3"/>
+          </p:nvPr>
+        </p:nvSpPr>
+        <p:spPr>
+          <a:xfrm>
+            <a:off x="685800" y="4400550"/>
+            <a:ext cx="5486400" cy="3600450"/>
+          </a:xfrm>
+          <a:prstGeom prst="rect">
+            <a:avLst/>
+          </a:prstGeom>
+        </p:spPr>
+        <p:txBody>
+          <a:bodyPr vert="horz" lIns="91440" tIns="45720" rIns="91440" bIns="45720" rtlCol="0"/>
+          <a:lstStyle/>
+          <a:p>
+            <a:pPr lvl="0"/>
+            <a:r>
+              <a:rPr lang="en-US"/>
+              <a:t>Edit Master text styles</a:t>
+            </a:r>
+          </a:p>
+          <a:p>
+            <a:pPr lvl="1"/>
+            <a:r>
+              <a:rPr lang="en-US"/>
+              <a:t>Second level</a:t>
+            </a:r>
+          </a:p>
+          <a:p>
+            <a:pPr lvl="2"/>
+            <a:r>
+              <a:rPr lang="en-US"/>
+              <a:t>Third level</a:t>
+            </a:r>
+          </a:p>
+          <a:p>
+            <a:pPr lvl="3"/>
+            <a:r>
+              <a:rPr lang="en-US"/>
+              <a:t>Fourth level</a:t>
+            </a:r>
+          </a:p>
+          <a:p>
+            <a:pPr lvl="4"/>
+            <a:r>
+              <a:rPr lang="en-US"/>
+              <a:t>Fifth level</a:t>
+            </a:r>
+          </a:p>
+        </p:txBody>
+      </p:sp>
+      <p:sp>
+        <p:nvSpPr>
+          <p:cNvPr id="6" name="Footer Placeholder 5"/>
+          <p:cNvSpPr>
+            <a:spLocks noGrp="1"/>
+          </p:cNvSpPr>
+          <p:nvPr>
+            <p:ph type="ftr" sz="quarter" idx="4"/>
+          </p:nvPr>
+        </p:nvSpPr>
+        <p:spPr>
+          <a:xfrm>
+            <a:off x="0" y="8685213"/>
+            <a:ext cx="2971800" cy="458787"/>
+          </a:xfrm>
+          <a:prstGeom prst="rect">
+            <a:avLst/>
+          </a:prstGeom>
+        </p:spPr>
+        <p:txBody>
+          <a:bodyPr vert="horz" lIns="91440" tIns="45720" rIns="91440" bIns="45720" rtlCol="0" anchor="b"/>
+          <a:lstStyle>
+            <a:lvl1pPr algn="l">
+              <a:defRPr sz="1200"/>
+            </a:lvl1pPr>
+          </a:lstStyle>
+          <a:p>
+            <a:endParaRPr lang="en-US"/>
+          </a:p>
+        </p:txBody>
+      </p:sp>
+      <p:sp>
+        <p:nvSpPr>
+          <p:cNvPr id="7" name="Slide Number Placeholder 6"/>
+          <p:cNvSpPr>
+            <a:spLocks noGrp="1"/>
+          </p:cNvSpPr>
+          <p:nvPr>
+            <p:ph type="sldNum" sz="quarter" idx="5"/>
+          </p:nvPr>
+        </p:nvSpPr>
+        <p:spPr>
+          <a:xfrm>
+            <a:off x="3884613" y="8685213"/>
+            <a:ext cx="2971800" cy="458787"/>
+          </a:xfrm>
+          <a:prstGeom prst="rect">
+            <a:avLst/>
+          </a:prstGeom>
+        </p:spPr>
+        <p:txBody>
+          <a:bodyPr vert="horz" lIns="91440" tIns="45720" rIns="91440" bIns="45720" rtlCol="0" anchor="b"/>
+          <a:lstStyle>
+            <a:lvl1pPr algn="r">
+              <a:defRPr sz="1200"/>
+            </a:lvl1pPr>
+          </a:lstStyle>
+          <a:p>
+            <a:fld id="{2F8602FB-C732-4589-8972-D0BA335FC274}" type="slidenum">
+              <a:rPr lang="en-US" smtClean="0"/>
+              <a:t>‹#›</a:t>
+            </a:fld>
+            <a:endParaRPr lang="en-US"/>
+          </a:p>
+        </p:txBody>
+      </p:sp>
+    </p:spTree>
+    <p:extLst>
+      <p:ext uri="{BB962C8B-B14F-4D97-AF65-F5344CB8AC3E}">
+        <p14:creationId xmlns:p14="http://schemas.microsoft.com/office/powerpoint/2010/main" val="109871836"/>
+      </p:ext>
+    </p:extLst>
+  </p:cSld>
+  <p:clrMap bg1="lt1" tx1="dk1" bg2="lt2" tx2="dk2" accent1="accent1" accent2="accent2" accent3="accent3" accent4="accent4" accent5="accent5" accent6="accent6" hlink="hlink" folHlink="folHlink"/>
+  <p:notesStyle>
+    <a:lvl1pPr marL="0" algn="l" defTabSz="914400" rtl="0" eaLnBrk="1" latinLnBrk="0" hangingPunct="1">
+      <a:defRPr sz="1200" kern="1200">
+        <a:solidFill>
+          <a:schemeClr val="tx1"/>
+        </a:solidFill>
+        <a:latin typeface="+mn-lt"/>
+        <a:ea typeface="+mn-ea"/>
+        <a:cs typeface="+mn-cs"/>
+      </a:defRPr>
+    </a:lvl1pPr>
+    <a:lvl2pPr marL="457200" algn="l" defTabSz="914400" rtl="0" eaLnBrk="1" latinLnBrk="0" hangingPunct="1">
+      <a:defRPr sz="1200" kern="1200">
+        <a:solidFill>
+          <a:schemeClr val="tx1"/>
+        </a:solidFill>
+        <a:latin typeface="+mn-lt"/>
+        <a:ea typeface="+mn-ea"/>
+        <a:cs typeface="+mn-cs"/>
+      </a:defRPr>
+    </a:lvl2pPr>
+    <a:lvl3pPr marL="914400" algn="l" defTabSz="914400" rtl="0" eaLnBrk="1" latinLnBrk="0" hangingPunct="1">
+      <a:defRPr sz="1200" kern="1200">
+        <a:solidFill>
+          <a:schemeClr val="tx1"/>
+        </a:solidFill>
+        <a:latin typeface="+mn-lt"/>
+        <a:ea typeface="+mn-ea"/>
+        <a:cs typeface="+mn-cs"/>
+      </a:defRPr>
+    </a:lvl3pPr>
+    <a:lvl4pPr marL="1371600" algn="l" defTabSz="914400" rtl="0" eaLnBrk="1" latinLnBrk="0" hangingPunct="1">
+      <a:defRPr sz="1200" kern="1200">
+        <a:solidFill>
+          <a:schemeClr val="tx1"/>
+        </a:solidFill>
+        <a:latin typeface="+mn-lt"/>
+        <a:ea typeface="+mn-ea"/>
+        <a:cs typeface="+mn-cs"/>
+      </a:defRPr>
+    </a:lvl4pPr>
+    <a:lvl5pPr marL="1828800" algn="l" defTabSz="914400" rtl="0" eaLnBrk="1" latinLnBrk="0" hangingPunct="1">
+      <a:defRPr sz="1200" kern="1200">
+        <a:solidFill>
+          <a:schemeClr val="tx1"/>
+        </a:solidFill>
+        <a:latin typeface="+mn-lt"/>
+        <a:ea typeface="+mn-ea"/>
+        <a:cs typeface="+mn-cs"/>
+      </a:defRPr>
+    </a:lvl5pPr>
+    <a:lvl6pPr marL="2286000" algn="l" defTabSz="914400" rtl="0" eaLnBrk="1" latinLnBrk="0" hangingPunct="1">
+      <a:defRPr sz="1200" kern="1200">
+        <a:solidFill>
+          <a:schemeClr val="tx1"/>
+        </a:solidFill>
+        <a:latin typeface="+mn-lt"/>
+        <a:ea typeface="+mn-ea"/>
+        <a:cs typeface="+mn-cs"/>
+      </a:defRPr>
+    </a:lvl6pPr>
+    <a:lvl7pPr marL="2743200" algn="l" defTabSz="914400" rtl="0" eaLnBrk="1" latinLnBrk="0" hangingPunct="1">
+      <a:defRPr sz="1200" kern="1200">
+        <a:solidFill>
+          <a:schemeClr val="tx1"/>
+        </a:solidFill>
+        <a:latin typeface="+mn-lt"/>
+        <a:ea typeface="+mn-ea"/>
+        <a:cs typeface="+mn-cs"/>
+      </a:defRPr>
+    </a:lvl7pPr>
+    <a:lvl8pPr marL="3200400" algn="l" defTabSz="914400" rtl="0" eaLnBrk="1" latinLnBrk="0" hangingPunct="1">
+      <a:defRPr sz="1200" kern="1200">
+        <a:solidFill>
+          <a:schemeClr val="tx1"/>
+        </a:solidFill>
+        <a:latin typeface="+mn-lt"/>
+        <a:ea typeface="+mn-ea"/>
+        <a:cs typeface="+mn-cs"/>
+      </a:defRPr>
+    </a:lvl8pPr>
+    <a:lvl9pPr marL="3657600" algn="l" defTabSz="914400" rtl="0" eaLnBrk="1" latinLnBrk="0" hangingPunct="1">
+      <a:defRPr sz="1200" kern="1200">
+        <a:solidFill>
+          <a:schemeClr val="tx1"/>
+        </a:solidFill>
+        <a:latin typeface="+mn-lt"/>
+        <a:ea typeface="+mn-ea"/>
+        <a:cs typeface="+mn-cs"/>
+      </a:defRPr>
+    </a:lvl9pPr>
+  </p:notesStyle>
+</p:notesMaster>
+</file>
+
+<file path=ppt/notesSlides/notesSlide1.xml><?xml version="1.0" encoding="utf-8"?>
+<p:notes xmlns:a="http://schemas.openxmlformats.org/drawingml/2006/main" xmlns:r="http://schemas.openxmlformats.org/officeDocument/2006/relationships" xmlns:p="http://schemas.openxmlformats.org/presentationml/2006/main">
+  <p:cSld>
+    <p:spTree>
+      <p:nvGrpSpPr>
+        <p:cNvPr id="1" name=""/>
+        <p:cNvGrpSpPr/>
+        <p:nvPr/>
+      </p:nvGrpSpPr>
+      <p:grpSpPr>
+        <a:xfrm>
+          <a:off x="0" y="0"/>
+          <a:ext cx="0" cy="0"/>
+          <a:chOff x="0" y="0"/>
+          <a:chExt cx="0" cy="0"/>
+        </a:xfrm>
+      </p:grpSpPr>
+      <p:sp>
+        <p:nvSpPr>
+          <p:cNvPr id="2" name="Slide Image Placeholder 1"/>
+          <p:cNvSpPr>
+            <a:spLocks noGrp="1" noRot="1" noChangeAspect="1"/>
+          </p:cNvSpPr>
+          <p:nvPr>
+            <p:ph type="sldImg"/>
+          </p:nvPr>
+        </p:nvSpPr>
+        <p:spPr/>
+      </p:sp>
+      <p:sp>
+        <p:nvSpPr>
+          <p:cNvPr id="3" name="Notes Placeholder 2"/>
+          <p:cNvSpPr>
+            <a:spLocks noGrp="1"/>
+          </p:cNvSpPr>
+          <p:nvPr>
+            <p:ph type="body" idx="1"/>
+          </p:nvPr>
+        </p:nvSpPr>
+        <p:spPr/>
+        <p:txBody>
+          <a:bodyPr/>
+          <a:lstStyle/>
+          <a:p>
+            <a:endParaRPr lang="en-US" dirty="0"/>
+          </a:p>
+        </p:txBody>
+      </p:sp>
+      <p:sp>
+        <p:nvSpPr>
+          <p:cNvPr id="4" name="Slide Number Placeholder 3"/>
+          <p:cNvSpPr>
+            <a:spLocks noGrp="1"/>
+          </p:cNvSpPr>
+          <p:nvPr>
+            <p:ph type="sldNum" sz="quarter" idx="5"/>
+          </p:nvPr>
+        </p:nvSpPr>
+        <p:spPr/>
+        <p:txBody>
+          <a:bodyPr/>
+          <a:lstStyle/>
+          <a:p>
+            <a:fld id="{2F8602FB-C732-4589-8972-D0BA335FC274}" type="slidenum">
+              <a:rPr lang="en-US" smtClean="0"/>
+              <a:t>49</a:t>
+            </a:fld>
+            <a:endParaRPr lang="en-US"/>
+          </a:p>
+        </p:txBody>
+      </p:sp>
+    </p:spTree>
+    <p:extLst>
+      <p:ext uri="{BB962C8B-B14F-4D97-AF65-F5344CB8AC3E}">
+        <p14:creationId xmlns:p14="http://schemas.microsoft.com/office/powerpoint/2010/main" val="3702590878"/>
+      </p:ext>
+    </p:extLst>
+  </p:cSld>
+  <p:clrMapOvr>
+    <a:masterClrMapping/>
+  </p:clrMapOvr>
+</p:notes>
+</file>
+
+<file path=ppt/notesSlides/notesSlide2.xml><?xml version="1.0" encoding="utf-8"?>
+<p:notes xmlns:a="http://schemas.openxmlformats.org/drawingml/2006/main" xmlns:r="http://schemas.openxmlformats.org/officeDocument/2006/relationships" xmlns:p="http://schemas.openxmlformats.org/presentationml/2006/main">
+  <p:cSld>
+    <p:spTree>
+      <p:nvGrpSpPr>
+        <p:cNvPr id="1" name=""/>
+        <p:cNvGrpSpPr/>
+        <p:nvPr/>
+      </p:nvGrpSpPr>
+      <p:grpSpPr>
+        <a:xfrm>
+          <a:off x="0" y="0"/>
+          <a:ext cx="0" cy="0"/>
+          <a:chOff x="0" y="0"/>
+          <a:chExt cx="0" cy="0"/>
+        </a:xfrm>
+      </p:grpSpPr>
+      <p:sp>
+        <p:nvSpPr>
+          <p:cNvPr id="2" name="Slide Image Placeholder 1"/>
+          <p:cNvSpPr>
+            <a:spLocks noGrp="1" noRot="1" noChangeAspect="1"/>
+          </p:cNvSpPr>
+          <p:nvPr>
+            <p:ph type="sldImg"/>
+          </p:nvPr>
+        </p:nvSpPr>
+        <p:spPr/>
+      </p:sp>
+      <p:sp>
+        <p:nvSpPr>
+          <p:cNvPr id="3" name="Notes Placeholder 2"/>
+          <p:cNvSpPr>
+            <a:spLocks noGrp="1"/>
+          </p:cNvSpPr>
+          <p:nvPr>
+            <p:ph type="body" idx="1"/>
+          </p:nvPr>
+        </p:nvSpPr>
+        <p:spPr/>
+        <p:txBody>
+          <a:bodyPr/>
+          <a:lstStyle/>
+          <a:p>
+            <a:endParaRPr lang="en-US" dirty="0"/>
+          </a:p>
+        </p:txBody>
+      </p:sp>
+      <p:sp>
+        <p:nvSpPr>
+          <p:cNvPr id="4" name="Slide Number Placeholder 3"/>
+          <p:cNvSpPr>
+            <a:spLocks noGrp="1"/>
+          </p:cNvSpPr>
+          <p:nvPr>
+            <p:ph type="sldNum" sz="quarter" idx="5"/>
+          </p:nvPr>
+        </p:nvSpPr>
+        <p:spPr/>
+        <p:txBody>
+          <a:bodyPr/>
+          <a:lstStyle/>
+          <a:p>
+            <a:fld id="{2F8602FB-C732-4589-8972-D0BA335FC274}" type="slidenum">
+              <a:rPr lang="en-US" smtClean="0"/>
+              <a:t>50</a:t>
+            </a:fld>
+            <a:endParaRPr lang="en-US"/>
+          </a:p>
+        </p:txBody>
+      </p:sp>
+    </p:spTree>
+    <p:extLst>
+      <p:ext uri="{BB962C8B-B14F-4D97-AF65-F5344CB8AC3E}">
+        <p14:creationId xmlns:p14="http://schemas.microsoft.com/office/powerpoint/2010/main" val="2623819248"/>
+      </p:ext>
+    </p:extLst>
+  </p:cSld>
+  <p:clrMapOvr>
+    <a:masterClrMapping/>
+  </p:clrMapOvr>
+</p:notes>
+</file>
+
+<file path=ppt/notesSlides/notesSlide3.xml><?xml version="1.0" encoding="utf-8"?>
+<p:notes xmlns:a="http://schemas.openxmlformats.org/drawingml/2006/main" xmlns:r="http://schemas.openxmlformats.org/officeDocument/2006/relationships" xmlns:p="http://schemas.openxmlformats.org/presentationml/2006/main">
+  <p:cSld>
+    <p:spTree>
+      <p:nvGrpSpPr>
+        <p:cNvPr id="1" name=""/>
+        <p:cNvGrpSpPr/>
+        <p:nvPr/>
+      </p:nvGrpSpPr>
+      <p:grpSpPr>
+        <a:xfrm>
+          <a:off x="0" y="0"/>
+          <a:ext cx="0" cy="0"/>
+          <a:chOff x="0" y="0"/>
+          <a:chExt cx="0" cy="0"/>
+        </a:xfrm>
+      </p:grpSpPr>
+      <p:sp>
+        <p:nvSpPr>
+          <p:cNvPr id="2" name="Slide Image Placeholder 1"/>
+          <p:cNvSpPr>
+            <a:spLocks noGrp="1" noRot="1" noChangeAspect="1"/>
+          </p:cNvSpPr>
+          <p:nvPr>
+            <p:ph type="sldImg"/>
+          </p:nvPr>
+        </p:nvSpPr>
+        <p:spPr/>
+      </p:sp>
+      <p:sp>
+        <p:nvSpPr>
+          <p:cNvPr id="3" name="Notes Placeholder 2"/>
+          <p:cNvSpPr>
+            <a:spLocks noGrp="1"/>
+          </p:cNvSpPr>
+          <p:nvPr>
+            <p:ph type="body" idx="1"/>
+          </p:nvPr>
+        </p:nvSpPr>
+        <p:spPr/>
+        <p:txBody>
+          <a:bodyPr/>
+          <a:lstStyle/>
+          <a:p>
+            <a:endParaRPr lang="en-US" dirty="0"/>
+          </a:p>
+        </p:txBody>
+      </p:sp>
+      <p:sp>
+        <p:nvSpPr>
+          <p:cNvPr id="4" name="Slide Number Placeholder 3"/>
+          <p:cNvSpPr>
+            <a:spLocks noGrp="1"/>
+          </p:cNvSpPr>
+          <p:nvPr>
+            <p:ph type="sldNum" sz="quarter" idx="5"/>
+          </p:nvPr>
+        </p:nvSpPr>
+        <p:spPr/>
+        <p:txBody>
+          <a:bodyPr/>
+          <a:lstStyle/>
+          <a:p>
+            <a:fld id="{2F8602FB-C732-4589-8972-D0BA335FC274}" type="slidenum">
+              <a:rPr lang="en-US" smtClean="0"/>
+              <a:t>51</a:t>
+            </a:fld>
+            <a:endParaRPr lang="en-US"/>
+          </a:p>
+        </p:txBody>
+      </p:sp>
+    </p:spTree>
+    <p:extLst>
+      <p:ext uri="{BB962C8B-B14F-4D97-AF65-F5344CB8AC3E}">
+        <p14:creationId xmlns:p14="http://schemas.microsoft.com/office/powerpoint/2010/main" val="3673023945"/>
+      </p:ext>
+    </p:extLst>
+  </p:cSld>
+  <p:clrMapOvr>
+    <a:masterClrMapping/>
+  </p:clrMapOvr>
+</p:notes>
 </file>
 
 <file path=ppt/slideLayouts/slideLayout1.xml><?xml version="1.0" encoding="utf-8"?>
@@ -164,7 +800,7 @@
           <p:cNvPr id="2" name="Title 1">
             <a:extLst>
               <a:ext uri="{FF2B5EF4-FFF2-40B4-BE49-F238E27FC236}">
-                <a16:creationId xmlns:a16="http://schemas.microsoft.com/office/drawing/2014/main" xmlns="" id="{11334219-D3AB-41B2-8ADB-644EE7709C17}"/>
+                <a16:creationId xmlns:a16="http://schemas.microsoft.com/office/drawing/2014/main" id="{11334219-D3AB-41B2-8ADB-644EE7709C17}"/>
               </a:ext>
             </a:extLst>
           </p:cNvPr>
@@ -201,7 +837,7 @@
           <p:cNvPr id="3" name="Subtitle 2">
             <a:extLst>
               <a:ext uri="{FF2B5EF4-FFF2-40B4-BE49-F238E27FC236}">
-                <a16:creationId xmlns:a16="http://schemas.microsoft.com/office/drawing/2014/main" xmlns="" id="{95413D5A-B558-4E1E-A41A-E1A9FC472792}"/>
+                <a16:creationId xmlns:a16="http://schemas.microsoft.com/office/drawing/2014/main" id="{95413D5A-B558-4E1E-A41A-E1A9FC472792}"/>
               </a:ext>
             </a:extLst>
           </p:cNvPr>
@@ -271,7 +907,7 @@
           <p:cNvPr id="4" name="Date Placeholder 3">
             <a:extLst>
               <a:ext uri="{FF2B5EF4-FFF2-40B4-BE49-F238E27FC236}">
-                <a16:creationId xmlns:a16="http://schemas.microsoft.com/office/drawing/2014/main" xmlns="" id="{A690AC1A-AF18-4A14-9E8D-EB4B7B22D3B5}"/>
+                <a16:creationId xmlns:a16="http://schemas.microsoft.com/office/drawing/2014/main" id="{A690AC1A-AF18-4A14-9E8D-EB4B7B22D3B5}"/>
               </a:ext>
             </a:extLst>
           </p:cNvPr>
@@ -290,7 +926,7 @@
             <a:fld id="{07C149BE-AC79-4548-8B96-E3E2494BEA7F}" type="datetimeFigureOut">
               <a:rPr lang="en-US" smtClean="0"/>
               <a:pPr/>
-              <a:t>5/30/2022</a:t>
+              <a:t>6/2/2022</a:t>
             </a:fld>
             <a:endParaRPr lang="en-US"/>
           </a:p>
@@ -301,7 +937,7 @@
           <p:cNvPr id="5" name="Footer Placeholder 4">
             <a:extLst>
               <a:ext uri="{FF2B5EF4-FFF2-40B4-BE49-F238E27FC236}">
-                <a16:creationId xmlns:a16="http://schemas.microsoft.com/office/drawing/2014/main" xmlns="" id="{FE625D2A-8362-4F07-B36B-0870C863ADF3}"/>
+                <a16:creationId xmlns:a16="http://schemas.microsoft.com/office/drawing/2014/main" id="{FE625D2A-8362-4F07-B36B-0870C863ADF3}"/>
               </a:ext>
             </a:extLst>
           </p:cNvPr>
@@ -326,7 +962,7 @@
           <p:cNvPr id="6" name="Slide Number Placeholder 5">
             <a:extLst>
               <a:ext uri="{FF2B5EF4-FFF2-40B4-BE49-F238E27FC236}">
-                <a16:creationId xmlns:a16="http://schemas.microsoft.com/office/drawing/2014/main" xmlns="" id="{1549429C-19E9-4F2C-B4FD-8F54CDD00E8B}"/>
+                <a16:creationId xmlns:a16="http://schemas.microsoft.com/office/drawing/2014/main" id="{1549429C-19E9-4F2C-B4FD-8F54CDD00E8B}"/>
               </a:ext>
             </a:extLst>
           </p:cNvPr>
@@ -354,7 +990,7 @@
     </p:spTree>
     <p:extLst>
       <p:ext uri="{BB962C8B-B14F-4D97-AF65-F5344CB8AC3E}">
-        <p14:creationId xmlns:p14="http://schemas.microsoft.com/office/powerpoint/2010/main" xmlns="" val="795564747"/>
+        <p14:creationId xmlns:p14="http://schemas.microsoft.com/office/powerpoint/2010/main" val="795564747"/>
       </p:ext>
     </p:extLst>
   </p:cSld>
@@ -386,7 +1022,7 @@
           <p:cNvPr id="2" name="Title 1">
             <a:extLst>
               <a:ext uri="{FF2B5EF4-FFF2-40B4-BE49-F238E27FC236}">
-                <a16:creationId xmlns:a16="http://schemas.microsoft.com/office/drawing/2014/main" xmlns="" id="{EDFFEACB-671B-4E99-90DE-FCA203D82464}"/>
+                <a16:creationId xmlns:a16="http://schemas.microsoft.com/office/drawing/2014/main" id="{EDFFEACB-671B-4E99-90DE-FCA203D82464}"/>
               </a:ext>
             </a:extLst>
           </p:cNvPr>
@@ -414,7 +1050,7 @@
           <p:cNvPr id="3" name="Vertical Text Placeholder 2">
             <a:extLst>
               <a:ext uri="{FF2B5EF4-FFF2-40B4-BE49-F238E27FC236}">
-                <a16:creationId xmlns:a16="http://schemas.microsoft.com/office/drawing/2014/main" xmlns="" id="{5EBBDE48-CEA1-4233-8F0D-3609C5C8686C}"/>
+                <a16:creationId xmlns:a16="http://schemas.microsoft.com/office/drawing/2014/main" id="{5EBBDE48-CEA1-4233-8F0D-3609C5C8686C}"/>
               </a:ext>
             </a:extLst>
           </p:cNvPr>
@@ -471,7 +1107,7 @@
           <p:cNvPr id="4" name="Date Placeholder 3">
             <a:extLst>
               <a:ext uri="{FF2B5EF4-FFF2-40B4-BE49-F238E27FC236}">
-                <a16:creationId xmlns:a16="http://schemas.microsoft.com/office/drawing/2014/main" xmlns="" id="{2E5C6FEC-E6F2-4DA5-830B-16AC04370781}"/>
+                <a16:creationId xmlns:a16="http://schemas.microsoft.com/office/drawing/2014/main" id="{2E5C6FEC-E6F2-4DA5-830B-16AC04370781}"/>
               </a:ext>
             </a:extLst>
           </p:cNvPr>
@@ -490,7 +1126,7 @@
             <a:fld id="{07C149BE-AC79-4548-8B96-E3E2494BEA7F}" type="datetimeFigureOut">
               <a:rPr lang="en-US" smtClean="0"/>
               <a:pPr/>
-              <a:t>5/30/2022</a:t>
+              <a:t>6/2/2022</a:t>
             </a:fld>
             <a:endParaRPr lang="en-US"/>
           </a:p>
@@ -501,7 +1137,7 @@
           <p:cNvPr id="5" name="Footer Placeholder 4">
             <a:extLst>
               <a:ext uri="{FF2B5EF4-FFF2-40B4-BE49-F238E27FC236}">
-                <a16:creationId xmlns:a16="http://schemas.microsoft.com/office/drawing/2014/main" xmlns="" id="{33C34678-02FE-470D-8230-588A1EC87C80}"/>
+                <a16:creationId xmlns:a16="http://schemas.microsoft.com/office/drawing/2014/main" id="{33C34678-02FE-470D-8230-588A1EC87C80}"/>
               </a:ext>
             </a:extLst>
           </p:cNvPr>
@@ -526,7 +1162,7 @@
           <p:cNvPr id="6" name="Slide Number Placeholder 5">
             <a:extLst>
               <a:ext uri="{FF2B5EF4-FFF2-40B4-BE49-F238E27FC236}">
-                <a16:creationId xmlns:a16="http://schemas.microsoft.com/office/drawing/2014/main" xmlns="" id="{DB95C7E1-CB97-4125-A4CF-1126A5676968}"/>
+                <a16:creationId xmlns:a16="http://schemas.microsoft.com/office/drawing/2014/main" id="{DB95C7E1-CB97-4125-A4CF-1126A5676968}"/>
               </a:ext>
             </a:extLst>
           </p:cNvPr>
@@ -554,7 +1190,7 @@
     </p:spTree>
     <p:extLst>
       <p:ext uri="{BB962C8B-B14F-4D97-AF65-F5344CB8AC3E}">
-        <p14:creationId xmlns:p14="http://schemas.microsoft.com/office/powerpoint/2010/main" xmlns="" val="652119031"/>
+        <p14:creationId xmlns:p14="http://schemas.microsoft.com/office/powerpoint/2010/main" val="652119031"/>
       </p:ext>
     </p:extLst>
   </p:cSld>
@@ -586,7 +1222,7 @@
           <p:cNvPr id="2" name="Vertical Title 1">
             <a:extLst>
               <a:ext uri="{FF2B5EF4-FFF2-40B4-BE49-F238E27FC236}">
-                <a16:creationId xmlns:a16="http://schemas.microsoft.com/office/drawing/2014/main" xmlns="" id="{5F6B2C60-1B25-4BBB-B8DD-182CD312DF98}"/>
+                <a16:creationId xmlns:a16="http://schemas.microsoft.com/office/drawing/2014/main" id="{5F6B2C60-1B25-4BBB-B8DD-182CD312DF98}"/>
               </a:ext>
             </a:extLst>
           </p:cNvPr>
@@ -619,7 +1255,7 @@
           <p:cNvPr id="3" name="Vertical Text Placeholder 2">
             <a:extLst>
               <a:ext uri="{FF2B5EF4-FFF2-40B4-BE49-F238E27FC236}">
-                <a16:creationId xmlns:a16="http://schemas.microsoft.com/office/drawing/2014/main" xmlns="" id="{DBD4EC11-F684-45FE-A670-6839F3BD1D01}"/>
+                <a16:creationId xmlns:a16="http://schemas.microsoft.com/office/drawing/2014/main" id="{DBD4EC11-F684-45FE-A670-6839F3BD1D01}"/>
               </a:ext>
             </a:extLst>
           </p:cNvPr>
@@ -681,7 +1317,7 @@
           <p:cNvPr id="4" name="Date Placeholder 3">
             <a:extLst>
               <a:ext uri="{FF2B5EF4-FFF2-40B4-BE49-F238E27FC236}">
-                <a16:creationId xmlns:a16="http://schemas.microsoft.com/office/drawing/2014/main" xmlns="" id="{B6ADFE61-028C-4DF5-AB65-16A348AADBA3}"/>
+                <a16:creationId xmlns:a16="http://schemas.microsoft.com/office/drawing/2014/main" id="{B6ADFE61-028C-4DF5-AB65-16A348AADBA3}"/>
               </a:ext>
             </a:extLst>
           </p:cNvPr>
@@ -700,7 +1336,7 @@
             <a:fld id="{07C149BE-AC79-4548-8B96-E3E2494BEA7F}" type="datetimeFigureOut">
               <a:rPr lang="en-US" smtClean="0"/>
               <a:pPr/>
-              <a:t>5/30/2022</a:t>
+              <a:t>6/2/2022</a:t>
             </a:fld>
             <a:endParaRPr lang="en-US"/>
           </a:p>
@@ -711,7 +1347,7 @@
           <p:cNvPr id="5" name="Footer Placeholder 4">
             <a:extLst>
               <a:ext uri="{FF2B5EF4-FFF2-40B4-BE49-F238E27FC236}">
-                <a16:creationId xmlns:a16="http://schemas.microsoft.com/office/drawing/2014/main" xmlns="" id="{F6690023-6460-406A-BFA3-91376048F033}"/>
+                <a16:creationId xmlns:a16="http://schemas.microsoft.com/office/drawing/2014/main" id="{F6690023-6460-406A-BFA3-91376048F033}"/>
               </a:ext>
             </a:extLst>
           </p:cNvPr>
@@ -736,7 +1372,7 @@
           <p:cNvPr id="6" name="Slide Number Placeholder 5">
             <a:extLst>
               <a:ext uri="{FF2B5EF4-FFF2-40B4-BE49-F238E27FC236}">
-                <a16:creationId xmlns:a16="http://schemas.microsoft.com/office/drawing/2014/main" xmlns="" id="{141DF3AE-7E06-4D8F-B0BE-4A8B1C2210AF}"/>
+                <a16:creationId xmlns:a16="http://schemas.microsoft.com/office/drawing/2014/main" id="{141DF3AE-7E06-4D8F-B0BE-4A8B1C2210AF}"/>
               </a:ext>
             </a:extLst>
           </p:cNvPr>
@@ -764,7 +1400,7 @@
     </p:spTree>
     <p:extLst>
       <p:ext uri="{BB962C8B-B14F-4D97-AF65-F5344CB8AC3E}">
-        <p14:creationId xmlns:p14="http://schemas.microsoft.com/office/powerpoint/2010/main" xmlns="" val="2150503476"/>
+        <p14:creationId xmlns:p14="http://schemas.microsoft.com/office/powerpoint/2010/main" val="2150503476"/>
       </p:ext>
     </p:extLst>
   </p:cSld>
@@ -796,7 +1432,7 @@
           <p:cNvPr id="2" name="Title 1">
             <a:extLst>
               <a:ext uri="{FF2B5EF4-FFF2-40B4-BE49-F238E27FC236}">
-                <a16:creationId xmlns:a16="http://schemas.microsoft.com/office/drawing/2014/main" xmlns="" id="{D1D68E82-B91F-4B08-82A6-5B478BD41DEE}"/>
+                <a16:creationId xmlns:a16="http://schemas.microsoft.com/office/drawing/2014/main" id="{D1D68E82-B91F-4B08-82A6-5B478BD41DEE}"/>
               </a:ext>
             </a:extLst>
           </p:cNvPr>
@@ -824,7 +1460,7 @@
           <p:cNvPr id="3" name="Content Placeholder 2">
             <a:extLst>
               <a:ext uri="{FF2B5EF4-FFF2-40B4-BE49-F238E27FC236}">
-                <a16:creationId xmlns:a16="http://schemas.microsoft.com/office/drawing/2014/main" xmlns="" id="{4E0DD447-5B02-4B26-B6E8-D59B9E6C6E14}"/>
+                <a16:creationId xmlns:a16="http://schemas.microsoft.com/office/drawing/2014/main" id="{4E0DD447-5B02-4B26-B6E8-D59B9E6C6E14}"/>
               </a:ext>
             </a:extLst>
           </p:cNvPr>
@@ -881,7 +1517,7 @@
           <p:cNvPr id="4" name="Date Placeholder 3">
             <a:extLst>
               <a:ext uri="{FF2B5EF4-FFF2-40B4-BE49-F238E27FC236}">
-                <a16:creationId xmlns:a16="http://schemas.microsoft.com/office/drawing/2014/main" xmlns="" id="{87AA1E80-2C38-45D7-82A0-F5815CA2CFDE}"/>
+                <a16:creationId xmlns:a16="http://schemas.microsoft.com/office/drawing/2014/main" id="{87AA1E80-2C38-45D7-82A0-F5815CA2CFDE}"/>
               </a:ext>
             </a:extLst>
           </p:cNvPr>
@@ -900,7 +1536,7 @@
             <a:fld id="{07C149BE-AC79-4548-8B96-E3E2494BEA7F}" type="datetimeFigureOut">
               <a:rPr lang="en-US" smtClean="0"/>
               <a:pPr/>
-              <a:t>5/30/2022</a:t>
+              <a:t>6/2/2022</a:t>
             </a:fld>
             <a:endParaRPr lang="en-US"/>
           </a:p>
@@ -911,7 +1547,7 @@
           <p:cNvPr id="5" name="Footer Placeholder 4">
             <a:extLst>
               <a:ext uri="{FF2B5EF4-FFF2-40B4-BE49-F238E27FC236}">
-                <a16:creationId xmlns:a16="http://schemas.microsoft.com/office/drawing/2014/main" xmlns="" id="{ACEB29ED-FF33-419A-BA01-9E26545D9A03}"/>
+                <a16:creationId xmlns:a16="http://schemas.microsoft.com/office/drawing/2014/main" id="{ACEB29ED-FF33-419A-BA01-9E26545D9A03}"/>
               </a:ext>
             </a:extLst>
           </p:cNvPr>
@@ -936,7 +1572,7 @@
           <p:cNvPr id="6" name="Slide Number Placeholder 5">
             <a:extLst>
               <a:ext uri="{FF2B5EF4-FFF2-40B4-BE49-F238E27FC236}">
-                <a16:creationId xmlns:a16="http://schemas.microsoft.com/office/drawing/2014/main" xmlns="" id="{DF00D132-37E7-49C6-9E8B-17AE4ECE0880}"/>
+                <a16:creationId xmlns:a16="http://schemas.microsoft.com/office/drawing/2014/main" id="{DF00D132-37E7-49C6-9E8B-17AE4ECE0880}"/>
               </a:ext>
             </a:extLst>
           </p:cNvPr>
@@ -964,7 +1600,7 @@
     </p:spTree>
     <p:extLst>
       <p:ext uri="{BB962C8B-B14F-4D97-AF65-F5344CB8AC3E}">
-        <p14:creationId xmlns:p14="http://schemas.microsoft.com/office/powerpoint/2010/main" xmlns="" val="3713423787"/>
+        <p14:creationId xmlns:p14="http://schemas.microsoft.com/office/powerpoint/2010/main" val="3713423787"/>
       </p:ext>
     </p:extLst>
   </p:cSld>
@@ -996,7 +1632,7 @@
           <p:cNvPr id="2" name="Title 1">
             <a:extLst>
               <a:ext uri="{FF2B5EF4-FFF2-40B4-BE49-F238E27FC236}">
-                <a16:creationId xmlns:a16="http://schemas.microsoft.com/office/drawing/2014/main" xmlns="" id="{DF5FC28B-5CC4-48E9-BDE1-B169642EC31A}"/>
+                <a16:creationId xmlns:a16="http://schemas.microsoft.com/office/drawing/2014/main" id="{DF5FC28B-5CC4-48E9-BDE1-B169642EC31A}"/>
               </a:ext>
             </a:extLst>
           </p:cNvPr>
@@ -1033,7 +1669,7 @@
           <p:cNvPr id="3" name="Text Placeholder 2">
             <a:extLst>
               <a:ext uri="{FF2B5EF4-FFF2-40B4-BE49-F238E27FC236}">
-                <a16:creationId xmlns:a16="http://schemas.microsoft.com/office/drawing/2014/main" xmlns="" id="{FCA71FCE-28E1-457C-8703-C49B5EB0DD44}"/>
+                <a16:creationId xmlns:a16="http://schemas.microsoft.com/office/drawing/2014/main" id="{FCA71FCE-28E1-457C-8703-C49B5EB0DD44}"/>
               </a:ext>
             </a:extLst>
           </p:cNvPr>
@@ -1158,7 +1794,7 @@
           <p:cNvPr id="4" name="Date Placeholder 3">
             <a:extLst>
               <a:ext uri="{FF2B5EF4-FFF2-40B4-BE49-F238E27FC236}">
-                <a16:creationId xmlns:a16="http://schemas.microsoft.com/office/drawing/2014/main" xmlns="" id="{2C056420-8791-4343-B934-FEF438B6E8DA}"/>
+                <a16:creationId xmlns:a16="http://schemas.microsoft.com/office/drawing/2014/main" id="{2C056420-8791-4343-B934-FEF438B6E8DA}"/>
               </a:ext>
             </a:extLst>
           </p:cNvPr>
@@ -1177,7 +1813,7 @@
             <a:fld id="{07C149BE-AC79-4548-8B96-E3E2494BEA7F}" type="datetimeFigureOut">
               <a:rPr lang="en-US" smtClean="0"/>
               <a:pPr/>
-              <a:t>5/30/2022</a:t>
+              <a:t>6/2/2022</a:t>
             </a:fld>
             <a:endParaRPr lang="en-US"/>
           </a:p>
@@ -1188,7 +1824,7 @@
           <p:cNvPr id="5" name="Footer Placeholder 4">
             <a:extLst>
               <a:ext uri="{FF2B5EF4-FFF2-40B4-BE49-F238E27FC236}">
-                <a16:creationId xmlns:a16="http://schemas.microsoft.com/office/drawing/2014/main" xmlns="" id="{1EEA5C3E-B0C4-41E0-837C-395B1EBC85AC}"/>
+                <a16:creationId xmlns:a16="http://schemas.microsoft.com/office/drawing/2014/main" id="{1EEA5C3E-B0C4-41E0-837C-395B1EBC85AC}"/>
               </a:ext>
             </a:extLst>
           </p:cNvPr>
@@ -1213,7 +1849,7 @@
           <p:cNvPr id="6" name="Slide Number Placeholder 5">
             <a:extLst>
               <a:ext uri="{FF2B5EF4-FFF2-40B4-BE49-F238E27FC236}">
-                <a16:creationId xmlns:a16="http://schemas.microsoft.com/office/drawing/2014/main" xmlns="" id="{C68A01E3-40E8-451A-8CDE-226B8C496FDC}"/>
+                <a16:creationId xmlns:a16="http://schemas.microsoft.com/office/drawing/2014/main" id="{C68A01E3-40E8-451A-8CDE-226B8C496FDC}"/>
               </a:ext>
             </a:extLst>
           </p:cNvPr>
@@ -1241,7 +1877,7 @@
     </p:spTree>
     <p:extLst>
       <p:ext uri="{BB962C8B-B14F-4D97-AF65-F5344CB8AC3E}">
-        <p14:creationId xmlns:p14="http://schemas.microsoft.com/office/powerpoint/2010/main" xmlns="" val="3638162829"/>
+        <p14:creationId xmlns:p14="http://schemas.microsoft.com/office/powerpoint/2010/main" val="3638162829"/>
       </p:ext>
     </p:extLst>
   </p:cSld>
@@ -1273,7 +1909,7 @@
           <p:cNvPr id="2" name="Title 1">
             <a:extLst>
               <a:ext uri="{FF2B5EF4-FFF2-40B4-BE49-F238E27FC236}">
-                <a16:creationId xmlns:a16="http://schemas.microsoft.com/office/drawing/2014/main" xmlns="" id="{D0804C39-3520-497B-B728-36E8D7A09097}"/>
+                <a16:creationId xmlns:a16="http://schemas.microsoft.com/office/drawing/2014/main" id="{D0804C39-3520-497B-B728-36E8D7A09097}"/>
               </a:ext>
             </a:extLst>
           </p:cNvPr>
@@ -1301,7 +1937,7 @@
           <p:cNvPr id="3" name="Content Placeholder 2">
             <a:extLst>
               <a:ext uri="{FF2B5EF4-FFF2-40B4-BE49-F238E27FC236}">
-                <a16:creationId xmlns:a16="http://schemas.microsoft.com/office/drawing/2014/main" xmlns="" id="{D36DBC9B-1113-4517-8AAA-EC09A66ACB61}"/>
+                <a16:creationId xmlns:a16="http://schemas.microsoft.com/office/drawing/2014/main" id="{D36DBC9B-1113-4517-8AAA-EC09A66ACB61}"/>
               </a:ext>
             </a:extLst>
           </p:cNvPr>
@@ -1363,7 +1999,7 @@
           <p:cNvPr id="4" name="Content Placeholder 3">
             <a:extLst>
               <a:ext uri="{FF2B5EF4-FFF2-40B4-BE49-F238E27FC236}">
-                <a16:creationId xmlns:a16="http://schemas.microsoft.com/office/drawing/2014/main" xmlns="" id="{63199ED8-C916-4935-81E4-92A4AA331363}"/>
+                <a16:creationId xmlns:a16="http://schemas.microsoft.com/office/drawing/2014/main" id="{63199ED8-C916-4935-81E4-92A4AA331363}"/>
               </a:ext>
             </a:extLst>
           </p:cNvPr>
@@ -1425,7 +2061,7 @@
           <p:cNvPr id="5" name="Date Placeholder 4">
             <a:extLst>
               <a:ext uri="{FF2B5EF4-FFF2-40B4-BE49-F238E27FC236}">
-                <a16:creationId xmlns:a16="http://schemas.microsoft.com/office/drawing/2014/main" xmlns="" id="{978C82B4-CCDC-4969-955D-1C3DF5594292}"/>
+                <a16:creationId xmlns:a16="http://schemas.microsoft.com/office/drawing/2014/main" id="{978C82B4-CCDC-4969-955D-1C3DF5594292}"/>
               </a:ext>
             </a:extLst>
           </p:cNvPr>
@@ -1444,7 +2080,7 @@
             <a:fld id="{07C149BE-AC79-4548-8B96-E3E2494BEA7F}" type="datetimeFigureOut">
               <a:rPr lang="en-US" smtClean="0"/>
               <a:pPr/>
-              <a:t>5/30/2022</a:t>
+              <a:t>6/2/2022</a:t>
             </a:fld>
             <a:endParaRPr lang="en-US"/>
           </a:p>
@@ -1455,7 +2091,7 @@
           <p:cNvPr id="6" name="Footer Placeholder 5">
             <a:extLst>
               <a:ext uri="{FF2B5EF4-FFF2-40B4-BE49-F238E27FC236}">
-                <a16:creationId xmlns:a16="http://schemas.microsoft.com/office/drawing/2014/main" xmlns="" id="{E435F21D-9875-4B44-9D30-2D24D0757376}"/>
+                <a16:creationId xmlns:a16="http://schemas.microsoft.com/office/drawing/2014/main" id="{E435F21D-9875-4B44-9D30-2D24D0757376}"/>
               </a:ext>
             </a:extLst>
           </p:cNvPr>
@@ -1480,7 +2116,7 @@
           <p:cNvPr id="7" name="Slide Number Placeholder 6">
             <a:extLst>
               <a:ext uri="{FF2B5EF4-FFF2-40B4-BE49-F238E27FC236}">
-                <a16:creationId xmlns:a16="http://schemas.microsoft.com/office/drawing/2014/main" xmlns="" id="{9D004062-54C1-4222-A6B6-A1E95B544192}"/>
+                <a16:creationId xmlns:a16="http://schemas.microsoft.com/office/drawing/2014/main" id="{9D004062-54C1-4222-A6B6-A1E95B544192}"/>
               </a:ext>
             </a:extLst>
           </p:cNvPr>
@@ -1508,7 +2144,7 @@
     </p:spTree>
     <p:extLst>
       <p:ext uri="{BB962C8B-B14F-4D97-AF65-F5344CB8AC3E}">
-        <p14:creationId xmlns:p14="http://schemas.microsoft.com/office/powerpoint/2010/main" xmlns="" val="398648364"/>
+        <p14:creationId xmlns:p14="http://schemas.microsoft.com/office/powerpoint/2010/main" val="398648364"/>
       </p:ext>
     </p:extLst>
   </p:cSld>
@@ -1540,7 +2176,7 @@
           <p:cNvPr id="2" name="Title 1">
             <a:extLst>
               <a:ext uri="{FF2B5EF4-FFF2-40B4-BE49-F238E27FC236}">
-                <a16:creationId xmlns:a16="http://schemas.microsoft.com/office/drawing/2014/main" xmlns="" id="{16565F24-44A1-4474-A897-5458FE40457A}"/>
+                <a16:creationId xmlns:a16="http://schemas.microsoft.com/office/drawing/2014/main" id="{16565F24-44A1-4474-A897-5458FE40457A}"/>
               </a:ext>
             </a:extLst>
           </p:cNvPr>
@@ -1573,7 +2209,7 @@
           <p:cNvPr id="3" name="Text Placeholder 2">
             <a:extLst>
               <a:ext uri="{FF2B5EF4-FFF2-40B4-BE49-F238E27FC236}">
-                <a16:creationId xmlns:a16="http://schemas.microsoft.com/office/drawing/2014/main" xmlns="" id="{EAB450F1-61A6-481D-90C9-AB4F610628D0}"/>
+                <a16:creationId xmlns:a16="http://schemas.microsoft.com/office/drawing/2014/main" id="{EAB450F1-61A6-481D-90C9-AB4F610628D0}"/>
               </a:ext>
             </a:extLst>
           </p:cNvPr>
@@ -1644,7 +2280,7 @@
           <p:cNvPr id="4" name="Content Placeholder 3">
             <a:extLst>
               <a:ext uri="{FF2B5EF4-FFF2-40B4-BE49-F238E27FC236}">
-                <a16:creationId xmlns:a16="http://schemas.microsoft.com/office/drawing/2014/main" xmlns="" id="{04CD3414-E418-4FCD-90B2-88DF359CF349}"/>
+                <a16:creationId xmlns:a16="http://schemas.microsoft.com/office/drawing/2014/main" id="{04CD3414-E418-4FCD-90B2-88DF359CF349}"/>
               </a:ext>
             </a:extLst>
           </p:cNvPr>
@@ -1706,7 +2342,7 @@
           <p:cNvPr id="5" name="Text Placeholder 4">
             <a:extLst>
               <a:ext uri="{FF2B5EF4-FFF2-40B4-BE49-F238E27FC236}">
-                <a16:creationId xmlns:a16="http://schemas.microsoft.com/office/drawing/2014/main" xmlns="" id="{64F705CD-D52B-4D91-BF40-B15961189A60}"/>
+                <a16:creationId xmlns:a16="http://schemas.microsoft.com/office/drawing/2014/main" id="{64F705CD-D52B-4D91-BF40-B15961189A60}"/>
               </a:ext>
             </a:extLst>
           </p:cNvPr>
@@ -1777,7 +2413,7 @@
           <p:cNvPr id="6" name="Content Placeholder 5">
             <a:extLst>
               <a:ext uri="{FF2B5EF4-FFF2-40B4-BE49-F238E27FC236}">
-                <a16:creationId xmlns:a16="http://schemas.microsoft.com/office/drawing/2014/main" xmlns="" id="{817FBBFE-BF97-4614-8310-72E7BE74C89C}"/>
+                <a16:creationId xmlns:a16="http://schemas.microsoft.com/office/drawing/2014/main" id="{817FBBFE-BF97-4614-8310-72E7BE74C89C}"/>
               </a:ext>
             </a:extLst>
           </p:cNvPr>
@@ -1839,7 +2475,7 @@
           <p:cNvPr id="7" name="Date Placeholder 6">
             <a:extLst>
               <a:ext uri="{FF2B5EF4-FFF2-40B4-BE49-F238E27FC236}">
-                <a16:creationId xmlns:a16="http://schemas.microsoft.com/office/drawing/2014/main" xmlns="" id="{9BAE9B3E-67CF-4238-AA8C-573C476A8148}"/>
+                <a16:creationId xmlns:a16="http://schemas.microsoft.com/office/drawing/2014/main" id="{9BAE9B3E-67CF-4238-AA8C-573C476A8148}"/>
               </a:ext>
             </a:extLst>
           </p:cNvPr>
@@ -1858,7 +2494,7 @@
             <a:fld id="{07C149BE-AC79-4548-8B96-E3E2494BEA7F}" type="datetimeFigureOut">
               <a:rPr lang="en-US" smtClean="0"/>
               <a:pPr/>
-              <a:t>5/30/2022</a:t>
+              <a:t>6/2/2022</a:t>
             </a:fld>
             <a:endParaRPr lang="en-US"/>
           </a:p>
@@ -1869,7 +2505,7 @@
           <p:cNvPr id="8" name="Footer Placeholder 7">
             <a:extLst>
               <a:ext uri="{FF2B5EF4-FFF2-40B4-BE49-F238E27FC236}">
-                <a16:creationId xmlns:a16="http://schemas.microsoft.com/office/drawing/2014/main" xmlns="" id="{AAF1C478-AA43-41B1-A0FA-2EA3E8AC03E1}"/>
+                <a16:creationId xmlns:a16="http://schemas.microsoft.com/office/drawing/2014/main" id="{AAF1C478-AA43-41B1-A0FA-2EA3E8AC03E1}"/>
               </a:ext>
             </a:extLst>
           </p:cNvPr>
@@ -1894,7 +2530,7 @@
           <p:cNvPr id="9" name="Slide Number Placeholder 8">
             <a:extLst>
               <a:ext uri="{FF2B5EF4-FFF2-40B4-BE49-F238E27FC236}">
-                <a16:creationId xmlns:a16="http://schemas.microsoft.com/office/drawing/2014/main" xmlns="" id="{39D11F40-FE32-4B11-8D8B-858985BDB255}"/>
+                <a16:creationId xmlns:a16="http://schemas.microsoft.com/office/drawing/2014/main" id="{39D11F40-FE32-4B11-8D8B-858985BDB255}"/>
               </a:ext>
             </a:extLst>
           </p:cNvPr>
@@ -1922,7 +2558,7 @@
     </p:spTree>
     <p:extLst>
       <p:ext uri="{BB962C8B-B14F-4D97-AF65-F5344CB8AC3E}">
-        <p14:creationId xmlns:p14="http://schemas.microsoft.com/office/powerpoint/2010/main" xmlns="" val="3611413196"/>
+        <p14:creationId xmlns:p14="http://schemas.microsoft.com/office/powerpoint/2010/main" val="3611413196"/>
       </p:ext>
     </p:extLst>
   </p:cSld>
@@ -1954,7 +2590,7 @@
           <p:cNvPr id="2" name="Title 1">
             <a:extLst>
               <a:ext uri="{FF2B5EF4-FFF2-40B4-BE49-F238E27FC236}">
-                <a16:creationId xmlns:a16="http://schemas.microsoft.com/office/drawing/2014/main" xmlns="" id="{9A3B2D40-1278-47A7-B00B-BEAEB10D7449}"/>
+                <a16:creationId xmlns:a16="http://schemas.microsoft.com/office/drawing/2014/main" id="{9A3B2D40-1278-47A7-B00B-BEAEB10D7449}"/>
               </a:ext>
             </a:extLst>
           </p:cNvPr>
@@ -1982,7 +2618,7 @@
           <p:cNvPr id="3" name="Date Placeholder 2">
             <a:extLst>
               <a:ext uri="{FF2B5EF4-FFF2-40B4-BE49-F238E27FC236}">
-                <a16:creationId xmlns:a16="http://schemas.microsoft.com/office/drawing/2014/main" xmlns="" id="{51ACC5B6-3F4F-4E29-8FBA-EE5ABDF6610C}"/>
+                <a16:creationId xmlns:a16="http://schemas.microsoft.com/office/drawing/2014/main" id="{51ACC5B6-3F4F-4E29-8FBA-EE5ABDF6610C}"/>
               </a:ext>
             </a:extLst>
           </p:cNvPr>
@@ -2001,7 +2637,7 @@
             <a:fld id="{07C149BE-AC79-4548-8B96-E3E2494BEA7F}" type="datetimeFigureOut">
               <a:rPr lang="en-US" smtClean="0"/>
               <a:pPr/>
-              <a:t>5/30/2022</a:t>
+              <a:t>6/2/2022</a:t>
             </a:fld>
             <a:endParaRPr lang="en-US"/>
           </a:p>
@@ -2012,7 +2648,7 @@
           <p:cNvPr id="4" name="Footer Placeholder 3">
             <a:extLst>
               <a:ext uri="{FF2B5EF4-FFF2-40B4-BE49-F238E27FC236}">
-                <a16:creationId xmlns:a16="http://schemas.microsoft.com/office/drawing/2014/main" xmlns="" id="{694B7179-4429-4A90-B9E3-20F804747E03}"/>
+                <a16:creationId xmlns:a16="http://schemas.microsoft.com/office/drawing/2014/main" id="{694B7179-4429-4A90-B9E3-20F804747E03}"/>
               </a:ext>
             </a:extLst>
           </p:cNvPr>
@@ -2037,7 +2673,7 @@
           <p:cNvPr id="5" name="Slide Number Placeholder 4">
             <a:extLst>
               <a:ext uri="{FF2B5EF4-FFF2-40B4-BE49-F238E27FC236}">
-                <a16:creationId xmlns:a16="http://schemas.microsoft.com/office/drawing/2014/main" xmlns="" id="{C866BDC4-B09E-4ACA-924E-7346BBA9833C}"/>
+                <a16:creationId xmlns:a16="http://schemas.microsoft.com/office/drawing/2014/main" id="{C866BDC4-B09E-4ACA-924E-7346BBA9833C}"/>
               </a:ext>
             </a:extLst>
           </p:cNvPr>
@@ -2065,7 +2701,7 @@
     </p:spTree>
     <p:extLst>
       <p:ext uri="{BB962C8B-B14F-4D97-AF65-F5344CB8AC3E}">
-        <p14:creationId xmlns:p14="http://schemas.microsoft.com/office/powerpoint/2010/main" xmlns="" val="65293535"/>
+        <p14:creationId xmlns:p14="http://schemas.microsoft.com/office/powerpoint/2010/main" val="65293535"/>
       </p:ext>
     </p:extLst>
   </p:cSld>
@@ -2097,7 +2733,7 @@
           <p:cNvPr id="2" name="Date Placeholder 1">
             <a:extLst>
               <a:ext uri="{FF2B5EF4-FFF2-40B4-BE49-F238E27FC236}">
-                <a16:creationId xmlns:a16="http://schemas.microsoft.com/office/drawing/2014/main" xmlns="" id="{52EDBB9C-D01C-43DC-BF39-7AE024622638}"/>
+                <a16:creationId xmlns:a16="http://schemas.microsoft.com/office/drawing/2014/main" id="{52EDBB9C-D01C-43DC-BF39-7AE024622638}"/>
               </a:ext>
             </a:extLst>
           </p:cNvPr>
@@ -2116,7 +2752,7 @@
             <a:fld id="{07C149BE-AC79-4548-8B96-E3E2494BEA7F}" type="datetimeFigureOut">
               <a:rPr lang="en-US" smtClean="0"/>
               <a:pPr/>
-              <a:t>5/30/2022</a:t>
+              <a:t>6/2/2022</a:t>
             </a:fld>
             <a:endParaRPr lang="en-US"/>
           </a:p>
@@ -2127,7 +2763,7 @@
           <p:cNvPr id="3" name="Footer Placeholder 2">
             <a:extLst>
               <a:ext uri="{FF2B5EF4-FFF2-40B4-BE49-F238E27FC236}">
-                <a16:creationId xmlns:a16="http://schemas.microsoft.com/office/drawing/2014/main" xmlns="" id="{EFC6F569-BF4D-4312-B5F7-95C63D994C34}"/>
+                <a16:creationId xmlns:a16="http://schemas.microsoft.com/office/drawing/2014/main" id="{EFC6F569-BF4D-4312-B5F7-95C63D994C34}"/>
               </a:ext>
             </a:extLst>
           </p:cNvPr>
@@ -2152,7 +2788,7 @@
           <p:cNvPr id="4" name="Slide Number Placeholder 3">
             <a:extLst>
               <a:ext uri="{FF2B5EF4-FFF2-40B4-BE49-F238E27FC236}">
-                <a16:creationId xmlns:a16="http://schemas.microsoft.com/office/drawing/2014/main" xmlns="" id="{05A678D3-D636-48A7-96B4-4DF65FC5E633}"/>
+                <a16:creationId xmlns:a16="http://schemas.microsoft.com/office/drawing/2014/main" id="{05A678D3-D636-48A7-96B4-4DF65FC5E633}"/>
               </a:ext>
             </a:extLst>
           </p:cNvPr>
@@ -2180,7 +2816,7 @@
     </p:spTree>
     <p:extLst>
       <p:ext uri="{BB962C8B-B14F-4D97-AF65-F5344CB8AC3E}">
-        <p14:creationId xmlns:p14="http://schemas.microsoft.com/office/powerpoint/2010/main" xmlns="" val="1971089693"/>
+        <p14:creationId xmlns:p14="http://schemas.microsoft.com/office/powerpoint/2010/main" val="1971089693"/>
       </p:ext>
     </p:extLst>
   </p:cSld>
@@ -2212,7 +2848,7 @@
           <p:cNvPr id="2" name="Title 1">
             <a:extLst>
               <a:ext uri="{FF2B5EF4-FFF2-40B4-BE49-F238E27FC236}">
-                <a16:creationId xmlns:a16="http://schemas.microsoft.com/office/drawing/2014/main" xmlns="" id="{33DA4A39-68CC-488B-B2E1-095F40173249}"/>
+                <a16:creationId xmlns:a16="http://schemas.microsoft.com/office/drawing/2014/main" id="{33DA4A39-68CC-488B-B2E1-095F40173249}"/>
               </a:ext>
             </a:extLst>
           </p:cNvPr>
@@ -2249,7 +2885,7 @@
           <p:cNvPr id="3" name="Content Placeholder 2">
             <a:extLst>
               <a:ext uri="{FF2B5EF4-FFF2-40B4-BE49-F238E27FC236}">
-                <a16:creationId xmlns:a16="http://schemas.microsoft.com/office/drawing/2014/main" xmlns="" id="{A9B2EB30-FE99-4029-A9D4-C2DB0D87C9EA}"/>
+                <a16:creationId xmlns:a16="http://schemas.microsoft.com/office/drawing/2014/main" id="{A9B2EB30-FE99-4029-A9D4-C2DB0D87C9EA}"/>
               </a:ext>
             </a:extLst>
           </p:cNvPr>
@@ -2339,7 +2975,7 @@
           <p:cNvPr id="4" name="Text Placeholder 3">
             <a:extLst>
               <a:ext uri="{FF2B5EF4-FFF2-40B4-BE49-F238E27FC236}">
-                <a16:creationId xmlns:a16="http://schemas.microsoft.com/office/drawing/2014/main" xmlns="" id="{E8DFD7CF-5764-42CB-B5FF-12BD892D678E}"/>
+                <a16:creationId xmlns:a16="http://schemas.microsoft.com/office/drawing/2014/main" id="{E8DFD7CF-5764-42CB-B5FF-12BD892D678E}"/>
               </a:ext>
             </a:extLst>
           </p:cNvPr>
@@ -2410,7 +3046,7 @@
           <p:cNvPr id="5" name="Date Placeholder 4">
             <a:extLst>
               <a:ext uri="{FF2B5EF4-FFF2-40B4-BE49-F238E27FC236}">
-                <a16:creationId xmlns:a16="http://schemas.microsoft.com/office/drawing/2014/main" xmlns="" id="{E0FA76F1-D39D-413C-A743-E5997E592E5B}"/>
+                <a16:creationId xmlns:a16="http://schemas.microsoft.com/office/drawing/2014/main" id="{E0FA76F1-D39D-413C-A743-E5997E592E5B}"/>
               </a:ext>
             </a:extLst>
           </p:cNvPr>
@@ -2429,7 +3065,7 @@
             <a:fld id="{07C149BE-AC79-4548-8B96-E3E2494BEA7F}" type="datetimeFigureOut">
               <a:rPr lang="en-US" smtClean="0"/>
               <a:pPr/>
-              <a:t>5/30/2022</a:t>
+              <a:t>6/2/2022</a:t>
             </a:fld>
             <a:endParaRPr lang="en-US"/>
           </a:p>
@@ -2440,7 +3076,7 @@
           <p:cNvPr id="6" name="Footer Placeholder 5">
             <a:extLst>
               <a:ext uri="{FF2B5EF4-FFF2-40B4-BE49-F238E27FC236}">
-                <a16:creationId xmlns:a16="http://schemas.microsoft.com/office/drawing/2014/main" xmlns="" id="{6EDAF82F-4212-4499-8FC7-105FA6E5D4E7}"/>
+                <a16:creationId xmlns:a16="http://schemas.microsoft.com/office/drawing/2014/main" id="{6EDAF82F-4212-4499-8FC7-105FA6E5D4E7}"/>
               </a:ext>
             </a:extLst>
           </p:cNvPr>
@@ -2465,7 +3101,7 @@
           <p:cNvPr id="7" name="Slide Number Placeholder 6">
             <a:extLst>
               <a:ext uri="{FF2B5EF4-FFF2-40B4-BE49-F238E27FC236}">
-                <a16:creationId xmlns:a16="http://schemas.microsoft.com/office/drawing/2014/main" xmlns="" id="{1BE13BF2-8B19-4998-BD28-0B70072A8D6D}"/>
+                <a16:creationId xmlns:a16="http://schemas.microsoft.com/office/drawing/2014/main" id="{1BE13BF2-8B19-4998-BD28-0B70072A8D6D}"/>
               </a:ext>
             </a:extLst>
           </p:cNvPr>
@@ -2493,7 +3129,7 @@
     </p:spTree>
     <p:extLst>
       <p:ext uri="{BB962C8B-B14F-4D97-AF65-F5344CB8AC3E}">
-        <p14:creationId xmlns:p14="http://schemas.microsoft.com/office/powerpoint/2010/main" xmlns="" val="2704192708"/>
+        <p14:creationId xmlns:p14="http://schemas.microsoft.com/office/powerpoint/2010/main" val="2704192708"/>
       </p:ext>
     </p:extLst>
   </p:cSld>
@@ -2525,7 +3161,7 @@
           <p:cNvPr id="2" name="Title 1">
             <a:extLst>
               <a:ext uri="{FF2B5EF4-FFF2-40B4-BE49-F238E27FC236}">
-                <a16:creationId xmlns:a16="http://schemas.microsoft.com/office/drawing/2014/main" xmlns="" id="{DC1643C1-50D4-4368-8A3F-8AD61FB07FFA}"/>
+                <a16:creationId xmlns:a16="http://schemas.microsoft.com/office/drawing/2014/main" id="{DC1643C1-50D4-4368-8A3F-8AD61FB07FFA}"/>
               </a:ext>
             </a:extLst>
           </p:cNvPr>
@@ -2562,7 +3198,7 @@
           <p:cNvPr id="3" name="Picture Placeholder 2">
             <a:extLst>
               <a:ext uri="{FF2B5EF4-FFF2-40B4-BE49-F238E27FC236}">
-                <a16:creationId xmlns:a16="http://schemas.microsoft.com/office/drawing/2014/main" xmlns="" id="{A37CC594-CED6-4BC1-9787-C13121E617AF}"/>
+                <a16:creationId xmlns:a16="http://schemas.microsoft.com/office/drawing/2014/main" id="{A37CC594-CED6-4BC1-9787-C13121E617AF}"/>
               </a:ext>
             </a:extLst>
           </p:cNvPr>
@@ -2629,7 +3265,7 @@
           <p:cNvPr id="4" name="Text Placeholder 3">
             <a:extLst>
               <a:ext uri="{FF2B5EF4-FFF2-40B4-BE49-F238E27FC236}">
-                <a16:creationId xmlns:a16="http://schemas.microsoft.com/office/drawing/2014/main" xmlns="" id="{D963BFA9-E985-47A5-A187-5582E2D24CEF}"/>
+                <a16:creationId xmlns:a16="http://schemas.microsoft.com/office/drawing/2014/main" id="{D963BFA9-E985-47A5-A187-5582E2D24CEF}"/>
               </a:ext>
             </a:extLst>
           </p:cNvPr>
@@ -2700,7 +3336,7 @@
           <p:cNvPr id="5" name="Date Placeholder 4">
             <a:extLst>
               <a:ext uri="{FF2B5EF4-FFF2-40B4-BE49-F238E27FC236}">
-                <a16:creationId xmlns:a16="http://schemas.microsoft.com/office/drawing/2014/main" xmlns="" id="{05B04AFB-0592-446C-9C8F-BBCEAC1B4CE2}"/>
+                <a16:creationId xmlns:a16="http://schemas.microsoft.com/office/drawing/2014/main" id="{05B04AFB-0592-446C-9C8F-BBCEAC1B4CE2}"/>
               </a:ext>
             </a:extLst>
           </p:cNvPr>
@@ -2719,7 +3355,7 @@
             <a:fld id="{07C149BE-AC79-4548-8B96-E3E2494BEA7F}" type="datetimeFigureOut">
               <a:rPr lang="en-US" smtClean="0"/>
               <a:pPr/>
-              <a:t>5/30/2022</a:t>
+              <a:t>6/2/2022</a:t>
             </a:fld>
             <a:endParaRPr lang="en-US"/>
           </a:p>
@@ -2730,7 +3366,7 @@
           <p:cNvPr id="6" name="Footer Placeholder 5">
             <a:extLst>
               <a:ext uri="{FF2B5EF4-FFF2-40B4-BE49-F238E27FC236}">
-                <a16:creationId xmlns:a16="http://schemas.microsoft.com/office/drawing/2014/main" xmlns="" id="{C83F3E0B-D30B-467E-821E-44CFA91419E1}"/>
+                <a16:creationId xmlns:a16="http://schemas.microsoft.com/office/drawing/2014/main" id="{C83F3E0B-D30B-467E-821E-44CFA91419E1}"/>
               </a:ext>
             </a:extLst>
           </p:cNvPr>
@@ -2755,7 +3391,7 @@
           <p:cNvPr id="7" name="Slide Number Placeholder 6">
             <a:extLst>
               <a:ext uri="{FF2B5EF4-FFF2-40B4-BE49-F238E27FC236}">
-                <a16:creationId xmlns:a16="http://schemas.microsoft.com/office/drawing/2014/main" xmlns="" id="{8927534D-FB98-40EB-B1E6-33B94173D12A}"/>
+                <a16:creationId xmlns:a16="http://schemas.microsoft.com/office/drawing/2014/main" id="{8927534D-FB98-40EB-B1E6-33B94173D12A}"/>
               </a:ext>
             </a:extLst>
           </p:cNvPr>
@@ -2783,7 +3419,7 @@
     </p:spTree>
     <p:extLst>
       <p:ext uri="{BB962C8B-B14F-4D97-AF65-F5344CB8AC3E}">
-        <p14:creationId xmlns:p14="http://schemas.microsoft.com/office/powerpoint/2010/main" xmlns="" val="1278080938"/>
+        <p14:creationId xmlns:p14="http://schemas.microsoft.com/office/powerpoint/2010/main" val="1278080938"/>
       </p:ext>
     </p:extLst>
   </p:cSld>
@@ -2820,7 +3456,7 @@
           <p:cNvPr id="2" name="Title Placeholder 1">
             <a:extLst>
               <a:ext uri="{FF2B5EF4-FFF2-40B4-BE49-F238E27FC236}">
-                <a16:creationId xmlns:a16="http://schemas.microsoft.com/office/drawing/2014/main" xmlns="" id="{852422CA-C0EA-4719-9777-D1F04F93DE16}"/>
+                <a16:creationId xmlns:a16="http://schemas.microsoft.com/office/drawing/2014/main" id="{852422CA-C0EA-4719-9777-D1F04F93DE16}"/>
               </a:ext>
             </a:extLst>
           </p:cNvPr>
@@ -2858,7 +3494,7 @@
           <p:cNvPr id="3" name="Text Placeholder 2">
             <a:extLst>
               <a:ext uri="{FF2B5EF4-FFF2-40B4-BE49-F238E27FC236}">
-                <a16:creationId xmlns:a16="http://schemas.microsoft.com/office/drawing/2014/main" xmlns="" id="{8153B004-3B3D-41A5-9173-314908540CD8}"/>
+                <a16:creationId xmlns:a16="http://schemas.microsoft.com/office/drawing/2014/main" id="{8153B004-3B3D-41A5-9173-314908540CD8}"/>
               </a:ext>
             </a:extLst>
           </p:cNvPr>
@@ -2925,7 +3561,7 @@
           <p:cNvPr id="4" name="Date Placeholder 3">
             <a:extLst>
               <a:ext uri="{FF2B5EF4-FFF2-40B4-BE49-F238E27FC236}">
-                <a16:creationId xmlns:a16="http://schemas.microsoft.com/office/drawing/2014/main" xmlns="" id="{A89CE9E8-C902-4953-9D45-52329A2CBE10}"/>
+                <a16:creationId xmlns:a16="http://schemas.microsoft.com/office/drawing/2014/main" id="{A89CE9E8-C902-4953-9D45-52329A2CBE10}"/>
               </a:ext>
             </a:extLst>
           </p:cNvPr>
@@ -2962,7 +3598,7 @@
             <a:fld id="{07C149BE-AC79-4548-8B96-E3E2494BEA7F}" type="datetimeFigureOut">
               <a:rPr lang="en-US" smtClean="0"/>
               <a:pPr/>
-              <a:t>5/30/2022</a:t>
+              <a:t>6/2/2022</a:t>
             </a:fld>
             <a:endParaRPr lang="en-US"/>
           </a:p>
@@ -2973,7 +3609,7 @@
           <p:cNvPr id="5" name="Footer Placeholder 4">
             <a:extLst>
               <a:ext uri="{FF2B5EF4-FFF2-40B4-BE49-F238E27FC236}">
-                <a16:creationId xmlns:a16="http://schemas.microsoft.com/office/drawing/2014/main" xmlns="" id="{529C69BF-04D0-43A8-8ED3-9E44BDFD8678}"/>
+                <a16:creationId xmlns:a16="http://schemas.microsoft.com/office/drawing/2014/main" id="{529C69BF-04D0-43A8-8ED3-9E44BDFD8678}"/>
               </a:ext>
             </a:extLst>
           </p:cNvPr>
@@ -3016,7 +3652,7 @@
           <p:cNvPr id="6" name="Slide Number Placeholder 5">
             <a:extLst>
               <a:ext uri="{FF2B5EF4-FFF2-40B4-BE49-F238E27FC236}">
-                <a16:creationId xmlns:a16="http://schemas.microsoft.com/office/drawing/2014/main" xmlns="" id="{E539C80B-D141-48A1-B602-0CFBFD20E28C}"/>
+                <a16:creationId xmlns:a16="http://schemas.microsoft.com/office/drawing/2014/main" id="{E539C80B-D141-48A1-B602-0CFBFD20E28C}"/>
               </a:ext>
             </a:extLst>
           </p:cNvPr>
@@ -3062,7 +3698,7 @@
     </p:spTree>
     <p:extLst>
       <p:ext uri="{BB962C8B-B14F-4D97-AF65-F5344CB8AC3E}">
-        <p14:creationId xmlns:p14="http://schemas.microsoft.com/office/powerpoint/2010/main" xmlns="" val="2670624358"/>
+        <p14:creationId xmlns:p14="http://schemas.microsoft.com/office/powerpoint/2010/main" val="2670624358"/>
       </p:ext>
     </p:extLst>
   </p:cSld>
@@ -3385,7 +4021,7 @@
           <p:cNvPr id="4" name="Picture 3">
             <a:extLst>
               <a:ext uri="{FF2B5EF4-FFF2-40B4-BE49-F238E27FC236}">
-                <a16:creationId xmlns:a16="http://schemas.microsoft.com/office/drawing/2014/main" xmlns="" id="{2A31A68F-50A9-4114-81FC-0F57A61BB33C}"/>
+                <a16:creationId xmlns:a16="http://schemas.microsoft.com/office/drawing/2014/main" id="{2A31A68F-50A9-4114-81FC-0F57A61BB33C}"/>
               </a:ext>
             </a:extLst>
           </p:cNvPr>
@@ -3415,7 +4051,7 @@
           <p:cNvPr id="5" name="TextBox 4">
             <a:extLst>
               <a:ext uri="{FF2B5EF4-FFF2-40B4-BE49-F238E27FC236}">
-                <a16:creationId xmlns:a16="http://schemas.microsoft.com/office/drawing/2014/main" xmlns="" id="{342270AA-492E-468C-B5DF-D005AB39834E}"/>
+                <a16:creationId xmlns:a16="http://schemas.microsoft.com/office/drawing/2014/main" id="{342270AA-492E-468C-B5DF-D005AB39834E}"/>
               </a:ext>
             </a:extLst>
           </p:cNvPr>
@@ -3457,7 +4093,7 @@
           <p:cNvPr id="6" name="TextBox 5">
             <a:extLst>
               <a:ext uri="{FF2B5EF4-FFF2-40B4-BE49-F238E27FC236}">
-                <a16:creationId xmlns:a16="http://schemas.microsoft.com/office/drawing/2014/main" xmlns="" id="{E0095EF9-56A7-4741-B557-CC969F954602}"/>
+                <a16:creationId xmlns:a16="http://schemas.microsoft.com/office/drawing/2014/main" id="{E0095EF9-56A7-4741-B557-CC969F954602}"/>
               </a:ext>
             </a:extLst>
           </p:cNvPr>
@@ -3496,7 +4132,7 @@
     </p:spTree>
     <p:extLst>
       <p:ext uri="{BB962C8B-B14F-4D97-AF65-F5344CB8AC3E}">
-        <p14:creationId xmlns:p14="http://schemas.microsoft.com/office/powerpoint/2010/main" xmlns="" val="3818400074"/>
+        <p14:creationId xmlns:p14="http://schemas.microsoft.com/office/powerpoint/2010/main" val="3818400074"/>
       </p:ext>
     </p:extLst>
   </p:cSld>
@@ -3528,7 +4164,7 @@
           <p:cNvPr id="2" name="TextBox 1">
             <a:extLst>
               <a:ext uri="{FF2B5EF4-FFF2-40B4-BE49-F238E27FC236}">
-                <a16:creationId xmlns:a16="http://schemas.microsoft.com/office/drawing/2014/main" xmlns="" id="{8DA34F60-C036-4B57-8DAB-1153FCC4B013}"/>
+                <a16:creationId xmlns:a16="http://schemas.microsoft.com/office/drawing/2014/main" id="{8DA34F60-C036-4B57-8DAB-1153FCC4B013}"/>
               </a:ext>
             </a:extLst>
           </p:cNvPr>
@@ -3560,7 +4196,7 @@
           <p:cNvPr id="3" name="TextBox 2">
             <a:extLst>
               <a:ext uri="{FF2B5EF4-FFF2-40B4-BE49-F238E27FC236}">
-                <a16:creationId xmlns:a16="http://schemas.microsoft.com/office/drawing/2014/main" xmlns="" id="{B544C6B0-EF6C-4250-91BF-FF09779362BA}"/>
+                <a16:creationId xmlns:a16="http://schemas.microsoft.com/office/drawing/2014/main" id="{B544C6B0-EF6C-4250-91BF-FF09779362BA}"/>
               </a:ext>
             </a:extLst>
           </p:cNvPr>
@@ -3610,7 +4246,7 @@
           <p:cNvPr id="5" name="TextBox 4">
             <a:extLst>
               <a:ext uri="{FF2B5EF4-FFF2-40B4-BE49-F238E27FC236}">
-                <a16:creationId xmlns:a16="http://schemas.microsoft.com/office/drawing/2014/main" xmlns="" id="{71212FCE-4877-450F-9633-F9048A38CCF7}"/>
+                <a16:creationId xmlns:a16="http://schemas.microsoft.com/office/drawing/2014/main" id="{71212FCE-4877-450F-9633-F9048A38CCF7}"/>
               </a:ext>
             </a:extLst>
           </p:cNvPr>
@@ -3711,7 +4347,7 @@
     </p:spTree>
     <p:extLst>
       <p:ext uri="{BB962C8B-B14F-4D97-AF65-F5344CB8AC3E}">
-        <p14:creationId xmlns:p14="http://schemas.microsoft.com/office/powerpoint/2010/main" xmlns="" val="3816688537"/>
+        <p14:creationId xmlns:p14="http://schemas.microsoft.com/office/powerpoint/2010/main" val="3816688537"/>
       </p:ext>
     </p:extLst>
   </p:cSld>
@@ -3743,7 +4379,7 @@
           <p:cNvPr id="2" name="TextBox 1">
             <a:extLst>
               <a:ext uri="{FF2B5EF4-FFF2-40B4-BE49-F238E27FC236}">
-                <a16:creationId xmlns:a16="http://schemas.microsoft.com/office/drawing/2014/main" xmlns="" id="{8DA34F60-C036-4B57-8DAB-1153FCC4B013}"/>
+                <a16:creationId xmlns:a16="http://schemas.microsoft.com/office/drawing/2014/main" id="{8DA34F60-C036-4B57-8DAB-1153FCC4B013}"/>
               </a:ext>
             </a:extLst>
           </p:cNvPr>
@@ -3775,7 +4411,7 @@
           <p:cNvPr id="3" name="TextBox 2">
             <a:extLst>
               <a:ext uri="{FF2B5EF4-FFF2-40B4-BE49-F238E27FC236}">
-                <a16:creationId xmlns:a16="http://schemas.microsoft.com/office/drawing/2014/main" xmlns="" id="{B544C6B0-EF6C-4250-91BF-FF09779362BA}"/>
+                <a16:creationId xmlns:a16="http://schemas.microsoft.com/office/drawing/2014/main" id="{B544C6B0-EF6C-4250-91BF-FF09779362BA}"/>
               </a:ext>
             </a:extLst>
           </p:cNvPr>
@@ -3825,7 +4461,7 @@
           <p:cNvPr id="5" name="TextBox 4">
             <a:extLst>
               <a:ext uri="{FF2B5EF4-FFF2-40B4-BE49-F238E27FC236}">
-                <a16:creationId xmlns:a16="http://schemas.microsoft.com/office/drawing/2014/main" xmlns="" id="{71212FCE-4877-450F-9633-F9048A38CCF7}"/>
+                <a16:creationId xmlns:a16="http://schemas.microsoft.com/office/drawing/2014/main" id="{71212FCE-4877-450F-9633-F9048A38CCF7}"/>
               </a:ext>
             </a:extLst>
           </p:cNvPr>
@@ -4008,7 +4644,7 @@
     </p:spTree>
     <p:extLst>
       <p:ext uri="{BB962C8B-B14F-4D97-AF65-F5344CB8AC3E}">
-        <p14:creationId xmlns:p14="http://schemas.microsoft.com/office/powerpoint/2010/main" xmlns="" val="1542755298"/>
+        <p14:creationId xmlns:p14="http://schemas.microsoft.com/office/powerpoint/2010/main" val="1542755298"/>
       </p:ext>
     </p:extLst>
   </p:cSld>
@@ -4040,7 +4676,7 @@
           <p:cNvPr id="2" name="TextBox 1">
             <a:extLst>
               <a:ext uri="{FF2B5EF4-FFF2-40B4-BE49-F238E27FC236}">
-                <a16:creationId xmlns:a16="http://schemas.microsoft.com/office/drawing/2014/main" xmlns="" id="{8DA34F60-C036-4B57-8DAB-1153FCC4B013}"/>
+                <a16:creationId xmlns:a16="http://schemas.microsoft.com/office/drawing/2014/main" id="{8DA34F60-C036-4B57-8DAB-1153FCC4B013}"/>
               </a:ext>
             </a:extLst>
           </p:cNvPr>
@@ -4072,7 +4708,7 @@
           <p:cNvPr id="3" name="TextBox 2">
             <a:extLst>
               <a:ext uri="{FF2B5EF4-FFF2-40B4-BE49-F238E27FC236}">
-                <a16:creationId xmlns:a16="http://schemas.microsoft.com/office/drawing/2014/main" xmlns="" id="{B544C6B0-EF6C-4250-91BF-FF09779362BA}"/>
+                <a16:creationId xmlns:a16="http://schemas.microsoft.com/office/drawing/2014/main" id="{B544C6B0-EF6C-4250-91BF-FF09779362BA}"/>
               </a:ext>
             </a:extLst>
           </p:cNvPr>
@@ -4122,7 +4758,7 @@
           <p:cNvPr id="4" name="Picture 3">
             <a:extLst>
               <a:ext uri="{FF2B5EF4-FFF2-40B4-BE49-F238E27FC236}">
-                <a16:creationId xmlns:a16="http://schemas.microsoft.com/office/drawing/2014/main" xmlns="" id="{DF3D909F-A6CC-4C81-9FD6-0C6DE085A7C2}"/>
+                <a16:creationId xmlns:a16="http://schemas.microsoft.com/office/drawing/2014/main" id="{DF3D909F-A6CC-4C81-9FD6-0C6DE085A7C2}"/>
               </a:ext>
             </a:extLst>
           </p:cNvPr>
@@ -4150,7 +4786,7 @@
     </p:spTree>
     <p:extLst>
       <p:ext uri="{BB962C8B-B14F-4D97-AF65-F5344CB8AC3E}">
-        <p14:creationId xmlns:p14="http://schemas.microsoft.com/office/powerpoint/2010/main" xmlns="" val="3958164192"/>
+        <p14:creationId xmlns:p14="http://schemas.microsoft.com/office/powerpoint/2010/main" val="3958164192"/>
       </p:ext>
     </p:extLst>
   </p:cSld>
@@ -4182,7 +4818,7 @@
           <p:cNvPr id="3" name="TextBox 2">
             <a:extLst>
               <a:ext uri="{FF2B5EF4-FFF2-40B4-BE49-F238E27FC236}">
-                <a16:creationId xmlns:a16="http://schemas.microsoft.com/office/drawing/2014/main" xmlns="" id="{B544C6B0-EF6C-4250-91BF-FF09779362BA}"/>
+                <a16:creationId xmlns:a16="http://schemas.microsoft.com/office/drawing/2014/main" id="{B544C6B0-EF6C-4250-91BF-FF09779362BA}"/>
               </a:ext>
             </a:extLst>
           </p:cNvPr>
@@ -4232,7 +4868,7 @@
           <p:cNvPr id="5" name="TextBox 4">
             <a:extLst>
               <a:ext uri="{FF2B5EF4-FFF2-40B4-BE49-F238E27FC236}">
-                <a16:creationId xmlns:a16="http://schemas.microsoft.com/office/drawing/2014/main" xmlns="" id="{71212FCE-4877-450F-9633-F9048A38CCF7}"/>
+                <a16:creationId xmlns:a16="http://schemas.microsoft.com/office/drawing/2014/main" id="{71212FCE-4877-450F-9633-F9048A38CCF7}"/>
               </a:ext>
             </a:extLst>
           </p:cNvPr>
@@ -4320,7 +4956,7 @@
           <p:cNvPr id="4" name="Picture 3">
             <a:extLst>
               <a:ext uri="{FF2B5EF4-FFF2-40B4-BE49-F238E27FC236}">
-                <a16:creationId xmlns:a16="http://schemas.microsoft.com/office/drawing/2014/main" xmlns="" id="{8C545747-1B29-4E85-8E6F-DF7F259899FA}"/>
+                <a16:creationId xmlns:a16="http://schemas.microsoft.com/office/drawing/2014/main" id="{8C545747-1B29-4E85-8E6F-DF7F259899FA}"/>
               </a:ext>
             </a:extLst>
           </p:cNvPr>
@@ -4348,7 +4984,7 @@
     </p:spTree>
     <p:extLst>
       <p:ext uri="{BB962C8B-B14F-4D97-AF65-F5344CB8AC3E}">
-        <p14:creationId xmlns:p14="http://schemas.microsoft.com/office/powerpoint/2010/main" xmlns="" val="3203566452"/>
+        <p14:creationId xmlns:p14="http://schemas.microsoft.com/office/powerpoint/2010/main" val="3203566452"/>
       </p:ext>
     </p:extLst>
   </p:cSld>
@@ -4380,7 +5016,7 @@
           <p:cNvPr id="2" name="TextBox 1">
             <a:extLst>
               <a:ext uri="{FF2B5EF4-FFF2-40B4-BE49-F238E27FC236}">
-                <a16:creationId xmlns:a16="http://schemas.microsoft.com/office/drawing/2014/main" xmlns="" id="{8DA34F60-C036-4B57-8DAB-1153FCC4B013}"/>
+                <a16:creationId xmlns:a16="http://schemas.microsoft.com/office/drawing/2014/main" id="{8DA34F60-C036-4B57-8DAB-1153FCC4B013}"/>
               </a:ext>
             </a:extLst>
           </p:cNvPr>
@@ -4412,7 +5048,7 @@
           <p:cNvPr id="3" name="TextBox 2">
             <a:extLst>
               <a:ext uri="{FF2B5EF4-FFF2-40B4-BE49-F238E27FC236}">
-                <a16:creationId xmlns:a16="http://schemas.microsoft.com/office/drawing/2014/main" xmlns="" id="{B544C6B0-EF6C-4250-91BF-FF09779362BA}"/>
+                <a16:creationId xmlns:a16="http://schemas.microsoft.com/office/drawing/2014/main" id="{B544C6B0-EF6C-4250-91BF-FF09779362BA}"/>
               </a:ext>
             </a:extLst>
           </p:cNvPr>
@@ -4462,7 +5098,7 @@
           <p:cNvPr id="5" name="Picture 4">
             <a:extLst>
               <a:ext uri="{FF2B5EF4-FFF2-40B4-BE49-F238E27FC236}">
-                <a16:creationId xmlns:a16="http://schemas.microsoft.com/office/drawing/2014/main" xmlns="" id="{E6BB3409-F607-4F56-BD1E-C3D13C48AC59}"/>
+                <a16:creationId xmlns:a16="http://schemas.microsoft.com/office/drawing/2014/main" id="{E6BB3409-F607-4F56-BD1E-C3D13C48AC59}"/>
               </a:ext>
             </a:extLst>
           </p:cNvPr>
@@ -4490,7 +5126,7 @@
     </p:spTree>
     <p:extLst>
       <p:ext uri="{BB962C8B-B14F-4D97-AF65-F5344CB8AC3E}">
-        <p14:creationId xmlns:p14="http://schemas.microsoft.com/office/powerpoint/2010/main" xmlns="" val="3022272611"/>
+        <p14:creationId xmlns:p14="http://schemas.microsoft.com/office/powerpoint/2010/main" val="3022272611"/>
       </p:ext>
     </p:extLst>
   </p:cSld>
@@ -4522,7 +5158,7 @@
           <p:cNvPr id="2" name="TextBox 1">
             <a:extLst>
               <a:ext uri="{FF2B5EF4-FFF2-40B4-BE49-F238E27FC236}">
-                <a16:creationId xmlns:a16="http://schemas.microsoft.com/office/drawing/2014/main" xmlns="" id="{8DA34F60-C036-4B57-8DAB-1153FCC4B013}"/>
+                <a16:creationId xmlns:a16="http://schemas.microsoft.com/office/drawing/2014/main" id="{8DA34F60-C036-4B57-8DAB-1153FCC4B013}"/>
               </a:ext>
             </a:extLst>
           </p:cNvPr>
@@ -4554,7 +5190,7 @@
           <p:cNvPr id="3" name="TextBox 2">
             <a:extLst>
               <a:ext uri="{FF2B5EF4-FFF2-40B4-BE49-F238E27FC236}">
-                <a16:creationId xmlns:a16="http://schemas.microsoft.com/office/drawing/2014/main" xmlns="" id="{B544C6B0-EF6C-4250-91BF-FF09779362BA}"/>
+                <a16:creationId xmlns:a16="http://schemas.microsoft.com/office/drawing/2014/main" id="{B544C6B0-EF6C-4250-91BF-FF09779362BA}"/>
               </a:ext>
             </a:extLst>
           </p:cNvPr>
@@ -4604,7 +5240,7 @@
           <p:cNvPr id="4" name="TextBox 3">
             <a:extLst>
               <a:ext uri="{FF2B5EF4-FFF2-40B4-BE49-F238E27FC236}">
-                <a16:creationId xmlns:a16="http://schemas.microsoft.com/office/drawing/2014/main" xmlns="" id="{7D225B5D-7E58-4C92-AE25-5EBB812C70BD}"/>
+                <a16:creationId xmlns:a16="http://schemas.microsoft.com/office/drawing/2014/main" id="{7D225B5D-7E58-4C92-AE25-5EBB812C70BD}"/>
               </a:ext>
             </a:extLst>
           </p:cNvPr>
@@ -4645,7 +5281,7 @@
           <p:cNvPr id="6" name="Picture 5">
             <a:extLst>
               <a:ext uri="{FF2B5EF4-FFF2-40B4-BE49-F238E27FC236}">
-                <a16:creationId xmlns:a16="http://schemas.microsoft.com/office/drawing/2014/main" xmlns="" id="{81BA0196-9092-4FC1-9994-35E934224F1C}"/>
+                <a16:creationId xmlns:a16="http://schemas.microsoft.com/office/drawing/2014/main" id="{81BA0196-9092-4FC1-9994-35E934224F1C}"/>
               </a:ext>
             </a:extLst>
           </p:cNvPr>
@@ -4673,7 +5309,7 @@
     </p:spTree>
     <p:extLst>
       <p:ext uri="{BB962C8B-B14F-4D97-AF65-F5344CB8AC3E}">
-        <p14:creationId xmlns:p14="http://schemas.microsoft.com/office/powerpoint/2010/main" xmlns="" val="766276886"/>
+        <p14:creationId xmlns:p14="http://schemas.microsoft.com/office/powerpoint/2010/main" val="766276886"/>
       </p:ext>
     </p:extLst>
   </p:cSld>
@@ -4705,7 +5341,7 @@
           <p:cNvPr id="2" name="TextBox 1">
             <a:extLst>
               <a:ext uri="{FF2B5EF4-FFF2-40B4-BE49-F238E27FC236}">
-                <a16:creationId xmlns:a16="http://schemas.microsoft.com/office/drawing/2014/main" xmlns="" id="{8DA34F60-C036-4B57-8DAB-1153FCC4B013}"/>
+                <a16:creationId xmlns:a16="http://schemas.microsoft.com/office/drawing/2014/main" id="{8DA34F60-C036-4B57-8DAB-1153FCC4B013}"/>
               </a:ext>
             </a:extLst>
           </p:cNvPr>
@@ -4737,7 +5373,7 @@
           <p:cNvPr id="3" name="TextBox 2">
             <a:extLst>
               <a:ext uri="{FF2B5EF4-FFF2-40B4-BE49-F238E27FC236}">
-                <a16:creationId xmlns:a16="http://schemas.microsoft.com/office/drawing/2014/main" xmlns="" id="{B544C6B0-EF6C-4250-91BF-FF09779362BA}"/>
+                <a16:creationId xmlns:a16="http://schemas.microsoft.com/office/drawing/2014/main" id="{B544C6B0-EF6C-4250-91BF-FF09779362BA}"/>
               </a:ext>
             </a:extLst>
           </p:cNvPr>
@@ -4787,7 +5423,7 @@
           <p:cNvPr id="4" name="TextBox 3">
             <a:extLst>
               <a:ext uri="{FF2B5EF4-FFF2-40B4-BE49-F238E27FC236}">
-                <a16:creationId xmlns:a16="http://schemas.microsoft.com/office/drawing/2014/main" xmlns="" id="{7D225B5D-7E58-4C92-AE25-5EBB812C70BD}"/>
+                <a16:creationId xmlns:a16="http://schemas.microsoft.com/office/drawing/2014/main" id="{7D225B5D-7E58-4C92-AE25-5EBB812C70BD}"/>
               </a:ext>
             </a:extLst>
           </p:cNvPr>
@@ -4830,7 +5466,7 @@
           <p:cNvPr id="5" name="Picture 4">
             <a:extLst>
               <a:ext uri="{FF2B5EF4-FFF2-40B4-BE49-F238E27FC236}">
-                <a16:creationId xmlns:a16="http://schemas.microsoft.com/office/drawing/2014/main" xmlns="" id="{FB95B9C8-D0D8-4476-BA5B-091292DE81AB}"/>
+                <a16:creationId xmlns:a16="http://schemas.microsoft.com/office/drawing/2014/main" id="{FB95B9C8-D0D8-4476-BA5B-091292DE81AB}"/>
               </a:ext>
             </a:extLst>
           </p:cNvPr>
@@ -4858,7 +5494,7 @@
     </p:spTree>
     <p:extLst>
       <p:ext uri="{BB962C8B-B14F-4D97-AF65-F5344CB8AC3E}">
-        <p14:creationId xmlns:p14="http://schemas.microsoft.com/office/powerpoint/2010/main" xmlns="" val="4223697484"/>
+        <p14:creationId xmlns:p14="http://schemas.microsoft.com/office/powerpoint/2010/main" val="4223697484"/>
       </p:ext>
     </p:extLst>
   </p:cSld>
@@ -4890,7 +5526,7 @@
           <p:cNvPr id="2" name="TextBox 1">
             <a:extLst>
               <a:ext uri="{FF2B5EF4-FFF2-40B4-BE49-F238E27FC236}">
-                <a16:creationId xmlns:a16="http://schemas.microsoft.com/office/drawing/2014/main" xmlns="" id="{8DA34F60-C036-4B57-8DAB-1153FCC4B013}"/>
+                <a16:creationId xmlns:a16="http://schemas.microsoft.com/office/drawing/2014/main" id="{8DA34F60-C036-4B57-8DAB-1153FCC4B013}"/>
               </a:ext>
             </a:extLst>
           </p:cNvPr>
@@ -4922,7 +5558,7 @@
           <p:cNvPr id="3" name="TextBox 2">
             <a:extLst>
               <a:ext uri="{FF2B5EF4-FFF2-40B4-BE49-F238E27FC236}">
-                <a16:creationId xmlns:a16="http://schemas.microsoft.com/office/drawing/2014/main" xmlns="" id="{B544C6B0-EF6C-4250-91BF-FF09779362BA}"/>
+                <a16:creationId xmlns:a16="http://schemas.microsoft.com/office/drawing/2014/main" id="{B544C6B0-EF6C-4250-91BF-FF09779362BA}"/>
               </a:ext>
             </a:extLst>
           </p:cNvPr>
@@ -4972,7 +5608,7 @@
           <p:cNvPr id="6" name="Picture 5">
             <a:extLst>
               <a:ext uri="{FF2B5EF4-FFF2-40B4-BE49-F238E27FC236}">
-                <a16:creationId xmlns:a16="http://schemas.microsoft.com/office/drawing/2014/main" xmlns="" id="{67BADEDF-A29C-47F4-ABE8-17DB91AAFB08}"/>
+                <a16:creationId xmlns:a16="http://schemas.microsoft.com/office/drawing/2014/main" id="{67BADEDF-A29C-47F4-ABE8-17DB91AAFB08}"/>
               </a:ext>
             </a:extLst>
           </p:cNvPr>
@@ -5000,7 +5636,7 @@
     </p:spTree>
     <p:extLst>
       <p:ext uri="{BB962C8B-B14F-4D97-AF65-F5344CB8AC3E}">
-        <p14:creationId xmlns:p14="http://schemas.microsoft.com/office/powerpoint/2010/main" xmlns="" val="645252625"/>
+        <p14:creationId xmlns:p14="http://schemas.microsoft.com/office/powerpoint/2010/main" val="645252625"/>
       </p:ext>
     </p:extLst>
   </p:cSld>
@@ -5032,7 +5668,7 @@
           <p:cNvPr id="3" name="TextBox 2">
             <a:extLst>
               <a:ext uri="{FF2B5EF4-FFF2-40B4-BE49-F238E27FC236}">
-                <a16:creationId xmlns:a16="http://schemas.microsoft.com/office/drawing/2014/main" xmlns="" id="{B544C6B0-EF6C-4250-91BF-FF09779362BA}"/>
+                <a16:creationId xmlns:a16="http://schemas.microsoft.com/office/drawing/2014/main" id="{B544C6B0-EF6C-4250-91BF-FF09779362BA}"/>
               </a:ext>
             </a:extLst>
           </p:cNvPr>
@@ -5106,7 +5742,7 @@
           <p:cNvPr id="4" name="Picture 3">
             <a:extLst>
               <a:ext uri="{FF2B5EF4-FFF2-40B4-BE49-F238E27FC236}">
-                <a16:creationId xmlns:a16="http://schemas.microsoft.com/office/drawing/2014/main" xmlns="" id="{DD427C27-EAF9-4FB5-988B-DD7EA9C9B3EE}"/>
+                <a16:creationId xmlns:a16="http://schemas.microsoft.com/office/drawing/2014/main" id="{DD427C27-EAF9-4FB5-988B-DD7EA9C9B3EE}"/>
               </a:ext>
             </a:extLst>
           </p:cNvPr>
@@ -5136,7 +5772,7 @@
           <p:cNvPr id="5" name="TextBox 4">
             <a:extLst>
               <a:ext uri="{FF2B5EF4-FFF2-40B4-BE49-F238E27FC236}">
-                <a16:creationId xmlns:a16="http://schemas.microsoft.com/office/drawing/2014/main" xmlns="" id="{CBE994F0-5260-4159-B053-FBF3864A99F7}"/>
+                <a16:creationId xmlns:a16="http://schemas.microsoft.com/office/drawing/2014/main" id="{CBE994F0-5260-4159-B053-FBF3864A99F7}"/>
               </a:ext>
             </a:extLst>
           </p:cNvPr>
@@ -5175,7 +5811,7 @@
     </p:spTree>
     <p:extLst>
       <p:ext uri="{BB962C8B-B14F-4D97-AF65-F5344CB8AC3E}">
-        <p14:creationId xmlns:p14="http://schemas.microsoft.com/office/powerpoint/2010/main" xmlns="" val="3253466569"/>
+        <p14:creationId xmlns:p14="http://schemas.microsoft.com/office/powerpoint/2010/main" val="3253466569"/>
       </p:ext>
     </p:extLst>
   </p:cSld>
@@ -5207,7 +5843,7 @@
           <p:cNvPr id="2" name="TextBox 1">
             <a:extLst>
               <a:ext uri="{FF2B5EF4-FFF2-40B4-BE49-F238E27FC236}">
-                <a16:creationId xmlns:a16="http://schemas.microsoft.com/office/drawing/2014/main" xmlns="" id="{8DA34F60-C036-4B57-8DAB-1153FCC4B013}"/>
+                <a16:creationId xmlns:a16="http://schemas.microsoft.com/office/drawing/2014/main" id="{8DA34F60-C036-4B57-8DAB-1153FCC4B013}"/>
               </a:ext>
             </a:extLst>
           </p:cNvPr>
@@ -5239,7 +5875,7 @@
           <p:cNvPr id="3" name="TextBox 2">
             <a:extLst>
               <a:ext uri="{FF2B5EF4-FFF2-40B4-BE49-F238E27FC236}">
-                <a16:creationId xmlns:a16="http://schemas.microsoft.com/office/drawing/2014/main" xmlns="" id="{B544C6B0-EF6C-4250-91BF-FF09779362BA}"/>
+                <a16:creationId xmlns:a16="http://schemas.microsoft.com/office/drawing/2014/main" id="{B544C6B0-EF6C-4250-91BF-FF09779362BA}"/>
               </a:ext>
             </a:extLst>
           </p:cNvPr>
@@ -5289,7 +5925,7 @@
           <p:cNvPr id="4" name="TextBox 3">
             <a:extLst>
               <a:ext uri="{FF2B5EF4-FFF2-40B4-BE49-F238E27FC236}">
-                <a16:creationId xmlns:a16="http://schemas.microsoft.com/office/drawing/2014/main" xmlns="" id="{9B8DFFC6-F5A1-437C-96C6-D9151B948833}"/>
+                <a16:creationId xmlns:a16="http://schemas.microsoft.com/office/drawing/2014/main" id="{9B8DFFC6-F5A1-437C-96C6-D9151B948833}"/>
               </a:ext>
             </a:extLst>
           </p:cNvPr>
@@ -5513,7 +6149,7 @@
     </p:spTree>
     <p:extLst>
       <p:ext uri="{BB962C8B-B14F-4D97-AF65-F5344CB8AC3E}">
-        <p14:creationId xmlns:p14="http://schemas.microsoft.com/office/powerpoint/2010/main" xmlns="" val="1591769494"/>
+        <p14:creationId xmlns:p14="http://schemas.microsoft.com/office/powerpoint/2010/main" val="1591769494"/>
       </p:ext>
     </p:extLst>
   </p:cSld>
@@ -5545,7 +6181,7 @@
           <p:cNvPr id="5" name="TextBox 4">
             <a:extLst>
               <a:ext uri="{FF2B5EF4-FFF2-40B4-BE49-F238E27FC236}">
-                <a16:creationId xmlns:a16="http://schemas.microsoft.com/office/drawing/2014/main" xmlns="" id="{342270AA-492E-468C-B5DF-D005AB39834E}"/>
+                <a16:creationId xmlns:a16="http://schemas.microsoft.com/office/drawing/2014/main" id="{342270AA-492E-468C-B5DF-D005AB39834E}"/>
               </a:ext>
             </a:extLst>
           </p:cNvPr>
@@ -5598,7 +6234,7 @@
           <p:cNvPr id="2" name="Picture 1">
             <a:extLst>
               <a:ext uri="{FF2B5EF4-FFF2-40B4-BE49-F238E27FC236}">
-                <a16:creationId xmlns:a16="http://schemas.microsoft.com/office/drawing/2014/main" xmlns="" id="{980B4F3C-5353-4BCE-AD42-3222A6EAC2EE}"/>
+                <a16:creationId xmlns:a16="http://schemas.microsoft.com/office/drawing/2014/main" id="{980B4F3C-5353-4BCE-AD42-3222A6EAC2EE}"/>
               </a:ext>
             </a:extLst>
           </p:cNvPr>
@@ -5626,7 +6262,7 @@
     </p:spTree>
     <p:extLst>
       <p:ext uri="{BB962C8B-B14F-4D97-AF65-F5344CB8AC3E}">
-        <p14:creationId xmlns:p14="http://schemas.microsoft.com/office/powerpoint/2010/main" xmlns="" val="2322284118"/>
+        <p14:creationId xmlns:p14="http://schemas.microsoft.com/office/powerpoint/2010/main" val="2322284118"/>
       </p:ext>
     </p:extLst>
   </p:cSld>
@@ -5672,7 +6308,7 @@
             <p:cNvPr id="4" name="Rectangle 3">
               <a:extLst>
                 <a:ext uri="{FF2B5EF4-FFF2-40B4-BE49-F238E27FC236}">
-                  <a16:creationId xmlns:a16="http://schemas.microsoft.com/office/drawing/2014/main" xmlns="" id="{EC5143AD-4D67-4C7B-AD8E-160E06C245D1}"/>
+                  <a16:creationId xmlns:a16="http://schemas.microsoft.com/office/drawing/2014/main" id="{EC5143AD-4D67-4C7B-AD8E-160E06C245D1}"/>
                 </a:ext>
               </a:extLst>
             </p:cNvPr>
@@ -5719,7 +6355,7 @@
             <p:cNvPr id="5" name="TextBox 4">
               <a:extLst>
                 <a:ext uri="{FF2B5EF4-FFF2-40B4-BE49-F238E27FC236}">
-                  <a16:creationId xmlns:a16="http://schemas.microsoft.com/office/drawing/2014/main" xmlns="" id="{8C56556E-E067-4FC4-B0B5-ED770D22DC5F}"/>
+                  <a16:creationId xmlns:a16="http://schemas.microsoft.com/office/drawing/2014/main" id="{8C56556E-E067-4FC4-B0B5-ED770D22DC5F}"/>
                 </a:ext>
               </a:extLst>
             </p:cNvPr>
@@ -5754,7 +6390,7 @@
             <p:cNvPr id="7" name="Straight Connector 6">
               <a:extLst>
                 <a:ext uri="{FF2B5EF4-FFF2-40B4-BE49-F238E27FC236}">
-                  <a16:creationId xmlns:a16="http://schemas.microsoft.com/office/drawing/2014/main" xmlns="" id="{19BBE1A2-E3F7-4197-BF83-99EAA1C6DAEE}"/>
+                  <a16:creationId xmlns:a16="http://schemas.microsoft.com/office/drawing/2014/main" id="{19BBE1A2-E3F7-4197-BF83-99EAA1C6DAEE}"/>
                 </a:ext>
               </a:extLst>
             </p:cNvPr>
@@ -5794,7 +6430,7 @@
             <p:cNvPr id="8" name="Rectangle 7">
               <a:extLst>
                 <a:ext uri="{FF2B5EF4-FFF2-40B4-BE49-F238E27FC236}">
-                  <a16:creationId xmlns:a16="http://schemas.microsoft.com/office/drawing/2014/main" xmlns="" id="{53FB852D-81CE-4E91-88D7-F5A6315E7F9D}"/>
+                  <a16:creationId xmlns:a16="http://schemas.microsoft.com/office/drawing/2014/main" id="{53FB852D-81CE-4E91-88D7-F5A6315E7F9D}"/>
                 </a:ext>
               </a:extLst>
             </p:cNvPr>
@@ -5841,7 +6477,7 @@
             <p:cNvPr id="9" name="TextBox 8">
               <a:extLst>
                 <a:ext uri="{FF2B5EF4-FFF2-40B4-BE49-F238E27FC236}">
-                  <a16:creationId xmlns:a16="http://schemas.microsoft.com/office/drawing/2014/main" xmlns="" id="{56FF7CF5-5CC0-4132-8128-49F5B8F194CE}"/>
+                  <a16:creationId xmlns:a16="http://schemas.microsoft.com/office/drawing/2014/main" id="{56FF7CF5-5CC0-4132-8128-49F5B8F194CE}"/>
                 </a:ext>
               </a:extLst>
             </p:cNvPr>
@@ -5876,7 +6512,7 @@
             <p:cNvPr id="12" name="Straight Connector 11">
               <a:extLst>
                 <a:ext uri="{FF2B5EF4-FFF2-40B4-BE49-F238E27FC236}">
-                  <a16:creationId xmlns:a16="http://schemas.microsoft.com/office/drawing/2014/main" xmlns="" id="{B8E257B8-94BC-4EE5-B79A-F8DE2A59751F}"/>
+                  <a16:creationId xmlns:a16="http://schemas.microsoft.com/office/drawing/2014/main" id="{B8E257B8-94BC-4EE5-B79A-F8DE2A59751F}"/>
                 </a:ext>
               </a:extLst>
             </p:cNvPr>
@@ -5915,7 +6551,7 @@
             <p:cNvPr id="14" name="Straight Connector 13">
               <a:extLst>
                 <a:ext uri="{FF2B5EF4-FFF2-40B4-BE49-F238E27FC236}">
-                  <a16:creationId xmlns:a16="http://schemas.microsoft.com/office/drawing/2014/main" xmlns="" id="{062B4D7B-9553-467D-8F20-CBE53C50E1D2}"/>
+                  <a16:creationId xmlns:a16="http://schemas.microsoft.com/office/drawing/2014/main" id="{062B4D7B-9553-467D-8F20-CBE53C50E1D2}"/>
                 </a:ext>
               </a:extLst>
             </p:cNvPr>
@@ -5951,7 +6587,7 @@
             <p:cNvPr id="17" name="Straight Connector 16">
               <a:extLst>
                 <a:ext uri="{FF2B5EF4-FFF2-40B4-BE49-F238E27FC236}">
-                  <a16:creationId xmlns:a16="http://schemas.microsoft.com/office/drawing/2014/main" xmlns="" id="{D4D8EC26-3092-4BEE-A15F-09F9FB4B79E2}"/>
+                  <a16:creationId xmlns:a16="http://schemas.microsoft.com/office/drawing/2014/main" id="{D4D8EC26-3092-4BEE-A15F-09F9FB4B79E2}"/>
                 </a:ext>
               </a:extLst>
             </p:cNvPr>
@@ -5987,7 +6623,7 @@
             <p:cNvPr id="19" name="Straight Connector 18">
               <a:extLst>
                 <a:ext uri="{FF2B5EF4-FFF2-40B4-BE49-F238E27FC236}">
-                  <a16:creationId xmlns:a16="http://schemas.microsoft.com/office/drawing/2014/main" xmlns="" id="{F88C590A-CD49-4E76-93C1-DBAECF777645}"/>
+                  <a16:creationId xmlns:a16="http://schemas.microsoft.com/office/drawing/2014/main" id="{F88C590A-CD49-4E76-93C1-DBAECF777645}"/>
                 </a:ext>
               </a:extLst>
             </p:cNvPr>
@@ -6023,7 +6659,7 @@
             <p:cNvPr id="20" name="Straight Connector 19">
               <a:extLst>
                 <a:ext uri="{FF2B5EF4-FFF2-40B4-BE49-F238E27FC236}">
-                  <a16:creationId xmlns:a16="http://schemas.microsoft.com/office/drawing/2014/main" xmlns="" id="{8FA7ECDC-6889-4CDD-83E5-357686B28B2A}"/>
+                  <a16:creationId xmlns:a16="http://schemas.microsoft.com/office/drawing/2014/main" id="{8FA7ECDC-6889-4CDD-83E5-357686B28B2A}"/>
                 </a:ext>
               </a:extLst>
             </p:cNvPr>
@@ -6059,7 +6695,7 @@
             <p:cNvPr id="21" name="Straight Connector 20">
               <a:extLst>
                 <a:ext uri="{FF2B5EF4-FFF2-40B4-BE49-F238E27FC236}">
-                  <a16:creationId xmlns:a16="http://schemas.microsoft.com/office/drawing/2014/main" xmlns="" id="{DA4EA02E-A089-4717-873F-4FC7F7F86923}"/>
+                  <a16:creationId xmlns:a16="http://schemas.microsoft.com/office/drawing/2014/main" id="{DA4EA02E-A089-4717-873F-4FC7F7F86923}"/>
                 </a:ext>
               </a:extLst>
             </p:cNvPr>
@@ -6095,7 +6731,7 @@
             <p:cNvPr id="22" name="Straight Connector 21">
               <a:extLst>
                 <a:ext uri="{FF2B5EF4-FFF2-40B4-BE49-F238E27FC236}">
-                  <a16:creationId xmlns:a16="http://schemas.microsoft.com/office/drawing/2014/main" xmlns="" id="{AFB21F47-2FD5-430E-B1F0-FAE07309E98E}"/>
+                  <a16:creationId xmlns:a16="http://schemas.microsoft.com/office/drawing/2014/main" id="{AFB21F47-2FD5-430E-B1F0-FAE07309E98E}"/>
                 </a:ext>
               </a:extLst>
             </p:cNvPr>
@@ -6131,7 +6767,7 @@
             <p:cNvPr id="23" name="TextBox 22">
               <a:extLst>
                 <a:ext uri="{FF2B5EF4-FFF2-40B4-BE49-F238E27FC236}">
-                  <a16:creationId xmlns:a16="http://schemas.microsoft.com/office/drawing/2014/main" xmlns="" id="{B64BB359-F08B-44C6-A090-1507EB5E8877}"/>
+                  <a16:creationId xmlns:a16="http://schemas.microsoft.com/office/drawing/2014/main" id="{B64BB359-F08B-44C6-A090-1507EB5E8877}"/>
                 </a:ext>
               </a:extLst>
             </p:cNvPr>
@@ -6166,7 +6802,7 @@
             <p:cNvPr id="24" name="TextBox 23">
               <a:extLst>
                 <a:ext uri="{FF2B5EF4-FFF2-40B4-BE49-F238E27FC236}">
-                  <a16:creationId xmlns:a16="http://schemas.microsoft.com/office/drawing/2014/main" xmlns="" id="{CAB535A4-5143-4093-843F-192D43D9D1C9}"/>
+                  <a16:creationId xmlns:a16="http://schemas.microsoft.com/office/drawing/2014/main" id="{CAB535A4-5143-4093-843F-192D43D9D1C9}"/>
                 </a:ext>
               </a:extLst>
             </p:cNvPr>
@@ -6201,7 +6837,7 @@
             <p:cNvPr id="25" name="TextBox 24">
               <a:extLst>
                 <a:ext uri="{FF2B5EF4-FFF2-40B4-BE49-F238E27FC236}">
-                  <a16:creationId xmlns:a16="http://schemas.microsoft.com/office/drawing/2014/main" xmlns="" id="{7E9B62C8-2987-43A8-A97F-10B53B645FA6}"/>
+                  <a16:creationId xmlns:a16="http://schemas.microsoft.com/office/drawing/2014/main" id="{7E9B62C8-2987-43A8-A97F-10B53B645FA6}"/>
                 </a:ext>
               </a:extLst>
             </p:cNvPr>
@@ -6236,7 +6872,7 @@
             <p:cNvPr id="26" name="TextBox 25">
               <a:extLst>
                 <a:ext uri="{FF2B5EF4-FFF2-40B4-BE49-F238E27FC236}">
-                  <a16:creationId xmlns:a16="http://schemas.microsoft.com/office/drawing/2014/main" xmlns="" id="{62927BCB-32A0-46C0-9591-9F6D13637A23}"/>
+                  <a16:creationId xmlns:a16="http://schemas.microsoft.com/office/drawing/2014/main" id="{62927BCB-32A0-46C0-9591-9F6D13637A23}"/>
                 </a:ext>
               </a:extLst>
             </p:cNvPr>
@@ -6271,7 +6907,7 @@
             <p:cNvPr id="27" name="TextBox 26">
               <a:extLst>
                 <a:ext uri="{FF2B5EF4-FFF2-40B4-BE49-F238E27FC236}">
-                  <a16:creationId xmlns:a16="http://schemas.microsoft.com/office/drawing/2014/main" xmlns="" id="{E517DA92-FFD1-4BFF-A547-67F0671E2DEB}"/>
+                  <a16:creationId xmlns:a16="http://schemas.microsoft.com/office/drawing/2014/main" id="{E517DA92-FFD1-4BFF-A547-67F0671E2DEB}"/>
                 </a:ext>
               </a:extLst>
             </p:cNvPr>
@@ -6306,7 +6942,7 @@
             <p:cNvPr id="28" name="TextBox 27">
               <a:extLst>
                 <a:ext uri="{FF2B5EF4-FFF2-40B4-BE49-F238E27FC236}">
-                  <a16:creationId xmlns:a16="http://schemas.microsoft.com/office/drawing/2014/main" xmlns="" id="{161252B9-C3FC-47BC-BFE0-9A707FD0EB6C}"/>
+                  <a16:creationId xmlns:a16="http://schemas.microsoft.com/office/drawing/2014/main" id="{161252B9-C3FC-47BC-BFE0-9A707FD0EB6C}"/>
                 </a:ext>
               </a:extLst>
             </p:cNvPr>
@@ -6342,7 +6978,7 @@
           <p:cNvPr id="30" name="TextBox 29">
             <a:extLst>
               <a:ext uri="{FF2B5EF4-FFF2-40B4-BE49-F238E27FC236}">
-                <a16:creationId xmlns:a16="http://schemas.microsoft.com/office/drawing/2014/main" xmlns="" id="{B544C6B0-EF6C-4250-91BF-FF09779362BA}"/>
+                <a16:creationId xmlns:a16="http://schemas.microsoft.com/office/drawing/2014/main" id="{B544C6B0-EF6C-4250-91BF-FF09779362BA}"/>
               </a:ext>
             </a:extLst>
           </p:cNvPr>
@@ -6367,7 +7003,7 @@
           <a:p>
             <a:pPr algn="ctr"/>
             <a:r>
-              <a:rPr lang="en-US" sz="4000" dirty="0" err="1" smtClean="0">
+              <a:rPr lang="en-US" sz="4000" dirty="0" err="1">
                 <a:solidFill>
                   <a:schemeClr val="bg1">
                     <a:lumMod val="50000"/>
@@ -6377,7 +7013,7 @@
               <a:t>Git</a:t>
             </a:r>
             <a:r>
-              <a:rPr lang="en-US" sz="4000" dirty="0" smtClean="0">
+              <a:rPr lang="en-US" sz="4000" dirty="0">
                 <a:solidFill>
                   <a:schemeClr val="bg1">
                     <a:lumMod val="50000"/>
@@ -6400,7 +7036,7 @@
     </p:spTree>
     <p:extLst>
       <p:ext uri="{BB962C8B-B14F-4D97-AF65-F5344CB8AC3E}">
-        <p14:creationId xmlns:p14="http://schemas.microsoft.com/office/powerpoint/2010/main" xmlns="" val="1699318202"/>
+        <p14:creationId xmlns:p14="http://schemas.microsoft.com/office/powerpoint/2010/main" val="1699318202"/>
       </p:ext>
     </p:extLst>
   </p:cSld>
@@ -6432,7 +7068,7 @@
           <p:cNvPr id="2" name="TextBox 1">
             <a:extLst>
               <a:ext uri="{FF2B5EF4-FFF2-40B4-BE49-F238E27FC236}">
-                <a16:creationId xmlns:a16="http://schemas.microsoft.com/office/drawing/2014/main" xmlns="" id="{8DA34F60-C036-4B57-8DAB-1153FCC4B013}"/>
+                <a16:creationId xmlns:a16="http://schemas.microsoft.com/office/drawing/2014/main" id="{8DA34F60-C036-4B57-8DAB-1153FCC4B013}"/>
               </a:ext>
             </a:extLst>
           </p:cNvPr>
@@ -6464,7 +7100,7 @@
           <p:cNvPr id="3" name="TextBox 2">
             <a:extLst>
               <a:ext uri="{FF2B5EF4-FFF2-40B4-BE49-F238E27FC236}">
-                <a16:creationId xmlns:a16="http://schemas.microsoft.com/office/drawing/2014/main" xmlns="" id="{B544C6B0-EF6C-4250-91BF-FF09779362BA}"/>
+                <a16:creationId xmlns:a16="http://schemas.microsoft.com/office/drawing/2014/main" id="{B544C6B0-EF6C-4250-91BF-FF09779362BA}"/>
               </a:ext>
             </a:extLst>
           </p:cNvPr>
@@ -6489,16 +7125,6 @@
           <a:p>
             <a:pPr algn="ctr"/>
             <a:r>
-              <a:rPr lang="en-US" sz="4000" dirty="0" smtClean="0">
-                <a:solidFill>
-                  <a:schemeClr val="bg1">
-                    <a:lumMod val="50000"/>
-                  </a:schemeClr>
-                </a:solidFill>
-              </a:rPr>
-              <a:t>Advanced </a:t>
-            </a:r>
-            <a:r>
               <a:rPr lang="en-US" sz="4000" dirty="0">
                 <a:solidFill>
                   <a:schemeClr val="bg1">
@@ -6506,7 +7132,7 @@
                   </a:schemeClr>
                 </a:solidFill>
               </a:rPr>
-              <a:t>Git Commands</a:t>
+              <a:t>Advanced Git Commands</a:t>
             </a:r>
             <a:endParaRPr lang="en-US" sz="4000" b="1" dirty="0">
               <a:solidFill>
@@ -6524,7 +7150,7 @@
           <p:cNvPr id="4" name="TextBox 3">
             <a:extLst>
               <a:ext uri="{FF2B5EF4-FFF2-40B4-BE49-F238E27FC236}">
-                <a16:creationId xmlns:a16="http://schemas.microsoft.com/office/drawing/2014/main" xmlns="" id="{9B8DFFC6-F5A1-437C-96C6-D9151B948833}"/>
+                <a16:creationId xmlns:a16="http://schemas.microsoft.com/office/drawing/2014/main" id="{9B8DFFC6-F5A1-437C-96C6-D9151B948833}"/>
               </a:ext>
             </a:extLst>
           </p:cNvPr>
@@ -6552,7 +7178,7 @@
               <a:buChar char="§"/>
             </a:pPr>
             <a:r>
-              <a:rPr lang="en-US" sz="2400" dirty="0" err="1" smtClean="0">
+              <a:rPr lang="en-US" sz="2400" dirty="0" err="1">
                 <a:solidFill>
                   <a:schemeClr val="bg1">
                     <a:lumMod val="50000"/>
@@ -6562,7 +7188,7 @@
               <a:t>git</a:t>
             </a:r>
             <a:r>
-              <a:rPr lang="en-US" sz="2400" dirty="0" smtClean="0">
+              <a:rPr lang="en-US" sz="2400" dirty="0">
                 <a:solidFill>
                   <a:schemeClr val="bg1">
                     <a:lumMod val="50000"/>
@@ -6575,7 +7201,7 @@
           <a:p>
             <a:pPr marL="342900" indent="-342900"/>
             <a:r>
-              <a:rPr lang="en-US" sz="2400" dirty="0" smtClean="0">
+              <a:rPr lang="en-US" sz="2400" dirty="0">
                 <a:solidFill>
                   <a:schemeClr val="bg1">
                     <a:lumMod val="50000"/>
@@ -6585,7 +7211,7 @@
               <a:t>	</a:t>
             </a:r>
             <a:r>
-              <a:rPr lang="en-US" dirty="0" smtClean="0">
+              <a:rPr lang="en-US" dirty="0">
                 <a:solidFill>
                   <a:schemeClr val="bg1">
                     <a:lumMod val="50000"/>
@@ -6601,7 +7227,7 @@
               <a:buChar char="§"/>
             </a:pPr>
             <a:r>
-              <a:rPr lang="en-US" sz="2400" dirty="0" err="1" smtClean="0">
+              <a:rPr lang="en-US" sz="2400" dirty="0" err="1">
                 <a:solidFill>
                   <a:schemeClr val="bg1">
                     <a:lumMod val="50000"/>
@@ -6611,7 +7237,7 @@
               <a:t>git</a:t>
             </a:r>
             <a:r>
-              <a:rPr lang="en-US" sz="2400" dirty="0" smtClean="0">
+              <a:rPr lang="en-US" sz="2400" dirty="0">
                 <a:solidFill>
                   <a:schemeClr val="bg1">
                     <a:lumMod val="50000"/>
@@ -6624,7 +7250,7 @@
           <a:p>
             <a:pPr marL="342900" indent="-342900"/>
             <a:r>
-              <a:rPr lang="en-US" sz="2400" dirty="0" smtClean="0">
+              <a:rPr lang="en-US" sz="2400" dirty="0">
                 <a:solidFill>
                   <a:schemeClr val="bg1">
                     <a:lumMod val="50000"/>
@@ -6634,7 +7260,7 @@
               <a:t>	</a:t>
             </a:r>
             <a:r>
-              <a:rPr lang="en-US" dirty="0" smtClean="0">
+              <a:rPr lang="en-US" dirty="0">
                 <a:solidFill>
                   <a:schemeClr val="bg1">
                     <a:lumMod val="50000"/>
@@ -6650,7 +7276,7 @@
               <a:buChar char="§"/>
             </a:pPr>
             <a:r>
-              <a:rPr lang="en-US" sz="2400" dirty="0" err="1" smtClean="0">
+              <a:rPr lang="en-US" sz="2400" dirty="0" err="1">
                 <a:solidFill>
                   <a:schemeClr val="bg1">
                     <a:lumMod val="50000"/>
@@ -6660,7 +7286,7 @@
               <a:t>git</a:t>
             </a:r>
             <a:r>
-              <a:rPr lang="en-US" sz="2400" dirty="0" smtClean="0">
+              <a:rPr lang="en-US" sz="2400" dirty="0">
                 <a:solidFill>
                   <a:schemeClr val="bg1">
                     <a:lumMod val="50000"/>
@@ -6673,7 +7299,7 @@
           <a:p>
             <a:pPr marL="342900" indent="-342900"/>
             <a:r>
-              <a:rPr lang="en-US" dirty="0" smtClean="0">
+              <a:rPr lang="en-US" dirty="0">
                 <a:solidFill>
                   <a:schemeClr val="bg1">
                     <a:lumMod val="50000"/>
@@ -6689,7 +7315,7 @@
               <a:buChar char="§"/>
             </a:pPr>
             <a:r>
-              <a:rPr lang="en-US" sz="2400" dirty="0" err="1" smtClean="0">
+              <a:rPr lang="en-US" sz="2400" dirty="0" err="1">
                 <a:solidFill>
                   <a:schemeClr val="bg1">
                     <a:lumMod val="50000"/>
@@ -6699,7 +7325,7 @@
               <a:t>git</a:t>
             </a:r>
             <a:r>
-              <a:rPr lang="en-US" sz="2400" dirty="0" smtClean="0">
+              <a:rPr lang="en-US" sz="2400" dirty="0">
                 <a:solidFill>
                   <a:schemeClr val="bg1">
                     <a:lumMod val="50000"/>
@@ -6712,7 +7338,7 @@
           <a:p>
             <a:pPr marL="342900" indent="-342900"/>
             <a:r>
-              <a:rPr lang="en-US" sz="2400" dirty="0" smtClean="0">
+              <a:rPr lang="en-US" sz="2400" dirty="0">
                 <a:solidFill>
                   <a:schemeClr val="bg1">
                     <a:lumMod val="50000"/>
@@ -6722,7 +7348,7 @@
               <a:t>	</a:t>
             </a:r>
             <a:r>
-              <a:rPr lang="en-US" dirty="0" smtClean="0">
+              <a:rPr lang="en-US" dirty="0">
                 <a:solidFill>
                   <a:schemeClr val="bg1">
                     <a:lumMod val="50000"/>
@@ -6738,7 +7364,7 @@
               <a:buChar char="§"/>
             </a:pPr>
             <a:r>
-              <a:rPr lang="en-US" sz="2400" dirty="0" err="1" smtClean="0">
+              <a:rPr lang="en-US" sz="2400" dirty="0" err="1">
                 <a:solidFill>
                   <a:schemeClr val="bg1">
                     <a:lumMod val="50000"/>
@@ -6748,7 +7374,7 @@
               <a:t>git</a:t>
             </a:r>
             <a:r>
-              <a:rPr lang="en-US" sz="2400" dirty="0" smtClean="0">
+              <a:rPr lang="en-US" sz="2400" dirty="0">
                 <a:solidFill>
                   <a:schemeClr val="bg1">
                     <a:lumMod val="50000"/>
@@ -6761,7 +7387,7 @@
           <a:p>
             <a:pPr marL="342900" indent="-342900"/>
             <a:r>
-              <a:rPr lang="en-US" sz="2400" dirty="0" smtClean="0">
+              <a:rPr lang="en-US" sz="2400" dirty="0">
                 <a:solidFill>
                   <a:schemeClr val="bg1">
                     <a:lumMod val="50000"/>
@@ -6771,7 +7397,7 @@
               <a:t>	</a:t>
             </a:r>
             <a:r>
-              <a:rPr lang="en-US" dirty="0" smtClean="0">
+              <a:rPr lang="en-US" dirty="0">
                 <a:solidFill>
                   <a:schemeClr val="bg1">
                     <a:lumMod val="50000"/>
@@ -6787,7 +7413,7 @@
               <a:buChar char="§"/>
             </a:pPr>
             <a:r>
-              <a:rPr lang="en-US" sz="2400" dirty="0" err="1" smtClean="0">
+              <a:rPr lang="en-US" sz="2400" dirty="0" err="1">
                 <a:solidFill>
                   <a:schemeClr val="bg1">
                     <a:lumMod val="50000"/>
@@ -6797,7 +7423,7 @@
               <a:t>git</a:t>
             </a:r>
             <a:r>
-              <a:rPr lang="en-US" sz="2400" dirty="0" smtClean="0">
+              <a:rPr lang="en-US" sz="2400" dirty="0">
                 <a:solidFill>
                   <a:schemeClr val="bg1">
                     <a:lumMod val="50000"/>
@@ -6810,7 +7436,7 @@
           <a:p>
             <a:pPr marL="342900" indent="-342900"/>
             <a:r>
-              <a:rPr lang="en-US" sz="2400" dirty="0" smtClean="0">
+              <a:rPr lang="en-US" sz="2400" dirty="0">
                 <a:solidFill>
                   <a:schemeClr val="bg1">
                     <a:lumMod val="50000"/>
@@ -6820,7 +7446,7 @@
               <a:t>	</a:t>
             </a:r>
             <a:r>
-              <a:rPr lang="en-US" dirty="0" smtClean="0">
+              <a:rPr lang="en-US" dirty="0">
                 <a:solidFill>
                   <a:schemeClr val="bg1">
                     <a:lumMod val="50000"/>
@@ -6836,7 +7462,7 @@
               <a:buChar char="§"/>
             </a:pPr>
             <a:r>
-              <a:rPr lang="en-US" sz="2400" dirty="0" err="1" smtClean="0">
+              <a:rPr lang="en-US" sz="2400" dirty="0" err="1">
                 <a:solidFill>
                   <a:schemeClr val="bg1">
                     <a:lumMod val="50000"/>
@@ -6846,7 +7472,7 @@
               <a:t>git</a:t>
             </a:r>
             <a:r>
-              <a:rPr lang="en-US" sz="2400" dirty="0" smtClean="0">
+              <a:rPr lang="en-US" sz="2400" dirty="0">
                 <a:solidFill>
                   <a:schemeClr val="bg1">
                     <a:lumMod val="50000"/>
@@ -6859,7 +7485,7 @@
           <a:p>
             <a:pPr marL="342900" indent="-342900"/>
             <a:r>
-              <a:rPr lang="en-US" dirty="0" smtClean="0">
+              <a:rPr lang="en-US" dirty="0">
                 <a:solidFill>
                   <a:schemeClr val="bg1">
                     <a:lumMod val="50000"/>
@@ -6869,7 +7495,7 @@
               <a:t>	</a:t>
             </a:r>
             <a:r>
-              <a:rPr lang="en-US" dirty="0" err="1" smtClean="0">
+              <a:rPr lang="en-US" dirty="0" err="1">
                 <a:solidFill>
                   <a:schemeClr val="bg1">
                     <a:lumMod val="50000"/>
@@ -6879,7 +7505,7 @@
               <a:t>unstage</a:t>
             </a:r>
             <a:r>
-              <a:rPr lang="en-US" dirty="0" smtClean="0">
+              <a:rPr lang="en-US" dirty="0">
                 <a:solidFill>
                   <a:schemeClr val="bg1">
                     <a:lumMod val="50000"/>
@@ -6889,7 +7515,7 @@
               <a:t> but keeps the changes in the working </a:t>
             </a:r>
             <a:r>
-              <a:rPr lang="en-US" dirty="0" err="1" smtClean="0">
+              <a:rPr lang="en-US" dirty="0" err="1">
                 <a:solidFill>
                   <a:schemeClr val="bg1">
                     <a:lumMod val="50000"/>
@@ -6899,7 +7525,7 @@
               <a:t>derectory</a:t>
             </a:r>
             <a:r>
-              <a:rPr lang="en-US" dirty="0" smtClean="0">
+              <a:rPr lang="en-US" dirty="0">
                 <a:solidFill>
                   <a:schemeClr val="bg1">
                     <a:lumMod val="50000"/>
@@ -6915,7 +7541,7 @@
               <a:buChar char="§"/>
             </a:pPr>
             <a:r>
-              <a:rPr lang="en-US" sz="2400" dirty="0" err="1" smtClean="0">
+              <a:rPr lang="en-US" sz="2400" dirty="0" err="1">
                 <a:solidFill>
                   <a:schemeClr val="bg1">
                     <a:lumMod val="50000"/>
@@ -6925,7 +7551,7 @@
               <a:t>git</a:t>
             </a:r>
             <a:r>
-              <a:rPr lang="en-US" sz="2400" dirty="0" smtClean="0">
+              <a:rPr lang="en-US" sz="2400" dirty="0">
                 <a:solidFill>
                   <a:schemeClr val="bg1">
                     <a:lumMod val="50000"/>
@@ -6938,7 +7564,7 @@
           <a:p>
             <a:pPr marL="342900" indent="-342900"/>
             <a:r>
-              <a:rPr lang="en-US" dirty="0" smtClean="0">
+              <a:rPr lang="en-US" dirty="0">
                 <a:solidFill>
                   <a:schemeClr val="bg1">
                     <a:lumMod val="50000"/>
@@ -6948,7 +7574,7 @@
               <a:t>	</a:t>
             </a:r>
             <a:r>
-              <a:rPr lang="en-US" dirty="0" err="1" smtClean="0">
+              <a:rPr lang="en-US" dirty="0" err="1">
                 <a:solidFill>
                   <a:schemeClr val="bg1">
                     <a:lumMod val="50000"/>
@@ -6958,7 +7584,7 @@
               <a:t>unstage</a:t>
             </a:r>
             <a:r>
-              <a:rPr lang="en-US" dirty="0" smtClean="0">
+              <a:rPr lang="en-US" dirty="0">
                 <a:solidFill>
                   <a:schemeClr val="bg1">
                     <a:lumMod val="50000"/>
@@ -6974,7 +7600,7 @@
               <a:buChar char="§"/>
             </a:pPr>
             <a:r>
-              <a:rPr lang="en-US" sz="2400" dirty="0" err="1" smtClean="0">
+              <a:rPr lang="en-US" sz="2400" dirty="0" err="1">
                 <a:solidFill>
                   <a:schemeClr val="bg1">
                     <a:lumMod val="50000"/>
@@ -6984,7 +7610,7 @@
               <a:t>git</a:t>
             </a:r>
             <a:r>
-              <a:rPr lang="en-US" sz="2400" dirty="0" smtClean="0">
+              <a:rPr lang="en-US" sz="2400" dirty="0">
                 <a:solidFill>
                   <a:schemeClr val="bg1">
                     <a:lumMod val="50000"/>
@@ -6997,7 +7623,7 @@
           <a:p>
             <a:pPr marL="342900" indent="-342900"/>
             <a:r>
-              <a:rPr lang="en-US" dirty="0" smtClean="0">
+              <a:rPr lang="en-US" dirty="0">
                 <a:solidFill>
                   <a:schemeClr val="bg1">
                     <a:lumMod val="50000"/>
@@ -7009,7 +7635,7 @@
           </a:p>
           <a:p>
             <a:pPr marL="342900" indent="-342900"/>
-            <a:endParaRPr lang="en-US" dirty="0" smtClean="0">
+            <a:endParaRPr lang="en-US" dirty="0">
               <a:solidFill>
                 <a:schemeClr val="bg1">
                   <a:lumMod val="50000"/>
@@ -7022,7 +7648,7 @@
     </p:spTree>
     <p:extLst>
       <p:ext uri="{BB962C8B-B14F-4D97-AF65-F5344CB8AC3E}">
-        <p14:creationId xmlns:p14="http://schemas.microsoft.com/office/powerpoint/2010/main" xmlns="" val="1591769494"/>
+        <p14:creationId xmlns:p14="http://schemas.microsoft.com/office/powerpoint/2010/main" val="1591769494"/>
       </p:ext>
     </p:extLst>
   </p:cSld>
@@ -7054,7 +7680,7 @@
           <p:cNvPr id="2" name="TextBox 1">
             <a:extLst>
               <a:ext uri="{FF2B5EF4-FFF2-40B4-BE49-F238E27FC236}">
-                <a16:creationId xmlns:a16="http://schemas.microsoft.com/office/drawing/2014/main" xmlns="" id="{8DA34F60-C036-4B57-8DAB-1153FCC4B013}"/>
+                <a16:creationId xmlns:a16="http://schemas.microsoft.com/office/drawing/2014/main" id="{8DA34F60-C036-4B57-8DAB-1153FCC4B013}"/>
               </a:ext>
             </a:extLst>
           </p:cNvPr>
@@ -7086,7 +7712,7 @@
           <p:cNvPr id="3" name="TextBox 2">
             <a:extLst>
               <a:ext uri="{FF2B5EF4-FFF2-40B4-BE49-F238E27FC236}">
-                <a16:creationId xmlns:a16="http://schemas.microsoft.com/office/drawing/2014/main" xmlns="" id="{B544C6B0-EF6C-4250-91BF-FF09779362BA}"/>
+                <a16:creationId xmlns:a16="http://schemas.microsoft.com/office/drawing/2014/main" id="{B544C6B0-EF6C-4250-91BF-FF09779362BA}"/>
               </a:ext>
             </a:extLst>
           </p:cNvPr>
@@ -7111,16 +7737,6 @@
           <a:p>
             <a:pPr algn="ctr"/>
             <a:r>
-              <a:rPr lang="en-US" sz="4000" dirty="0" smtClean="0">
-                <a:solidFill>
-                  <a:schemeClr val="bg1">
-                    <a:lumMod val="50000"/>
-                  </a:schemeClr>
-                </a:solidFill>
-              </a:rPr>
-              <a:t>Advanced </a:t>
-            </a:r>
-            <a:r>
               <a:rPr lang="en-US" sz="4000" dirty="0">
                 <a:solidFill>
                   <a:schemeClr val="bg1">
@@ -7128,7 +7744,7 @@
                   </a:schemeClr>
                 </a:solidFill>
               </a:rPr>
-              <a:t>Git Commands</a:t>
+              <a:t>Advanced Git Commands</a:t>
             </a:r>
             <a:endParaRPr lang="en-US" sz="4000" b="1" dirty="0">
               <a:solidFill>
@@ -7146,7 +7762,7 @@
           <p:cNvPr id="4" name="TextBox 3">
             <a:extLst>
               <a:ext uri="{FF2B5EF4-FFF2-40B4-BE49-F238E27FC236}">
-                <a16:creationId xmlns:a16="http://schemas.microsoft.com/office/drawing/2014/main" xmlns="" id="{9B8DFFC6-F5A1-437C-96C6-D9151B948833}"/>
+                <a16:creationId xmlns:a16="http://schemas.microsoft.com/office/drawing/2014/main" id="{9B8DFFC6-F5A1-437C-96C6-D9151B948833}"/>
               </a:ext>
             </a:extLst>
           </p:cNvPr>
@@ -7306,7 +7922,7 @@
     </p:spTree>
     <p:extLst>
       <p:ext uri="{BB962C8B-B14F-4D97-AF65-F5344CB8AC3E}">
-        <p14:creationId xmlns:p14="http://schemas.microsoft.com/office/powerpoint/2010/main" xmlns="" val="1380878122"/>
+        <p14:creationId xmlns:p14="http://schemas.microsoft.com/office/powerpoint/2010/main" val="1380878122"/>
       </p:ext>
     </p:extLst>
   </p:cSld>
@@ -7338,7 +7954,7 @@
           <p:cNvPr id="2" name="TextBox 1">
             <a:extLst>
               <a:ext uri="{FF2B5EF4-FFF2-40B4-BE49-F238E27FC236}">
-                <a16:creationId xmlns:a16="http://schemas.microsoft.com/office/drawing/2014/main" xmlns="" id="{8DA34F60-C036-4B57-8DAB-1153FCC4B013}"/>
+                <a16:creationId xmlns:a16="http://schemas.microsoft.com/office/drawing/2014/main" id="{8DA34F60-C036-4B57-8DAB-1153FCC4B013}"/>
               </a:ext>
             </a:extLst>
           </p:cNvPr>
@@ -7370,7 +7986,7 @@
           <p:cNvPr id="3" name="TextBox 2">
             <a:extLst>
               <a:ext uri="{FF2B5EF4-FFF2-40B4-BE49-F238E27FC236}">
-                <a16:creationId xmlns:a16="http://schemas.microsoft.com/office/drawing/2014/main" xmlns="" id="{B544C6B0-EF6C-4250-91BF-FF09779362BA}"/>
+                <a16:creationId xmlns:a16="http://schemas.microsoft.com/office/drawing/2014/main" id="{B544C6B0-EF6C-4250-91BF-FF09779362BA}"/>
               </a:ext>
             </a:extLst>
           </p:cNvPr>
@@ -7395,7 +8011,7 @@
           <a:p>
             <a:pPr algn="ctr"/>
             <a:r>
-              <a:rPr lang="en-US" sz="4000" dirty="0" smtClean="0">
+              <a:rPr lang="en-US" sz="4000" dirty="0">
                 <a:solidFill>
                   <a:schemeClr val="bg1">
                     <a:lumMod val="50000"/>
@@ -7443,7 +8059,7 @@
     </p:spTree>
     <p:extLst>
       <p:ext uri="{BB962C8B-B14F-4D97-AF65-F5344CB8AC3E}">
-        <p14:creationId xmlns:p14="http://schemas.microsoft.com/office/powerpoint/2010/main" xmlns="" val="1380878122"/>
+        <p14:creationId xmlns:p14="http://schemas.microsoft.com/office/powerpoint/2010/main" val="1380878122"/>
       </p:ext>
     </p:extLst>
   </p:cSld>
@@ -7475,7 +8091,7 @@
           <p:cNvPr id="3" name="TextBox 2">
             <a:extLst>
               <a:ext uri="{FF2B5EF4-FFF2-40B4-BE49-F238E27FC236}">
-                <a16:creationId xmlns:a16="http://schemas.microsoft.com/office/drawing/2014/main" xmlns="" id="{B544C6B0-EF6C-4250-91BF-FF09779362BA}"/>
+                <a16:creationId xmlns:a16="http://schemas.microsoft.com/office/drawing/2014/main" id="{B544C6B0-EF6C-4250-91BF-FF09779362BA}"/>
               </a:ext>
             </a:extLst>
           </p:cNvPr>
@@ -7500,7 +8116,7 @@
           <a:p>
             <a:pPr algn="ctr"/>
             <a:r>
-              <a:rPr lang="en-US" sz="4000" dirty="0" smtClean="0">
+              <a:rPr lang="en-US" sz="4000" dirty="0">
                 <a:solidFill>
                   <a:schemeClr val="bg1">
                     <a:lumMod val="50000"/>
@@ -7539,7 +8155,7 @@
               <a:buAutoNum type="arabicPeriod"/>
             </a:pPr>
             <a:r>
-              <a:rPr lang="en-US" sz="2400" b="1" dirty="0" smtClean="0">
+              <a:rPr lang="en-US" sz="2400" b="1" dirty="0">
                 <a:solidFill>
                   <a:schemeClr val="bg1">
                     <a:lumMod val="50000"/>
@@ -7555,7 +8171,7 @@
               <a:buAutoNum type="arabicPeriod"/>
             </a:pPr>
             <a:r>
-              <a:rPr lang="en-US" sz="2400" b="1" dirty="0" smtClean="0">
+              <a:rPr lang="en-US" sz="2400" b="1" dirty="0">
                 <a:solidFill>
                   <a:schemeClr val="bg1">
                     <a:lumMod val="50000"/>
@@ -7571,7 +8187,7 @@
               <a:buAutoNum type="arabicPeriod"/>
             </a:pPr>
             <a:r>
-              <a:rPr lang="en-US" sz="2400" b="1" dirty="0" smtClean="0">
+              <a:rPr lang="en-US" sz="2400" b="1" dirty="0">
                 <a:solidFill>
                   <a:schemeClr val="bg1">
                     <a:lumMod val="50000"/>
@@ -7587,7 +8203,7 @@
               <a:buAutoNum type="arabicPeriod"/>
             </a:pPr>
             <a:r>
-              <a:rPr lang="en-US" sz="2400" b="1" dirty="0" smtClean="0">
+              <a:rPr lang="en-US" sz="2400" b="1" dirty="0">
                 <a:solidFill>
                   <a:schemeClr val="bg1">
                     <a:lumMod val="50000"/>
@@ -7603,7 +8219,7 @@
               <a:buAutoNum type="arabicPeriod"/>
             </a:pPr>
             <a:r>
-              <a:rPr lang="en-US" sz="2400" b="1" dirty="0" smtClean="0">
+              <a:rPr lang="en-US" sz="2400" b="1" dirty="0">
                 <a:solidFill>
                   <a:schemeClr val="bg1">
                     <a:lumMod val="50000"/>
@@ -7619,7 +8235,7 @@
               <a:buAutoNum type="arabicPeriod"/>
             </a:pPr>
             <a:r>
-              <a:rPr lang="en-US" sz="2400" b="1" dirty="0" smtClean="0">
+              <a:rPr lang="en-US" sz="2400" b="1" dirty="0">
                 <a:solidFill>
                   <a:schemeClr val="bg1">
                     <a:lumMod val="50000"/>
@@ -7641,7 +8257,7 @@
     </p:spTree>
     <p:extLst>
       <p:ext uri="{BB962C8B-B14F-4D97-AF65-F5344CB8AC3E}">
-        <p14:creationId xmlns:p14="http://schemas.microsoft.com/office/powerpoint/2010/main" xmlns="" val="1380878122"/>
+        <p14:creationId xmlns:p14="http://schemas.microsoft.com/office/powerpoint/2010/main" val="1380878122"/>
       </p:ext>
     </p:extLst>
   </p:cSld>
@@ -7673,7 +8289,7 @@
           <p:cNvPr id="2" name="TextBox 1">
             <a:extLst>
               <a:ext uri="{FF2B5EF4-FFF2-40B4-BE49-F238E27FC236}">
-                <a16:creationId xmlns:a16="http://schemas.microsoft.com/office/drawing/2014/main" xmlns="" id="{8DA34F60-C036-4B57-8DAB-1153FCC4B013}"/>
+                <a16:creationId xmlns:a16="http://schemas.microsoft.com/office/drawing/2014/main" id="{8DA34F60-C036-4B57-8DAB-1153FCC4B013}"/>
               </a:ext>
             </a:extLst>
           </p:cNvPr>
@@ -7705,7 +8321,7 @@
           <p:cNvPr id="3" name="TextBox 2">
             <a:extLst>
               <a:ext uri="{FF2B5EF4-FFF2-40B4-BE49-F238E27FC236}">
-                <a16:creationId xmlns:a16="http://schemas.microsoft.com/office/drawing/2014/main" xmlns="" id="{B544C6B0-EF6C-4250-91BF-FF09779362BA}"/>
+                <a16:creationId xmlns:a16="http://schemas.microsoft.com/office/drawing/2014/main" id="{B544C6B0-EF6C-4250-91BF-FF09779362BA}"/>
               </a:ext>
             </a:extLst>
           </p:cNvPr>
@@ -7730,7 +8346,7 @@
           <a:p>
             <a:pPr algn="ctr"/>
             <a:r>
-              <a:rPr lang="en-US" sz="4000" dirty="0" smtClean="0">
+              <a:rPr lang="en-US" sz="4000" dirty="0">
                 <a:solidFill>
                   <a:schemeClr val="bg1">
                     <a:lumMod val="50000"/>
@@ -7778,7 +8394,7 @@
     </p:spTree>
     <p:extLst>
       <p:ext uri="{BB962C8B-B14F-4D97-AF65-F5344CB8AC3E}">
-        <p14:creationId xmlns:p14="http://schemas.microsoft.com/office/powerpoint/2010/main" xmlns="" val="1380878122"/>
+        <p14:creationId xmlns:p14="http://schemas.microsoft.com/office/powerpoint/2010/main" val="1380878122"/>
       </p:ext>
     </p:extLst>
   </p:cSld>
@@ -7810,7 +8426,7 @@
           <p:cNvPr id="2" name="TextBox 1">
             <a:extLst>
               <a:ext uri="{FF2B5EF4-FFF2-40B4-BE49-F238E27FC236}">
-                <a16:creationId xmlns:a16="http://schemas.microsoft.com/office/drawing/2014/main" xmlns="" id="{8DA34F60-C036-4B57-8DAB-1153FCC4B013}"/>
+                <a16:creationId xmlns:a16="http://schemas.microsoft.com/office/drawing/2014/main" id="{8DA34F60-C036-4B57-8DAB-1153FCC4B013}"/>
               </a:ext>
             </a:extLst>
           </p:cNvPr>
@@ -7842,7 +8458,7 @@
           <p:cNvPr id="3" name="TextBox 2">
             <a:extLst>
               <a:ext uri="{FF2B5EF4-FFF2-40B4-BE49-F238E27FC236}">
-                <a16:creationId xmlns:a16="http://schemas.microsoft.com/office/drawing/2014/main" xmlns="" id="{B544C6B0-EF6C-4250-91BF-FF09779362BA}"/>
+                <a16:creationId xmlns:a16="http://schemas.microsoft.com/office/drawing/2014/main" id="{B544C6B0-EF6C-4250-91BF-FF09779362BA}"/>
               </a:ext>
             </a:extLst>
           </p:cNvPr>
@@ -7867,7 +8483,7 @@
           <a:p>
             <a:pPr algn="ctr"/>
             <a:r>
-              <a:rPr lang="en-US" sz="4000" dirty="0" smtClean="0">
+              <a:rPr lang="en-US" sz="4000" dirty="0">
                 <a:solidFill>
                   <a:schemeClr val="bg1">
                     <a:lumMod val="50000"/>
@@ -7915,7 +8531,7 @@
     </p:spTree>
     <p:extLst>
       <p:ext uri="{BB962C8B-B14F-4D97-AF65-F5344CB8AC3E}">
-        <p14:creationId xmlns:p14="http://schemas.microsoft.com/office/powerpoint/2010/main" xmlns="" val="1380878122"/>
+        <p14:creationId xmlns:p14="http://schemas.microsoft.com/office/powerpoint/2010/main" val="1380878122"/>
       </p:ext>
     </p:extLst>
   </p:cSld>
@@ -7947,7 +8563,7 @@
           <p:cNvPr id="2" name="TextBox 1">
             <a:extLst>
               <a:ext uri="{FF2B5EF4-FFF2-40B4-BE49-F238E27FC236}">
-                <a16:creationId xmlns:a16="http://schemas.microsoft.com/office/drawing/2014/main" xmlns="" id="{8DA34F60-C036-4B57-8DAB-1153FCC4B013}"/>
+                <a16:creationId xmlns:a16="http://schemas.microsoft.com/office/drawing/2014/main" id="{8DA34F60-C036-4B57-8DAB-1153FCC4B013}"/>
               </a:ext>
             </a:extLst>
           </p:cNvPr>
@@ -7979,7 +8595,7 @@
           <p:cNvPr id="3" name="TextBox 2">
             <a:extLst>
               <a:ext uri="{FF2B5EF4-FFF2-40B4-BE49-F238E27FC236}">
-                <a16:creationId xmlns:a16="http://schemas.microsoft.com/office/drawing/2014/main" xmlns="" id="{B544C6B0-EF6C-4250-91BF-FF09779362BA}"/>
+                <a16:creationId xmlns:a16="http://schemas.microsoft.com/office/drawing/2014/main" id="{B544C6B0-EF6C-4250-91BF-FF09779362BA}"/>
               </a:ext>
             </a:extLst>
           </p:cNvPr>
@@ -8004,7 +8620,7 @@
           <a:p>
             <a:pPr algn="ctr"/>
             <a:r>
-              <a:rPr lang="en-US" sz="4000" dirty="0" smtClean="0">
+              <a:rPr lang="en-US" sz="4000" dirty="0">
                 <a:solidFill>
                   <a:schemeClr val="bg1">
                     <a:lumMod val="50000"/>
@@ -8052,7 +8668,7 @@
     </p:spTree>
     <p:extLst>
       <p:ext uri="{BB962C8B-B14F-4D97-AF65-F5344CB8AC3E}">
-        <p14:creationId xmlns:p14="http://schemas.microsoft.com/office/powerpoint/2010/main" xmlns="" val="1380878122"/>
+        <p14:creationId xmlns:p14="http://schemas.microsoft.com/office/powerpoint/2010/main" val="1380878122"/>
       </p:ext>
     </p:extLst>
   </p:cSld>
@@ -8084,7 +8700,7 @@
           <p:cNvPr id="2" name="TextBox 1">
             <a:extLst>
               <a:ext uri="{FF2B5EF4-FFF2-40B4-BE49-F238E27FC236}">
-                <a16:creationId xmlns:a16="http://schemas.microsoft.com/office/drawing/2014/main" xmlns="" id="{8DA34F60-C036-4B57-8DAB-1153FCC4B013}"/>
+                <a16:creationId xmlns:a16="http://schemas.microsoft.com/office/drawing/2014/main" id="{8DA34F60-C036-4B57-8DAB-1153FCC4B013}"/>
               </a:ext>
             </a:extLst>
           </p:cNvPr>
@@ -8116,7 +8732,7 @@
           <p:cNvPr id="3" name="TextBox 2">
             <a:extLst>
               <a:ext uri="{FF2B5EF4-FFF2-40B4-BE49-F238E27FC236}">
-                <a16:creationId xmlns:a16="http://schemas.microsoft.com/office/drawing/2014/main" xmlns="" id="{B544C6B0-EF6C-4250-91BF-FF09779362BA}"/>
+                <a16:creationId xmlns:a16="http://schemas.microsoft.com/office/drawing/2014/main" id="{B544C6B0-EF6C-4250-91BF-FF09779362BA}"/>
               </a:ext>
             </a:extLst>
           </p:cNvPr>
@@ -8141,7 +8757,7 @@
           <a:p>
             <a:pPr algn="ctr"/>
             <a:r>
-              <a:rPr lang="en-US" sz="4000" dirty="0" smtClean="0">
+              <a:rPr lang="en-US" sz="4000" dirty="0">
                 <a:solidFill>
                   <a:schemeClr val="bg1">
                     <a:lumMod val="50000"/>
@@ -8176,7 +8792,7 @@
           <a:lstStyle/>
           <a:p>
             <a:r>
-              <a:rPr lang="en-US" sz="2400" dirty="0" smtClean="0">
+              <a:rPr lang="en-US" sz="2400" dirty="0">
                 <a:solidFill>
                   <a:schemeClr val="bg1">
                     <a:lumMod val="50000"/>
@@ -8185,13 +8801,6 @@
               </a:rPr>
               <a:t>Jenkins is an Open Source continuous integration tool written in java that allows us to automate the software development process, making sure that there is minimum involvement from us. It also integrates all the different parts of the development.</a:t>
             </a:r>
-            <a:endParaRPr lang="en-US" sz="2400" dirty="0">
-              <a:solidFill>
-                <a:schemeClr val="bg1">
-                  <a:lumMod val="50000"/>
-                </a:schemeClr>
-              </a:solidFill>
-            </a:endParaRPr>
           </a:p>
         </p:txBody>
       </p:sp>
@@ -8231,7 +8840,7 @@
     </p:spTree>
     <p:extLst>
       <p:ext uri="{BB962C8B-B14F-4D97-AF65-F5344CB8AC3E}">
-        <p14:creationId xmlns:p14="http://schemas.microsoft.com/office/powerpoint/2010/main" xmlns="" val="1380878122"/>
+        <p14:creationId xmlns:p14="http://schemas.microsoft.com/office/powerpoint/2010/main" val="1380878122"/>
       </p:ext>
     </p:extLst>
   </p:cSld>
@@ -8263,7 +8872,7 @@
           <p:cNvPr id="2" name="TextBox 1">
             <a:extLst>
               <a:ext uri="{FF2B5EF4-FFF2-40B4-BE49-F238E27FC236}">
-                <a16:creationId xmlns:a16="http://schemas.microsoft.com/office/drawing/2014/main" xmlns="" id="{8DA34F60-C036-4B57-8DAB-1153FCC4B013}"/>
+                <a16:creationId xmlns:a16="http://schemas.microsoft.com/office/drawing/2014/main" id="{8DA34F60-C036-4B57-8DAB-1153FCC4B013}"/>
               </a:ext>
             </a:extLst>
           </p:cNvPr>
@@ -8295,7 +8904,7 @@
           <p:cNvPr id="3" name="TextBox 2">
             <a:extLst>
               <a:ext uri="{FF2B5EF4-FFF2-40B4-BE49-F238E27FC236}">
-                <a16:creationId xmlns:a16="http://schemas.microsoft.com/office/drawing/2014/main" xmlns="" id="{B544C6B0-EF6C-4250-91BF-FF09779362BA}"/>
+                <a16:creationId xmlns:a16="http://schemas.microsoft.com/office/drawing/2014/main" id="{B544C6B0-EF6C-4250-91BF-FF09779362BA}"/>
               </a:ext>
             </a:extLst>
           </p:cNvPr>
@@ -8320,7 +8929,7 @@
           <a:p>
             <a:pPr algn="ctr"/>
             <a:r>
-              <a:rPr lang="en-US" sz="4000" dirty="0" smtClean="0">
+              <a:rPr lang="en-US" sz="4000" dirty="0">
                 <a:solidFill>
                   <a:schemeClr val="bg1">
                     <a:lumMod val="50000"/>
@@ -8368,7 +8977,7 @@
     </p:spTree>
     <p:extLst>
       <p:ext uri="{BB962C8B-B14F-4D97-AF65-F5344CB8AC3E}">
-        <p14:creationId xmlns:p14="http://schemas.microsoft.com/office/powerpoint/2010/main" xmlns="" val="1380878122"/>
+        <p14:creationId xmlns:p14="http://schemas.microsoft.com/office/powerpoint/2010/main" val="1380878122"/>
       </p:ext>
     </p:extLst>
   </p:cSld>
@@ -8400,7 +9009,7 @@
           <p:cNvPr id="5" name="TextBox 4">
             <a:extLst>
               <a:ext uri="{FF2B5EF4-FFF2-40B4-BE49-F238E27FC236}">
-                <a16:creationId xmlns:a16="http://schemas.microsoft.com/office/drawing/2014/main" xmlns="" id="{342270AA-492E-468C-B5DF-D005AB39834E}"/>
+                <a16:creationId xmlns:a16="http://schemas.microsoft.com/office/drawing/2014/main" id="{342270AA-492E-468C-B5DF-D005AB39834E}"/>
               </a:ext>
             </a:extLst>
           </p:cNvPr>
@@ -8442,7 +9051,7 @@
           <p:cNvPr id="4" name="Picture 3">
             <a:extLst>
               <a:ext uri="{FF2B5EF4-FFF2-40B4-BE49-F238E27FC236}">
-                <a16:creationId xmlns:a16="http://schemas.microsoft.com/office/drawing/2014/main" xmlns="" id="{B9C8FE3E-35D3-4129-8633-6BE0E6E26E9A}"/>
+                <a16:creationId xmlns:a16="http://schemas.microsoft.com/office/drawing/2014/main" id="{B9C8FE3E-35D3-4129-8633-6BE0E6E26E9A}"/>
               </a:ext>
             </a:extLst>
           </p:cNvPr>
@@ -8470,7 +9079,7 @@
     </p:spTree>
     <p:extLst>
       <p:ext uri="{BB962C8B-B14F-4D97-AF65-F5344CB8AC3E}">
-        <p14:creationId xmlns:p14="http://schemas.microsoft.com/office/powerpoint/2010/main" xmlns="" val="1193679221"/>
+        <p14:creationId xmlns:p14="http://schemas.microsoft.com/office/powerpoint/2010/main" val="1193679221"/>
       </p:ext>
     </p:extLst>
   </p:cSld>
@@ -8502,7 +9111,7 @@
           <p:cNvPr id="2" name="TextBox 1">
             <a:extLst>
               <a:ext uri="{FF2B5EF4-FFF2-40B4-BE49-F238E27FC236}">
-                <a16:creationId xmlns:a16="http://schemas.microsoft.com/office/drawing/2014/main" xmlns="" id="{8DA34F60-C036-4B57-8DAB-1153FCC4B013}"/>
+                <a16:creationId xmlns:a16="http://schemas.microsoft.com/office/drawing/2014/main" id="{8DA34F60-C036-4B57-8DAB-1153FCC4B013}"/>
               </a:ext>
             </a:extLst>
           </p:cNvPr>
@@ -8534,7 +9143,7 @@
           <p:cNvPr id="3" name="TextBox 2">
             <a:extLst>
               <a:ext uri="{FF2B5EF4-FFF2-40B4-BE49-F238E27FC236}">
-                <a16:creationId xmlns:a16="http://schemas.microsoft.com/office/drawing/2014/main" xmlns="" id="{B544C6B0-EF6C-4250-91BF-FF09779362BA}"/>
+                <a16:creationId xmlns:a16="http://schemas.microsoft.com/office/drawing/2014/main" id="{B544C6B0-EF6C-4250-91BF-FF09779362BA}"/>
               </a:ext>
             </a:extLst>
           </p:cNvPr>
@@ -8559,24 +9168,14 @@
           <a:p>
             <a:pPr algn="ctr"/>
             <a:r>
-              <a:rPr lang="en-US" sz="4000" dirty="0" smtClean="0">
-                <a:solidFill>
-                  <a:schemeClr val="bg1">
-                    <a:lumMod val="50000"/>
-                  </a:schemeClr>
-                </a:solidFill>
-              </a:rPr>
-              <a:t>Benefits of </a:t>
-            </a:r>
-            <a:r>
-              <a:rPr lang="en-US" sz="4000" dirty="0" smtClean="0">
-                <a:solidFill>
-                  <a:schemeClr val="bg1">
-                    <a:lumMod val="50000"/>
-                  </a:schemeClr>
-                </a:solidFill>
-              </a:rPr>
-              <a:t>Jenkins?</a:t>
+              <a:rPr lang="en-US" sz="4000" dirty="0">
+                <a:solidFill>
+                  <a:schemeClr val="bg1">
+                    <a:lumMod val="50000"/>
+                  </a:schemeClr>
+                </a:solidFill>
+              </a:rPr>
+              <a:t>Benefits of Jenkins?</a:t>
             </a:r>
           </a:p>
         </p:txBody>
@@ -8608,7 +9207,7 @@
               <a:buChar char="§"/>
             </a:pPr>
             <a:r>
-              <a:rPr lang="en-US" sz="2400" dirty="0" smtClean="0">
+              <a:rPr lang="en-US" sz="2400" dirty="0">
                 <a:solidFill>
                   <a:schemeClr val="bg1">
                     <a:lumMod val="50000"/>
@@ -8618,7 +9217,7 @@
               <a:t>Jenkins is a community tool – Its open source and has a very </a:t>
             </a:r>
             <a:r>
-              <a:rPr lang="en-US" sz="2400" dirty="0" err="1" smtClean="0">
+              <a:rPr lang="en-US" sz="2400" dirty="0" err="1">
                 <a:solidFill>
                   <a:schemeClr val="bg1">
                     <a:lumMod val="50000"/>
@@ -8628,251 +9227,18 @@
               <a:t>very</a:t>
             </a:r>
             <a:r>
-              <a:rPr lang="en-US" sz="2400" dirty="0" smtClean="0">
-                <a:solidFill>
-                  <a:schemeClr val="bg1">
-                    <a:lumMod val="50000"/>
-                  </a:schemeClr>
-                </a:solidFill>
-              </a:rPr>
-              <a:t> large </a:t>
-            </a:r>
-            <a:r>
-              <a:rPr lang="en-US" sz="2400" dirty="0" smtClean="0">
-                <a:solidFill>
-                  <a:schemeClr val="bg1">
-                    <a:lumMod val="50000"/>
-                  </a:schemeClr>
-                </a:solidFill>
-              </a:rPr>
-              <a:t>community that contributes to </a:t>
-            </a:r>
-            <a:r>
-              <a:rPr lang="en-US" sz="2400" dirty="0" smtClean="0">
-                <a:solidFill>
-                  <a:schemeClr val="bg1">
-                    <a:lumMod val="50000"/>
-                  </a:schemeClr>
-                </a:solidFill>
-              </a:rPr>
-              <a:t>it regularly</a:t>
-            </a:r>
-            <a:r>
-              <a:rPr lang="en-US" sz="2400" dirty="0" smtClean="0">
-                <a:solidFill>
-                  <a:schemeClr val="bg1">
-                    <a:lumMod val="50000"/>
-                  </a:schemeClr>
-                </a:solidFill>
-              </a:rPr>
-              <a:t>.</a:t>
+              <a:rPr lang="en-US" sz="2400" dirty="0">
+                <a:solidFill>
+                  <a:schemeClr val="bg1">
+                    <a:lumMod val="50000"/>
+                  </a:schemeClr>
+                </a:solidFill>
+              </a:rPr>
+              <a:t> large community that contributes to it regularly.</a:t>
             </a:r>
           </a:p>
           <a:p>
             <a:pPr lvl="1"/>
-            <a:endParaRPr lang="en-US" sz="2400" dirty="0" smtClean="0">
-              <a:solidFill>
-                <a:schemeClr val="bg1">
-                  <a:lumMod val="50000"/>
-                </a:schemeClr>
-              </a:solidFill>
-            </a:endParaRPr>
-          </a:p>
-          <a:p>
-            <a:pPr lvl="1">
-              <a:buFont typeface="Wingdings" pitchFamily="2" charset="2"/>
-              <a:buChar char="§"/>
-            </a:pPr>
-            <a:r>
-              <a:rPr lang="en-US" sz="2400" dirty="0" smtClean="0">
-                <a:solidFill>
-                  <a:schemeClr val="bg1">
-                    <a:lumMod val="50000"/>
-                  </a:schemeClr>
-                </a:solidFill>
-              </a:rPr>
-              <a:t>It’s </a:t>
-            </a:r>
-            <a:r>
-              <a:rPr lang="en-US" sz="2400" dirty="0" smtClean="0">
-                <a:solidFill>
-                  <a:schemeClr val="bg1">
-                    <a:lumMod val="50000"/>
-                  </a:schemeClr>
-                </a:solidFill>
-              </a:rPr>
-              <a:t>free, so you don’t </a:t>
-            </a:r>
-            <a:r>
-              <a:rPr lang="en-US" sz="2400" dirty="0" smtClean="0">
-                <a:solidFill>
-                  <a:schemeClr val="bg1">
-                    <a:lumMod val="50000"/>
-                  </a:schemeClr>
-                </a:solidFill>
-              </a:rPr>
-              <a:t>have to </a:t>
-            </a:r>
-            <a:r>
-              <a:rPr lang="en-US" sz="2400" dirty="0" smtClean="0">
-                <a:solidFill>
-                  <a:schemeClr val="bg1">
-                    <a:lumMod val="50000"/>
-                  </a:schemeClr>
-                </a:solidFill>
-              </a:rPr>
-              <a:t>accrue anymore </a:t>
-            </a:r>
-            <a:r>
-              <a:rPr lang="en-US" sz="2400" dirty="0" smtClean="0">
-                <a:solidFill>
-                  <a:schemeClr val="bg1">
-                    <a:lumMod val="50000"/>
-                  </a:schemeClr>
-                </a:solidFill>
-              </a:rPr>
-              <a:t>subscription costs</a:t>
-            </a:r>
-            <a:r>
-              <a:rPr lang="en-US" sz="2400" dirty="0" smtClean="0">
-                <a:solidFill>
-                  <a:schemeClr val="bg1">
-                    <a:lumMod val="50000"/>
-                  </a:schemeClr>
-                </a:solidFill>
-              </a:rPr>
-              <a:t>.</a:t>
-            </a:r>
-          </a:p>
-          <a:p>
-            <a:pPr lvl="1">
-              <a:buFont typeface="Wingdings" pitchFamily="2" charset="2"/>
-              <a:buChar char="§"/>
-            </a:pPr>
-            <a:endParaRPr lang="en-US" sz="2400" dirty="0" smtClean="0">
-              <a:solidFill>
-                <a:schemeClr val="bg1">
-                  <a:lumMod val="50000"/>
-                </a:schemeClr>
-              </a:solidFill>
-            </a:endParaRPr>
-          </a:p>
-          <a:p>
-            <a:pPr lvl="1">
-              <a:buFont typeface="Wingdings" pitchFamily="2" charset="2"/>
-              <a:buChar char="§"/>
-            </a:pPr>
-            <a:r>
-              <a:rPr lang="en-US" sz="2400" dirty="0" smtClean="0">
-                <a:solidFill>
-                  <a:schemeClr val="bg1">
-                    <a:lumMod val="50000"/>
-                  </a:schemeClr>
-                </a:solidFill>
-              </a:rPr>
-              <a:t>It </a:t>
-            </a:r>
-            <a:r>
-              <a:rPr lang="en-US" sz="2400" dirty="0" smtClean="0">
-                <a:solidFill>
-                  <a:schemeClr val="bg1">
-                    <a:lumMod val="50000"/>
-                  </a:schemeClr>
-                </a:solidFill>
-              </a:rPr>
-              <a:t>is highly modifiable and adaptable and has a support for a very large </a:t>
-            </a:r>
-            <a:r>
-              <a:rPr lang="en-US" sz="2400" dirty="0" smtClean="0">
-                <a:solidFill>
-                  <a:schemeClr val="bg1">
-                    <a:lumMod val="50000"/>
-                  </a:schemeClr>
-                </a:solidFill>
-              </a:rPr>
-              <a:t>number of </a:t>
-            </a:r>
-            <a:r>
-              <a:rPr lang="en-US" sz="2400" dirty="0" err="1" smtClean="0">
-                <a:solidFill>
-                  <a:schemeClr val="bg1">
-                    <a:lumMod val="50000"/>
-                  </a:schemeClr>
-                </a:solidFill>
-              </a:rPr>
-              <a:t>plugins</a:t>
-            </a:r>
-            <a:r>
-              <a:rPr lang="en-US" sz="2400" dirty="0" smtClean="0">
-                <a:solidFill>
-                  <a:schemeClr val="bg1">
-                    <a:lumMod val="50000"/>
-                  </a:schemeClr>
-                </a:solidFill>
-              </a:rPr>
-              <a:t>.</a:t>
-            </a:r>
-          </a:p>
-          <a:p>
-            <a:pPr lvl="1">
-              <a:buFont typeface="Wingdings" pitchFamily="2" charset="2"/>
-              <a:buChar char="§"/>
-            </a:pPr>
-            <a:endParaRPr lang="en-US" sz="2400" dirty="0" smtClean="0">
-              <a:solidFill>
-                <a:schemeClr val="bg1">
-                  <a:lumMod val="50000"/>
-                </a:schemeClr>
-              </a:solidFill>
-            </a:endParaRPr>
-          </a:p>
-          <a:p>
-            <a:pPr lvl="1">
-              <a:buFont typeface="Wingdings" pitchFamily="2" charset="2"/>
-              <a:buChar char="§"/>
-            </a:pPr>
-            <a:r>
-              <a:rPr lang="en-US" sz="2400" dirty="0" smtClean="0">
-                <a:solidFill>
-                  <a:schemeClr val="bg1">
-                    <a:lumMod val="50000"/>
-                  </a:schemeClr>
-                </a:solidFill>
-              </a:rPr>
-              <a:t>It </a:t>
-            </a:r>
-            <a:r>
-              <a:rPr lang="en-US" sz="2400" dirty="0" smtClean="0">
-                <a:solidFill>
-                  <a:schemeClr val="bg1">
-                    <a:lumMod val="50000"/>
-                  </a:schemeClr>
-                </a:solidFill>
-              </a:rPr>
-              <a:t>can run on any major platform </a:t>
-            </a:r>
-            <a:r>
-              <a:rPr lang="en-US" sz="2400" dirty="0" smtClean="0">
-                <a:solidFill>
-                  <a:schemeClr val="bg1">
-                    <a:lumMod val="50000"/>
-                  </a:schemeClr>
-                </a:solidFill>
-              </a:rPr>
-              <a:t>without any compatibility issues</a:t>
-            </a:r>
-            <a:r>
-              <a:rPr lang="en-US" sz="2400" dirty="0" smtClean="0">
-                <a:solidFill>
-                  <a:schemeClr val="bg1">
-                    <a:lumMod val="50000"/>
-                  </a:schemeClr>
-                </a:solidFill>
-              </a:rPr>
-              <a:t>.</a:t>
-            </a:r>
-          </a:p>
-          <a:p>
             <a:endParaRPr lang="en-US" sz="2400" dirty="0">
               <a:solidFill>
                 <a:schemeClr val="bg1">
@@ -8881,12 +9247,168 @@
               </a:solidFill>
             </a:endParaRPr>
           </a:p>
+          <a:p>
+            <a:pPr lvl="1">
+              <a:buFont typeface="Wingdings" pitchFamily="2" charset="2"/>
+              <a:buChar char="§"/>
+            </a:pPr>
+            <a:r>
+              <a:rPr lang="en-US" sz="2400" dirty="0">
+                <a:solidFill>
+                  <a:schemeClr val="bg1">
+                    <a:lumMod val="50000"/>
+                  </a:schemeClr>
+                </a:solidFill>
+              </a:rPr>
+              <a:t>It’s free, so you don’t have to accrue anymore subscription costs.</a:t>
+            </a:r>
+          </a:p>
+          <a:p>
+            <a:pPr lvl="1">
+              <a:buFont typeface="Wingdings" pitchFamily="2" charset="2"/>
+              <a:buChar char="§"/>
+            </a:pPr>
+            <a:endParaRPr lang="en-US" sz="2400" dirty="0">
+              <a:solidFill>
+                <a:schemeClr val="bg1">
+                  <a:lumMod val="50000"/>
+                </a:schemeClr>
+              </a:solidFill>
+            </a:endParaRPr>
+          </a:p>
+          <a:p>
+            <a:pPr lvl="1">
+              <a:buFont typeface="Wingdings" pitchFamily="2" charset="2"/>
+              <a:buChar char="§"/>
+            </a:pPr>
+            <a:r>
+              <a:rPr lang="en-US" sz="2400" dirty="0">
+                <a:solidFill>
+                  <a:schemeClr val="bg1">
+                    <a:lumMod val="50000"/>
+                  </a:schemeClr>
+                </a:solidFill>
+              </a:rPr>
+              <a:t>It is highly modifiable and adaptable and has a support for a very large number of </a:t>
+            </a:r>
+            <a:r>
+              <a:rPr lang="en-US" sz="2400" dirty="0" err="1">
+                <a:solidFill>
+                  <a:schemeClr val="bg1">
+                    <a:lumMod val="50000"/>
+                  </a:schemeClr>
+                </a:solidFill>
+              </a:rPr>
+              <a:t>plugins</a:t>
+            </a:r>
+            <a:r>
+              <a:rPr lang="en-US" sz="2400" dirty="0">
+                <a:solidFill>
+                  <a:schemeClr val="bg1">
+                    <a:lumMod val="50000"/>
+                  </a:schemeClr>
+                </a:solidFill>
+              </a:rPr>
+              <a:t>.</a:t>
+            </a:r>
+          </a:p>
+          <a:p>
+            <a:pPr lvl="1">
+              <a:buFont typeface="Wingdings" pitchFamily="2" charset="2"/>
+              <a:buChar char="§"/>
+            </a:pPr>
+            <a:endParaRPr lang="en-US" sz="2400" dirty="0">
+              <a:solidFill>
+                <a:schemeClr val="bg1">
+                  <a:lumMod val="50000"/>
+                </a:schemeClr>
+              </a:solidFill>
+            </a:endParaRPr>
+          </a:p>
+          <a:p>
+            <a:pPr lvl="1">
+              <a:buFont typeface="Wingdings" pitchFamily="2" charset="2"/>
+              <a:buChar char="§"/>
+            </a:pPr>
+            <a:r>
+              <a:rPr lang="en-US" sz="2400" dirty="0">
+                <a:solidFill>
+                  <a:schemeClr val="bg1">
+                    <a:lumMod val="50000"/>
+                  </a:schemeClr>
+                </a:solidFill>
+              </a:rPr>
+              <a:t>It can run on any major platform without any compatibility issues.</a:t>
+            </a:r>
+          </a:p>
+          <a:p>
+            <a:endParaRPr lang="en-US" sz="2400" dirty="0">
+              <a:solidFill>
+                <a:schemeClr val="bg1">
+                  <a:lumMod val="50000"/>
+                </a:schemeClr>
+              </a:solidFill>
+            </a:endParaRPr>
+          </a:p>
+        </p:txBody>
+      </p:sp>
+      <p:sp>
+        <p:nvSpPr>
+          <p:cNvPr id="4" name="TextBox 3">
+            <a:extLst>
+              <a:ext uri="{FF2B5EF4-FFF2-40B4-BE49-F238E27FC236}">
+                <a16:creationId xmlns:a16="http://schemas.microsoft.com/office/drawing/2014/main" id="{4743C228-5CE2-4619-A368-23CC145EC47C}"/>
+              </a:ext>
+            </a:extLst>
+          </p:cNvPr>
+          <p:cNvSpPr txBox="1"/>
+          <p:nvPr/>
+        </p:nvSpPr>
+        <p:spPr>
+          <a:xfrm>
+            <a:off x="894080" y="5394960"/>
+            <a:ext cx="10220960" cy="646331"/>
+          </a:xfrm>
+          <a:prstGeom prst="rect">
+            <a:avLst/>
+          </a:prstGeom>
+          <a:noFill/>
+        </p:spPr>
+        <p:txBody>
+          <a:bodyPr wrap="square" rtlCol="0">
+            <a:spAutoFit/>
+          </a:bodyPr>
+          <a:lstStyle/>
+          <a:p>
+            <a:r>
+              <a:rPr lang="en-US" dirty="0">
+                <a:solidFill>
+                  <a:schemeClr val="bg1">
+                    <a:lumMod val="50000"/>
+                  </a:schemeClr>
+                </a:solidFill>
+              </a:rPr>
+              <a:t>Azure DevOps</a:t>
+            </a:r>
+          </a:p>
+          <a:p>
+            <a:r>
+              <a:rPr lang="en-US" dirty="0">
+                <a:solidFill>
+                  <a:schemeClr val="bg1">
+                    <a:lumMod val="50000"/>
+                  </a:schemeClr>
+                </a:solidFill>
+              </a:rPr>
+              <a:t>TFS (Team Foundation Server)</a:t>
+            </a:r>
+          </a:p>
         </p:txBody>
       </p:sp>
     </p:spTree>
     <p:extLst>
       <p:ext uri="{BB962C8B-B14F-4D97-AF65-F5344CB8AC3E}">
-        <p14:creationId xmlns:p14="http://schemas.microsoft.com/office/powerpoint/2010/main" xmlns="" val="1380878122"/>
+        <p14:creationId xmlns:p14="http://schemas.microsoft.com/office/powerpoint/2010/main" val="1380878122"/>
       </p:ext>
     </p:extLst>
   </p:cSld>
@@ -8913,27 +9435,74 @@
           <a:chExt cx="0" cy="0"/>
         </a:xfrm>
       </p:grpSpPr>
-      <p:sp>
-        <p:nvSpPr>
-          <p:cNvPr id="5" name="TextBox 4">
-            <a:extLst>
-              <a:ext uri="{FF2B5EF4-FFF2-40B4-BE49-F238E27FC236}">
-                <a16:creationId xmlns:a16="http://schemas.microsoft.com/office/drawing/2014/main" xmlns="" id="{342270AA-492E-468C-B5DF-D005AB39834E}"/>
-              </a:ext>
-            </a:extLst>
-          </p:cNvPr>
-          <p:cNvSpPr txBox="1"/>
+      <p:pic>
+        <p:nvPicPr>
+          <p:cNvPr id="1026" name="Picture 2" descr="Top-5-CICD-Tools">
+            <a:extLst>
+              <a:ext uri="{FF2B5EF4-FFF2-40B4-BE49-F238E27FC236}">
+                <a16:creationId xmlns:a16="http://schemas.microsoft.com/office/drawing/2014/main" id="{08F78CCD-EA01-47B7-8A01-DD794383FA54}"/>
+              </a:ext>
+            </a:extLst>
+          </p:cNvPr>
+          <p:cNvPicPr>
+            <a:picLocks noChangeAspect="1" noChangeArrowheads="1"/>
+          </p:cNvPicPr>
           <p:nvPr/>
-        </p:nvSpPr>
-        <p:spPr>
+        </p:nvPicPr>
+        <p:blipFill>
+          <a:blip r:embed="rId2">
+            <a:extLst>
+              <a:ext uri="{28A0092B-C50C-407E-A947-70E740481C1C}">
+                <a14:useLocalDpi xmlns:a14="http://schemas.microsoft.com/office/drawing/2010/main" val="0"/>
+              </a:ext>
+            </a:extLst>
+          </a:blip>
+          <a:srcRect/>
+          <a:stretch>
+            <a:fillRect/>
+          </a:stretch>
+        </p:blipFill>
+        <p:spPr bwMode="auto">
           <a:xfrm>
-            <a:off x="10159" y="2794000"/>
-            <a:ext cx="12181841" cy="1015663"/>
+            <a:off x="487679" y="1026160"/>
+            <a:ext cx="11511281" cy="5761355"/>
           </a:xfrm>
           <a:prstGeom prst="rect">
             <a:avLst/>
           </a:prstGeom>
           <a:noFill/>
+          <a:extLst>
+            <a:ext uri="{909E8E84-426E-40DD-AFC4-6F175D3DCCD1}">
+              <a14:hiddenFill xmlns:a14="http://schemas.microsoft.com/office/drawing/2010/main">
+                <a:solidFill>
+                  <a:srgbClr val="FFFFFF"/>
+                </a:solidFill>
+              </a14:hiddenFill>
+            </a:ext>
+          </a:extLst>
+        </p:spPr>
+      </p:pic>
+      <p:sp>
+        <p:nvSpPr>
+          <p:cNvPr id="5" name="TextBox 4">
+            <a:extLst>
+              <a:ext uri="{FF2B5EF4-FFF2-40B4-BE49-F238E27FC236}">
+                <a16:creationId xmlns:a16="http://schemas.microsoft.com/office/drawing/2014/main" id="{F3F36AAE-5E87-4024-825E-4FF0FA1E05C7}"/>
+              </a:ext>
+            </a:extLst>
+          </p:cNvPr>
+          <p:cNvSpPr txBox="1"/>
+          <p:nvPr/>
+        </p:nvSpPr>
+        <p:spPr>
+          <a:xfrm>
+            <a:off x="0" y="182880"/>
+            <a:ext cx="12192000" cy="707886"/>
+          </a:xfrm>
+          <a:prstGeom prst="rect">
+            <a:avLst/>
+          </a:prstGeom>
+          <a:noFill/>
         </p:spPr>
         <p:txBody>
           <a:bodyPr wrap="square" rtlCol="0">
@@ -8943,14 +9512,14 @@
           <a:p>
             <a:pPr algn="ctr"/>
             <a:r>
-              <a:rPr lang="en-US" sz="6000" b="1" dirty="0">
-                <a:solidFill>
-                  <a:schemeClr val="bg1">
-                    <a:lumMod val="50000"/>
-                  </a:schemeClr>
-                </a:solidFill>
-              </a:rPr>
-              <a:t>Thank You</a:t>
+              <a:rPr lang="en-US" sz="4000" dirty="0">
+                <a:solidFill>
+                  <a:schemeClr val="bg1">
+                    <a:lumMod val="50000"/>
+                  </a:schemeClr>
+                </a:solidFill>
+              </a:rPr>
+              <a:t>Parallel Tools with Jenkins</a:t>
             </a:r>
           </a:p>
         </p:txBody>
@@ -8958,7 +9527,1699 @@
     </p:spTree>
     <p:extLst>
       <p:ext uri="{BB962C8B-B14F-4D97-AF65-F5344CB8AC3E}">
-        <p14:creationId xmlns:p14="http://schemas.microsoft.com/office/powerpoint/2010/main" xmlns="" val="3981335253"/>
+        <p14:creationId xmlns:p14="http://schemas.microsoft.com/office/powerpoint/2010/main" val="1709197645"/>
+      </p:ext>
+    </p:extLst>
+  </p:cSld>
+  <p:clrMapOvr>
+    <a:masterClrMapping/>
+  </p:clrMapOvr>
+</p:sld>
+</file>
+
+<file path=ppt/slides/slide32.xml><?xml version="1.0" encoding="utf-8"?>
+<p:sld xmlns:a="http://schemas.openxmlformats.org/drawingml/2006/main" xmlns:r="http://schemas.openxmlformats.org/officeDocument/2006/relationships" xmlns:p="http://schemas.openxmlformats.org/presentationml/2006/main">
+  <p:cSld>
+    <p:spTree>
+      <p:nvGrpSpPr>
+        <p:cNvPr id="1" name=""/>
+        <p:cNvGrpSpPr/>
+        <p:nvPr/>
+      </p:nvGrpSpPr>
+      <p:grpSpPr>
+        <a:xfrm>
+          <a:off x="0" y="0"/>
+          <a:ext cx="0" cy="0"/>
+          <a:chOff x="0" y="0"/>
+          <a:chExt cx="0" cy="0"/>
+        </a:xfrm>
+      </p:grpSpPr>
+      <p:sp>
+        <p:nvSpPr>
+          <p:cNvPr id="2" name="TextBox 1">
+            <a:extLst>
+              <a:ext uri="{FF2B5EF4-FFF2-40B4-BE49-F238E27FC236}">
+                <a16:creationId xmlns:a16="http://schemas.microsoft.com/office/drawing/2014/main" id="{8DA34F60-C036-4B57-8DAB-1153FCC4B013}"/>
+              </a:ext>
+            </a:extLst>
+          </p:cNvPr>
+          <p:cNvSpPr txBox="1"/>
+          <p:nvPr/>
+        </p:nvSpPr>
+        <p:spPr>
+          <a:xfrm>
+            <a:off x="4500880" y="558800"/>
+            <a:ext cx="2631440" cy="833120"/>
+          </a:xfrm>
+          <a:prstGeom prst="rect">
+            <a:avLst/>
+          </a:prstGeom>
+          <a:noFill/>
+        </p:spPr>
+        <p:txBody>
+          <a:bodyPr wrap="square" rtlCol="0">
+            <a:spAutoFit/>
+          </a:bodyPr>
+          <a:lstStyle/>
+          <a:p>
+            <a:endParaRPr lang="en-US" dirty="0"/>
+          </a:p>
+        </p:txBody>
+      </p:sp>
+      <p:sp>
+        <p:nvSpPr>
+          <p:cNvPr id="3" name="TextBox 2">
+            <a:extLst>
+              <a:ext uri="{FF2B5EF4-FFF2-40B4-BE49-F238E27FC236}">
+                <a16:creationId xmlns:a16="http://schemas.microsoft.com/office/drawing/2014/main" id="{B544C6B0-EF6C-4250-91BF-FF09779362BA}"/>
+              </a:ext>
+            </a:extLst>
+          </p:cNvPr>
+          <p:cNvSpPr txBox="1"/>
+          <p:nvPr/>
+        </p:nvSpPr>
+        <p:spPr>
+          <a:xfrm>
+            <a:off x="0" y="182880"/>
+            <a:ext cx="12192000" cy="707886"/>
+          </a:xfrm>
+          <a:prstGeom prst="rect">
+            <a:avLst/>
+          </a:prstGeom>
+          <a:noFill/>
+        </p:spPr>
+        <p:txBody>
+          <a:bodyPr wrap="square" rtlCol="0">
+            <a:spAutoFit/>
+          </a:bodyPr>
+          <a:lstStyle/>
+          <a:p>
+            <a:pPr algn="ctr"/>
+            <a:r>
+              <a:rPr lang="en-US" sz="4000" dirty="0">
+                <a:solidFill>
+                  <a:schemeClr val="bg1">
+                    <a:lumMod val="50000"/>
+                  </a:schemeClr>
+                </a:solidFill>
+              </a:rPr>
+              <a:t>Jenkins Features</a:t>
+            </a:r>
+          </a:p>
+        </p:txBody>
+      </p:sp>
+      <p:sp>
+        <p:nvSpPr>
+          <p:cNvPr id="5" name="TextBox 4"/>
+          <p:cNvSpPr txBox="1"/>
+          <p:nvPr/>
+        </p:nvSpPr>
+        <p:spPr>
+          <a:xfrm>
+            <a:off x="415636" y="1163782"/>
+            <a:ext cx="11291455" cy="2677656"/>
+          </a:xfrm>
+          <a:prstGeom prst="rect">
+            <a:avLst/>
+          </a:prstGeom>
+          <a:noFill/>
+        </p:spPr>
+        <p:txBody>
+          <a:bodyPr wrap="square" rtlCol="0">
+            <a:spAutoFit/>
+          </a:bodyPr>
+          <a:lstStyle/>
+          <a:p>
+            <a:pPr marL="285750" indent="-285750">
+              <a:buFont typeface="Arial" panose="020B0604020202020204" pitchFamily="34" charset="0"/>
+              <a:buChar char="•"/>
+            </a:pPr>
+            <a:r>
+              <a:rPr lang="en-US" sz="2400" dirty="0">
+                <a:solidFill>
+                  <a:schemeClr val="bg1">
+                    <a:lumMod val="50000"/>
+                  </a:schemeClr>
+                </a:solidFill>
+              </a:rPr>
+              <a:t>Easy Installation</a:t>
+            </a:r>
+          </a:p>
+          <a:p>
+            <a:pPr marL="285750" indent="-285750">
+              <a:buFont typeface="Arial" panose="020B0604020202020204" pitchFamily="34" charset="0"/>
+              <a:buChar char="•"/>
+            </a:pPr>
+            <a:r>
+              <a:rPr lang="en-US" sz="2400" dirty="0">
+                <a:solidFill>
+                  <a:schemeClr val="bg1">
+                    <a:lumMod val="50000"/>
+                  </a:schemeClr>
+                </a:solidFill>
+              </a:rPr>
+              <a:t>Easy Configuration</a:t>
+            </a:r>
+          </a:p>
+          <a:p>
+            <a:pPr marL="285750" indent="-285750">
+              <a:buFont typeface="Arial" panose="020B0604020202020204" pitchFamily="34" charset="0"/>
+              <a:buChar char="•"/>
+            </a:pPr>
+            <a:r>
+              <a:rPr lang="en-US" sz="2400" dirty="0">
+                <a:solidFill>
+                  <a:schemeClr val="bg1">
+                    <a:lumMod val="50000"/>
+                  </a:schemeClr>
+                </a:solidFill>
+              </a:rPr>
+              <a:t>Available Plugins</a:t>
+            </a:r>
+          </a:p>
+          <a:p>
+            <a:pPr marL="285750" indent="-285750">
+              <a:buFont typeface="Arial" panose="020B0604020202020204" pitchFamily="34" charset="0"/>
+              <a:buChar char="•"/>
+            </a:pPr>
+            <a:r>
+              <a:rPr lang="en-US" sz="2400" dirty="0">
+                <a:solidFill>
+                  <a:schemeClr val="bg1">
+                    <a:lumMod val="50000"/>
+                  </a:schemeClr>
+                </a:solidFill>
+              </a:rPr>
+              <a:t>Extensible</a:t>
+            </a:r>
+          </a:p>
+          <a:p>
+            <a:pPr marL="285750" indent="-285750">
+              <a:buFont typeface="Arial" panose="020B0604020202020204" pitchFamily="34" charset="0"/>
+              <a:buChar char="•"/>
+            </a:pPr>
+            <a:r>
+              <a:rPr lang="en-US" sz="2400" dirty="0">
+                <a:solidFill>
+                  <a:schemeClr val="bg1">
+                    <a:lumMod val="50000"/>
+                  </a:schemeClr>
+                </a:solidFill>
+              </a:rPr>
+              <a:t>Easy Distribution</a:t>
+            </a:r>
+          </a:p>
+          <a:p>
+            <a:pPr marL="285750" indent="-285750">
+              <a:buFont typeface="Arial" panose="020B0604020202020204" pitchFamily="34" charset="0"/>
+              <a:buChar char="•"/>
+            </a:pPr>
+            <a:r>
+              <a:rPr lang="en-US" sz="2400" dirty="0">
+                <a:solidFill>
+                  <a:schemeClr val="bg1">
+                    <a:lumMod val="50000"/>
+                  </a:schemeClr>
+                </a:solidFill>
+              </a:rPr>
+              <a:t>Free Open Source</a:t>
+            </a:r>
+          </a:p>
+          <a:p>
+            <a:endParaRPr lang="en-US" sz="2400" dirty="0">
+              <a:solidFill>
+                <a:schemeClr val="bg1">
+                  <a:lumMod val="50000"/>
+                </a:schemeClr>
+              </a:solidFill>
+            </a:endParaRPr>
+          </a:p>
+        </p:txBody>
+      </p:sp>
+    </p:spTree>
+    <p:extLst>
+      <p:ext uri="{BB962C8B-B14F-4D97-AF65-F5344CB8AC3E}">
+        <p14:creationId xmlns:p14="http://schemas.microsoft.com/office/powerpoint/2010/main" val="3469266327"/>
+      </p:ext>
+    </p:extLst>
+  </p:cSld>
+  <p:clrMapOvr>
+    <a:masterClrMapping/>
+  </p:clrMapOvr>
+</p:sld>
+</file>
+
+<file path=ppt/slides/slide33.xml><?xml version="1.0" encoding="utf-8"?>
+<p:sld xmlns:a="http://schemas.openxmlformats.org/drawingml/2006/main" xmlns:r="http://schemas.openxmlformats.org/officeDocument/2006/relationships" xmlns:p="http://schemas.openxmlformats.org/presentationml/2006/main">
+  <p:cSld>
+    <p:spTree>
+      <p:nvGrpSpPr>
+        <p:cNvPr id="1" name=""/>
+        <p:cNvGrpSpPr/>
+        <p:nvPr/>
+      </p:nvGrpSpPr>
+      <p:grpSpPr>
+        <a:xfrm>
+          <a:off x="0" y="0"/>
+          <a:ext cx="0" cy="0"/>
+          <a:chOff x="0" y="0"/>
+          <a:chExt cx="0" cy="0"/>
+        </a:xfrm>
+      </p:grpSpPr>
+      <p:pic>
+        <p:nvPicPr>
+          <p:cNvPr id="4" name="Picture 3">
+            <a:extLst>
+              <a:ext uri="{FF2B5EF4-FFF2-40B4-BE49-F238E27FC236}">
+                <a16:creationId xmlns:a16="http://schemas.microsoft.com/office/drawing/2014/main" id="{72B667C5-9E10-46CA-9117-770E7712C828}"/>
+              </a:ext>
+            </a:extLst>
+          </p:cNvPr>
+          <p:cNvPicPr>
+            <a:picLocks noChangeAspect="1"/>
+          </p:cNvPicPr>
+          <p:nvPr/>
+        </p:nvPicPr>
+        <p:blipFill>
+          <a:blip r:embed="rId2"/>
+          <a:stretch>
+            <a:fillRect/>
+          </a:stretch>
+        </p:blipFill>
+        <p:spPr>
+          <a:xfrm>
+            <a:off x="985520" y="452437"/>
+            <a:ext cx="9916160" cy="5953125"/>
+          </a:xfrm>
+          <a:prstGeom prst="rect">
+            <a:avLst/>
+          </a:prstGeom>
+        </p:spPr>
+      </p:pic>
+    </p:spTree>
+    <p:extLst>
+      <p:ext uri="{BB962C8B-B14F-4D97-AF65-F5344CB8AC3E}">
+        <p14:creationId xmlns:p14="http://schemas.microsoft.com/office/powerpoint/2010/main" val="2050220459"/>
+      </p:ext>
+    </p:extLst>
+  </p:cSld>
+  <p:clrMapOvr>
+    <a:masterClrMapping/>
+  </p:clrMapOvr>
+</p:sld>
+</file>
+
+<file path=ppt/slides/slide34.xml><?xml version="1.0" encoding="utf-8"?>
+<p:sld xmlns:a="http://schemas.openxmlformats.org/drawingml/2006/main" xmlns:r="http://schemas.openxmlformats.org/officeDocument/2006/relationships" xmlns:p="http://schemas.openxmlformats.org/presentationml/2006/main">
+  <p:cSld>
+    <p:spTree>
+      <p:nvGrpSpPr>
+        <p:cNvPr id="1" name=""/>
+        <p:cNvGrpSpPr/>
+        <p:nvPr/>
+      </p:nvGrpSpPr>
+      <p:grpSpPr>
+        <a:xfrm>
+          <a:off x="0" y="0"/>
+          <a:ext cx="0" cy="0"/>
+          <a:chOff x="0" y="0"/>
+          <a:chExt cx="0" cy="0"/>
+        </a:xfrm>
+      </p:grpSpPr>
+      <p:sp>
+        <p:nvSpPr>
+          <p:cNvPr id="3" name="TextBox 2">
+            <a:extLst>
+              <a:ext uri="{FF2B5EF4-FFF2-40B4-BE49-F238E27FC236}">
+                <a16:creationId xmlns:a16="http://schemas.microsoft.com/office/drawing/2014/main" id="{E030862E-E5B6-476E-AB02-3C623C85614F}"/>
+              </a:ext>
+            </a:extLst>
+          </p:cNvPr>
+          <p:cNvSpPr txBox="1"/>
+          <p:nvPr/>
+        </p:nvSpPr>
+        <p:spPr>
+          <a:xfrm>
+            <a:off x="0" y="50800"/>
+            <a:ext cx="12192000" cy="707886"/>
+          </a:xfrm>
+          <a:prstGeom prst="rect">
+            <a:avLst/>
+          </a:prstGeom>
+          <a:noFill/>
+        </p:spPr>
+        <p:txBody>
+          <a:bodyPr wrap="square" rtlCol="0">
+            <a:spAutoFit/>
+          </a:bodyPr>
+          <a:lstStyle/>
+          <a:p>
+            <a:pPr algn="ctr"/>
+            <a:r>
+              <a:rPr lang="en-US" sz="4000" dirty="0">
+                <a:solidFill>
+                  <a:schemeClr val="bg1">
+                    <a:lumMod val="50000"/>
+                  </a:schemeClr>
+                </a:solidFill>
+              </a:rPr>
+              <a:t>Jenkins Installation &amp; Setup</a:t>
+            </a:r>
+          </a:p>
+        </p:txBody>
+      </p:sp>
+      <p:sp>
+        <p:nvSpPr>
+          <p:cNvPr id="2" name="TextBox 1">
+            <a:extLst>
+              <a:ext uri="{FF2B5EF4-FFF2-40B4-BE49-F238E27FC236}">
+                <a16:creationId xmlns:a16="http://schemas.microsoft.com/office/drawing/2014/main" id="{0674935F-96B4-404F-85C2-BED6771E7B64}"/>
+              </a:ext>
+            </a:extLst>
+          </p:cNvPr>
+          <p:cNvSpPr txBox="1"/>
+          <p:nvPr/>
+        </p:nvSpPr>
+        <p:spPr>
+          <a:xfrm>
+            <a:off x="548640" y="660400"/>
+            <a:ext cx="11389360" cy="2308324"/>
+          </a:xfrm>
+          <a:prstGeom prst="rect">
+            <a:avLst/>
+          </a:prstGeom>
+          <a:noFill/>
+        </p:spPr>
+        <p:txBody>
+          <a:bodyPr wrap="square" rtlCol="0">
+            <a:spAutoFit/>
+          </a:bodyPr>
+          <a:lstStyle/>
+          <a:p>
+            <a:r>
+              <a:rPr lang="en-US" sz="2000" dirty="0">
+                <a:solidFill>
+                  <a:schemeClr val="bg1">
+                    <a:lumMod val="50000"/>
+                  </a:schemeClr>
+                </a:solidFill>
+              </a:rPr>
+              <a:t>Jenkins s developed in Java so it requires Java 8 or Java 11 are required for running modern versions of Jenkins. First we need to install Java 11 or Java 8 on our machine if not installed already. </a:t>
+            </a:r>
+          </a:p>
+          <a:p>
+            <a:endParaRPr lang="en-US" sz="2000" dirty="0">
+              <a:solidFill>
+                <a:schemeClr val="bg1">
+                  <a:lumMod val="50000"/>
+                </a:schemeClr>
+              </a:solidFill>
+            </a:endParaRPr>
+          </a:p>
+          <a:p>
+            <a:r>
+              <a:rPr lang="en-US" sz="2000" dirty="0">
+                <a:solidFill>
+                  <a:schemeClr val="bg1">
+                    <a:lumMod val="50000"/>
+                  </a:schemeClr>
+                </a:solidFill>
+              </a:rPr>
+              <a:t>To install Java follow below steps</a:t>
+            </a:r>
+          </a:p>
+          <a:p>
+            <a:r>
+              <a:rPr lang="en-US" sz="2400" b="1" dirty="0">
+                <a:solidFill>
+                  <a:schemeClr val="bg1">
+                    <a:lumMod val="50000"/>
+                  </a:schemeClr>
+                </a:solidFill>
+              </a:rPr>
+              <a:t>Step1:  Download Java 11 </a:t>
+            </a:r>
+          </a:p>
+          <a:p>
+            <a:r>
+              <a:rPr lang="en-US" sz="2000" dirty="0">
+                <a:solidFill>
+                  <a:schemeClr val="bg1">
+                    <a:lumMod val="50000"/>
+                  </a:schemeClr>
+                </a:solidFill>
+              </a:rPr>
+              <a:t>Download Java 11 from below link</a:t>
+            </a:r>
+          </a:p>
+          <a:p>
+            <a:r>
+              <a:rPr lang="en-US" sz="2000" dirty="0">
+                <a:solidFill>
+                  <a:schemeClr val="bg1">
+                    <a:lumMod val="50000"/>
+                  </a:schemeClr>
+                </a:solidFill>
+                <a:hlinkClick r:id="rId2"/>
+              </a:rPr>
+              <a:t>https://www.oracle.com/java/technologies/downloads/#java11</a:t>
+            </a:r>
+            <a:endParaRPr lang="en-US" sz="2000" dirty="0">
+              <a:solidFill>
+                <a:schemeClr val="bg1">
+                  <a:lumMod val="50000"/>
+                </a:schemeClr>
+              </a:solidFill>
+            </a:endParaRPr>
+          </a:p>
+        </p:txBody>
+      </p:sp>
+      <p:pic>
+        <p:nvPicPr>
+          <p:cNvPr id="6" name="Picture 5">
+            <a:extLst>
+              <a:ext uri="{FF2B5EF4-FFF2-40B4-BE49-F238E27FC236}">
+                <a16:creationId xmlns:a16="http://schemas.microsoft.com/office/drawing/2014/main" id="{698211E5-B0E9-4D7A-BAF0-F630671214CD}"/>
+              </a:ext>
+            </a:extLst>
+          </p:cNvPr>
+          <p:cNvPicPr>
+            <a:picLocks noChangeAspect="1"/>
+          </p:cNvPicPr>
+          <p:nvPr/>
+        </p:nvPicPr>
+        <p:blipFill>
+          <a:blip r:embed="rId3"/>
+          <a:stretch>
+            <a:fillRect/>
+          </a:stretch>
+        </p:blipFill>
+        <p:spPr>
+          <a:xfrm>
+            <a:off x="650239" y="2968724"/>
+            <a:ext cx="9094085" cy="3889276"/>
+          </a:xfrm>
+          <a:prstGeom prst="rect">
+            <a:avLst/>
+          </a:prstGeom>
+        </p:spPr>
+      </p:pic>
+    </p:spTree>
+    <p:extLst>
+      <p:ext uri="{BB962C8B-B14F-4D97-AF65-F5344CB8AC3E}">
+        <p14:creationId xmlns:p14="http://schemas.microsoft.com/office/powerpoint/2010/main" val="4174214480"/>
+      </p:ext>
+    </p:extLst>
+  </p:cSld>
+  <p:clrMapOvr>
+    <a:masterClrMapping/>
+  </p:clrMapOvr>
+</p:sld>
+</file>
+
+<file path=ppt/slides/slide35.xml><?xml version="1.0" encoding="utf-8"?>
+<p:sld xmlns:a="http://schemas.openxmlformats.org/drawingml/2006/main" xmlns:r="http://schemas.openxmlformats.org/officeDocument/2006/relationships" xmlns:p="http://schemas.openxmlformats.org/presentationml/2006/main">
+  <p:cSld>
+    <p:spTree>
+      <p:nvGrpSpPr>
+        <p:cNvPr id="1" name=""/>
+        <p:cNvGrpSpPr/>
+        <p:nvPr/>
+      </p:nvGrpSpPr>
+      <p:grpSpPr>
+        <a:xfrm>
+          <a:off x="0" y="0"/>
+          <a:ext cx="0" cy="0"/>
+          <a:chOff x="0" y="0"/>
+          <a:chExt cx="0" cy="0"/>
+        </a:xfrm>
+      </p:grpSpPr>
+      <p:sp>
+        <p:nvSpPr>
+          <p:cNvPr id="4" name="TextBox 3">
+            <a:extLst>
+              <a:ext uri="{FF2B5EF4-FFF2-40B4-BE49-F238E27FC236}">
+                <a16:creationId xmlns:a16="http://schemas.microsoft.com/office/drawing/2014/main" id="{562D8655-8766-4673-9A04-6B76EDA2437B}"/>
+              </a:ext>
+            </a:extLst>
+          </p:cNvPr>
+          <p:cNvSpPr txBox="1"/>
+          <p:nvPr/>
+        </p:nvSpPr>
+        <p:spPr>
+          <a:xfrm>
+            <a:off x="0" y="50800"/>
+            <a:ext cx="12192000" cy="707886"/>
+          </a:xfrm>
+          <a:prstGeom prst="rect">
+            <a:avLst/>
+          </a:prstGeom>
+          <a:noFill/>
+        </p:spPr>
+        <p:txBody>
+          <a:bodyPr wrap="square" rtlCol="0">
+            <a:spAutoFit/>
+          </a:bodyPr>
+          <a:lstStyle/>
+          <a:p>
+            <a:pPr algn="ctr"/>
+            <a:r>
+              <a:rPr lang="en-US" sz="4000" dirty="0">
+                <a:solidFill>
+                  <a:schemeClr val="bg1">
+                    <a:lumMod val="50000"/>
+                  </a:schemeClr>
+                </a:solidFill>
+              </a:rPr>
+              <a:t>Java Installation</a:t>
+            </a:r>
+          </a:p>
+        </p:txBody>
+      </p:sp>
+      <p:pic>
+        <p:nvPicPr>
+          <p:cNvPr id="7" name="Picture 6">
+            <a:extLst>
+              <a:ext uri="{FF2B5EF4-FFF2-40B4-BE49-F238E27FC236}">
+                <a16:creationId xmlns:a16="http://schemas.microsoft.com/office/drawing/2014/main" id="{459F02FE-2C29-49BE-9DE1-51A90FEF504D}"/>
+              </a:ext>
+            </a:extLst>
+          </p:cNvPr>
+          <p:cNvPicPr>
+            <a:picLocks noChangeAspect="1"/>
+          </p:cNvPicPr>
+          <p:nvPr/>
+        </p:nvPicPr>
+        <p:blipFill>
+          <a:blip r:embed="rId2"/>
+          <a:stretch>
+            <a:fillRect/>
+          </a:stretch>
+        </p:blipFill>
+        <p:spPr>
+          <a:xfrm>
+            <a:off x="2753360" y="2049697"/>
+            <a:ext cx="5644623" cy="4338076"/>
+          </a:xfrm>
+          <a:prstGeom prst="rect">
+            <a:avLst/>
+          </a:prstGeom>
+        </p:spPr>
+      </p:pic>
+      <p:sp>
+        <p:nvSpPr>
+          <p:cNvPr id="10" name="Content Placeholder 2">
+            <a:extLst>
+              <a:ext uri="{FF2B5EF4-FFF2-40B4-BE49-F238E27FC236}">
+                <a16:creationId xmlns:a16="http://schemas.microsoft.com/office/drawing/2014/main" id="{40F421A0-C518-4FE0-B14D-B44D888FDBC0}"/>
+              </a:ext>
+            </a:extLst>
+          </p:cNvPr>
+          <p:cNvSpPr>
+            <a:spLocks noGrp="1"/>
+          </p:cNvSpPr>
+          <p:nvPr>
+            <p:ph idx="1"/>
+          </p:nvPr>
+        </p:nvSpPr>
+        <p:spPr>
+          <a:xfrm>
+            <a:off x="487680" y="779145"/>
+            <a:ext cx="11247120" cy="1090295"/>
+          </a:xfrm>
+        </p:spPr>
+        <p:txBody>
+          <a:bodyPr>
+            <a:normAutofit lnSpcReduction="10000"/>
+          </a:bodyPr>
+          <a:lstStyle/>
+          <a:p>
+            <a:pPr marL="0" indent="0">
+              <a:buNone/>
+            </a:pPr>
+            <a:r>
+              <a:rPr lang="en-US" sz="2400" b="1" dirty="0">
+                <a:solidFill>
+                  <a:schemeClr val="bg1">
+                    <a:lumMod val="50000"/>
+                  </a:schemeClr>
+                </a:solidFill>
+              </a:rPr>
+              <a:t>Step 2: Install Java</a:t>
+            </a:r>
+          </a:p>
+          <a:p>
+            <a:pPr marL="0" indent="0">
+              <a:buNone/>
+            </a:pPr>
+            <a:r>
+              <a:rPr lang="en-US" sz="2000" dirty="0">
+                <a:solidFill>
+                  <a:schemeClr val="bg1">
+                    <a:lumMod val="50000"/>
+                  </a:schemeClr>
+                </a:solidFill>
+              </a:rPr>
+              <a:t>Once you download the Java 11,  double click on the setup file (downloaded .exe/.</a:t>
+            </a:r>
+            <a:r>
+              <a:rPr lang="en-US" sz="2000" dirty="0" err="1">
+                <a:solidFill>
+                  <a:schemeClr val="bg1">
+                    <a:lumMod val="50000"/>
+                  </a:schemeClr>
+                </a:solidFill>
+              </a:rPr>
+              <a:t>msi</a:t>
+            </a:r>
+            <a:r>
+              <a:rPr lang="en-US" sz="2000" dirty="0">
+                <a:solidFill>
+                  <a:schemeClr val="bg1">
+                    <a:lumMod val="50000"/>
+                  </a:schemeClr>
+                </a:solidFill>
+              </a:rPr>
+              <a:t> file) and click on Next</a:t>
+            </a:r>
+          </a:p>
+          <a:p>
+            <a:endParaRPr lang="en-US" dirty="0">
+              <a:solidFill>
+                <a:schemeClr val="bg1">
+                  <a:lumMod val="50000"/>
+                </a:schemeClr>
+              </a:solidFill>
+            </a:endParaRPr>
+          </a:p>
+          <a:p>
+            <a:pPr marL="0" indent="0">
+              <a:buNone/>
+            </a:pPr>
+            <a:endParaRPr lang="en-US" dirty="0"/>
+          </a:p>
+        </p:txBody>
+      </p:sp>
+    </p:spTree>
+    <p:extLst>
+      <p:ext uri="{BB962C8B-B14F-4D97-AF65-F5344CB8AC3E}">
+        <p14:creationId xmlns:p14="http://schemas.microsoft.com/office/powerpoint/2010/main" val="3038640921"/>
+      </p:ext>
+    </p:extLst>
+  </p:cSld>
+  <p:clrMapOvr>
+    <a:masterClrMapping/>
+  </p:clrMapOvr>
+</p:sld>
+</file>
+
+<file path=ppt/slides/slide36.xml><?xml version="1.0" encoding="utf-8"?>
+<p:sld xmlns:a="http://schemas.openxmlformats.org/drawingml/2006/main" xmlns:r="http://schemas.openxmlformats.org/officeDocument/2006/relationships" xmlns:p="http://schemas.openxmlformats.org/presentationml/2006/main">
+  <p:cSld>
+    <p:spTree>
+      <p:nvGrpSpPr>
+        <p:cNvPr id="1" name=""/>
+        <p:cNvGrpSpPr/>
+        <p:nvPr/>
+      </p:nvGrpSpPr>
+      <p:grpSpPr>
+        <a:xfrm>
+          <a:off x="0" y="0"/>
+          <a:ext cx="0" cy="0"/>
+          <a:chOff x="0" y="0"/>
+          <a:chExt cx="0" cy="0"/>
+        </a:xfrm>
+      </p:grpSpPr>
+      <p:sp>
+        <p:nvSpPr>
+          <p:cNvPr id="3" name="Content Placeholder 2">
+            <a:extLst>
+              <a:ext uri="{FF2B5EF4-FFF2-40B4-BE49-F238E27FC236}">
+                <a16:creationId xmlns:a16="http://schemas.microsoft.com/office/drawing/2014/main" id="{423056C9-37E7-4009-ACFD-ABE9DD671032}"/>
+              </a:ext>
+            </a:extLst>
+          </p:cNvPr>
+          <p:cNvSpPr>
+            <a:spLocks noGrp="1"/>
+          </p:cNvSpPr>
+          <p:nvPr>
+            <p:ph idx="1"/>
+          </p:nvPr>
+        </p:nvSpPr>
+        <p:spPr>
+          <a:xfrm>
+            <a:off x="487680" y="779145"/>
+            <a:ext cx="11247120" cy="876935"/>
+          </a:xfrm>
+        </p:spPr>
+        <p:txBody>
+          <a:bodyPr>
+            <a:normAutofit/>
+          </a:bodyPr>
+          <a:lstStyle/>
+          <a:p>
+            <a:pPr marL="0" indent="0">
+              <a:buNone/>
+            </a:pPr>
+            <a:r>
+              <a:rPr lang="en-US" sz="2000" dirty="0">
+                <a:solidFill>
+                  <a:schemeClr val="bg1">
+                    <a:lumMod val="50000"/>
+                  </a:schemeClr>
+                </a:solidFill>
+              </a:rPr>
+              <a:t>Once you download the Java 11,  double click on the setup file (downloaded .exe/.</a:t>
+            </a:r>
+            <a:r>
+              <a:rPr lang="en-US" sz="2000" dirty="0" err="1">
+                <a:solidFill>
+                  <a:schemeClr val="bg1">
+                    <a:lumMod val="50000"/>
+                  </a:schemeClr>
+                </a:solidFill>
+              </a:rPr>
+              <a:t>msi</a:t>
+            </a:r>
+            <a:r>
+              <a:rPr lang="en-US" sz="2000" dirty="0">
+                <a:solidFill>
+                  <a:schemeClr val="bg1">
+                    <a:lumMod val="50000"/>
+                  </a:schemeClr>
+                </a:solidFill>
+              </a:rPr>
+              <a:t> file) and click on Next</a:t>
+            </a:r>
+          </a:p>
+          <a:p>
+            <a:endParaRPr lang="en-US" dirty="0">
+              <a:solidFill>
+                <a:schemeClr val="bg1">
+                  <a:lumMod val="50000"/>
+                </a:schemeClr>
+              </a:solidFill>
+            </a:endParaRPr>
+          </a:p>
+          <a:p>
+            <a:pPr marL="0" indent="0">
+              <a:buNone/>
+            </a:pPr>
+            <a:endParaRPr lang="en-US" dirty="0"/>
+          </a:p>
+        </p:txBody>
+      </p:sp>
+      <p:pic>
+        <p:nvPicPr>
+          <p:cNvPr id="2" name="Picture 1">
+            <a:extLst>
+              <a:ext uri="{FF2B5EF4-FFF2-40B4-BE49-F238E27FC236}">
+                <a16:creationId xmlns:a16="http://schemas.microsoft.com/office/drawing/2014/main" id="{AFEF076E-7B22-4D58-84C5-976BB10C0045}"/>
+              </a:ext>
+            </a:extLst>
+          </p:cNvPr>
+          <p:cNvPicPr>
+            <a:picLocks noChangeAspect="1"/>
+          </p:cNvPicPr>
+          <p:nvPr/>
+        </p:nvPicPr>
+        <p:blipFill>
+          <a:blip r:embed="rId2"/>
+          <a:stretch>
+            <a:fillRect/>
+          </a:stretch>
+        </p:blipFill>
+        <p:spPr>
+          <a:xfrm>
+            <a:off x="2915920" y="1543608"/>
+            <a:ext cx="5971004" cy="4613511"/>
+          </a:xfrm>
+          <a:prstGeom prst="rect">
+            <a:avLst/>
+          </a:prstGeom>
+        </p:spPr>
+      </p:pic>
+      <p:sp>
+        <p:nvSpPr>
+          <p:cNvPr id="6" name="TextBox 5">
+            <a:extLst>
+              <a:ext uri="{FF2B5EF4-FFF2-40B4-BE49-F238E27FC236}">
+                <a16:creationId xmlns:a16="http://schemas.microsoft.com/office/drawing/2014/main" id="{4C9D0887-D80F-4B1C-9BFA-93077C7956C9}"/>
+              </a:ext>
+            </a:extLst>
+          </p:cNvPr>
+          <p:cNvSpPr txBox="1"/>
+          <p:nvPr/>
+        </p:nvSpPr>
+        <p:spPr>
+          <a:xfrm>
+            <a:off x="0" y="50800"/>
+            <a:ext cx="12192000" cy="707886"/>
+          </a:xfrm>
+          <a:prstGeom prst="rect">
+            <a:avLst/>
+          </a:prstGeom>
+          <a:noFill/>
+        </p:spPr>
+        <p:txBody>
+          <a:bodyPr wrap="square" rtlCol="0">
+            <a:spAutoFit/>
+          </a:bodyPr>
+          <a:lstStyle/>
+          <a:p>
+            <a:pPr algn="ctr"/>
+            <a:r>
+              <a:rPr lang="en-US" sz="4000" dirty="0">
+                <a:solidFill>
+                  <a:schemeClr val="bg1">
+                    <a:lumMod val="50000"/>
+                  </a:schemeClr>
+                </a:solidFill>
+              </a:rPr>
+              <a:t>Java Installation</a:t>
+            </a:r>
+          </a:p>
+        </p:txBody>
+      </p:sp>
+    </p:spTree>
+    <p:extLst>
+      <p:ext uri="{BB962C8B-B14F-4D97-AF65-F5344CB8AC3E}">
+        <p14:creationId xmlns:p14="http://schemas.microsoft.com/office/powerpoint/2010/main" val="3994835080"/>
+      </p:ext>
+    </p:extLst>
+  </p:cSld>
+  <p:clrMapOvr>
+    <a:masterClrMapping/>
+  </p:clrMapOvr>
+</p:sld>
+</file>
+
+<file path=ppt/slides/slide37.xml><?xml version="1.0" encoding="utf-8"?>
+<p:sld xmlns:a="http://schemas.openxmlformats.org/drawingml/2006/main" xmlns:r="http://schemas.openxmlformats.org/officeDocument/2006/relationships" xmlns:p="http://schemas.openxmlformats.org/presentationml/2006/main">
+  <p:cSld>
+    <p:spTree>
+      <p:nvGrpSpPr>
+        <p:cNvPr id="1" name=""/>
+        <p:cNvGrpSpPr/>
+        <p:nvPr/>
+      </p:nvGrpSpPr>
+      <p:grpSpPr>
+        <a:xfrm>
+          <a:off x="0" y="0"/>
+          <a:ext cx="0" cy="0"/>
+          <a:chOff x="0" y="0"/>
+          <a:chExt cx="0" cy="0"/>
+        </a:xfrm>
+      </p:grpSpPr>
+      <p:sp>
+        <p:nvSpPr>
+          <p:cNvPr id="10" name="Content Placeholder 2">
+            <a:extLst>
+              <a:ext uri="{FF2B5EF4-FFF2-40B4-BE49-F238E27FC236}">
+                <a16:creationId xmlns:a16="http://schemas.microsoft.com/office/drawing/2014/main" id="{40F421A0-C518-4FE0-B14D-B44D888FDBC0}"/>
+              </a:ext>
+            </a:extLst>
+          </p:cNvPr>
+          <p:cNvSpPr>
+            <a:spLocks noGrp="1"/>
+          </p:cNvSpPr>
+          <p:nvPr>
+            <p:ph idx="1"/>
+          </p:nvPr>
+        </p:nvSpPr>
+        <p:spPr>
+          <a:xfrm>
+            <a:off x="487680" y="779145"/>
+            <a:ext cx="11247120" cy="1395095"/>
+          </a:xfrm>
+        </p:spPr>
+        <p:txBody>
+          <a:bodyPr>
+            <a:normAutofit/>
+          </a:bodyPr>
+          <a:lstStyle/>
+          <a:p>
+            <a:pPr marL="0" indent="0">
+              <a:buNone/>
+            </a:pPr>
+            <a:r>
+              <a:rPr lang="en-US" sz="2400" b="1" dirty="0">
+                <a:solidFill>
+                  <a:schemeClr val="bg1">
+                    <a:lumMod val="50000"/>
+                  </a:schemeClr>
+                </a:solidFill>
+              </a:rPr>
+              <a:t>Step 3: Check the Directory</a:t>
+            </a:r>
+          </a:p>
+          <a:p>
+            <a:pPr marL="0" indent="0">
+              <a:buNone/>
+            </a:pPr>
+            <a:r>
+              <a:rPr lang="en-US" sz="2000" dirty="0">
+                <a:solidFill>
+                  <a:schemeClr val="bg1">
+                    <a:lumMod val="50000"/>
+                  </a:schemeClr>
+                </a:solidFill>
+              </a:rPr>
+              <a:t>JDK gets installed in the C directory of our system by default having the path “C:\Program Files\Java\jdk-12.0”. If we make any change to this path at all, we need to make a note of it as it will be required in the upcoming steps.</a:t>
+            </a:r>
+          </a:p>
+          <a:p>
+            <a:pPr marL="0" indent="0">
+              <a:buNone/>
+            </a:pPr>
+            <a:endParaRPr lang="en-US" sz="1800" dirty="0">
+              <a:solidFill>
+                <a:schemeClr val="bg1">
+                  <a:lumMod val="50000"/>
+                </a:schemeClr>
+              </a:solidFill>
+            </a:endParaRPr>
+          </a:p>
+          <a:p>
+            <a:endParaRPr lang="en-US" dirty="0">
+              <a:solidFill>
+                <a:schemeClr val="bg1">
+                  <a:lumMod val="50000"/>
+                </a:schemeClr>
+              </a:solidFill>
+            </a:endParaRPr>
+          </a:p>
+          <a:p>
+            <a:pPr marL="0" indent="0">
+              <a:buNone/>
+            </a:pPr>
+            <a:endParaRPr lang="en-US" dirty="0"/>
+          </a:p>
+        </p:txBody>
+      </p:sp>
+      <p:pic>
+        <p:nvPicPr>
+          <p:cNvPr id="2" name="Picture 1">
+            <a:extLst>
+              <a:ext uri="{FF2B5EF4-FFF2-40B4-BE49-F238E27FC236}">
+                <a16:creationId xmlns:a16="http://schemas.microsoft.com/office/drawing/2014/main" id="{834AA493-E60A-417C-92D1-047927532596}"/>
+              </a:ext>
+            </a:extLst>
+          </p:cNvPr>
+          <p:cNvPicPr>
+            <a:picLocks noChangeAspect="1"/>
+          </p:cNvPicPr>
+          <p:nvPr/>
+        </p:nvPicPr>
+        <p:blipFill>
+          <a:blip r:embed="rId2"/>
+          <a:stretch>
+            <a:fillRect/>
+          </a:stretch>
+        </p:blipFill>
+        <p:spPr>
+          <a:xfrm>
+            <a:off x="1910606" y="2491390"/>
+            <a:ext cx="8213332" cy="3838290"/>
+          </a:xfrm>
+          <a:prstGeom prst="rect">
+            <a:avLst/>
+          </a:prstGeom>
+        </p:spPr>
+      </p:pic>
+      <p:sp>
+        <p:nvSpPr>
+          <p:cNvPr id="6" name="TextBox 5">
+            <a:extLst>
+              <a:ext uri="{FF2B5EF4-FFF2-40B4-BE49-F238E27FC236}">
+                <a16:creationId xmlns:a16="http://schemas.microsoft.com/office/drawing/2014/main" id="{06FC4640-44A6-41E5-AA2A-7DB715C39235}"/>
+              </a:ext>
+            </a:extLst>
+          </p:cNvPr>
+          <p:cNvSpPr txBox="1"/>
+          <p:nvPr/>
+        </p:nvSpPr>
+        <p:spPr>
+          <a:xfrm>
+            <a:off x="0" y="50800"/>
+            <a:ext cx="12192000" cy="707886"/>
+          </a:xfrm>
+          <a:prstGeom prst="rect">
+            <a:avLst/>
+          </a:prstGeom>
+          <a:noFill/>
+        </p:spPr>
+        <p:txBody>
+          <a:bodyPr wrap="square" rtlCol="0">
+            <a:spAutoFit/>
+          </a:bodyPr>
+          <a:lstStyle/>
+          <a:p>
+            <a:pPr algn="ctr"/>
+            <a:r>
+              <a:rPr lang="en-US" sz="4000" dirty="0">
+                <a:solidFill>
+                  <a:schemeClr val="bg1">
+                    <a:lumMod val="50000"/>
+                  </a:schemeClr>
+                </a:solidFill>
+              </a:rPr>
+              <a:t>Java Installation</a:t>
+            </a:r>
+          </a:p>
+        </p:txBody>
+      </p:sp>
+    </p:spTree>
+    <p:extLst>
+      <p:ext uri="{BB962C8B-B14F-4D97-AF65-F5344CB8AC3E}">
+        <p14:creationId xmlns:p14="http://schemas.microsoft.com/office/powerpoint/2010/main" val="1356896213"/>
+      </p:ext>
+    </p:extLst>
+  </p:cSld>
+  <p:clrMapOvr>
+    <a:masterClrMapping/>
+  </p:clrMapOvr>
+</p:sld>
+</file>
+
+<file path=ppt/slides/slide38.xml><?xml version="1.0" encoding="utf-8"?>
+<p:sld xmlns:a="http://schemas.openxmlformats.org/drawingml/2006/main" xmlns:r="http://schemas.openxmlformats.org/officeDocument/2006/relationships" xmlns:p="http://schemas.openxmlformats.org/presentationml/2006/main">
+  <p:cSld>
+    <p:spTree>
+      <p:nvGrpSpPr>
+        <p:cNvPr id="1" name=""/>
+        <p:cNvGrpSpPr/>
+        <p:nvPr/>
+      </p:nvGrpSpPr>
+      <p:grpSpPr>
+        <a:xfrm>
+          <a:off x="0" y="0"/>
+          <a:ext cx="0" cy="0"/>
+          <a:chOff x="0" y="0"/>
+          <a:chExt cx="0" cy="0"/>
+        </a:xfrm>
+      </p:grpSpPr>
+      <p:sp>
+        <p:nvSpPr>
+          <p:cNvPr id="10" name="Content Placeholder 2">
+            <a:extLst>
+              <a:ext uri="{FF2B5EF4-FFF2-40B4-BE49-F238E27FC236}">
+                <a16:creationId xmlns:a16="http://schemas.microsoft.com/office/drawing/2014/main" id="{40F421A0-C518-4FE0-B14D-B44D888FDBC0}"/>
+              </a:ext>
+            </a:extLst>
+          </p:cNvPr>
+          <p:cNvSpPr>
+            <a:spLocks noGrp="1"/>
+          </p:cNvSpPr>
+          <p:nvPr>
+            <p:ph idx="1"/>
+          </p:nvPr>
+        </p:nvSpPr>
+        <p:spPr>
+          <a:xfrm>
+            <a:off x="487680" y="779145"/>
+            <a:ext cx="11247120" cy="5225415"/>
+          </a:xfrm>
+        </p:spPr>
+        <p:txBody>
+          <a:bodyPr>
+            <a:normAutofit/>
+          </a:bodyPr>
+          <a:lstStyle/>
+          <a:p>
+            <a:pPr marL="0" indent="0">
+              <a:buNone/>
+            </a:pPr>
+            <a:r>
+              <a:rPr lang="en-US" sz="2400" b="1" dirty="0">
+                <a:solidFill>
+                  <a:schemeClr val="bg1">
+                    <a:lumMod val="50000"/>
+                  </a:schemeClr>
+                </a:solidFill>
+              </a:rPr>
+              <a:t>Step 4: Update the Environment Variables</a:t>
+            </a:r>
+            <a:endParaRPr lang="en-US" b="1" dirty="0">
+              <a:solidFill>
+                <a:schemeClr val="bg1">
+                  <a:lumMod val="50000"/>
+                </a:schemeClr>
+              </a:solidFill>
+            </a:endParaRPr>
+          </a:p>
+          <a:p>
+            <a:pPr fontAlgn="base"/>
+            <a:r>
+              <a:rPr lang="en-US" sz="2400" dirty="0">
+                <a:solidFill>
+                  <a:schemeClr val="bg1">
+                    <a:lumMod val="50000"/>
+                  </a:schemeClr>
+                </a:solidFill>
+              </a:rPr>
+              <a:t>Right-click the Computer icon on your desktop and select </a:t>
+            </a:r>
+            <a:r>
+              <a:rPr lang="en-US" sz="2400" b="1" dirty="0">
+                <a:solidFill>
+                  <a:schemeClr val="bg1">
+                    <a:lumMod val="50000"/>
+                  </a:schemeClr>
+                </a:solidFill>
+              </a:rPr>
+              <a:t>Properties</a:t>
+            </a:r>
+            <a:r>
+              <a:rPr lang="en-US" sz="2400" dirty="0">
+                <a:solidFill>
+                  <a:schemeClr val="bg1">
+                    <a:lumMod val="50000"/>
+                  </a:schemeClr>
+                </a:solidFill>
+              </a:rPr>
+              <a:t>.</a:t>
+            </a:r>
+          </a:p>
+          <a:p>
+            <a:pPr fontAlgn="base"/>
+            <a:r>
+              <a:rPr lang="en-US" sz="2400" dirty="0">
+                <a:solidFill>
+                  <a:schemeClr val="bg1">
+                    <a:lumMod val="50000"/>
+                  </a:schemeClr>
+                </a:solidFill>
+              </a:rPr>
+              <a:t>Click </a:t>
+            </a:r>
+            <a:r>
+              <a:rPr lang="en-US" sz="2400" b="1" dirty="0">
+                <a:solidFill>
+                  <a:schemeClr val="bg1">
+                    <a:lumMod val="50000"/>
+                  </a:schemeClr>
+                </a:solidFill>
+              </a:rPr>
+              <a:t>Advanced system settings</a:t>
+            </a:r>
+            <a:r>
+              <a:rPr lang="en-US" sz="2400" dirty="0">
+                <a:solidFill>
+                  <a:schemeClr val="bg1">
+                    <a:lumMod val="50000"/>
+                  </a:schemeClr>
+                </a:solidFill>
+              </a:rPr>
+              <a:t>.</a:t>
+            </a:r>
+          </a:p>
+          <a:p>
+            <a:pPr fontAlgn="base"/>
+            <a:r>
+              <a:rPr lang="en-US" sz="2400" dirty="0">
+                <a:solidFill>
+                  <a:schemeClr val="bg1">
+                    <a:lumMod val="50000"/>
+                  </a:schemeClr>
+                </a:solidFill>
+              </a:rPr>
+              <a:t>Click </a:t>
+            </a:r>
+            <a:r>
+              <a:rPr lang="en-US" sz="2400" b="1" dirty="0">
+                <a:solidFill>
+                  <a:schemeClr val="bg1">
+                    <a:lumMod val="50000"/>
+                  </a:schemeClr>
+                </a:solidFill>
+              </a:rPr>
+              <a:t>Environment variables</a:t>
+            </a:r>
+            <a:r>
+              <a:rPr lang="en-US" sz="2400" dirty="0">
+                <a:solidFill>
+                  <a:schemeClr val="bg1">
+                    <a:lumMod val="50000"/>
+                  </a:schemeClr>
+                </a:solidFill>
+              </a:rPr>
+              <a:t>.</a:t>
+            </a:r>
+          </a:p>
+          <a:p>
+            <a:pPr fontAlgn="base"/>
+            <a:r>
+              <a:rPr lang="en-US" sz="2400" dirty="0">
+                <a:solidFill>
+                  <a:schemeClr val="bg1">
+                    <a:lumMod val="50000"/>
+                  </a:schemeClr>
+                </a:solidFill>
+              </a:rPr>
+              <a:t>Under </a:t>
+            </a:r>
+            <a:r>
+              <a:rPr lang="en-US" sz="2400" b="1" dirty="0">
+                <a:solidFill>
+                  <a:schemeClr val="bg1">
+                    <a:lumMod val="50000"/>
+                  </a:schemeClr>
+                </a:solidFill>
+              </a:rPr>
+              <a:t>System variables</a:t>
+            </a:r>
+            <a:r>
+              <a:rPr lang="en-US" sz="2400" dirty="0">
+                <a:solidFill>
+                  <a:schemeClr val="bg1">
+                    <a:lumMod val="50000"/>
+                  </a:schemeClr>
+                </a:solidFill>
+              </a:rPr>
+              <a:t>, locate </a:t>
+            </a:r>
+            <a:r>
+              <a:rPr lang="en-US" sz="2400" b="1" dirty="0">
+                <a:solidFill>
+                  <a:schemeClr val="bg1">
+                    <a:lumMod val="50000"/>
+                  </a:schemeClr>
+                </a:solidFill>
+              </a:rPr>
+              <a:t>Path</a:t>
+            </a:r>
+            <a:r>
+              <a:rPr lang="en-US" sz="2400" dirty="0">
+                <a:solidFill>
+                  <a:schemeClr val="bg1">
+                    <a:lumMod val="50000"/>
+                  </a:schemeClr>
+                </a:solidFill>
+              </a:rPr>
+              <a:t>.</a:t>
+            </a:r>
+          </a:p>
+          <a:p>
+            <a:pPr fontAlgn="base"/>
+            <a:r>
+              <a:rPr lang="en-US" sz="2400" dirty="0">
+                <a:solidFill>
+                  <a:schemeClr val="bg1">
+                    <a:lumMod val="50000"/>
+                  </a:schemeClr>
+                </a:solidFill>
+              </a:rPr>
+              <a:t>Select the </a:t>
+            </a:r>
+            <a:r>
+              <a:rPr lang="en-US" sz="2400" b="1" dirty="0">
+                <a:solidFill>
+                  <a:schemeClr val="bg1">
+                    <a:lumMod val="50000"/>
+                  </a:schemeClr>
+                </a:solidFill>
+              </a:rPr>
+              <a:t>Path</a:t>
+            </a:r>
+            <a:r>
+              <a:rPr lang="en-US" sz="2400" dirty="0">
+                <a:solidFill>
+                  <a:schemeClr val="bg1">
+                    <a:lumMod val="50000"/>
+                  </a:schemeClr>
+                </a:solidFill>
+              </a:rPr>
+              <a:t> variable and click on </a:t>
+            </a:r>
+            <a:r>
+              <a:rPr lang="en-US" sz="2400" b="1" dirty="0">
+                <a:solidFill>
+                  <a:schemeClr val="bg1">
+                    <a:lumMod val="50000"/>
+                  </a:schemeClr>
+                </a:solidFill>
+              </a:rPr>
+              <a:t>Edit</a:t>
+            </a:r>
+            <a:r>
+              <a:rPr lang="en-US" sz="2400" dirty="0">
+                <a:solidFill>
+                  <a:schemeClr val="bg1">
+                    <a:lumMod val="50000"/>
+                  </a:schemeClr>
+                </a:solidFill>
+              </a:rPr>
+              <a:t>.</a:t>
+            </a:r>
+          </a:p>
+          <a:p>
+            <a:pPr fontAlgn="base"/>
+            <a:r>
+              <a:rPr lang="en-US" sz="2400" dirty="0">
+                <a:solidFill>
+                  <a:schemeClr val="bg1">
+                    <a:lumMod val="50000"/>
+                  </a:schemeClr>
+                </a:solidFill>
+              </a:rPr>
+              <a:t>Add the path of your JDK installation directory. For example, </a:t>
+            </a:r>
+            <a:r>
+              <a:rPr lang="pt-BR" sz="2400" dirty="0">
+                <a:solidFill>
+                  <a:schemeClr val="bg1">
+                    <a:lumMod val="50000"/>
+                  </a:schemeClr>
+                </a:solidFill>
+              </a:rPr>
+              <a:t>C:\Program Files \Java\jdk1.8.0_281</a:t>
+            </a:r>
+            <a:r>
+              <a:rPr lang="en-US" sz="2400" dirty="0">
+                <a:solidFill>
+                  <a:schemeClr val="bg1">
+                    <a:lumMod val="50000"/>
+                  </a:schemeClr>
+                </a:solidFill>
+              </a:rPr>
+              <a:t>.</a:t>
+            </a:r>
+          </a:p>
+          <a:p>
+            <a:pPr fontAlgn="base"/>
+            <a:r>
+              <a:rPr lang="en-US" sz="2400" dirty="0">
+                <a:solidFill>
+                  <a:schemeClr val="bg1">
+                    <a:lumMod val="50000"/>
+                  </a:schemeClr>
+                </a:solidFill>
+              </a:rPr>
+              <a:t>Click </a:t>
+            </a:r>
+            <a:r>
+              <a:rPr lang="en-US" sz="2400" b="1" dirty="0">
+                <a:solidFill>
+                  <a:schemeClr val="bg1">
+                    <a:lumMod val="50000"/>
+                  </a:schemeClr>
+                </a:solidFill>
+              </a:rPr>
+              <a:t>OK</a:t>
+            </a:r>
+            <a:r>
+              <a:rPr lang="en-US" sz="2400" dirty="0">
+                <a:solidFill>
+                  <a:schemeClr val="bg1">
+                    <a:lumMod val="50000"/>
+                  </a:schemeClr>
+                </a:solidFill>
+              </a:rPr>
+              <a:t>.</a:t>
+            </a:r>
+          </a:p>
+          <a:p>
+            <a:endParaRPr lang="en-US" dirty="0">
+              <a:solidFill>
+                <a:schemeClr val="bg1">
+                  <a:lumMod val="50000"/>
+                </a:schemeClr>
+              </a:solidFill>
+            </a:endParaRPr>
+          </a:p>
+          <a:p>
+            <a:pPr marL="0" indent="0">
+              <a:buNone/>
+            </a:pPr>
+            <a:endParaRPr lang="en-US" dirty="0">
+              <a:solidFill>
+                <a:schemeClr val="bg1">
+                  <a:lumMod val="50000"/>
+                </a:schemeClr>
+              </a:solidFill>
+            </a:endParaRPr>
+          </a:p>
+        </p:txBody>
+      </p:sp>
+      <p:sp>
+        <p:nvSpPr>
+          <p:cNvPr id="7" name="TextBox 6">
+            <a:extLst>
+              <a:ext uri="{FF2B5EF4-FFF2-40B4-BE49-F238E27FC236}">
+                <a16:creationId xmlns:a16="http://schemas.microsoft.com/office/drawing/2014/main" id="{E1171AEB-47F9-4DDC-AD13-B7E5B3F64D84}"/>
+              </a:ext>
+            </a:extLst>
+          </p:cNvPr>
+          <p:cNvSpPr txBox="1"/>
+          <p:nvPr/>
+        </p:nvSpPr>
+        <p:spPr>
+          <a:xfrm>
+            <a:off x="0" y="50800"/>
+            <a:ext cx="12192000" cy="707886"/>
+          </a:xfrm>
+          <a:prstGeom prst="rect">
+            <a:avLst/>
+          </a:prstGeom>
+          <a:noFill/>
+        </p:spPr>
+        <p:txBody>
+          <a:bodyPr wrap="square" rtlCol="0">
+            <a:spAutoFit/>
+          </a:bodyPr>
+          <a:lstStyle/>
+          <a:p>
+            <a:pPr algn="ctr"/>
+            <a:r>
+              <a:rPr lang="en-US" sz="4000" dirty="0">
+                <a:solidFill>
+                  <a:schemeClr val="bg1">
+                    <a:lumMod val="50000"/>
+                  </a:schemeClr>
+                </a:solidFill>
+              </a:rPr>
+              <a:t>Java Installation</a:t>
+            </a:r>
+          </a:p>
+        </p:txBody>
+      </p:sp>
+    </p:spTree>
+    <p:extLst>
+      <p:ext uri="{BB962C8B-B14F-4D97-AF65-F5344CB8AC3E}">
+        <p14:creationId xmlns:p14="http://schemas.microsoft.com/office/powerpoint/2010/main" val="2713174109"/>
+      </p:ext>
+    </p:extLst>
+  </p:cSld>
+  <p:clrMapOvr>
+    <a:masterClrMapping/>
+  </p:clrMapOvr>
+</p:sld>
+</file>
+
+<file path=ppt/slides/slide39.xml><?xml version="1.0" encoding="utf-8"?>
+<p:sld xmlns:a="http://schemas.openxmlformats.org/drawingml/2006/main" xmlns:r="http://schemas.openxmlformats.org/officeDocument/2006/relationships" xmlns:p="http://schemas.openxmlformats.org/presentationml/2006/main">
+  <p:cSld>
+    <p:spTree>
+      <p:nvGrpSpPr>
+        <p:cNvPr id="1" name=""/>
+        <p:cNvGrpSpPr/>
+        <p:nvPr/>
+      </p:nvGrpSpPr>
+      <p:grpSpPr>
+        <a:xfrm>
+          <a:off x="0" y="0"/>
+          <a:ext cx="0" cy="0"/>
+          <a:chOff x="0" y="0"/>
+          <a:chExt cx="0" cy="0"/>
+        </a:xfrm>
+      </p:grpSpPr>
+      <p:pic>
+        <p:nvPicPr>
+          <p:cNvPr id="2050" name="Picture 2" descr="Windows Installation Setup Wizard">
+            <a:extLst>
+              <a:ext uri="{FF2B5EF4-FFF2-40B4-BE49-F238E27FC236}">
+                <a16:creationId xmlns:a16="http://schemas.microsoft.com/office/drawing/2014/main" id="{868885DF-FFC0-489F-B29D-9049BE84BBD3}"/>
+              </a:ext>
+            </a:extLst>
+          </p:cNvPr>
+          <p:cNvPicPr>
+            <a:picLocks noChangeAspect="1" noChangeArrowheads="1"/>
+          </p:cNvPicPr>
+          <p:nvPr/>
+        </p:nvPicPr>
+        <p:blipFill>
+          <a:blip r:embed="rId2">
+            <a:extLst>
+              <a:ext uri="{28A0092B-C50C-407E-A947-70E740481C1C}">
+                <a14:useLocalDpi xmlns:a14="http://schemas.microsoft.com/office/drawing/2010/main" val="0"/>
+              </a:ext>
+            </a:extLst>
+          </a:blip>
+          <a:srcRect/>
+          <a:stretch>
+            <a:fillRect/>
+          </a:stretch>
+        </p:blipFill>
+        <p:spPr bwMode="auto">
+          <a:xfrm>
+            <a:off x="2570480" y="2175828"/>
+            <a:ext cx="7000240" cy="4619625"/>
+          </a:xfrm>
+          <a:prstGeom prst="rect">
+            <a:avLst/>
+          </a:prstGeom>
+          <a:noFill/>
+          <a:extLst>
+            <a:ext uri="{909E8E84-426E-40DD-AFC4-6F175D3DCCD1}">
+              <a14:hiddenFill xmlns:a14="http://schemas.microsoft.com/office/drawing/2010/main">
+                <a:solidFill>
+                  <a:srgbClr val="FFFFFF"/>
+                </a:solidFill>
+              </a14:hiddenFill>
+            </a:ext>
+          </a:extLst>
+        </p:spPr>
+      </p:pic>
+      <p:sp>
+        <p:nvSpPr>
+          <p:cNvPr id="4" name="TextBox 3">
+            <a:extLst>
+              <a:ext uri="{FF2B5EF4-FFF2-40B4-BE49-F238E27FC236}">
+                <a16:creationId xmlns:a16="http://schemas.microsoft.com/office/drawing/2014/main" id="{28D07103-E787-4DEC-A855-41141B513771}"/>
+              </a:ext>
+            </a:extLst>
+          </p:cNvPr>
+          <p:cNvSpPr txBox="1"/>
+          <p:nvPr/>
+        </p:nvSpPr>
+        <p:spPr>
+          <a:xfrm>
+            <a:off x="325120" y="812800"/>
+            <a:ext cx="11633200" cy="1200329"/>
+          </a:xfrm>
+          <a:prstGeom prst="rect">
+            <a:avLst/>
+          </a:prstGeom>
+          <a:noFill/>
+        </p:spPr>
+        <p:txBody>
+          <a:bodyPr wrap="square" rtlCol="0">
+            <a:spAutoFit/>
+          </a:bodyPr>
+          <a:lstStyle/>
+          <a:p>
+            <a:r>
+              <a:rPr lang="en-US" sz="2400" b="1" dirty="0">
+                <a:solidFill>
+                  <a:schemeClr val="bg1">
+                    <a:lumMod val="50000"/>
+                  </a:schemeClr>
+                </a:solidFill>
+              </a:rPr>
+              <a:t>Step 1: Setup wizard</a:t>
+            </a:r>
+          </a:p>
+          <a:p>
+            <a:r>
+              <a:rPr lang="en-US" sz="2400" dirty="0">
+                <a:solidFill>
+                  <a:schemeClr val="bg1">
+                    <a:lumMod val="50000"/>
+                  </a:schemeClr>
+                </a:solidFill>
+              </a:rPr>
+              <a:t>On opening the Windows Installer, an </a:t>
+            </a:r>
+            <a:r>
+              <a:rPr lang="en-US" sz="2400" b="1" dirty="0">
+                <a:solidFill>
+                  <a:schemeClr val="bg1">
+                    <a:lumMod val="50000"/>
+                  </a:schemeClr>
+                </a:solidFill>
+              </a:rPr>
+              <a:t>Installation Setup Wizard</a:t>
+            </a:r>
+            <a:r>
+              <a:rPr lang="en-US" sz="2400" dirty="0">
+                <a:solidFill>
+                  <a:schemeClr val="bg1">
+                    <a:lumMod val="50000"/>
+                  </a:schemeClr>
+                </a:solidFill>
+              </a:rPr>
+              <a:t> appears, Click </a:t>
+            </a:r>
+            <a:r>
+              <a:rPr lang="en-US" sz="2400" b="1" dirty="0">
+                <a:solidFill>
+                  <a:schemeClr val="bg1">
+                    <a:lumMod val="50000"/>
+                  </a:schemeClr>
+                </a:solidFill>
+              </a:rPr>
+              <a:t>Next</a:t>
+            </a:r>
+            <a:r>
+              <a:rPr lang="en-US" sz="2400" dirty="0">
+                <a:solidFill>
+                  <a:schemeClr val="bg1">
+                    <a:lumMod val="50000"/>
+                  </a:schemeClr>
+                </a:solidFill>
+              </a:rPr>
+              <a:t> on the Setup Wizard to start your installation</a:t>
+            </a:r>
+          </a:p>
+        </p:txBody>
+      </p:sp>
+      <p:sp>
+        <p:nvSpPr>
+          <p:cNvPr id="7" name="TextBox 6">
+            <a:extLst>
+              <a:ext uri="{FF2B5EF4-FFF2-40B4-BE49-F238E27FC236}">
+                <a16:creationId xmlns:a16="http://schemas.microsoft.com/office/drawing/2014/main" id="{6F107307-5963-48F6-A4FE-2084AE40B192}"/>
+              </a:ext>
+            </a:extLst>
+          </p:cNvPr>
+          <p:cNvSpPr txBox="1"/>
+          <p:nvPr/>
+        </p:nvSpPr>
+        <p:spPr>
+          <a:xfrm>
+            <a:off x="0" y="50800"/>
+            <a:ext cx="12192000" cy="707886"/>
+          </a:xfrm>
+          <a:prstGeom prst="rect">
+            <a:avLst/>
+          </a:prstGeom>
+          <a:noFill/>
+        </p:spPr>
+        <p:txBody>
+          <a:bodyPr wrap="square" rtlCol="0">
+            <a:spAutoFit/>
+          </a:bodyPr>
+          <a:lstStyle/>
+          <a:p>
+            <a:pPr algn="ctr"/>
+            <a:r>
+              <a:rPr lang="en-US" sz="4000" dirty="0">
+                <a:solidFill>
+                  <a:schemeClr val="bg1">
+                    <a:lumMod val="50000"/>
+                  </a:schemeClr>
+                </a:solidFill>
+              </a:rPr>
+              <a:t>Jenkins Installation &amp; Setup</a:t>
+            </a:r>
+          </a:p>
+        </p:txBody>
+      </p:sp>
+    </p:spTree>
+    <p:extLst>
+      <p:ext uri="{BB962C8B-B14F-4D97-AF65-F5344CB8AC3E}">
+        <p14:creationId xmlns:p14="http://schemas.microsoft.com/office/powerpoint/2010/main" val="3267150632"/>
       </p:ext>
     </p:extLst>
   </p:cSld>
@@ -8990,7 +11251,7 @@
           <p:cNvPr id="2" name="TextBox 1">
             <a:extLst>
               <a:ext uri="{FF2B5EF4-FFF2-40B4-BE49-F238E27FC236}">
-                <a16:creationId xmlns:a16="http://schemas.microsoft.com/office/drawing/2014/main" xmlns="" id="{8DA34F60-C036-4B57-8DAB-1153FCC4B013}"/>
+                <a16:creationId xmlns:a16="http://schemas.microsoft.com/office/drawing/2014/main" id="{8DA34F60-C036-4B57-8DAB-1153FCC4B013}"/>
               </a:ext>
             </a:extLst>
           </p:cNvPr>
@@ -9022,7 +11283,7 @@
           <p:cNvPr id="3" name="TextBox 2">
             <a:extLst>
               <a:ext uri="{FF2B5EF4-FFF2-40B4-BE49-F238E27FC236}">
-                <a16:creationId xmlns:a16="http://schemas.microsoft.com/office/drawing/2014/main" xmlns="" id="{B544C6B0-EF6C-4250-91BF-FF09779362BA}"/>
+                <a16:creationId xmlns:a16="http://schemas.microsoft.com/office/drawing/2014/main" id="{B544C6B0-EF6C-4250-91BF-FF09779362BA}"/>
               </a:ext>
             </a:extLst>
           </p:cNvPr>
@@ -9065,7 +11326,7 @@
           <p:cNvPr id="6" name="Picture 5">
             <a:extLst>
               <a:ext uri="{FF2B5EF4-FFF2-40B4-BE49-F238E27FC236}">
-                <a16:creationId xmlns:a16="http://schemas.microsoft.com/office/drawing/2014/main" xmlns="" id="{3EAF93C3-FEA4-4E5F-A9E8-EA07466836E3}"/>
+                <a16:creationId xmlns:a16="http://schemas.microsoft.com/office/drawing/2014/main" id="{3EAF93C3-FEA4-4E5F-A9E8-EA07466836E3}"/>
               </a:ext>
             </a:extLst>
           </p:cNvPr>
@@ -9095,7 +11356,7 @@
           <p:cNvPr id="7" name="TextBox 6">
             <a:extLst>
               <a:ext uri="{FF2B5EF4-FFF2-40B4-BE49-F238E27FC236}">
-                <a16:creationId xmlns:a16="http://schemas.microsoft.com/office/drawing/2014/main" xmlns="" id="{5205BA0B-441B-4D66-A356-F6C0076D797D}"/>
+                <a16:creationId xmlns:a16="http://schemas.microsoft.com/office/drawing/2014/main" id="{5205BA0B-441B-4D66-A356-F6C0076D797D}"/>
               </a:ext>
             </a:extLst>
           </p:cNvPr>
@@ -9181,7 +11442,3100 @@
     </p:spTree>
     <p:extLst>
       <p:ext uri="{BB962C8B-B14F-4D97-AF65-F5344CB8AC3E}">
-        <p14:creationId xmlns:p14="http://schemas.microsoft.com/office/powerpoint/2010/main" xmlns="" val="4199085327"/>
+        <p14:creationId xmlns:p14="http://schemas.microsoft.com/office/powerpoint/2010/main" val="4199085327"/>
+      </p:ext>
+    </p:extLst>
+  </p:cSld>
+  <p:clrMapOvr>
+    <a:masterClrMapping/>
+  </p:clrMapOvr>
+</p:sld>
+</file>
+
+<file path=ppt/slides/slide40.xml><?xml version="1.0" encoding="utf-8"?>
+<p:sld xmlns:a="http://schemas.openxmlformats.org/drawingml/2006/main" xmlns:r="http://schemas.openxmlformats.org/officeDocument/2006/relationships" xmlns:p="http://schemas.openxmlformats.org/presentationml/2006/main">
+  <p:cSld>
+    <p:spTree>
+      <p:nvGrpSpPr>
+        <p:cNvPr id="1" name=""/>
+        <p:cNvGrpSpPr/>
+        <p:nvPr/>
+      </p:nvGrpSpPr>
+      <p:grpSpPr>
+        <a:xfrm>
+          <a:off x="0" y="0"/>
+          <a:ext cx="0" cy="0"/>
+          <a:chOff x="0" y="0"/>
+          <a:chExt cx="0" cy="0"/>
+        </a:xfrm>
+      </p:grpSpPr>
+      <p:sp>
+        <p:nvSpPr>
+          <p:cNvPr id="5" name="Rectangle 3">
+            <a:extLst>
+              <a:ext uri="{FF2B5EF4-FFF2-40B4-BE49-F238E27FC236}">
+                <a16:creationId xmlns:a16="http://schemas.microsoft.com/office/drawing/2014/main" id="{9D41E2E0-92A7-40D3-A3C7-3209AE388461}"/>
+              </a:ext>
+            </a:extLst>
+          </p:cNvPr>
+          <p:cNvSpPr>
+            <a:spLocks noChangeArrowheads="1"/>
+          </p:cNvSpPr>
+          <p:nvPr/>
+        </p:nvSpPr>
+        <p:spPr bwMode="auto">
+          <a:xfrm rot="10800000" flipV="1">
+            <a:off x="284480" y="327601"/>
+            <a:ext cx="11907520" cy="830997"/>
+          </a:xfrm>
+          <a:prstGeom prst="rect">
+            <a:avLst/>
+          </a:prstGeom>
+          <a:solidFill>
+            <a:srgbClr val="FFFFFF"/>
+          </a:solidFill>
+          <a:ln>
+            <a:noFill/>
+          </a:ln>
+          <a:effectLst/>
+          <a:extLst>
+            <a:ext uri="{91240B29-F687-4F45-9708-019B960494DF}">
+              <a14:hiddenLine xmlns:a14="http://schemas.microsoft.com/office/drawing/2010/main" w="9525">
+                <a:solidFill>
+                  <a:schemeClr val="tx1"/>
+                </a:solidFill>
+                <a:miter lim="800000"/>
+                <a:headEnd/>
+                <a:tailEnd/>
+              </a14:hiddenLine>
+            </a:ext>
+            <a:ext uri="{AF507438-7753-43E0-B8FC-AC1667EBCBE1}">
+              <a14:hiddenEffects xmlns:a14="http://schemas.microsoft.com/office/drawing/2010/main">
+                <a:effectLst>
+                  <a:outerShdw dist="35921" dir="2700000" algn="ctr" rotWithShape="0">
+                    <a:schemeClr val="bg2"/>
+                  </a:outerShdw>
+                </a:effectLst>
+              </a14:hiddenEffects>
+            </a:ext>
+          </a:extLst>
+        </p:spPr>
+        <p:txBody>
+          <a:bodyPr vert="horz" wrap="square" lIns="0" tIns="45720" rIns="91440" bIns="45720" numCol="1" anchor="ctr" anchorCtr="0" compatLnSpc="1">
+            <a:prstTxWarp prst="textNoShape">
+              <a:avLst/>
+            </a:prstTxWarp>
+            <a:spAutoFit/>
+          </a:bodyPr>
+          <a:lstStyle/>
+          <a:p>
+            <a:pPr marL="0" marR="0" lvl="0" indent="0" algn="l" defTabSz="914400" rtl="0" eaLnBrk="0" fontAlgn="base" latinLnBrk="0" hangingPunct="0">
+              <a:lnSpc>
+                <a:spcPct val="100000"/>
+              </a:lnSpc>
+              <a:spcBef>
+                <a:spcPct val="0"/>
+              </a:spcBef>
+              <a:spcAft>
+                <a:spcPct val="0"/>
+              </a:spcAft>
+              <a:buClrTx/>
+              <a:buSzTx/>
+              <a:buFontTx/>
+              <a:buNone/>
+              <a:tabLst/>
+            </a:pPr>
+            <a:r>
+              <a:rPr kumimoji="0" lang="en-US" altLang="en-US" sz="2400" b="1" i="0" u="none" strike="noStrike" cap="none" normalizeH="0" baseline="0" dirty="0">
+                <a:ln>
+                  <a:noFill/>
+                </a:ln>
+                <a:solidFill>
+                  <a:schemeClr val="bg1">
+                    <a:lumMod val="50000"/>
+                  </a:schemeClr>
+                </a:solidFill>
+                <a:effectLst/>
+              </a:rPr>
+              <a:t>Step 2: Select destination folder</a:t>
+            </a:r>
+          </a:p>
+          <a:p>
+            <a:pPr marL="457200" marR="0" lvl="1" indent="-457200" algn="l" defTabSz="914400" rtl="0" eaLnBrk="0" fontAlgn="base" latinLnBrk="0" hangingPunct="0">
+              <a:lnSpc>
+                <a:spcPct val="100000"/>
+              </a:lnSpc>
+              <a:spcBef>
+                <a:spcPct val="0"/>
+              </a:spcBef>
+              <a:spcAft>
+                <a:spcPct val="0"/>
+              </a:spcAft>
+              <a:buClrTx/>
+              <a:buSzTx/>
+              <a:buFontTx/>
+              <a:buNone/>
+              <a:tabLst/>
+            </a:pPr>
+            <a:r>
+              <a:rPr kumimoji="0" lang="en-US" altLang="en-US" sz="2400" b="0" i="0" u="none" strike="noStrike" cap="none" normalizeH="0" baseline="0" dirty="0">
+                <a:ln>
+                  <a:noFill/>
+                </a:ln>
+                <a:solidFill>
+                  <a:schemeClr val="bg1">
+                    <a:lumMod val="50000"/>
+                  </a:schemeClr>
+                </a:solidFill>
+                <a:effectLst/>
+              </a:rPr>
+              <a:t>Select the destination folder to store your Jenkins Installation and click </a:t>
+            </a:r>
+            <a:r>
+              <a:rPr kumimoji="0" lang="en-US" altLang="en-US" sz="2400" b="1" i="0" u="none" strike="noStrike" cap="none" normalizeH="0" baseline="0" dirty="0">
+                <a:ln>
+                  <a:noFill/>
+                </a:ln>
+                <a:solidFill>
+                  <a:schemeClr val="bg1">
+                    <a:lumMod val="50000"/>
+                  </a:schemeClr>
+                </a:solidFill>
+                <a:effectLst/>
+              </a:rPr>
+              <a:t>Next</a:t>
+            </a:r>
+            <a:r>
+              <a:rPr kumimoji="0" lang="en-US" altLang="en-US" sz="2400" b="0" i="0" u="none" strike="noStrike" cap="none" normalizeH="0" baseline="0" dirty="0">
+                <a:ln>
+                  <a:noFill/>
+                </a:ln>
+                <a:solidFill>
+                  <a:schemeClr val="bg1">
+                    <a:lumMod val="50000"/>
+                  </a:schemeClr>
+                </a:solidFill>
+                <a:effectLst/>
+              </a:rPr>
+              <a:t> to continue.</a:t>
+            </a:r>
+          </a:p>
+        </p:txBody>
+      </p:sp>
+      <p:pic>
+        <p:nvPicPr>
+          <p:cNvPr id="3077" name="Picture 5" descr="Jenkins Installation Destination">
+            <a:extLst>
+              <a:ext uri="{FF2B5EF4-FFF2-40B4-BE49-F238E27FC236}">
+                <a16:creationId xmlns:a16="http://schemas.microsoft.com/office/drawing/2014/main" id="{B0E1F02F-2D73-4D8E-A1EB-54CC56546092}"/>
+              </a:ext>
+            </a:extLst>
+          </p:cNvPr>
+          <p:cNvPicPr>
+            <a:picLocks noChangeAspect="1" noChangeArrowheads="1"/>
+          </p:cNvPicPr>
+          <p:nvPr/>
+        </p:nvPicPr>
+        <p:blipFill>
+          <a:blip r:embed="rId2">
+            <a:extLst>
+              <a:ext uri="{28A0092B-C50C-407E-A947-70E740481C1C}">
+                <a14:useLocalDpi xmlns:a14="http://schemas.microsoft.com/office/drawing/2010/main" val="0"/>
+              </a:ext>
+            </a:extLst>
+          </a:blip>
+          <a:srcRect/>
+          <a:stretch>
+            <a:fillRect/>
+          </a:stretch>
+        </p:blipFill>
+        <p:spPr bwMode="auto">
+          <a:xfrm>
+            <a:off x="2682241" y="1433513"/>
+            <a:ext cx="6644958" cy="5195149"/>
+          </a:xfrm>
+          <a:prstGeom prst="rect">
+            <a:avLst/>
+          </a:prstGeom>
+          <a:noFill/>
+          <a:extLst>
+            <a:ext uri="{909E8E84-426E-40DD-AFC4-6F175D3DCCD1}">
+              <a14:hiddenFill xmlns:a14="http://schemas.microsoft.com/office/drawing/2010/main">
+                <a:solidFill>
+                  <a:srgbClr val="FFFFFF"/>
+                </a:solidFill>
+              </a14:hiddenFill>
+            </a:ext>
+          </a:extLst>
+        </p:spPr>
+      </p:pic>
+    </p:spTree>
+    <p:extLst>
+      <p:ext uri="{BB962C8B-B14F-4D97-AF65-F5344CB8AC3E}">
+        <p14:creationId xmlns:p14="http://schemas.microsoft.com/office/powerpoint/2010/main" val="1277504086"/>
+      </p:ext>
+    </p:extLst>
+  </p:cSld>
+  <p:clrMapOvr>
+    <a:masterClrMapping/>
+  </p:clrMapOvr>
+</p:sld>
+</file>
+
+<file path=ppt/slides/slide41.xml><?xml version="1.0" encoding="utf-8"?>
+<p:sld xmlns:a="http://schemas.openxmlformats.org/drawingml/2006/main" xmlns:r="http://schemas.openxmlformats.org/officeDocument/2006/relationships" xmlns:p="http://schemas.openxmlformats.org/presentationml/2006/main">
+  <p:cSld>
+    <p:spTree>
+      <p:nvGrpSpPr>
+        <p:cNvPr id="1" name=""/>
+        <p:cNvGrpSpPr/>
+        <p:nvPr/>
+      </p:nvGrpSpPr>
+      <p:grpSpPr>
+        <a:xfrm>
+          <a:off x="0" y="0"/>
+          <a:ext cx="0" cy="0"/>
+          <a:chOff x="0" y="0"/>
+          <a:chExt cx="0" cy="0"/>
+        </a:xfrm>
+      </p:grpSpPr>
+      <p:sp>
+        <p:nvSpPr>
+          <p:cNvPr id="5" name="Rectangle 3">
+            <a:extLst>
+              <a:ext uri="{FF2B5EF4-FFF2-40B4-BE49-F238E27FC236}">
+                <a16:creationId xmlns:a16="http://schemas.microsoft.com/office/drawing/2014/main" id="{9D41E2E0-92A7-40D3-A3C7-3209AE388461}"/>
+              </a:ext>
+            </a:extLst>
+          </p:cNvPr>
+          <p:cNvSpPr>
+            <a:spLocks noChangeArrowheads="1"/>
+          </p:cNvSpPr>
+          <p:nvPr/>
+        </p:nvSpPr>
+        <p:spPr bwMode="auto">
+          <a:xfrm rot="10800000" flipV="1">
+            <a:off x="284480" y="78405"/>
+            <a:ext cx="11907520" cy="1938992"/>
+          </a:xfrm>
+          <a:prstGeom prst="rect">
+            <a:avLst/>
+          </a:prstGeom>
+          <a:solidFill>
+            <a:srgbClr val="FFFFFF"/>
+          </a:solidFill>
+          <a:ln>
+            <a:noFill/>
+          </a:ln>
+          <a:effectLst/>
+          <a:extLst>
+            <a:ext uri="{91240B29-F687-4F45-9708-019B960494DF}">
+              <a14:hiddenLine xmlns:a14="http://schemas.microsoft.com/office/drawing/2010/main" w="9525">
+                <a:solidFill>
+                  <a:schemeClr val="tx1"/>
+                </a:solidFill>
+                <a:miter lim="800000"/>
+                <a:headEnd/>
+                <a:tailEnd/>
+              </a14:hiddenLine>
+            </a:ext>
+            <a:ext uri="{AF507438-7753-43E0-B8FC-AC1667EBCBE1}">
+              <a14:hiddenEffects xmlns:a14="http://schemas.microsoft.com/office/drawing/2010/main">
+                <a:effectLst>
+                  <a:outerShdw dist="35921" dir="2700000" algn="ctr" rotWithShape="0">
+                    <a:schemeClr val="bg2"/>
+                  </a:outerShdw>
+                </a:effectLst>
+              </a14:hiddenEffects>
+            </a:ext>
+          </a:extLst>
+        </p:spPr>
+        <p:txBody>
+          <a:bodyPr vert="horz" wrap="square" lIns="0" tIns="45720" rIns="91440" bIns="45720" numCol="1" anchor="ctr" anchorCtr="0" compatLnSpc="1">
+            <a:prstTxWarp prst="textNoShape">
+              <a:avLst/>
+            </a:prstTxWarp>
+            <a:spAutoFit/>
+          </a:bodyPr>
+          <a:lstStyle/>
+          <a:p>
+            <a:pPr lvl="0" eaLnBrk="0" fontAlgn="base" hangingPunct="0">
+              <a:spcBef>
+                <a:spcPct val="0"/>
+              </a:spcBef>
+              <a:spcAft>
+                <a:spcPct val="0"/>
+              </a:spcAft>
+            </a:pPr>
+            <a:r>
+              <a:rPr lang="en-US" sz="2400" b="1" dirty="0">
+                <a:solidFill>
+                  <a:schemeClr val="bg1">
+                    <a:lumMod val="50000"/>
+                  </a:schemeClr>
+                </a:solidFill>
+              </a:rPr>
+              <a:t>Step 3: Service logon credentials</a:t>
+            </a:r>
+          </a:p>
+          <a:p>
+            <a:pPr lvl="0" eaLnBrk="0" fontAlgn="base" hangingPunct="0">
+              <a:spcBef>
+                <a:spcPct val="0"/>
+              </a:spcBef>
+              <a:spcAft>
+                <a:spcPct val="0"/>
+              </a:spcAft>
+            </a:pPr>
+            <a:r>
+              <a:rPr lang="en-US" sz="2400" dirty="0">
+                <a:solidFill>
+                  <a:schemeClr val="bg1">
+                    <a:lumMod val="50000"/>
+                  </a:schemeClr>
+                </a:solidFill>
+              </a:rPr>
+              <a:t>When Installing Jenkins, it is recommended to install and run Jenkins as an independent windows service using a </a:t>
+            </a:r>
+            <a:r>
+              <a:rPr lang="en-US" sz="2400" b="1" dirty="0">
+                <a:solidFill>
+                  <a:schemeClr val="bg1">
+                    <a:lumMod val="50000"/>
+                  </a:schemeClr>
+                </a:solidFill>
+              </a:rPr>
+              <a:t>local or domain user</a:t>
+            </a:r>
+            <a:r>
+              <a:rPr lang="en-US" sz="2400" dirty="0">
+                <a:solidFill>
+                  <a:schemeClr val="bg1">
+                    <a:lumMod val="50000"/>
+                  </a:schemeClr>
+                </a:solidFill>
+              </a:rPr>
+              <a:t> as it is much safer than running Jenkins using </a:t>
+            </a:r>
+            <a:r>
+              <a:rPr lang="en-US" sz="2400" b="1" dirty="0" err="1">
+                <a:solidFill>
+                  <a:schemeClr val="bg1">
+                    <a:lumMod val="50000"/>
+                  </a:schemeClr>
+                </a:solidFill>
+              </a:rPr>
+              <a:t>LocalSystem</a:t>
+            </a:r>
+            <a:r>
+              <a:rPr lang="en-US" sz="2400" b="1" dirty="0">
+                <a:solidFill>
+                  <a:schemeClr val="bg1">
+                    <a:lumMod val="50000"/>
+                  </a:schemeClr>
+                </a:solidFill>
+              </a:rPr>
+              <a:t>(Windows equivalent of root)</a:t>
+            </a:r>
+            <a:r>
+              <a:rPr lang="en-US" sz="2400" dirty="0">
+                <a:solidFill>
+                  <a:schemeClr val="bg1">
+                    <a:lumMod val="50000"/>
+                  </a:schemeClr>
+                </a:solidFill>
+              </a:rPr>
+              <a:t> which will grant Jenkins full access to your machine and services.</a:t>
+            </a:r>
+            <a:endParaRPr kumimoji="0" lang="en-US" altLang="en-US" sz="2400" b="0" i="0" u="none" strike="noStrike" cap="none" normalizeH="0" baseline="0" dirty="0">
+              <a:ln>
+                <a:noFill/>
+              </a:ln>
+              <a:solidFill>
+                <a:schemeClr val="bg1">
+                  <a:lumMod val="50000"/>
+                </a:schemeClr>
+              </a:solidFill>
+              <a:effectLst/>
+            </a:endParaRPr>
+          </a:p>
+        </p:txBody>
+      </p:sp>
+      <p:pic>
+        <p:nvPicPr>
+          <p:cNvPr id="4098" name="Picture 2" descr="Jenkins Service Logon Credentials">
+            <a:extLst>
+              <a:ext uri="{FF2B5EF4-FFF2-40B4-BE49-F238E27FC236}">
+                <a16:creationId xmlns:a16="http://schemas.microsoft.com/office/drawing/2014/main" id="{26ADFF6A-9ABD-48DB-96C3-3B64FBFB6C97}"/>
+              </a:ext>
+            </a:extLst>
+          </p:cNvPr>
+          <p:cNvPicPr>
+            <a:picLocks noChangeAspect="1" noChangeArrowheads="1"/>
+          </p:cNvPicPr>
+          <p:nvPr/>
+        </p:nvPicPr>
+        <p:blipFill>
+          <a:blip r:embed="rId2">
+            <a:extLst>
+              <a:ext uri="{28A0092B-C50C-407E-A947-70E740481C1C}">
+                <a14:useLocalDpi xmlns:a14="http://schemas.microsoft.com/office/drawing/2010/main" val="0"/>
+              </a:ext>
+            </a:extLst>
+          </a:blip>
+          <a:srcRect/>
+          <a:stretch>
+            <a:fillRect/>
+          </a:stretch>
+        </p:blipFill>
+        <p:spPr bwMode="auto">
+          <a:xfrm>
+            <a:off x="3143250" y="2119630"/>
+            <a:ext cx="5905500" cy="4610100"/>
+          </a:xfrm>
+          <a:prstGeom prst="rect">
+            <a:avLst/>
+          </a:prstGeom>
+          <a:noFill/>
+          <a:extLst>
+            <a:ext uri="{909E8E84-426E-40DD-AFC4-6F175D3DCCD1}">
+              <a14:hiddenFill xmlns:a14="http://schemas.microsoft.com/office/drawing/2010/main">
+                <a:solidFill>
+                  <a:srgbClr val="FFFFFF"/>
+                </a:solidFill>
+              </a14:hiddenFill>
+            </a:ext>
+          </a:extLst>
+        </p:spPr>
+      </p:pic>
+    </p:spTree>
+    <p:extLst>
+      <p:ext uri="{BB962C8B-B14F-4D97-AF65-F5344CB8AC3E}">
+        <p14:creationId xmlns:p14="http://schemas.microsoft.com/office/powerpoint/2010/main" val="4222703192"/>
+      </p:ext>
+    </p:extLst>
+  </p:cSld>
+  <p:clrMapOvr>
+    <a:masterClrMapping/>
+  </p:clrMapOvr>
+</p:sld>
+</file>
+
+<file path=ppt/slides/slide42.xml><?xml version="1.0" encoding="utf-8"?>
+<p:sld xmlns:a="http://schemas.openxmlformats.org/drawingml/2006/main" xmlns:r="http://schemas.openxmlformats.org/officeDocument/2006/relationships" xmlns:p="http://schemas.openxmlformats.org/presentationml/2006/main">
+  <p:cSld>
+    <p:spTree>
+      <p:nvGrpSpPr>
+        <p:cNvPr id="1" name=""/>
+        <p:cNvGrpSpPr/>
+        <p:nvPr/>
+      </p:nvGrpSpPr>
+      <p:grpSpPr>
+        <a:xfrm>
+          <a:off x="0" y="0"/>
+          <a:ext cx="0" cy="0"/>
+          <a:chOff x="0" y="0"/>
+          <a:chExt cx="0" cy="0"/>
+        </a:xfrm>
+      </p:grpSpPr>
+      <p:sp>
+        <p:nvSpPr>
+          <p:cNvPr id="5" name="Rectangle 3">
+            <a:extLst>
+              <a:ext uri="{FF2B5EF4-FFF2-40B4-BE49-F238E27FC236}">
+                <a16:creationId xmlns:a16="http://schemas.microsoft.com/office/drawing/2014/main" id="{9D41E2E0-92A7-40D3-A3C7-3209AE388461}"/>
+              </a:ext>
+            </a:extLst>
+          </p:cNvPr>
+          <p:cNvSpPr>
+            <a:spLocks noChangeArrowheads="1"/>
+          </p:cNvSpPr>
+          <p:nvPr/>
+        </p:nvSpPr>
+        <p:spPr bwMode="auto">
+          <a:xfrm rot="10800000" flipV="1">
+            <a:off x="132080" y="263071"/>
+            <a:ext cx="11988800" cy="1569660"/>
+          </a:xfrm>
+          <a:prstGeom prst="rect">
+            <a:avLst/>
+          </a:prstGeom>
+          <a:solidFill>
+            <a:srgbClr val="FFFFFF"/>
+          </a:solidFill>
+          <a:ln>
+            <a:noFill/>
+          </a:ln>
+          <a:effectLst/>
+          <a:extLst>
+            <a:ext uri="{91240B29-F687-4F45-9708-019B960494DF}">
+              <a14:hiddenLine xmlns:a14="http://schemas.microsoft.com/office/drawing/2010/main" w="9525">
+                <a:solidFill>
+                  <a:schemeClr val="tx1"/>
+                </a:solidFill>
+                <a:miter lim="800000"/>
+                <a:headEnd/>
+                <a:tailEnd/>
+              </a14:hiddenLine>
+            </a:ext>
+            <a:ext uri="{AF507438-7753-43E0-B8FC-AC1667EBCBE1}">
+              <a14:hiddenEffects xmlns:a14="http://schemas.microsoft.com/office/drawing/2010/main">
+                <a:effectLst>
+                  <a:outerShdw dist="35921" dir="2700000" algn="ctr" rotWithShape="0">
+                    <a:schemeClr val="bg2"/>
+                  </a:outerShdw>
+                </a:effectLst>
+              </a14:hiddenEffects>
+            </a:ext>
+          </a:extLst>
+        </p:spPr>
+        <p:txBody>
+          <a:bodyPr vert="horz" wrap="square" lIns="0" tIns="45720" rIns="91440" bIns="45720" numCol="1" anchor="ctr" anchorCtr="0" compatLnSpc="1">
+            <a:prstTxWarp prst="textNoShape">
+              <a:avLst/>
+            </a:prstTxWarp>
+            <a:spAutoFit/>
+          </a:bodyPr>
+          <a:lstStyle/>
+          <a:p>
+            <a:pPr lvl="0" eaLnBrk="0" fontAlgn="base" hangingPunct="0">
+              <a:spcBef>
+                <a:spcPct val="0"/>
+              </a:spcBef>
+              <a:spcAft>
+                <a:spcPct val="0"/>
+              </a:spcAft>
+            </a:pPr>
+            <a:r>
+              <a:rPr lang="en-US" sz="2400" b="1" dirty="0">
+                <a:solidFill>
+                  <a:schemeClr val="bg1">
+                    <a:lumMod val="50000"/>
+                  </a:schemeClr>
+                </a:solidFill>
+              </a:rPr>
+              <a:t>Step 4: Port selection</a:t>
+            </a:r>
+            <a:endParaRPr lang="en-US" sz="3200" b="1" dirty="0">
+              <a:solidFill>
+                <a:schemeClr val="bg1">
+                  <a:lumMod val="50000"/>
+                </a:schemeClr>
+              </a:solidFill>
+            </a:endParaRPr>
+          </a:p>
+          <a:p>
+            <a:pPr lvl="0" eaLnBrk="0" fontAlgn="base" hangingPunct="0">
+              <a:spcBef>
+                <a:spcPct val="0"/>
+              </a:spcBef>
+              <a:spcAft>
+                <a:spcPct val="0"/>
+              </a:spcAft>
+            </a:pPr>
+            <a:r>
+              <a:rPr lang="en-US" sz="2400" dirty="0">
+                <a:solidFill>
+                  <a:schemeClr val="bg1">
+                    <a:lumMod val="50000"/>
+                  </a:schemeClr>
+                </a:solidFill>
+              </a:rPr>
+              <a:t>Specify the port on which Jenkins will be running, </a:t>
+            </a:r>
+            <a:r>
+              <a:rPr lang="en-US" sz="2400" b="1" dirty="0">
+                <a:solidFill>
+                  <a:schemeClr val="bg1">
+                    <a:lumMod val="50000"/>
+                  </a:schemeClr>
+                </a:solidFill>
+              </a:rPr>
+              <a:t>Test Port</a:t>
+            </a:r>
+            <a:r>
+              <a:rPr lang="en-US" sz="2400" dirty="0">
+                <a:solidFill>
+                  <a:schemeClr val="bg1">
+                    <a:lumMod val="50000"/>
+                  </a:schemeClr>
+                </a:solidFill>
+              </a:rPr>
+              <a:t> button to validate whether the specified port if free on your machine or not. Consequently, if the port is free, it will show a green tick mark as shown below, then click on </a:t>
+            </a:r>
+            <a:r>
+              <a:rPr lang="en-US" sz="2400" b="1" dirty="0">
+                <a:solidFill>
+                  <a:schemeClr val="bg1">
+                    <a:lumMod val="50000"/>
+                  </a:schemeClr>
+                </a:solidFill>
+              </a:rPr>
+              <a:t>Next</a:t>
+            </a:r>
+            <a:r>
+              <a:rPr lang="en-US" sz="2400" dirty="0">
+                <a:solidFill>
+                  <a:schemeClr val="bg1">
+                    <a:lumMod val="50000"/>
+                  </a:schemeClr>
+                </a:solidFill>
+              </a:rPr>
+              <a:t>.</a:t>
+            </a:r>
+            <a:endParaRPr kumimoji="0" lang="en-US" altLang="en-US" sz="3200" b="0" i="0" u="none" strike="noStrike" cap="none" normalizeH="0" baseline="0" dirty="0">
+              <a:ln>
+                <a:noFill/>
+              </a:ln>
+              <a:solidFill>
+                <a:schemeClr val="bg1">
+                  <a:lumMod val="50000"/>
+                </a:schemeClr>
+              </a:solidFill>
+              <a:effectLst/>
+            </a:endParaRPr>
+          </a:p>
+        </p:txBody>
+      </p:sp>
+      <p:pic>
+        <p:nvPicPr>
+          <p:cNvPr id="5122" name="Picture 2" descr="Jenkins Select Port">
+            <a:extLst>
+              <a:ext uri="{FF2B5EF4-FFF2-40B4-BE49-F238E27FC236}">
+                <a16:creationId xmlns:a16="http://schemas.microsoft.com/office/drawing/2014/main" id="{052F71A9-3025-4B51-A0C2-FD3D8045D5EC}"/>
+              </a:ext>
+            </a:extLst>
+          </p:cNvPr>
+          <p:cNvPicPr>
+            <a:picLocks noChangeAspect="1" noChangeArrowheads="1"/>
+          </p:cNvPicPr>
+          <p:nvPr/>
+        </p:nvPicPr>
+        <p:blipFill>
+          <a:blip r:embed="rId2">
+            <a:extLst>
+              <a:ext uri="{28A0092B-C50C-407E-A947-70E740481C1C}">
+                <a14:useLocalDpi xmlns:a14="http://schemas.microsoft.com/office/drawing/2010/main" val="0"/>
+              </a:ext>
+            </a:extLst>
+          </a:blip>
+          <a:srcRect/>
+          <a:stretch>
+            <a:fillRect/>
+          </a:stretch>
+        </p:blipFill>
+        <p:spPr bwMode="auto">
+          <a:xfrm>
+            <a:off x="2397760" y="1930400"/>
+            <a:ext cx="6949440" cy="4897120"/>
+          </a:xfrm>
+          <a:prstGeom prst="rect">
+            <a:avLst/>
+          </a:prstGeom>
+          <a:noFill/>
+          <a:extLst>
+            <a:ext uri="{909E8E84-426E-40DD-AFC4-6F175D3DCCD1}">
+              <a14:hiddenFill xmlns:a14="http://schemas.microsoft.com/office/drawing/2010/main">
+                <a:solidFill>
+                  <a:srgbClr val="FFFFFF"/>
+                </a:solidFill>
+              </a14:hiddenFill>
+            </a:ext>
+          </a:extLst>
+        </p:spPr>
+      </p:pic>
+    </p:spTree>
+    <p:extLst>
+      <p:ext uri="{BB962C8B-B14F-4D97-AF65-F5344CB8AC3E}">
+        <p14:creationId xmlns:p14="http://schemas.microsoft.com/office/powerpoint/2010/main" val="3897211271"/>
+      </p:ext>
+    </p:extLst>
+  </p:cSld>
+  <p:clrMapOvr>
+    <a:masterClrMapping/>
+  </p:clrMapOvr>
+</p:sld>
+</file>
+
+<file path=ppt/slides/slide43.xml><?xml version="1.0" encoding="utf-8"?>
+<p:sld xmlns:a="http://schemas.openxmlformats.org/drawingml/2006/main" xmlns:r="http://schemas.openxmlformats.org/officeDocument/2006/relationships" xmlns:p="http://schemas.openxmlformats.org/presentationml/2006/main">
+  <p:cSld>
+    <p:spTree>
+      <p:nvGrpSpPr>
+        <p:cNvPr id="1" name=""/>
+        <p:cNvGrpSpPr/>
+        <p:nvPr/>
+      </p:nvGrpSpPr>
+      <p:grpSpPr>
+        <a:xfrm>
+          <a:off x="0" y="0"/>
+          <a:ext cx="0" cy="0"/>
+          <a:chOff x="0" y="0"/>
+          <a:chExt cx="0" cy="0"/>
+        </a:xfrm>
+      </p:grpSpPr>
+      <p:sp>
+        <p:nvSpPr>
+          <p:cNvPr id="5" name="Rectangle 3">
+            <a:extLst>
+              <a:ext uri="{FF2B5EF4-FFF2-40B4-BE49-F238E27FC236}">
+                <a16:creationId xmlns:a16="http://schemas.microsoft.com/office/drawing/2014/main" id="{9D41E2E0-92A7-40D3-A3C7-3209AE388461}"/>
+              </a:ext>
+            </a:extLst>
+          </p:cNvPr>
+          <p:cNvSpPr>
+            <a:spLocks noChangeArrowheads="1"/>
+          </p:cNvSpPr>
+          <p:nvPr/>
+        </p:nvSpPr>
+        <p:spPr bwMode="auto">
+          <a:xfrm rot="10800000" flipV="1">
+            <a:off x="132080" y="217629"/>
+            <a:ext cx="11988800" cy="461665"/>
+          </a:xfrm>
+          <a:prstGeom prst="rect">
+            <a:avLst/>
+          </a:prstGeom>
+          <a:solidFill>
+            <a:srgbClr val="FFFFFF"/>
+          </a:solidFill>
+          <a:ln>
+            <a:noFill/>
+          </a:ln>
+          <a:effectLst/>
+          <a:extLst>
+            <a:ext uri="{91240B29-F687-4F45-9708-019B960494DF}">
+              <a14:hiddenLine xmlns:a14="http://schemas.microsoft.com/office/drawing/2010/main" w="9525">
+                <a:solidFill>
+                  <a:schemeClr val="tx1"/>
+                </a:solidFill>
+                <a:miter lim="800000"/>
+                <a:headEnd/>
+                <a:tailEnd/>
+              </a14:hiddenLine>
+            </a:ext>
+            <a:ext uri="{AF507438-7753-43E0-B8FC-AC1667EBCBE1}">
+              <a14:hiddenEffects xmlns:a14="http://schemas.microsoft.com/office/drawing/2010/main">
+                <a:effectLst>
+                  <a:outerShdw dist="35921" dir="2700000" algn="ctr" rotWithShape="0">
+                    <a:schemeClr val="bg2"/>
+                  </a:outerShdw>
+                </a:effectLst>
+              </a14:hiddenEffects>
+            </a:ext>
+          </a:extLst>
+        </p:spPr>
+        <p:txBody>
+          <a:bodyPr vert="horz" wrap="square" lIns="0" tIns="45720" rIns="91440" bIns="45720" numCol="1" anchor="ctr" anchorCtr="0" compatLnSpc="1">
+            <a:prstTxWarp prst="textNoShape">
+              <a:avLst/>
+            </a:prstTxWarp>
+            <a:spAutoFit/>
+          </a:bodyPr>
+          <a:lstStyle/>
+          <a:p>
+            <a:pPr lvl="0" eaLnBrk="0" fontAlgn="base" hangingPunct="0">
+              <a:spcBef>
+                <a:spcPct val="0"/>
+              </a:spcBef>
+              <a:spcAft>
+                <a:spcPct val="0"/>
+              </a:spcAft>
+            </a:pPr>
+            <a:r>
+              <a:rPr lang="en-US" sz="2400" b="1" dirty="0">
+                <a:solidFill>
+                  <a:schemeClr val="bg1">
+                    <a:lumMod val="50000"/>
+                  </a:schemeClr>
+                </a:solidFill>
+              </a:rPr>
+              <a:t>Step 5: Select Java home directory</a:t>
+            </a:r>
+            <a:endParaRPr lang="en-US" sz="4000" b="1" dirty="0">
+              <a:solidFill>
+                <a:schemeClr val="bg1">
+                  <a:lumMod val="50000"/>
+                </a:schemeClr>
+              </a:solidFill>
+            </a:endParaRPr>
+          </a:p>
+        </p:txBody>
+      </p:sp>
+      <p:pic>
+        <p:nvPicPr>
+          <p:cNvPr id="6148" name="Picture 4" descr="Select Java Home Directory">
+            <a:extLst>
+              <a:ext uri="{FF2B5EF4-FFF2-40B4-BE49-F238E27FC236}">
+                <a16:creationId xmlns:a16="http://schemas.microsoft.com/office/drawing/2014/main" id="{CD05133F-B683-4DD8-B705-B815FE14ABB9}"/>
+              </a:ext>
+            </a:extLst>
+          </p:cNvPr>
+          <p:cNvPicPr>
+            <a:picLocks noChangeAspect="1" noChangeArrowheads="1"/>
+          </p:cNvPicPr>
+          <p:nvPr/>
+        </p:nvPicPr>
+        <p:blipFill>
+          <a:blip r:embed="rId2">
+            <a:extLst>
+              <a:ext uri="{28A0092B-C50C-407E-A947-70E740481C1C}">
+                <a14:useLocalDpi xmlns:a14="http://schemas.microsoft.com/office/drawing/2010/main" val="0"/>
+              </a:ext>
+            </a:extLst>
+          </a:blip>
+          <a:srcRect/>
+          <a:stretch>
+            <a:fillRect/>
+          </a:stretch>
+        </p:blipFill>
+        <p:spPr bwMode="auto">
+          <a:xfrm>
+            <a:off x="2428241" y="991870"/>
+            <a:ext cx="6930708" cy="5419164"/>
+          </a:xfrm>
+          <a:prstGeom prst="rect">
+            <a:avLst/>
+          </a:prstGeom>
+          <a:noFill/>
+          <a:extLst>
+            <a:ext uri="{909E8E84-426E-40DD-AFC4-6F175D3DCCD1}">
+              <a14:hiddenFill xmlns:a14="http://schemas.microsoft.com/office/drawing/2010/main">
+                <a:solidFill>
+                  <a:srgbClr val="FFFFFF"/>
+                </a:solidFill>
+              </a14:hiddenFill>
+            </a:ext>
+          </a:extLst>
+        </p:spPr>
+      </p:pic>
+    </p:spTree>
+    <p:extLst>
+      <p:ext uri="{BB962C8B-B14F-4D97-AF65-F5344CB8AC3E}">
+        <p14:creationId xmlns:p14="http://schemas.microsoft.com/office/powerpoint/2010/main" val="1610238090"/>
+      </p:ext>
+    </p:extLst>
+  </p:cSld>
+  <p:clrMapOvr>
+    <a:masterClrMapping/>
+  </p:clrMapOvr>
+</p:sld>
+</file>
+
+<file path=ppt/slides/slide44.xml><?xml version="1.0" encoding="utf-8"?>
+<p:sld xmlns:a="http://schemas.openxmlformats.org/drawingml/2006/main" xmlns:r="http://schemas.openxmlformats.org/officeDocument/2006/relationships" xmlns:p="http://schemas.openxmlformats.org/presentationml/2006/main">
+  <p:cSld>
+    <p:spTree>
+      <p:nvGrpSpPr>
+        <p:cNvPr id="1" name=""/>
+        <p:cNvGrpSpPr/>
+        <p:nvPr/>
+      </p:nvGrpSpPr>
+      <p:grpSpPr>
+        <a:xfrm>
+          <a:off x="0" y="0"/>
+          <a:ext cx="0" cy="0"/>
+          <a:chOff x="0" y="0"/>
+          <a:chExt cx="0" cy="0"/>
+        </a:xfrm>
+      </p:grpSpPr>
+      <p:sp>
+        <p:nvSpPr>
+          <p:cNvPr id="5" name="Rectangle 3">
+            <a:extLst>
+              <a:ext uri="{FF2B5EF4-FFF2-40B4-BE49-F238E27FC236}">
+                <a16:creationId xmlns:a16="http://schemas.microsoft.com/office/drawing/2014/main" id="{9D41E2E0-92A7-40D3-A3C7-3209AE388461}"/>
+              </a:ext>
+            </a:extLst>
+          </p:cNvPr>
+          <p:cNvSpPr>
+            <a:spLocks noChangeArrowheads="1"/>
+          </p:cNvSpPr>
+          <p:nvPr/>
+        </p:nvSpPr>
+        <p:spPr bwMode="auto">
+          <a:xfrm rot="10800000" flipV="1">
+            <a:off x="132080" y="186852"/>
+            <a:ext cx="11988800" cy="523220"/>
+          </a:xfrm>
+          <a:prstGeom prst="rect">
+            <a:avLst/>
+          </a:prstGeom>
+          <a:solidFill>
+            <a:srgbClr val="FFFFFF"/>
+          </a:solidFill>
+          <a:ln>
+            <a:noFill/>
+          </a:ln>
+          <a:effectLst/>
+          <a:extLst>
+            <a:ext uri="{91240B29-F687-4F45-9708-019B960494DF}">
+              <a14:hiddenLine xmlns:a14="http://schemas.microsoft.com/office/drawing/2010/main" w="9525">
+                <a:solidFill>
+                  <a:schemeClr val="tx1"/>
+                </a:solidFill>
+                <a:miter lim="800000"/>
+                <a:headEnd/>
+                <a:tailEnd/>
+              </a14:hiddenLine>
+            </a:ext>
+            <a:ext uri="{AF507438-7753-43E0-B8FC-AC1667EBCBE1}">
+              <a14:hiddenEffects xmlns:a14="http://schemas.microsoft.com/office/drawing/2010/main">
+                <a:effectLst>
+                  <a:outerShdw dist="35921" dir="2700000" algn="ctr" rotWithShape="0">
+                    <a:schemeClr val="bg2"/>
+                  </a:outerShdw>
+                </a:effectLst>
+              </a14:hiddenEffects>
+            </a:ext>
+          </a:extLst>
+        </p:spPr>
+        <p:txBody>
+          <a:bodyPr vert="horz" wrap="square" lIns="0" tIns="45720" rIns="91440" bIns="45720" numCol="1" anchor="ctr" anchorCtr="0" compatLnSpc="1">
+            <a:prstTxWarp prst="textNoShape">
+              <a:avLst/>
+            </a:prstTxWarp>
+            <a:spAutoFit/>
+          </a:bodyPr>
+          <a:lstStyle/>
+          <a:p>
+            <a:pPr lvl="0" eaLnBrk="0" fontAlgn="base" hangingPunct="0">
+              <a:spcBef>
+                <a:spcPct val="0"/>
+              </a:spcBef>
+              <a:spcAft>
+                <a:spcPct val="0"/>
+              </a:spcAft>
+            </a:pPr>
+            <a:r>
+              <a:rPr lang="en-US" sz="2800" b="1" dirty="0">
+                <a:solidFill>
+                  <a:schemeClr val="bg1">
+                    <a:lumMod val="50000"/>
+                  </a:schemeClr>
+                </a:solidFill>
+              </a:rPr>
+              <a:t>Step 6: Install Jenkins</a:t>
+            </a:r>
+            <a:endParaRPr lang="en-US" sz="5400" b="1" dirty="0">
+              <a:solidFill>
+                <a:schemeClr val="bg1">
+                  <a:lumMod val="50000"/>
+                </a:schemeClr>
+              </a:solidFill>
+            </a:endParaRPr>
+          </a:p>
+        </p:txBody>
+      </p:sp>
+      <p:pic>
+        <p:nvPicPr>
+          <p:cNvPr id="7170" name="Picture 2" descr="Windows Install Jenkins">
+            <a:extLst>
+              <a:ext uri="{FF2B5EF4-FFF2-40B4-BE49-F238E27FC236}">
+                <a16:creationId xmlns:a16="http://schemas.microsoft.com/office/drawing/2014/main" id="{BD7FB3E1-3D7E-4C1A-B174-9EABE58D39F9}"/>
+              </a:ext>
+            </a:extLst>
+          </p:cNvPr>
+          <p:cNvPicPr>
+            <a:picLocks noChangeAspect="1" noChangeArrowheads="1"/>
+          </p:cNvPicPr>
+          <p:nvPr/>
+        </p:nvPicPr>
+        <p:blipFill>
+          <a:blip r:embed="rId2">
+            <a:extLst>
+              <a:ext uri="{28A0092B-C50C-407E-A947-70E740481C1C}">
+                <a14:useLocalDpi xmlns:a14="http://schemas.microsoft.com/office/drawing/2010/main" val="0"/>
+              </a:ext>
+            </a:extLst>
+          </a:blip>
+          <a:srcRect/>
+          <a:stretch>
+            <a:fillRect/>
+          </a:stretch>
+        </p:blipFill>
+        <p:spPr bwMode="auto">
+          <a:xfrm>
+            <a:off x="2702560" y="991681"/>
+            <a:ext cx="7215823" cy="5648691"/>
+          </a:xfrm>
+          <a:prstGeom prst="rect">
+            <a:avLst/>
+          </a:prstGeom>
+          <a:noFill/>
+          <a:extLst>
+            <a:ext uri="{909E8E84-426E-40DD-AFC4-6F175D3DCCD1}">
+              <a14:hiddenFill xmlns:a14="http://schemas.microsoft.com/office/drawing/2010/main">
+                <a:solidFill>
+                  <a:srgbClr val="FFFFFF"/>
+                </a:solidFill>
+              </a14:hiddenFill>
+            </a:ext>
+          </a:extLst>
+        </p:spPr>
+      </p:pic>
+    </p:spTree>
+    <p:extLst>
+      <p:ext uri="{BB962C8B-B14F-4D97-AF65-F5344CB8AC3E}">
+        <p14:creationId xmlns:p14="http://schemas.microsoft.com/office/powerpoint/2010/main" val="2003893932"/>
+      </p:ext>
+    </p:extLst>
+  </p:cSld>
+  <p:clrMapOvr>
+    <a:masterClrMapping/>
+  </p:clrMapOvr>
+</p:sld>
+</file>
+
+<file path=ppt/slides/slide45.xml><?xml version="1.0" encoding="utf-8"?>
+<p:sld xmlns:a="http://schemas.openxmlformats.org/drawingml/2006/main" xmlns:r="http://schemas.openxmlformats.org/officeDocument/2006/relationships" xmlns:p="http://schemas.openxmlformats.org/presentationml/2006/main">
+  <p:cSld>
+    <p:spTree>
+      <p:nvGrpSpPr>
+        <p:cNvPr id="1" name=""/>
+        <p:cNvGrpSpPr/>
+        <p:nvPr/>
+      </p:nvGrpSpPr>
+      <p:grpSpPr>
+        <a:xfrm>
+          <a:off x="0" y="0"/>
+          <a:ext cx="0" cy="0"/>
+          <a:chOff x="0" y="0"/>
+          <a:chExt cx="0" cy="0"/>
+        </a:xfrm>
+      </p:grpSpPr>
+      <p:sp>
+        <p:nvSpPr>
+          <p:cNvPr id="5" name="Rectangle 3">
+            <a:extLst>
+              <a:ext uri="{FF2B5EF4-FFF2-40B4-BE49-F238E27FC236}">
+                <a16:creationId xmlns:a16="http://schemas.microsoft.com/office/drawing/2014/main" id="{9D41E2E0-92A7-40D3-A3C7-3209AE388461}"/>
+              </a:ext>
+            </a:extLst>
+          </p:cNvPr>
+          <p:cNvSpPr>
+            <a:spLocks noChangeArrowheads="1"/>
+          </p:cNvSpPr>
+          <p:nvPr/>
+        </p:nvSpPr>
+        <p:spPr bwMode="auto">
+          <a:xfrm rot="10800000" flipV="1">
+            <a:off x="132080" y="217630"/>
+            <a:ext cx="11988800" cy="461665"/>
+          </a:xfrm>
+          <a:prstGeom prst="rect">
+            <a:avLst/>
+          </a:prstGeom>
+          <a:solidFill>
+            <a:srgbClr val="FFFFFF"/>
+          </a:solidFill>
+          <a:ln>
+            <a:noFill/>
+          </a:ln>
+          <a:effectLst/>
+          <a:extLst>
+            <a:ext uri="{91240B29-F687-4F45-9708-019B960494DF}">
+              <a14:hiddenLine xmlns:a14="http://schemas.microsoft.com/office/drawing/2010/main" w="9525">
+                <a:solidFill>
+                  <a:schemeClr val="tx1"/>
+                </a:solidFill>
+                <a:miter lim="800000"/>
+                <a:headEnd/>
+                <a:tailEnd/>
+              </a14:hiddenLine>
+            </a:ext>
+            <a:ext uri="{AF507438-7753-43E0-B8FC-AC1667EBCBE1}">
+              <a14:hiddenEffects xmlns:a14="http://schemas.microsoft.com/office/drawing/2010/main">
+                <a:effectLst>
+                  <a:outerShdw dist="35921" dir="2700000" algn="ctr" rotWithShape="0">
+                    <a:schemeClr val="bg2"/>
+                  </a:outerShdw>
+                </a:effectLst>
+              </a14:hiddenEffects>
+            </a:ext>
+          </a:extLst>
+        </p:spPr>
+        <p:txBody>
+          <a:bodyPr vert="horz" wrap="square" lIns="0" tIns="45720" rIns="91440" bIns="45720" numCol="1" anchor="ctr" anchorCtr="0" compatLnSpc="1">
+            <a:prstTxWarp prst="textNoShape">
+              <a:avLst/>
+            </a:prstTxWarp>
+            <a:spAutoFit/>
+          </a:bodyPr>
+          <a:lstStyle/>
+          <a:p>
+            <a:pPr algn="ctr" eaLnBrk="0" fontAlgn="base" hangingPunct="0">
+              <a:spcBef>
+                <a:spcPct val="0"/>
+              </a:spcBef>
+              <a:spcAft>
+                <a:spcPct val="0"/>
+              </a:spcAft>
+            </a:pPr>
+            <a:r>
+              <a:rPr lang="en-US" sz="2400" b="1" dirty="0">
+                <a:solidFill>
+                  <a:schemeClr val="bg1">
+                    <a:lumMod val="50000"/>
+                  </a:schemeClr>
+                </a:solidFill>
+              </a:rPr>
+              <a:t>Post-installation setup wizard</a:t>
+            </a:r>
+          </a:p>
+        </p:txBody>
+      </p:sp>
+      <p:sp>
+        <p:nvSpPr>
+          <p:cNvPr id="3" name="TextBox 2">
+            <a:extLst>
+              <a:ext uri="{FF2B5EF4-FFF2-40B4-BE49-F238E27FC236}">
+                <a16:creationId xmlns:a16="http://schemas.microsoft.com/office/drawing/2014/main" id="{7FF2C822-979F-47FC-8EB1-5B5108CE277A}"/>
+              </a:ext>
+            </a:extLst>
+          </p:cNvPr>
+          <p:cNvSpPr txBox="1"/>
+          <p:nvPr/>
+        </p:nvSpPr>
+        <p:spPr>
+          <a:xfrm>
+            <a:off x="284480" y="1087120"/>
+            <a:ext cx="11531600" cy="1077218"/>
+          </a:xfrm>
+          <a:prstGeom prst="rect">
+            <a:avLst/>
+          </a:prstGeom>
+          <a:noFill/>
+        </p:spPr>
+        <p:txBody>
+          <a:bodyPr wrap="square" rtlCol="0">
+            <a:spAutoFit/>
+          </a:bodyPr>
+          <a:lstStyle/>
+          <a:p>
+            <a:r>
+              <a:rPr lang="en-US" sz="2400" b="1" dirty="0">
+                <a:solidFill>
+                  <a:schemeClr val="bg1">
+                    <a:lumMod val="50000"/>
+                  </a:schemeClr>
+                </a:solidFill>
+              </a:rPr>
+              <a:t>Unlocking Jenkins</a:t>
+            </a:r>
+          </a:p>
+          <a:p>
+            <a:r>
+              <a:rPr lang="en-US" sz="2000" dirty="0">
+                <a:solidFill>
+                  <a:schemeClr val="bg1">
+                    <a:lumMod val="50000"/>
+                  </a:schemeClr>
+                </a:solidFill>
+              </a:rPr>
+              <a:t>When you first access a new Jenkins instance, you are asked to unlock it using an automatically-generated password</a:t>
+            </a:r>
+            <a:endParaRPr lang="en-US" sz="2800" b="1" dirty="0">
+              <a:solidFill>
+                <a:schemeClr val="bg1">
+                  <a:lumMod val="50000"/>
+                </a:schemeClr>
+              </a:solidFill>
+            </a:endParaRPr>
+          </a:p>
+        </p:txBody>
+      </p:sp>
+      <p:sp>
+        <p:nvSpPr>
+          <p:cNvPr id="9" name="TextBox 8">
+            <a:extLst>
+              <a:ext uri="{FF2B5EF4-FFF2-40B4-BE49-F238E27FC236}">
+                <a16:creationId xmlns:a16="http://schemas.microsoft.com/office/drawing/2014/main" id="{A0841347-6E94-479B-83C2-30D379A6ED01}"/>
+              </a:ext>
+            </a:extLst>
+          </p:cNvPr>
+          <p:cNvSpPr txBox="1"/>
+          <p:nvPr/>
+        </p:nvSpPr>
+        <p:spPr>
+          <a:xfrm>
+            <a:off x="284480" y="2336800"/>
+            <a:ext cx="11531600" cy="1077218"/>
+          </a:xfrm>
+          <a:prstGeom prst="rect">
+            <a:avLst/>
+          </a:prstGeom>
+          <a:noFill/>
+        </p:spPr>
+        <p:txBody>
+          <a:bodyPr wrap="square" rtlCol="0">
+            <a:spAutoFit/>
+          </a:bodyPr>
+          <a:lstStyle/>
+          <a:p>
+            <a:r>
+              <a:rPr lang="en-US" sz="2400" b="1" dirty="0">
+                <a:solidFill>
+                  <a:schemeClr val="bg1">
+                    <a:lumMod val="50000"/>
+                  </a:schemeClr>
+                </a:solidFill>
+              </a:rPr>
+              <a:t>Step 1</a:t>
+            </a:r>
+          </a:p>
+          <a:p>
+            <a:r>
+              <a:rPr lang="en-US" sz="2000" dirty="0">
+                <a:solidFill>
+                  <a:schemeClr val="bg1">
+                    <a:lumMod val="50000"/>
+                  </a:schemeClr>
+                </a:solidFill>
+              </a:rPr>
+              <a:t>Browse to </a:t>
+            </a:r>
+            <a:r>
+              <a:rPr lang="en-US" sz="2000" b="1" dirty="0">
+                <a:solidFill>
+                  <a:schemeClr val="bg1">
+                    <a:lumMod val="50000"/>
+                  </a:schemeClr>
+                </a:solidFill>
+              </a:rPr>
+              <a:t>http://localhost:8080</a:t>
+            </a:r>
+            <a:r>
+              <a:rPr lang="en-US" sz="2000" dirty="0">
+                <a:solidFill>
+                  <a:schemeClr val="bg1">
+                    <a:lumMod val="50000"/>
+                  </a:schemeClr>
+                </a:solidFill>
+              </a:rPr>
+              <a:t> (or whichever port you configured for Jenkins when installing it) and wait until the Unlock Jenkins page appears.</a:t>
+            </a:r>
+            <a:endParaRPr lang="en-US" sz="2400" dirty="0">
+              <a:solidFill>
+                <a:schemeClr val="bg1">
+                  <a:lumMod val="50000"/>
+                </a:schemeClr>
+              </a:solidFill>
+            </a:endParaRPr>
+          </a:p>
+        </p:txBody>
+      </p:sp>
+    </p:spTree>
+    <p:extLst>
+      <p:ext uri="{BB962C8B-B14F-4D97-AF65-F5344CB8AC3E}">
+        <p14:creationId xmlns:p14="http://schemas.microsoft.com/office/powerpoint/2010/main" val="3163466620"/>
+      </p:ext>
+    </p:extLst>
+  </p:cSld>
+  <p:clrMapOvr>
+    <a:masterClrMapping/>
+  </p:clrMapOvr>
+</p:sld>
+</file>
+
+<file path=ppt/slides/slide46.xml><?xml version="1.0" encoding="utf-8"?>
+<p:sld xmlns:a="http://schemas.openxmlformats.org/drawingml/2006/main" xmlns:r="http://schemas.openxmlformats.org/officeDocument/2006/relationships" xmlns:p="http://schemas.openxmlformats.org/presentationml/2006/main">
+  <p:cSld>
+    <p:spTree>
+      <p:nvGrpSpPr>
+        <p:cNvPr id="1" name=""/>
+        <p:cNvGrpSpPr/>
+        <p:nvPr/>
+      </p:nvGrpSpPr>
+      <p:grpSpPr>
+        <a:xfrm>
+          <a:off x="0" y="0"/>
+          <a:ext cx="0" cy="0"/>
+          <a:chOff x="0" y="0"/>
+          <a:chExt cx="0" cy="0"/>
+        </a:xfrm>
+      </p:grpSpPr>
+      <p:pic>
+        <p:nvPicPr>
+          <p:cNvPr id="9218" name="Picture 2" descr="Unlock Jenkins page">
+            <a:extLst>
+              <a:ext uri="{FF2B5EF4-FFF2-40B4-BE49-F238E27FC236}">
+                <a16:creationId xmlns:a16="http://schemas.microsoft.com/office/drawing/2014/main" id="{D1C3AF75-C7F9-4717-B78B-56D59685A5D7}"/>
+              </a:ext>
+            </a:extLst>
+          </p:cNvPr>
+          <p:cNvPicPr>
+            <a:picLocks noChangeAspect="1" noChangeArrowheads="1"/>
+          </p:cNvPicPr>
+          <p:nvPr/>
+        </p:nvPicPr>
+        <p:blipFill>
+          <a:blip r:embed="rId2">
+            <a:extLst>
+              <a:ext uri="{28A0092B-C50C-407E-A947-70E740481C1C}">
+                <a14:useLocalDpi xmlns:a14="http://schemas.microsoft.com/office/drawing/2010/main" val="0"/>
+              </a:ext>
+            </a:extLst>
+          </a:blip>
+          <a:srcRect/>
+          <a:stretch>
+            <a:fillRect/>
+          </a:stretch>
+        </p:blipFill>
+        <p:spPr bwMode="auto">
+          <a:xfrm>
+            <a:off x="1757680" y="283969"/>
+            <a:ext cx="9098280" cy="6290061"/>
+          </a:xfrm>
+          <a:prstGeom prst="rect">
+            <a:avLst/>
+          </a:prstGeom>
+          <a:noFill/>
+          <a:extLst>
+            <a:ext uri="{909E8E84-426E-40DD-AFC4-6F175D3DCCD1}">
+              <a14:hiddenFill xmlns:a14="http://schemas.microsoft.com/office/drawing/2010/main">
+                <a:solidFill>
+                  <a:srgbClr val="FFFFFF"/>
+                </a:solidFill>
+              </a14:hiddenFill>
+            </a:ext>
+          </a:extLst>
+        </p:spPr>
+      </p:pic>
+    </p:spTree>
+    <p:extLst>
+      <p:ext uri="{BB962C8B-B14F-4D97-AF65-F5344CB8AC3E}">
+        <p14:creationId xmlns:p14="http://schemas.microsoft.com/office/powerpoint/2010/main" val="3742893982"/>
+      </p:ext>
+    </p:extLst>
+  </p:cSld>
+  <p:clrMapOvr>
+    <a:masterClrMapping/>
+  </p:clrMapOvr>
+</p:sld>
+</file>
+
+<file path=ppt/slides/slide47.xml><?xml version="1.0" encoding="utf-8"?>
+<p:sld xmlns:a="http://schemas.openxmlformats.org/drawingml/2006/main" xmlns:r="http://schemas.openxmlformats.org/officeDocument/2006/relationships" xmlns:p="http://schemas.openxmlformats.org/presentationml/2006/main">
+  <p:cSld>
+    <p:spTree>
+      <p:nvGrpSpPr>
+        <p:cNvPr id="1" name=""/>
+        <p:cNvGrpSpPr/>
+        <p:nvPr/>
+      </p:nvGrpSpPr>
+      <p:grpSpPr>
+        <a:xfrm>
+          <a:off x="0" y="0"/>
+          <a:ext cx="0" cy="0"/>
+          <a:chOff x="0" y="0"/>
+          <a:chExt cx="0" cy="0"/>
+        </a:xfrm>
+      </p:grpSpPr>
+      <p:sp>
+        <p:nvSpPr>
+          <p:cNvPr id="3" name="Rectangle 2">
+            <a:extLst>
+              <a:ext uri="{FF2B5EF4-FFF2-40B4-BE49-F238E27FC236}">
+                <a16:creationId xmlns:a16="http://schemas.microsoft.com/office/drawing/2014/main" id="{B8B76E27-072D-40D6-BC70-CC6115E6DFBA}"/>
+              </a:ext>
+            </a:extLst>
+          </p:cNvPr>
+          <p:cNvSpPr>
+            <a:spLocks noChangeArrowheads="1"/>
+          </p:cNvSpPr>
+          <p:nvPr/>
+        </p:nvSpPr>
+        <p:spPr bwMode="auto">
+          <a:xfrm rot="10800000" flipV="1">
+            <a:off x="314960" y="764381"/>
+            <a:ext cx="11572240" cy="3185487"/>
+          </a:xfrm>
+          <a:prstGeom prst="rect">
+            <a:avLst/>
+          </a:prstGeom>
+          <a:solidFill>
+            <a:srgbClr val="FFFFFF"/>
+          </a:solidFill>
+          <a:ln>
+            <a:noFill/>
+          </a:ln>
+          <a:effectLst/>
+          <a:extLst>
+            <a:ext uri="{91240B29-F687-4F45-9708-019B960494DF}">
+              <a14:hiddenLine xmlns:a14="http://schemas.microsoft.com/office/drawing/2010/main" w="9525">
+                <a:solidFill>
+                  <a:schemeClr val="tx1"/>
+                </a:solidFill>
+                <a:miter lim="800000"/>
+                <a:headEnd/>
+                <a:tailEnd/>
+              </a14:hiddenLine>
+            </a:ext>
+            <a:ext uri="{AF507438-7753-43E0-B8FC-AC1667EBCBE1}">
+              <a14:hiddenEffects xmlns:a14="http://schemas.microsoft.com/office/drawing/2010/main">
+                <a:effectLst>
+                  <a:outerShdw dist="35921" dir="2700000" algn="ctr" rotWithShape="0">
+                    <a:schemeClr val="bg2"/>
+                  </a:outerShdw>
+                </a:effectLst>
+              </a14:hiddenEffects>
+            </a:ext>
+          </a:extLst>
+        </p:spPr>
+        <p:txBody>
+          <a:bodyPr vert="horz" wrap="square" lIns="0" tIns="0" rIns="91440" bIns="45720" numCol="1" anchor="ctr" anchorCtr="0" compatLnSpc="1">
+            <a:prstTxWarp prst="textNoShape">
+              <a:avLst/>
+            </a:prstTxWarp>
+            <a:spAutoFit/>
+          </a:bodyPr>
+          <a:lstStyle>
+            <a:lvl1pPr eaLnBrk="0" fontAlgn="base" hangingPunct="0">
+              <a:spcBef>
+                <a:spcPct val="0"/>
+              </a:spcBef>
+              <a:spcAft>
+                <a:spcPct val="0"/>
+              </a:spcAft>
+              <a:defRPr>
+                <a:solidFill>
+                  <a:schemeClr val="tx1"/>
+                </a:solidFill>
+                <a:latin typeface="Arial" panose="020B0604020202020204" pitchFamily="34" charset="0"/>
+              </a:defRPr>
+            </a:lvl1pPr>
+            <a:lvl2pPr eaLnBrk="0" fontAlgn="base" hangingPunct="0">
+              <a:spcBef>
+                <a:spcPct val="0"/>
+              </a:spcBef>
+              <a:spcAft>
+                <a:spcPct val="0"/>
+              </a:spcAft>
+              <a:defRPr>
+                <a:solidFill>
+                  <a:schemeClr val="tx1"/>
+                </a:solidFill>
+                <a:latin typeface="Arial" panose="020B0604020202020204" pitchFamily="34" charset="0"/>
+              </a:defRPr>
+            </a:lvl2pPr>
+            <a:lvl3pPr eaLnBrk="0" fontAlgn="base" hangingPunct="0">
+              <a:spcBef>
+                <a:spcPct val="0"/>
+              </a:spcBef>
+              <a:spcAft>
+                <a:spcPct val="0"/>
+              </a:spcAft>
+              <a:defRPr>
+                <a:solidFill>
+                  <a:schemeClr val="tx1"/>
+                </a:solidFill>
+                <a:latin typeface="Arial" panose="020B0604020202020204" pitchFamily="34" charset="0"/>
+              </a:defRPr>
+            </a:lvl3pPr>
+            <a:lvl4pPr eaLnBrk="0" fontAlgn="base" hangingPunct="0">
+              <a:spcBef>
+                <a:spcPct val="0"/>
+              </a:spcBef>
+              <a:spcAft>
+                <a:spcPct val="0"/>
+              </a:spcAft>
+              <a:defRPr>
+                <a:solidFill>
+                  <a:schemeClr val="tx1"/>
+                </a:solidFill>
+                <a:latin typeface="Arial" panose="020B0604020202020204" pitchFamily="34" charset="0"/>
+              </a:defRPr>
+            </a:lvl4pPr>
+            <a:lvl5pPr eaLnBrk="0" fontAlgn="base" hangingPunct="0">
+              <a:spcBef>
+                <a:spcPct val="0"/>
+              </a:spcBef>
+              <a:spcAft>
+                <a:spcPct val="0"/>
+              </a:spcAft>
+              <a:defRPr>
+                <a:solidFill>
+                  <a:schemeClr val="tx1"/>
+                </a:solidFill>
+                <a:latin typeface="Arial" panose="020B0604020202020204" pitchFamily="34" charset="0"/>
+              </a:defRPr>
+            </a:lvl5pPr>
+            <a:lvl6pPr eaLnBrk="0" fontAlgn="base" hangingPunct="0">
+              <a:spcBef>
+                <a:spcPct val="0"/>
+              </a:spcBef>
+              <a:spcAft>
+                <a:spcPct val="0"/>
+              </a:spcAft>
+              <a:defRPr>
+                <a:solidFill>
+                  <a:schemeClr val="tx1"/>
+                </a:solidFill>
+                <a:latin typeface="Arial" panose="020B0604020202020204" pitchFamily="34" charset="0"/>
+              </a:defRPr>
+            </a:lvl6pPr>
+            <a:lvl7pPr eaLnBrk="0" fontAlgn="base" hangingPunct="0">
+              <a:spcBef>
+                <a:spcPct val="0"/>
+              </a:spcBef>
+              <a:spcAft>
+                <a:spcPct val="0"/>
+              </a:spcAft>
+              <a:defRPr>
+                <a:solidFill>
+                  <a:schemeClr val="tx1"/>
+                </a:solidFill>
+                <a:latin typeface="Arial" panose="020B0604020202020204" pitchFamily="34" charset="0"/>
+              </a:defRPr>
+            </a:lvl7pPr>
+            <a:lvl8pPr eaLnBrk="0" fontAlgn="base" hangingPunct="0">
+              <a:spcBef>
+                <a:spcPct val="0"/>
+              </a:spcBef>
+              <a:spcAft>
+                <a:spcPct val="0"/>
+              </a:spcAft>
+              <a:defRPr>
+                <a:solidFill>
+                  <a:schemeClr val="tx1"/>
+                </a:solidFill>
+                <a:latin typeface="Arial" panose="020B0604020202020204" pitchFamily="34" charset="0"/>
+              </a:defRPr>
+            </a:lvl8pPr>
+            <a:lvl9pPr eaLnBrk="0" fontAlgn="base" hangingPunct="0">
+              <a:spcBef>
+                <a:spcPct val="0"/>
+              </a:spcBef>
+              <a:spcAft>
+                <a:spcPct val="0"/>
+              </a:spcAft>
+              <a:defRPr>
+                <a:solidFill>
+                  <a:schemeClr val="tx1"/>
+                </a:solidFill>
+                <a:latin typeface="Arial" panose="020B0604020202020204" pitchFamily="34" charset="0"/>
+              </a:defRPr>
+            </a:lvl9pPr>
+          </a:lstStyle>
+          <a:p>
+            <a:pPr marL="0" marR="0" lvl="0" indent="0" algn="l" defTabSz="914400" rtl="0" eaLnBrk="0" fontAlgn="base" latinLnBrk="0" hangingPunct="0">
+              <a:lnSpc>
+                <a:spcPct val="100000"/>
+              </a:lnSpc>
+              <a:spcBef>
+                <a:spcPct val="0"/>
+              </a:spcBef>
+              <a:spcAft>
+                <a:spcPct val="0"/>
+              </a:spcAft>
+              <a:buClrTx/>
+              <a:buSzTx/>
+              <a:buFontTx/>
+              <a:buNone/>
+              <a:tabLst/>
+            </a:pPr>
+            <a:r>
+              <a:rPr kumimoji="0" lang="en-US" altLang="en-US" sz="2400" b="1" i="0" u="none" strike="noStrike" cap="none" normalizeH="0" baseline="0" dirty="0">
+                <a:ln>
+                  <a:noFill/>
+                </a:ln>
+                <a:solidFill>
+                  <a:schemeClr val="bg1">
+                    <a:lumMod val="50000"/>
+                  </a:schemeClr>
+                </a:solidFill>
+                <a:effectLst/>
+                <a:latin typeface="+mn-lt"/>
+              </a:rPr>
+              <a:t>Step 2: Find Initial Password</a:t>
+            </a:r>
+          </a:p>
+          <a:p>
+            <a:pPr marL="457200" marR="0" lvl="1" indent="-457200" algn="l" defTabSz="914400" rtl="0" eaLnBrk="0" fontAlgn="base" latinLnBrk="0" hangingPunct="0">
+              <a:lnSpc>
+                <a:spcPct val="100000"/>
+              </a:lnSpc>
+              <a:spcBef>
+                <a:spcPct val="0"/>
+              </a:spcBef>
+              <a:spcAft>
+                <a:spcPct val="0"/>
+              </a:spcAft>
+              <a:buClrTx/>
+              <a:buSzTx/>
+              <a:buFontTx/>
+              <a:buNone/>
+              <a:tabLst/>
+            </a:pPr>
+            <a:r>
+              <a:rPr kumimoji="0" lang="en-US" altLang="en-US" sz="2000" b="0" i="0" u="none" strike="noStrike" cap="none" normalizeH="0" baseline="0" dirty="0">
+                <a:ln>
+                  <a:noFill/>
+                </a:ln>
+                <a:solidFill>
+                  <a:schemeClr val="bg1">
+                    <a:lumMod val="50000"/>
+                  </a:schemeClr>
+                </a:solidFill>
+                <a:effectLst/>
+                <a:latin typeface="+mn-lt"/>
+              </a:rPr>
+              <a:t>	</a:t>
+            </a:r>
+          </a:p>
+          <a:p>
+            <a:pPr marL="457200" marR="0" lvl="1" indent="-457200" algn="l" defTabSz="914400" rtl="0" eaLnBrk="0" fontAlgn="base" latinLnBrk="0" hangingPunct="0">
+              <a:lnSpc>
+                <a:spcPct val="100000"/>
+              </a:lnSpc>
+              <a:spcBef>
+                <a:spcPct val="0"/>
+              </a:spcBef>
+              <a:spcAft>
+                <a:spcPct val="0"/>
+              </a:spcAft>
+              <a:buClrTx/>
+              <a:buSzTx/>
+              <a:buFontTx/>
+              <a:buNone/>
+              <a:tabLst/>
+            </a:pPr>
+            <a:r>
+              <a:rPr kumimoji="0" lang="en-US" altLang="en-US" sz="2000" b="0" i="0" u="none" strike="noStrike" cap="none" normalizeH="0" baseline="0" dirty="0">
+                <a:ln>
+                  <a:noFill/>
+                </a:ln>
+                <a:solidFill>
+                  <a:schemeClr val="bg1">
+                    <a:lumMod val="50000"/>
+                  </a:schemeClr>
+                </a:solidFill>
+                <a:effectLst/>
+                <a:latin typeface="+mn-lt"/>
+              </a:rPr>
+              <a:t>	The initial Administrator password should be found under the Jenkins installation path (set at Step 2 in Jenkins Installation).</a:t>
+            </a:r>
+          </a:p>
+          <a:p>
+            <a:pPr marL="457200" marR="0" lvl="1" indent="-457200" algn="l" defTabSz="914400" rtl="0" eaLnBrk="0" fontAlgn="base" latinLnBrk="0" hangingPunct="0">
+              <a:lnSpc>
+                <a:spcPct val="100000"/>
+              </a:lnSpc>
+              <a:spcBef>
+                <a:spcPct val="0"/>
+              </a:spcBef>
+              <a:spcAft>
+                <a:spcPct val="0"/>
+              </a:spcAft>
+              <a:buClrTx/>
+              <a:buSzTx/>
+              <a:buFontTx/>
+              <a:buNone/>
+              <a:tabLst/>
+            </a:pPr>
+            <a:endParaRPr lang="en-US" altLang="en-US" sz="2000" dirty="0">
+              <a:solidFill>
+                <a:schemeClr val="bg1">
+                  <a:lumMod val="50000"/>
+                </a:schemeClr>
+              </a:solidFill>
+              <a:latin typeface="+mn-lt"/>
+            </a:endParaRPr>
+          </a:p>
+          <a:p>
+            <a:pPr marL="457200" marR="0" lvl="1" indent="-457200" algn="l" defTabSz="914400" rtl="0" eaLnBrk="0" fontAlgn="base" latinLnBrk="0" hangingPunct="0">
+              <a:lnSpc>
+                <a:spcPct val="100000"/>
+              </a:lnSpc>
+              <a:spcBef>
+                <a:spcPct val="0"/>
+              </a:spcBef>
+              <a:spcAft>
+                <a:spcPct val="0"/>
+              </a:spcAft>
+              <a:buClrTx/>
+              <a:buSzTx/>
+              <a:buFontTx/>
+              <a:buNone/>
+              <a:tabLst/>
+            </a:pPr>
+            <a:r>
+              <a:rPr kumimoji="0" lang="en-US" altLang="en-US" sz="2000" b="0" i="0" u="none" strike="noStrike" cap="none" normalizeH="0" baseline="0" dirty="0">
+                <a:ln>
+                  <a:noFill/>
+                </a:ln>
+                <a:solidFill>
+                  <a:schemeClr val="bg1">
+                    <a:lumMod val="50000"/>
+                  </a:schemeClr>
+                </a:solidFill>
+                <a:effectLst/>
+                <a:latin typeface="+mn-lt"/>
+              </a:rPr>
+              <a:t>	For default installation location to C:\Program Files\Jenkins, a file called </a:t>
+            </a:r>
+            <a:r>
+              <a:rPr kumimoji="0" lang="en-US" altLang="en-US" sz="2000" b="1" i="0" u="none" strike="noStrike" cap="none" normalizeH="0" baseline="0" dirty="0" err="1">
+                <a:ln>
+                  <a:noFill/>
+                </a:ln>
+                <a:solidFill>
+                  <a:schemeClr val="bg1">
+                    <a:lumMod val="50000"/>
+                  </a:schemeClr>
+                </a:solidFill>
+                <a:effectLst/>
+                <a:latin typeface="+mn-lt"/>
+              </a:rPr>
+              <a:t>initialAdminPassword</a:t>
+            </a:r>
+            <a:r>
+              <a:rPr kumimoji="0" lang="en-US" altLang="en-US" sz="2000" b="0" i="0" u="none" strike="noStrike" cap="none" normalizeH="0" baseline="0" dirty="0">
+                <a:ln>
+                  <a:noFill/>
+                </a:ln>
+                <a:solidFill>
+                  <a:schemeClr val="bg1">
+                    <a:lumMod val="50000"/>
+                  </a:schemeClr>
+                </a:solidFill>
+                <a:effectLst/>
+                <a:latin typeface="+mn-lt"/>
+              </a:rPr>
+              <a:t> can be found under C:\Program Files\Jenkins\secrets.</a:t>
+            </a:r>
+            <a:endParaRPr lang="en-US" altLang="en-US" dirty="0">
+              <a:solidFill>
+                <a:schemeClr val="bg1">
+                  <a:lumMod val="50000"/>
+                </a:schemeClr>
+              </a:solidFill>
+              <a:latin typeface="+mn-lt"/>
+            </a:endParaRPr>
+          </a:p>
+          <a:p>
+            <a:pPr marL="457200" marR="0" lvl="1" indent="-457200" algn="l" defTabSz="914400" rtl="0" eaLnBrk="0" fontAlgn="base" latinLnBrk="0" hangingPunct="0">
+              <a:lnSpc>
+                <a:spcPct val="100000"/>
+              </a:lnSpc>
+              <a:spcBef>
+                <a:spcPct val="0"/>
+              </a:spcBef>
+              <a:spcAft>
+                <a:spcPct val="0"/>
+              </a:spcAft>
+              <a:buClrTx/>
+              <a:buSzTx/>
+              <a:buFontTx/>
+              <a:buNone/>
+              <a:tabLst/>
+            </a:pPr>
+            <a:endParaRPr lang="en-US" altLang="en-US" sz="2000" dirty="0">
+              <a:solidFill>
+                <a:schemeClr val="bg1">
+                  <a:lumMod val="50000"/>
+                </a:schemeClr>
+              </a:solidFill>
+              <a:latin typeface="+mn-lt"/>
+            </a:endParaRPr>
+          </a:p>
+          <a:p>
+            <a:pPr marL="457200" marR="0" lvl="1" indent="-457200" algn="l" defTabSz="914400" rtl="0" eaLnBrk="0" fontAlgn="base" latinLnBrk="0" hangingPunct="0">
+              <a:lnSpc>
+                <a:spcPct val="100000"/>
+              </a:lnSpc>
+              <a:spcBef>
+                <a:spcPct val="0"/>
+              </a:spcBef>
+              <a:spcAft>
+                <a:spcPct val="0"/>
+              </a:spcAft>
+              <a:buClrTx/>
+              <a:buSzTx/>
+              <a:buFontTx/>
+              <a:buNone/>
+              <a:tabLst/>
+            </a:pPr>
+            <a:r>
+              <a:rPr lang="en-US" altLang="en-US" sz="2000" dirty="0">
+                <a:solidFill>
+                  <a:schemeClr val="bg1">
+                    <a:lumMod val="50000"/>
+                  </a:schemeClr>
+                </a:solidFill>
+                <a:latin typeface="+mn-lt"/>
+              </a:rPr>
+              <a:t>	However, If a custom path for Jenkins installation was selected, then you should check that location for </a:t>
+            </a:r>
+            <a:r>
+              <a:rPr lang="en-US" altLang="en-US" sz="2000" dirty="0" err="1">
+                <a:solidFill>
+                  <a:schemeClr val="bg1">
+                    <a:lumMod val="50000"/>
+                  </a:schemeClr>
+                </a:solidFill>
+                <a:latin typeface="+mn-lt"/>
+              </a:rPr>
+              <a:t>initialAdminPassword</a:t>
+            </a:r>
+            <a:r>
+              <a:rPr lang="en-US" altLang="en-US" sz="2000" dirty="0">
+                <a:solidFill>
+                  <a:schemeClr val="bg1">
+                    <a:lumMod val="50000"/>
+                  </a:schemeClr>
+                </a:solidFill>
+                <a:latin typeface="+mn-lt"/>
+              </a:rPr>
+              <a:t> file.</a:t>
+            </a:r>
+          </a:p>
+        </p:txBody>
+      </p:sp>
+      <p:sp>
+        <p:nvSpPr>
+          <p:cNvPr id="4" name="Rectangle 3">
+            <a:extLst>
+              <a:ext uri="{FF2B5EF4-FFF2-40B4-BE49-F238E27FC236}">
+                <a16:creationId xmlns:a16="http://schemas.microsoft.com/office/drawing/2014/main" id="{3536E6BE-0F0B-4F8C-8465-BF61402390B9}"/>
+              </a:ext>
+            </a:extLst>
+          </p:cNvPr>
+          <p:cNvSpPr>
+            <a:spLocks noChangeArrowheads="1"/>
+          </p:cNvSpPr>
+          <p:nvPr/>
+        </p:nvSpPr>
+        <p:spPr bwMode="auto">
+          <a:xfrm rot="10800000" flipV="1">
+            <a:off x="132080" y="217630"/>
+            <a:ext cx="11988800" cy="461665"/>
+          </a:xfrm>
+          <a:prstGeom prst="rect">
+            <a:avLst/>
+          </a:prstGeom>
+          <a:solidFill>
+            <a:srgbClr val="FFFFFF"/>
+          </a:solidFill>
+          <a:ln>
+            <a:noFill/>
+          </a:ln>
+          <a:effectLst/>
+          <a:extLst>
+            <a:ext uri="{91240B29-F687-4F45-9708-019B960494DF}">
+              <a14:hiddenLine xmlns:a14="http://schemas.microsoft.com/office/drawing/2010/main" w="9525">
+                <a:solidFill>
+                  <a:schemeClr val="tx1"/>
+                </a:solidFill>
+                <a:miter lim="800000"/>
+                <a:headEnd/>
+                <a:tailEnd/>
+              </a14:hiddenLine>
+            </a:ext>
+            <a:ext uri="{AF507438-7753-43E0-B8FC-AC1667EBCBE1}">
+              <a14:hiddenEffects xmlns:a14="http://schemas.microsoft.com/office/drawing/2010/main">
+                <a:effectLst>
+                  <a:outerShdw dist="35921" dir="2700000" algn="ctr" rotWithShape="0">
+                    <a:schemeClr val="bg2"/>
+                  </a:outerShdw>
+                </a:effectLst>
+              </a14:hiddenEffects>
+            </a:ext>
+          </a:extLst>
+        </p:spPr>
+        <p:txBody>
+          <a:bodyPr vert="horz" wrap="square" lIns="0" tIns="45720" rIns="91440" bIns="45720" numCol="1" anchor="ctr" anchorCtr="0" compatLnSpc="1">
+            <a:prstTxWarp prst="textNoShape">
+              <a:avLst/>
+            </a:prstTxWarp>
+            <a:spAutoFit/>
+          </a:bodyPr>
+          <a:lstStyle/>
+          <a:p>
+            <a:pPr algn="ctr" eaLnBrk="0" fontAlgn="base" hangingPunct="0">
+              <a:spcBef>
+                <a:spcPct val="0"/>
+              </a:spcBef>
+              <a:spcAft>
+                <a:spcPct val="0"/>
+              </a:spcAft>
+            </a:pPr>
+            <a:r>
+              <a:rPr lang="en-US" sz="2400" b="1" dirty="0">
+                <a:solidFill>
+                  <a:schemeClr val="bg1">
+                    <a:lumMod val="50000"/>
+                  </a:schemeClr>
+                </a:solidFill>
+              </a:rPr>
+              <a:t>Post-installation setup wizard</a:t>
+            </a:r>
+          </a:p>
+        </p:txBody>
+      </p:sp>
+    </p:spTree>
+    <p:extLst>
+      <p:ext uri="{BB962C8B-B14F-4D97-AF65-F5344CB8AC3E}">
+        <p14:creationId xmlns:p14="http://schemas.microsoft.com/office/powerpoint/2010/main" val="1021409834"/>
+      </p:ext>
+    </p:extLst>
+  </p:cSld>
+  <p:clrMapOvr>
+    <a:masterClrMapping/>
+  </p:clrMapOvr>
+</p:sld>
+</file>
+
+<file path=ppt/slides/slide48.xml><?xml version="1.0" encoding="utf-8"?>
+<p:sld xmlns:a="http://schemas.openxmlformats.org/drawingml/2006/main" xmlns:r="http://schemas.openxmlformats.org/officeDocument/2006/relationships" xmlns:p="http://schemas.openxmlformats.org/presentationml/2006/main">
+  <p:cSld>
+    <p:spTree>
+      <p:nvGrpSpPr>
+        <p:cNvPr id="1" name=""/>
+        <p:cNvGrpSpPr/>
+        <p:nvPr/>
+      </p:nvGrpSpPr>
+      <p:grpSpPr>
+        <a:xfrm>
+          <a:off x="0" y="0"/>
+          <a:ext cx="0" cy="0"/>
+          <a:chOff x="0" y="0"/>
+          <a:chExt cx="0" cy="0"/>
+        </a:xfrm>
+      </p:grpSpPr>
+      <p:pic>
+        <p:nvPicPr>
+          <p:cNvPr id="2" name="Picture 1">
+            <a:extLst>
+              <a:ext uri="{FF2B5EF4-FFF2-40B4-BE49-F238E27FC236}">
+                <a16:creationId xmlns:a16="http://schemas.microsoft.com/office/drawing/2014/main" id="{6B4E347E-7BE8-43F0-8127-516581685C46}"/>
+              </a:ext>
+            </a:extLst>
+          </p:cNvPr>
+          <p:cNvPicPr>
+            <a:picLocks noChangeAspect="1"/>
+          </p:cNvPicPr>
+          <p:nvPr/>
+        </p:nvPicPr>
+        <p:blipFill>
+          <a:blip r:embed="rId2"/>
+          <a:stretch>
+            <a:fillRect/>
+          </a:stretch>
+        </p:blipFill>
+        <p:spPr>
+          <a:xfrm>
+            <a:off x="1359038" y="833120"/>
+            <a:ext cx="9707368" cy="5069840"/>
+          </a:xfrm>
+          <a:prstGeom prst="rect">
+            <a:avLst/>
+          </a:prstGeom>
+        </p:spPr>
+      </p:pic>
+    </p:spTree>
+    <p:extLst>
+      <p:ext uri="{BB962C8B-B14F-4D97-AF65-F5344CB8AC3E}">
+        <p14:creationId xmlns:p14="http://schemas.microsoft.com/office/powerpoint/2010/main" val="3524051033"/>
+      </p:ext>
+    </p:extLst>
+  </p:cSld>
+  <p:clrMapOvr>
+    <a:masterClrMapping/>
+  </p:clrMapOvr>
+</p:sld>
+</file>
+
+<file path=ppt/slides/slide49.xml><?xml version="1.0" encoding="utf-8"?>
+<p:sld xmlns:a="http://schemas.openxmlformats.org/drawingml/2006/main" xmlns:r="http://schemas.openxmlformats.org/officeDocument/2006/relationships" xmlns:p="http://schemas.openxmlformats.org/presentationml/2006/main">
+  <p:cSld>
+    <p:spTree>
+      <p:nvGrpSpPr>
+        <p:cNvPr id="1" name=""/>
+        <p:cNvGrpSpPr/>
+        <p:nvPr/>
+      </p:nvGrpSpPr>
+      <p:grpSpPr>
+        <a:xfrm>
+          <a:off x="0" y="0"/>
+          <a:ext cx="0" cy="0"/>
+          <a:chOff x="0" y="0"/>
+          <a:chExt cx="0" cy="0"/>
+        </a:xfrm>
+      </p:grpSpPr>
+      <p:sp>
+        <p:nvSpPr>
+          <p:cNvPr id="3" name="Rectangle 2">
+            <a:extLst>
+              <a:ext uri="{FF2B5EF4-FFF2-40B4-BE49-F238E27FC236}">
+                <a16:creationId xmlns:a16="http://schemas.microsoft.com/office/drawing/2014/main" id="{B8B76E27-072D-40D6-BC70-CC6115E6DFBA}"/>
+              </a:ext>
+            </a:extLst>
+          </p:cNvPr>
+          <p:cNvSpPr>
+            <a:spLocks noChangeArrowheads="1"/>
+          </p:cNvSpPr>
+          <p:nvPr/>
+        </p:nvSpPr>
+        <p:spPr bwMode="auto">
+          <a:xfrm rot="10800000" flipV="1">
+            <a:off x="314960" y="954703"/>
+            <a:ext cx="11572240" cy="1646605"/>
+          </a:xfrm>
+          <a:prstGeom prst="rect">
+            <a:avLst/>
+          </a:prstGeom>
+          <a:solidFill>
+            <a:srgbClr val="FFFFFF"/>
+          </a:solidFill>
+          <a:ln>
+            <a:noFill/>
+          </a:ln>
+          <a:effectLst/>
+          <a:extLst>
+            <a:ext uri="{91240B29-F687-4F45-9708-019B960494DF}">
+              <a14:hiddenLine xmlns:a14="http://schemas.microsoft.com/office/drawing/2010/main" w="9525">
+                <a:solidFill>
+                  <a:schemeClr val="tx1"/>
+                </a:solidFill>
+                <a:miter lim="800000"/>
+                <a:headEnd/>
+                <a:tailEnd/>
+              </a14:hiddenLine>
+            </a:ext>
+            <a:ext uri="{AF507438-7753-43E0-B8FC-AC1667EBCBE1}">
+              <a14:hiddenEffects xmlns:a14="http://schemas.microsoft.com/office/drawing/2010/main">
+                <a:effectLst>
+                  <a:outerShdw dist="35921" dir="2700000" algn="ctr" rotWithShape="0">
+                    <a:schemeClr val="bg2"/>
+                  </a:outerShdw>
+                </a:effectLst>
+              </a14:hiddenEffects>
+            </a:ext>
+          </a:extLst>
+        </p:spPr>
+        <p:txBody>
+          <a:bodyPr vert="horz" wrap="square" lIns="0" tIns="0" rIns="91440" bIns="45720" numCol="1" anchor="ctr" anchorCtr="0" compatLnSpc="1">
+            <a:prstTxWarp prst="textNoShape">
+              <a:avLst/>
+            </a:prstTxWarp>
+            <a:spAutoFit/>
+          </a:bodyPr>
+          <a:lstStyle>
+            <a:lvl1pPr eaLnBrk="0" fontAlgn="base" hangingPunct="0">
+              <a:spcBef>
+                <a:spcPct val="0"/>
+              </a:spcBef>
+              <a:spcAft>
+                <a:spcPct val="0"/>
+              </a:spcAft>
+              <a:defRPr>
+                <a:solidFill>
+                  <a:schemeClr val="tx1"/>
+                </a:solidFill>
+                <a:latin typeface="Arial" panose="020B0604020202020204" pitchFamily="34" charset="0"/>
+              </a:defRPr>
+            </a:lvl1pPr>
+            <a:lvl2pPr eaLnBrk="0" fontAlgn="base" hangingPunct="0">
+              <a:spcBef>
+                <a:spcPct val="0"/>
+              </a:spcBef>
+              <a:spcAft>
+                <a:spcPct val="0"/>
+              </a:spcAft>
+              <a:defRPr>
+                <a:solidFill>
+                  <a:schemeClr val="tx1"/>
+                </a:solidFill>
+                <a:latin typeface="Arial" panose="020B0604020202020204" pitchFamily="34" charset="0"/>
+              </a:defRPr>
+            </a:lvl2pPr>
+            <a:lvl3pPr eaLnBrk="0" fontAlgn="base" hangingPunct="0">
+              <a:spcBef>
+                <a:spcPct val="0"/>
+              </a:spcBef>
+              <a:spcAft>
+                <a:spcPct val="0"/>
+              </a:spcAft>
+              <a:defRPr>
+                <a:solidFill>
+                  <a:schemeClr val="tx1"/>
+                </a:solidFill>
+                <a:latin typeface="Arial" panose="020B0604020202020204" pitchFamily="34" charset="0"/>
+              </a:defRPr>
+            </a:lvl3pPr>
+            <a:lvl4pPr eaLnBrk="0" fontAlgn="base" hangingPunct="0">
+              <a:spcBef>
+                <a:spcPct val="0"/>
+              </a:spcBef>
+              <a:spcAft>
+                <a:spcPct val="0"/>
+              </a:spcAft>
+              <a:defRPr>
+                <a:solidFill>
+                  <a:schemeClr val="tx1"/>
+                </a:solidFill>
+                <a:latin typeface="Arial" panose="020B0604020202020204" pitchFamily="34" charset="0"/>
+              </a:defRPr>
+            </a:lvl4pPr>
+            <a:lvl5pPr eaLnBrk="0" fontAlgn="base" hangingPunct="0">
+              <a:spcBef>
+                <a:spcPct val="0"/>
+              </a:spcBef>
+              <a:spcAft>
+                <a:spcPct val="0"/>
+              </a:spcAft>
+              <a:defRPr>
+                <a:solidFill>
+                  <a:schemeClr val="tx1"/>
+                </a:solidFill>
+                <a:latin typeface="Arial" panose="020B0604020202020204" pitchFamily="34" charset="0"/>
+              </a:defRPr>
+            </a:lvl5pPr>
+            <a:lvl6pPr eaLnBrk="0" fontAlgn="base" hangingPunct="0">
+              <a:spcBef>
+                <a:spcPct val="0"/>
+              </a:spcBef>
+              <a:spcAft>
+                <a:spcPct val="0"/>
+              </a:spcAft>
+              <a:defRPr>
+                <a:solidFill>
+                  <a:schemeClr val="tx1"/>
+                </a:solidFill>
+                <a:latin typeface="Arial" panose="020B0604020202020204" pitchFamily="34" charset="0"/>
+              </a:defRPr>
+            </a:lvl6pPr>
+            <a:lvl7pPr eaLnBrk="0" fontAlgn="base" hangingPunct="0">
+              <a:spcBef>
+                <a:spcPct val="0"/>
+              </a:spcBef>
+              <a:spcAft>
+                <a:spcPct val="0"/>
+              </a:spcAft>
+              <a:defRPr>
+                <a:solidFill>
+                  <a:schemeClr val="tx1"/>
+                </a:solidFill>
+                <a:latin typeface="Arial" panose="020B0604020202020204" pitchFamily="34" charset="0"/>
+              </a:defRPr>
+            </a:lvl7pPr>
+            <a:lvl8pPr eaLnBrk="0" fontAlgn="base" hangingPunct="0">
+              <a:spcBef>
+                <a:spcPct val="0"/>
+              </a:spcBef>
+              <a:spcAft>
+                <a:spcPct val="0"/>
+              </a:spcAft>
+              <a:defRPr>
+                <a:solidFill>
+                  <a:schemeClr val="tx1"/>
+                </a:solidFill>
+                <a:latin typeface="Arial" panose="020B0604020202020204" pitchFamily="34" charset="0"/>
+              </a:defRPr>
+            </a:lvl8pPr>
+            <a:lvl9pPr eaLnBrk="0" fontAlgn="base" hangingPunct="0">
+              <a:spcBef>
+                <a:spcPct val="0"/>
+              </a:spcBef>
+              <a:spcAft>
+                <a:spcPct val="0"/>
+              </a:spcAft>
+              <a:defRPr>
+                <a:solidFill>
+                  <a:schemeClr val="tx1"/>
+                </a:solidFill>
+                <a:latin typeface="Arial" panose="020B0604020202020204" pitchFamily="34" charset="0"/>
+              </a:defRPr>
+            </a:lvl9pPr>
+          </a:lstStyle>
+          <a:p>
+            <a:pPr marL="0" marR="0" lvl="0" indent="0" algn="l" defTabSz="914400" rtl="0" eaLnBrk="0" fontAlgn="base" latinLnBrk="0" hangingPunct="0">
+              <a:lnSpc>
+                <a:spcPct val="100000"/>
+              </a:lnSpc>
+              <a:spcBef>
+                <a:spcPct val="0"/>
+              </a:spcBef>
+              <a:spcAft>
+                <a:spcPct val="0"/>
+              </a:spcAft>
+              <a:buClrTx/>
+              <a:buSzTx/>
+              <a:buFontTx/>
+              <a:buNone/>
+              <a:tabLst/>
+            </a:pPr>
+            <a:r>
+              <a:rPr kumimoji="0" lang="en-US" altLang="en-US" sz="2400" b="1" i="0" u="none" strike="noStrike" cap="none" normalizeH="0" baseline="0" dirty="0">
+                <a:ln>
+                  <a:noFill/>
+                </a:ln>
+                <a:solidFill>
+                  <a:schemeClr val="bg1">
+                    <a:lumMod val="50000"/>
+                  </a:schemeClr>
+                </a:solidFill>
+                <a:effectLst/>
+                <a:latin typeface="+mn-lt"/>
+              </a:rPr>
+              <a:t>Step </a:t>
+            </a:r>
+            <a:r>
+              <a:rPr lang="en-US" altLang="en-US" sz="2400" b="1" dirty="0">
+                <a:solidFill>
+                  <a:schemeClr val="bg1">
+                    <a:lumMod val="50000"/>
+                  </a:schemeClr>
+                </a:solidFill>
+                <a:latin typeface="+mn-lt"/>
+              </a:rPr>
+              <a:t>3</a:t>
+            </a:r>
+            <a:r>
+              <a:rPr kumimoji="0" lang="en-US" altLang="en-US" sz="2400" b="1" i="0" u="none" strike="noStrike" cap="none" normalizeH="0" baseline="0" dirty="0">
+                <a:ln>
+                  <a:noFill/>
+                </a:ln>
+                <a:solidFill>
+                  <a:schemeClr val="bg1">
+                    <a:lumMod val="50000"/>
+                  </a:schemeClr>
+                </a:solidFill>
+                <a:effectLst/>
+                <a:latin typeface="+mn-lt"/>
+              </a:rPr>
+              <a:t>: Enter Initial Password</a:t>
+            </a:r>
+          </a:p>
+          <a:p>
+            <a:pPr marL="457200" marR="0" lvl="1" indent="-457200" algn="l" defTabSz="914400" rtl="0" eaLnBrk="0" fontAlgn="base" latinLnBrk="0" hangingPunct="0">
+              <a:lnSpc>
+                <a:spcPct val="100000"/>
+              </a:lnSpc>
+              <a:spcBef>
+                <a:spcPct val="0"/>
+              </a:spcBef>
+              <a:spcAft>
+                <a:spcPct val="0"/>
+              </a:spcAft>
+              <a:buClrTx/>
+              <a:buSzTx/>
+              <a:buFontTx/>
+              <a:buNone/>
+              <a:tabLst/>
+            </a:pPr>
+            <a:r>
+              <a:rPr kumimoji="0" lang="en-US" altLang="en-US" sz="2000" b="0" i="0" u="none" strike="noStrike" cap="none" normalizeH="0" baseline="0" dirty="0">
+                <a:ln>
+                  <a:noFill/>
+                </a:ln>
+                <a:solidFill>
+                  <a:schemeClr val="bg1">
+                    <a:lumMod val="50000"/>
+                  </a:schemeClr>
+                </a:solidFill>
+                <a:effectLst/>
+                <a:latin typeface="+mn-lt"/>
+              </a:rPr>
+              <a:t>	</a:t>
+            </a:r>
+            <a:r>
+              <a:rPr lang="en-US" sz="2000" dirty="0">
+                <a:solidFill>
+                  <a:schemeClr val="bg1">
+                    <a:lumMod val="50000"/>
+                  </a:schemeClr>
+                </a:solidFill>
+              </a:rPr>
+              <a:t>Open the highlighted file and copy the content of the </a:t>
+            </a:r>
+            <a:r>
+              <a:rPr lang="en-US" sz="2000" b="1" dirty="0" err="1">
+                <a:solidFill>
+                  <a:schemeClr val="bg1">
+                    <a:lumMod val="50000"/>
+                  </a:schemeClr>
+                </a:solidFill>
+              </a:rPr>
+              <a:t>initialAdminPassword</a:t>
+            </a:r>
+            <a:r>
+              <a:rPr lang="en-US" sz="2000" dirty="0">
+                <a:solidFill>
+                  <a:schemeClr val="bg1">
+                    <a:lumMod val="50000"/>
+                  </a:schemeClr>
+                </a:solidFill>
+              </a:rPr>
+              <a:t> file.</a:t>
+            </a:r>
+          </a:p>
+          <a:p>
+            <a:pPr lvl="1" indent="-457200"/>
+            <a:endParaRPr lang="en-US" altLang="en-US" sz="2000" dirty="0">
+              <a:solidFill>
+                <a:schemeClr val="bg1">
+                  <a:lumMod val="50000"/>
+                </a:schemeClr>
+              </a:solidFill>
+              <a:latin typeface="+mn-lt"/>
+            </a:endParaRPr>
+          </a:p>
+          <a:p>
+            <a:pPr lvl="1" indent="-457200"/>
+            <a:r>
+              <a:rPr lang="en-US" sz="2000" dirty="0">
+                <a:solidFill>
+                  <a:schemeClr val="bg1">
+                    <a:lumMod val="50000"/>
+                  </a:schemeClr>
+                </a:solidFill>
+              </a:rPr>
+              <a:t>	On the </a:t>
+            </a:r>
+            <a:r>
+              <a:rPr lang="en-US" sz="2000" b="1" dirty="0">
+                <a:solidFill>
+                  <a:schemeClr val="bg1">
+                    <a:lumMod val="50000"/>
+                  </a:schemeClr>
+                </a:solidFill>
+              </a:rPr>
+              <a:t>Unlock Jenkins</a:t>
+            </a:r>
+            <a:r>
+              <a:rPr lang="en-US" sz="2000" dirty="0">
+                <a:solidFill>
+                  <a:schemeClr val="bg1">
+                    <a:lumMod val="50000"/>
+                  </a:schemeClr>
+                </a:solidFill>
+              </a:rPr>
+              <a:t> page, paste this password into the </a:t>
+            </a:r>
+            <a:r>
+              <a:rPr lang="en-US" sz="2000" b="1" dirty="0">
+                <a:solidFill>
+                  <a:schemeClr val="bg1">
+                    <a:lumMod val="50000"/>
+                  </a:schemeClr>
+                </a:solidFill>
+              </a:rPr>
+              <a:t>Administrator password</a:t>
+            </a:r>
+            <a:r>
+              <a:rPr lang="en-US" sz="2000" dirty="0">
+                <a:solidFill>
+                  <a:schemeClr val="bg1">
+                    <a:lumMod val="50000"/>
+                  </a:schemeClr>
+                </a:solidFill>
+              </a:rPr>
+              <a:t> field and click </a:t>
+            </a:r>
+            <a:r>
+              <a:rPr lang="en-US" sz="2000" b="1" dirty="0">
+                <a:solidFill>
+                  <a:schemeClr val="bg1">
+                    <a:lumMod val="50000"/>
+                  </a:schemeClr>
+                </a:solidFill>
+              </a:rPr>
+              <a:t>Continue</a:t>
+            </a:r>
+            <a:r>
+              <a:rPr lang="en-US" sz="2000" dirty="0">
+                <a:solidFill>
+                  <a:schemeClr val="bg1">
+                    <a:lumMod val="50000"/>
+                  </a:schemeClr>
+                </a:solidFill>
+              </a:rPr>
+              <a:t>.</a:t>
+            </a:r>
+            <a:endParaRPr lang="en-US" altLang="en-US" sz="2000" dirty="0">
+              <a:solidFill>
+                <a:schemeClr val="bg1">
+                  <a:lumMod val="50000"/>
+                </a:schemeClr>
+              </a:solidFill>
+              <a:latin typeface="+mn-lt"/>
+            </a:endParaRPr>
+          </a:p>
+        </p:txBody>
+      </p:sp>
+      <p:sp>
+        <p:nvSpPr>
+          <p:cNvPr id="4" name="Rectangle 3">
+            <a:extLst>
+              <a:ext uri="{FF2B5EF4-FFF2-40B4-BE49-F238E27FC236}">
+                <a16:creationId xmlns:a16="http://schemas.microsoft.com/office/drawing/2014/main" id="{3536E6BE-0F0B-4F8C-8465-BF61402390B9}"/>
+              </a:ext>
+            </a:extLst>
+          </p:cNvPr>
+          <p:cNvSpPr>
+            <a:spLocks noChangeArrowheads="1"/>
+          </p:cNvSpPr>
+          <p:nvPr/>
+        </p:nvSpPr>
+        <p:spPr bwMode="auto">
+          <a:xfrm rot="10800000" flipV="1">
+            <a:off x="132080" y="217630"/>
+            <a:ext cx="11988800" cy="461665"/>
+          </a:xfrm>
+          <a:prstGeom prst="rect">
+            <a:avLst/>
+          </a:prstGeom>
+          <a:solidFill>
+            <a:srgbClr val="FFFFFF"/>
+          </a:solidFill>
+          <a:ln>
+            <a:noFill/>
+          </a:ln>
+          <a:effectLst/>
+          <a:extLst>
+            <a:ext uri="{91240B29-F687-4F45-9708-019B960494DF}">
+              <a14:hiddenLine xmlns:a14="http://schemas.microsoft.com/office/drawing/2010/main" w="9525">
+                <a:solidFill>
+                  <a:schemeClr val="tx1"/>
+                </a:solidFill>
+                <a:miter lim="800000"/>
+                <a:headEnd/>
+                <a:tailEnd/>
+              </a14:hiddenLine>
+            </a:ext>
+            <a:ext uri="{AF507438-7753-43E0-B8FC-AC1667EBCBE1}">
+              <a14:hiddenEffects xmlns:a14="http://schemas.microsoft.com/office/drawing/2010/main">
+                <a:effectLst>
+                  <a:outerShdw dist="35921" dir="2700000" algn="ctr" rotWithShape="0">
+                    <a:schemeClr val="bg2"/>
+                  </a:outerShdw>
+                </a:effectLst>
+              </a14:hiddenEffects>
+            </a:ext>
+          </a:extLst>
+        </p:spPr>
+        <p:txBody>
+          <a:bodyPr vert="horz" wrap="square" lIns="0" tIns="45720" rIns="91440" bIns="45720" numCol="1" anchor="ctr" anchorCtr="0" compatLnSpc="1">
+            <a:prstTxWarp prst="textNoShape">
+              <a:avLst/>
+            </a:prstTxWarp>
+            <a:spAutoFit/>
+          </a:bodyPr>
+          <a:lstStyle/>
+          <a:p>
+            <a:pPr algn="ctr" eaLnBrk="0" fontAlgn="base" hangingPunct="0">
+              <a:spcBef>
+                <a:spcPct val="0"/>
+              </a:spcBef>
+              <a:spcAft>
+                <a:spcPct val="0"/>
+              </a:spcAft>
+            </a:pPr>
+            <a:r>
+              <a:rPr lang="en-US" sz="2400" b="1" dirty="0">
+                <a:solidFill>
+                  <a:schemeClr val="bg1">
+                    <a:lumMod val="50000"/>
+                  </a:schemeClr>
+                </a:solidFill>
+              </a:rPr>
+              <a:t>Post-installation setup wizard</a:t>
+            </a:r>
+          </a:p>
+        </p:txBody>
+      </p:sp>
+      <p:pic>
+        <p:nvPicPr>
+          <p:cNvPr id="2" name="Picture 1">
+            <a:extLst>
+              <a:ext uri="{FF2B5EF4-FFF2-40B4-BE49-F238E27FC236}">
+                <a16:creationId xmlns:a16="http://schemas.microsoft.com/office/drawing/2014/main" id="{8D7CC7AE-227B-48A7-A413-0DA2F5B57C80}"/>
+              </a:ext>
+            </a:extLst>
+          </p:cNvPr>
+          <p:cNvPicPr>
+            <a:picLocks noChangeAspect="1"/>
+          </p:cNvPicPr>
+          <p:nvPr/>
+        </p:nvPicPr>
+        <p:blipFill>
+          <a:blip r:embed="rId3"/>
+          <a:stretch>
+            <a:fillRect/>
+          </a:stretch>
+        </p:blipFill>
+        <p:spPr>
+          <a:xfrm>
+            <a:off x="1950720" y="2734342"/>
+            <a:ext cx="7376160" cy="1239225"/>
+          </a:xfrm>
+          <a:prstGeom prst="rect">
+            <a:avLst/>
+          </a:prstGeom>
+        </p:spPr>
+      </p:pic>
+      <p:graphicFrame>
+        <p:nvGraphicFramePr>
+          <p:cNvPr id="6" name="Table 5">
+            <a:extLst>
+              <a:ext uri="{FF2B5EF4-FFF2-40B4-BE49-F238E27FC236}">
+                <a16:creationId xmlns:a16="http://schemas.microsoft.com/office/drawing/2014/main" id="{1290C516-9E14-4C6F-885E-C7BE809FBD1F}"/>
+              </a:ext>
+            </a:extLst>
+          </p:cNvPr>
+          <p:cNvGraphicFramePr>
+            <a:graphicFrameLocks noGrp="1"/>
+          </p:cNvGraphicFramePr>
+          <p:nvPr/>
+        </p:nvGraphicFramePr>
+        <p:xfrm>
+          <a:off x="3476625" y="3818414"/>
+          <a:ext cx="5238750" cy="365760"/>
+        </p:xfrm>
+        <a:graphic>
+          <a:graphicData uri="http://schemas.openxmlformats.org/drawingml/2006/table">
+            <a:tbl>
+              <a:tblPr/>
+              <a:tblGrid>
+                <a:gridCol w="5238750">
+                  <a:extLst>
+                    <a:ext uri="{9D8B030D-6E8A-4147-A177-3AD203B41FA5}">
+                      <a16:colId xmlns:a16="http://schemas.microsoft.com/office/drawing/2014/main" val="2016608482"/>
+                    </a:ext>
+                  </a:extLst>
+                </a:gridCol>
+              </a:tblGrid>
+              <a:tr h="0">
+                <a:tc>
+                  <a:txBody>
+                    <a:bodyPr/>
+                    <a:lstStyle/>
+                    <a:p>
+                      <a:pPr algn="ctr"/>
+                      <a:endParaRPr lang="en-US" dirty="0">
+                        <a:effectLst/>
+                      </a:endParaRPr>
+                    </a:p>
+                  </a:txBody>
+                  <a:tcPr anchor="ctr">
+                    <a:lnL>
+                      <a:noFill/>
+                    </a:lnL>
+                    <a:lnR>
+                      <a:noFill/>
+                    </a:lnR>
+                    <a:lnT>
+                      <a:noFill/>
+                    </a:lnT>
+                    <a:lnB>
+                      <a:noFill/>
+                    </a:lnB>
+                  </a:tcPr>
+                </a:tc>
+                <a:extLst>
+                  <a:ext uri="{0D108BD9-81ED-4DB2-BD59-A6C34878D82A}">
+                    <a16:rowId xmlns:a16="http://schemas.microsoft.com/office/drawing/2014/main" val="3351816037"/>
+                  </a:ext>
+                </a:extLst>
+              </a:tr>
+            </a:tbl>
+          </a:graphicData>
+        </a:graphic>
+      </p:graphicFrame>
+      <p:sp>
+        <p:nvSpPr>
+          <p:cNvPr id="7" name="Rectangle 1">
+            <a:extLst>
+              <a:ext uri="{FF2B5EF4-FFF2-40B4-BE49-F238E27FC236}">
+                <a16:creationId xmlns:a16="http://schemas.microsoft.com/office/drawing/2014/main" id="{CD920F4F-98A9-44B0-8BBB-EB0C605B09D4}"/>
+              </a:ext>
+            </a:extLst>
+          </p:cNvPr>
+          <p:cNvSpPr>
+            <a:spLocks noChangeArrowheads="1"/>
+          </p:cNvSpPr>
+          <p:nvPr/>
+        </p:nvSpPr>
+        <p:spPr bwMode="auto">
+          <a:xfrm>
+            <a:off x="302894" y="4020223"/>
+            <a:ext cx="11817985" cy="2816156"/>
+          </a:xfrm>
+          <a:prstGeom prst="rect">
+            <a:avLst/>
+          </a:prstGeom>
+          <a:solidFill>
+            <a:srgbClr val="FFFFFF"/>
+          </a:solidFill>
+          <a:ln>
+            <a:noFill/>
+          </a:ln>
+          <a:effectLst/>
+          <a:extLst>
+            <a:ext uri="{91240B29-F687-4F45-9708-019B960494DF}">
+              <a14:hiddenLine xmlns:a14="http://schemas.microsoft.com/office/drawing/2010/main" w="9525">
+                <a:solidFill>
+                  <a:schemeClr val="tx1"/>
+                </a:solidFill>
+                <a:miter lim="800000"/>
+                <a:headEnd/>
+                <a:tailEnd/>
+              </a14:hiddenLine>
+            </a:ext>
+            <a:ext uri="{AF507438-7753-43E0-B8FC-AC1667EBCBE1}">
+              <a14:hiddenEffects xmlns:a14="http://schemas.microsoft.com/office/drawing/2010/main">
+                <a:effectLst>
+                  <a:outerShdw dist="35921" dir="2700000" algn="ctr" rotWithShape="0">
+                    <a:schemeClr val="bg2"/>
+                  </a:outerShdw>
+                </a:effectLst>
+              </a14:hiddenEffects>
+            </a:ext>
+          </a:extLst>
+        </p:spPr>
+        <p:txBody>
+          <a:bodyPr vert="horz" wrap="square" lIns="91440" tIns="0" rIns="91440" bIns="45720" numCol="1" anchor="ctr" anchorCtr="0" compatLnSpc="1">
+            <a:prstTxWarp prst="textNoShape">
+              <a:avLst/>
+            </a:prstTxWarp>
+            <a:spAutoFit/>
+          </a:bodyPr>
+          <a:lstStyle>
+            <a:lvl1pPr eaLnBrk="0" fontAlgn="base" hangingPunct="0">
+              <a:spcBef>
+                <a:spcPct val="0"/>
+              </a:spcBef>
+              <a:spcAft>
+                <a:spcPct val="0"/>
+              </a:spcAft>
+              <a:defRPr>
+                <a:solidFill>
+                  <a:schemeClr val="tx1"/>
+                </a:solidFill>
+                <a:latin typeface="Arial" panose="020B0604020202020204" pitchFamily="34" charset="0"/>
+              </a:defRPr>
+            </a:lvl1pPr>
+            <a:lvl2pPr eaLnBrk="0" fontAlgn="base" hangingPunct="0">
+              <a:spcBef>
+                <a:spcPct val="0"/>
+              </a:spcBef>
+              <a:spcAft>
+                <a:spcPct val="0"/>
+              </a:spcAft>
+              <a:defRPr>
+                <a:solidFill>
+                  <a:schemeClr val="tx1"/>
+                </a:solidFill>
+                <a:latin typeface="Arial" panose="020B0604020202020204" pitchFamily="34" charset="0"/>
+              </a:defRPr>
+            </a:lvl2pPr>
+            <a:lvl3pPr eaLnBrk="0" fontAlgn="base" hangingPunct="0">
+              <a:spcBef>
+                <a:spcPct val="0"/>
+              </a:spcBef>
+              <a:spcAft>
+                <a:spcPct val="0"/>
+              </a:spcAft>
+              <a:defRPr>
+                <a:solidFill>
+                  <a:schemeClr val="tx1"/>
+                </a:solidFill>
+                <a:latin typeface="Arial" panose="020B0604020202020204" pitchFamily="34" charset="0"/>
+              </a:defRPr>
+            </a:lvl3pPr>
+            <a:lvl4pPr eaLnBrk="0" fontAlgn="base" hangingPunct="0">
+              <a:spcBef>
+                <a:spcPct val="0"/>
+              </a:spcBef>
+              <a:spcAft>
+                <a:spcPct val="0"/>
+              </a:spcAft>
+              <a:defRPr>
+                <a:solidFill>
+                  <a:schemeClr val="tx1"/>
+                </a:solidFill>
+                <a:latin typeface="Arial" panose="020B0604020202020204" pitchFamily="34" charset="0"/>
+              </a:defRPr>
+            </a:lvl4pPr>
+            <a:lvl5pPr eaLnBrk="0" fontAlgn="base" hangingPunct="0">
+              <a:spcBef>
+                <a:spcPct val="0"/>
+              </a:spcBef>
+              <a:spcAft>
+                <a:spcPct val="0"/>
+              </a:spcAft>
+              <a:defRPr>
+                <a:solidFill>
+                  <a:schemeClr val="tx1"/>
+                </a:solidFill>
+                <a:latin typeface="Arial" panose="020B0604020202020204" pitchFamily="34" charset="0"/>
+              </a:defRPr>
+            </a:lvl5pPr>
+            <a:lvl6pPr eaLnBrk="0" fontAlgn="base" hangingPunct="0">
+              <a:spcBef>
+                <a:spcPct val="0"/>
+              </a:spcBef>
+              <a:spcAft>
+                <a:spcPct val="0"/>
+              </a:spcAft>
+              <a:defRPr>
+                <a:solidFill>
+                  <a:schemeClr val="tx1"/>
+                </a:solidFill>
+                <a:latin typeface="Arial" panose="020B0604020202020204" pitchFamily="34" charset="0"/>
+              </a:defRPr>
+            </a:lvl6pPr>
+            <a:lvl7pPr eaLnBrk="0" fontAlgn="base" hangingPunct="0">
+              <a:spcBef>
+                <a:spcPct val="0"/>
+              </a:spcBef>
+              <a:spcAft>
+                <a:spcPct val="0"/>
+              </a:spcAft>
+              <a:defRPr>
+                <a:solidFill>
+                  <a:schemeClr val="tx1"/>
+                </a:solidFill>
+                <a:latin typeface="Arial" panose="020B0604020202020204" pitchFamily="34" charset="0"/>
+              </a:defRPr>
+            </a:lvl7pPr>
+            <a:lvl8pPr eaLnBrk="0" fontAlgn="base" hangingPunct="0">
+              <a:spcBef>
+                <a:spcPct val="0"/>
+              </a:spcBef>
+              <a:spcAft>
+                <a:spcPct val="0"/>
+              </a:spcAft>
+              <a:defRPr>
+                <a:solidFill>
+                  <a:schemeClr val="tx1"/>
+                </a:solidFill>
+                <a:latin typeface="Arial" panose="020B0604020202020204" pitchFamily="34" charset="0"/>
+              </a:defRPr>
+            </a:lvl8pPr>
+            <a:lvl9pPr eaLnBrk="0" fontAlgn="base" hangingPunct="0">
+              <a:spcBef>
+                <a:spcPct val="0"/>
+              </a:spcBef>
+              <a:spcAft>
+                <a:spcPct val="0"/>
+              </a:spcAft>
+              <a:defRPr>
+                <a:solidFill>
+                  <a:schemeClr val="tx1"/>
+                </a:solidFill>
+                <a:latin typeface="Arial" panose="020B0604020202020204" pitchFamily="34" charset="0"/>
+              </a:defRPr>
+            </a:lvl9pPr>
+          </a:lstStyle>
+          <a:p>
+            <a:pPr marL="0" marR="0" lvl="0" indent="0" algn="l" defTabSz="914400" rtl="0" eaLnBrk="0" fontAlgn="base" latinLnBrk="0" hangingPunct="0">
+              <a:lnSpc>
+                <a:spcPct val="100000"/>
+              </a:lnSpc>
+              <a:spcBef>
+                <a:spcPct val="0"/>
+              </a:spcBef>
+              <a:spcAft>
+                <a:spcPct val="0"/>
+              </a:spcAft>
+              <a:buClrTx/>
+              <a:buSzTx/>
+              <a:buFontTx/>
+              <a:buNone/>
+              <a:tabLst/>
+            </a:pPr>
+            <a:r>
+              <a:rPr kumimoji="0" lang="en-US" altLang="en-US" sz="2000" b="0" i="0" u="none" strike="noStrike" cap="none" normalizeH="0" baseline="0" dirty="0">
+                <a:ln>
+                  <a:noFill/>
+                </a:ln>
+                <a:solidFill>
+                  <a:schemeClr val="bg1">
+                    <a:lumMod val="50000"/>
+                  </a:schemeClr>
+                </a:solidFill>
+                <a:effectLst/>
+                <a:latin typeface="-apple-system"/>
+              </a:rPr>
+              <a:t>After </a:t>
+            </a:r>
+            <a:r>
+              <a:rPr kumimoji="0" lang="en-US" altLang="en-US" sz="2000" b="0" i="0" u="none" strike="noStrike" cap="none" normalizeH="0" baseline="0" dirty="0">
+                <a:ln>
+                  <a:noFill/>
+                </a:ln>
+                <a:solidFill>
+                  <a:schemeClr val="bg1">
+                    <a:lumMod val="50000"/>
+                  </a:schemeClr>
+                </a:solidFill>
+                <a:effectLst/>
+                <a:latin typeface="-apple-system"/>
+                <a:hlinkClick r:id="rId4">
+                  <a:extLst>
+                    <a:ext uri="{A12FA001-AC4F-418D-AE19-62706E023703}">
+                      <ahyp:hlinkClr xmlns:ahyp="http://schemas.microsoft.com/office/drawing/2018/hyperlinkcolor" val="tx"/>
+                    </a:ext>
+                  </a:extLst>
+                </a:hlinkClick>
+              </a:rPr>
+              <a:t>unlocking Jenkins</a:t>
+            </a:r>
+            <a:r>
+              <a:rPr kumimoji="0" lang="en-US" altLang="en-US" sz="2000" b="0" i="0" u="none" strike="noStrike" cap="none" normalizeH="0" baseline="0" dirty="0">
+                <a:ln>
+                  <a:noFill/>
+                </a:ln>
+                <a:solidFill>
+                  <a:schemeClr val="bg1">
+                    <a:lumMod val="50000"/>
+                  </a:schemeClr>
+                </a:solidFill>
+                <a:effectLst/>
+                <a:latin typeface="-apple-system"/>
+              </a:rPr>
+              <a:t>, the </a:t>
+            </a:r>
+            <a:r>
+              <a:rPr kumimoji="0" lang="en-US" altLang="en-US" sz="2000" b="1" i="0" u="none" strike="noStrike" cap="none" normalizeH="0" baseline="0" dirty="0">
+                <a:ln>
+                  <a:noFill/>
+                </a:ln>
+                <a:solidFill>
+                  <a:schemeClr val="bg1">
+                    <a:lumMod val="50000"/>
+                  </a:schemeClr>
+                </a:solidFill>
+                <a:effectLst/>
+                <a:latin typeface="-apple-system"/>
+              </a:rPr>
+              <a:t>Customize Jenkins</a:t>
+            </a:r>
+            <a:r>
+              <a:rPr kumimoji="0" lang="en-US" altLang="en-US" sz="2000" b="0" i="0" u="none" strike="noStrike" cap="none" normalizeH="0" baseline="0" dirty="0">
+                <a:ln>
+                  <a:noFill/>
+                </a:ln>
+                <a:solidFill>
+                  <a:schemeClr val="bg1">
+                    <a:lumMod val="50000"/>
+                  </a:schemeClr>
+                </a:solidFill>
+                <a:effectLst/>
+                <a:latin typeface="-apple-system"/>
+              </a:rPr>
+              <a:t> page appears. Here you can install any number of useful plugins as part of your initial setup.</a:t>
+            </a:r>
+          </a:p>
+          <a:p>
+            <a:pPr marL="0" marR="0" lvl="0" indent="0" algn="l" defTabSz="914400" rtl="0" eaLnBrk="0" fontAlgn="base" latinLnBrk="0" hangingPunct="0">
+              <a:lnSpc>
+                <a:spcPct val="100000"/>
+              </a:lnSpc>
+              <a:spcBef>
+                <a:spcPct val="0"/>
+              </a:spcBef>
+              <a:spcAft>
+                <a:spcPct val="0"/>
+              </a:spcAft>
+              <a:buClrTx/>
+              <a:buSzTx/>
+              <a:buFontTx/>
+              <a:buNone/>
+              <a:tabLst/>
+            </a:pPr>
+            <a:endParaRPr kumimoji="0" lang="en-US" altLang="en-US" sz="2000" b="0" i="0" u="none" strike="noStrike" cap="none" normalizeH="0" baseline="0" dirty="0">
+              <a:ln>
+                <a:noFill/>
+              </a:ln>
+              <a:solidFill>
+                <a:schemeClr val="bg1">
+                  <a:lumMod val="50000"/>
+                </a:schemeClr>
+              </a:solidFill>
+              <a:effectLst/>
+            </a:endParaRPr>
+          </a:p>
+          <a:p>
+            <a:pPr marL="0" marR="0" lvl="0" indent="0" algn="l" defTabSz="914400" rtl="0" eaLnBrk="0" fontAlgn="base" latinLnBrk="0" hangingPunct="0">
+              <a:lnSpc>
+                <a:spcPct val="100000"/>
+              </a:lnSpc>
+              <a:spcBef>
+                <a:spcPct val="0"/>
+              </a:spcBef>
+              <a:spcAft>
+                <a:spcPct val="0"/>
+              </a:spcAft>
+              <a:buClrTx/>
+              <a:buSzTx/>
+              <a:buFontTx/>
+              <a:buNone/>
+              <a:tabLst/>
+            </a:pPr>
+            <a:r>
+              <a:rPr kumimoji="0" lang="en-US" altLang="en-US" sz="2000" b="0" i="0" u="none" strike="noStrike" cap="none" normalizeH="0" baseline="0" dirty="0">
+                <a:ln>
+                  <a:noFill/>
+                </a:ln>
+                <a:solidFill>
+                  <a:schemeClr val="bg1">
+                    <a:lumMod val="50000"/>
+                  </a:schemeClr>
+                </a:solidFill>
+                <a:effectLst/>
+                <a:latin typeface="-apple-system"/>
+              </a:rPr>
+              <a:t>Click one of the two options shown:</a:t>
+            </a:r>
+            <a:endParaRPr kumimoji="0" lang="en-US" altLang="en-US" sz="2000" b="0" i="0" u="none" strike="noStrike" cap="none" normalizeH="0" baseline="0" dirty="0">
+              <a:ln>
+                <a:noFill/>
+              </a:ln>
+              <a:solidFill>
+                <a:schemeClr val="bg1">
+                  <a:lumMod val="50000"/>
+                </a:schemeClr>
+              </a:solidFill>
+              <a:effectLst/>
+            </a:endParaRPr>
+          </a:p>
+          <a:p>
+            <a:pPr marL="0" marR="0" lvl="0" indent="0" algn="l" defTabSz="914400" rtl="0" eaLnBrk="0" fontAlgn="base" latinLnBrk="0" hangingPunct="0">
+              <a:lnSpc>
+                <a:spcPct val="100000"/>
+              </a:lnSpc>
+              <a:spcBef>
+                <a:spcPct val="0"/>
+              </a:spcBef>
+              <a:spcAft>
+                <a:spcPct val="0"/>
+              </a:spcAft>
+              <a:buClrTx/>
+              <a:buSzTx/>
+              <a:buFontTx/>
+              <a:buChar char="•"/>
+              <a:tabLst/>
+            </a:pPr>
+            <a:r>
+              <a:rPr kumimoji="0" lang="en-US" altLang="en-US" sz="2000" b="1" i="0" u="none" strike="noStrike" cap="none" normalizeH="0" baseline="0" dirty="0">
+                <a:ln>
+                  <a:noFill/>
+                </a:ln>
+                <a:solidFill>
+                  <a:schemeClr val="bg1">
+                    <a:lumMod val="50000"/>
+                  </a:schemeClr>
+                </a:solidFill>
+                <a:effectLst/>
+                <a:latin typeface="-apple-system"/>
+              </a:rPr>
+              <a:t>Install suggested plugins</a:t>
+            </a:r>
+            <a:r>
+              <a:rPr kumimoji="0" lang="en-US" altLang="en-US" sz="2000" b="0" i="0" u="none" strike="noStrike" cap="none" normalizeH="0" baseline="0" dirty="0">
+                <a:ln>
+                  <a:noFill/>
+                </a:ln>
+                <a:solidFill>
+                  <a:schemeClr val="bg1">
+                    <a:lumMod val="50000"/>
+                  </a:schemeClr>
+                </a:solidFill>
+                <a:effectLst/>
+                <a:latin typeface="-apple-system"/>
+              </a:rPr>
+              <a:t> - to install the recommended set of plugins, which are based on most common use cases.</a:t>
+            </a:r>
+          </a:p>
+          <a:p>
+            <a:pPr marL="0" marR="0" lvl="0" indent="0" algn="l" defTabSz="914400" rtl="0" eaLnBrk="0" fontAlgn="base" latinLnBrk="0" hangingPunct="0">
+              <a:lnSpc>
+                <a:spcPct val="100000"/>
+              </a:lnSpc>
+              <a:spcBef>
+                <a:spcPct val="0"/>
+              </a:spcBef>
+              <a:spcAft>
+                <a:spcPct val="0"/>
+              </a:spcAft>
+              <a:buClrTx/>
+              <a:buSzTx/>
+              <a:buFontTx/>
+              <a:buChar char="•"/>
+              <a:tabLst/>
+            </a:pPr>
+            <a:endParaRPr kumimoji="0" lang="en-US" altLang="en-US" sz="2000" b="0" i="0" u="none" strike="noStrike" cap="none" normalizeH="0" baseline="0" dirty="0">
+              <a:ln>
+                <a:noFill/>
+              </a:ln>
+              <a:solidFill>
+                <a:schemeClr val="bg1">
+                  <a:lumMod val="50000"/>
+                </a:schemeClr>
+              </a:solidFill>
+              <a:effectLst/>
+              <a:latin typeface="-apple-system"/>
+            </a:endParaRPr>
+          </a:p>
+          <a:p>
+            <a:pPr marL="0" marR="0" lvl="0" indent="0" algn="l" defTabSz="914400" rtl="0" eaLnBrk="0" fontAlgn="base" latinLnBrk="0" hangingPunct="0">
+              <a:lnSpc>
+                <a:spcPct val="100000"/>
+              </a:lnSpc>
+              <a:spcBef>
+                <a:spcPct val="0"/>
+              </a:spcBef>
+              <a:spcAft>
+                <a:spcPct val="0"/>
+              </a:spcAft>
+              <a:buClrTx/>
+              <a:buSzTx/>
+              <a:buFontTx/>
+              <a:buChar char="•"/>
+              <a:tabLst/>
+            </a:pPr>
+            <a:r>
+              <a:rPr kumimoji="0" lang="en-US" altLang="en-US" sz="2000" b="1" i="0" u="none" strike="noStrike" cap="none" normalizeH="0" baseline="0" dirty="0">
+                <a:ln>
+                  <a:noFill/>
+                </a:ln>
+                <a:solidFill>
+                  <a:schemeClr val="bg1">
+                    <a:lumMod val="50000"/>
+                  </a:schemeClr>
+                </a:solidFill>
+                <a:effectLst/>
+                <a:latin typeface="-apple-system"/>
+              </a:rPr>
+              <a:t>Select plugins to install</a:t>
+            </a:r>
+            <a:r>
+              <a:rPr kumimoji="0" lang="en-US" altLang="en-US" sz="2000" b="0" i="0" u="none" strike="noStrike" cap="none" normalizeH="0" baseline="0" dirty="0">
+                <a:ln>
+                  <a:noFill/>
+                </a:ln>
+                <a:solidFill>
+                  <a:schemeClr val="bg1">
+                    <a:lumMod val="50000"/>
+                  </a:schemeClr>
+                </a:solidFill>
+                <a:effectLst/>
+                <a:latin typeface="-apple-system"/>
+              </a:rPr>
+              <a:t> - to choose which set of plugins to initially install. When you first access the plugin selection page, the suggested plugins are selected by default.</a:t>
+            </a:r>
+          </a:p>
+        </p:txBody>
+      </p:sp>
+    </p:spTree>
+    <p:extLst>
+      <p:ext uri="{BB962C8B-B14F-4D97-AF65-F5344CB8AC3E}">
+        <p14:creationId xmlns:p14="http://schemas.microsoft.com/office/powerpoint/2010/main" val="739535986"/>
       </p:ext>
     </p:extLst>
   </p:cSld>
@@ -9213,7 +14567,7 @@
           <p:cNvPr id="2" name="TextBox 1">
             <a:extLst>
               <a:ext uri="{FF2B5EF4-FFF2-40B4-BE49-F238E27FC236}">
-                <a16:creationId xmlns:a16="http://schemas.microsoft.com/office/drawing/2014/main" xmlns="" id="{8DA34F60-C036-4B57-8DAB-1153FCC4B013}"/>
+                <a16:creationId xmlns:a16="http://schemas.microsoft.com/office/drawing/2014/main" id="{8DA34F60-C036-4B57-8DAB-1153FCC4B013}"/>
               </a:ext>
             </a:extLst>
           </p:cNvPr>
@@ -9245,7 +14599,7 @@
           <p:cNvPr id="3" name="TextBox 2">
             <a:extLst>
               <a:ext uri="{FF2B5EF4-FFF2-40B4-BE49-F238E27FC236}">
-                <a16:creationId xmlns:a16="http://schemas.microsoft.com/office/drawing/2014/main" xmlns="" id="{B544C6B0-EF6C-4250-91BF-FF09779362BA}"/>
+                <a16:creationId xmlns:a16="http://schemas.microsoft.com/office/drawing/2014/main" id="{B544C6B0-EF6C-4250-91BF-FF09779362BA}"/>
               </a:ext>
             </a:extLst>
           </p:cNvPr>
@@ -9295,7 +14649,7 @@
           <p:cNvPr id="4" name="Picture 3">
             <a:extLst>
               <a:ext uri="{FF2B5EF4-FFF2-40B4-BE49-F238E27FC236}">
-                <a16:creationId xmlns:a16="http://schemas.microsoft.com/office/drawing/2014/main" xmlns="" id="{A18C768D-3280-4CCA-8703-8E8F8F3D35B7}"/>
+                <a16:creationId xmlns:a16="http://schemas.microsoft.com/office/drawing/2014/main" id="{A18C768D-3280-4CCA-8703-8E8F8F3D35B7}"/>
               </a:ext>
             </a:extLst>
           </p:cNvPr>
@@ -9323,7 +14677,922 @@
     </p:spTree>
     <p:extLst>
       <p:ext uri="{BB962C8B-B14F-4D97-AF65-F5344CB8AC3E}">
-        <p14:creationId xmlns:p14="http://schemas.microsoft.com/office/powerpoint/2010/main" xmlns="" val="2637947620"/>
+        <p14:creationId xmlns:p14="http://schemas.microsoft.com/office/powerpoint/2010/main" val="2637947620"/>
+      </p:ext>
+    </p:extLst>
+  </p:cSld>
+  <p:clrMapOvr>
+    <a:masterClrMapping/>
+  </p:clrMapOvr>
+</p:sld>
+</file>
+
+<file path=ppt/slides/slide50.xml><?xml version="1.0" encoding="utf-8"?>
+<p:sld xmlns:a="http://schemas.openxmlformats.org/drawingml/2006/main" xmlns:r="http://schemas.openxmlformats.org/officeDocument/2006/relationships" xmlns:p="http://schemas.openxmlformats.org/presentationml/2006/main">
+  <p:cSld>
+    <p:spTree>
+      <p:nvGrpSpPr>
+        <p:cNvPr id="1" name=""/>
+        <p:cNvGrpSpPr/>
+        <p:nvPr/>
+      </p:nvGrpSpPr>
+      <p:grpSpPr>
+        <a:xfrm>
+          <a:off x="0" y="0"/>
+          <a:ext cx="0" cy="0"/>
+          <a:chOff x="0" y="0"/>
+          <a:chExt cx="0" cy="0"/>
+        </a:xfrm>
+      </p:grpSpPr>
+      <p:sp>
+        <p:nvSpPr>
+          <p:cNvPr id="4" name="Rectangle 3">
+            <a:extLst>
+              <a:ext uri="{FF2B5EF4-FFF2-40B4-BE49-F238E27FC236}">
+                <a16:creationId xmlns:a16="http://schemas.microsoft.com/office/drawing/2014/main" id="{3536E6BE-0F0B-4F8C-8465-BF61402390B9}"/>
+              </a:ext>
+            </a:extLst>
+          </p:cNvPr>
+          <p:cNvSpPr>
+            <a:spLocks noChangeArrowheads="1"/>
+          </p:cNvSpPr>
+          <p:nvPr/>
+        </p:nvSpPr>
+        <p:spPr bwMode="auto">
+          <a:xfrm rot="10800000" flipV="1">
+            <a:off x="132080" y="217630"/>
+            <a:ext cx="11988800" cy="461665"/>
+          </a:xfrm>
+          <a:prstGeom prst="rect">
+            <a:avLst/>
+          </a:prstGeom>
+          <a:solidFill>
+            <a:srgbClr val="FFFFFF"/>
+          </a:solidFill>
+          <a:ln>
+            <a:noFill/>
+          </a:ln>
+          <a:effectLst/>
+          <a:extLst>
+            <a:ext uri="{91240B29-F687-4F45-9708-019B960494DF}">
+              <a14:hiddenLine xmlns:a14="http://schemas.microsoft.com/office/drawing/2010/main" w="9525">
+                <a:solidFill>
+                  <a:schemeClr val="tx1"/>
+                </a:solidFill>
+                <a:miter lim="800000"/>
+                <a:headEnd/>
+                <a:tailEnd/>
+              </a14:hiddenLine>
+            </a:ext>
+            <a:ext uri="{AF507438-7753-43E0-B8FC-AC1667EBCBE1}">
+              <a14:hiddenEffects xmlns:a14="http://schemas.microsoft.com/office/drawing/2010/main">
+                <a:effectLst>
+                  <a:outerShdw dist="35921" dir="2700000" algn="ctr" rotWithShape="0">
+                    <a:schemeClr val="bg2"/>
+                  </a:outerShdw>
+                </a:effectLst>
+              </a14:hiddenEffects>
+            </a:ext>
+          </a:extLst>
+        </p:spPr>
+        <p:txBody>
+          <a:bodyPr vert="horz" wrap="square" lIns="0" tIns="45720" rIns="91440" bIns="45720" numCol="1" anchor="ctr" anchorCtr="0" compatLnSpc="1">
+            <a:prstTxWarp prst="textNoShape">
+              <a:avLst/>
+            </a:prstTxWarp>
+            <a:spAutoFit/>
+          </a:bodyPr>
+          <a:lstStyle/>
+          <a:p>
+            <a:pPr algn="ctr" eaLnBrk="0" fontAlgn="base" hangingPunct="0">
+              <a:spcBef>
+                <a:spcPct val="0"/>
+              </a:spcBef>
+              <a:spcAft>
+                <a:spcPct val="0"/>
+              </a:spcAft>
+            </a:pPr>
+            <a:r>
+              <a:rPr lang="en-US" sz="2400" b="1" dirty="0">
+                <a:solidFill>
+                  <a:schemeClr val="bg1">
+                    <a:lumMod val="50000"/>
+                  </a:schemeClr>
+                </a:solidFill>
+              </a:rPr>
+              <a:t>General Terms</a:t>
+            </a:r>
+          </a:p>
+        </p:txBody>
+      </p:sp>
+      <p:graphicFrame>
+        <p:nvGraphicFramePr>
+          <p:cNvPr id="6" name="Table 5">
+            <a:extLst>
+              <a:ext uri="{FF2B5EF4-FFF2-40B4-BE49-F238E27FC236}">
+                <a16:creationId xmlns:a16="http://schemas.microsoft.com/office/drawing/2014/main" id="{1290C516-9E14-4C6F-885E-C7BE809FBD1F}"/>
+              </a:ext>
+            </a:extLst>
+          </p:cNvPr>
+          <p:cNvGraphicFramePr>
+            <a:graphicFrameLocks noGrp="1"/>
+          </p:cNvGraphicFramePr>
+          <p:nvPr/>
+        </p:nvGraphicFramePr>
+        <p:xfrm>
+          <a:off x="3476625" y="3818414"/>
+          <a:ext cx="5238750" cy="365760"/>
+        </p:xfrm>
+        <a:graphic>
+          <a:graphicData uri="http://schemas.openxmlformats.org/drawingml/2006/table">
+            <a:tbl>
+              <a:tblPr/>
+              <a:tblGrid>
+                <a:gridCol w="5238750">
+                  <a:extLst>
+                    <a:ext uri="{9D8B030D-6E8A-4147-A177-3AD203B41FA5}">
+                      <a16:colId xmlns:a16="http://schemas.microsoft.com/office/drawing/2014/main" val="2016608482"/>
+                    </a:ext>
+                  </a:extLst>
+                </a:gridCol>
+              </a:tblGrid>
+              <a:tr h="0">
+                <a:tc>
+                  <a:txBody>
+                    <a:bodyPr/>
+                    <a:lstStyle/>
+                    <a:p>
+                      <a:pPr algn="ctr"/>
+                      <a:endParaRPr lang="en-US" dirty="0">
+                        <a:effectLst/>
+                      </a:endParaRPr>
+                    </a:p>
+                  </a:txBody>
+                  <a:tcPr anchor="ctr">
+                    <a:lnL>
+                      <a:noFill/>
+                    </a:lnL>
+                    <a:lnR>
+                      <a:noFill/>
+                    </a:lnR>
+                    <a:lnT>
+                      <a:noFill/>
+                    </a:lnT>
+                    <a:lnB>
+                      <a:noFill/>
+                    </a:lnB>
+                  </a:tcPr>
+                </a:tc>
+                <a:extLst>
+                  <a:ext uri="{0D108BD9-81ED-4DB2-BD59-A6C34878D82A}">
+                    <a16:rowId xmlns:a16="http://schemas.microsoft.com/office/drawing/2014/main" val="3351816037"/>
+                  </a:ext>
+                </a:extLst>
+              </a:tr>
+            </a:tbl>
+          </a:graphicData>
+        </a:graphic>
+      </p:graphicFrame>
+      <p:sp>
+        <p:nvSpPr>
+          <p:cNvPr id="5" name="TextBox 4">
+            <a:extLst>
+              <a:ext uri="{FF2B5EF4-FFF2-40B4-BE49-F238E27FC236}">
+                <a16:creationId xmlns:a16="http://schemas.microsoft.com/office/drawing/2014/main" id="{54A73DD2-27B2-4C6A-92B9-A7C29B4F9022}"/>
+              </a:ext>
+            </a:extLst>
+          </p:cNvPr>
+          <p:cNvSpPr txBox="1"/>
+          <p:nvPr/>
+        </p:nvSpPr>
+        <p:spPr>
+          <a:xfrm>
+            <a:off x="345440" y="843280"/>
+            <a:ext cx="11541760" cy="5509200"/>
+          </a:xfrm>
+          <a:prstGeom prst="rect">
+            <a:avLst/>
+          </a:prstGeom>
+          <a:noFill/>
+        </p:spPr>
+        <p:txBody>
+          <a:bodyPr wrap="square" rtlCol="0">
+            <a:spAutoFit/>
+          </a:bodyPr>
+          <a:lstStyle/>
+          <a:p>
+            <a:pPr marL="285750" indent="-285750">
+              <a:buFont typeface="Wingdings" panose="05000000000000000000" pitchFamily="2" charset="2"/>
+              <a:buChar char="§"/>
+            </a:pPr>
+            <a:r>
+              <a:rPr lang="en-US" sz="2000" b="1" dirty="0">
+                <a:solidFill>
+                  <a:schemeClr val="bg1">
+                    <a:lumMod val="50000"/>
+                  </a:schemeClr>
+                </a:solidFill>
+              </a:rPr>
+              <a:t>Agent</a:t>
+            </a:r>
+          </a:p>
+          <a:p>
+            <a:r>
+              <a:rPr lang="en-US" dirty="0">
+                <a:solidFill>
+                  <a:schemeClr val="bg1">
+                    <a:lumMod val="50000"/>
+                  </a:schemeClr>
+                </a:solidFill>
+              </a:rPr>
+              <a:t>An agent is typically a machine, or container, which connects to a Jenkins controller and executes tasks when directed by the controller.</a:t>
+            </a:r>
+          </a:p>
+          <a:p>
+            <a:endParaRPr lang="en-US" dirty="0">
+              <a:solidFill>
+                <a:schemeClr val="bg1">
+                  <a:lumMod val="50000"/>
+                </a:schemeClr>
+              </a:solidFill>
+            </a:endParaRPr>
+          </a:p>
+          <a:p>
+            <a:pPr marL="285750" indent="-285750">
+              <a:buFont typeface="Wingdings" panose="05000000000000000000" pitchFamily="2" charset="2"/>
+              <a:buChar char="§"/>
+            </a:pPr>
+            <a:r>
+              <a:rPr lang="en-US" sz="2000" b="1" dirty="0">
+                <a:solidFill>
+                  <a:schemeClr val="bg1">
+                    <a:lumMod val="50000"/>
+                  </a:schemeClr>
+                </a:solidFill>
+              </a:rPr>
+              <a:t>Artifact</a:t>
+            </a:r>
+          </a:p>
+          <a:p>
+            <a:r>
+              <a:rPr lang="en-US" dirty="0">
+                <a:solidFill>
+                  <a:schemeClr val="bg1">
+                    <a:lumMod val="50000"/>
+                  </a:schemeClr>
+                </a:solidFill>
+              </a:rPr>
+              <a:t>An immutable file generated during a Build or Pipeline run which is archived onto the Jenkins Controller for later retrieval by users.</a:t>
+            </a:r>
+          </a:p>
+          <a:p>
+            <a:endParaRPr lang="en-US" dirty="0">
+              <a:solidFill>
+                <a:schemeClr val="bg1">
+                  <a:lumMod val="50000"/>
+                </a:schemeClr>
+              </a:solidFill>
+            </a:endParaRPr>
+          </a:p>
+          <a:p>
+            <a:pPr marL="285750" indent="-285750">
+              <a:buFont typeface="Wingdings" panose="05000000000000000000" pitchFamily="2" charset="2"/>
+              <a:buChar char="§"/>
+            </a:pPr>
+            <a:r>
+              <a:rPr lang="en-US" sz="2000" b="1" dirty="0">
+                <a:solidFill>
+                  <a:schemeClr val="bg1">
+                    <a:lumMod val="50000"/>
+                  </a:schemeClr>
+                </a:solidFill>
+              </a:rPr>
+              <a:t>Build</a:t>
+            </a:r>
+          </a:p>
+          <a:p>
+            <a:r>
+              <a:rPr lang="en-US" dirty="0">
+                <a:solidFill>
+                  <a:schemeClr val="bg1">
+                    <a:lumMod val="50000"/>
+                  </a:schemeClr>
+                </a:solidFill>
+              </a:rPr>
+              <a:t>Result of a single execution of a job</a:t>
+            </a:r>
+          </a:p>
+          <a:p>
+            <a:endParaRPr lang="en-US" dirty="0">
+              <a:solidFill>
+                <a:schemeClr val="bg1">
+                  <a:lumMod val="50000"/>
+                </a:schemeClr>
+              </a:solidFill>
+            </a:endParaRPr>
+          </a:p>
+          <a:p>
+            <a:pPr marL="285750" indent="-285750">
+              <a:buFont typeface="Wingdings" panose="05000000000000000000" pitchFamily="2" charset="2"/>
+              <a:buChar char="§"/>
+            </a:pPr>
+            <a:r>
+              <a:rPr lang="en-US" sz="2000" b="1" dirty="0">
+                <a:solidFill>
+                  <a:schemeClr val="bg1">
+                    <a:lumMod val="50000"/>
+                  </a:schemeClr>
+                </a:solidFill>
+              </a:rPr>
+              <a:t>Controller</a:t>
+            </a:r>
+          </a:p>
+          <a:p>
+            <a:r>
+              <a:rPr lang="en-US" dirty="0">
+                <a:solidFill>
+                  <a:schemeClr val="bg1">
+                    <a:lumMod val="50000"/>
+                  </a:schemeClr>
+                </a:solidFill>
+              </a:rPr>
+              <a:t>The central, coordinating process which stores configuration, loads plugins, and renders the various user interfaces for Jenkins.</a:t>
+            </a:r>
+          </a:p>
+          <a:p>
+            <a:endParaRPr lang="en-US" dirty="0">
+              <a:solidFill>
+                <a:schemeClr val="bg1">
+                  <a:lumMod val="50000"/>
+                </a:schemeClr>
+              </a:solidFill>
+            </a:endParaRPr>
+          </a:p>
+          <a:p>
+            <a:pPr marL="285750" indent="-285750">
+              <a:buFont typeface="Wingdings" panose="05000000000000000000" pitchFamily="2" charset="2"/>
+              <a:buChar char="§"/>
+            </a:pPr>
+            <a:r>
+              <a:rPr lang="en-US" sz="2000" b="1" dirty="0">
+                <a:solidFill>
+                  <a:schemeClr val="bg1">
+                    <a:lumMod val="50000"/>
+                  </a:schemeClr>
+                </a:solidFill>
+              </a:rPr>
+              <a:t>Core</a:t>
+            </a:r>
+          </a:p>
+          <a:p>
+            <a:r>
+              <a:rPr lang="en-US" dirty="0">
+                <a:solidFill>
+                  <a:schemeClr val="bg1">
+                    <a:lumMod val="50000"/>
+                  </a:schemeClr>
+                </a:solidFill>
+              </a:rPr>
+              <a:t>The primary Jenkins application (</a:t>
+            </a:r>
+            <a:r>
+              <a:rPr lang="en-US" dirty="0" err="1">
+                <a:solidFill>
+                  <a:schemeClr val="bg1">
+                    <a:lumMod val="50000"/>
+                  </a:schemeClr>
+                </a:solidFill>
+              </a:rPr>
+              <a:t>jenkins.war</a:t>
+            </a:r>
+            <a:r>
+              <a:rPr lang="en-US" dirty="0">
+                <a:solidFill>
+                  <a:schemeClr val="bg1">
+                    <a:lumMod val="50000"/>
+                  </a:schemeClr>
+                </a:solidFill>
+              </a:rPr>
+              <a:t>) which provides the basic web UI, configuration, and foundation upon which Plugins can be built.</a:t>
+            </a:r>
+          </a:p>
+          <a:p>
+            <a:endParaRPr lang="en-US" dirty="0">
+              <a:solidFill>
+                <a:schemeClr val="bg1">
+                  <a:lumMod val="50000"/>
+                </a:schemeClr>
+              </a:solidFill>
+            </a:endParaRPr>
+          </a:p>
+        </p:txBody>
+      </p:sp>
+    </p:spTree>
+    <p:extLst>
+      <p:ext uri="{BB962C8B-B14F-4D97-AF65-F5344CB8AC3E}">
+        <p14:creationId xmlns:p14="http://schemas.microsoft.com/office/powerpoint/2010/main" val="3389974986"/>
+      </p:ext>
+    </p:extLst>
+  </p:cSld>
+  <p:clrMapOvr>
+    <a:masterClrMapping/>
+  </p:clrMapOvr>
+</p:sld>
+</file>
+
+<file path=ppt/slides/slide51.xml><?xml version="1.0" encoding="utf-8"?>
+<p:sld xmlns:a="http://schemas.openxmlformats.org/drawingml/2006/main" xmlns:r="http://schemas.openxmlformats.org/officeDocument/2006/relationships" xmlns:p="http://schemas.openxmlformats.org/presentationml/2006/main">
+  <p:cSld>
+    <p:spTree>
+      <p:nvGrpSpPr>
+        <p:cNvPr id="1" name=""/>
+        <p:cNvGrpSpPr/>
+        <p:nvPr/>
+      </p:nvGrpSpPr>
+      <p:grpSpPr>
+        <a:xfrm>
+          <a:off x="0" y="0"/>
+          <a:ext cx="0" cy="0"/>
+          <a:chOff x="0" y="0"/>
+          <a:chExt cx="0" cy="0"/>
+        </a:xfrm>
+      </p:grpSpPr>
+      <p:sp>
+        <p:nvSpPr>
+          <p:cNvPr id="4" name="Rectangle 3">
+            <a:extLst>
+              <a:ext uri="{FF2B5EF4-FFF2-40B4-BE49-F238E27FC236}">
+                <a16:creationId xmlns:a16="http://schemas.microsoft.com/office/drawing/2014/main" id="{3536E6BE-0F0B-4F8C-8465-BF61402390B9}"/>
+              </a:ext>
+            </a:extLst>
+          </p:cNvPr>
+          <p:cNvSpPr>
+            <a:spLocks noChangeArrowheads="1"/>
+          </p:cNvSpPr>
+          <p:nvPr/>
+        </p:nvSpPr>
+        <p:spPr bwMode="auto">
+          <a:xfrm rot="10800000" flipV="1">
+            <a:off x="132080" y="217630"/>
+            <a:ext cx="11988800" cy="461665"/>
+          </a:xfrm>
+          <a:prstGeom prst="rect">
+            <a:avLst/>
+          </a:prstGeom>
+          <a:solidFill>
+            <a:srgbClr val="FFFFFF"/>
+          </a:solidFill>
+          <a:ln>
+            <a:noFill/>
+          </a:ln>
+          <a:effectLst/>
+          <a:extLst>
+            <a:ext uri="{91240B29-F687-4F45-9708-019B960494DF}">
+              <a14:hiddenLine xmlns:a14="http://schemas.microsoft.com/office/drawing/2010/main" w="9525">
+                <a:solidFill>
+                  <a:schemeClr val="tx1"/>
+                </a:solidFill>
+                <a:miter lim="800000"/>
+                <a:headEnd/>
+                <a:tailEnd/>
+              </a14:hiddenLine>
+            </a:ext>
+            <a:ext uri="{AF507438-7753-43E0-B8FC-AC1667EBCBE1}">
+              <a14:hiddenEffects xmlns:a14="http://schemas.microsoft.com/office/drawing/2010/main">
+                <a:effectLst>
+                  <a:outerShdw dist="35921" dir="2700000" algn="ctr" rotWithShape="0">
+                    <a:schemeClr val="bg2"/>
+                  </a:outerShdw>
+                </a:effectLst>
+              </a14:hiddenEffects>
+            </a:ext>
+          </a:extLst>
+        </p:spPr>
+        <p:txBody>
+          <a:bodyPr vert="horz" wrap="square" lIns="0" tIns="45720" rIns="91440" bIns="45720" numCol="1" anchor="ctr" anchorCtr="0" compatLnSpc="1">
+            <a:prstTxWarp prst="textNoShape">
+              <a:avLst/>
+            </a:prstTxWarp>
+            <a:spAutoFit/>
+          </a:bodyPr>
+          <a:lstStyle/>
+          <a:p>
+            <a:pPr algn="ctr" eaLnBrk="0" fontAlgn="base" hangingPunct="0">
+              <a:spcBef>
+                <a:spcPct val="0"/>
+              </a:spcBef>
+              <a:spcAft>
+                <a:spcPct val="0"/>
+              </a:spcAft>
+            </a:pPr>
+            <a:r>
+              <a:rPr lang="en-US" sz="2400" b="1" dirty="0">
+                <a:solidFill>
+                  <a:schemeClr val="bg1">
+                    <a:lumMod val="50000"/>
+                  </a:schemeClr>
+                </a:solidFill>
+              </a:rPr>
+              <a:t>General Terms</a:t>
+            </a:r>
+          </a:p>
+        </p:txBody>
+      </p:sp>
+      <p:graphicFrame>
+        <p:nvGraphicFramePr>
+          <p:cNvPr id="6" name="Table 5">
+            <a:extLst>
+              <a:ext uri="{FF2B5EF4-FFF2-40B4-BE49-F238E27FC236}">
+                <a16:creationId xmlns:a16="http://schemas.microsoft.com/office/drawing/2014/main" id="{1290C516-9E14-4C6F-885E-C7BE809FBD1F}"/>
+              </a:ext>
+            </a:extLst>
+          </p:cNvPr>
+          <p:cNvGraphicFramePr>
+            <a:graphicFrameLocks noGrp="1"/>
+          </p:cNvGraphicFramePr>
+          <p:nvPr/>
+        </p:nvGraphicFramePr>
+        <p:xfrm>
+          <a:off x="3476625" y="3818414"/>
+          <a:ext cx="5238750" cy="365760"/>
+        </p:xfrm>
+        <a:graphic>
+          <a:graphicData uri="http://schemas.openxmlformats.org/drawingml/2006/table">
+            <a:tbl>
+              <a:tblPr/>
+              <a:tblGrid>
+                <a:gridCol w="5238750">
+                  <a:extLst>
+                    <a:ext uri="{9D8B030D-6E8A-4147-A177-3AD203B41FA5}">
+                      <a16:colId xmlns:a16="http://schemas.microsoft.com/office/drawing/2014/main" val="2016608482"/>
+                    </a:ext>
+                  </a:extLst>
+                </a:gridCol>
+              </a:tblGrid>
+              <a:tr h="0">
+                <a:tc>
+                  <a:txBody>
+                    <a:bodyPr/>
+                    <a:lstStyle/>
+                    <a:p>
+                      <a:pPr algn="ctr"/>
+                      <a:endParaRPr lang="en-US" dirty="0">
+                        <a:effectLst/>
+                      </a:endParaRPr>
+                    </a:p>
+                  </a:txBody>
+                  <a:tcPr anchor="ctr">
+                    <a:lnL>
+                      <a:noFill/>
+                    </a:lnL>
+                    <a:lnR>
+                      <a:noFill/>
+                    </a:lnR>
+                    <a:lnT>
+                      <a:noFill/>
+                    </a:lnT>
+                    <a:lnB>
+                      <a:noFill/>
+                    </a:lnB>
+                  </a:tcPr>
+                </a:tc>
+                <a:extLst>
+                  <a:ext uri="{0D108BD9-81ED-4DB2-BD59-A6C34878D82A}">
+                    <a16:rowId xmlns:a16="http://schemas.microsoft.com/office/drawing/2014/main" val="3351816037"/>
+                  </a:ext>
+                </a:extLst>
+              </a:tr>
+            </a:tbl>
+          </a:graphicData>
+        </a:graphic>
+      </p:graphicFrame>
+      <p:sp>
+        <p:nvSpPr>
+          <p:cNvPr id="5" name="TextBox 4">
+            <a:extLst>
+              <a:ext uri="{FF2B5EF4-FFF2-40B4-BE49-F238E27FC236}">
+                <a16:creationId xmlns:a16="http://schemas.microsoft.com/office/drawing/2014/main" id="{54A73DD2-27B2-4C6A-92B9-A7C29B4F9022}"/>
+              </a:ext>
+            </a:extLst>
+          </p:cNvPr>
+          <p:cNvSpPr txBox="1"/>
+          <p:nvPr/>
+        </p:nvSpPr>
+        <p:spPr>
+          <a:xfrm>
+            <a:off x="345440" y="762000"/>
+            <a:ext cx="11694160" cy="6340197"/>
+          </a:xfrm>
+          <a:prstGeom prst="rect">
+            <a:avLst/>
+          </a:prstGeom>
+          <a:noFill/>
+        </p:spPr>
+        <p:txBody>
+          <a:bodyPr wrap="square" rtlCol="0">
+            <a:spAutoFit/>
+          </a:bodyPr>
+          <a:lstStyle/>
+          <a:p>
+            <a:pPr marL="285750" indent="-285750">
+              <a:buFont typeface="Wingdings" panose="05000000000000000000" pitchFamily="2" charset="2"/>
+              <a:buChar char="§"/>
+            </a:pPr>
+            <a:r>
+              <a:rPr lang="en-US" sz="2000" b="1" dirty="0">
+                <a:solidFill>
+                  <a:schemeClr val="bg1">
+                    <a:lumMod val="50000"/>
+                  </a:schemeClr>
+                </a:solidFill>
+              </a:rPr>
+              <a:t>Executor</a:t>
+            </a:r>
+          </a:p>
+          <a:p>
+            <a:r>
+              <a:rPr lang="en-US" dirty="0">
+                <a:solidFill>
+                  <a:schemeClr val="bg1">
+                    <a:lumMod val="50000"/>
+                  </a:schemeClr>
+                </a:solidFill>
+              </a:rPr>
+              <a:t>A slot for execution of work defined by a Pipeline or job on a Node. A Node may have zero or more Executors configured which corresponds to how many concurrent Jobs or Pipelines are able to execute on that Node.</a:t>
+            </a:r>
+          </a:p>
+          <a:p>
+            <a:endParaRPr lang="en-US" dirty="0">
+              <a:solidFill>
+                <a:schemeClr val="bg1">
+                  <a:lumMod val="50000"/>
+                </a:schemeClr>
+              </a:solidFill>
+            </a:endParaRPr>
+          </a:p>
+          <a:p>
+            <a:pPr marL="285750" indent="-285750">
+              <a:buFont typeface="Wingdings" panose="05000000000000000000" pitchFamily="2" charset="2"/>
+              <a:buChar char="§"/>
+            </a:pPr>
+            <a:r>
+              <a:rPr lang="en-US" sz="2000" b="1" dirty="0">
+                <a:solidFill>
+                  <a:schemeClr val="bg1">
+                    <a:lumMod val="50000"/>
+                  </a:schemeClr>
+                </a:solidFill>
+              </a:rPr>
+              <a:t>Node</a:t>
+            </a:r>
+          </a:p>
+          <a:p>
+            <a:r>
+              <a:rPr lang="en-US" dirty="0">
+                <a:solidFill>
+                  <a:schemeClr val="bg1">
+                    <a:lumMod val="50000"/>
+                  </a:schemeClr>
+                </a:solidFill>
+              </a:rPr>
+              <a:t>A machine which is part of the Jenkins environment and capable of executing Pipelines or jobs. Both the Master and Agents are considered to be Nodes.</a:t>
+            </a:r>
+          </a:p>
+          <a:p>
+            <a:endParaRPr lang="en-US" dirty="0">
+              <a:solidFill>
+                <a:schemeClr val="bg1">
+                  <a:lumMod val="50000"/>
+                </a:schemeClr>
+              </a:solidFill>
+            </a:endParaRPr>
+          </a:p>
+          <a:p>
+            <a:pPr marL="285750" indent="-285750">
+              <a:buFont typeface="Wingdings" panose="05000000000000000000" pitchFamily="2" charset="2"/>
+              <a:buChar char="§"/>
+            </a:pPr>
+            <a:r>
+              <a:rPr lang="en-US" sz="2000" b="1" dirty="0">
+                <a:solidFill>
+                  <a:schemeClr val="bg1">
+                    <a:lumMod val="50000"/>
+                  </a:schemeClr>
+                </a:solidFill>
+              </a:rPr>
+              <a:t>Pipeline</a:t>
+            </a:r>
+          </a:p>
+          <a:p>
+            <a:r>
+              <a:rPr lang="en-US" dirty="0">
+                <a:solidFill>
+                  <a:schemeClr val="bg1">
+                    <a:lumMod val="50000"/>
+                  </a:schemeClr>
+                </a:solidFill>
+              </a:rPr>
+              <a:t>A user-defined model of a continuous delivery pipeline, for more read the Pipeline chapter in this handbook.</a:t>
+            </a:r>
+          </a:p>
+          <a:p>
+            <a:endParaRPr lang="en-US" dirty="0">
+              <a:solidFill>
+                <a:schemeClr val="bg1">
+                  <a:lumMod val="50000"/>
+                </a:schemeClr>
+              </a:solidFill>
+            </a:endParaRPr>
+          </a:p>
+          <a:p>
+            <a:pPr marL="285750" indent="-285750">
+              <a:buFont typeface="Wingdings" panose="05000000000000000000" pitchFamily="2" charset="2"/>
+              <a:buChar char="§"/>
+            </a:pPr>
+            <a:r>
+              <a:rPr lang="en-US" sz="2000" b="1" dirty="0">
+                <a:solidFill>
+                  <a:schemeClr val="bg1">
+                    <a:lumMod val="50000"/>
+                  </a:schemeClr>
+                </a:solidFill>
+              </a:rPr>
+              <a:t>Release</a:t>
+            </a:r>
+          </a:p>
+          <a:p>
+            <a:r>
+              <a:rPr lang="en-US" dirty="0">
+                <a:solidFill>
+                  <a:schemeClr val="bg1">
+                    <a:lumMod val="50000"/>
+                  </a:schemeClr>
+                </a:solidFill>
+              </a:rPr>
+              <a:t>An event, indicating availability of Jenkins distribution products or one of Jenkins plugins. Jenkins products belong either to LTS or weekly Release lines.</a:t>
+            </a:r>
+          </a:p>
+          <a:p>
+            <a:endParaRPr lang="en-US" dirty="0">
+              <a:solidFill>
+                <a:schemeClr val="bg1">
+                  <a:lumMod val="50000"/>
+                </a:schemeClr>
+              </a:solidFill>
+            </a:endParaRPr>
+          </a:p>
+          <a:p>
+            <a:pPr marL="285750" indent="-285750">
+              <a:buFont typeface="Wingdings" panose="05000000000000000000" pitchFamily="2" charset="2"/>
+              <a:buChar char="§"/>
+            </a:pPr>
+            <a:r>
+              <a:rPr lang="en-US" sz="2000" b="1" dirty="0">
+                <a:solidFill>
+                  <a:schemeClr val="bg1">
+                    <a:lumMod val="50000"/>
+                  </a:schemeClr>
+                </a:solidFill>
+              </a:rPr>
+              <a:t>Stage</a:t>
+            </a:r>
+          </a:p>
+          <a:p>
+            <a:r>
+              <a:rPr lang="en-US" dirty="0">
+                <a:solidFill>
+                  <a:schemeClr val="bg1">
+                    <a:lumMod val="50000"/>
+                  </a:schemeClr>
+                </a:solidFill>
+              </a:rPr>
+              <a:t>stage is part of Pipeline, and used for defining a conceptually distinct subset of the entire Pipeline, for example: "Build", "Test", and "Deploy", which is used by many plugins to visualize or present Jenkins Pipeline status/progress.</a:t>
+            </a:r>
+          </a:p>
+          <a:p>
+            <a:endParaRPr lang="en-US" dirty="0">
+              <a:solidFill>
+                <a:schemeClr val="bg1">
+                  <a:lumMod val="50000"/>
+                </a:schemeClr>
+              </a:solidFill>
+            </a:endParaRPr>
+          </a:p>
+          <a:p>
+            <a:pPr marL="285750" indent="-285750">
+              <a:buFont typeface="Wingdings" panose="05000000000000000000" pitchFamily="2" charset="2"/>
+              <a:buChar char="§"/>
+            </a:pPr>
+            <a:r>
+              <a:rPr lang="en-US" sz="2000" b="1" dirty="0">
+                <a:solidFill>
+                  <a:schemeClr val="bg1">
+                    <a:lumMod val="50000"/>
+                  </a:schemeClr>
+                </a:solidFill>
+              </a:rPr>
+              <a:t>Step</a:t>
+            </a:r>
+          </a:p>
+          <a:p>
+            <a:r>
+              <a:rPr lang="en-US" dirty="0">
+                <a:solidFill>
+                  <a:schemeClr val="bg1">
+                    <a:lumMod val="50000"/>
+                  </a:schemeClr>
+                </a:solidFill>
+              </a:rPr>
+              <a:t>A single task; fundamentally steps tell Jenkins what to do inside of a Pipeline or job.</a:t>
+            </a:r>
+          </a:p>
+          <a:p>
+            <a:endParaRPr lang="en-US" dirty="0">
+              <a:solidFill>
+                <a:schemeClr val="bg1">
+                  <a:lumMod val="50000"/>
+                </a:schemeClr>
+              </a:solidFill>
+            </a:endParaRPr>
+          </a:p>
+        </p:txBody>
+      </p:sp>
+    </p:spTree>
+    <p:extLst>
+      <p:ext uri="{BB962C8B-B14F-4D97-AF65-F5344CB8AC3E}">
+        <p14:creationId xmlns:p14="http://schemas.microsoft.com/office/powerpoint/2010/main" val="205935009"/>
+      </p:ext>
+    </p:extLst>
+  </p:cSld>
+  <p:clrMapOvr>
+    <a:masterClrMapping/>
+  </p:clrMapOvr>
+</p:sld>
+</file>
+
+<file path=ppt/slides/slide52.xml><?xml version="1.0" encoding="utf-8"?>
+<p:sld xmlns:a="http://schemas.openxmlformats.org/drawingml/2006/main" xmlns:r="http://schemas.openxmlformats.org/officeDocument/2006/relationships" xmlns:p="http://schemas.openxmlformats.org/presentationml/2006/main">
+  <p:cSld>
+    <p:spTree>
+      <p:nvGrpSpPr>
+        <p:cNvPr id="1" name=""/>
+        <p:cNvGrpSpPr/>
+        <p:nvPr/>
+      </p:nvGrpSpPr>
+      <p:grpSpPr>
+        <a:xfrm>
+          <a:off x="0" y="0"/>
+          <a:ext cx="0" cy="0"/>
+          <a:chOff x="0" y="0"/>
+          <a:chExt cx="0" cy="0"/>
+        </a:xfrm>
+      </p:grpSpPr>
+      <p:sp>
+        <p:nvSpPr>
+          <p:cNvPr id="5" name="TextBox 4">
+            <a:extLst>
+              <a:ext uri="{FF2B5EF4-FFF2-40B4-BE49-F238E27FC236}">
+                <a16:creationId xmlns:a16="http://schemas.microsoft.com/office/drawing/2014/main" id="{342270AA-492E-468C-B5DF-D005AB39834E}"/>
+              </a:ext>
+            </a:extLst>
+          </p:cNvPr>
+          <p:cNvSpPr txBox="1"/>
+          <p:nvPr/>
+        </p:nvSpPr>
+        <p:spPr>
+          <a:xfrm>
+            <a:off x="10159" y="2794000"/>
+            <a:ext cx="12181841" cy="1015663"/>
+          </a:xfrm>
+          <a:prstGeom prst="rect">
+            <a:avLst/>
+          </a:prstGeom>
+          <a:noFill/>
+        </p:spPr>
+        <p:txBody>
+          <a:bodyPr wrap="square" rtlCol="0">
+            <a:spAutoFit/>
+          </a:bodyPr>
+          <a:lstStyle/>
+          <a:p>
+            <a:pPr algn="ctr"/>
+            <a:r>
+              <a:rPr lang="en-US" sz="6000" b="1" dirty="0">
+                <a:solidFill>
+                  <a:schemeClr val="bg1">
+                    <a:lumMod val="50000"/>
+                  </a:schemeClr>
+                </a:solidFill>
+              </a:rPr>
+              <a:t>Thank You</a:t>
+            </a:r>
+          </a:p>
+        </p:txBody>
+      </p:sp>
+    </p:spTree>
+    <p:extLst>
+      <p:ext uri="{BB962C8B-B14F-4D97-AF65-F5344CB8AC3E}">
+        <p14:creationId xmlns:p14="http://schemas.microsoft.com/office/powerpoint/2010/main" val="3981335253"/>
       </p:ext>
     </p:extLst>
   </p:cSld>
@@ -9355,7 +15624,7 @@
           <p:cNvPr id="3" name="TextBox 2">
             <a:extLst>
               <a:ext uri="{FF2B5EF4-FFF2-40B4-BE49-F238E27FC236}">
-                <a16:creationId xmlns:a16="http://schemas.microsoft.com/office/drawing/2014/main" xmlns="" id="{B544C6B0-EF6C-4250-91BF-FF09779362BA}"/>
+                <a16:creationId xmlns:a16="http://schemas.microsoft.com/office/drawing/2014/main" id="{B544C6B0-EF6C-4250-91BF-FF09779362BA}"/>
               </a:ext>
             </a:extLst>
           </p:cNvPr>
@@ -9405,7 +15674,7 @@
           <p:cNvPr id="6" name="TextBox 5">
             <a:extLst>
               <a:ext uri="{FF2B5EF4-FFF2-40B4-BE49-F238E27FC236}">
-                <a16:creationId xmlns:a16="http://schemas.microsoft.com/office/drawing/2014/main" xmlns="" id="{640BB658-D346-4643-A9C7-7F3BD503A7C1}"/>
+                <a16:creationId xmlns:a16="http://schemas.microsoft.com/office/drawing/2014/main" id="{640BB658-D346-4643-A9C7-7F3BD503A7C1}"/>
               </a:ext>
             </a:extLst>
           </p:cNvPr>
@@ -9446,7 +15715,7 @@
           <p:cNvPr id="7" name="Picture 6">
             <a:extLst>
               <a:ext uri="{FF2B5EF4-FFF2-40B4-BE49-F238E27FC236}">
-                <a16:creationId xmlns:a16="http://schemas.microsoft.com/office/drawing/2014/main" xmlns="" id="{FB29A71E-1CB8-4485-B7A9-A1E8C39F6774}"/>
+                <a16:creationId xmlns:a16="http://schemas.microsoft.com/office/drawing/2014/main" id="{FB29A71E-1CB8-4485-B7A9-A1E8C39F6774}"/>
               </a:ext>
             </a:extLst>
           </p:cNvPr>
@@ -9474,7 +15743,7 @@
     </p:spTree>
     <p:extLst>
       <p:ext uri="{BB962C8B-B14F-4D97-AF65-F5344CB8AC3E}">
-        <p14:creationId xmlns:p14="http://schemas.microsoft.com/office/powerpoint/2010/main" xmlns="" val="4142731611"/>
+        <p14:creationId xmlns:p14="http://schemas.microsoft.com/office/powerpoint/2010/main" val="4142731611"/>
       </p:ext>
     </p:extLst>
   </p:cSld>
@@ -9506,7 +15775,7 @@
           <p:cNvPr id="2" name="TextBox 1">
             <a:extLst>
               <a:ext uri="{FF2B5EF4-FFF2-40B4-BE49-F238E27FC236}">
-                <a16:creationId xmlns:a16="http://schemas.microsoft.com/office/drawing/2014/main" xmlns="" id="{8DA34F60-C036-4B57-8DAB-1153FCC4B013}"/>
+                <a16:creationId xmlns:a16="http://schemas.microsoft.com/office/drawing/2014/main" id="{8DA34F60-C036-4B57-8DAB-1153FCC4B013}"/>
               </a:ext>
             </a:extLst>
           </p:cNvPr>
@@ -9538,7 +15807,7 @@
           <p:cNvPr id="3" name="TextBox 2">
             <a:extLst>
               <a:ext uri="{FF2B5EF4-FFF2-40B4-BE49-F238E27FC236}">
-                <a16:creationId xmlns:a16="http://schemas.microsoft.com/office/drawing/2014/main" xmlns="" id="{B544C6B0-EF6C-4250-91BF-FF09779362BA}"/>
+                <a16:creationId xmlns:a16="http://schemas.microsoft.com/office/drawing/2014/main" id="{B544C6B0-EF6C-4250-91BF-FF09779362BA}"/>
               </a:ext>
             </a:extLst>
           </p:cNvPr>
@@ -9588,7 +15857,7 @@
           <p:cNvPr id="5" name="TextBox 4">
             <a:extLst>
               <a:ext uri="{FF2B5EF4-FFF2-40B4-BE49-F238E27FC236}">
-                <a16:creationId xmlns:a16="http://schemas.microsoft.com/office/drawing/2014/main" xmlns="" id="{71212FCE-4877-450F-9633-F9048A38CCF7}"/>
+                <a16:creationId xmlns:a16="http://schemas.microsoft.com/office/drawing/2014/main" id="{71212FCE-4877-450F-9633-F9048A38CCF7}"/>
               </a:ext>
             </a:extLst>
           </p:cNvPr>
@@ -9630,7 +15899,7 @@
           <p:cNvPr id="6" name="Picture 5">
             <a:extLst>
               <a:ext uri="{FF2B5EF4-FFF2-40B4-BE49-F238E27FC236}">
-                <a16:creationId xmlns:a16="http://schemas.microsoft.com/office/drawing/2014/main" xmlns="" id="{360BC874-6D5C-400E-803C-8CDE1D04E0FE}"/>
+                <a16:creationId xmlns:a16="http://schemas.microsoft.com/office/drawing/2014/main" id="{360BC874-6D5C-400E-803C-8CDE1D04E0FE}"/>
               </a:ext>
             </a:extLst>
           </p:cNvPr>
@@ -9658,7 +15927,7 @@
     </p:spTree>
     <p:extLst>
       <p:ext uri="{BB962C8B-B14F-4D97-AF65-F5344CB8AC3E}">
-        <p14:creationId xmlns:p14="http://schemas.microsoft.com/office/powerpoint/2010/main" xmlns="" val="2219346209"/>
+        <p14:creationId xmlns:p14="http://schemas.microsoft.com/office/powerpoint/2010/main" val="2219346209"/>
       </p:ext>
     </p:extLst>
   </p:cSld>
@@ -9690,7 +15959,7 @@
           <p:cNvPr id="2" name="TextBox 1">
             <a:extLst>
               <a:ext uri="{FF2B5EF4-FFF2-40B4-BE49-F238E27FC236}">
-                <a16:creationId xmlns:a16="http://schemas.microsoft.com/office/drawing/2014/main" xmlns="" id="{8DA34F60-C036-4B57-8DAB-1153FCC4B013}"/>
+                <a16:creationId xmlns:a16="http://schemas.microsoft.com/office/drawing/2014/main" id="{8DA34F60-C036-4B57-8DAB-1153FCC4B013}"/>
               </a:ext>
             </a:extLst>
           </p:cNvPr>
@@ -9722,7 +15991,7 @@
           <p:cNvPr id="3" name="TextBox 2">
             <a:extLst>
               <a:ext uri="{FF2B5EF4-FFF2-40B4-BE49-F238E27FC236}">
-                <a16:creationId xmlns:a16="http://schemas.microsoft.com/office/drawing/2014/main" xmlns="" id="{B544C6B0-EF6C-4250-91BF-FF09779362BA}"/>
+                <a16:creationId xmlns:a16="http://schemas.microsoft.com/office/drawing/2014/main" id="{B544C6B0-EF6C-4250-91BF-FF09779362BA}"/>
               </a:ext>
             </a:extLst>
           </p:cNvPr>
@@ -9772,7 +16041,7 @@
           <p:cNvPr id="4" name="Picture 3">
             <a:extLst>
               <a:ext uri="{FF2B5EF4-FFF2-40B4-BE49-F238E27FC236}">
-                <a16:creationId xmlns:a16="http://schemas.microsoft.com/office/drawing/2014/main" xmlns="" id="{C60C186D-9A6C-455F-B568-D87CB97AF63E}"/>
+                <a16:creationId xmlns:a16="http://schemas.microsoft.com/office/drawing/2014/main" id="{C60C186D-9A6C-455F-B568-D87CB97AF63E}"/>
               </a:ext>
             </a:extLst>
           </p:cNvPr>
@@ -9789,7 +16058,7 @@
         </p:blipFill>
         <p:spPr>
           <a:xfrm>
-            <a:off x="0" y="815070"/>
+            <a:off x="0" y="845550"/>
             <a:ext cx="12192000" cy="5552979"/>
           </a:xfrm>
           <a:prstGeom prst="rect">
@@ -9800,7 +16069,7 @@
     </p:spTree>
     <p:extLst>
       <p:ext uri="{BB962C8B-B14F-4D97-AF65-F5344CB8AC3E}">
-        <p14:creationId xmlns:p14="http://schemas.microsoft.com/office/powerpoint/2010/main" xmlns="" val="1411206396"/>
+        <p14:creationId xmlns:p14="http://schemas.microsoft.com/office/powerpoint/2010/main" val="1411206396"/>
       </p:ext>
     </p:extLst>
   </p:cSld>
@@ -9832,7 +16101,7 @@
           <p:cNvPr id="2" name="TextBox 1">
             <a:extLst>
               <a:ext uri="{FF2B5EF4-FFF2-40B4-BE49-F238E27FC236}">
-                <a16:creationId xmlns:a16="http://schemas.microsoft.com/office/drawing/2014/main" xmlns="" id="{8DA34F60-C036-4B57-8DAB-1153FCC4B013}"/>
+                <a16:creationId xmlns:a16="http://schemas.microsoft.com/office/drawing/2014/main" id="{8DA34F60-C036-4B57-8DAB-1153FCC4B013}"/>
               </a:ext>
             </a:extLst>
           </p:cNvPr>
@@ -9864,7 +16133,7 @@
           <p:cNvPr id="3" name="TextBox 2">
             <a:extLst>
               <a:ext uri="{FF2B5EF4-FFF2-40B4-BE49-F238E27FC236}">
-                <a16:creationId xmlns:a16="http://schemas.microsoft.com/office/drawing/2014/main" xmlns="" id="{B544C6B0-EF6C-4250-91BF-FF09779362BA}"/>
+                <a16:creationId xmlns:a16="http://schemas.microsoft.com/office/drawing/2014/main" id="{B544C6B0-EF6C-4250-91BF-FF09779362BA}"/>
               </a:ext>
             </a:extLst>
           </p:cNvPr>
@@ -9914,7 +16183,7 @@
           <p:cNvPr id="4" name="Picture 3">
             <a:extLst>
               <a:ext uri="{FF2B5EF4-FFF2-40B4-BE49-F238E27FC236}">
-                <a16:creationId xmlns:a16="http://schemas.microsoft.com/office/drawing/2014/main" xmlns="" id="{D57C87F1-68AD-4C82-B863-3771DD261942}"/>
+                <a16:creationId xmlns:a16="http://schemas.microsoft.com/office/drawing/2014/main" id="{D57C87F1-68AD-4C82-B863-3771DD261942}"/>
               </a:ext>
             </a:extLst>
           </p:cNvPr>
@@ -9942,7 +16211,7 @@
     </p:spTree>
     <p:extLst>
       <p:ext uri="{BB962C8B-B14F-4D97-AF65-F5344CB8AC3E}">
-        <p14:creationId xmlns:p14="http://schemas.microsoft.com/office/powerpoint/2010/main" xmlns="" val="2783770015"/>
+        <p14:creationId xmlns:p14="http://schemas.microsoft.com/office/powerpoint/2010/main" val="2783770015"/>
       </p:ext>
     </p:extLst>
   </p:cSld>
@@ -10241,7 +16510,302 @@
   <a:extraClrSchemeLst/>
   <a:extLst>
     <a:ext uri="{05A4C25C-085E-4340-85A3-A5531E510DB2}">
-      <thm15:themeFamily xmlns:thm15="http://schemas.microsoft.com/office/thememl/2012/main" xmlns="" name="Office Theme" id="{62F939B6-93AF-4DB8-9C6B-D6C7DFDC589F}" vid="{4A3C46E8-61CC-4603-A589-7422A47A8E4A}"/>
+      <thm15:themeFamily xmlns:thm15="http://schemas.microsoft.com/office/thememl/2012/main" name="Office Theme" id="{62F939B6-93AF-4DB8-9C6B-D6C7DFDC589F}" vid="{4A3C46E8-61CC-4603-A589-7422A47A8E4A}"/>
+    </a:ext>
+  </a:extLst>
+</a:theme>
+</file>
+
+<file path=ppt/theme/theme2.xml><?xml version="1.0" encoding="utf-8"?>
+<a:theme xmlns:a="http://schemas.openxmlformats.org/drawingml/2006/main" name="Office Theme">
+  <a:themeElements>
+    <a:clrScheme name="Office">
+      <a:dk1>
+        <a:sysClr val="windowText" lastClr="000000"/>
+      </a:dk1>
+      <a:lt1>
+        <a:sysClr val="window" lastClr="FFFFFF"/>
+      </a:lt1>
+      <a:dk2>
+        <a:srgbClr val="44546A"/>
+      </a:dk2>
+      <a:lt2>
+        <a:srgbClr val="E7E6E6"/>
+      </a:lt2>
+      <a:accent1>
+        <a:srgbClr val="4472C4"/>
+      </a:accent1>
+      <a:accent2>
+        <a:srgbClr val="ED7D31"/>
+      </a:accent2>
+      <a:accent3>
+        <a:srgbClr val="A5A5A5"/>
+      </a:accent3>
+      <a:accent4>
+        <a:srgbClr val="FFC000"/>
+      </a:accent4>
+      <a:accent5>
+        <a:srgbClr val="5B9BD5"/>
+      </a:accent5>
+      <a:accent6>
+        <a:srgbClr val="70AD47"/>
+      </a:accent6>
+      <a:hlink>
+        <a:srgbClr val="0563C1"/>
+      </a:hlink>
+      <a:folHlink>
+        <a:srgbClr val="954F72"/>
+      </a:folHlink>
+    </a:clrScheme>
+    <a:fontScheme name="Office">
+      <a:majorFont>
+        <a:latin typeface="Calibri Light" panose="020F0302020204030204"/>
+        <a:ea typeface=""/>
+        <a:cs typeface=""/>
+        <a:font script="Jpan" typeface="游ゴシック Light"/>
+        <a:font script="Hang" typeface="맑은 고딕"/>
+        <a:font script="Hans" typeface="等线 Light"/>
+        <a:font script="Hant" typeface="新細明體"/>
+        <a:font script="Arab" typeface="Times New Roman"/>
+        <a:font script="Hebr" typeface="Times New Roman"/>
+        <a:font script="Thai" typeface="Angsana New"/>
+        <a:font script="Ethi" typeface="Nyala"/>
+        <a:font script="Beng" typeface="Vrinda"/>
+        <a:font script="Gujr" typeface="Shruti"/>
+        <a:font script="Khmr" typeface="MoolBoran"/>
+        <a:font script="Knda" typeface="Tunga"/>
+        <a:font script="Guru" typeface="Raavi"/>
+        <a:font script="Cans" typeface="Euphemia"/>
+        <a:font script="Cher" typeface="Plantagenet Cherokee"/>
+        <a:font script="Yiii" typeface="Microsoft Yi Baiti"/>
+        <a:font script="Tibt" typeface="Microsoft Himalaya"/>
+        <a:font script="Thaa" typeface="MV Boli"/>
+        <a:font script="Deva" typeface="Mangal"/>
+        <a:font script="Telu" typeface="Gautami"/>
+        <a:font script="Taml" typeface="Latha"/>
+        <a:font script="Syrc" typeface="Estrangelo Edessa"/>
+        <a:font script="Orya" typeface="Kalinga"/>
+        <a:font script="Mlym" typeface="Kartika"/>
+        <a:font script="Laoo" typeface="DokChampa"/>
+        <a:font script="Sinh" typeface="Iskoola Pota"/>
+        <a:font script="Mong" typeface="Mongolian Baiti"/>
+        <a:font script="Viet" typeface="Times New Roman"/>
+        <a:font script="Uigh" typeface="Microsoft Uighur"/>
+        <a:font script="Geor" typeface="Sylfaen"/>
+        <a:font script="Armn" typeface="Arial"/>
+        <a:font script="Bugi" typeface="Leelawadee UI"/>
+        <a:font script="Bopo" typeface="Microsoft JhengHei"/>
+        <a:font script="Java" typeface="Javanese Text"/>
+        <a:font script="Lisu" typeface="Segoe UI"/>
+        <a:font script="Mymr" typeface="Myanmar Text"/>
+        <a:font script="Nkoo" typeface="Ebrima"/>
+        <a:font script="Olck" typeface="Nirmala UI"/>
+        <a:font script="Osma" typeface="Ebrima"/>
+        <a:font script="Phag" typeface="Phagspa"/>
+        <a:font script="Syrn" typeface="Estrangelo Edessa"/>
+        <a:font script="Syrj" typeface="Estrangelo Edessa"/>
+        <a:font script="Syre" typeface="Estrangelo Edessa"/>
+        <a:font script="Sora" typeface="Nirmala UI"/>
+        <a:font script="Tale" typeface="Microsoft Tai Le"/>
+        <a:font script="Talu" typeface="Microsoft New Tai Lue"/>
+        <a:font script="Tfng" typeface="Ebrima"/>
+      </a:majorFont>
+      <a:minorFont>
+        <a:latin typeface="Calibri" panose="020F0502020204030204"/>
+        <a:ea typeface=""/>
+        <a:cs typeface=""/>
+        <a:font script="Jpan" typeface="游ゴシック"/>
+        <a:font script="Hang" typeface="맑은 고딕"/>
+        <a:font script="Hans" typeface="等线"/>
+        <a:font script="Hant" typeface="新細明體"/>
+        <a:font script="Arab" typeface="Arial"/>
+        <a:font script="Hebr" typeface="Arial"/>
+        <a:font script="Thai" typeface="Cordia New"/>
+        <a:font script="Ethi" typeface="Nyala"/>
+        <a:font script="Beng" typeface="Vrinda"/>
+        <a:font script="Gujr" typeface="Shruti"/>
+        <a:font script="Khmr" typeface="DaunPenh"/>
+        <a:font script="Knda" typeface="Tunga"/>
+        <a:font script="Guru" typeface="Raavi"/>
+        <a:font script="Cans" typeface="Euphemia"/>
+        <a:font script="Cher" typeface="Plantagenet Cherokee"/>
+        <a:font script="Yiii" typeface="Microsoft Yi Baiti"/>
+        <a:font script="Tibt" typeface="Microsoft Himalaya"/>
+        <a:font script="Thaa" typeface="MV Boli"/>
+        <a:font script="Deva" typeface="Mangal"/>
+        <a:font script="Telu" typeface="Gautami"/>
+        <a:font script="Taml" typeface="Latha"/>
+        <a:font script="Syrc" typeface="Estrangelo Edessa"/>
+        <a:font script="Orya" typeface="Kalinga"/>
+        <a:font script="Mlym" typeface="Kartika"/>
+        <a:font script="Laoo" typeface="DokChampa"/>
+        <a:font script="Sinh" typeface="Iskoola Pota"/>
+        <a:font script="Mong" typeface="Mongolian Baiti"/>
+        <a:font script="Viet" typeface="Arial"/>
+        <a:font script="Uigh" typeface="Microsoft Uighur"/>
+        <a:font script="Geor" typeface="Sylfaen"/>
+        <a:font script="Armn" typeface="Arial"/>
+        <a:font script="Bugi" typeface="Leelawadee UI"/>
+        <a:font script="Bopo" typeface="Microsoft JhengHei"/>
+        <a:font script="Java" typeface="Javanese Text"/>
+        <a:font script="Lisu" typeface="Segoe UI"/>
+        <a:font script="Mymr" typeface="Myanmar Text"/>
+        <a:font script="Nkoo" typeface="Ebrima"/>
+        <a:font script="Olck" typeface="Nirmala UI"/>
+        <a:font script="Osma" typeface="Ebrima"/>
+        <a:font script="Phag" typeface="Phagspa"/>
+        <a:font script="Syrn" typeface="Estrangelo Edessa"/>
+        <a:font script="Syrj" typeface="Estrangelo Edessa"/>
+        <a:font script="Syre" typeface="Estrangelo Edessa"/>
+        <a:font script="Sora" typeface="Nirmala UI"/>
+        <a:font script="Tale" typeface="Microsoft Tai Le"/>
+        <a:font script="Talu" typeface="Microsoft New Tai Lue"/>
+        <a:font script="Tfng" typeface="Ebrima"/>
+      </a:minorFont>
+    </a:fontScheme>
+    <a:fmtScheme name="Office">
+      <a:fillStyleLst>
+        <a:solidFill>
+          <a:schemeClr val="phClr"/>
+        </a:solidFill>
+        <a:gradFill rotWithShape="1">
+          <a:gsLst>
+            <a:gs pos="0">
+              <a:schemeClr val="phClr">
+                <a:lumMod val="110000"/>
+                <a:satMod val="105000"/>
+                <a:tint val="67000"/>
+              </a:schemeClr>
+            </a:gs>
+            <a:gs pos="50000">
+              <a:schemeClr val="phClr">
+                <a:lumMod val="105000"/>
+                <a:satMod val="103000"/>
+                <a:tint val="73000"/>
+              </a:schemeClr>
+            </a:gs>
+            <a:gs pos="100000">
+              <a:schemeClr val="phClr">
+                <a:lumMod val="105000"/>
+                <a:satMod val="109000"/>
+                <a:tint val="81000"/>
+              </a:schemeClr>
+            </a:gs>
+          </a:gsLst>
+          <a:lin ang="5400000" scaled="0"/>
+        </a:gradFill>
+        <a:gradFill rotWithShape="1">
+          <a:gsLst>
+            <a:gs pos="0">
+              <a:schemeClr val="phClr">
+                <a:satMod val="103000"/>
+                <a:lumMod val="102000"/>
+                <a:tint val="94000"/>
+              </a:schemeClr>
+            </a:gs>
+            <a:gs pos="50000">
+              <a:schemeClr val="phClr">
+                <a:satMod val="110000"/>
+                <a:lumMod val="100000"/>
+                <a:shade val="100000"/>
+              </a:schemeClr>
+            </a:gs>
+            <a:gs pos="100000">
+              <a:schemeClr val="phClr">
+                <a:lumMod val="99000"/>
+                <a:satMod val="120000"/>
+                <a:shade val="78000"/>
+              </a:schemeClr>
+            </a:gs>
+          </a:gsLst>
+          <a:lin ang="5400000" scaled="0"/>
+        </a:gradFill>
+      </a:fillStyleLst>
+      <a:lnStyleLst>
+        <a:ln w="6350" cap="flat" cmpd="sng" algn="ctr">
+          <a:solidFill>
+            <a:schemeClr val="phClr"/>
+          </a:solidFill>
+          <a:prstDash val="solid"/>
+          <a:miter lim="800000"/>
+        </a:ln>
+        <a:ln w="12700" cap="flat" cmpd="sng" algn="ctr">
+          <a:solidFill>
+            <a:schemeClr val="phClr"/>
+          </a:solidFill>
+          <a:prstDash val="solid"/>
+          <a:miter lim="800000"/>
+        </a:ln>
+        <a:ln w="19050" cap="flat" cmpd="sng" algn="ctr">
+          <a:solidFill>
+            <a:schemeClr val="phClr"/>
+          </a:solidFill>
+          <a:prstDash val="solid"/>
+          <a:miter lim="800000"/>
+        </a:ln>
+      </a:lnStyleLst>
+      <a:effectStyleLst>
+        <a:effectStyle>
+          <a:effectLst/>
+        </a:effectStyle>
+        <a:effectStyle>
+          <a:effectLst/>
+        </a:effectStyle>
+        <a:effectStyle>
+          <a:effectLst>
+            <a:outerShdw blurRad="57150" dist="19050" dir="5400000" algn="ctr" rotWithShape="0">
+              <a:srgbClr val="000000">
+                <a:alpha val="63000"/>
+              </a:srgbClr>
+            </a:outerShdw>
+          </a:effectLst>
+        </a:effectStyle>
+      </a:effectStyleLst>
+      <a:bgFillStyleLst>
+        <a:solidFill>
+          <a:schemeClr val="phClr"/>
+        </a:solidFill>
+        <a:solidFill>
+          <a:schemeClr val="phClr">
+            <a:tint val="95000"/>
+            <a:satMod val="170000"/>
+          </a:schemeClr>
+        </a:solidFill>
+        <a:gradFill rotWithShape="1">
+          <a:gsLst>
+            <a:gs pos="0">
+              <a:schemeClr val="phClr">
+                <a:tint val="93000"/>
+                <a:satMod val="150000"/>
+                <a:shade val="98000"/>
+                <a:lumMod val="102000"/>
+              </a:schemeClr>
+            </a:gs>
+            <a:gs pos="50000">
+              <a:schemeClr val="phClr">
+                <a:tint val="98000"/>
+                <a:satMod val="130000"/>
+                <a:shade val="90000"/>
+                <a:lumMod val="103000"/>
+              </a:schemeClr>
+            </a:gs>
+            <a:gs pos="100000">
+              <a:schemeClr val="phClr">
+                <a:shade val="63000"/>
+                <a:satMod val="120000"/>
+              </a:schemeClr>
+            </a:gs>
+          </a:gsLst>
+          <a:lin ang="5400000" scaled="0"/>
+        </a:gradFill>
+      </a:bgFillStyleLst>
+    </a:fmtScheme>
+  </a:themeElements>
+  <a:objectDefaults/>
+  <a:extraClrSchemeLst/>
+  <a:extLst>
+    <a:ext uri="{05A4C25C-085E-4340-85A3-A5531E510DB2}">
+      <thm15:themeFamily xmlns:thm15="http://schemas.microsoft.com/office/thememl/2012/main" name="Office Theme" id="{62F939B6-93AF-4DB8-9C6B-D6C7DFDC589F}" vid="{4A3C46E8-61CC-4603-A589-7422A47A8E4A}"/>
     </a:ext>
   </a:extLst>
 </a:theme>
